--- a/reports/18_03_13 Presentation.pptx
+++ b/reports/18_03_13 Presentation.pptx
@@ -110,6 +110,11 @@
       </a:defRPr>
     </a:lvl9pPr>
   </p:defaultTextStyle>
+  <p:extLst>
+    <p:ext uri="{EFAFB233-063F-42B5-8137-9DF3F51BA10A}">
+      <p15:sldGuideLst xmlns:p15="http://schemas.microsoft.com/office/powerpoint/2012/main"/>
+    </p:ext>
+  </p:extLst>
 </p:presentation>
 </file>
 
@@ -244,7 +249,7 @@
           <a:p>
             <a:fld id="{8B887784-E512-F943-98E0-5497CC7B1195}" type="datetimeFigureOut">
               <a:rPr lang="en-US" smtClean="0"/>
-              <a:t>3/9/18</a:t>
+              <a:t>3/10/18</a:t>
             </a:fld>
             <a:endParaRPr lang="en-US"/>
           </a:p>
@@ -414,7 +419,7 @@
           <a:p>
             <a:fld id="{8B887784-E512-F943-98E0-5497CC7B1195}" type="datetimeFigureOut">
               <a:rPr lang="en-US" smtClean="0"/>
-              <a:t>3/9/18</a:t>
+              <a:t>3/10/18</a:t>
             </a:fld>
             <a:endParaRPr lang="en-US"/>
           </a:p>
@@ -594,7 +599,7 @@
           <a:p>
             <a:fld id="{8B887784-E512-F943-98E0-5497CC7B1195}" type="datetimeFigureOut">
               <a:rPr lang="en-US" smtClean="0"/>
-              <a:t>3/9/18</a:t>
+              <a:t>3/10/18</a:t>
             </a:fld>
             <a:endParaRPr lang="en-US"/>
           </a:p>
@@ -764,7 +769,7 @@
           <a:p>
             <a:fld id="{8B887784-E512-F943-98E0-5497CC7B1195}" type="datetimeFigureOut">
               <a:rPr lang="en-US" smtClean="0"/>
-              <a:t>3/9/18</a:t>
+              <a:t>3/10/18</a:t>
             </a:fld>
             <a:endParaRPr lang="en-US"/>
           </a:p>
@@ -1010,7 +1015,7 @@
           <a:p>
             <a:fld id="{8B887784-E512-F943-98E0-5497CC7B1195}" type="datetimeFigureOut">
               <a:rPr lang="en-US" smtClean="0"/>
-              <a:t>3/9/18</a:t>
+              <a:t>3/10/18</a:t>
             </a:fld>
             <a:endParaRPr lang="en-US"/>
           </a:p>
@@ -1242,7 +1247,7 @@
           <a:p>
             <a:fld id="{8B887784-E512-F943-98E0-5497CC7B1195}" type="datetimeFigureOut">
               <a:rPr lang="en-US" smtClean="0"/>
-              <a:t>3/9/18</a:t>
+              <a:t>3/10/18</a:t>
             </a:fld>
             <a:endParaRPr lang="en-US"/>
           </a:p>
@@ -1609,7 +1614,7 @@
           <a:p>
             <a:fld id="{8B887784-E512-F943-98E0-5497CC7B1195}" type="datetimeFigureOut">
               <a:rPr lang="en-US" smtClean="0"/>
-              <a:t>3/9/18</a:t>
+              <a:t>3/10/18</a:t>
             </a:fld>
             <a:endParaRPr lang="en-US"/>
           </a:p>
@@ -1727,7 +1732,7 @@
           <a:p>
             <a:fld id="{8B887784-E512-F943-98E0-5497CC7B1195}" type="datetimeFigureOut">
               <a:rPr lang="en-US" smtClean="0"/>
-              <a:t>3/9/18</a:t>
+              <a:t>3/10/18</a:t>
             </a:fld>
             <a:endParaRPr lang="en-US"/>
           </a:p>
@@ -1822,7 +1827,7 @@
           <a:p>
             <a:fld id="{8B887784-E512-F943-98E0-5497CC7B1195}" type="datetimeFigureOut">
               <a:rPr lang="en-US" smtClean="0"/>
-              <a:t>3/9/18</a:t>
+              <a:t>3/10/18</a:t>
             </a:fld>
             <a:endParaRPr lang="en-US"/>
           </a:p>
@@ -2099,7 +2104,7 @@
           <a:p>
             <a:fld id="{8B887784-E512-F943-98E0-5497CC7B1195}" type="datetimeFigureOut">
               <a:rPr lang="en-US" smtClean="0"/>
-              <a:t>3/9/18</a:t>
+              <a:t>3/10/18</a:t>
             </a:fld>
             <a:endParaRPr lang="en-US"/>
           </a:p>
@@ -2352,7 +2357,7 @@
           <a:p>
             <a:fld id="{8B887784-E512-F943-98E0-5497CC7B1195}" type="datetimeFigureOut">
               <a:rPr lang="en-US" smtClean="0"/>
-              <a:t>3/9/18</a:t>
+              <a:t>3/10/18</a:t>
             </a:fld>
             <a:endParaRPr lang="en-US"/>
           </a:p>
@@ -2565,7 +2570,7 @@
           <a:p>
             <a:fld id="{8B887784-E512-F943-98E0-5497CC7B1195}" type="datetimeFigureOut">
               <a:rPr lang="en-US" smtClean="0"/>
-              <a:t>3/9/18</a:t>
+              <a:t>3/10/18</a:t>
             </a:fld>
             <a:endParaRPr lang="en-US"/>
           </a:p>
@@ -4750,7 +4755,7 @@
           <p:nvPr>
             <p:extLst>
               <p:ext uri="{D42A27DB-BD31-4B8C-83A1-F6EECF244321}">
-                <p14:modId xmlns:p14="http://schemas.microsoft.com/office/powerpoint/2010/main" val="108925285"/>
+                <p14:modId xmlns:p14="http://schemas.microsoft.com/office/powerpoint/2010/main" val="1386914569"/>
               </p:ext>
             </p:extLst>
           </p:nvPr>
@@ -4981,18 +4986,15 @@
                     <a:p>
                       <a:pPr algn="r" fontAlgn="b"/>
                       <a:r>
-                        <a:rPr lang="is-IS" sz="1200" u="none" strike="noStrike">
-                          <a:effectLst/>
-                        </a:rPr>
-                        <a:t>0.1079</a:t>
-                      </a:r>
-                      <a:endParaRPr lang="is-IS" sz="1200" b="0" i="0" u="none" strike="noStrike">
-                        <a:solidFill>
-                          <a:srgbClr val="000000"/>
-                        </a:solidFill>
-                        <a:effectLst/>
-                        <a:latin typeface="Calibri" charset="0"/>
-                      </a:endParaRPr>
+                        <a:rPr lang="is-IS" sz="1200" b="0" i="0" u="none" strike="noStrike">
+                          <a:solidFill>
+                            <a:srgbClr val="000000"/>
+                          </a:solidFill>
+                          <a:effectLst/>
+                          <a:latin typeface="Calibri" charset="0"/>
+                        </a:rPr>
+                        <a:t>0.1008</a:t>
+                      </a:r>
                     </a:p>
                   </a:txBody>
                   <a:tcPr marL="6350" marR="6350" marT="6350" marB="0" anchor="b"/>
@@ -5004,18 +5006,15 @@
                     <a:p>
                       <a:pPr algn="r" fontAlgn="b"/>
                       <a:r>
-                        <a:rPr lang="it-IT" sz="1200" u="none" strike="noStrike">
-                          <a:effectLst/>
-                        </a:rPr>
-                        <a:t>0.6839</a:t>
-                      </a:r>
-                      <a:endParaRPr lang="it-IT" sz="1200" b="0" i="0" u="none" strike="noStrike">
-                        <a:solidFill>
-                          <a:srgbClr val="000000"/>
-                        </a:solidFill>
-                        <a:effectLst/>
-                        <a:latin typeface="Calibri" charset="0"/>
-                      </a:endParaRPr>
+                        <a:rPr lang="nb-NO" sz="1200" b="0" i="0" u="none" strike="noStrike">
+                          <a:solidFill>
+                            <a:srgbClr val="000000"/>
+                          </a:solidFill>
+                          <a:effectLst/>
+                          <a:latin typeface="Calibri" charset="0"/>
+                        </a:rPr>
+                        <a:t>0.6385</a:t>
+                      </a:r>
                     </a:p>
                   </a:txBody>
                   <a:tcPr marL="6350" marR="6350" marT="6350" marB="0" anchor="b"/>
@@ -5062,18 +5061,15 @@
                     <a:p>
                       <a:pPr algn="r" fontAlgn="b"/>
                       <a:r>
-                        <a:rPr lang="nb-NO" sz="1200" u="none" strike="noStrike">
-                          <a:effectLst/>
-                        </a:rPr>
-                        <a:t>0.1482</a:t>
-                      </a:r>
-                      <a:endParaRPr lang="nb-NO" sz="1200" b="0" i="0" u="none" strike="noStrike">
-                        <a:solidFill>
-                          <a:srgbClr val="000000"/>
-                        </a:solidFill>
-                        <a:effectLst/>
-                        <a:latin typeface="Calibri" charset="0"/>
-                      </a:endParaRPr>
+                        <a:rPr lang="hr-HR" sz="1200" b="0" i="0" u="none" strike="noStrike" dirty="0">
+                          <a:solidFill>
+                            <a:srgbClr val="000000"/>
+                          </a:solidFill>
+                          <a:effectLst/>
+                          <a:latin typeface="Calibri" charset="0"/>
+                        </a:rPr>
+                        <a:t>0.0983</a:t>
+                      </a:r>
                     </a:p>
                   </a:txBody>
                   <a:tcPr marL="6350" marR="6350" marT="6350" marB="0" anchor="b"/>
@@ -5085,18 +5081,15 @@
                     <a:p>
                       <a:pPr algn="r" fontAlgn="b"/>
                       <a:r>
-                        <a:rPr lang="nb-NO" sz="1200" u="none" strike="noStrike">
-                          <a:effectLst/>
-                        </a:rPr>
-                        <a:t>0.9391</a:t>
-                      </a:r>
-                      <a:endParaRPr lang="nb-NO" sz="1200" b="0" i="0" u="none" strike="noStrike">
-                        <a:solidFill>
-                          <a:srgbClr val="000000"/>
-                        </a:solidFill>
-                        <a:effectLst/>
-                        <a:latin typeface="Calibri" charset="0"/>
-                      </a:endParaRPr>
+                        <a:rPr lang="hr-HR" sz="1200" b="0" i="0" u="none" strike="noStrike">
+                          <a:solidFill>
+                            <a:srgbClr val="000000"/>
+                          </a:solidFill>
+                          <a:effectLst/>
+                          <a:latin typeface="Calibri" charset="0"/>
+                        </a:rPr>
+                        <a:t>0.623</a:t>
+                      </a:r>
                     </a:p>
                   </a:txBody>
                   <a:tcPr marL="6350" marR="6350" marT="6350" marB="0" anchor="b"/>
@@ -5143,18 +5136,15 @@
                     <a:p>
                       <a:pPr algn="r" fontAlgn="b"/>
                       <a:r>
-                        <a:rPr lang="is-IS" sz="1200" u="none" strike="noStrike">
-                          <a:effectLst/>
-                        </a:rPr>
-                        <a:t>0.1078</a:t>
-                      </a:r>
-                      <a:endParaRPr lang="is-IS" sz="1200" b="0" i="0" u="none" strike="noStrike">
-                        <a:solidFill>
-                          <a:srgbClr val="000000"/>
-                        </a:solidFill>
-                        <a:effectLst/>
-                        <a:latin typeface="Calibri" charset="0"/>
-                      </a:endParaRPr>
+                        <a:rPr lang="is-IS" sz="1200" b="0" i="0" u="none" strike="noStrike">
+                          <a:solidFill>
+                            <a:srgbClr val="000000"/>
+                          </a:solidFill>
+                          <a:effectLst/>
+                          <a:latin typeface="Calibri" charset="0"/>
+                        </a:rPr>
+                        <a:t>0.1004</a:t>
+                      </a:r>
                     </a:p>
                   </a:txBody>
                   <a:tcPr marL="6350" marR="6350" marT="6350" marB="0" anchor="b"/>
@@ -5166,18 +5156,15 @@
                     <a:p>
                       <a:pPr algn="r" fontAlgn="b"/>
                       <a:r>
-                        <a:rPr lang="it-IT" sz="1200" u="none" strike="noStrike">
-                          <a:effectLst/>
-                        </a:rPr>
-                        <a:t>0.6831</a:t>
-                      </a:r>
-                      <a:endParaRPr lang="it-IT" sz="1200" b="0" i="0" u="none" strike="noStrike">
-                        <a:solidFill>
-                          <a:srgbClr val="000000"/>
-                        </a:solidFill>
-                        <a:effectLst/>
-                        <a:latin typeface="Calibri" charset="0"/>
-                      </a:endParaRPr>
+                        <a:rPr lang="nb-NO" sz="1200" b="0" i="0" u="none" strike="noStrike">
+                          <a:solidFill>
+                            <a:srgbClr val="000000"/>
+                          </a:solidFill>
+                          <a:effectLst/>
+                          <a:latin typeface="Calibri" charset="0"/>
+                        </a:rPr>
+                        <a:t>0.6359</a:t>
+                      </a:r>
                     </a:p>
                   </a:txBody>
                   <a:tcPr marL="6350" marR="6350" marT="6350" marB="0" anchor="b"/>
@@ -5224,18 +5211,15 @@
                     <a:p>
                       <a:pPr algn="r" fontAlgn="b"/>
                       <a:r>
-                        <a:rPr lang="nb-NO" sz="1200" u="none" strike="noStrike" dirty="0">
-                          <a:effectLst/>
-                        </a:rPr>
-                        <a:t>0.127</a:t>
-                      </a:r>
-                      <a:endParaRPr lang="nb-NO" sz="1200" b="0" i="0" u="none" strike="noStrike" dirty="0">
-                        <a:solidFill>
-                          <a:srgbClr val="000000"/>
-                        </a:solidFill>
-                        <a:effectLst/>
-                        <a:latin typeface="Calibri" charset="0"/>
-                      </a:endParaRPr>
+                        <a:rPr lang="is-IS" sz="1200" b="0" i="0" u="none" strike="noStrike" dirty="0">
+                          <a:solidFill>
+                            <a:srgbClr val="000000"/>
+                          </a:solidFill>
+                          <a:effectLst/>
+                          <a:latin typeface="Calibri" charset="0"/>
+                        </a:rPr>
+                        <a:t>0.0979</a:t>
+                      </a:r>
                     </a:p>
                   </a:txBody>
                   <a:tcPr marL="6350" marR="6350" marT="6350" marB="0" anchor="b"/>
@@ -5247,18 +5231,15 @@
                     <a:p>
                       <a:pPr algn="r" fontAlgn="b"/>
                       <a:r>
-                        <a:rPr lang="is-IS" sz="1200" u="none" strike="noStrike">
-                          <a:effectLst/>
-                        </a:rPr>
-                        <a:t>0.8049</a:t>
-                      </a:r>
-                      <a:endParaRPr lang="is-IS" sz="1200" b="0" i="0" u="none" strike="noStrike">
-                        <a:solidFill>
-                          <a:srgbClr val="000000"/>
-                        </a:solidFill>
-                        <a:effectLst/>
-                        <a:latin typeface="Calibri" charset="0"/>
-                      </a:endParaRPr>
+                        <a:rPr lang="is-IS" sz="1200" b="0" i="0" u="none" strike="noStrike">
+                          <a:solidFill>
+                            <a:srgbClr val="000000"/>
+                          </a:solidFill>
+                          <a:effectLst/>
+                          <a:latin typeface="Calibri" charset="0"/>
+                        </a:rPr>
+                        <a:t>0.6205</a:t>
+                      </a:r>
                     </a:p>
                   </a:txBody>
                   <a:tcPr marL="6350" marR="6350" marT="6350" marB="0" anchor="b"/>
@@ -5305,18 +5286,15 @@
                     <a:p>
                       <a:pPr algn="r" fontAlgn="b"/>
                       <a:r>
-                        <a:rPr lang="hr-HR" sz="1200" u="none" strike="noStrike">
-                          <a:effectLst/>
-                        </a:rPr>
-                        <a:t>0.1077</a:t>
-                      </a:r>
-                      <a:endParaRPr lang="hr-HR" sz="1200" b="0" i="0" u="none" strike="noStrike">
-                        <a:solidFill>
-                          <a:srgbClr val="000000"/>
-                        </a:solidFill>
-                        <a:effectLst/>
-                        <a:latin typeface="Calibri" charset="0"/>
-                      </a:endParaRPr>
+                        <a:rPr lang="is-IS" sz="1200" b="0" i="0" u="none" strike="noStrike" dirty="0">
+                          <a:solidFill>
+                            <a:srgbClr val="000000"/>
+                          </a:solidFill>
+                          <a:effectLst/>
+                          <a:latin typeface="Calibri" charset="0"/>
+                        </a:rPr>
+                        <a:t>0.1005</a:t>
+                      </a:r>
                     </a:p>
                   </a:txBody>
                   <a:tcPr marL="6350" marR="6350" marT="6350" marB="0" anchor="b"/>
@@ -5328,18 +5306,15 @@
                     <a:p>
                       <a:pPr algn="r" fontAlgn="b"/>
                       <a:r>
-                        <a:rPr lang="it-IT" sz="1200" u="none" strike="noStrike">
-                          <a:effectLst/>
-                        </a:rPr>
-                        <a:t>0.6823</a:t>
-                      </a:r>
-                      <a:endParaRPr lang="it-IT" sz="1200" b="0" i="0" u="none" strike="noStrike">
-                        <a:solidFill>
-                          <a:srgbClr val="000000"/>
-                        </a:solidFill>
-                        <a:effectLst/>
-                        <a:latin typeface="Calibri" charset="0"/>
-                      </a:endParaRPr>
+                        <a:rPr lang="nb-NO" sz="1200" b="0" i="0" u="none" strike="noStrike">
+                          <a:solidFill>
+                            <a:srgbClr val="000000"/>
+                          </a:solidFill>
+                          <a:effectLst/>
+                          <a:latin typeface="Calibri" charset="0"/>
+                        </a:rPr>
+                        <a:t>0.6366</a:t>
+                      </a:r>
                     </a:p>
                   </a:txBody>
                   <a:tcPr marL="6350" marR="6350" marT="6350" marB="0" anchor="b"/>
@@ -5386,18 +5361,15 @@
                     <a:p>
                       <a:pPr algn="r" fontAlgn="b"/>
                       <a:r>
-                        <a:rPr lang="is-IS" sz="1200" u="none" strike="noStrike">
-                          <a:effectLst/>
-                        </a:rPr>
-                        <a:t>0.1171</a:t>
-                      </a:r>
-                      <a:endParaRPr lang="is-IS" sz="1200" b="0" i="0" u="none" strike="noStrike">
-                        <a:solidFill>
-                          <a:srgbClr val="000000"/>
-                        </a:solidFill>
-                        <a:effectLst/>
-                        <a:latin typeface="Calibri" charset="0"/>
-                      </a:endParaRPr>
+                        <a:rPr lang="hr-HR" sz="1200" b="0" i="0" u="none" strike="noStrike">
+                          <a:solidFill>
+                            <a:srgbClr val="000000"/>
+                          </a:solidFill>
+                          <a:effectLst/>
+                          <a:latin typeface="Calibri" charset="0"/>
+                        </a:rPr>
+                        <a:t>0.099</a:t>
+                      </a:r>
                     </a:p>
                   </a:txBody>
                   <a:tcPr marL="6350" marR="6350" marT="6350" marB="0" anchor="b"/>
@@ -5409,18 +5381,15 @@
                     <a:p>
                       <a:pPr algn="r" fontAlgn="b"/>
                       <a:r>
-                        <a:rPr lang="nb-NO" sz="1200" u="none" strike="noStrike">
-                          <a:effectLst/>
-                        </a:rPr>
-                        <a:t>0.7421</a:t>
-                      </a:r>
-                      <a:endParaRPr lang="nb-NO" sz="1200" b="0" i="0" u="none" strike="noStrike">
-                        <a:solidFill>
-                          <a:srgbClr val="000000"/>
-                        </a:solidFill>
-                        <a:effectLst/>
-                        <a:latin typeface="Calibri" charset="0"/>
-                      </a:endParaRPr>
+                        <a:rPr lang="nb-NO" sz="1200" b="0" i="0" u="none" strike="noStrike" dirty="0">
+                          <a:solidFill>
+                            <a:srgbClr val="000000"/>
+                          </a:solidFill>
+                          <a:effectLst/>
+                          <a:latin typeface="Calibri" charset="0"/>
+                        </a:rPr>
+                        <a:t>0.6276</a:t>
+                      </a:r>
                     </a:p>
                   </a:txBody>
                   <a:tcPr marL="6350" marR="6350" marT="6350" marB="0" anchor="b"/>
@@ -5470,21 +5439,15 @@
                     <a:p>
                       <a:pPr algn="r" fontAlgn="b"/>
                       <a:r>
-                        <a:rPr lang="hr-HR" sz="1200" u="none" strike="noStrike" dirty="0">
+                        <a:rPr lang="hr-HR" sz="1200" b="0" i="0" u="none" strike="noStrike" dirty="0">
                           <a:solidFill>
                             <a:srgbClr val="FF0000"/>
                           </a:solidFill>
                           <a:effectLst/>
-                        </a:rPr>
-                        <a:t>0.0997</a:t>
-                      </a:r>
-                      <a:endParaRPr lang="hr-HR" sz="1200" b="0" i="0" u="none" strike="noStrike" dirty="0">
-                        <a:solidFill>
-                          <a:srgbClr val="FF0000"/>
-                        </a:solidFill>
-                        <a:effectLst/>
-                        <a:latin typeface="Calibri" charset="0"/>
-                      </a:endParaRPr>
+                          <a:latin typeface="Calibri" charset="0"/>
+                        </a:rPr>
+                        <a:t>0.0959</a:t>
+                      </a:r>
                     </a:p>
                   </a:txBody>
                   <a:tcPr marL="6350" marR="6350" marT="6350" marB="0" anchor="b"/>
@@ -5496,21 +5459,15 @@
                     <a:p>
                       <a:pPr algn="r" fontAlgn="b"/>
                       <a:r>
-                        <a:rPr lang="nb-NO" sz="1200" u="none" strike="noStrike" dirty="0">
+                        <a:rPr lang="hr-HR" sz="1200" b="0" i="0" u="none" strike="noStrike" dirty="0">
                           <a:solidFill>
                             <a:srgbClr val="FF0000"/>
                           </a:solidFill>
                           <a:effectLst/>
-                        </a:rPr>
-                        <a:t>0.632</a:t>
-                      </a:r>
-                      <a:endParaRPr lang="nb-NO" sz="1200" b="0" i="0" u="none" strike="noStrike" dirty="0">
-                        <a:solidFill>
-                          <a:srgbClr val="FF0000"/>
-                        </a:solidFill>
-                        <a:effectLst/>
-                        <a:latin typeface="Calibri" charset="0"/>
-                      </a:endParaRPr>
+                          <a:latin typeface="Calibri" charset="0"/>
+                        </a:rPr>
+                        <a:t>0.6076</a:t>
+                      </a:r>
                     </a:p>
                   </a:txBody>
                   <a:tcPr marL="6350" marR="6350" marT="6350" marB="0" anchor="b"/>
@@ -5570,18 +5527,15 @@
                     <a:p>
                       <a:pPr algn="r" fontAlgn="b"/>
                       <a:r>
-                        <a:rPr lang="is-IS" sz="1200" u="none" strike="noStrike">
-                          <a:effectLst/>
-                        </a:rPr>
-                        <a:t>0.0363</a:t>
-                      </a:r>
-                      <a:endParaRPr lang="is-IS" sz="1200" b="0" i="0" u="none" strike="noStrike">
-                        <a:solidFill>
-                          <a:srgbClr val="000000"/>
-                        </a:solidFill>
-                        <a:effectLst/>
-                        <a:latin typeface="Calibri" charset="0"/>
-                      </a:endParaRPr>
+                        <a:rPr lang="nb-NO" sz="1200" b="0" i="0" u="none" strike="noStrike">
+                          <a:solidFill>
+                            <a:srgbClr val="000000"/>
+                          </a:solidFill>
+                          <a:effectLst/>
+                          <a:latin typeface="Calibri" charset="0"/>
+                        </a:rPr>
+                        <a:t>0.0348</a:t>
+                      </a:r>
                     </a:p>
                   </a:txBody>
                   <a:tcPr marL="6350" marR="6350" marT="6350" marB="0" anchor="b"/>
@@ -5593,18 +5547,15 @@
                     <a:p>
                       <a:pPr algn="r" fontAlgn="b"/>
                       <a:r>
-                        <a:rPr lang="nb-NO" sz="1200" u="none" strike="noStrike">
-                          <a:effectLst/>
-                        </a:rPr>
-                        <a:t>0.9567</a:t>
-                      </a:r>
-                      <a:endParaRPr lang="nb-NO" sz="1200" b="0" i="0" u="none" strike="noStrike">
-                        <a:solidFill>
-                          <a:srgbClr val="000000"/>
-                        </a:solidFill>
-                        <a:effectLst/>
-                        <a:latin typeface="Calibri" charset="0"/>
-                      </a:endParaRPr>
+                        <a:rPr lang="it-IT" sz="1200" b="0" i="0" u="none" strike="noStrike" dirty="0">
+                          <a:solidFill>
+                            <a:srgbClr val="000000"/>
+                          </a:solidFill>
+                          <a:effectLst/>
+                          <a:latin typeface="Calibri" charset="0"/>
+                        </a:rPr>
+                        <a:t>0.9194</a:t>
+                      </a:r>
                     </a:p>
                   </a:txBody>
                   <a:tcPr marL="6350" marR="6350" marT="6350" marB="0" anchor="b"/>
@@ -5651,18 +5602,15 @@
                     <a:p>
                       <a:pPr algn="r" fontAlgn="b"/>
                       <a:r>
-                        <a:rPr lang="is-IS" sz="1200" u="none" strike="noStrike" dirty="0">
-                          <a:effectLst/>
-                        </a:rPr>
-                        <a:t>0.0417</a:t>
-                      </a:r>
-                      <a:endParaRPr lang="is-IS" sz="1200" b="0" i="0" u="none" strike="noStrike" dirty="0">
-                        <a:solidFill>
-                          <a:srgbClr val="000000"/>
-                        </a:solidFill>
-                        <a:effectLst/>
-                        <a:latin typeface="Calibri" charset="0"/>
-                      </a:endParaRPr>
+                        <a:rPr lang="nb-NO" sz="1200" b="0" i="0" u="none" strike="noStrike">
+                          <a:solidFill>
+                            <a:srgbClr val="000000"/>
+                          </a:solidFill>
+                          <a:effectLst/>
+                          <a:latin typeface="Calibri" charset="0"/>
+                        </a:rPr>
+                        <a:t>0.0359</a:t>
+                      </a:r>
                     </a:p>
                   </a:txBody>
                   <a:tcPr marL="6350" marR="6350" marT="6350" marB="0" anchor="b"/>
@@ -5674,18 +5622,15 @@
                     <a:p>
                       <a:pPr algn="r" fontAlgn="b"/>
                       <a:r>
-                        <a:rPr lang="fi-FI" sz="1200" u="none" strike="noStrike">
-                          <a:effectLst/>
-                        </a:rPr>
-                        <a:t>1.1013</a:t>
-                      </a:r>
-                      <a:endParaRPr lang="fi-FI" sz="1200" b="0" i="0" u="none" strike="noStrike">
-                        <a:solidFill>
-                          <a:srgbClr val="000000"/>
-                        </a:solidFill>
-                        <a:effectLst/>
-                        <a:latin typeface="Calibri" charset="0"/>
-                      </a:endParaRPr>
+                        <a:rPr lang="it-IT" sz="1200" b="0" i="0" u="none" strike="noStrike" dirty="0">
+                          <a:solidFill>
+                            <a:srgbClr val="000000"/>
+                          </a:solidFill>
+                          <a:effectLst/>
+                          <a:latin typeface="Calibri" charset="0"/>
+                        </a:rPr>
+                        <a:t>0.9461</a:t>
+                      </a:r>
                     </a:p>
                   </a:txBody>
                   <a:tcPr marL="6350" marR="6350" marT="6350" marB="0" anchor="b"/>
@@ -5732,18 +5677,15 @@
                     <a:p>
                       <a:pPr algn="r" fontAlgn="b"/>
                       <a:r>
-                        <a:rPr lang="nb-NO" sz="1200" u="none" strike="noStrike">
-                          <a:effectLst/>
-                        </a:rPr>
-                        <a:t>0.036</a:t>
-                      </a:r>
-                      <a:endParaRPr lang="nb-NO" sz="1200" b="0" i="0" u="none" strike="noStrike">
-                        <a:solidFill>
-                          <a:srgbClr val="000000"/>
-                        </a:solidFill>
-                        <a:effectLst/>
-                        <a:latin typeface="Calibri" charset="0"/>
-                      </a:endParaRPr>
+                        <a:rPr lang="nb-NO" sz="1200" b="0" i="0" u="none" strike="noStrike">
+                          <a:solidFill>
+                            <a:srgbClr val="000000"/>
+                          </a:solidFill>
+                          <a:effectLst/>
+                          <a:latin typeface="Calibri" charset="0"/>
+                        </a:rPr>
+                        <a:t>0.0346</a:t>
+                      </a:r>
                     </a:p>
                   </a:txBody>
                   <a:tcPr marL="6350" marR="6350" marT="6350" marB="0" anchor="b"/>
@@ -5755,18 +5697,15 @@
                     <a:p>
                       <a:pPr algn="r" fontAlgn="b"/>
                       <a:r>
-                        <a:rPr lang="it-IT" sz="1200" u="none" strike="noStrike">
-                          <a:effectLst/>
-                        </a:rPr>
-                        <a:t>0.9499</a:t>
-                      </a:r>
-                      <a:endParaRPr lang="it-IT" sz="1200" b="0" i="0" u="none" strike="noStrike">
-                        <a:solidFill>
-                          <a:srgbClr val="000000"/>
-                        </a:solidFill>
-                        <a:effectLst/>
-                        <a:latin typeface="Calibri" charset="0"/>
-                      </a:endParaRPr>
+                        <a:rPr lang="nb-NO" sz="1200" b="0" i="0" u="none" strike="noStrike" dirty="0">
+                          <a:solidFill>
+                            <a:srgbClr val="000000"/>
+                          </a:solidFill>
+                          <a:effectLst/>
+                          <a:latin typeface="Calibri" charset="0"/>
+                        </a:rPr>
+                        <a:t>0.9129</a:t>
+                      </a:r>
                     </a:p>
                   </a:txBody>
                   <a:tcPr marL="6350" marR="6350" marT="6350" marB="0" anchor="b"/>
@@ -5813,18 +5752,15 @@
                     <a:p>
                       <a:pPr algn="r" fontAlgn="b"/>
                       <a:r>
-                        <a:rPr lang="nb-NO" sz="1200" u="none" strike="noStrike">
-                          <a:effectLst/>
-                        </a:rPr>
-                        <a:t>0.0355</a:t>
-                      </a:r>
-                      <a:endParaRPr lang="nb-NO" sz="1200" b="0" i="0" u="none" strike="noStrike">
-                        <a:solidFill>
-                          <a:srgbClr val="000000"/>
-                        </a:solidFill>
-                        <a:effectLst/>
-                        <a:latin typeface="Calibri" charset="0"/>
-                      </a:endParaRPr>
+                        <a:rPr lang="nb-NO" sz="1200" b="0" i="0" u="none" strike="noStrike">
+                          <a:solidFill>
+                            <a:srgbClr val="000000"/>
+                          </a:solidFill>
+                          <a:effectLst/>
+                          <a:latin typeface="Calibri" charset="0"/>
+                        </a:rPr>
+                        <a:t>0.0337</a:t>
+                      </a:r>
                     </a:p>
                   </a:txBody>
                   <a:tcPr marL="6350" marR="6350" marT="6350" marB="0" anchor="b"/>
@@ -5836,18 +5772,15 @@
                     <a:p>
                       <a:pPr algn="r" fontAlgn="b"/>
                       <a:r>
-                        <a:rPr lang="nb-NO" sz="1200" u="none" strike="noStrike">
-                          <a:effectLst/>
-                        </a:rPr>
-                        <a:t>0.9361</a:t>
-                      </a:r>
-                      <a:endParaRPr lang="nb-NO" sz="1200" b="0" i="0" u="none" strike="noStrike">
-                        <a:solidFill>
-                          <a:srgbClr val="000000"/>
-                        </a:solidFill>
-                        <a:effectLst/>
-                        <a:latin typeface="Calibri" charset="0"/>
-                      </a:endParaRPr>
+                        <a:rPr lang="it-IT" sz="1200" b="0" i="0" u="none" strike="noStrike" dirty="0">
+                          <a:solidFill>
+                            <a:srgbClr val="000000"/>
+                          </a:solidFill>
+                          <a:effectLst/>
+                          <a:latin typeface="Calibri" charset="0"/>
+                        </a:rPr>
+                        <a:t>0.8895</a:t>
+                      </a:r>
                     </a:p>
                   </a:txBody>
                   <a:tcPr marL="6350" marR="6350" marT="6350" marB="0" anchor="b"/>
@@ -5894,18 +5827,15 @@
                     <a:p>
                       <a:pPr algn="r" fontAlgn="b"/>
                       <a:r>
-                        <a:rPr lang="nb-NO" sz="1200" u="none" strike="noStrike">
-                          <a:effectLst/>
-                        </a:rPr>
-                        <a:t>0.036</a:t>
-                      </a:r>
-                      <a:endParaRPr lang="nb-NO" sz="1200" b="0" i="0" u="none" strike="noStrike">
-                        <a:solidFill>
-                          <a:srgbClr val="000000"/>
-                        </a:solidFill>
-                        <a:effectLst/>
-                        <a:latin typeface="Calibri" charset="0"/>
-                      </a:endParaRPr>
+                        <a:rPr lang="nb-NO" sz="1200" b="0" i="0" u="none" strike="noStrike" dirty="0">
+                          <a:solidFill>
+                            <a:srgbClr val="000000"/>
+                          </a:solidFill>
+                          <a:effectLst/>
+                          <a:latin typeface="Calibri" charset="0"/>
+                        </a:rPr>
+                        <a:t>0.0344</a:t>
+                      </a:r>
                     </a:p>
                   </a:txBody>
                   <a:tcPr marL="6350" marR="6350" marT="6350" marB="0" anchor="b"/>
@@ -5917,18 +5847,15 @@
                     <a:p>
                       <a:pPr algn="r" fontAlgn="b"/>
                       <a:r>
-                        <a:rPr lang="it-IT" sz="1200" u="none" strike="noStrike">
-                          <a:effectLst/>
-                        </a:rPr>
-                        <a:t>0.949</a:t>
-                      </a:r>
-                      <a:endParaRPr lang="it-IT" sz="1200" b="0" i="0" u="none" strike="noStrike">
-                        <a:solidFill>
-                          <a:srgbClr val="000000"/>
-                        </a:solidFill>
-                        <a:effectLst/>
-                        <a:latin typeface="Calibri" charset="0"/>
-                      </a:endParaRPr>
+                        <a:rPr lang="hr-HR" sz="1200" b="0" i="0" u="none" strike="noStrike" dirty="0">
+                          <a:solidFill>
+                            <a:srgbClr val="000000"/>
+                          </a:solidFill>
+                          <a:effectLst/>
+                          <a:latin typeface="Calibri" charset="0"/>
+                        </a:rPr>
+                        <a:t>0.9074</a:t>
+                      </a:r>
                     </a:p>
                   </a:txBody>
                   <a:tcPr marL="6350" marR="6350" marT="6350" marB="0" anchor="b"/>
@@ -5975,18 +5902,15 @@
                     <a:p>
                       <a:pPr algn="r" fontAlgn="b"/>
                       <a:r>
-                        <a:rPr lang="is-IS" sz="1200" u="none" strike="noStrike">
-                          <a:effectLst/>
-                        </a:rPr>
-                        <a:t>0.0373</a:t>
-                      </a:r>
-                      <a:endParaRPr lang="is-IS" sz="1200" b="0" i="0" u="none" strike="noStrike">
-                        <a:solidFill>
-                          <a:srgbClr val="000000"/>
-                        </a:solidFill>
-                        <a:effectLst/>
-                        <a:latin typeface="Calibri" charset="0"/>
-                      </a:endParaRPr>
+                        <a:rPr lang="nb-NO" sz="1200" b="0" i="0" u="none" strike="noStrike">
+                          <a:solidFill>
+                            <a:srgbClr val="000000"/>
+                          </a:solidFill>
+                          <a:effectLst/>
+                          <a:latin typeface="Calibri" charset="0"/>
+                        </a:rPr>
+                        <a:t>0.0331</a:t>
+                      </a:r>
                     </a:p>
                   </a:txBody>
                   <a:tcPr marL="6350" marR="6350" marT="6350" marB="0" anchor="b"/>
@@ -5998,18 +5922,15 @@
                     <a:p>
                       <a:pPr algn="r" fontAlgn="b"/>
                       <a:r>
-                        <a:rPr lang="nb-NO" sz="1200" u="none" strike="noStrike">
-                          <a:effectLst/>
-                        </a:rPr>
-                        <a:t>0.9852</a:t>
-                      </a:r>
-                      <a:endParaRPr lang="nb-NO" sz="1200" b="0" i="0" u="none" strike="noStrike">
-                        <a:solidFill>
-                          <a:srgbClr val="000000"/>
-                        </a:solidFill>
-                        <a:effectLst/>
-                        <a:latin typeface="Calibri" charset="0"/>
-                      </a:endParaRPr>
+                        <a:rPr lang="fi-FI" sz="1200" b="0" i="0" u="none" strike="noStrike" dirty="0">
+                          <a:solidFill>
+                            <a:srgbClr val="000000"/>
+                          </a:solidFill>
+                          <a:effectLst/>
+                          <a:latin typeface="Calibri" charset="0"/>
+                        </a:rPr>
+                        <a:t>0.8734</a:t>
+                      </a:r>
                     </a:p>
                   </a:txBody>
                   <a:tcPr marL="6350" marR="6350" marT="6350" marB="0" anchor="b"/>
@@ -6059,21 +5980,15 @@
                     <a:p>
                       <a:pPr algn="r" fontAlgn="b"/>
                       <a:r>
-                        <a:rPr lang="nb-NO" sz="1200" u="none" strike="noStrike" dirty="0">
+                        <a:rPr lang="nb-NO" sz="1200" b="0" i="0" u="none" strike="noStrike" dirty="0">
                           <a:solidFill>
                             <a:srgbClr val="FF0000"/>
                           </a:solidFill>
                           <a:effectLst/>
-                        </a:rPr>
-                        <a:t>0.0271</a:t>
-                      </a:r>
-                      <a:endParaRPr lang="nb-NO" sz="1200" b="0" i="0" u="none" strike="noStrike" dirty="0">
-                        <a:solidFill>
-                          <a:srgbClr val="FF0000"/>
-                        </a:solidFill>
-                        <a:effectLst/>
-                        <a:latin typeface="Calibri" charset="0"/>
-                      </a:endParaRPr>
+                          <a:latin typeface="Calibri" charset="0"/>
+                        </a:rPr>
+                        <a:t>0.0274</a:t>
+                      </a:r>
                     </a:p>
                   </a:txBody>
                   <a:tcPr marL="6350" marR="6350" marT="6350" marB="0" anchor="b"/>
@@ -6085,21 +6000,15 @@
                     <a:p>
                       <a:pPr algn="r" fontAlgn="b"/>
                       <a:r>
-                        <a:rPr lang="nb-NO" sz="1200" u="none" strike="noStrike" dirty="0">
+                        <a:rPr lang="hr-HR" sz="1200" b="0" i="0" u="none" strike="noStrike" dirty="0">
                           <a:solidFill>
                             <a:srgbClr val="FF0000"/>
                           </a:solidFill>
                           <a:effectLst/>
-                        </a:rPr>
-                        <a:t>0.716</a:t>
-                      </a:r>
-                      <a:endParaRPr lang="nb-NO" sz="1200" b="0" i="0" u="none" strike="noStrike" dirty="0">
-                        <a:solidFill>
-                          <a:srgbClr val="FF0000"/>
-                        </a:solidFill>
-                        <a:effectLst/>
-                        <a:latin typeface="Calibri" charset="0"/>
-                      </a:endParaRPr>
+                          <a:latin typeface="Calibri" charset="0"/>
+                        </a:rPr>
+                        <a:t>0.7235</a:t>
+                      </a:r>
                     </a:p>
                   </a:txBody>
                   <a:tcPr marL="6350" marR="6350" marT="6350" marB="0" anchor="b"/>
@@ -6151,32 +6060,1439 @@
         </p:nvSpPr>
         <p:spPr/>
         <p:txBody>
-          <a:bodyPr/>
+          <a:bodyPr>
+            <a:normAutofit/>
+          </a:bodyPr>
           <a:lstStyle/>
           <a:p>
             <a:r>
               <a:rPr lang="en-US" dirty="0" smtClean="0"/>
-              <a:t>Approach 1: Results</a:t>
+              <a:t>Approach 1: Kernel Model Avg. Partial Derivatives</a:t>
             </a:r>
             <a:endParaRPr lang="en-US" dirty="0"/>
           </a:p>
         </p:txBody>
       </p:sp>
+      <p:graphicFrame>
+        <p:nvGraphicFramePr>
+          <p:cNvPr id="7" name="Content Placeholder 6"/>
+          <p:cNvGraphicFramePr>
+            <a:graphicFrameLocks noGrp="1"/>
+          </p:cNvGraphicFramePr>
+          <p:nvPr>
+            <p:ph idx="1"/>
+            <p:extLst>
+              <p:ext uri="{D42A27DB-BD31-4B8C-83A1-F6EECF244321}">
+                <p14:modId xmlns:p14="http://schemas.microsoft.com/office/powerpoint/2010/main" val="745312010"/>
+              </p:ext>
+            </p:extLst>
+          </p:nvPr>
+        </p:nvGraphicFramePr>
+        <p:xfrm>
+          <a:off x="1095776" y="1690688"/>
+          <a:ext cx="9761116" cy="3628284"/>
+        </p:xfrm>
+        <a:graphic>
+          <a:graphicData uri="http://schemas.openxmlformats.org/drawingml/2006/table">
+            <a:tbl>
+              <a:tblPr>
+                <a:tableStyleId>{5C22544A-7EE6-4342-B048-85BDC9FD1C3A}</a:tableStyleId>
+              </a:tblPr>
+              <a:tblGrid>
+                <a:gridCol w="1884339"/>
+                <a:gridCol w="4206296"/>
+                <a:gridCol w="1165829"/>
+                <a:gridCol w="1252326"/>
+                <a:gridCol w="1252326"/>
+              </a:tblGrid>
+              <a:tr h="302357">
+                <a:tc>
+                  <a:txBody>
+                    <a:bodyPr/>
+                    <a:lstStyle/>
+                    <a:p>
+                      <a:pPr algn="ctr" fontAlgn="ctr"/>
+                      <a:endParaRPr lang="en-US" sz="1600" b="0" i="0" u="none" strike="noStrike" dirty="0">
+                        <a:solidFill>
+                          <a:srgbClr val="000000"/>
+                        </a:solidFill>
+                        <a:effectLst/>
+                        <a:latin typeface="Calibri" charset="0"/>
+                      </a:endParaRPr>
+                    </a:p>
+                  </a:txBody>
+                  <a:tcPr marL="2812" marR="2812" marT="2812" marB="0" anchor="ctr"/>
+                </a:tc>
+                <a:tc>
+                  <a:txBody>
+                    <a:bodyPr/>
+                    <a:lstStyle/>
+                    <a:p>
+                      <a:pPr algn="ctr" fontAlgn="ctr"/>
+                      <a:r>
+                        <a:rPr lang="en-US" sz="1600" b="1" u="none" strike="noStrike" dirty="0">
+                          <a:effectLst/>
+                        </a:rPr>
+                        <a:t>Variable</a:t>
+                      </a:r>
+                      <a:endParaRPr lang="en-US" sz="1600" b="1" i="0" u="none" strike="noStrike" dirty="0">
+                        <a:solidFill>
+                          <a:srgbClr val="000000"/>
+                        </a:solidFill>
+                        <a:effectLst/>
+                        <a:latin typeface="Calibri" charset="0"/>
+                      </a:endParaRPr>
+                    </a:p>
+                  </a:txBody>
+                  <a:tcPr marL="2812" marR="2812" marT="2812" marB="0" anchor="ctr"/>
+                </a:tc>
+                <a:tc>
+                  <a:txBody>
+                    <a:bodyPr/>
+                    <a:lstStyle/>
+                    <a:p>
+                      <a:pPr algn="ctr" fontAlgn="ctr"/>
+                      <a:r>
+                        <a:rPr lang="en-US" sz="1600" b="1" u="none" strike="noStrike" dirty="0">
+                          <a:effectLst/>
+                        </a:rPr>
+                        <a:t>Estimate</a:t>
+                      </a:r>
+                      <a:endParaRPr lang="en-US" sz="1600" b="1" i="0" u="none" strike="noStrike" dirty="0">
+                        <a:solidFill>
+                          <a:srgbClr val="000000"/>
+                        </a:solidFill>
+                        <a:effectLst/>
+                        <a:latin typeface="Calibri" charset="0"/>
+                      </a:endParaRPr>
+                    </a:p>
+                  </a:txBody>
+                  <a:tcPr marL="2812" marR="2812" marT="2812" marB="0" anchor="ctr"/>
+                </a:tc>
+                <a:tc>
+                  <a:txBody>
+                    <a:bodyPr/>
+                    <a:lstStyle/>
+                    <a:p>
+                      <a:pPr algn="ctr" fontAlgn="ctr"/>
+                      <a:r>
+                        <a:rPr lang="en-US" sz="1600" b="1" u="none" strike="noStrike" dirty="0">
+                          <a:effectLst/>
+                        </a:rPr>
+                        <a:t>SE</a:t>
+                      </a:r>
+                      <a:endParaRPr lang="en-US" sz="1600" b="1" i="0" u="none" strike="noStrike" dirty="0">
+                        <a:solidFill>
+                          <a:srgbClr val="000000"/>
+                        </a:solidFill>
+                        <a:effectLst/>
+                        <a:latin typeface="Calibri" charset="0"/>
+                      </a:endParaRPr>
+                    </a:p>
+                  </a:txBody>
+                  <a:tcPr marL="2812" marR="2812" marT="2812" marB="0" anchor="ctr"/>
+                </a:tc>
+                <a:tc>
+                  <a:txBody>
+                    <a:bodyPr/>
+                    <a:lstStyle/>
+                    <a:p>
+                      <a:pPr algn="ctr" fontAlgn="ctr"/>
+                      <a:r>
+                        <a:rPr lang="en-US" sz="1600" b="1" u="none" strike="noStrike" dirty="0">
+                          <a:effectLst/>
+                        </a:rPr>
+                        <a:t>p-value</a:t>
+                      </a:r>
+                      <a:endParaRPr lang="en-US" sz="1600" b="1" i="0" u="none" strike="noStrike" dirty="0">
+                        <a:solidFill>
+                          <a:srgbClr val="000000"/>
+                        </a:solidFill>
+                        <a:effectLst/>
+                        <a:latin typeface="Calibri" charset="0"/>
+                      </a:endParaRPr>
+                    </a:p>
+                  </a:txBody>
+                  <a:tcPr marL="2812" marR="2812" marT="2812" marB="0" anchor="ctr"/>
+                </a:tc>
+              </a:tr>
+              <a:tr h="302357">
+                <a:tc rowSpan="5">
+                  <a:txBody>
+                    <a:bodyPr/>
+                    <a:lstStyle/>
+                    <a:p>
+                      <a:pPr algn="ctr" fontAlgn="ctr"/>
+                      <a:r>
+                        <a:rPr lang="en-US" sz="1600" b="1" u="none" strike="noStrike" dirty="0" smtClean="0">
+                          <a:effectLst/>
+                        </a:rPr>
+                        <a:t>6-Year </a:t>
+                      </a:r>
+                      <a:r>
+                        <a:rPr lang="en-US" sz="1600" b="1" u="none" strike="noStrike" dirty="0">
+                          <a:effectLst/>
+                        </a:rPr>
+                        <a:t>Graduation Rate</a:t>
+                      </a:r>
+                      <a:endParaRPr lang="en-US" sz="1600" b="1" i="0" u="none" strike="noStrike" dirty="0">
+                        <a:solidFill>
+                          <a:srgbClr val="000000"/>
+                        </a:solidFill>
+                        <a:effectLst/>
+                        <a:latin typeface="Calibri" charset="0"/>
+                      </a:endParaRPr>
+                    </a:p>
+                  </a:txBody>
+                  <a:tcPr marL="2812" marR="2812" marT="2812" marB="0" anchor="ctr"/>
+                </a:tc>
+                <a:tc>
+                  <a:txBody>
+                    <a:bodyPr/>
+                    <a:lstStyle/>
+                    <a:p>
+                      <a:pPr algn="l" fontAlgn="b"/>
+                      <a:r>
+                        <a:rPr lang="en-US" sz="1600" u="none" strike="noStrike">
+                          <a:effectLst/>
+                        </a:rPr>
+                        <a:t>Academic Support Expenditures per FTE</a:t>
+                      </a:r>
+                      <a:endParaRPr lang="en-US" sz="1600" b="0" i="0" u="none" strike="noStrike">
+                        <a:solidFill>
+                          <a:srgbClr val="000000"/>
+                        </a:solidFill>
+                        <a:effectLst/>
+                        <a:latin typeface="Calibri" charset="0"/>
+                      </a:endParaRPr>
+                    </a:p>
+                  </a:txBody>
+                  <a:tcPr marL="2812" marR="2812" marT="2812" marB="0" anchor="b"/>
+                </a:tc>
+                <a:tc>
+                  <a:txBody>
+                    <a:bodyPr/>
+                    <a:lstStyle/>
+                    <a:p>
+                      <a:pPr algn="r" fontAlgn="b"/>
+                      <a:r>
+                        <a:rPr lang="mr-IN" sz="1600" u="none" strike="noStrike">
+                          <a:effectLst/>
+                        </a:rPr>
+                        <a:t>4.50E-06</a:t>
+                      </a:r>
+                      <a:endParaRPr lang="mr-IN" sz="1600" b="0" i="0" u="none" strike="noStrike">
+                        <a:solidFill>
+                          <a:srgbClr val="000000"/>
+                        </a:solidFill>
+                        <a:effectLst/>
+                        <a:latin typeface="Lucida Grande" charset="0"/>
+                      </a:endParaRPr>
+                    </a:p>
+                  </a:txBody>
+                  <a:tcPr marL="2812" marR="2812" marT="2812" marB="0" anchor="b"/>
+                </a:tc>
+                <a:tc>
+                  <a:txBody>
+                    <a:bodyPr/>
+                    <a:lstStyle/>
+                    <a:p>
+                      <a:pPr algn="r" fontAlgn="b"/>
+                      <a:r>
+                        <a:rPr lang="mr-IN" sz="1600" u="none" strike="noStrike">
+                          <a:effectLst/>
+                        </a:rPr>
+                        <a:t>1.20E-06</a:t>
+                      </a:r>
+                      <a:endParaRPr lang="mr-IN" sz="1600" b="0" i="0" u="none" strike="noStrike">
+                        <a:solidFill>
+                          <a:srgbClr val="000000"/>
+                        </a:solidFill>
+                        <a:effectLst/>
+                        <a:latin typeface="Lucida Grande" charset="0"/>
+                      </a:endParaRPr>
+                    </a:p>
+                  </a:txBody>
+                  <a:tcPr marL="2812" marR="2812" marT="2812" marB="0" anchor="b"/>
+                </a:tc>
+                <a:tc>
+                  <a:txBody>
+                    <a:bodyPr/>
+                    <a:lstStyle/>
+                    <a:p>
+                      <a:pPr algn="r" fontAlgn="b"/>
+                      <a:r>
+                        <a:rPr lang="cs-CZ" sz="1600" u="none" strike="noStrike">
+                          <a:effectLst/>
+                        </a:rPr>
+                        <a:t>0.0001495</a:t>
+                      </a:r>
+                      <a:endParaRPr lang="cs-CZ" sz="1600" b="0" i="0" u="none" strike="noStrike">
+                        <a:solidFill>
+                          <a:srgbClr val="000000"/>
+                        </a:solidFill>
+                        <a:effectLst/>
+                        <a:latin typeface="Lucida Grande" charset="0"/>
+                      </a:endParaRPr>
+                    </a:p>
+                  </a:txBody>
+                  <a:tcPr marL="2812" marR="2812" marT="2812" marB="0" anchor="b"/>
+                </a:tc>
+              </a:tr>
+              <a:tr h="302357">
+                <a:tc vMerge="1">
+                  <a:txBody>
+                    <a:bodyPr/>
+                    <a:lstStyle/>
+                    <a:p>
+                      <a:endParaRPr lang="en-US"/>
+                    </a:p>
+                  </a:txBody>
+                  <a:tcPr/>
+                </a:tc>
+                <a:tc>
+                  <a:txBody>
+                    <a:bodyPr/>
+                    <a:lstStyle/>
+                    <a:p>
+                      <a:pPr algn="l" fontAlgn="b"/>
+                      <a:r>
+                        <a:rPr lang="en-US" sz="1600" u="none" strike="noStrike" dirty="0">
+                          <a:effectLst/>
+                        </a:rPr>
+                        <a:t>Student Services Expenditures per FTE</a:t>
+                      </a:r>
+                      <a:endParaRPr lang="en-US" sz="1600" b="0" i="0" u="none" strike="noStrike" dirty="0">
+                        <a:solidFill>
+                          <a:srgbClr val="000000"/>
+                        </a:solidFill>
+                        <a:effectLst/>
+                        <a:latin typeface="Calibri" charset="0"/>
+                      </a:endParaRPr>
+                    </a:p>
+                  </a:txBody>
+                  <a:tcPr marL="2812" marR="2812" marT="2812" marB="0" anchor="b"/>
+                </a:tc>
+                <a:tc>
+                  <a:txBody>
+                    <a:bodyPr/>
+                    <a:lstStyle/>
+                    <a:p>
+                      <a:pPr algn="r" fontAlgn="b"/>
+                      <a:r>
+                        <a:rPr lang="mr-IN" sz="1600" u="none" strike="noStrike" dirty="0">
+                          <a:effectLst/>
+                        </a:rPr>
+                        <a:t>1.62E-05</a:t>
+                      </a:r>
+                      <a:endParaRPr lang="mr-IN" sz="1600" b="0" i="0" u="none" strike="noStrike" dirty="0">
+                        <a:solidFill>
+                          <a:srgbClr val="000000"/>
+                        </a:solidFill>
+                        <a:effectLst/>
+                        <a:latin typeface="Lucida Grande" charset="0"/>
+                      </a:endParaRPr>
+                    </a:p>
+                  </a:txBody>
+                  <a:tcPr marL="2812" marR="2812" marT="2812" marB="0" anchor="b"/>
+                </a:tc>
+                <a:tc>
+                  <a:txBody>
+                    <a:bodyPr/>
+                    <a:lstStyle/>
+                    <a:p>
+                      <a:pPr algn="r" fontAlgn="b"/>
+                      <a:r>
+                        <a:rPr lang="mr-IN" sz="1600" u="none" strike="noStrike" dirty="0">
+                          <a:effectLst/>
+                        </a:rPr>
+                        <a:t>1.70E-06</a:t>
+                      </a:r>
+                      <a:endParaRPr lang="mr-IN" sz="1600" b="0" i="0" u="none" strike="noStrike" dirty="0">
+                        <a:solidFill>
+                          <a:srgbClr val="000000"/>
+                        </a:solidFill>
+                        <a:effectLst/>
+                        <a:latin typeface="Lucida Grande" charset="0"/>
+                      </a:endParaRPr>
+                    </a:p>
+                  </a:txBody>
+                  <a:tcPr marL="2812" marR="2812" marT="2812" marB="0" anchor="b"/>
+                </a:tc>
+                <a:tc>
+                  <a:txBody>
+                    <a:bodyPr/>
+                    <a:lstStyle/>
+                    <a:p>
+                      <a:pPr algn="r" fontAlgn="b"/>
+                      <a:r>
+                        <a:rPr lang="en-US" sz="1600" u="none" strike="noStrike" dirty="0">
+                          <a:effectLst/>
+                        </a:rPr>
+                        <a:t>0</a:t>
+                      </a:r>
+                      <a:endParaRPr lang="en-US" sz="1600" b="0" i="0" u="none" strike="noStrike" dirty="0">
+                        <a:solidFill>
+                          <a:srgbClr val="000000"/>
+                        </a:solidFill>
+                        <a:effectLst/>
+                        <a:latin typeface="Lucida Grande" charset="0"/>
+                      </a:endParaRPr>
+                    </a:p>
+                  </a:txBody>
+                  <a:tcPr marL="2812" marR="2812" marT="2812" marB="0" anchor="b"/>
+                </a:tc>
+              </a:tr>
+              <a:tr h="302357">
+                <a:tc vMerge="1">
+                  <a:txBody>
+                    <a:bodyPr/>
+                    <a:lstStyle/>
+                    <a:p>
+                      <a:endParaRPr lang="en-US"/>
+                    </a:p>
+                  </a:txBody>
+                  <a:tcPr/>
+                </a:tc>
+                <a:tc>
+                  <a:txBody>
+                    <a:bodyPr/>
+                    <a:lstStyle/>
+                    <a:p>
+                      <a:pPr algn="l" fontAlgn="b"/>
+                      <a:r>
+                        <a:rPr lang="en-US" sz="1600" u="none" strike="noStrike" dirty="0">
+                          <a:solidFill>
+                            <a:srgbClr val="FF0000"/>
+                          </a:solidFill>
+                          <a:effectLst/>
+                        </a:rPr>
+                        <a:t>Institutional Support Expenditures per FTE</a:t>
+                      </a:r>
+                      <a:endParaRPr lang="en-US" sz="1600" b="0" i="0" u="none" strike="noStrike" dirty="0">
+                        <a:solidFill>
+                          <a:srgbClr val="FF0000"/>
+                        </a:solidFill>
+                        <a:effectLst/>
+                        <a:latin typeface="Calibri" charset="0"/>
+                      </a:endParaRPr>
+                    </a:p>
+                  </a:txBody>
+                  <a:tcPr marL="2812" marR="2812" marT="2812" marB="0" anchor="b"/>
+                </a:tc>
+                <a:tc>
+                  <a:txBody>
+                    <a:bodyPr/>
+                    <a:lstStyle/>
+                    <a:p>
+                      <a:pPr algn="r" fontAlgn="b"/>
+                      <a:r>
+                        <a:rPr lang="mr-IN" sz="1600" u="none" strike="noStrike" dirty="0">
+                          <a:solidFill>
+                            <a:srgbClr val="FF0000"/>
+                          </a:solidFill>
+                          <a:effectLst/>
+                        </a:rPr>
+                        <a:t>-1.25E-05</a:t>
+                      </a:r>
+                      <a:endParaRPr lang="mr-IN" sz="1600" b="0" i="0" u="none" strike="noStrike" dirty="0">
+                        <a:solidFill>
+                          <a:srgbClr val="FF0000"/>
+                        </a:solidFill>
+                        <a:effectLst/>
+                        <a:latin typeface="Lucida Grande" charset="0"/>
+                      </a:endParaRPr>
+                    </a:p>
+                  </a:txBody>
+                  <a:tcPr marL="2812" marR="2812" marT="2812" marB="0" anchor="b"/>
+                </a:tc>
+                <a:tc>
+                  <a:txBody>
+                    <a:bodyPr/>
+                    <a:lstStyle/>
+                    <a:p>
+                      <a:pPr algn="r" fontAlgn="b"/>
+                      <a:r>
+                        <a:rPr lang="mr-IN" sz="1600" u="none" strike="noStrike" dirty="0">
+                          <a:solidFill>
+                            <a:srgbClr val="FF0000"/>
+                          </a:solidFill>
+                          <a:effectLst/>
+                        </a:rPr>
+                        <a:t>1.20E-06</a:t>
+                      </a:r>
+                      <a:endParaRPr lang="mr-IN" sz="1600" b="0" i="0" u="none" strike="noStrike" dirty="0">
+                        <a:solidFill>
+                          <a:srgbClr val="FF0000"/>
+                        </a:solidFill>
+                        <a:effectLst/>
+                        <a:latin typeface="Lucida Grande" charset="0"/>
+                      </a:endParaRPr>
+                    </a:p>
+                  </a:txBody>
+                  <a:tcPr marL="2812" marR="2812" marT="2812" marB="0" anchor="b"/>
+                </a:tc>
+                <a:tc>
+                  <a:txBody>
+                    <a:bodyPr/>
+                    <a:lstStyle/>
+                    <a:p>
+                      <a:pPr algn="r" fontAlgn="b"/>
+                      <a:r>
+                        <a:rPr lang="en-US" sz="1600" u="none" strike="noStrike" dirty="0">
+                          <a:solidFill>
+                            <a:srgbClr val="FF0000"/>
+                          </a:solidFill>
+                          <a:effectLst/>
+                        </a:rPr>
+                        <a:t>0</a:t>
+                      </a:r>
+                      <a:endParaRPr lang="en-US" sz="1600" b="0" i="0" u="none" strike="noStrike" dirty="0">
+                        <a:solidFill>
+                          <a:srgbClr val="FF0000"/>
+                        </a:solidFill>
+                        <a:effectLst/>
+                        <a:latin typeface="Lucida Grande" charset="0"/>
+                      </a:endParaRPr>
+                    </a:p>
+                  </a:txBody>
+                  <a:tcPr marL="2812" marR="2812" marT="2812" marB="0" anchor="b"/>
+                </a:tc>
+              </a:tr>
+              <a:tr h="302357">
+                <a:tc vMerge="1">
+                  <a:txBody>
+                    <a:bodyPr/>
+                    <a:lstStyle/>
+                    <a:p>
+                      <a:endParaRPr lang="en-US"/>
+                    </a:p>
+                  </a:txBody>
+                  <a:tcPr/>
+                </a:tc>
+                <a:tc>
+                  <a:txBody>
+                    <a:bodyPr/>
+                    <a:lstStyle/>
+                    <a:p>
+                      <a:pPr algn="l" fontAlgn="b"/>
+                      <a:r>
+                        <a:rPr lang="en-US" sz="1600" u="none" strike="noStrike" dirty="0">
+                          <a:effectLst/>
+                        </a:rPr>
+                        <a:t>Depreciation Expenditures per FTE</a:t>
+                      </a:r>
+                      <a:endParaRPr lang="en-US" sz="1600" b="0" i="0" u="none" strike="noStrike" dirty="0">
+                        <a:solidFill>
+                          <a:srgbClr val="000000"/>
+                        </a:solidFill>
+                        <a:effectLst/>
+                        <a:latin typeface="Calibri" charset="0"/>
+                      </a:endParaRPr>
+                    </a:p>
+                  </a:txBody>
+                  <a:tcPr marL="2812" marR="2812" marT="2812" marB="0" anchor="b"/>
+                </a:tc>
+                <a:tc>
+                  <a:txBody>
+                    <a:bodyPr/>
+                    <a:lstStyle/>
+                    <a:p>
+                      <a:pPr algn="r" fontAlgn="b"/>
+                      <a:r>
+                        <a:rPr lang="mr-IN" sz="1600" u="none" strike="noStrike">
+                          <a:effectLst/>
+                        </a:rPr>
+                        <a:t>2.90E-06</a:t>
+                      </a:r>
+                      <a:endParaRPr lang="mr-IN" sz="1600" b="0" i="0" u="none" strike="noStrike">
+                        <a:solidFill>
+                          <a:srgbClr val="000000"/>
+                        </a:solidFill>
+                        <a:effectLst/>
+                        <a:latin typeface="Lucida Grande" charset="0"/>
+                      </a:endParaRPr>
+                    </a:p>
+                  </a:txBody>
+                  <a:tcPr marL="2812" marR="2812" marT="2812" marB="0" anchor="b"/>
+                </a:tc>
+                <a:tc>
+                  <a:txBody>
+                    <a:bodyPr/>
+                    <a:lstStyle/>
+                    <a:p>
+                      <a:pPr algn="r" fontAlgn="b"/>
+                      <a:r>
+                        <a:rPr lang="mr-IN" sz="1600" u="none" strike="noStrike" dirty="0">
+                          <a:effectLst/>
+                        </a:rPr>
+                        <a:t>7.00E-07</a:t>
+                      </a:r>
+                      <a:endParaRPr lang="mr-IN" sz="1600" b="0" i="0" u="none" strike="noStrike" dirty="0">
+                        <a:solidFill>
+                          <a:srgbClr val="000000"/>
+                        </a:solidFill>
+                        <a:effectLst/>
+                        <a:latin typeface="Lucida Grande" charset="0"/>
+                      </a:endParaRPr>
+                    </a:p>
+                  </a:txBody>
+                  <a:tcPr marL="2812" marR="2812" marT="2812" marB="0" anchor="b"/>
+                </a:tc>
+                <a:tc>
+                  <a:txBody>
+                    <a:bodyPr/>
+                    <a:lstStyle/>
+                    <a:p>
+                      <a:pPr algn="r" fontAlgn="b"/>
+                      <a:r>
+                        <a:rPr lang="is-IS" sz="1600" u="none" strike="noStrike">
+                          <a:effectLst/>
+                        </a:rPr>
+                        <a:t>0.0000419</a:t>
+                      </a:r>
+                      <a:endParaRPr lang="is-IS" sz="1600" b="0" i="0" u="none" strike="noStrike">
+                        <a:solidFill>
+                          <a:srgbClr val="000000"/>
+                        </a:solidFill>
+                        <a:effectLst/>
+                        <a:latin typeface="Lucida Grande" charset="0"/>
+                      </a:endParaRPr>
+                    </a:p>
+                  </a:txBody>
+                  <a:tcPr marL="2812" marR="2812" marT="2812" marB="0" anchor="b"/>
+                </a:tc>
+              </a:tr>
+              <a:tr h="302357">
+                <a:tc vMerge="1">
+                  <a:txBody>
+                    <a:bodyPr/>
+                    <a:lstStyle/>
+                    <a:p>
+                      <a:endParaRPr lang="en-US"/>
+                    </a:p>
+                  </a:txBody>
+                  <a:tcPr/>
+                </a:tc>
+                <a:tc>
+                  <a:txBody>
+                    <a:bodyPr/>
+                    <a:lstStyle/>
+                    <a:p>
+                      <a:pPr algn="l" fontAlgn="b"/>
+                      <a:r>
+                        <a:rPr lang="en-US" sz="1600" u="none" strike="noStrike" dirty="0">
+                          <a:solidFill>
+                            <a:schemeClr val="accent6">
+                              <a:lumMod val="75000"/>
+                            </a:schemeClr>
+                          </a:solidFill>
+                          <a:effectLst/>
+                        </a:rPr>
+                        <a:t>Auxiliary Enterprises Expenditures per FTE</a:t>
+                      </a:r>
+                      <a:endParaRPr lang="en-US" sz="1600" b="0" i="0" u="none" strike="noStrike" dirty="0">
+                        <a:solidFill>
+                          <a:schemeClr val="accent6">
+                            <a:lumMod val="75000"/>
+                          </a:schemeClr>
+                        </a:solidFill>
+                        <a:effectLst/>
+                        <a:latin typeface="Calibri" charset="0"/>
+                      </a:endParaRPr>
+                    </a:p>
+                  </a:txBody>
+                  <a:tcPr marL="2812" marR="2812" marT="2812" marB="0" anchor="b"/>
+                </a:tc>
+                <a:tc>
+                  <a:txBody>
+                    <a:bodyPr/>
+                    <a:lstStyle/>
+                    <a:p>
+                      <a:pPr algn="r" fontAlgn="b"/>
+                      <a:r>
+                        <a:rPr lang="mr-IN" sz="1600" u="none" strike="noStrike" dirty="0">
+                          <a:solidFill>
+                            <a:schemeClr val="accent6">
+                              <a:lumMod val="75000"/>
+                            </a:schemeClr>
+                          </a:solidFill>
+                          <a:effectLst/>
+                        </a:rPr>
+                        <a:t>2.07E-05</a:t>
+                      </a:r>
+                      <a:endParaRPr lang="mr-IN" sz="1600" b="0" i="0" u="none" strike="noStrike" dirty="0">
+                        <a:solidFill>
+                          <a:schemeClr val="accent6">
+                            <a:lumMod val="75000"/>
+                          </a:schemeClr>
+                        </a:solidFill>
+                        <a:effectLst/>
+                        <a:latin typeface="Lucida Grande" charset="0"/>
+                      </a:endParaRPr>
+                    </a:p>
+                  </a:txBody>
+                  <a:tcPr marL="2812" marR="2812" marT="2812" marB="0" anchor="b"/>
+                </a:tc>
+                <a:tc>
+                  <a:txBody>
+                    <a:bodyPr/>
+                    <a:lstStyle/>
+                    <a:p>
+                      <a:pPr algn="r" fontAlgn="b"/>
+                      <a:r>
+                        <a:rPr lang="mr-IN" sz="1600" u="none" strike="noStrike" dirty="0">
+                          <a:solidFill>
+                            <a:schemeClr val="accent6">
+                              <a:lumMod val="75000"/>
+                            </a:schemeClr>
+                          </a:solidFill>
+                          <a:effectLst/>
+                        </a:rPr>
+                        <a:t>6.00E-07</a:t>
+                      </a:r>
+                      <a:endParaRPr lang="mr-IN" sz="1600" b="0" i="0" u="none" strike="noStrike" dirty="0">
+                        <a:solidFill>
+                          <a:schemeClr val="accent6">
+                            <a:lumMod val="75000"/>
+                          </a:schemeClr>
+                        </a:solidFill>
+                        <a:effectLst/>
+                        <a:latin typeface="Lucida Grande" charset="0"/>
+                      </a:endParaRPr>
+                    </a:p>
+                  </a:txBody>
+                  <a:tcPr marL="2812" marR="2812" marT="2812" marB="0" anchor="b"/>
+                </a:tc>
+                <a:tc>
+                  <a:txBody>
+                    <a:bodyPr/>
+                    <a:lstStyle/>
+                    <a:p>
+                      <a:pPr algn="r" fontAlgn="b"/>
+                      <a:r>
+                        <a:rPr lang="en-US" sz="1600" u="none" strike="noStrike" dirty="0">
+                          <a:solidFill>
+                            <a:schemeClr val="accent6">
+                              <a:lumMod val="75000"/>
+                            </a:schemeClr>
+                          </a:solidFill>
+                          <a:effectLst/>
+                        </a:rPr>
+                        <a:t>0</a:t>
+                      </a:r>
+                      <a:endParaRPr lang="en-US" sz="1600" b="0" i="0" u="none" strike="noStrike" dirty="0">
+                        <a:solidFill>
+                          <a:schemeClr val="accent6">
+                            <a:lumMod val="75000"/>
+                          </a:schemeClr>
+                        </a:solidFill>
+                        <a:effectLst/>
+                        <a:latin typeface="Lucida Grande" charset="0"/>
+                      </a:endParaRPr>
+                    </a:p>
+                  </a:txBody>
+                  <a:tcPr marL="2812" marR="2812" marT="2812" marB="0" anchor="b"/>
+                </a:tc>
+              </a:tr>
+              <a:tr h="302357">
+                <a:tc rowSpan="6">
+                  <a:txBody>
+                    <a:bodyPr/>
+                    <a:lstStyle/>
+                    <a:p>
+                      <a:pPr algn="ctr" fontAlgn="ctr"/>
+                      <a:r>
+                        <a:rPr lang="en-US" sz="1600" b="1" u="none" strike="noStrike" dirty="0">
+                          <a:effectLst/>
+                        </a:rPr>
+                        <a:t>Bachelor's Degrees per FTE</a:t>
+                      </a:r>
+                      <a:endParaRPr lang="en-US" sz="1600" b="1" i="0" u="none" strike="noStrike" dirty="0">
+                        <a:solidFill>
+                          <a:srgbClr val="000000"/>
+                        </a:solidFill>
+                        <a:effectLst/>
+                        <a:latin typeface="Calibri" charset="0"/>
+                      </a:endParaRPr>
+                    </a:p>
+                  </a:txBody>
+                  <a:tcPr marL="2812" marR="2812" marT="2812" marB="0" anchor="ctr"/>
+                </a:tc>
+                <a:tc>
+                  <a:txBody>
+                    <a:bodyPr/>
+                    <a:lstStyle/>
+                    <a:p>
+                      <a:pPr algn="l" fontAlgn="b"/>
+                      <a:r>
+                        <a:rPr lang="en-US" sz="1600" u="none" strike="noStrike" dirty="0">
+                          <a:effectLst/>
+                        </a:rPr>
+                        <a:t>Public Service Expenditures per FTE</a:t>
+                      </a:r>
+                      <a:endParaRPr lang="en-US" sz="1600" b="0" i="0" u="none" strike="noStrike" dirty="0">
+                        <a:solidFill>
+                          <a:srgbClr val="000000"/>
+                        </a:solidFill>
+                        <a:effectLst/>
+                        <a:latin typeface="Calibri" charset="0"/>
+                      </a:endParaRPr>
+                    </a:p>
+                  </a:txBody>
+                  <a:tcPr marL="2812" marR="2812" marT="2812" marB="0" anchor="b"/>
+                </a:tc>
+                <a:tc>
+                  <a:txBody>
+                    <a:bodyPr/>
+                    <a:lstStyle/>
+                    <a:p>
+                      <a:pPr algn="r" fontAlgn="b"/>
+                      <a:r>
+                        <a:rPr lang="mr-IN" sz="1600" u="none" strike="noStrike">
+                          <a:effectLst/>
+                        </a:rPr>
+                        <a:t>-7.00E-07</a:t>
+                      </a:r>
+                      <a:endParaRPr lang="mr-IN" sz="1600" b="0" i="0" u="none" strike="noStrike">
+                        <a:solidFill>
+                          <a:srgbClr val="000000"/>
+                        </a:solidFill>
+                        <a:effectLst/>
+                        <a:latin typeface="Lucida Grande" charset="0"/>
+                      </a:endParaRPr>
+                    </a:p>
+                  </a:txBody>
+                  <a:tcPr marL="2812" marR="2812" marT="2812" marB="0" anchor="b"/>
+                </a:tc>
+                <a:tc>
+                  <a:txBody>
+                    <a:bodyPr/>
+                    <a:lstStyle/>
+                    <a:p>
+                      <a:pPr algn="r" fontAlgn="b"/>
+                      <a:r>
+                        <a:rPr lang="mr-IN" sz="1600" u="none" strike="noStrike">
+                          <a:effectLst/>
+                        </a:rPr>
+                        <a:t>3.00E-07</a:t>
+                      </a:r>
+                      <a:endParaRPr lang="mr-IN" sz="1600" b="0" i="0" u="none" strike="noStrike">
+                        <a:solidFill>
+                          <a:srgbClr val="000000"/>
+                        </a:solidFill>
+                        <a:effectLst/>
+                        <a:latin typeface="Lucida Grande" charset="0"/>
+                      </a:endParaRPr>
+                    </a:p>
+                  </a:txBody>
+                  <a:tcPr marL="2812" marR="2812" marT="2812" marB="0" anchor="b"/>
+                </a:tc>
+                <a:tc>
+                  <a:txBody>
+                    <a:bodyPr/>
+                    <a:lstStyle/>
+                    <a:p>
+                      <a:pPr algn="r" fontAlgn="b"/>
+                      <a:r>
+                        <a:rPr lang="is-IS" sz="1600" u="none" strike="noStrike">
+                          <a:effectLst/>
+                        </a:rPr>
+                        <a:t>0.0220192</a:t>
+                      </a:r>
+                      <a:endParaRPr lang="is-IS" sz="1600" b="0" i="0" u="none" strike="noStrike">
+                        <a:solidFill>
+                          <a:srgbClr val="000000"/>
+                        </a:solidFill>
+                        <a:effectLst/>
+                        <a:latin typeface="Lucida Grande" charset="0"/>
+                      </a:endParaRPr>
+                    </a:p>
+                  </a:txBody>
+                  <a:tcPr marL="2812" marR="2812" marT="2812" marB="0" anchor="b"/>
+                </a:tc>
+              </a:tr>
+              <a:tr h="302357">
+                <a:tc vMerge="1">
+                  <a:txBody>
+                    <a:bodyPr/>
+                    <a:lstStyle/>
+                    <a:p>
+                      <a:endParaRPr lang="en-US"/>
+                    </a:p>
+                  </a:txBody>
+                  <a:tcPr/>
+                </a:tc>
+                <a:tc>
+                  <a:txBody>
+                    <a:bodyPr/>
+                    <a:lstStyle/>
+                    <a:p>
+                      <a:pPr algn="l" fontAlgn="b"/>
+                      <a:r>
+                        <a:rPr lang="en-US" sz="1600" u="none" strike="noStrike" dirty="0">
+                          <a:solidFill>
+                            <a:schemeClr val="accent6">
+                              <a:lumMod val="75000"/>
+                            </a:schemeClr>
+                          </a:solidFill>
+                          <a:effectLst/>
+                        </a:rPr>
+                        <a:t>Student Services Expenditures per FTE</a:t>
+                      </a:r>
+                      <a:endParaRPr lang="en-US" sz="1600" b="0" i="0" u="none" strike="noStrike" dirty="0">
+                        <a:solidFill>
+                          <a:schemeClr val="accent6">
+                            <a:lumMod val="75000"/>
+                          </a:schemeClr>
+                        </a:solidFill>
+                        <a:effectLst/>
+                        <a:latin typeface="Calibri" charset="0"/>
+                      </a:endParaRPr>
+                    </a:p>
+                  </a:txBody>
+                  <a:tcPr marL="2812" marR="2812" marT="2812" marB="0" anchor="b"/>
+                </a:tc>
+                <a:tc>
+                  <a:txBody>
+                    <a:bodyPr/>
+                    <a:lstStyle/>
+                    <a:p>
+                      <a:pPr algn="r" fontAlgn="b"/>
+                      <a:r>
+                        <a:rPr lang="mr-IN" sz="1600" u="none" strike="noStrike" dirty="0">
+                          <a:solidFill>
+                            <a:schemeClr val="accent6">
+                              <a:lumMod val="75000"/>
+                            </a:schemeClr>
+                          </a:solidFill>
+                          <a:effectLst/>
+                        </a:rPr>
+                        <a:t>4.50E-06</a:t>
+                      </a:r>
+                      <a:endParaRPr lang="mr-IN" sz="1600" b="0" i="0" u="none" strike="noStrike" dirty="0">
+                        <a:solidFill>
+                          <a:schemeClr val="accent6">
+                            <a:lumMod val="75000"/>
+                          </a:schemeClr>
+                        </a:solidFill>
+                        <a:effectLst/>
+                        <a:latin typeface="Lucida Grande" charset="0"/>
+                      </a:endParaRPr>
+                    </a:p>
+                  </a:txBody>
+                  <a:tcPr marL="2812" marR="2812" marT="2812" marB="0" anchor="b"/>
+                </a:tc>
+                <a:tc>
+                  <a:txBody>
+                    <a:bodyPr/>
+                    <a:lstStyle/>
+                    <a:p>
+                      <a:pPr algn="r" fontAlgn="b"/>
+                      <a:r>
+                        <a:rPr lang="mr-IN" sz="1600" u="none" strike="noStrike" dirty="0">
+                          <a:solidFill>
+                            <a:schemeClr val="accent6">
+                              <a:lumMod val="75000"/>
+                            </a:schemeClr>
+                          </a:solidFill>
+                          <a:effectLst/>
+                        </a:rPr>
+                        <a:t>6.00E-07</a:t>
+                      </a:r>
+                      <a:endParaRPr lang="mr-IN" sz="1600" b="0" i="0" u="none" strike="noStrike" dirty="0">
+                        <a:solidFill>
+                          <a:schemeClr val="accent6">
+                            <a:lumMod val="75000"/>
+                          </a:schemeClr>
+                        </a:solidFill>
+                        <a:effectLst/>
+                        <a:latin typeface="Lucida Grande" charset="0"/>
+                      </a:endParaRPr>
+                    </a:p>
+                  </a:txBody>
+                  <a:tcPr marL="2812" marR="2812" marT="2812" marB="0" anchor="b"/>
+                </a:tc>
+                <a:tc>
+                  <a:txBody>
+                    <a:bodyPr/>
+                    <a:lstStyle/>
+                    <a:p>
+                      <a:pPr algn="r" fontAlgn="b"/>
+                      <a:r>
+                        <a:rPr lang="en-US" sz="1600" u="none" strike="noStrike" dirty="0">
+                          <a:solidFill>
+                            <a:schemeClr val="accent6">
+                              <a:lumMod val="75000"/>
+                            </a:schemeClr>
+                          </a:solidFill>
+                          <a:effectLst/>
+                        </a:rPr>
+                        <a:t>0</a:t>
+                      </a:r>
+                      <a:endParaRPr lang="en-US" sz="1600" b="0" i="0" u="none" strike="noStrike" dirty="0">
+                        <a:solidFill>
+                          <a:schemeClr val="accent6">
+                            <a:lumMod val="75000"/>
+                          </a:schemeClr>
+                        </a:solidFill>
+                        <a:effectLst/>
+                        <a:latin typeface="Lucida Grande" charset="0"/>
+                      </a:endParaRPr>
+                    </a:p>
+                  </a:txBody>
+                  <a:tcPr marL="2812" marR="2812" marT="2812" marB="0" anchor="b"/>
+                </a:tc>
+              </a:tr>
+              <a:tr h="302357">
+                <a:tc vMerge="1">
+                  <a:txBody>
+                    <a:bodyPr/>
+                    <a:lstStyle/>
+                    <a:p>
+                      <a:endParaRPr lang="en-US"/>
+                    </a:p>
+                  </a:txBody>
+                  <a:tcPr/>
+                </a:tc>
+                <a:tc>
+                  <a:txBody>
+                    <a:bodyPr/>
+                    <a:lstStyle/>
+                    <a:p>
+                      <a:pPr algn="l" fontAlgn="b"/>
+                      <a:r>
+                        <a:rPr lang="en-US" sz="1600" u="none" strike="noStrike" dirty="0">
+                          <a:solidFill>
+                            <a:srgbClr val="FF0000"/>
+                          </a:solidFill>
+                          <a:effectLst/>
+                        </a:rPr>
+                        <a:t>Operation and Maintenance Expenditures per FTE</a:t>
+                      </a:r>
+                      <a:endParaRPr lang="en-US" sz="1600" b="0" i="0" u="none" strike="noStrike" dirty="0">
+                        <a:solidFill>
+                          <a:srgbClr val="FF0000"/>
+                        </a:solidFill>
+                        <a:effectLst/>
+                        <a:latin typeface="Calibri" charset="0"/>
+                      </a:endParaRPr>
+                    </a:p>
+                  </a:txBody>
+                  <a:tcPr marL="2812" marR="2812" marT="2812" marB="0" anchor="b"/>
+                </a:tc>
+                <a:tc>
+                  <a:txBody>
+                    <a:bodyPr/>
+                    <a:lstStyle/>
+                    <a:p>
+                      <a:pPr algn="r" fontAlgn="b"/>
+                      <a:r>
+                        <a:rPr lang="mr-IN" sz="1600" u="none" strike="noStrike" dirty="0">
+                          <a:effectLst/>
+                        </a:rPr>
+                        <a:t>-1.40E-06</a:t>
+                      </a:r>
+                      <a:endParaRPr lang="mr-IN" sz="1600" b="0" i="0" u="none" strike="noStrike" dirty="0">
+                        <a:solidFill>
+                          <a:srgbClr val="FF0000"/>
+                        </a:solidFill>
+                        <a:effectLst/>
+                        <a:latin typeface="Lucida Grande" charset="0"/>
+                      </a:endParaRPr>
+                    </a:p>
+                  </a:txBody>
+                  <a:tcPr marL="2812" marR="2812" marT="2812" marB="0" anchor="b"/>
+                </a:tc>
+                <a:tc>
+                  <a:txBody>
+                    <a:bodyPr/>
+                    <a:lstStyle/>
+                    <a:p>
+                      <a:pPr algn="r" fontAlgn="b"/>
+                      <a:r>
+                        <a:rPr lang="mr-IN" sz="1600" u="none" strike="noStrike">
+                          <a:effectLst/>
+                        </a:rPr>
+                        <a:t>6.00E-07</a:t>
+                      </a:r>
+                      <a:endParaRPr lang="mr-IN" sz="1600" b="0" i="0" u="none" strike="noStrike">
+                        <a:solidFill>
+                          <a:srgbClr val="FF0000"/>
+                        </a:solidFill>
+                        <a:effectLst/>
+                        <a:latin typeface="Lucida Grande" charset="0"/>
+                      </a:endParaRPr>
+                    </a:p>
+                  </a:txBody>
+                  <a:tcPr marL="2812" marR="2812" marT="2812" marB="0" anchor="b"/>
+                </a:tc>
+                <a:tc>
+                  <a:txBody>
+                    <a:bodyPr/>
+                    <a:lstStyle/>
+                    <a:p>
+                      <a:pPr algn="r" fontAlgn="b"/>
+                      <a:r>
+                        <a:rPr lang="is-IS" sz="1600" u="none" strike="noStrike">
+                          <a:effectLst/>
+                        </a:rPr>
+                        <a:t>0.0124906</a:t>
+                      </a:r>
+                      <a:endParaRPr lang="is-IS" sz="1600" b="0" i="0" u="none" strike="noStrike">
+                        <a:solidFill>
+                          <a:srgbClr val="FF0000"/>
+                        </a:solidFill>
+                        <a:effectLst/>
+                        <a:latin typeface="Lucida Grande" charset="0"/>
+                      </a:endParaRPr>
+                    </a:p>
+                  </a:txBody>
+                  <a:tcPr marL="2812" marR="2812" marT="2812" marB="0" anchor="b"/>
+                </a:tc>
+              </a:tr>
+              <a:tr h="302357">
+                <a:tc vMerge="1">
+                  <a:txBody>
+                    <a:bodyPr/>
+                    <a:lstStyle/>
+                    <a:p>
+                      <a:endParaRPr lang="en-US"/>
+                    </a:p>
+                  </a:txBody>
+                  <a:tcPr/>
+                </a:tc>
+                <a:tc>
+                  <a:txBody>
+                    <a:bodyPr/>
+                    <a:lstStyle/>
+                    <a:p>
+                      <a:pPr algn="l" fontAlgn="b"/>
+                      <a:r>
+                        <a:rPr lang="en-US" sz="1600" u="none" strike="noStrike" dirty="0">
+                          <a:effectLst/>
+                        </a:rPr>
+                        <a:t>Depreciation Expenditures per FTE</a:t>
+                      </a:r>
+                      <a:endParaRPr lang="en-US" sz="1600" b="0" i="0" u="none" strike="noStrike" dirty="0">
+                        <a:solidFill>
+                          <a:srgbClr val="000000"/>
+                        </a:solidFill>
+                        <a:effectLst/>
+                        <a:latin typeface="Calibri" charset="0"/>
+                      </a:endParaRPr>
+                    </a:p>
+                  </a:txBody>
+                  <a:tcPr marL="2812" marR="2812" marT="2812" marB="0" anchor="b"/>
+                </a:tc>
+                <a:tc>
+                  <a:txBody>
+                    <a:bodyPr/>
+                    <a:lstStyle/>
+                    <a:p>
+                      <a:pPr algn="r" fontAlgn="b"/>
+                      <a:r>
+                        <a:rPr lang="mr-IN" sz="1600" u="none" strike="noStrike">
+                          <a:effectLst/>
+                        </a:rPr>
+                        <a:t>-6.00E-07</a:t>
+                      </a:r>
+                      <a:endParaRPr lang="mr-IN" sz="1600" b="0" i="0" u="none" strike="noStrike">
+                        <a:solidFill>
+                          <a:srgbClr val="000000"/>
+                        </a:solidFill>
+                        <a:effectLst/>
+                        <a:latin typeface="Lucida Grande" charset="0"/>
+                      </a:endParaRPr>
+                    </a:p>
+                  </a:txBody>
+                  <a:tcPr marL="2812" marR="2812" marT="2812" marB="0" anchor="b"/>
+                </a:tc>
+                <a:tc>
+                  <a:txBody>
+                    <a:bodyPr/>
+                    <a:lstStyle/>
+                    <a:p>
+                      <a:pPr algn="r" fontAlgn="b"/>
+                      <a:r>
+                        <a:rPr lang="mr-IN" sz="1600" u="none" strike="noStrike" dirty="0">
+                          <a:effectLst/>
+                        </a:rPr>
+                        <a:t>3.00E-07</a:t>
+                      </a:r>
+                      <a:endParaRPr lang="mr-IN" sz="1600" b="0" i="0" u="none" strike="noStrike" dirty="0">
+                        <a:solidFill>
+                          <a:srgbClr val="000000"/>
+                        </a:solidFill>
+                        <a:effectLst/>
+                        <a:latin typeface="Lucida Grande" charset="0"/>
+                      </a:endParaRPr>
+                    </a:p>
+                  </a:txBody>
+                  <a:tcPr marL="2812" marR="2812" marT="2812" marB="0" anchor="b"/>
+                </a:tc>
+                <a:tc>
+                  <a:txBody>
+                    <a:bodyPr/>
+                    <a:lstStyle/>
+                    <a:p>
+                      <a:pPr algn="r" fontAlgn="b"/>
+                      <a:r>
+                        <a:rPr lang="nb-NO" sz="1600" u="none" strike="noStrike">
+                          <a:effectLst/>
+                        </a:rPr>
+                        <a:t>0.0353355</a:t>
+                      </a:r>
+                      <a:endParaRPr lang="nb-NO" sz="1600" b="0" i="0" u="none" strike="noStrike">
+                        <a:solidFill>
+                          <a:srgbClr val="000000"/>
+                        </a:solidFill>
+                        <a:effectLst/>
+                        <a:latin typeface="Lucida Grande" charset="0"/>
+                      </a:endParaRPr>
+                    </a:p>
+                  </a:txBody>
+                  <a:tcPr marL="2812" marR="2812" marT="2812" marB="0" anchor="b"/>
+                </a:tc>
+              </a:tr>
+              <a:tr h="302357">
+                <a:tc vMerge="1">
+                  <a:txBody>
+                    <a:bodyPr/>
+                    <a:lstStyle/>
+                    <a:p>
+                      <a:endParaRPr lang="en-US"/>
+                    </a:p>
+                  </a:txBody>
+                  <a:tcPr/>
+                </a:tc>
+                <a:tc>
+                  <a:txBody>
+                    <a:bodyPr/>
+                    <a:lstStyle/>
+                    <a:p>
+                      <a:pPr algn="l" fontAlgn="b"/>
+                      <a:r>
+                        <a:rPr lang="en-US" sz="1600" u="none" strike="noStrike">
+                          <a:effectLst/>
+                        </a:rPr>
+                        <a:t>Scholarships and Fellowships Expenditures per FTE</a:t>
+                      </a:r>
+                      <a:endParaRPr lang="en-US" sz="1600" b="0" i="0" u="none" strike="noStrike">
+                        <a:solidFill>
+                          <a:srgbClr val="000000"/>
+                        </a:solidFill>
+                        <a:effectLst/>
+                        <a:latin typeface="Calibri" charset="0"/>
+                      </a:endParaRPr>
+                    </a:p>
+                  </a:txBody>
+                  <a:tcPr marL="2812" marR="2812" marT="2812" marB="0" anchor="b"/>
+                </a:tc>
+                <a:tc>
+                  <a:txBody>
+                    <a:bodyPr/>
+                    <a:lstStyle/>
+                    <a:p>
+                      <a:pPr algn="r" fontAlgn="b"/>
+                      <a:r>
+                        <a:rPr lang="mr-IN" sz="1600" u="none" strike="noStrike">
+                          <a:effectLst/>
+                        </a:rPr>
+                        <a:t>1.40E-06</a:t>
+                      </a:r>
+                      <a:endParaRPr lang="mr-IN" sz="1600" b="0" i="0" u="none" strike="noStrike">
+                        <a:solidFill>
+                          <a:srgbClr val="000000"/>
+                        </a:solidFill>
+                        <a:effectLst/>
+                        <a:latin typeface="Lucida Grande" charset="0"/>
+                      </a:endParaRPr>
+                    </a:p>
+                  </a:txBody>
+                  <a:tcPr marL="2812" marR="2812" marT="2812" marB="0" anchor="b"/>
+                </a:tc>
+                <a:tc>
+                  <a:txBody>
+                    <a:bodyPr/>
+                    <a:lstStyle/>
+                    <a:p>
+                      <a:pPr algn="r" fontAlgn="b"/>
+                      <a:r>
+                        <a:rPr lang="mr-IN" sz="1600" u="none" strike="noStrike">
+                          <a:effectLst/>
+                        </a:rPr>
+                        <a:t>6.00E-07</a:t>
+                      </a:r>
+                      <a:endParaRPr lang="mr-IN" sz="1600" b="0" i="0" u="none" strike="noStrike">
+                        <a:solidFill>
+                          <a:srgbClr val="000000"/>
+                        </a:solidFill>
+                        <a:effectLst/>
+                        <a:latin typeface="Lucida Grande" charset="0"/>
+                      </a:endParaRPr>
+                    </a:p>
+                  </a:txBody>
+                  <a:tcPr marL="2812" marR="2812" marT="2812" marB="0" anchor="b"/>
+                </a:tc>
+                <a:tc>
+                  <a:txBody>
+                    <a:bodyPr/>
+                    <a:lstStyle/>
+                    <a:p>
+                      <a:pPr algn="r" fontAlgn="b"/>
+                      <a:r>
+                        <a:rPr lang="is-IS" sz="1600" u="none" strike="noStrike" dirty="0">
+                          <a:effectLst/>
+                        </a:rPr>
+                        <a:t>0.0162623</a:t>
+                      </a:r>
+                      <a:endParaRPr lang="is-IS" sz="1600" b="0" i="0" u="none" strike="noStrike" dirty="0">
+                        <a:solidFill>
+                          <a:srgbClr val="000000"/>
+                        </a:solidFill>
+                        <a:effectLst/>
+                        <a:latin typeface="Lucida Grande" charset="0"/>
+                      </a:endParaRPr>
+                    </a:p>
+                  </a:txBody>
+                  <a:tcPr marL="2812" marR="2812" marT="2812" marB="0" anchor="b"/>
+                </a:tc>
+              </a:tr>
+              <a:tr h="302357">
+                <a:tc vMerge="1">
+                  <a:txBody>
+                    <a:bodyPr/>
+                    <a:lstStyle/>
+                    <a:p>
+                      <a:endParaRPr lang="en-US"/>
+                    </a:p>
+                  </a:txBody>
+                  <a:tcPr/>
+                </a:tc>
+                <a:tc>
+                  <a:txBody>
+                    <a:bodyPr/>
+                    <a:lstStyle/>
+                    <a:p>
+                      <a:pPr algn="l" fontAlgn="b"/>
+                      <a:r>
+                        <a:rPr lang="en-US" sz="1600" u="none" strike="noStrike" dirty="0">
+                          <a:effectLst/>
+                        </a:rPr>
+                        <a:t>Auxiliary Enterprises Expenditures per FTE</a:t>
+                      </a:r>
+                      <a:endParaRPr lang="en-US" sz="1600" b="0" i="0" u="none" strike="noStrike" dirty="0">
+                        <a:solidFill>
+                          <a:srgbClr val="000000"/>
+                        </a:solidFill>
+                        <a:effectLst/>
+                        <a:latin typeface="Calibri" charset="0"/>
+                      </a:endParaRPr>
+                    </a:p>
+                  </a:txBody>
+                  <a:tcPr marL="2812" marR="2812" marT="2812" marB="0" anchor="b"/>
+                </a:tc>
+                <a:tc>
+                  <a:txBody>
+                    <a:bodyPr/>
+                    <a:lstStyle/>
+                    <a:p>
+                      <a:pPr algn="r" fontAlgn="b"/>
+                      <a:r>
+                        <a:rPr lang="mr-IN" sz="1600" u="none" strike="noStrike">
+                          <a:effectLst/>
+                        </a:rPr>
+                        <a:t>2.40E-06</a:t>
+                      </a:r>
+                      <a:endParaRPr lang="mr-IN" sz="1600" b="0" i="0" u="none" strike="noStrike">
+                        <a:solidFill>
+                          <a:srgbClr val="000000"/>
+                        </a:solidFill>
+                        <a:effectLst/>
+                        <a:latin typeface="Lucida Grande" charset="0"/>
+                      </a:endParaRPr>
+                    </a:p>
+                  </a:txBody>
+                  <a:tcPr marL="2812" marR="2812" marT="2812" marB="0" anchor="b"/>
+                </a:tc>
+                <a:tc>
+                  <a:txBody>
+                    <a:bodyPr/>
+                    <a:lstStyle/>
+                    <a:p>
+                      <a:pPr algn="r" fontAlgn="b"/>
+                      <a:r>
+                        <a:rPr lang="mr-IN" sz="1600" u="none" strike="noStrike">
+                          <a:effectLst/>
+                        </a:rPr>
+                        <a:t>2.00E-07</a:t>
+                      </a:r>
+                      <a:endParaRPr lang="mr-IN" sz="1600" b="0" i="0" u="none" strike="noStrike">
+                        <a:solidFill>
+                          <a:srgbClr val="000000"/>
+                        </a:solidFill>
+                        <a:effectLst/>
+                        <a:latin typeface="Lucida Grande" charset="0"/>
+                      </a:endParaRPr>
+                    </a:p>
+                  </a:txBody>
+                  <a:tcPr marL="2812" marR="2812" marT="2812" marB="0" anchor="b"/>
+                </a:tc>
+                <a:tc>
+                  <a:txBody>
+                    <a:bodyPr/>
+                    <a:lstStyle/>
+                    <a:p>
+                      <a:pPr algn="r" fontAlgn="b"/>
+                      <a:r>
+                        <a:rPr lang="en-US" sz="1600" u="none" strike="noStrike" dirty="0">
+                          <a:effectLst/>
+                        </a:rPr>
+                        <a:t>0</a:t>
+                      </a:r>
+                      <a:endParaRPr lang="en-US" sz="1600" b="0" i="0" u="none" strike="noStrike" dirty="0">
+                        <a:solidFill>
+                          <a:srgbClr val="000000"/>
+                        </a:solidFill>
+                        <a:effectLst/>
+                        <a:latin typeface="Lucida Grande" charset="0"/>
+                      </a:endParaRPr>
+                    </a:p>
+                  </a:txBody>
+                  <a:tcPr marL="2812" marR="2812" marT="2812" marB="0" anchor="b"/>
+                </a:tc>
+              </a:tr>
+            </a:tbl>
+          </a:graphicData>
+        </a:graphic>
+      </p:graphicFrame>
       <p:sp>
         <p:nvSpPr>
-          <p:cNvPr id="3" name="Content Placeholder 2"/>
-          <p:cNvSpPr>
-            <a:spLocks noGrp="1"/>
-          </p:cNvSpPr>
-          <p:nvPr>
-            <p:ph idx="1"/>
-          </p:nvPr>
+          <p:cNvPr id="9" name="TextBox 8"/>
+          <p:cNvSpPr txBox="1"/>
+          <p:nvPr/>
         </p:nvSpPr>
-        <p:spPr/>
+        <p:spPr>
+          <a:xfrm>
+            <a:off x="1095776" y="5628067"/>
+            <a:ext cx="9761116" cy="646331"/>
+          </a:xfrm>
+          <a:prstGeom prst="rect">
+            <a:avLst/>
+          </a:prstGeom>
+          <a:noFill/>
+        </p:spPr>
         <p:txBody>
-          <a:bodyPr/>
+          <a:bodyPr wrap="square" rtlCol="0">
+            <a:spAutoFit/>
+          </a:bodyPr>
           <a:lstStyle/>
           <a:p>
+            <a:r>
+              <a:rPr lang="en-US" dirty="0" smtClean="0"/>
+              <a:t>For both outcomes, student services and auxiliary expenditures had the highest average partial derivatives among the expenditure variables with significance at the 0.05 level</a:t>
+            </a:r>
             <a:endParaRPr lang="en-US" dirty="0"/>
           </a:p>
         </p:txBody>

--- a/reports/18_03_13 Presentation.pptx
+++ b/reports/18_03_13 Presentation.pptx
@@ -12,6 +12,7 @@
     <p:sldId id="260" r:id="rId6"/>
     <p:sldId id="261" r:id="rId7"/>
     <p:sldId id="262" r:id="rId8"/>
+    <p:sldId id="263" r:id="rId9"/>
   </p:sldIdLst>
   <p:sldSz cx="12192000" cy="6858000"/>
   <p:notesSz cx="6858000" cy="9144000"/>
@@ -249,7 +250,7 @@
           <a:p>
             <a:fld id="{8B887784-E512-F943-98E0-5497CC7B1195}" type="datetimeFigureOut">
               <a:rPr lang="en-US" smtClean="0"/>
-              <a:t>3/10/18</a:t>
+              <a:t>3/12/18</a:t>
             </a:fld>
             <a:endParaRPr lang="en-US"/>
           </a:p>
@@ -419,7 +420,7 @@
           <a:p>
             <a:fld id="{8B887784-E512-F943-98E0-5497CC7B1195}" type="datetimeFigureOut">
               <a:rPr lang="en-US" smtClean="0"/>
-              <a:t>3/10/18</a:t>
+              <a:t>3/12/18</a:t>
             </a:fld>
             <a:endParaRPr lang="en-US"/>
           </a:p>
@@ -599,7 +600,7 @@
           <a:p>
             <a:fld id="{8B887784-E512-F943-98E0-5497CC7B1195}" type="datetimeFigureOut">
               <a:rPr lang="en-US" smtClean="0"/>
-              <a:t>3/10/18</a:t>
+              <a:t>3/12/18</a:t>
             </a:fld>
             <a:endParaRPr lang="en-US"/>
           </a:p>
@@ -769,7 +770,7 @@
           <a:p>
             <a:fld id="{8B887784-E512-F943-98E0-5497CC7B1195}" type="datetimeFigureOut">
               <a:rPr lang="en-US" smtClean="0"/>
-              <a:t>3/10/18</a:t>
+              <a:t>3/12/18</a:t>
             </a:fld>
             <a:endParaRPr lang="en-US"/>
           </a:p>
@@ -1015,7 +1016,7 @@
           <a:p>
             <a:fld id="{8B887784-E512-F943-98E0-5497CC7B1195}" type="datetimeFigureOut">
               <a:rPr lang="en-US" smtClean="0"/>
-              <a:t>3/10/18</a:t>
+              <a:t>3/12/18</a:t>
             </a:fld>
             <a:endParaRPr lang="en-US"/>
           </a:p>
@@ -1247,7 +1248,7 @@
           <a:p>
             <a:fld id="{8B887784-E512-F943-98E0-5497CC7B1195}" type="datetimeFigureOut">
               <a:rPr lang="en-US" smtClean="0"/>
-              <a:t>3/10/18</a:t>
+              <a:t>3/12/18</a:t>
             </a:fld>
             <a:endParaRPr lang="en-US"/>
           </a:p>
@@ -1614,7 +1615,7 @@
           <a:p>
             <a:fld id="{8B887784-E512-F943-98E0-5497CC7B1195}" type="datetimeFigureOut">
               <a:rPr lang="en-US" smtClean="0"/>
-              <a:t>3/10/18</a:t>
+              <a:t>3/12/18</a:t>
             </a:fld>
             <a:endParaRPr lang="en-US"/>
           </a:p>
@@ -1732,7 +1733,7 @@
           <a:p>
             <a:fld id="{8B887784-E512-F943-98E0-5497CC7B1195}" type="datetimeFigureOut">
               <a:rPr lang="en-US" smtClean="0"/>
-              <a:t>3/10/18</a:t>
+              <a:t>3/12/18</a:t>
             </a:fld>
             <a:endParaRPr lang="en-US"/>
           </a:p>
@@ -1827,7 +1828,7 @@
           <a:p>
             <a:fld id="{8B887784-E512-F943-98E0-5497CC7B1195}" type="datetimeFigureOut">
               <a:rPr lang="en-US" smtClean="0"/>
-              <a:t>3/10/18</a:t>
+              <a:t>3/12/18</a:t>
             </a:fld>
             <a:endParaRPr lang="en-US"/>
           </a:p>
@@ -2104,7 +2105,7 @@
           <a:p>
             <a:fld id="{8B887784-E512-F943-98E0-5497CC7B1195}" type="datetimeFigureOut">
               <a:rPr lang="en-US" smtClean="0"/>
-              <a:t>3/10/18</a:t>
+              <a:t>3/12/18</a:t>
             </a:fld>
             <a:endParaRPr lang="en-US"/>
           </a:p>
@@ -2357,7 +2358,7 @@
           <a:p>
             <a:fld id="{8B887784-E512-F943-98E0-5497CC7B1195}" type="datetimeFigureOut">
               <a:rPr lang="en-US" smtClean="0"/>
-              <a:t>3/10/18</a:t>
+              <a:t>3/12/18</a:t>
             </a:fld>
             <a:endParaRPr lang="en-US"/>
           </a:p>
@@ -2570,7 +2571,7 @@
           <a:p>
             <a:fld id="{8B887784-E512-F943-98E0-5497CC7B1195}" type="datetimeFigureOut">
               <a:rPr lang="en-US" smtClean="0"/>
-              <a:t>3/10/18</a:t>
+              <a:t>3/12/18</a:t>
             </a:fld>
             <a:endParaRPr lang="en-US"/>
           </a:p>
@@ -7507,6 +7508,185 @@
   <p:clrMapOvr>
     <a:masterClrMapping/>
   </p:clrMapOvr>
+  <p:timing>
+    <p:tnLst>
+      <p:par>
+        <p:cTn id="1" dur="indefinite" restart="never" nodeType="tmRoot"/>
+      </p:par>
+    </p:tnLst>
+  </p:timing>
+</p:sld>
+</file>
+
+<file path=ppt/slides/slide8.xml><?xml version="1.0" encoding="utf-8"?>
+<p:sld xmlns:a="http://schemas.openxmlformats.org/drawingml/2006/main" xmlns:r="http://schemas.openxmlformats.org/officeDocument/2006/relationships" xmlns:p="http://schemas.openxmlformats.org/presentationml/2006/main">
+  <p:cSld>
+    <p:spTree>
+      <p:nvGrpSpPr>
+        <p:cNvPr id="1" name=""/>
+        <p:cNvGrpSpPr/>
+        <p:nvPr/>
+      </p:nvGrpSpPr>
+      <p:grpSpPr>
+        <a:xfrm>
+          <a:off x="0" y="0"/>
+          <a:ext cx="0" cy="0"/>
+          <a:chOff x="0" y="0"/>
+          <a:chExt cx="0" cy="0"/>
+        </a:xfrm>
+      </p:grpSpPr>
+      <p:sp>
+        <p:nvSpPr>
+          <p:cNvPr id="2" name="Title 1"/>
+          <p:cNvSpPr>
+            <a:spLocks noGrp="1"/>
+          </p:cNvSpPr>
+          <p:nvPr>
+            <p:ph type="title"/>
+          </p:nvPr>
+        </p:nvSpPr>
+        <p:spPr/>
+        <p:txBody>
+          <a:bodyPr/>
+          <a:lstStyle/>
+          <a:p>
+            <a:r>
+              <a:rPr lang="en-US" dirty="0" smtClean="0"/>
+              <a:t>Approach 1: First Differences</a:t>
+            </a:r>
+            <a:endParaRPr lang="en-US" dirty="0"/>
+          </a:p>
+        </p:txBody>
+      </p:sp>
+      <p:sp>
+        <p:nvSpPr>
+          <p:cNvPr id="3" name="Content Placeholder 2"/>
+          <p:cNvSpPr>
+            <a:spLocks noGrp="1"/>
+          </p:cNvSpPr>
+          <p:nvPr>
+            <p:ph idx="1"/>
+          </p:nvPr>
+        </p:nvSpPr>
+        <p:spPr>
+          <a:xfrm>
+            <a:off x="838201" y="1825625"/>
+            <a:ext cx="10120531" cy="1044184"/>
+          </a:xfrm>
+        </p:spPr>
+        <p:txBody>
+          <a:bodyPr>
+            <a:normAutofit fontScale="77500" lnSpcReduction="20000"/>
+          </a:bodyPr>
+          <a:lstStyle/>
+          <a:p>
+            <a:pPr>
+              <a:lnSpc>
+                <a:spcPct val="100000"/>
+              </a:lnSpc>
+              <a:spcBef>
+                <a:spcPts val="0"/>
+              </a:spcBef>
+            </a:pPr>
+            <a:r>
+              <a:rPr lang="en-US" dirty="0" smtClean="0"/>
+              <a:t>For both outcomes, we tried adding 100 to the variable with the highest average partial derivative and subtracting 100 from the variable with the lowest.</a:t>
+            </a:r>
+          </a:p>
+          <a:p>
+            <a:pPr>
+              <a:lnSpc>
+                <a:spcPct val="100000"/>
+              </a:lnSpc>
+              <a:spcBef>
+                <a:spcPts val="0"/>
+              </a:spcBef>
+            </a:pPr>
+            <a:r>
+              <a:rPr lang="en-US" dirty="0" smtClean="0"/>
+              <a:t>Cluster bootstrapped by school for distributions (N=50)</a:t>
+            </a:r>
+            <a:endParaRPr lang="en-US" dirty="0"/>
+          </a:p>
+        </p:txBody>
+      </p:sp>
+      <p:pic>
+        <p:nvPicPr>
+          <p:cNvPr id="6" name="Picture 5"/>
+          <p:cNvPicPr>
+            <a:picLocks noChangeAspect="1"/>
+          </p:cNvPicPr>
+          <p:nvPr/>
+        </p:nvPicPr>
+        <p:blipFill>
+          <a:blip r:embed="rId2">
+            <a:extLst>
+              <a:ext uri="{28A0092B-C50C-407E-A947-70E740481C1C}">
+                <a14:useLocalDpi xmlns:a14="http://schemas.microsoft.com/office/drawing/2010/main" val="0"/>
+              </a:ext>
+            </a:extLst>
+          </a:blip>
+          <a:stretch>
+            <a:fillRect/>
+          </a:stretch>
+        </p:blipFill>
+        <p:spPr>
+          <a:xfrm>
+            <a:off x="838200" y="3004746"/>
+            <a:ext cx="4577862" cy="3705543"/>
+          </a:xfrm>
+          <a:prstGeom prst="rect">
+            <a:avLst/>
+          </a:prstGeom>
+        </p:spPr>
+      </p:pic>
+      <p:pic>
+        <p:nvPicPr>
+          <p:cNvPr id="7" name="Picture 6"/>
+          <p:cNvPicPr>
+            <a:picLocks noChangeAspect="1"/>
+          </p:cNvPicPr>
+          <p:nvPr/>
+        </p:nvPicPr>
+        <p:blipFill>
+          <a:blip r:embed="rId3">
+            <a:extLst>
+              <a:ext uri="{28A0092B-C50C-407E-A947-70E740481C1C}">
+                <a14:useLocalDpi xmlns:a14="http://schemas.microsoft.com/office/drawing/2010/main" val="0"/>
+              </a:ext>
+            </a:extLst>
+          </a:blip>
+          <a:stretch>
+            <a:fillRect/>
+          </a:stretch>
+        </p:blipFill>
+        <p:spPr>
+          <a:xfrm>
+            <a:off x="6096000" y="3004746"/>
+            <a:ext cx="4567897" cy="3705543"/>
+          </a:xfrm>
+          <a:prstGeom prst="rect">
+            <a:avLst/>
+          </a:prstGeom>
+        </p:spPr>
+      </p:pic>
+    </p:spTree>
+    <p:extLst>
+      <p:ext uri="{BB962C8B-B14F-4D97-AF65-F5344CB8AC3E}">
+        <p14:creationId xmlns:p14="http://schemas.microsoft.com/office/powerpoint/2010/main" val="425241556"/>
+      </p:ext>
+    </p:extLst>
+  </p:cSld>
+  <p:clrMapOvr>
+    <a:masterClrMapping/>
+  </p:clrMapOvr>
+  <p:timing>
+    <p:tnLst>
+      <p:par>
+        <p:cTn id="1" dur="indefinite" restart="never" nodeType="tmRoot"/>
+      </p:par>
+    </p:tnLst>
+  </p:timing>
 </p:sld>
 </file>
 

--- a/reports/18_03_13 Presentation.pptx
+++ b/reports/18_03_13 Presentation.pptx
@@ -12,6 +12,13 @@
     <p:sldId id="260" r:id="rId6"/>
     <p:sldId id="261" r:id="rId7"/>
     <p:sldId id="262" r:id="rId8"/>
+    <p:sldId id="263" r:id="rId9"/>
+    <p:sldId id="264" r:id="rId10"/>
+    <p:sldId id="268" r:id="rId11"/>
+    <p:sldId id="269" r:id="rId12"/>
+    <p:sldId id="265" r:id="rId13"/>
+    <p:sldId id="266" r:id="rId14"/>
+    <p:sldId id="267" r:id="rId15"/>
   </p:sldIdLst>
   <p:sldSz cx="12192000" cy="6858000"/>
   <p:notesSz cx="6858000" cy="9144000"/>
@@ -160,10 +167,9 @@
           </a:lstStyle>
           <a:p>
             <a:r>
-              <a:rPr lang="en-US" smtClean="0"/>
+              <a:rPr lang="en-US"/>
               <a:t>Click to edit Master title style</a:t>
             </a:r>
-            <a:endParaRPr lang="en-US"/>
           </a:p>
         </p:txBody>
       </p:sp>
@@ -225,10 +231,9 @@
           </a:lstStyle>
           <a:p>
             <a:r>
-              <a:rPr lang="en-US" smtClean="0"/>
+              <a:rPr lang="en-US"/>
               <a:t>Click to edit Master subtitle style</a:t>
             </a:r>
-            <a:endParaRPr lang="en-US"/>
           </a:p>
         </p:txBody>
       </p:sp>
@@ -249,7 +254,7 @@
           <a:p>
             <a:fld id="{8B887784-E512-F943-98E0-5497CC7B1195}" type="datetimeFigureOut">
               <a:rPr lang="en-US" smtClean="0"/>
-              <a:t>3/10/18</a:t>
+              <a:t>3/11/2018</a:t>
             </a:fld>
             <a:endParaRPr lang="en-US"/>
           </a:p>
@@ -343,10 +348,9 @@
           <a:lstStyle/>
           <a:p>
             <a:r>
-              <a:rPr lang="en-US" smtClean="0"/>
+              <a:rPr lang="en-US"/>
               <a:t>Click to edit Master title style</a:t>
             </a:r>
-            <a:endParaRPr lang="en-US"/>
           </a:p>
         </p:txBody>
       </p:sp>
@@ -367,38 +371,37 @@
           <a:p>
             <a:pPr lvl="0"/>
             <a:r>
-              <a:rPr lang="en-US" smtClean="0"/>
+              <a:rPr lang="en-US"/>
               <a:t>Click to edit Master text styles</a:t>
             </a:r>
           </a:p>
           <a:p>
             <a:pPr lvl="1"/>
             <a:r>
-              <a:rPr lang="en-US" smtClean="0"/>
+              <a:rPr lang="en-US"/>
               <a:t>Second level</a:t>
             </a:r>
           </a:p>
           <a:p>
             <a:pPr lvl="2"/>
             <a:r>
-              <a:rPr lang="en-US" smtClean="0"/>
+              <a:rPr lang="en-US"/>
               <a:t>Third level</a:t>
             </a:r>
           </a:p>
           <a:p>
             <a:pPr lvl="3"/>
             <a:r>
-              <a:rPr lang="en-US" smtClean="0"/>
+              <a:rPr lang="en-US"/>
               <a:t>Fourth level</a:t>
             </a:r>
           </a:p>
           <a:p>
             <a:pPr lvl="4"/>
             <a:r>
-              <a:rPr lang="en-US" smtClean="0"/>
+              <a:rPr lang="en-US"/>
               <a:t>Fifth level</a:t>
             </a:r>
-            <a:endParaRPr lang="en-US"/>
           </a:p>
         </p:txBody>
       </p:sp>
@@ -419,7 +422,7 @@
           <a:p>
             <a:fld id="{8B887784-E512-F943-98E0-5497CC7B1195}" type="datetimeFigureOut">
               <a:rPr lang="en-US" smtClean="0"/>
-              <a:t>3/10/18</a:t>
+              <a:t>3/11/2018</a:t>
             </a:fld>
             <a:endParaRPr lang="en-US"/>
           </a:p>
@@ -518,10 +521,9 @@
           <a:lstStyle/>
           <a:p>
             <a:r>
-              <a:rPr lang="en-US" smtClean="0"/>
+              <a:rPr lang="en-US"/>
               <a:t>Click to edit Master title style</a:t>
             </a:r>
-            <a:endParaRPr lang="en-US"/>
           </a:p>
         </p:txBody>
       </p:sp>
@@ -547,38 +549,37 @@
           <a:p>
             <a:pPr lvl="0"/>
             <a:r>
-              <a:rPr lang="en-US" smtClean="0"/>
+              <a:rPr lang="en-US"/>
               <a:t>Click to edit Master text styles</a:t>
             </a:r>
           </a:p>
           <a:p>
             <a:pPr lvl="1"/>
             <a:r>
-              <a:rPr lang="en-US" smtClean="0"/>
+              <a:rPr lang="en-US"/>
               <a:t>Second level</a:t>
             </a:r>
           </a:p>
           <a:p>
             <a:pPr lvl="2"/>
             <a:r>
-              <a:rPr lang="en-US" smtClean="0"/>
+              <a:rPr lang="en-US"/>
               <a:t>Third level</a:t>
             </a:r>
           </a:p>
           <a:p>
             <a:pPr lvl="3"/>
             <a:r>
-              <a:rPr lang="en-US" smtClean="0"/>
+              <a:rPr lang="en-US"/>
               <a:t>Fourth level</a:t>
             </a:r>
           </a:p>
           <a:p>
             <a:pPr lvl="4"/>
             <a:r>
-              <a:rPr lang="en-US" smtClean="0"/>
+              <a:rPr lang="en-US"/>
               <a:t>Fifth level</a:t>
             </a:r>
-            <a:endParaRPr lang="en-US"/>
           </a:p>
         </p:txBody>
       </p:sp>
@@ -599,7 +600,7 @@
           <a:p>
             <a:fld id="{8B887784-E512-F943-98E0-5497CC7B1195}" type="datetimeFigureOut">
               <a:rPr lang="en-US" smtClean="0"/>
-              <a:t>3/10/18</a:t>
+              <a:t>3/11/2018</a:t>
             </a:fld>
             <a:endParaRPr lang="en-US"/>
           </a:p>
@@ -693,10 +694,9 @@
           <a:lstStyle/>
           <a:p>
             <a:r>
-              <a:rPr lang="en-US" smtClean="0"/>
+              <a:rPr lang="en-US"/>
               <a:t>Click to edit Master title style</a:t>
             </a:r>
-            <a:endParaRPr lang="en-US"/>
           </a:p>
         </p:txBody>
       </p:sp>
@@ -717,38 +717,37 @@
           <a:p>
             <a:pPr lvl="0"/>
             <a:r>
-              <a:rPr lang="en-US" smtClean="0"/>
+              <a:rPr lang="en-US"/>
               <a:t>Click to edit Master text styles</a:t>
             </a:r>
           </a:p>
           <a:p>
             <a:pPr lvl="1"/>
             <a:r>
-              <a:rPr lang="en-US" smtClean="0"/>
+              <a:rPr lang="en-US"/>
               <a:t>Second level</a:t>
             </a:r>
           </a:p>
           <a:p>
             <a:pPr lvl="2"/>
             <a:r>
-              <a:rPr lang="en-US" smtClean="0"/>
+              <a:rPr lang="en-US"/>
               <a:t>Third level</a:t>
             </a:r>
           </a:p>
           <a:p>
             <a:pPr lvl="3"/>
             <a:r>
-              <a:rPr lang="en-US" smtClean="0"/>
+              <a:rPr lang="en-US"/>
               <a:t>Fourth level</a:t>
             </a:r>
           </a:p>
           <a:p>
             <a:pPr lvl="4"/>
             <a:r>
-              <a:rPr lang="en-US" smtClean="0"/>
+              <a:rPr lang="en-US"/>
               <a:t>Fifth level</a:t>
             </a:r>
-            <a:endParaRPr lang="en-US"/>
           </a:p>
         </p:txBody>
       </p:sp>
@@ -769,7 +768,7 @@
           <a:p>
             <a:fld id="{8B887784-E512-F943-98E0-5497CC7B1195}" type="datetimeFigureOut">
               <a:rPr lang="en-US" smtClean="0"/>
-              <a:t>3/10/18</a:t>
+              <a:t>3/11/2018</a:t>
             </a:fld>
             <a:endParaRPr lang="en-US"/>
           </a:p>
@@ -872,10 +871,9 @@
           </a:lstStyle>
           <a:p>
             <a:r>
-              <a:rPr lang="en-US" smtClean="0"/>
+              <a:rPr lang="en-US"/>
               <a:t>Click to edit Master title style</a:t>
             </a:r>
-            <a:endParaRPr lang="en-US"/>
           </a:p>
         </p:txBody>
       </p:sp>
@@ -992,7 +990,7 @@
           <a:p>
             <a:pPr lvl="0"/>
             <a:r>
-              <a:rPr lang="en-US" smtClean="0"/>
+              <a:rPr lang="en-US"/>
               <a:t>Click to edit Master text styles</a:t>
             </a:r>
           </a:p>
@@ -1015,7 +1013,7 @@
           <a:p>
             <a:fld id="{8B887784-E512-F943-98E0-5497CC7B1195}" type="datetimeFigureOut">
               <a:rPr lang="en-US" smtClean="0"/>
-              <a:t>3/10/18</a:t>
+              <a:t>3/11/2018</a:t>
             </a:fld>
             <a:endParaRPr lang="en-US"/>
           </a:p>
@@ -1109,10 +1107,9 @@
           <a:lstStyle/>
           <a:p>
             <a:r>
-              <a:rPr lang="en-US" smtClean="0"/>
+              <a:rPr lang="en-US"/>
               <a:t>Click to edit Master title style</a:t>
             </a:r>
-            <a:endParaRPr lang="en-US"/>
           </a:p>
         </p:txBody>
       </p:sp>
@@ -1138,38 +1135,37 @@
           <a:p>
             <a:pPr lvl="0"/>
             <a:r>
-              <a:rPr lang="en-US" smtClean="0"/>
+              <a:rPr lang="en-US"/>
               <a:t>Click to edit Master text styles</a:t>
             </a:r>
           </a:p>
           <a:p>
             <a:pPr lvl="1"/>
             <a:r>
-              <a:rPr lang="en-US" smtClean="0"/>
+              <a:rPr lang="en-US"/>
               <a:t>Second level</a:t>
             </a:r>
           </a:p>
           <a:p>
             <a:pPr lvl="2"/>
             <a:r>
-              <a:rPr lang="en-US" smtClean="0"/>
+              <a:rPr lang="en-US"/>
               <a:t>Third level</a:t>
             </a:r>
           </a:p>
           <a:p>
             <a:pPr lvl="3"/>
             <a:r>
-              <a:rPr lang="en-US" smtClean="0"/>
+              <a:rPr lang="en-US"/>
               <a:t>Fourth level</a:t>
             </a:r>
           </a:p>
           <a:p>
             <a:pPr lvl="4"/>
             <a:r>
-              <a:rPr lang="en-US" smtClean="0"/>
+              <a:rPr lang="en-US"/>
               <a:t>Fifth level</a:t>
             </a:r>
-            <a:endParaRPr lang="en-US"/>
           </a:p>
         </p:txBody>
       </p:sp>
@@ -1195,38 +1191,37 @@
           <a:p>
             <a:pPr lvl="0"/>
             <a:r>
-              <a:rPr lang="en-US" smtClean="0"/>
+              <a:rPr lang="en-US"/>
               <a:t>Click to edit Master text styles</a:t>
             </a:r>
           </a:p>
           <a:p>
             <a:pPr lvl="1"/>
             <a:r>
-              <a:rPr lang="en-US" smtClean="0"/>
+              <a:rPr lang="en-US"/>
               <a:t>Second level</a:t>
             </a:r>
           </a:p>
           <a:p>
             <a:pPr lvl="2"/>
             <a:r>
-              <a:rPr lang="en-US" smtClean="0"/>
+              <a:rPr lang="en-US"/>
               <a:t>Third level</a:t>
             </a:r>
           </a:p>
           <a:p>
             <a:pPr lvl="3"/>
             <a:r>
-              <a:rPr lang="en-US" smtClean="0"/>
+              <a:rPr lang="en-US"/>
               <a:t>Fourth level</a:t>
             </a:r>
           </a:p>
           <a:p>
             <a:pPr lvl="4"/>
             <a:r>
-              <a:rPr lang="en-US" smtClean="0"/>
+              <a:rPr lang="en-US"/>
               <a:t>Fifth level</a:t>
             </a:r>
-            <a:endParaRPr lang="en-US"/>
           </a:p>
         </p:txBody>
       </p:sp>
@@ -1247,7 +1242,7 @@
           <a:p>
             <a:fld id="{8B887784-E512-F943-98E0-5497CC7B1195}" type="datetimeFigureOut">
               <a:rPr lang="en-US" smtClean="0"/>
-              <a:t>3/10/18</a:t>
+              <a:t>3/11/2018</a:t>
             </a:fld>
             <a:endParaRPr lang="en-US"/>
           </a:p>
@@ -1346,10 +1341,9 @@
           <a:lstStyle/>
           <a:p>
             <a:r>
-              <a:rPr lang="en-US" smtClean="0"/>
+              <a:rPr lang="en-US"/>
               <a:t>Click to edit Master title style</a:t>
             </a:r>
-            <a:endParaRPr lang="en-US"/>
           </a:p>
         </p:txBody>
       </p:sp>
@@ -1412,7 +1406,7 @@
           <a:p>
             <a:pPr lvl="0"/>
             <a:r>
-              <a:rPr lang="en-US" smtClean="0"/>
+              <a:rPr lang="en-US"/>
               <a:t>Click to edit Master text styles</a:t>
             </a:r>
           </a:p>
@@ -1440,38 +1434,37 @@
           <a:p>
             <a:pPr lvl="0"/>
             <a:r>
-              <a:rPr lang="en-US" smtClean="0"/>
+              <a:rPr lang="en-US"/>
               <a:t>Click to edit Master text styles</a:t>
             </a:r>
           </a:p>
           <a:p>
             <a:pPr lvl="1"/>
             <a:r>
-              <a:rPr lang="en-US" smtClean="0"/>
+              <a:rPr lang="en-US"/>
               <a:t>Second level</a:t>
             </a:r>
           </a:p>
           <a:p>
             <a:pPr lvl="2"/>
             <a:r>
-              <a:rPr lang="en-US" smtClean="0"/>
+              <a:rPr lang="en-US"/>
               <a:t>Third level</a:t>
             </a:r>
           </a:p>
           <a:p>
             <a:pPr lvl="3"/>
             <a:r>
-              <a:rPr lang="en-US" smtClean="0"/>
+              <a:rPr lang="en-US"/>
               <a:t>Fourth level</a:t>
             </a:r>
           </a:p>
           <a:p>
             <a:pPr lvl="4"/>
             <a:r>
-              <a:rPr lang="en-US" smtClean="0"/>
+              <a:rPr lang="en-US"/>
               <a:t>Fifth level</a:t>
             </a:r>
-            <a:endParaRPr lang="en-US"/>
           </a:p>
         </p:txBody>
       </p:sp>
@@ -1534,7 +1527,7 @@
           <a:p>
             <a:pPr lvl="0"/>
             <a:r>
-              <a:rPr lang="en-US" smtClean="0"/>
+              <a:rPr lang="en-US"/>
               <a:t>Click to edit Master text styles</a:t>
             </a:r>
           </a:p>
@@ -1562,38 +1555,37 @@
           <a:p>
             <a:pPr lvl="0"/>
             <a:r>
-              <a:rPr lang="en-US" smtClean="0"/>
+              <a:rPr lang="en-US"/>
               <a:t>Click to edit Master text styles</a:t>
             </a:r>
           </a:p>
           <a:p>
             <a:pPr lvl="1"/>
             <a:r>
-              <a:rPr lang="en-US" smtClean="0"/>
+              <a:rPr lang="en-US"/>
               <a:t>Second level</a:t>
             </a:r>
           </a:p>
           <a:p>
             <a:pPr lvl="2"/>
             <a:r>
-              <a:rPr lang="en-US" smtClean="0"/>
+              <a:rPr lang="en-US"/>
               <a:t>Third level</a:t>
             </a:r>
           </a:p>
           <a:p>
             <a:pPr lvl="3"/>
             <a:r>
-              <a:rPr lang="en-US" smtClean="0"/>
+              <a:rPr lang="en-US"/>
               <a:t>Fourth level</a:t>
             </a:r>
           </a:p>
           <a:p>
             <a:pPr lvl="4"/>
             <a:r>
-              <a:rPr lang="en-US" smtClean="0"/>
+              <a:rPr lang="en-US"/>
               <a:t>Fifth level</a:t>
             </a:r>
-            <a:endParaRPr lang="en-US"/>
           </a:p>
         </p:txBody>
       </p:sp>
@@ -1614,7 +1606,7 @@
           <a:p>
             <a:fld id="{8B887784-E512-F943-98E0-5497CC7B1195}" type="datetimeFigureOut">
               <a:rPr lang="en-US" smtClean="0"/>
-              <a:t>3/10/18</a:t>
+              <a:t>3/11/2018</a:t>
             </a:fld>
             <a:endParaRPr lang="en-US"/>
           </a:p>
@@ -1708,10 +1700,9 @@
           <a:lstStyle/>
           <a:p>
             <a:r>
-              <a:rPr lang="en-US" smtClean="0"/>
+              <a:rPr lang="en-US"/>
               <a:t>Click to edit Master title style</a:t>
             </a:r>
-            <a:endParaRPr lang="en-US"/>
           </a:p>
         </p:txBody>
       </p:sp>
@@ -1732,7 +1723,7 @@
           <a:p>
             <a:fld id="{8B887784-E512-F943-98E0-5497CC7B1195}" type="datetimeFigureOut">
               <a:rPr lang="en-US" smtClean="0"/>
-              <a:t>3/10/18</a:t>
+              <a:t>3/11/2018</a:t>
             </a:fld>
             <a:endParaRPr lang="en-US"/>
           </a:p>
@@ -1827,7 +1818,7 @@
           <a:p>
             <a:fld id="{8B887784-E512-F943-98E0-5497CC7B1195}" type="datetimeFigureOut">
               <a:rPr lang="en-US" smtClean="0"/>
-              <a:t>3/10/18</a:t>
+              <a:t>3/11/2018</a:t>
             </a:fld>
             <a:endParaRPr lang="en-US"/>
           </a:p>
@@ -1930,10 +1921,9 @@
           </a:lstStyle>
           <a:p>
             <a:r>
-              <a:rPr lang="en-US" smtClean="0"/>
+              <a:rPr lang="en-US"/>
               <a:t>Click to edit Master title style</a:t>
             </a:r>
-            <a:endParaRPr lang="en-US"/>
           </a:p>
         </p:txBody>
       </p:sp>
@@ -1987,38 +1977,37 @@
           <a:p>
             <a:pPr lvl="0"/>
             <a:r>
-              <a:rPr lang="en-US" smtClean="0"/>
+              <a:rPr lang="en-US"/>
               <a:t>Click to edit Master text styles</a:t>
             </a:r>
           </a:p>
           <a:p>
             <a:pPr lvl="1"/>
             <a:r>
-              <a:rPr lang="en-US" smtClean="0"/>
+              <a:rPr lang="en-US"/>
               <a:t>Second level</a:t>
             </a:r>
           </a:p>
           <a:p>
             <a:pPr lvl="2"/>
             <a:r>
-              <a:rPr lang="en-US" smtClean="0"/>
+              <a:rPr lang="en-US"/>
               <a:t>Third level</a:t>
             </a:r>
           </a:p>
           <a:p>
             <a:pPr lvl="3"/>
             <a:r>
-              <a:rPr lang="en-US" smtClean="0"/>
+              <a:rPr lang="en-US"/>
               <a:t>Fourth level</a:t>
             </a:r>
           </a:p>
           <a:p>
             <a:pPr lvl="4"/>
             <a:r>
-              <a:rPr lang="en-US" smtClean="0"/>
+              <a:rPr lang="en-US"/>
               <a:t>Fifth level</a:t>
             </a:r>
-            <a:endParaRPr lang="en-US"/>
           </a:p>
         </p:txBody>
       </p:sp>
@@ -2081,7 +2070,7 @@
           <a:p>
             <a:pPr lvl="0"/>
             <a:r>
-              <a:rPr lang="en-US" smtClean="0"/>
+              <a:rPr lang="en-US"/>
               <a:t>Click to edit Master text styles</a:t>
             </a:r>
           </a:p>
@@ -2104,7 +2093,7 @@
           <a:p>
             <a:fld id="{8B887784-E512-F943-98E0-5497CC7B1195}" type="datetimeFigureOut">
               <a:rPr lang="en-US" smtClean="0"/>
-              <a:t>3/10/18</a:t>
+              <a:t>3/11/2018</a:t>
             </a:fld>
             <a:endParaRPr lang="en-US"/>
           </a:p>
@@ -2207,10 +2196,9 @@
           </a:lstStyle>
           <a:p>
             <a:r>
-              <a:rPr lang="en-US" smtClean="0"/>
+              <a:rPr lang="en-US"/>
               <a:t>Click to edit Master title style</a:t>
             </a:r>
-            <a:endParaRPr lang="en-US"/>
           </a:p>
         </p:txBody>
       </p:sp>
@@ -2334,7 +2322,7 @@
           <a:p>
             <a:pPr lvl="0"/>
             <a:r>
-              <a:rPr lang="en-US" smtClean="0"/>
+              <a:rPr lang="en-US"/>
               <a:t>Click to edit Master text styles</a:t>
             </a:r>
           </a:p>
@@ -2357,7 +2345,7 @@
           <a:p>
             <a:fld id="{8B887784-E512-F943-98E0-5497CC7B1195}" type="datetimeFigureOut">
               <a:rPr lang="en-US" smtClean="0"/>
-              <a:t>3/10/18</a:t>
+              <a:t>3/11/2018</a:t>
             </a:fld>
             <a:endParaRPr lang="en-US"/>
           </a:p>
@@ -2466,10 +2454,9 @@
           <a:lstStyle/>
           <a:p>
             <a:r>
-              <a:rPr lang="en-US" smtClean="0"/>
+              <a:rPr lang="en-US"/>
               <a:t>Click to edit Master title style</a:t>
             </a:r>
-            <a:endParaRPr lang="en-US"/>
           </a:p>
         </p:txBody>
       </p:sp>
@@ -2500,38 +2487,37 @@
           <a:p>
             <a:pPr lvl="0"/>
             <a:r>
-              <a:rPr lang="en-US" smtClean="0"/>
+              <a:rPr lang="en-US"/>
               <a:t>Click to edit Master text styles</a:t>
             </a:r>
           </a:p>
           <a:p>
             <a:pPr lvl="1"/>
             <a:r>
-              <a:rPr lang="en-US" smtClean="0"/>
+              <a:rPr lang="en-US"/>
               <a:t>Second level</a:t>
             </a:r>
           </a:p>
           <a:p>
             <a:pPr lvl="2"/>
             <a:r>
-              <a:rPr lang="en-US" smtClean="0"/>
+              <a:rPr lang="en-US"/>
               <a:t>Third level</a:t>
             </a:r>
           </a:p>
           <a:p>
             <a:pPr lvl="3"/>
             <a:r>
-              <a:rPr lang="en-US" smtClean="0"/>
+              <a:rPr lang="en-US"/>
               <a:t>Fourth level</a:t>
             </a:r>
           </a:p>
           <a:p>
             <a:pPr lvl="4"/>
             <a:r>
-              <a:rPr lang="en-US" smtClean="0"/>
+              <a:rPr lang="en-US"/>
               <a:t>Fifth level</a:t>
             </a:r>
-            <a:endParaRPr lang="en-US"/>
           </a:p>
         </p:txBody>
       </p:sp>
@@ -2570,7 +2556,7 @@
           <a:p>
             <a:fld id="{8B887784-E512-F943-98E0-5497CC7B1195}" type="datetimeFigureOut">
               <a:rPr lang="en-US" smtClean="0"/>
-              <a:t>3/10/18</a:t>
+              <a:t>3/11/2018</a:t>
             </a:fld>
             <a:endParaRPr lang="en-US"/>
           </a:p>
@@ -2993,17 +2979,16 @@
           <a:lstStyle/>
           <a:p>
             <a:r>
-              <a:rPr lang="en-US" dirty="0" smtClean="0"/>
+              <a:rPr lang="en-US" dirty="0"/>
               <a:t>Examining the Relationship of Expenditures and Student </a:t>
             </a:r>
             <a:br>
-              <a:rPr lang="en-US" dirty="0" smtClean="0"/>
+              <a:rPr lang="en-US" dirty="0"/>
             </a:br>
             <a:r>
-              <a:rPr lang="en-US" dirty="0" smtClean="0"/>
+              <a:rPr lang="en-US" dirty="0"/>
               <a:t>Outcomes at Public 4-Year Institutions</a:t>
             </a:r>
-            <a:endParaRPr lang="en-US" dirty="0"/>
           </a:p>
         </p:txBody>
       </p:sp>
@@ -3023,13 +3008,13 @@
           <a:lstStyle/>
           <a:p>
             <a:r>
-              <a:rPr lang="en-US" dirty="0" smtClean="0"/>
+              <a:rPr lang="en-US" dirty="0"/>
               <a:t>Duncan Clark</a:t>
             </a:r>
           </a:p>
           <a:p>
             <a:r>
-              <a:rPr lang="en-US" dirty="0" smtClean="0"/>
+              <a:rPr lang="en-US" dirty="0"/>
               <a:t>Leonard Wainstein</a:t>
             </a:r>
           </a:p>
@@ -3039,6 +3024,3187 @@
     <p:extLst>
       <p:ext uri="{BB962C8B-B14F-4D97-AF65-F5344CB8AC3E}">
         <p14:creationId xmlns:p14="http://schemas.microsoft.com/office/powerpoint/2010/main" val="15391268"/>
+      </p:ext>
+    </p:extLst>
+  </p:cSld>
+  <p:clrMapOvr>
+    <a:masterClrMapping/>
+  </p:clrMapOvr>
+</p:sld>
+</file>
+
+<file path=ppt/slides/slide10.xml><?xml version="1.0" encoding="utf-8"?>
+<p:sld xmlns:a="http://schemas.openxmlformats.org/drawingml/2006/main" xmlns:r="http://schemas.openxmlformats.org/officeDocument/2006/relationships" xmlns:p="http://schemas.openxmlformats.org/presentationml/2006/main">
+  <p:cSld>
+    <p:spTree>
+      <p:nvGrpSpPr>
+        <p:cNvPr id="1" name=""/>
+        <p:cNvGrpSpPr/>
+        <p:nvPr/>
+      </p:nvGrpSpPr>
+      <p:grpSpPr>
+        <a:xfrm>
+          <a:off x="0" y="0"/>
+          <a:ext cx="0" cy="0"/>
+          <a:chOff x="0" y="0"/>
+          <a:chExt cx="0" cy="0"/>
+        </a:xfrm>
+      </p:grpSpPr>
+      <p:sp>
+        <p:nvSpPr>
+          <p:cNvPr id="2" name="Title 1">
+            <a:extLst>
+              <a:ext uri="{FF2B5EF4-FFF2-40B4-BE49-F238E27FC236}">
+                <a16:creationId xmlns:a16="http://schemas.microsoft.com/office/drawing/2014/main" id="{987F51D3-538B-4293-B504-421274B24C00}"/>
+              </a:ext>
+            </a:extLst>
+          </p:cNvPr>
+          <p:cNvSpPr>
+            <a:spLocks noGrp="1"/>
+          </p:cNvSpPr>
+          <p:nvPr>
+            <p:ph type="title"/>
+          </p:nvPr>
+        </p:nvSpPr>
+        <p:spPr/>
+        <p:txBody>
+          <a:bodyPr/>
+          <a:lstStyle/>
+          <a:p>
+            <a:r>
+              <a:rPr lang="en-US" dirty="0"/>
+              <a:t>Approach 2 – Selected Variables Grad Rate</a:t>
+            </a:r>
+            <a:endParaRPr lang="en-GB" dirty="0"/>
+          </a:p>
+        </p:txBody>
+      </p:sp>
+      <p:sp>
+        <p:nvSpPr>
+          <p:cNvPr id="9" name="TextBox 8">
+            <a:extLst>
+              <a:ext uri="{FF2B5EF4-FFF2-40B4-BE49-F238E27FC236}">
+                <a16:creationId xmlns:a16="http://schemas.microsoft.com/office/drawing/2014/main" id="{E17C9DD2-5731-48A3-ADE4-2D8C45483EC0}"/>
+              </a:ext>
+            </a:extLst>
+          </p:cNvPr>
+          <p:cNvSpPr txBox="1"/>
+          <p:nvPr/>
+        </p:nvSpPr>
+        <p:spPr>
+          <a:xfrm>
+            <a:off x="712269" y="1848051"/>
+            <a:ext cx="9788893" cy="4093428"/>
+          </a:xfrm>
+          <a:prstGeom prst="rect">
+            <a:avLst/>
+          </a:prstGeom>
+          <a:noFill/>
+        </p:spPr>
+        <p:txBody>
+          <a:bodyPr wrap="square" rtlCol="0">
+            <a:spAutoFit/>
+          </a:bodyPr>
+          <a:lstStyle/>
+          <a:p>
+            <a:r>
+              <a:rPr lang="en-US" sz="2800" dirty="0"/>
+              <a:t>Grad Rate Variables Interpretation:</a:t>
+            </a:r>
+          </a:p>
+          <a:p>
+            <a:pPr marL="285750" indent="-285750">
+              <a:buFont typeface="Arial" panose="020B0604020202020204" pitchFamily="34" charset="0"/>
+              <a:buChar char="•"/>
+            </a:pPr>
+            <a:r>
+              <a:rPr lang="en-US" sz="2800" dirty="0"/>
+              <a:t>Part timers – large negative coefficients</a:t>
+            </a:r>
+          </a:p>
+          <a:p>
+            <a:pPr marL="285750" indent="-285750">
+              <a:buFont typeface="Arial" panose="020B0604020202020204" pitchFamily="34" charset="0"/>
+              <a:buChar char="•"/>
+            </a:pPr>
+            <a:r>
+              <a:rPr lang="en-US" sz="2800" dirty="0"/>
+              <a:t>Federal Grants – large negative coefficients</a:t>
+            </a:r>
+          </a:p>
+          <a:p>
+            <a:pPr marL="285750" indent="-285750">
+              <a:buFont typeface="Arial" panose="020B0604020202020204" pitchFamily="34" charset="0"/>
+              <a:buChar char="•"/>
+            </a:pPr>
+            <a:r>
+              <a:rPr lang="en-US" sz="2800" dirty="0"/>
+              <a:t>Auxillary03: </a:t>
+            </a:r>
+            <a:r>
+              <a:rPr lang="en-GB" sz="2800" dirty="0"/>
+              <a:t>e.g. residence halls, food services, student health services, intercollegiate athletics, college unions, college stores, and movie </a:t>
+            </a:r>
+            <a:r>
+              <a:rPr lang="en-GB" sz="2800" dirty="0" err="1"/>
+              <a:t>theaters</a:t>
+            </a:r>
+            <a:r>
+              <a:rPr lang="en-GB" sz="2800" dirty="0"/>
+              <a:t>.</a:t>
+            </a:r>
+          </a:p>
+          <a:p>
+            <a:pPr marL="285750" indent="-285750">
+              <a:buFont typeface="Arial" panose="020B0604020202020204" pitchFamily="34" charset="0"/>
+              <a:buChar char="•"/>
+            </a:pPr>
+            <a:r>
+              <a:rPr lang="en-GB" sz="2800" dirty="0">
+                <a:solidFill>
+                  <a:srgbClr val="000000"/>
+                </a:solidFill>
+              </a:rPr>
+              <a:t>eandg02:  Education and general expenditures on salaries and wages.</a:t>
+            </a:r>
+            <a:endParaRPr lang="en-US" sz="2800" dirty="0"/>
+          </a:p>
+          <a:p>
+            <a:pPr marL="285750" indent="-285750">
+              <a:buFont typeface="Arial" panose="020B0604020202020204" pitchFamily="34" charset="0"/>
+              <a:buChar char="•"/>
+            </a:pPr>
+            <a:endParaRPr lang="en-US" dirty="0"/>
+          </a:p>
+          <a:p>
+            <a:pPr marL="285750" indent="-285750">
+              <a:buFont typeface="Arial" panose="020B0604020202020204" pitchFamily="34" charset="0"/>
+              <a:buChar char="•"/>
+            </a:pPr>
+            <a:endParaRPr lang="en-GB" dirty="0"/>
+          </a:p>
+        </p:txBody>
+      </p:sp>
+    </p:spTree>
+    <p:extLst>
+      <p:ext uri="{BB962C8B-B14F-4D97-AF65-F5344CB8AC3E}">
+        <p14:creationId xmlns:p14="http://schemas.microsoft.com/office/powerpoint/2010/main" val="1928479814"/>
+      </p:ext>
+    </p:extLst>
+  </p:cSld>
+  <p:clrMapOvr>
+    <a:masterClrMapping/>
+  </p:clrMapOvr>
+</p:sld>
+</file>
+
+<file path=ppt/slides/slide11.xml><?xml version="1.0" encoding="utf-8"?>
+<p:sld xmlns:a="http://schemas.openxmlformats.org/drawingml/2006/main" xmlns:r="http://schemas.openxmlformats.org/officeDocument/2006/relationships" xmlns:p="http://schemas.openxmlformats.org/presentationml/2006/main">
+  <p:cSld>
+    <p:spTree>
+      <p:nvGrpSpPr>
+        <p:cNvPr id="1" name=""/>
+        <p:cNvGrpSpPr/>
+        <p:nvPr/>
+      </p:nvGrpSpPr>
+      <p:grpSpPr>
+        <a:xfrm>
+          <a:off x="0" y="0"/>
+          <a:ext cx="0" cy="0"/>
+          <a:chOff x="0" y="0"/>
+          <a:chExt cx="0" cy="0"/>
+        </a:xfrm>
+      </p:grpSpPr>
+      <p:sp>
+        <p:nvSpPr>
+          <p:cNvPr id="2" name="Title 1">
+            <a:extLst>
+              <a:ext uri="{FF2B5EF4-FFF2-40B4-BE49-F238E27FC236}">
+                <a16:creationId xmlns:a16="http://schemas.microsoft.com/office/drawing/2014/main" id="{987F51D3-538B-4293-B504-421274B24C00}"/>
+              </a:ext>
+            </a:extLst>
+          </p:cNvPr>
+          <p:cNvSpPr>
+            <a:spLocks noGrp="1"/>
+          </p:cNvSpPr>
+          <p:nvPr>
+            <p:ph type="title"/>
+          </p:nvPr>
+        </p:nvSpPr>
+        <p:spPr/>
+        <p:txBody>
+          <a:bodyPr/>
+          <a:lstStyle/>
+          <a:p>
+            <a:r>
+              <a:rPr lang="en-US" dirty="0"/>
+              <a:t>Approach 2 – Selected Variables </a:t>
+            </a:r>
+            <a:r>
+              <a:rPr lang="en-US" dirty="0" err="1"/>
+              <a:t>Bachlors</a:t>
+            </a:r>
+            <a:r>
+              <a:rPr lang="en-US" dirty="0"/>
+              <a:t> /FTE</a:t>
+            </a:r>
+            <a:endParaRPr lang="en-GB" dirty="0"/>
+          </a:p>
+        </p:txBody>
+      </p:sp>
+      <p:sp>
+        <p:nvSpPr>
+          <p:cNvPr id="9" name="TextBox 8">
+            <a:extLst>
+              <a:ext uri="{FF2B5EF4-FFF2-40B4-BE49-F238E27FC236}">
+                <a16:creationId xmlns:a16="http://schemas.microsoft.com/office/drawing/2014/main" id="{E17C9DD2-5731-48A3-ADE4-2D8C45483EC0}"/>
+              </a:ext>
+            </a:extLst>
+          </p:cNvPr>
+          <p:cNvSpPr txBox="1"/>
+          <p:nvPr/>
+        </p:nvSpPr>
+        <p:spPr>
+          <a:xfrm>
+            <a:off x="712269" y="1848051"/>
+            <a:ext cx="9788893" cy="7109639"/>
+          </a:xfrm>
+          <a:prstGeom prst="rect">
+            <a:avLst/>
+          </a:prstGeom>
+          <a:noFill/>
+        </p:spPr>
+        <p:txBody>
+          <a:bodyPr wrap="square" rtlCol="0">
+            <a:spAutoFit/>
+          </a:bodyPr>
+          <a:lstStyle/>
+          <a:p>
+            <a:r>
+              <a:rPr lang="en-US" sz="2800" dirty="0"/>
+              <a:t>Bachelors per FTE Variables Interpretation:</a:t>
+            </a:r>
+          </a:p>
+          <a:p>
+            <a:pPr marL="285750" indent="-285750">
+              <a:buFont typeface="Arial" panose="020B0604020202020204" pitchFamily="34" charset="0"/>
+              <a:buChar char="•"/>
+            </a:pPr>
+            <a:r>
+              <a:rPr lang="en-US" sz="2800" dirty="0"/>
+              <a:t>In general, less clear interpretation, though some common themes.</a:t>
+            </a:r>
+          </a:p>
+          <a:p>
+            <a:pPr marL="285750" indent="-285750">
+              <a:buFont typeface="Arial" panose="020B0604020202020204" pitchFamily="34" charset="0"/>
+              <a:buChar char="•"/>
+            </a:pPr>
+            <a:r>
+              <a:rPr lang="en-US" sz="2800" dirty="0"/>
+              <a:t>Part timers - large negative coefficients</a:t>
+            </a:r>
+          </a:p>
+          <a:p>
+            <a:pPr marL="285750" indent="-285750">
+              <a:buFont typeface="Arial" panose="020B0604020202020204" pitchFamily="34" charset="0"/>
+              <a:buChar char="•"/>
+            </a:pPr>
+            <a:r>
+              <a:rPr lang="en-US" sz="2800" dirty="0"/>
+              <a:t>Federal Grants - large negative coefficients</a:t>
+            </a:r>
+          </a:p>
+          <a:p>
+            <a:pPr marL="285750" indent="-285750">
+              <a:buFont typeface="Arial" panose="020B0604020202020204" pitchFamily="34" charset="0"/>
+              <a:buChar char="•"/>
+            </a:pPr>
+            <a:r>
+              <a:rPr lang="en-GB" sz="2800" dirty="0" err="1">
+                <a:solidFill>
+                  <a:srgbClr val="000000"/>
+                </a:solidFill>
+              </a:rPr>
+              <a:t>eandr_degree</a:t>
+            </a:r>
+            <a:r>
+              <a:rPr lang="en-GB" sz="2800" dirty="0">
+                <a:solidFill>
+                  <a:srgbClr val="000000"/>
+                </a:solidFill>
+              </a:rPr>
+              <a:t> - Education and related expenses per degree awarded, unexpected negative coefficient.</a:t>
+            </a:r>
+          </a:p>
+          <a:p>
+            <a:pPr marL="285750" indent="-285750">
+              <a:buFont typeface="Arial" panose="020B0604020202020204" pitchFamily="34" charset="0"/>
+              <a:buChar char="•"/>
+            </a:pPr>
+            <a:r>
+              <a:rPr lang="en-GB" sz="2800" dirty="0" err="1">
+                <a:solidFill>
+                  <a:srgbClr val="000000"/>
+                </a:solidFill>
+              </a:rPr>
+              <a:t>other_ed_related_cost</a:t>
+            </a:r>
+            <a:r>
+              <a:rPr lang="en-GB" sz="2800" dirty="0">
+                <a:solidFill>
+                  <a:srgbClr val="000000"/>
+                </a:solidFill>
+              </a:rPr>
+              <a:t> - S</a:t>
+            </a:r>
+            <a:r>
+              <a:rPr lang="en-GB" sz="2800" dirty="0"/>
+              <a:t>pending on academic support, institutional support, and operations and maintenance, colinear with eandg02 - positive</a:t>
+            </a:r>
+          </a:p>
+          <a:p>
+            <a:endParaRPr lang="en-GB" sz="2800" dirty="0">
+              <a:solidFill>
+                <a:srgbClr val="000000"/>
+              </a:solidFill>
+            </a:endParaRPr>
+          </a:p>
+          <a:p>
+            <a:pPr marL="285750" indent="-285750">
+              <a:buFont typeface="Arial" panose="020B0604020202020204" pitchFamily="34" charset="0"/>
+              <a:buChar char="•"/>
+            </a:pPr>
+            <a:endParaRPr lang="en-GB" sz="2800" dirty="0">
+              <a:solidFill>
+                <a:srgbClr val="000000"/>
+              </a:solidFill>
+            </a:endParaRPr>
+          </a:p>
+          <a:p>
+            <a:pPr marL="285750" indent="-285750">
+              <a:buFont typeface="Arial" panose="020B0604020202020204" pitchFamily="34" charset="0"/>
+              <a:buChar char="•"/>
+            </a:pPr>
+            <a:endParaRPr lang="en-GB" sz="2800" dirty="0">
+              <a:solidFill>
+                <a:srgbClr val="000000"/>
+              </a:solidFill>
+            </a:endParaRPr>
+          </a:p>
+          <a:p>
+            <a:pPr marL="285750" indent="-285750">
+              <a:buFont typeface="Arial" panose="020B0604020202020204" pitchFamily="34" charset="0"/>
+              <a:buChar char="•"/>
+            </a:pPr>
+            <a:endParaRPr lang="en-US" sz="2800" dirty="0"/>
+          </a:p>
+          <a:p>
+            <a:pPr marL="285750" indent="-285750">
+              <a:buFont typeface="Arial" panose="020B0604020202020204" pitchFamily="34" charset="0"/>
+              <a:buChar char="•"/>
+            </a:pPr>
+            <a:endParaRPr lang="en-US" sz="2800" dirty="0"/>
+          </a:p>
+          <a:p>
+            <a:pPr marL="285750" indent="-285750">
+              <a:buFont typeface="Arial" panose="020B0604020202020204" pitchFamily="34" charset="0"/>
+              <a:buChar char="•"/>
+            </a:pPr>
+            <a:endParaRPr lang="en-US" dirty="0"/>
+          </a:p>
+          <a:p>
+            <a:pPr marL="285750" indent="-285750">
+              <a:buFont typeface="Arial" panose="020B0604020202020204" pitchFamily="34" charset="0"/>
+              <a:buChar char="•"/>
+            </a:pPr>
+            <a:endParaRPr lang="en-GB" dirty="0"/>
+          </a:p>
+        </p:txBody>
+      </p:sp>
+    </p:spTree>
+    <p:extLst>
+      <p:ext uri="{BB962C8B-B14F-4D97-AF65-F5344CB8AC3E}">
+        <p14:creationId xmlns:p14="http://schemas.microsoft.com/office/powerpoint/2010/main" val="4090755889"/>
+      </p:ext>
+    </p:extLst>
+  </p:cSld>
+  <p:clrMapOvr>
+    <a:masterClrMapping/>
+  </p:clrMapOvr>
+</p:sld>
+</file>
+
+<file path=ppt/slides/slide12.xml><?xml version="1.0" encoding="utf-8"?>
+<p:sld xmlns:a="http://schemas.openxmlformats.org/drawingml/2006/main" xmlns:r="http://schemas.openxmlformats.org/officeDocument/2006/relationships" xmlns:p="http://schemas.openxmlformats.org/presentationml/2006/main">
+  <p:cSld>
+    <p:spTree>
+      <p:nvGrpSpPr>
+        <p:cNvPr id="1" name=""/>
+        <p:cNvGrpSpPr/>
+        <p:nvPr/>
+      </p:nvGrpSpPr>
+      <p:grpSpPr>
+        <a:xfrm>
+          <a:off x="0" y="0"/>
+          <a:ext cx="0" cy="0"/>
+          <a:chOff x="0" y="0"/>
+          <a:chExt cx="0" cy="0"/>
+        </a:xfrm>
+      </p:grpSpPr>
+      <p:sp>
+        <p:nvSpPr>
+          <p:cNvPr id="2" name="Title 1">
+            <a:extLst>
+              <a:ext uri="{FF2B5EF4-FFF2-40B4-BE49-F238E27FC236}">
+                <a16:creationId xmlns:a16="http://schemas.microsoft.com/office/drawing/2014/main" id="{9065F088-31B2-4143-A23D-141139DB3894}"/>
+              </a:ext>
+            </a:extLst>
+          </p:cNvPr>
+          <p:cNvSpPr>
+            <a:spLocks noGrp="1"/>
+          </p:cNvSpPr>
+          <p:nvPr>
+            <p:ph type="title"/>
+          </p:nvPr>
+        </p:nvSpPr>
+        <p:spPr/>
+        <p:txBody>
+          <a:bodyPr/>
+          <a:lstStyle/>
+          <a:p>
+            <a:r>
+              <a:rPr lang="en-US" dirty="0"/>
+              <a:t>Approach 2 – Models </a:t>
+            </a:r>
+            <a:endParaRPr lang="en-GB" dirty="0"/>
+          </a:p>
+        </p:txBody>
+      </p:sp>
+      <p:sp>
+        <p:nvSpPr>
+          <p:cNvPr id="8" name="TextBox 7">
+            <a:extLst>
+              <a:ext uri="{FF2B5EF4-FFF2-40B4-BE49-F238E27FC236}">
+                <a16:creationId xmlns:a16="http://schemas.microsoft.com/office/drawing/2014/main" id="{C938AFA7-DA26-4CF7-9C37-DD86FFCEE2D9}"/>
+              </a:ext>
+            </a:extLst>
+          </p:cNvPr>
+          <p:cNvSpPr txBox="1"/>
+          <p:nvPr/>
+        </p:nvSpPr>
+        <p:spPr>
+          <a:xfrm>
+            <a:off x="696686" y="1690688"/>
+            <a:ext cx="5127173" cy="3816429"/>
+          </a:xfrm>
+          <a:prstGeom prst="rect">
+            <a:avLst/>
+          </a:prstGeom>
+          <a:noFill/>
+        </p:spPr>
+        <p:txBody>
+          <a:bodyPr wrap="square" rtlCol="0">
+            <a:spAutoFit/>
+          </a:bodyPr>
+          <a:lstStyle/>
+          <a:p>
+            <a:pPr marL="285750" indent="-285750">
+              <a:buFont typeface="Arial" panose="020B0604020202020204" pitchFamily="34" charset="0"/>
+              <a:buChar char="•"/>
+            </a:pPr>
+            <a:r>
+              <a:rPr lang="en-US" sz="3200" dirty="0"/>
+              <a:t>Lasso on all variables performs best</a:t>
+            </a:r>
+          </a:p>
+          <a:p>
+            <a:pPr marL="285750" indent="-285750">
+              <a:buFont typeface="Arial" panose="020B0604020202020204" pitchFamily="34" charset="0"/>
+              <a:buChar char="•"/>
+            </a:pPr>
+            <a:r>
+              <a:rPr lang="en-US" sz="3200" dirty="0"/>
+              <a:t>Lasso with interactions on selected variables performs similarly</a:t>
+            </a:r>
+          </a:p>
+          <a:p>
+            <a:pPr marL="285750" indent="-285750">
+              <a:buFont typeface="Arial" panose="020B0604020202020204" pitchFamily="34" charset="0"/>
+              <a:buChar char="•"/>
+            </a:pPr>
+            <a:r>
+              <a:rPr lang="en-US" sz="3200" dirty="0"/>
+              <a:t>Relationship unlikely to be linear – use Gaussian Kernel</a:t>
+            </a:r>
+          </a:p>
+          <a:p>
+            <a:pPr marL="285750" indent="-285750">
+              <a:buFont typeface="Arial" panose="020B0604020202020204" pitchFamily="34" charset="0"/>
+              <a:buChar char="•"/>
+            </a:pPr>
+            <a:endParaRPr lang="en-GB" dirty="0"/>
+          </a:p>
+        </p:txBody>
+      </p:sp>
+      <p:graphicFrame>
+        <p:nvGraphicFramePr>
+          <p:cNvPr id="5" name="Content Placeholder 4">
+            <a:extLst>
+              <a:ext uri="{FF2B5EF4-FFF2-40B4-BE49-F238E27FC236}">
+                <a16:creationId xmlns:a16="http://schemas.microsoft.com/office/drawing/2014/main" id="{73521416-4B4D-4742-BA86-1954AADB18EF}"/>
+              </a:ext>
+            </a:extLst>
+          </p:cNvPr>
+          <p:cNvGraphicFramePr>
+            <a:graphicFrameLocks noGrp="1"/>
+          </p:cNvGraphicFramePr>
+          <p:nvPr>
+            <p:ph idx="1"/>
+            <p:extLst>
+              <p:ext uri="{D42A27DB-BD31-4B8C-83A1-F6EECF244321}">
+                <p14:modId xmlns:p14="http://schemas.microsoft.com/office/powerpoint/2010/main" val="2437606822"/>
+              </p:ext>
+            </p:extLst>
+          </p:nvPr>
+        </p:nvGraphicFramePr>
+        <p:xfrm>
+          <a:off x="6368144" y="1677705"/>
+          <a:ext cx="4985656" cy="4698813"/>
+        </p:xfrm>
+        <a:graphic>
+          <a:graphicData uri="http://schemas.openxmlformats.org/drawingml/2006/table">
+            <a:tbl>
+              <a:tblPr>
+                <a:tableStyleId>{5C22544A-7EE6-4342-B048-85BDC9FD1C3A}</a:tableStyleId>
+              </a:tblPr>
+              <a:tblGrid>
+                <a:gridCol w="1555602">
+                  <a:extLst>
+                    <a:ext uri="{9D8B030D-6E8A-4147-A177-3AD203B41FA5}">
+                      <a16:colId xmlns:a16="http://schemas.microsoft.com/office/drawing/2014/main" val="3478917767"/>
+                    </a:ext>
+                  </a:extLst>
+                </a:gridCol>
+                <a:gridCol w="1555602">
+                  <a:extLst>
+                    <a:ext uri="{9D8B030D-6E8A-4147-A177-3AD203B41FA5}">
+                      <a16:colId xmlns:a16="http://schemas.microsoft.com/office/drawing/2014/main" val="2939297383"/>
+                    </a:ext>
+                  </a:extLst>
+                </a:gridCol>
+                <a:gridCol w="840605">
+                  <a:extLst>
+                    <a:ext uri="{9D8B030D-6E8A-4147-A177-3AD203B41FA5}">
+                      <a16:colId xmlns:a16="http://schemas.microsoft.com/office/drawing/2014/main" val="2486717004"/>
+                    </a:ext>
+                  </a:extLst>
+                </a:gridCol>
+                <a:gridCol w="1033847">
+                  <a:extLst>
+                    <a:ext uri="{9D8B030D-6E8A-4147-A177-3AD203B41FA5}">
+                      <a16:colId xmlns:a16="http://schemas.microsoft.com/office/drawing/2014/main" val="706046472"/>
+                    </a:ext>
+                  </a:extLst>
+                </a:gridCol>
+              </a:tblGrid>
+              <a:tr h="293899">
+                <a:tc>
+                  <a:txBody>
+                    <a:bodyPr/>
+                    <a:lstStyle/>
+                    <a:p>
+                      <a:pPr algn="l" fontAlgn="b"/>
+                      <a:endParaRPr lang="en-US" sz="1200" b="0" i="0" u="none" strike="noStrike" dirty="0">
+                        <a:solidFill>
+                          <a:srgbClr val="000000"/>
+                        </a:solidFill>
+                        <a:effectLst/>
+                        <a:latin typeface="+mn-lt"/>
+                      </a:endParaRPr>
+                    </a:p>
+                  </a:txBody>
+                  <a:tcPr marL="6350" marR="6350" marT="6350" marB="0" anchor="b"/>
+                </a:tc>
+                <a:tc rowSpan="2">
+                  <a:txBody>
+                    <a:bodyPr/>
+                    <a:lstStyle/>
+                    <a:p>
+                      <a:pPr algn="ctr" fontAlgn="ctr"/>
+                      <a:r>
+                        <a:rPr lang="en-US" sz="1200" b="1" u="none" strike="noStrike" dirty="0">
+                          <a:effectLst/>
+                          <a:latin typeface="+mn-lt"/>
+                        </a:rPr>
+                        <a:t>Model</a:t>
+                      </a:r>
+                      <a:endParaRPr lang="en-US" sz="1200" b="1" i="0" u="none" strike="noStrike" dirty="0">
+                        <a:solidFill>
+                          <a:srgbClr val="000000"/>
+                        </a:solidFill>
+                        <a:effectLst/>
+                        <a:latin typeface="+mn-lt"/>
+                      </a:endParaRPr>
+                    </a:p>
+                  </a:txBody>
+                  <a:tcPr marL="6350" marR="6350" marT="6350" marB="0" anchor="ctr"/>
+                </a:tc>
+                <a:tc gridSpan="2">
+                  <a:txBody>
+                    <a:bodyPr/>
+                    <a:lstStyle/>
+                    <a:p>
+                      <a:pPr algn="ctr" fontAlgn="b"/>
+                      <a:r>
+                        <a:rPr lang="en-US" sz="1200" b="1" u="none" strike="noStrike" dirty="0">
+                          <a:effectLst/>
+                          <a:latin typeface="+mn-lt"/>
+                        </a:rPr>
+                        <a:t>Testing RMSE</a:t>
+                      </a:r>
+                      <a:endParaRPr lang="en-US" sz="1200" b="1" i="0" u="none" strike="noStrike" dirty="0">
+                        <a:solidFill>
+                          <a:srgbClr val="000000"/>
+                        </a:solidFill>
+                        <a:effectLst/>
+                        <a:latin typeface="+mn-lt"/>
+                      </a:endParaRPr>
+                    </a:p>
+                  </a:txBody>
+                  <a:tcPr marL="6350" marR="6350" marT="6350" marB="0" anchor="b"/>
+                </a:tc>
+                <a:tc hMerge="1">
+                  <a:txBody>
+                    <a:bodyPr/>
+                    <a:lstStyle/>
+                    <a:p>
+                      <a:endParaRPr lang="en-US"/>
+                    </a:p>
+                  </a:txBody>
+                  <a:tcPr/>
+                </a:tc>
+                <a:extLst>
+                  <a:ext uri="{0D108BD9-81ED-4DB2-BD59-A6C34878D82A}">
+                    <a16:rowId xmlns:a16="http://schemas.microsoft.com/office/drawing/2014/main" val="1550085656"/>
+                  </a:ext>
+                </a:extLst>
+              </a:tr>
+              <a:tr h="296114">
+                <a:tc>
+                  <a:txBody>
+                    <a:bodyPr/>
+                    <a:lstStyle/>
+                    <a:p>
+                      <a:pPr algn="l" fontAlgn="b"/>
+                      <a:endParaRPr lang="en-US" sz="1200" b="0" i="0" u="none" strike="noStrike" dirty="0">
+                        <a:solidFill>
+                          <a:srgbClr val="000000"/>
+                        </a:solidFill>
+                        <a:effectLst/>
+                        <a:latin typeface="+mn-lt"/>
+                      </a:endParaRPr>
+                    </a:p>
+                  </a:txBody>
+                  <a:tcPr marL="6350" marR="6350" marT="6350" marB="0" anchor="b"/>
+                </a:tc>
+                <a:tc vMerge="1">
+                  <a:txBody>
+                    <a:bodyPr/>
+                    <a:lstStyle/>
+                    <a:p>
+                      <a:endParaRPr lang="en-US"/>
+                    </a:p>
+                  </a:txBody>
+                  <a:tcPr/>
+                </a:tc>
+                <a:tc>
+                  <a:txBody>
+                    <a:bodyPr/>
+                    <a:lstStyle/>
+                    <a:p>
+                      <a:pPr algn="ctr" fontAlgn="b"/>
+                      <a:r>
+                        <a:rPr lang="en-US" sz="1200" b="1" u="none" strike="noStrike">
+                          <a:effectLst/>
+                          <a:latin typeface="+mn-lt"/>
+                        </a:rPr>
+                        <a:t>Raw</a:t>
+                      </a:r>
+                      <a:endParaRPr lang="en-US" sz="1200" b="1" i="0" u="none" strike="noStrike">
+                        <a:solidFill>
+                          <a:srgbClr val="000000"/>
+                        </a:solidFill>
+                        <a:effectLst/>
+                        <a:latin typeface="+mn-lt"/>
+                      </a:endParaRPr>
+                    </a:p>
+                  </a:txBody>
+                  <a:tcPr marL="6350" marR="6350" marT="6350" marB="0" anchor="b"/>
+                </a:tc>
+                <a:tc>
+                  <a:txBody>
+                    <a:bodyPr/>
+                    <a:lstStyle/>
+                    <a:p>
+                      <a:pPr algn="ctr" fontAlgn="b"/>
+                      <a:r>
+                        <a:rPr lang="en-US" sz="1200" b="1" u="none" strike="noStrike" dirty="0">
+                          <a:effectLst/>
+                          <a:latin typeface="+mn-lt"/>
+                        </a:rPr>
+                        <a:t>Standardized</a:t>
+                      </a:r>
+                      <a:endParaRPr lang="en-US" sz="1200" b="1" i="0" u="none" strike="noStrike" dirty="0">
+                        <a:solidFill>
+                          <a:srgbClr val="000000"/>
+                        </a:solidFill>
+                        <a:effectLst/>
+                        <a:latin typeface="+mn-lt"/>
+                      </a:endParaRPr>
+                    </a:p>
+                  </a:txBody>
+                  <a:tcPr marL="6350" marR="6350" marT="6350" marB="0" anchor="b"/>
+                </a:tc>
+                <a:extLst>
+                  <a:ext uri="{0D108BD9-81ED-4DB2-BD59-A6C34878D82A}">
+                    <a16:rowId xmlns:a16="http://schemas.microsoft.com/office/drawing/2014/main" val="3665824223"/>
+                  </a:ext>
+                </a:extLst>
+              </a:tr>
+              <a:tr h="327683">
+                <a:tc rowSpan="5">
+                  <a:txBody>
+                    <a:bodyPr/>
+                    <a:lstStyle/>
+                    <a:p>
+                      <a:pPr algn="ctr" fontAlgn="ctr"/>
+                      <a:r>
+                        <a:rPr lang="en-US" sz="1200" b="1" u="none" strike="noStrike" dirty="0">
+                          <a:effectLst/>
+                          <a:latin typeface="+mn-lt"/>
+                        </a:rPr>
+                        <a:t>6-Year Graduation Rate</a:t>
+                      </a:r>
+                      <a:endParaRPr lang="en-US" sz="1200" b="1" i="0" u="none" strike="noStrike" dirty="0">
+                        <a:solidFill>
+                          <a:srgbClr val="000000"/>
+                        </a:solidFill>
+                        <a:effectLst/>
+                        <a:latin typeface="+mn-lt"/>
+                      </a:endParaRPr>
+                    </a:p>
+                  </a:txBody>
+                  <a:tcPr marL="6350" marR="6350" marT="6350" marB="0" anchor="ctr"/>
+                </a:tc>
+                <a:tc>
+                  <a:txBody>
+                    <a:bodyPr/>
+                    <a:lstStyle/>
+                    <a:p>
+                      <a:pPr algn="l" fontAlgn="b"/>
+                      <a:r>
+                        <a:rPr lang="en-US" sz="1200" b="0" i="0" u="none" strike="noStrike" dirty="0">
+                          <a:solidFill>
+                            <a:srgbClr val="000000"/>
+                          </a:solidFill>
+                          <a:effectLst/>
+                          <a:latin typeface="+mn-lt"/>
+                        </a:rPr>
+                        <a:t>Lasso</a:t>
+                      </a:r>
+                    </a:p>
+                  </a:txBody>
+                  <a:tcPr marL="6350" marR="6350" marT="6350" marB="0" anchor="b"/>
+                </a:tc>
+                <a:tc>
+                  <a:txBody>
+                    <a:bodyPr/>
+                    <a:lstStyle/>
+                    <a:p>
+                      <a:pPr algn="r" fontAlgn="ctr"/>
+                      <a:endParaRPr lang="en-GB" sz="1200" b="0" i="0" u="none" strike="noStrike" dirty="0">
+                        <a:solidFill>
+                          <a:srgbClr val="000000"/>
+                        </a:solidFill>
+                        <a:effectLst/>
+                        <a:latin typeface="+mn-lt"/>
+                      </a:endParaRPr>
+                    </a:p>
+                    <a:p>
+                      <a:pPr algn="r" fontAlgn="ctr"/>
+                      <a:r>
+                        <a:rPr lang="en-GB" sz="1200" b="0" i="0" u="none" strike="noStrike" dirty="0">
+                          <a:solidFill>
+                            <a:srgbClr val="000000"/>
+                          </a:solidFill>
+                          <a:effectLst/>
+                          <a:latin typeface="+mn-lt"/>
+                        </a:rPr>
+                        <a:t>0.0454</a:t>
+                      </a:r>
+                    </a:p>
+                  </a:txBody>
+                  <a:tcPr marL="6350" marR="6350" marT="6350" marB="0" anchor="ctr"/>
+                </a:tc>
+                <a:tc>
+                  <a:txBody>
+                    <a:bodyPr/>
+                    <a:lstStyle/>
+                    <a:p>
+                      <a:pPr algn="r" fontAlgn="ctr"/>
+                      <a:endParaRPr lang="en-GB" sz="1200" b="0" i="0" u="none" strike="noStrike" dirty="0">
+                        <a:solidFill>
+                          <a:srgbClr val="000000"/>
+                        </a:solidFill>
+                        <a:effectLst/>
+                        <a:latin typeface="+mn-lt"/>
+                      </a:endParaRPr>
+                    </a:p>
+                    <a:p>
+                      <a:pPr algn="r" fontAlgn="ctr"/>
+                      <a:r>
+                        <a:rPr lang="en-GB" sz="1200" b="0" i="0" u="none" strike="noStrike" dirty="0">
+                          <a:solidFill>
+                            <a:srgbClr val="000000"/>
+                          </a:solidFill>
+                          <a:effectLst/>
+                          <a:latin typeface="+mn-lt"/>
+                        </a:rPr>
+                        <a:t>0.2559</a:t>
+                      </a:r>
+                    </a:p>
+                  </a:txBody>
+                  <a:tcPr marL="6350" marR="6350" marT="6350" marB="0" anchor="ctr"/>
+                </a:tc>
+                <a:extLst>
+                  <a:ext uri="{0D108BD9-81ED-4DB2-BD59-A6C34878D82A}">
+                    <a16:rowId xmlns:a16="http://schemas.microsoft.com/office/drawing/2014/main" val="4095835183"/>
+                  </a:ext>
+                </a:extLst>
+              </a:tr>
+              <a:tr h="327683">
+                <a:tc vMerge="1">
+                  <a:txBody>
+                    <a:bodyPr/>
+                    <a:lstStyle/>
+                    <a:p>
+                      <a:endParaRPr lang="en-US"/>
+                    </a:p>
+                  </a:txBody>
+                  <a:tcPr/>
+                </a:tc>
+                <a:tc>
+                  <a:txBody>
+                    <a:bodyPr/>
+                    <a:lstStyle/>
+                    <a:p>
+                      <a:pPr algn="l" fontAlgn="b"/>
+                      <a:r>
+                        <a:rPr lang="en-US" sz="1200" b="0" i="0" u="none" strike="noStrike" dirty="0">
+                          <a:solidFill>
+                            <a:srgbClr val="000000"/>
+                          </a:solidFill>
+                          <a:effectLst/>
+                          <a:latin typeface="+mn-lt"/>
+                        </a:rPr>
+                        <a:t>Ridge</a:t>
+                      </a:r>
+                    </a:p>
+                  </a:txBody>
+                  <a:tcPr marL="6350" marR="6350" marT="6350" marB="0" anchor="b"/>
+                </a:tc>
+                <a:tc>
+                  <a:txBody>
+                    <a:bodyPr/>
+                    <a:lstStyle/>
+                    <a:p>
+                      <a:pPr algn="r" fontAlgn="ctr"/>
+                      <a:endParaRPr lang="en-GB" sz="1200" b="0" i="0" u="none" strike="noStrike" dirty="0">
+                        <a:solidFill>
+                          <a:srgbClr val="000000"/>
+                        </a:solidFill>
+                        <a:effectLst/>
+                        <a:latin typeface="+mn-lt"/>
+                      </a:endParaRPr>
+                    </a:p>
+                    <a:p>
+                      <a:pPr algn="r" fontAlgn="ctr"/>
+                      <a:r>
+                        <a:rPr lang="en-GB" sz="1200" b="0" i="0" u="none" strike="noStrike" dirty="0">
+                          <a:solidFill>
+                            <a:srgbClr val="000000"/>
+                          </a:solidFill>
+                          <a:effectLst/>
+                          <a:latin typeface="+mn-lt"/>
+                        </a:rPr>
+                        <a:t>0.0362</a:t>
+                      </a:r>
+                    </a:p>
+                  </a:txBody>
+                  <a:tcPr marL="6350" marR="6350" marT="6350" marB="0" anchor="ctr"/>
+                </a:tc>
+                <a:tc>
+                  <a:txBody>
+                    <a:bodyPr/>
+                    <a:lstStyle/>
+                    <a:p>
+                      <a:pPr algn="r" fontAlgn="ctr"/>
+                      <a:endParaRPr lang="en-GB" sz="1200" b="0" i="0" u="none" strike="noStrike" dirty="0">
+                        <a:solidFill>
+                          <a:srgbClr val="000000"/>
+                        </a:solidFill>
+                        <a:effectLst/>
+                        <a:latin typeface="+mn-lt"/>
+                      </a:endParaRPr>
+                    </a:p>
+                    <a:p>
+                      <a:pPr algn="r" fontAlgn="ctr"/>
+                      <a:r>
+                        <a:rPr lang="en-GB" sz="1200" b="0" i="0" u="none" strike="noStrike" dirty="0">
+                          <a:solidFill>
+                            <a:srgbClr val="000000"/>
+                          </a:solidFill>
+                          <a:effectLst/>
+                          <a:latin typeface="+mn-lt"/>
+                        </a:rPr>
+                        <a:t>0.2037</a:t>
+                      </a:r>
+                    </a:p>
+                  </a:txBody>
+                  <a:tcPr marL="6350" marR="6350" marT="6350" marB="0" anchor="ctr"/>
+                </a:tc>
+                <a:extLst>
+                  <a:ext uri="{0D108BD9-81ED-4DB2-BD59-A6C34878D82A}">
+                    <a16:rowId xmlns:a16="http://schemas.microsoft.com/office/drawing/2014/main" val="2388995701"/>
+                  </a:ext>
+                </a:extLst>
+              </a:tr>
+              <a:tr h="327683">
+                <a:tc vMerge="1">
+                  <a:txBody>
+                    <a:bodyPr/>
+                    <a:lstStyle/>
+                    <a:p>
+                      <a:endParaRPr lang="en-US"/>
+                    </a:p>
+                  </a:txBody>
+                  <a:tcPr/>
+                </a:tc>
+                <a:tc>
+                  <a:txBody>
+                    <a:bodyPr/>
+                    <a:lstStyle/>
+                    <a:p>
+                      <a:pPr algn="l" fontAlgn="b"/>
+                      <a:r>
+                        <a:rPr lang="en-US" sz="1200" b="0" i="0" u="none" strike="noStrike" dirty="0">
+                          <a:solidFill>
+                            <a:srgbClr val="000000"/>
+                          </a:solidFill>
+                          <a:effectLst/>
+                          <a:latin typeface="+mn-lt"/>
+                        </a:rPr>
+                        <a:t>Elastic Net</a:t>
+                      </a:r>
+                    </a:p>
+                  </a:txBody>
+                  <a:tcPr marL="6350" marR="6350" marT="6350" marB="0" anchor="b"/>
+                </a:tc>
+                <a:tc>
+                  <a:txBody>
+                    <a:bodyPr/>
+                    <a:lstStyle/>
+                    <a:p>
+                      <a:pPr algn="r" fontAlgn="ctr"/>
+                      <a:endParaRPr lang="en-GB" sz="1200" b="0" i="0" u="none" strike="noStrike" dirty="0">
+                        <a:solidFill>
+                          <a:srgbClr val="000000"/>
+                        </a:solidFill>
+                        <a:effectLst/>
+                        <a:latin typeface="+mn-lt"/>
+                      </a:endParaRPr>
+                    </a:p>
+                    <a:p>
+                      <a:pPr algn="r" fontAlgn="ctr"/>
+                      <a:r>
+                        <a:rPr lang="en-GB" sz="1200" b="0" i="0" u="none" strike="noStrike" dirty="0">
+                          <a:solidFill>
+                            <a:srgbClr val="000000"/>
+                          </a:solidFill>
+                          <a:effectLst/>
+                          <a:latin typeface="+mn-lt"/>
+                        </a:rPr>
+                        <a:t>0.0382</a:t>
+                      </a:r>
+                    </a:p>
+                  </a:txBody>
+                  <a:tcPr marL="6350" marR="6350" marT="6350" marB="0" anchor="ctr"/>
+                </a:tc>
+                <a:tc>
+                  <a:txBody>
+                    <a:bodyPr/>
+                    <a:lstStyle/>
+                    <a:p>
+                      <a:pPr algn="r" fontAlgn="ctr"/>
+                      <a:endParaRPr lang="en-GB" sz="1200" b="0" i="0" u="none" strike="noStrike" dirty="0">
+                        <a:solidFill>
+                          <a:srgbClr val="000000"/>
+                        </a:solidFill>
+                        <a:effectLst/>
+                        <a:latin typeface="+mn-lt"/>
+                      </a:endParaRPr>
+                    </a:p>
+                    <a:p>
+                      <a:pPr algn="r" fontAlgn="ctr"/>
+                      <a:r>
+                        <a:rPr lang="en-GB" sz="1200" b="0" i="0" u="none" strike="noStrike" dirty="0">
+                          <a:solidFill>
+                            <a:srgbClr val="000000"/>
+                          </a:solidFill>
+                          <a:effectLst/>
+                          <a:latin typeface="+mn-lt"/>
+                        </a:rPr>
+                        <a:t>0.2153</a:t>
+                      </a:r>
+                    </a:p>
+                  </a:txBody>
+                  <a:tcPr marL="6350" marR="6350" marT="6350" marB="0" anchor="ctr"/>
+                </a:tc>
+                <a:extLst>
+                  <a:ext uri="{0D108BD9-81ED-4DB2-BD59-A6C34878D82A}">
+                    <a16:rowId xmlns:a16="http://schemas.microsoft.com/office/drawing/2014/main" val="1549553246"/>
+                  </a:ext>
+                </a:extLst>
+              </a:tr>
+              <a:tr h="469035">
+                <a:tc vMerge="1">
+                  <a:txBody>
+                    <a:bodyPr/>
+                    <a:lstStyle/>
+                    <a:p>
+                      <a:endParaRPr lang="en-US"/>
+                    </a:p>
+                  </a:txBody>
+                  <a:tcPr/>
+                </a:tc>
+                <a:tc>
+                  <a:txBody>
+                    <a:bodyPr/>
+                    <a:lstStyle/>
+                    <a:p>
+                      <a:pPr algn="l" fontAlgn="b"/>
+                      <a:r>
+                        <a:rPr lang="en-US" sz="1200" u="none" strike="noStrike" dirty="0">
+                          <a:effectLst/>
+                          <a:latin typeface="+mn-lt"/>
+                        </a:rPr>
+                        <a:t>LM (w/ interactions)</a:t>
+                      </a:r>
+                    </a:p>
+                    <a:p>
+                      <a:pPr algn="l" fontAlgn="b"/>
+                      <a:r>
+                        <a:rPr lang="en-US" sz="1200" b="0" i="0" u="none" strike="noStrike" dirty="0">
+                          <a:solidFill>
+                            <a:srgbClr val="000000"/>
+                          </a:solidFill>
+                          <a:effectLst/>
+                          <a:latin typeface="+mn-lt"/>
+                        </a:rPr>
+                        <a:t>(selected variables)</a:t>
+                      </a:r>
+                    </a:p>
+                  </a:txBody>
+                  <a:tcPr marL="6350" marR="6350" marT="6350" marB="0" anchor="b"/>
+                </a:tc>
+                <a:tc>
+                  <a:txBody>
+                    <a:bodyPr/>
+                    <a:lstStyle/>
+                    <a:p>
+                      <a:pPr algn="r" fontAlgn="ctr"/>
+                      <a:endParaRPr lang="en-GB" sz="1200" b="0" i="0" u="none" strike="noStrike" dirty="0">
+                        <a:solidFill>
+                          <a:srgbClr val="000000"/>
+                        </a:solidFill>
+                        <a:effectLst/>
+                        <a:latin typeface="+mn-lt"/>
+                      </a:endParaRPr>
+                    </a:p>
+                    <a:p>
+                      <a:pPr algn="r" fontAlgn="ctr"/>
+                      <a:r>
+                        <a:rPr lang="en-GB" sz="1200" b="0" i="0" u="none" strike="noStrike" dirty="0">
+                          <a:solidFill>
+                            <a:srgbClr val="000000"/>
+                          </a:solidFill>
+                          <a:effectLst/>
+                          <a:latin typeface="+mn-lt"/>
+                        </a:rPr>
+                        <a:t>0.0961</a:t>
+                      </a:r>
+                    </a:p>
+                  </a:txBody>
+                  <a:tcPr marL="6350" marR="6350" marT="6350" marB="0" anchor="ctr"/>
+                </a:tc>
+                <a:tc>
+                  <a:txBody>
+                    <a:bodyPr/>
+                    <a:lstStyle/>
+                    <a:p>
+                      <a:pPr algn="r" fontAlgn="ctr"/>
+                      <a:endParaRPr lang="en-GB" sz="1200" b="0" i="0" u="none" strike="noStrike" dirty="0">
+                        <a:solidFill>
+                          <a:srgbClr val="000000"/>
+                        </a:solidFill>
+                        <a:effectLst/>
+                        <a:latin typeface="+mn-lt"/>
+                      </a:endParaRPr>
+                    </a:p>
+                    <a:p>
+                      <a:pPr algn="r" fontAlgn="ctr"/>
+                      <a:r>
+                        <a:rPr lang="en-GB" sz="1200" b="0" i="0" u="none" strike="noStrike" dirty="0">
+                          <a:solidFill>
+                            <a:srgbClr val="000000"/>
+                          </a:solidFill>
+                          <a:effectLst/>
+                          <a:latin typeface="+mn-lt"/>
+                        </a:rPr>
+                        <a:t>0.5413</a:t>
+                      </a:r>
+                    </a:p>
+                  </a:txBody>
+                  <a:tcPr marL="6350" marR="6350" marT="6350" marB="0" anchor="ctr"/>
+                </a:tc>
+                <a:extLst>
+                  <a:ext uri="{0D108BD9-81ED-4DB2-BD59-A6C34878D82A}">
+                    <a16:rowId xmlns:a16="http://schemas.microsoft.com/office/drawing/2014/main" val="2325486976"/>
+                  </a:ext>
+                </a:extLst>
+              </a:tr>
+              <a:tr h="469035">
+                <a:tc vMerge="1">
+                  <a:txBody>
+                    <a:bodyPr/>
+                    <a:lstStyle/>
+                    <a:p>
+                      <a:endParaRPr lang="en-US"/>
+                    </a:p>
+                  </a:txBody>
+                  <a:tcPr/>
+                </a:tc>
+                <a:tc>
+                  <a:txBody>
+                    <a:bodyPr/>
+                    <a:lstStyle/>
+                    <a:p>
+                      <a:pPr marL="0" marR="0" lvl="0" indent="0" algn="l" defTabSz="914400" rtl="0" eaLnBrk="1" fontAlgn="b" latinLnBrk="0" hangingPunct="1">
+                        <a:lnSpc>
+                          <a:spcPct val="100000"/>
+                        </a:lnSpc>
+                        <a:spcBef>
+                          <a:spcPts val="0"/>
+                        </a:spcBef>
+                        <a:spcAft>
+                          <a:spcPts val="0"/>
+                        </a:spcAft>
+                        <a:buClrTx/>
+                        <a:buSzTx/>
+                        <a:buFontTx/>
+                        <a:buNone/>
+                        <a:tabLst/>
+                        <a:defRPr/>
+                      </a:pPr>
+                      <a:r>
+                        <a:rPr lang="en-US" sz="1200" b="0" i="0" u="none" strike="noStrike" dirty="0">
+                          <a:solidFill>
+                            <a:srgbClr val="FF0000"/>
+                          </a:solidFill>
+                          <a:effectLst/>
+                          <a:latin typeface="+mn-lt"/>
+                        </a:rPr>
+                        <a:t>Gaussian Kernel (selected variables)</a:t>
+                      </a:r>
+                    </a:p>
+                  </a:txBody>
+                  <a:tcPr marL="6350" marR="6350" marT="6350" marB="0" anchor="b"/>
+                </a:tc>
+                <a:tc>
+                  <a:txBody>
+                    <a:bodyPr/>
+                    <a:lstStyle/>
+                    <a:p>
+                      <a:pPr algn="r" fontAlgn="ctr"/>
+                      <a:endParaRPr lang="en-GB" sz="1200" b="0" i="0" u="none" strike="noStrike" dirty="0">
+                        <a:solidFill>
+                          <a:srgbClr val="FF0000"/>
+                        </a:solidFill>
+                        <a:effectLst/>
+                        <a:latin typeface="+mn-lt"/>
+                      </a:endParaRPr>
+                    </a:p>
+                    <a:p>
+                      <a:pPr algn="r" fontAlgn="ctr"/>
+                      <a:r>
+                        <a:rPr lang="en-GB" sz="1200" b="0" i="0" u="none" strike="noStrike" dirty="0">
+                          <a:solidFill>
+                            <a:srgbClr val="FF0000"/>
+                          </a:solidFill>
+                          <a:effectLst/>
+                          <a:latin typeface="+mn-lt"/>
+                        </a:rPr>
+                        <a:t>0.0333</a:t>
+                      </a:r>
+                    </a:p>
+                  </a:txBody>
+                  <a:tcPr marL="6350" marR="6350" marT="6350" marB="0" anchor="ctr"/>
+                </a:tc>
+                <a:tc>
+                  <a:txBody>
+                    <a:bodyPr/>
+                    <a:lstStyle/>
+                    <a:p>
+                      <a:pPr algn="r" fontAlgn="ctr"/>
+                      <a:endParaRPr lang="en-GB" sz="1200" b="0" i="0" u="none" strike="noStrike" dirty="0">
+                        <a:solidFill>
+                          <a:srgbClr val="FF0000"/>
+                        </a:solidFill>
+                        <a:effectLst/>
+                        <a:latin typeface="+mn-lt"/>
+                      </a:endParaRPr>
+                    </a:p>
+                    <a:p>
+                      <a:pPr algn="r" fontAlgn="ctr"/>
+                      <a:r>
+                        <a:rPr lang="en-GB" sz="1200" b="0" i="0" u="none" strike="noStrike" dirty="0">
+                          <a:solidFill>
+                            <a:srgbClr val="FF0000"/>
+                          </a:solidFill>
+                          <a:effectLst/>
+                          <a:latin typeface="+mn-lt"/>
+                        </a:rPr>
+                        <a:t>0.1878</a:t>
+                      </a:r>
+                    </a:p>
+                  </a:txBody>
+                  <a:tcPr marL="6350" marR="6350" marT="6350" marB="0" anchor="ctr"/>
+                </a:tc>
+                <a:extLst>
+                  <a:ext uri="{0D108BD9-81ED-4DB2-BD59-A6C34878D82A}">
+                    <a16:rowId xmlns:a16="http://schemas.microsoft.com/office/drawing/2014/main" val="108756169"/>
+                  </a:ext>
+                </a:extLst>
+              </a:tr>
+              <a:tr h="327683">
+                <a:tc rowSpan="5">
+                  <a:txBody>
+                    <a:bodyPr/>
+                    <a:lstStyle/>
+                    <a:p>
+                      <a:pPr marL="0" marR="0" lvl="0" indent="0" algn="ctr" defTabSz="914400" rtl="0" eaLnBrk="1" fontAlgn="ctr" latinLnBrk="0" hangingPunct="1">
+                        <a:lnSpc>
+                          <a:spcPct val="100000"/>
+                        </a:lnSpc>
+                        <a:spcBef>
+                          <a:spcPts val="0"/>
+                        </a:spcBef>
+                        <a:spcAft>
+                          <a:spcPts val="0"/>
+                        </a:spcAft>
+                        <a:buClrTx/>
+                        <a:buSzTx/>
+                        <a:buFontTx/>
+                        <a:buNone/>
+                        <a:tabLst/>
+                        <a:defRPr/>
+                      </a:pPr>
+                      <a:r>
+                        <a:rPr lang="en-US" sz="1200" b="1" u="none" strike="noStrike" dirty="0">
+                          <a:effectLst/>
+                          <a:latin typeface="+mn-lt"/>
+                        </a:rPr>
+                        <a:t>Bachelor's Degrees per FTE</a:t>
+                      </a:r>
+                      <a:endParaRPr lang="en-US" sz="1200" b="1" i="0" u="none" strike="noStrike" dirty="0">
+                        <a:solidFill>
+                          <a:srgbClr val="000000"/>
+                        </a:solidFill>
+                        <a:effectLst/>
+                        <a:latin typeface="+mn-lt"/>
+                      </a:endParaRPr>
+                    </a:p>
+                    <a:p>
+                      <a:pPr algn="ctr" fontAlgn="ctr"/>
+                      <a:endParaRPr lang="en-US" sz="1200" b="1" i="0" u="none" strike="noStrike" dirty="0">
+                        <a:solidFill>
+                          <a:srgbClr val="000000"/>
+                        </a:solidFill>
+                        <a:effectLst/>
+                        <a:latin typeface="+mn-lt"/>
+                      </a:endParaRPr>
+                    </a:p>
+                  </a:txBody>
+                  <a:tcPr marL="6350" marR="6350" marT="6350" marB="0" anchor="ctr"/>
+                </a:tc>
+                <a:tc>
+                  <a:txBody>
+                    <a:bodyPr/>
+                    <a:lstStyle/>
+                    <a:p>
+                      <a:pPr algn="l" fontAlgn="b"/>
+                      <a:r>
+                        <a:rPr lang="en-US" sz="1200" b="0" i="0" u="none" strike="noStrike" dirty="0">
+                          <a:solidFill>
+                            <a:srgbClr val="000000"/>
+                          </a:solidFill>
+                          <a:effectLst/>
+                          <a:latin typeface="+mn-lt"/>
+                        </a:rPr>
+                        <a:t>Lasso</a:t>
+                      </a:r>
+                    </a:p>
+                  </a:txBody>
+                  <a:tcPr marL="6350" marR="6350" marT="6350" marB="0" anchor="b"/>
+                </a:tc>
+                <a:tc>
+                  <a:txBody>
+                    <a:bodyPr/>
+                    <a:lstStyle/>
+                    <a:p>
+                      <a:pPr algn="r" fontAlgn="ctr"/>
+                      <a:endParaRPr lang="en-GB" sz="1200" b="0" i="0" u="none" strike="noStrike" dirty="0">
+                        <a:solidFill>
+                          <a:srgbClr val="000000"/>
+                        </a:solidFill>
+                        <a:effectLst/>
+                        <a:latin typeface="+mn-lt"/>
+                      </a:endParaRPr>
+                    </a:p>
+                    <a:p>
+                      <a:pPr algn="r" fontAlgn="ctr"/>
+                      <a:r>
+                        <a:rPr lang="en-GB" sz="1200" b="0" i="0" u="none" strike="noStrike" dirty="0">
+                          <a:solidFill>
+                            <a:srgbClr val="000000"/>
+                          </a:solidFill>
+                          <a:effectLst/>
+                          <a:latin typeface="+mn-lt"/>
+                        </a:rPr>
+                        <a:t>0.0337</a:t>
+                      </a:r>
+                    </a:p>
+                  </a:txBody>
+                  <a:tcPr marL="6350" marR="6350" marT="6350" marB="0" anchor="ctr"/>
+                </a:tc>
+                <a:tc>
+                  <a:txBody>
+                    <a:bodyPr/>
+                    <a:lstStyle/>
+                    <a:p>
+                      <a:pPr algn="r" fontAlgn="ctr"/>
+                      <a:endParaRPr lang="en-GB" sz="1200" b="0" i="0" u="none" strike="noStrike" dirty="0">
+                        <a:solidFill>
+                          <a:srgbClr val="000000"/>
+                        </a:solidFill>
+                        <a:effectLst/>
+                        <a:latin typeface="+mn-lt"/>
+                      </a:endParaRPr>
+                    </a:p>
+                    <a:p>
+                      <a:pPr algn="r" fontAlgn="ctr"/>
+                      <a:r>
+                        <a:rPr lang="en-GB" sz="1200" b="0" i="0" u="none" strike="noStrike" dirty="0">
+                          <a:solidFill>
+                            <a:srgbClr val="000000"/>
+                          </a:solidFill>
+                          <a:effectLst/>
+                          <a:latin typeface="+mn-lt"/>
+                        </a:rPr>
+                        <a:t>0.9690</a:t>
+                      </a:r>
+                    </a:p>
+                  </a:txBody>
+                  <a:tcPr marL="6350" marR="6350" marT="6350" marB="0" anchor="ctr"/>
+                </a:tc>
+                <a:extLst>
+                  <a:ext uri="{0D108BD9-81ED-4DB2-BD59-A6C34878D82A}">
+                    <a16:rowId xmlns:a16="http://schemas.microsoft.com/office/drawing/2014/main" val="868174123"/>
+                  </a:ext>
+                </a:extLst>
+              </a:tr>
+              <a:tr h="327683">
+                <a:tc vMerge="1">
+                  <a:txBody>
+                    <a:bodyPr/>
+                    <a:lstStyle/>
+                    <a:p>
+                      <a:endParaRPr lang="en-US"/>
+                    </a:p>
+                  </a:txBody>
+                  <a:tcPr/>
+                </a:tc>
+                <a:tc>
+                  <a:txBody>
+                    <a:bodyPr/>
+                    <a:lstStyle/>
+                    <a:p>
+                      <a:pPr algn="l" fontAlgn="b"/>
+                      <a:r>
+                        <a:rPr lang="en-US" sz="1200" b="0" i="0" u="none" strike="noStrike" dirty="0">
+                          <a:solidFill>
+                            <a:srgbClr val="000000"/>
+                          </a:solidFill>
+                          <a:effectLst/>
+                          <a:latin typeface="+mn-lt"/>
+                        </a:rPr>
+                        <a:t>Ridge</a:t>
+                      </a:r>
+                    </a:p>
+                  </a:txBody>
+                  <a:tcPr marL="6350" marR="6350" marT="6350" marB="0" anchor="b"/>
+                </a:tc>
+                <a:tc>
+                  <a:txBody>
+                    <a:bodyPr/>
+                    <a:lstStyle/>
+                    <a:p>
+                      <a:pPr algn="r" fontAlgn="ctr"/>
+                      <a:endParaRPr lang="en-GB" sz="1200" b="0" i="0" u="none" strike="noStrike" dirty="0">
+                        <a:solidFill>
+                          <a:srgbClr val="000000"/>
+                        </a:solidFill>
+                        <a:effectLst/>
+                        <a:latin typeface="+mn-lt"/>
+                      </a:endParaRPr>
+                    </a:p>
+                    <a:p>
+                      <a:pPr algn="r" fontAlgn="ctr"/>
+                      <a:r>
+                        <a:rPr lang="en-GB" sz="1200" b="0" i="0" u="none" strike="noStrike" dirty="0">
+                          <a:solidFill>
+                            <a:srgbClr val="000000"/>
+                          </a:solidFill>
+                          <a:effectLst/>
+                          <a:latin typeface="+mn-lt"/>
+                        </a:rPr>
+                        <a:t>0.0164</a:t>
+                      </a:r>
+                    </a:p>
+                  </a:txBody>
+                  <a:tcPr marL="6350" marR="6350" marT="6350" marB="0" anchor="ctr"/>
+                </a:tc>
+                <a:tc>
+                  <a:txBody>
+                    <a:bodyPr/>
+                    <a:lstStyle/>
+                    <a:p>
+                      <a:pPr algn="r" fontAlgn="ctr"/>
+                      <a:endParaRPr lang="en-GB" sz="1200" b="0" i="0" u="none" strike="noStrike" dirty="0">
+                        <a:solidFill>
+                          <a:srgbClr val="000000"/>
+                        </a:solidFill>
+                        <a:effectLst/>
+                        <a:latin typeface="+mn-lt"/>
+                      </a:endParaRPr>
+                    </a:p>
+                    <a:p>
+                      <a:pPr algn="r" fontAlgn="ctr"/>
+                      <a:r>
+                        <a:rPr lang="en-GB" sz="1200" b="0" i="0" u="none" strike="noStrike" dirty="0">
+                          <a:solidFill>
+                            <a:srgbClr val="000000"/>
+                          </a:solidFill>
+                          <a:effectLst/>
+                          <a:latin typeface="+mn-lt"/>
+                        </a:rPr>
+                        <a:t>0.4710</a:t>
+                      </a:r>
+                    </a:p>
+                  </a:txBody>
+                  <a:tcPr marL="6350" marR="6350" marT="6350" marB="0" anchor="ctr"/>
+                </a:tc>
+                <a:extLst>
+                  <a:ext uri="{0D108BD9-81ED-4DB2-BD59-A6C34878D82A}">
+                    <a16:rowId xmlns:a16="http://schemas.microsoft.com/office/drawing/2014/main" val="1773180674"/>
+                  </a:ext>
+                </a:extLst>
+              </a:tr>
+              <a:tr h="327683">
+                <a:tc vMerge="1">
+                  <a:txBody>
+                    <a:bodyPr/>
+                    <a:lstStyle/>
+                    <a:p>
+                      <a:endParaRPr lang="en-US"/>
+                    </a:p>
+                  </a:txBody>
+                  <a:tcPr/>
+                </a:tc>
+                <a:tc>
+                  <a:txBody>
+                    <a:bodyPr/>
+                    <a:lstStyle/>
+                    <a:p>
+                      <a:pPr algn="l" fontAlgn="b"/>
+                      <a:r>
+                        <a:rPr lang="en-US" sz="1200" b="0" i="0" u="none" strike="noStrike" dirty="0">
+                          <a:solidFill>
+                            <a:srgbClr val="000000"/>
+                          </a:solidFill>
+                          <a:effectLst/>
+                          <a:latin typeface="+mn-lt"/>
+                        </a:rPr>
+                        <a:t>Elastic Net</a:t>
+                      </a:r>
+                    </a:p>
+                  </a:txBody>
+                  <a:tcPr marL="6350" marR="6350" marT="6350" marB="0" anchor="b"/>
+                </a:tc>
+                <a:tc>
+                  <a:txBody>
+                    <a:bodyPr/>
+                    <a:lstStyle/>
+                    <a:p>
+                      <a:pPr algn="r" fontAlgn="ctr"/>
+                      <a:endParaRPr lang="en-GB" sz="1200" b="0" i="0" u="none" strike="noStrike" dirty="0">
+                        <a:solidFill>
+                          <a:srgbClr val="000000"/>
+                        </a:solidFill>
+                        <a:effectLst/>
+                        <a:latin typeface="+mn-lt"/>
+                      </a:endParaRPr>
+                    </a:p>
+                    <a:p>
+                      <a:pPr algn="r" fontAlgn="ctr"/>
+                      <a:r>
+                        <a:rPr lang="en-GB" sz="1200" b="0" i="0" u="none" strike="noStrike" dirty="0">
+                          <a:solidFill>
+                            <a:srgbClr val="000000"/>
+                          </a:solidFill>
+                          <a:effectLst/>
+                          <a:latin typeface="+mn-lt"/>
+                        </a:rPr>
+                        <a:t>0.0313</a:t>
+                      </a:r>
+                    </a:p>
+                  </a:txBody>
+                  <a:tcPr marL="6350" marR="6350" marT="6350" marB="0" anchor="ctr"/>
+                </a:tc>
+                <a:tc>
+                  <a:txBody>
+                    <a:bodyPr/>
+                    <a:lstStyle/>
+                    <a:p>
+                      <a:pPr algn="r" fontAlgn="ctr"/>
+                      <a:endParaRPr lang="en-GB" sz="1200" b="0" i="0" u="none" strike="noStrike" dirty="0">
+                        <a:solidFill>
+                          <a:srgbClr val="000000"/>
+                        </a:solidFill>
+                        <a:effectLst/>
+                        <a:latin typeface="+mn-lt"/>
+                      </a:endParaRPr>
+                    </a:p>
+                    <a:p>
+                      <a:pPr algn="r" fontAlgn="ctr"/>
+                      <a:r>
+                        <a:rPr lang="en-GB" sz="1200" b="0" i="0" u="none" strike="noStrike" dirty="0">
+                          <a:solidFill>
+                            <a:srgbClr val="000000"/>
+                          </a:solidFill>
+                          <a:effectLst/>
+                          <a:latin typeface="+mn-lt"/>
+                        </a:rPr>
+                        <a:t>0.8980</a:t>
+                      </a:r>
+                    </a:p>
+                  </a:txBody>
+                  <a:tcPr marL="6350" marR="6350" marT="6350" marB="0" anchor="ctr"/>
+                </a:tc>
+                <a:extLst>
+                  <a:ext uri="{0D108BD9-81ED-4DB2-BD59-A6C34878D82A}">
+                    <a16:rowId xmlns:a16="http://schemas.microsoft.com/office/drawing/2014/main" val="324761190"/>
+                  </a:ext>
+                </a:extLst>
+              </a:tr>
+              <a:tr h="469035">
+                <a:tc vMerge="1">
+                  <a:txBody>
+                    <a:bodyPr/>
+                    <a:lstStyle/>
+                    <a:p>
+                      <a:endParaRPr lang="en-US"/>
+                    </a:p>
+                  </a:txBody>
+                  <a:tcPr/>
+                </a:tc>
+                <a:tc>
+                  <a:txBody>
+                    <a:bodyPr/>
+                    <a:lstStyle/>
+                    <a:p>
+                      <a:pPr algn="l" fontAlgn="b"/>
+                      <a:r>
+                        <a:rPr lang="en-US" sz="1200" u="none" strike="noStrike" dirty="0">
+                          <a:effectLst/>
+                          <a:latin typeface="+mn-lt"/>
+                        </a:rPr>
+                        <a:t>LM (w/ interactions)</a:t>
+                      </a:r>
+                    </a:p>
+                    <a:p>
+                      <a:pPr algn="l" fontAlgn="b"/>
+                      <a:r>
+                        <a:rPr lang="en-US" sz="1200" b="0" i="0" u="none" strike="noStrike" dirty="0">
+                          <a:solidFill>
+                            <a:srgbClr val="000000"/>
+                          </a:solidFill>
+                          <a:effectLst/>
+                          <a:latin typeface="+mn-lt"/>
+                        </a:rPr>
+                        <a:t>(selected variables)</a:t>
+                      </a:r>
+                    </a:p>
+                  </a:txBody>
+                  <a:tcPr marL="6350" marR="6350" marT="6350" marB="0" anchor="b"/>
+                </a:tc>
+                <a:tc>
+                  <a:txBody>
+                    <a:bodyPr/>
+                    <a:lstStyle/>
+                    <a:p>
+                      <a:pPr algn="r" fontAlgn="ctr"/>
+                      <a:endParaRPr lang="en-GB" sz="1200" b="0" i="0" u="none" strike="noStrike" dirty="0">
+                        <a:solidFill>
+                          <a:srgbClr val="000000"/>
+                        </a:solidFill>
+                        <a:effectLst/>
+                        <a:latin typeface="+mn-lt"/>
+                      </a:endParaRPr>
+                    </a:p>
+                    <a:p>
+                      <a:pPr algn="r" fontAlgn="ctr"/>
+                      <a:r>
+                        <a:rPr lang="en-GB" sz="1200" b="0" i="0" u="none" strike="noStrike" dirty="0">
+                          <a:solidFill>
+                            <a:srgbClr val="000000"/>
+                          </a:solidFill>
+                          <a:effectLst/>
+                          <a:latin typeface="+mn-lt"/>
+                        </a:rPr>
+                        <a:t>0.3418</a:t>
+                      </a:r>
+                    </a:p>
+                  </a:txBody>
+                  <a:tcPr marL="6350" marR="6350" marT="6350" marB="0" anchor="ctr"/>
+                </a:tc>
+                <a:tc>
+                  <a:txBody>
+                    <a:bodyPr/>
+                    <a:lstStyle/>
+                    <a:p>
+                      <a:pPr algn="r" fontAlgn="ctr"/>
+                      <a:endParaRPr lang="en-GB" sz="1200" b="0" i="0" u="none" strike="noStrike" dirty="0">
+                        <a:solidFill>
+                          <a:srgbClr val="000000"/>
+                        </a:solidFill>
+                        <a:effectLst/>
+                        <a:latin typeface="+mn-lt"/>
+                      </a:endParaRPr>
+                    </a:p>
+                    <a:p>
+                      <a:pPr algn="r" fontAlgn="ctr"/>
+                      <a:r>
+                        <a:rPr lang="en-GB" sz="1200" b="0" i="0" u="none" strike="noStrike" dirty="0">
+                          <a:solidFill>
+                            <a:srgbClr val="000000"/>
+                          </a:solidFill>
+                          <a:effectLst/>
+                          <a:latin typeface="+mn-lt"/>
+                        </a:rPr>
+                        <a:t>9.8100</a:t>
+                      </a:r>
+                    </a:p>
+                  </a:txBody>
+                  <a:tcPr marL="6350" marR="6350" marT="6350" marB="0" anchor="ctr"/>
+                </a:tc>
+                <a:extLst>
+                  <a:ext uri="{0D108BD9-81ED-4DB2-BD59-A6C34878D82A}">
+                    <a16:rowId xmlns:a16="http://schemas.microsoft.com/office/drawing/2014/main" val="1775108306"/>
+                  </a:ext>
+                </a:extLst>
+              </a:tr>
+              <a:tr h="469035">
+                <a:tc vMerge="1">
+                  <a:txBody>
+                    <a:bodyPr/>
+                    <a:lstStyle/>
+                    <a:p>
+                      <a:endParaRPr lang="en-US"/>
+                    </a:p>
+                  </a:txBody>
+                  <a:tcPr/>
+                </a:tc>
+                <a:tc>
+                  <a:txBody>
+                    <a:bodyPr/>
+                    <a:lstStyle/>
+                    <a:p>
+                      <a:pPr marL="0" marR="0" lvl="0" indent="0" algn="l" defTabSz="914400" rtl="0" eaLnBrk="1" fontAlgn="b" latinLnBrk="0" hangingPunct="1">
+                        <a:lnSpc>
+                          <a:spcPct val="100000"/>
+                        </a:lnSpc>
+                        <a:spcBef>
+                          <a:spcPts val="0"/>
+                        </a:spcBef>
+                        <a:spcAft>
+                          <a:spcPts val="0"/>
+                        </a:spcAft>
+                        <a:buClrTx/>
+                        <a:buSzTx/>
+                        <a:buFontTx/>
+                        <a:buNone/>
+                        <a:tabLst/>
+                        <a:defRPr/>
+                      </a:pPr>
+                      <a:r>
+                        <a:rPr lang="en-US" sz="1200" b="0" i="0" u="none" strike="noStrike" dirty="0">
+                          <a:solidFill>
+                            <a:srgbClr val="FF0000"/>
+                          </a:solidFill>
+                          <a:effectLst/>
+                          <a:latin typeface="+mn-lt"/>
+                        </a:rPr>
+                        <a:t>Gaussian Kernel (selected variables)</a:t>
+                      </a:r>
+                    </a:p>
+                  </a:txBody>
+                  <a:tcPr marL="6350" marR="6350" marT="6350" marB="0" anchor="b"/>
+                </a:tc>
+                <a:tc>
+                  <a:txBody>
+                    <a:bodyPr/>
+                    <a:lstStyle/>
+                    <a:p>
+                      <a:pPr algn="r" fontAlgn="ctr"/>
+                      <a:endParaRPr lang="en-GB" sz="1200" b="0" i="0" u="none" strike="noStrike" dirty="0">
+                        <a:solidFill>
+                          <a:srgbClr val="FF0000"/>
+                        </a:solidFill>
+                        <a:effectLst/>
+                        <a:latin typeface="+mn-lt"/>
+                      </a:endParaRPr>
+                    </a:p>
+                    <a:p>
+                      <a:pPr algn="r" fontAlgn="ctr"/>
+                      <a:r>
+                        <a:rPr lang="en-GB" sz="1200" b="0" i="0" u="none" strike="noStrike" dirty="0">
+                          <a:solidFill>
+                            <a:srgbClr val="FF0000"/>
+                          </a:solidFill>
+                          <a:effectLst/>
+                          <a:latin typeface="+mn-lt"/>
+                        </a:rPr>
+                        <a:t>0.0139</a:t>
+                      </a:r>
+                    </a:p>
+                  </a:txBody>
+                  <a:tcPr marL="6350" marR="6350" marT="6350" marB="0" anchor="ctr"/>
+                </a:tc>
+                <a:tc>
+                  <a:txBody>
+                    <a:bodyPr/>
+                    <a:lstStyle/>
+                    <a:p>
+                      <a:pPr algn="r" fontAlgn="ctr"/>
+                      <a:endParaRPr lang="en-GB" sz="1200" b="0" i="0" u="none" strike="noStrike" dirty="0">
+                        <a:solidFill>
+                          <a:srgbClr val="FF0000"/>
+                        </a:solidFill>
+                        <a:effectLst/>
+                        <a:latin typeface="+mn-lt"/>
+                      </a:endParaRPr>
+                    </a:p>
+                    <a:p>
+                      <a:pPr algn="r" fontAlgn="ctr"/>
+                      <a:r>
+                        <a:rPr lang="en-GB" sz="1200" b="0" i="0" u="none" strike="noStrike" dirty="0">
+                          <a:solidFill>
+                            <a:srgbClr val="FF0000"/>
+                          </a:solidFill>
+                          <a:effectLst/>
+                          <a:latin typeface="+mn-lt"/>
+                        </a:rPr>
+                        <a:t>0.3990</a:t>
+                      </a:r>
+                    </a:p>
+                  </a:txBody>
+                  <a:tcPr marL="6350" marR="6350" marT="6350" marB="0" anchor="ctr"/>
+                </a:tc>
+                <a:extLst>
+                  <a:ext uri="{0D108BD9-81ED-4DB2-BD59-A6C34878D82A}">
+                    <a16:rowId xmlns:a16="http://schemas.microsoft.com/office/drawing/2014/main" val="2613320283"/>
+                  </a:ext>
+                </a:extLst>
+              </a:tr>
+            </a:tbl>
+          </a:graphicData>
+        </a:graphic>
+      </p:graphicFrame>
+    </p:spTree>
+    <p:extLst>
+      <p:ext uri="{BB962C8B-B14F-4D97-AF65-F5344CB8AC3E}">
+        <p14:creationId xmlns:p14="http://schemas.microsoft.com/office/powerpoint/2010/main" val="2912517893"/>
+      </p:ext>
+    </p:extLst>
+  </p:cSld>
+  <p:clrMapOvr>
+    <a:masterClrMapping/>
+  </p:clrMapOvr>
+</p:sld>
+</file>
+
+<file path=ppt/slides/slide13.xml><?xml version="1.0" encoding="utf-8"?>
+<p:sld xmlns:a="http://schemas.openxmlformats.org/drawingml/2006/main" xmlns:r="http://schemas.openxmlformats.org/officeDocument/2006/relationships" xmlns:p="http://schemas.openxmlformats.org/presentationml/2006/main">
+  <p:cSld>
+    <p:spTree>
+      <p:nvGrpSpPr>
+        <p:cNvPr id="1" name=""/>
+        <p:cNvGrpSpPr/>
+        <p:nvPr/>
+      </p:nvGrpSpPr>
+      <p:grpSpPr>
+        <a:xfrm>
+          <a:off x="0" y="0"/>
+          <a:ext cx="0" cy="0"/>
+          <a:chOff x="0" y="0"/>
+          <a:chExt cx="0" cy="0"/>
+        </a:xfrm>
+      </p:grpSpPr>
+      <p:sp>
+        <p:nvSpPr>
+          <p:cNvPr id="2" name="Title 1">
+            <a:extLst>
+              <a:ext uri="{FF2B5EF4-FFF2-40B4-BE49-F238E27FC236}">
+                <a16:creationId xmlns:a16="http://schemas.microsoft.com/office/drawing/2014/main" id="{6DB497BC-6377-4BD4-A8A6-D232ABBA0506}"/>
+              </a:ext>
+            </a:extLst>
+          </p:cNvPr>
+          <p:cNvSpPr>
+            <a:spLocks noGrp="1"/>
+          </p:cNvSpPr>
+          <p:nvPr>
+            <p:ph type="title"/>
+          </p:nvPr>
+        </p:nvSpPr>
+        <p:spPr/>
+        <p:txBody>
+          <a:bodyPr/>
+          <a:lstStyle/>
+          <a:p>
+            <a:r>
+              <a:rPr lang="en-US" dirty="0"/>
+              <a:t>Approach 2: Kernel Model Avg. Partial Derivatives</a:t>
+            </a:r>
+            <a:endParaRPr lang="en-GB" dirty="0"/>
+          </a:p>
+        </p:txBody>
+      </p:sp>
+      <p:graphicFrame>
+        <p:nvGraphicFramePr>
+          <p:cNvPr id="5" name="Content Placeholder 6">
+            <a:extLst>
+              <a:ext uri="{FF2B5EF4-FFF2-40B4-BE49-F238E27FC236}">
+                <a16:creationId xmlns:a16="http://schemas.microsoft.com/office/drawing/2014/main" id="{DC4197B8-28FC-42A2-AD89-532EB3608797}"/>
+              </a:ext>
+            </a:extLst>
+          </p:cNvPr>
+          <p:cNvGraphicFramePr>
+            <a:graphicFrameLocks noGrp="1"/>
+          </p:cNvGraphicFramePr>
+          <p:nvPr>
+            <p:ph idx="1"/>
+            <p:extLst>
+              <p:ext uri="{D42A27DB-BD31-4B8C-83A1-F6EECF244321}">
+                <p14:modId xmlns:p14="http://schemas.microsoft.com/office/powerpoint/2010/main" val="2323612580"/>
+              </p:ext>
+            </p:extLst>
+          </p:nvPr>
+        </p:nvGraphicFramePr>
+        <p:xfrm>
+          <a:off x="1095776" y="1690688"/>
+          <a:ext cx="9761116" cy="3325927"/>
+        </p:xfrm>
+        <a:graphic>
+          <a:graphicData uri="http://schemas.openxmlformats.org/drawingml/2006/table">
+            <a:tbl>
+              <a:tblPr>
+                <a:tableStyleId>{5C22544A-7EE6-4342-B048-85BDC9FD1C3A}</a:tableStyleId>
+              </a:tblPr>
+              <a:tblGrid>
+                <a:gridCol w="1878430">
+                  <a:extLst>
+                    <a:ext uri="{9D8B030D-6E8A-4147-A177-3AD203B41FA5}">
+                      <a16:colId xmlns:a16="http://schemas.microsoft.com/office/drawing/2014/main" val="20000"/>
+                    </a:ext>
+                  </a:extLst>
+                </a:gridCol>
+                <a:gridCol w="4212205">
+                  <a:extLst>
+                    <a:ext uri="{9D8B030D-6E8A-4147-A177-3AD203B41FA5}">
+                      <a16:colId xmlns:a16="http://schemas.microsoft.com/office/drawing/2014/main" val="20001"/>
+                    </a:ext>
+                  </a:extLst>
+                </a:gridCol>
+                <a:gridCol w="1165829">
+                  <a:extLst>
+                    <a:ext uri="{9D8B030D-6E8A-4147-A177-3AD203B41FA5}">
+                      <a16:colId xmlns:a16="http://schemas.microsoft.com/office/drawing/2014/main" val="20002"/>
+                    </a:ext>
+                  </a:extLst>
+                </a:gridCol>
+                <a:gridCol w="1252326">
+                  <a:extLst>
+                    <a:ext uri="{9D8B030D-6E8A-4147-A177-3AD203B41FA5}">
+                      <a16:colId xmlns:a16="http://schemas.microsoft.com/office/drawing/2014/main" val="20003"/>
+                    </a:ext>
+                  </a:extLst>
+                </a:gridCol>
+                <a:gridCol w="1252326">
+                  <a:extLst>
+                    <a:ext uri="{9D8B030D-6E8A-4147-A177-3AD203B41FA5}">
+                      <a16:colId xmlns:a16="http://schemas.microsoft.com/office/drawing/2014/main" val="20004"/>
+                    </a:ext>
+                  </a:extLst>
+                </a:gridCol>
+              </a:tblGrid>
+              <a:tr h="302357">
+                <a:tc>
+                  <a:txBody>
+                    <a:bodyPr/>
+                    <a:lstStyle/>
+                    <a:p>
+                      <a:pPr algn="ctr" fontAlgn="ctr"/>
+                      <a:endParaRPr lang="en-US" sz="1600" b="0" i="0" u="none" strike="noStrike" dirty="0">
+                        <a:solidFill>
+                          <a:srgbClr val="000000"/>
+                        </a:solidFill>
+                        <a:effectLst/>
+                        <a:latin typeface="Calibri" charset="0"/>
+                      </a:endParaRPr>
+                    </a:p>
+                  </a:txBody>
+                  <a:tcPr marL="2812" marR="2812" marT="2812" marB="0" anchor="ctr"/>
+                </a:tc>
+                <a:tc>
+                  <a:txBody>
+                    <a:bodyPr/>
+                    <a:lstStyle/>
+                    <a:p>
+                      <a:pPr algn="ctr" fontAlgn="ctr"/>
+                      <a:r>
+                        <a:rPr lang="en-US" sz="1600" b="1" u="none" strike="noStrike" dirty="0">
+                          <a:effectLst/>
+                        </a:rPr>
+                        <a:t>Variable</a:t>
+                      </a:r>
+                      <a:endParaRPr lang="en-US" sz="1600" b="1" i="0" u="none" strike="noStrike" dirty="0">
+                        <a:solidFill>
+                          <a:srgbClr val="000000"/>
+                        </a:solidFill>
+                        <a:effectLst/>
+                        <a:latin typeface="Calibri" charset="0"/>
+                      </a:endParaRPr>
+                    </a:p>
+                  </a:txBody>
+                  <a:tcPr marL="2812" marR="2812" marT="2812" marB="0" anchor="ctr"/>
+                </a:tc>
+                <a:tc>
+                  <a:txBody>
+                    <a:bodyPr/>
+                    <a:lstStyle/>
+                    <a:p>
+                      <a:pPr algn="ctr" fontAlgn="ctr"/>
+                      <a:r>
+                        <a:rPr lang="en-US" sz="1600" b="1" u="none" strike="noStrike" dirty="0">
+                          <a:effectLst/>
+                        </a:rPr>
+                        <a:t>Estimate</a:t>
+                      </a:r>
+                      <a:endParaRPr lang="en-US" sz="1600" b="1" i="0" u="none" strike="noStrike" dirty="0">
+                        <a:solidFill>
+                          <a:srgbClr val="000000"/>
+                        </a:solidFill>
+                        <a:effectLst/>
+                        <a:latin typeface="Calibri" charset="0"/>
+                      </a:endParaRPr>
+                    </a:p>
+                  </a:txBody>
+                  <a:tcPr marL="2812" marR="2812" marT="2812" marB="0" anchor="ctr"/>
+                </a:tc>
+                <a:tc>
+                  <a:txBody>
+                    <a:bodyPr/>
+                    <a:lstStyle/>
+                    <a:p>
+                      <a:pPr algn="ctr" fontAlgn="ctr"/>
+                      <a:r>
+                        <a:rPr lang="en-US" sz="1600" b="1" u="none" strike="noStrike" dirty="0">
+                          <a:effectLst/>
+                        </a:rPr>
+                        <a:t>SE</a:t>
+                      </a:r>
+                      <a:endParaRPr lang="en-US" sz="1600" b="1" i="0" u="none" strike="noStrike" dirty="0">
+                        <a:solidFill>
+                          <a:srgbClr val="000000"/>
+                        </a:solidFill>
+                        <a:effectLst/>
+                        <a:latin typeface="Calibri" charset="0"/>
+                      </a:endParaRPr>
+                    </a:p>
+                  </a:txBody>
+                  <a:tcPr marL="2812" marR="2812" marT="2812" marB="0" anchor="ctr"/>
+                </a:tc>
+                <a:tc>
+                  <a:txBody>
+                    <a:bodyPr/>
+                    <a:lstStyle/>
+                    <a:p>
+                      <a:pPr algn="ctr" fontAlgn="ctr"/>
+                      <a:r>
+                        <a:rPr lang="en-US" sz="1600" b="1" u="none" strike="noStrike" dirty="0">
+                          <a:effectLst/>
+                        </a:rPr>
+                        <a:t>p-value</a:t>
+                      </a:r>
+                      <a:endParaRPr lang="en-US" sz="1600" b="1" i="0" u="none" strike="noStrike" dirty="0">
+                        <a:solidFill>
+                          <a:srgbClr val="000000"/>
+                        </a:solidFill>
+                        <a:effectLst/>
+                        <a:latin typeface="Calibri" charset="0"/>
+                      </a:endParaRPr>
+                    </a:p>
+                  </a:txBody>
+                  <a:tcPr marL="2812" marR="2812" marT="2812" marB="0" anchor="ctr"/>
+                </a:tc>
+                <a:extLst>
+                  <a:ext uri="{0D108BD9-81ED-4DB2-BD59-A6C34878D82A}">
+                    <a16:rowId xmlns:a16="http://schemas.microsoft.com/office/drawing/2014/main" val="10000"/>
+                  </a:ext>
+                </a:extLst>
+              </a:tr>
+              <a:tr h="302357">
+                <a:tc rowSpan="5">
+                  <a:txBody>
+                    <a:bodyPr/>
+                    <a:lstStyle/>
+                    <a:p>
+                      <a:pPr algn="ctr" fontAlgn="ctr"/>
+                      <a:r>
+                        <a:rPr lang="en-US" sz="1600" b="1" u="none" strike="noStrike" dirty="0">
+                          <a:effectLst/>
+                        </a:rPr>
+                        <a:t>6-Year Graduation Rate</a:t>
+                      </a:r>
+                      <a:endParaRPr lang="en-US" sz="1600" b="1" i="0" u="none" strike="noStrike" dirty="0">
+                        <a:solidFill>
+                          <a:srgbClr val="000000"/>
+                        </a:solidFill>
+                        <a:effectLst/>
+                        <a:latin typeface="Calibri" charset="0"/>
+                      </a:endParaRPr>
+                    </a:p>
+                  </a:txBody>
+                  <a:tcPr marL="2812" marR="2812" marT="2812" marB="0" anchor="ctr"/>
+                </a:tc>
+                <a:tc>
+                  <a:txBody>
+                    <a:bodyPr/>
+                    <a:lstStyle/>
+                    <a:p>
+                      <a:pPr algn="l" fontAlgn="b"/>
+                      <a:r>
+                        <a:rPr lang="en-GB" sz="1600" b="0" i="0" u="none" strike="noStrike" dirty="0" err="1">
+                          <a:solidFill>
+                            <a:srgbClr val="000000"/>
+                          </a:solidFill>
+                          <a:effectLst/>
+                          <a:latin typeface="Calibri" panose="020F0502020204030204" pitchFamily="34" charset="0"/>
+                        </a:rPr>
+                        <a:t>other_full_time</a:t>
+                      </a:r>
+                      <a:r>
+                        <a:rPr lang="en-GB" sz="1600" b="0" i="0" u="none" strike="noStrike" dirty="0">
+                          <a:solidFill>
+                            <a:srgbClr val="000000"/>
+                          </a:solidFill>
+                          <a:effectLst/>
+                          <a:latin typeface="Calibri" panose="020F0502020204030204" pitchFamily="34" charset="0"/>
+                        </a:rPr>
+                        <a:t> </a:t>
+                      </a:r>
+                    </a:p>
+                  </a:txBody>
+                  <a:tcPr marL="6350" marR="6350" marT="6350" marB="0" anchor="b"/>
+                </a:tc>
+                <a:tc>
+                  <a:txBody>
+                    <a:bodyPr/>
+                    <a:lstStyle/>
+                    <a:p>
+                      <a:pPr algn="r" fontAlgn="b"/>
+                      <a:r>
+                        <a:rPr lang="en-GB" sz="1600" b="0" i="0" u="none" strike="noStrike">
+                          <a:solidFill>
+                            <a:srgbClr val="000000"/>
+                          </a:solidFill>
+                          <a:effectLst/>
+                          <a:latin typeface="Calibri" panose="020F0502020204030204" pitchFamily="34" charset="0"/>
+                        </a:rPr>
+                        <a:t>0.3928</a:t>
+                      </a:r>
+                    </a:p>
+                  </a:txBody>
+                  <a:tcPr marL="6350" marR="6350" marT="6350" marB="0" anchor="b"/>
+                </a:tc>
+                <a:tc>
+                  <a:txBody>
+                    <a:bodyPr/>
+                    <a:lstStyle/>
+                    <a:p>
+                      <a:pPr algn="r" fontAlgn="b"/>
+                      <a:r>
+                        <a:rPr lang="en-GB" sz="1600" b="0" i="0" u="none" strike="noStrike">
+                          <a:solidFill>
+                            <a:srgbClr val="000000"/>
+                          </a:solidFill>
+                          <a:effectLst/>
+                          <a:latin typeface="Calibri" panose="020F0502020204030204" pitchFamily="34" charset="0"/>
+                        </a:rPr>
+                        <a:t>0.011</a:t>
+                      </a:r>
+                    </a:p>
+                  </a:txBody>
+                  <a:tcPr marL="6350" marR="6350" marT="6350" marB="0" anchor="b"/>
+                </a:tc>
+                <a:tc>
+                  <a:txBody>
+                    <a:bodyPr/>
+                    <a:lstStyle/>
+                    <a:p>
+                      <a:pPr algn="r" fontAlgn="b"/>
+                      <a:r>
+                        <a:rPr lang="en-GB" sz="1600" b="0" i="0" u="none" strike="noStrike">
+                          <a:solidFill>
+                            <a:srgbClr val="000000"/>
+                          </a:solidFill>
+                          <a:effectLst/>
+                          <a:latin typeface="Calibri" panose="020F0502020204030204" pitchFamily="34" charset="0"/>
+                        </a:rPr>
+                        <a:t>0.0000</a:t>
+                      </a:r>
+                    </a:p>
+                  </a:txBody>
+                  <a:tcPr marL="6350" marR="6350" marT="6350" marB="0" anchor="b"/>
+                </a:tc>
+                <a:extLst>
+                  <a:ext uri="{0D108BD9-81ED-4DB2-BD59-A6C34878D82A}">
+                    <a16:rowId xmlns:a16="http://schemas.microsoft.com/office/drawing/2014/main" val="10001"/>
+                  </a:ext>
+                </a:extLst>
+              </a:tr>
+              <a:tr h="302357">
+                <a:tc vMerge="1">
+                  <a:txBody>
+                    <a:bodyPr/>
+                    <a:lstStyle/>
+                    <a:p>
+                      <a:endParaRPr lang="en-US"/>
+                    </a:p>
+                  </a:txBody>
+                  <a:tcPr/>
+                </a:tc>
+                <a:tc>
+                  <a:txBody>
+                    <a:bodyPr/>
+                    <a:lstStyle/>
+                    <a:p>
+                      <a:pPr algn="l" fontAlgn="b"/>
+                      <a:r>
+                        <a:rPr lang="en-GB" sz="1600" b="0" i="0" u="none" strike="noStrike" dirty="0" err="1">
+                          <a:solidFill>
+                            <a:srgbClr val="000000"/>
+                          </a:solidFill>
+                          <a:effectLst/>
+                          <a:latin typeface="Calibri" panose="020F0502020204030204" pitchFamily="34" charset="0"/>
+                        </a:rPr>
+                        <a:t>fed_grant_pct</a:t>
+                      </a:r>
+                      <a:r>
+                        <a:rPr lang="en-GB" sz="1600" b="0" i="0" u="none" strike="noStrike" dirty="0">
+                          <a:solidFill>
+                            <a:srgbClr val="000000"/>
+                          </a:solidFill>
+                          <a:effectLst/>
+                          <a:latin typeface="Calibri" panose="020F0502020204030204" pitchFamily="34" charset="0"/>
+                        </a:rPr>
+                        <a:t>    </a:t>
+                      </a:r>
+                    </a:p>
+                  </a:txBody>
+                  <a:tcPr marL="6350" marR="6350" marT="6350" marB="0" anchor="b"/>
+                </a:tc>
+                <a:tc>
+                  <a:txBody>
+                    <a:bodyPr/>
+                    <a:lstStyle/>
+                    <a:p>
+                      <a:pPr algn="r" fontAlgn="b"/>
+                      <a:r>
+                        <a:rPr lang="en-GB" sz="1600" b="0" i="0" u="none" strike="noStrike">
+                          <a:solidFill>
+                            <a:srgbClr val="000000"/>
+                          </a:solidFill>
+                          <a:effectLst/>
+                          <a:latin typeface="Calibri" panose="020F0502020204030204" pitchFamily="34" charset="0"/>
+                        </a:rPr>
+                        <a:t>-0.2004</a:t>
+                      </a:r>
+                    </a:p>
+                  </a:txBody>
+                  <a:tcPr marL="6350" marR="6350" marT="6350" marB="0" anchor="b"/>
+                </a:tc>
+                <a:tc>
+                  <a:txBody>
+                    <a:bodyPr/>
+                    <a:lstStyle/>
+                    <a:p>
+                      <a:pPr algn="r" fontAlgn="b"/>
+                      <a:r>
+                        <a:rPr lang="en-GB" sz="1600" b="0" i="0" u="none" strike="noStrike">
+                          <a:solidFill>
+                            <a:srgbClr val="000000"/>
+                          </a:solidFill>
+                          <a:effectLst/>
+                          <a:latin typeface="Calibri" panose="020F0502020204030204" pitchFamily="34" charset="0"/>
+                        </a:rPr>
+                        <a:t>0.0094</a:t>
+                      </a:r>
+                    </a:p>
+                  </a:txBody>
+                  <a:tcPr marL="6350" marR="6350" marT="6350" marB="0" anchor="b"/>
+                </a:tc>
+                <a:tc>
+                  <a:txBody>
+                    <a:bodyPr/>
+                    <a:lstStyle/>
+                    <a:p>
+                      <a:pPr algn="r" fontAlgn="b"/>
+                      <a:r>
+                        <a:rPr lang="en-GB" sz="1600" b="0" i="0" u="none" strike="noStrike">
+                          <a:solidFill>
+                            <a:srgbClr val="000000"/>
+                          </a:solidFill>
+                          <a:effectLst/>
+                          <a:latin typeface="Calibri" panose="020F0502020204030204" pitchFamily="34" charset="0"/>
+                        </a:rPr>
+                        <a:t>0.0000</a:t>
+                      </a:r>
+                    </a:p>
+                  </a:txBody>
+                  <a:tcPr marL="6350" marR="6350" marT="6350" marB="0" anchor="b"/>
+                </a:tc>
+                <a:extLst>
+                  <a:ext uri="{0D108BD9-81ED-4DB2-BD59-A6C34878D82A}">
+                    <a16:rowId xmlns:a16="http://schemas.microsoft.com/office/drawing/2014/main" val="10002"/>
+                  </a:ext>
+                </a:extLst>
+              </a:tr>
+              <a:tr h="302357">
+                <a:tc vMerge="1">
+                  <a:txBody>
+                    <a:bodyPr/>
+                    <a:lstStyle/>
+                    <a:p>
+                      <a:endParaRPr lang="en-US"/>
+                    </a:p>
+                  </a:txBody>
+                  <a:tcPr/>
+                </a:tc>
+                <a:tc>
+                  <a:txBody>
+                    <a:bodyPr/>
+                    <a:lstStyle/>
+                    <a:p>
+                      <a:pPr algn="l" fontAlgn="b"/>
+                      <a:r>
+                        <a:rPr lang="en-GB" sz="1600" b="0" i="0" u="none" strike="noStrike" dirty="0">
+                          <a:solidFill>
+                            <a:srgbClr val="000000"/>
+                          </a:solidFill>
+                          <a:effectLst/>
+                          <a:latin typeface="Calibri" panose="020F0502020204030204" pitchFamily="34" charset="0"/>
+                        </a:rPr>
+                        <a:t>grant01  </a:t>
+                      </a:r>
+                    </a:p>
+                  </a:txBody>
+                  <a:tcPr marL="6350" marR="6350" marT="6350" marB="0" anchor="b"/>
+                </a:tc>
+                <a:tc>
+                  <a:txBody>
+                    <a:bodyPr/>
+                    <a:lstStyle/>
+                    <a:p>
+                      <a:pPr algn="r" fontAlgn="b"/>
+                      <a:r>
+                        <a:rPr lang="en-GB" sz="1600" b="0" i="0" u="none" strike="noStrike">
+                          <a:solidFill>
+                            <a:srgbClr val="000000"/>
+                          </a:solidFill>
+                          <a:effectLst/>
+                          <a:latin typeface="Calibri" panose="020F0502020204030204" pitchFamily="34" charset="0"/>
+                        </a:rPr>
+                        <a:t>-0.2792</a:t>
+                      </a:r>
+                    </a:p>
+                  </a:txBody>
+                  <a:tcPr marL="6350" marR="6350" marT="6350" marB="0" anchor="b"/>
+                </a:tc>
+                <a:tc>
+                  <a:txBody>
+                    <a:bodyPr/>
+                    <a:lstStyle/>
+                    <a:p>
+                      <a:pPr algn="r" fontAlgn="b"/>
+                      <a:r>
+                        <a:rPr lang="en-GB" sz="1600" b="0" i="0" u="none" strike="noStrike">
+                          <a:solidFill>
+                            <a:srgbClr val="000000"/>
+                          </a:solidFill>
+                          <a:effectLst/>
+                          <a:latin typeface="Calibri" panose="020F0502020204030204" pitchFamily="34" charset="0"/>
+                        </a:rPr>
+                        <a:t>0.011</a:t>
+                      </a:r>
+                    </a:p>
+                  </a:txBody>
+                  <a:tcPr marL="6350" marR="6350" marT="6350" marB="0" anchor="b"/>
+                </a:tc>
+                <a:tc>
+                  <a:txBody>
+                    <a:bodyPr/>
+                    <a:lstStyle/>
+                    <a:p>
+                      <a:pPr algn="r" fontAlgn="b"/>
+                      <a:r>
+                        <a:rPr lang="en-GB" sz="1600" b="0" i="0" u="none" strike="noStrike">
+                          <a:solidFill>
+                            <a:srgbClr val="000000"/>
+                          </a:solidFill>
+                          <a:effectLst/>
+                          <a:latin typeface="Calibri" panose="020F0502020204030204" pitchFamily="34" charset="0"/>
+                        </a:rPr>
+                        <a:t>0.0000</a:t>
+                      </a:r>
+                    </a:p>
+                  </a:txBody>
+                  <a:tcPr marL="6350" marR="6350" marT="6350" marB="0" anchor="b"/>
+                </a:tc>
+                <a:extLst>
+                  <a:ext uri="{0D108BD9-81ED-4DB2-BD59-A6C34878D82A}">
+                    <a16:rowId xmlns:a16="http://schemas.microsoft.com/office/drawing/2014/main" val="10003"/>
+                  </a:ext>
+                </a:extLst>
+              </a:tr>
+              <a:tr h="302357">
+                <a:tc vMerge="1">
+                  <a:txBody>
+                    <a:bodyPr/>
+                    <a:lstStyle/>
+                    <a:p>
+                      <a:endParaRPr lang="en-US"/>
+                    </a:p>
+                  </a:txBody>
+                  <a:tcPr/>
+                </a:tc>
+                <a:tc>
+                  <a:txBody>
+                    <a:bodyPr/>
+                    <a:lstStyle/>
+                    <a:p>
+                      <a:pPr algn="l" fontAlgn="b"/>
+                      <a:r>
+                        <a:rPr lang="en-GB" sz="1600" b="0" i="0" u="none" strike="noStrike" dirty="0">
+                          <a:solidFill>
+                            <a:srgbClr val="000000"/>
+                          </a:solidFill>
+                          <a:effectLst/>
+                          <a:latin typeface="Calibri" panose="020F0502020204030204" pitchFamily="34" charset="0"/>
+                        </a:rPr>
+                        <a:t>auxiliary03   </a:t>
+                      </a:r>
+                    </a:p>
+                  </a:txBody>
+                  <a:tcPr marL="6350" marR="6350" marT="6350" marB="0" anchor="b"/>
+                </a:tc>
+                <a:tc>
+                  <a:txBody>
+                    <a:bodyPr/>
+                    <a:lstStyle/>
+                    <a:p>
+                      <a:pPr algn="r" fontAlgn="b"/>
+                      <a:r>
+                        <a:rPr lang="en-GB" sz="1600" b="0" i="0" u="none" strike="noStrike" dirty="0">
+                          <a:solidFill>
+                            <a:srgbClr val="000000"/>
+                          </a:solidFill>
+                          <a:effectLst/>
+                          <a:latin typeface="Calibri" panose="020F0502020204030204" pitchFamily="34" charset="0"/>
+                        </a:rPr>
+                        <a:t>0.1442</a:t>
+                      </a:r>
+                    </a:p>
+                  </a:txBody>
+                  <a:tcPr marL="6350" marR="6350" marT="6350" marB="0" anchor="b"/>
+                </a:tc>
+                <a:tc>
+                  <a:txBody>
+                    <a:bodyPr/>
+                    <a:lstStyle/>
+                    <a:p>
+                      <a:pPr algn="r" fontAlgn="b"/>
+                      <a:r>
+                        <a:rPr lang="en-GB" sz="1600" b="0" i="0" u="none" strike="noStrike" dirty="0">
+                          <a:solidFill>
+                            <a:srgbClr val="000000"/>
+                          </a:solidFill>
+                          <a:effectLst/>
+                          <a:latin typeface="Calibri" panose="020F0502020204030204" pitchFamily="34" charset="0"/>
+                        </a:rPr>
+                        <a:t>0.01</a:t>
+                      </a:r>
+                    </a:p>
+                  </a:txBody>
+                  <a:tcPr marL="6350" marR="6350" marT="6350" marB="0" anchor="b"/>
+                </a:tc>
+                <a:tc>
+                  <a:txBody>
+                    <a:bodyPr/>
+                    <a:lstStyle/>
+                    <a:p>
+                      <a:pPr algn="r" fontAlgn="b"/>
+                      <a:r>
+                        <a:rPr lang="en-GB" sz="1600" b="0" i="0" u="none" strike="noStrike">
+                          <a:solidFill>
+                            <a:srgbClr val="000000"/>
+                          </a:solidFill>
+                          <a:effectLst/>
+                          <a:latin typeface="Calibri" panose="020F0502020204030204" pitchFamily="34" charset="0"/>
+                        </a:rPr>
+                        <a:t>0.0000</a:t>
+                      </a:r>
+                    </a:p>
+                  </a:txBody>
+                  <a:tcPr marL="6350" marR="6350" marT="6350" marB="0" anchor="b"/>
+                </a:tc>
+                <a:extLst>
+                  <a:ext uri="{0D108BD9-81ED-4DB2-BD59-A6C34878D82A}">
+                    <a16:rowId xmlns:a16="http://schemas.microsoft.com/office/drawing/2014/main" val="10004"/>
+                  </a:ext>
+                </a:extLst>
+              </a:tr>
+              <a:tr h="302357">
+                <a:tc vMerge="1">
+                  <a:txBody>
+                    <a:bodyPr/>
+                    <a:lstStyle/>
+                    <a:p>
+                      <a:endParaRPr lang="en-US"/>
+                    </a:p>
+                  </a:txBody>
+                  <a:tcPr/>
+                </a:tc>
+                <a:tc>
+                  <a:txBody>
+                    <a:bodyPr/>
+                    <a:lstStyle/>
+                    <a:p>
+                      <a:pPr algn="l" fontAlgn="b"/>
+                      <a:r>
+                        <a:rPr lang="en-GB" sz="1600" b="0" i="0" u="none" strike="noStrike" dirty="0">
+                          <a:solidFill>
+                            <a:srgbClr val="000000"/>
+                          </a:solidFill>
+                          <a:effectLst/>
+                          <a:latin typeface="Calibri" panose="020F0502020204030204" pitchFamily="34" charset="0"/>
+                        </a:rPr>
+                        <a:t>eandg02        </a:t>
+                      </a:r>
+                    </a:p>
+                  </a:txBody>
+                  <a:tcPr marL="6350" marR="6350" marT="6350" marB="0" anchor="b"/>
+                </a:tc>
+                <a:tc>
+                  <a:txBody>
+                    <a:bodyPr/>
+                    <a:lstStyle/>
+                    <a:p>
+                      <a:pPr algn="r" fontAlgn="b"/>
+                      <a:r>
+                        <a:rPr lang="en-GB" sz="1600" b="0" i="0" u="none" strike="noStrike" dirty="0">
+                          <a:solidFill>
+                            <a:srgbClr val="000000"/>
+                          </a:solidFill>
+                          <a:effectLst/>
+                          <a:latin typeface="Calibri" panose="020F0502020204030204" pitchFamily="34" charset="0"/>
+                        </a:rPr>
+                        <a:t>0.1762</a:t>
+                      </a:r>
+                    </a:p>
+                  </a:txBody>
+                  <a:tcPr marL="6350" marR="6350" marT="6350" marB="0" anchor="b"/>
+                </a:tc>
+                <a:tc>
+                  <a:txBody>
+                    <a:bodyPr/>
+                    <a:lstStyle/>
+                    <a:p>
+                      <a:pPr algn="r" fontAlgn="b"/>
+                      <a:r>
+                        <a:rPr lang="en-GB" sz="1600" b="0" i="0" u="none" strike="noStrike" dirty="0">
+                          <a:solidFill>
+                            <a:srgbClr val="000000"/>
+                          </a:solidFill>
+                          <a:effectLst/>
+                          <a:latin typeface="Calibri" panose="020F0502020204030204" pitchFamily="34" charset="0"/>
+                        </a:rPr>
+                        <a:t>0.0099</a:t>
+                      </a:r>
+                    </a:p>
+                  </a:txBody>
+                  <a:tcPr marL="6350" marR="6350" marT="6350" marB="0" anchor="b"/>
+                </a:tc>
+                <a:tc>
+                  <a:txBody>
+                    <a:bodyPr/>
+                    <a:lstStyle/>
+                    <a:p>
+                      <a:pPr algn="r" fontAlgn="b"/>
+                      <a:r>
+                        <a:rPr lang="en-GB" sz="1600" b="0" i="0" u="none" strike="noStrike" dirty="0">
+                          <a:solidFill>
+                            <a:srgbClr val="000000"/>
+                          </a:solidFill>
+                          <a:effectLst/>
+                          <a:latin typeface="Calibri" panose="020F0502020204030204" pitchFamily="34" charset="0"/>
+                        </a:rPr>
+                        <a:t>0.0000</a:t>
+                      </a:r>
+                    </a:p>
+                  </a:txBody>
+                  <a:tcPr marL="6350" marR="6350" marT="6350" marB="0" anchor="b"/>
+                </a:tc>
+                <a:extLst>
+                  <a:ext uri="{0D108BD9-81ED-4DB2-BD59-A6C34878D82A}">
+                    <a16:rowId xmlns:a16="http://schemas.microsoft.com/office/drawing/2014/main" val="10005"/>
+                  </a:ext>
+                </a:extLst>
+              </a:tr>
+              <a:tr h="302357">
+                <a:tc rowSpan="5">
+                  <a:txBody>
+                    <a:bodyPr/>
+                    <a:lstStyle/>
+                    <a:p>
+                      <a:pPr algn="ctr" fontAlgn="ctr"/>
+                      <a:r>
+                        <a:rPr lang="en-US" sz="1600" b="1" u="none" strike="noStrike" dirty="0">
+                          <a:effectLst/>
+                        </a:rPr>
+                        <a:t>Bachelor's Degrees per FTE</a:t>
+                      </a:r>
+                      <a:endParaRPr lang="en-US" sz="1600" b="1" i="0" u="none" strike="noStrike" dirty="0">
+                        <a:solidFill>
+                          <a:srgbClr val="000000"/>
+                        </a:solidFill>
+                        <a:effectLst/>
+                        <a:latin typeface="Calibri" charset="0"/>
+                      </a:endParaRPr>
+                    </a:p>
+                  </a:txBody>
+                  <a:tcPr marL="2812" marR="2812" marT="2812" marB="0" anchor="ctr"/>
+                </a:tc>
+                <a:tc>
+                  <a:txBody>
+                    <a:bodyPr/>
+                    <a:lstStyle/>
+                    <a:p>
+                      <a:pPr algn="l" fontAlgn="b"/>
+                      <a:endParaRPr lang="en-US" sz="1600" b="0" i="0" u="none" strike="noStrike" dirty="0">
+                        <a:solidFill>
+                          <a:srgbClr val="000000"/>
+                        </a:solidFill>
+                        <a:effectLst/>
+                        <a:latin typeface="Calibri" charset="0"/>
+                      </a:endParaRPr>
+                    </a:p>
+                  </a:txBody>
+                  <a:tcPr marL="2812" marR="2812" marT="2812" marB="0" anchor="b"/>
+                </a:tc>
+                <a:tc>
+                  <a:txBody>
+                    <a:bodyPr/>
+                    <a:lstStyle/>
+                    <a:p>
+                      <a:pPr algn="r" fontAlgn="b"/>
+                      <a:endParaRPr lang="mr-IN" sz="1600" b="0" i="0" u="none" strike="noStrike" dirty="0">
+                        <a:solidFill>
+                          <a:srgbClr val="000000"/>
+                        </a:solidFill>
+                        <a:effectLst/>
+                        <a:latin typeface="Lucida Grande" charset="0"/>
+                      </a:endParaRPr>
+                    </a:p>
+                  </a:txBody>
+                  <a:tcPr marL="2812" marR="2812" marT="2812" marB="0" anchor="b"/>
+                </a:tc>
+                <a:tc>
+                  <a:txBody>
+                    <a:bodyPr/>
+                    <a:lstStyle/>
+                    <a:p>
+                      <a:pPr algn="r" fontAlgn="b"/>
+                      <a:endParaRPr lang="mr-IN" sz="1600" b="0" i="0" u="none" strike="noStrike">
+                        <a:solidFill>
+                          <a:srgbClr val="000000"/>
+                        </a:solidFill>
+                        <a:effectLst/>
+                        <a:latin typeface="Lucida Grande" charset="0"/>
+                      </a:endParaRPr>
+                    </a:p>
+                  </a:txBody>
+                  <a:tcPr marL="2812" marR="2812" marT="2812" marB="0" anchor="b"/>
+                </a:tc>
+                <a:tc>
+                  <a:txBody>
+                    <a:bodyPr/>
+                    <a:lstStyle/>
+                    <a:p>
+                      <a:pPr algn="r" fontAlgn="b"/>
+                      <a:endParaRPr lang="is-IS" sz="1600" b="0" i="0" u="none" strike="noStrike">
+                        <a:solidFill>
+                          <a:srgbClr val="000000"/>
+                        </a:solidFill>
+                        <a:effectLst/>
+                        <a:latin typeface="Lucida Grande" charset="0"/>
+                      </a:endParaRPr>
+                    </a:p>
+                  </a:txBody>
+                  <a:tcPr marL="2812" marR="2812" marT="2812" marB="0" anchor="b"/>
+                </a:tc>
+                <a:extLst>
+                  <a:ext uri="{0D108BD9-81ED-4DB2-BD59-A6C34878D82A}">
+                    <a16:rowId xmlns:a16="http://schemas.microsoft.com/office/drawing/2014/main" val="10006"/>
+                  </a:ext>
+                </a:extLst>
+              </a:tr>
+              <a:tr h="302357">
+                <a:tc vMerge="1">
+                  <a:txBody>
+                    <a:bodyPr/>
+                    <a:lstStyle/>
+                    <a:p>
+                      <a:pPr algn="ctr" fontAlgn="ctr"/>
+                      <a:endParaRPr lang="en-US" sz="1600" b="1" i="0" u="none" strike="noStrike" dirty="0">
+                        <a:solidFill>
+                          <a:srgbClr val="000000"/>
+                        </a:solidFill>
+                        <a:effectLst/>
+                        <a:latin typeface="Calibri" charset="0"/>
+                      </a:endParaRPr>
+                    </a:p>
+                  </a:txBody>
+                  <a:tcPr marL="2812" marR="2812" marT="2812" marB="0" anchor="ctr"/>
+                </a:tc>
+                <a:tc>
+                  <a:txBody>
+                    <a:bodyPr/>
+                    <a:lstStyle/>
+                    <a:p>
+                      <a:pPr algn="l" fontAlgn="b"/>
+                      <a:endParaRPr lang="en-US" sz="1600" b="0" i="0" u="none" strike="noStrike" dirty="0">
+                        <a:solidFill>
+                          <a:schemeClr val="accent6">
+                            <a:lumMod val="75000"/>
+                          </a:schemeClr>
+                        </a:solidFill>
+                        <a:effectLst/>
+                        <a:latin typeface="Calibri" charset="0"/>
+                      </a:endParaRPr>
+                    </a:p>
+                  </a:txBody>
+                  <a:tcPr marL="2812" marR="2812" marT="2812" marB="0" anchor="b"/>
+                </a:tc>
+                <a:tc>
+                  <a:txBody>
+                    <a:bodyPr/>
+                    <a:lstStyle/>
+                    <a:p>
+                      <a:pPr algn="r" fontAlgn="b"/>
+                      <a:endParaRPr lang="mr-IN" sz="1600" b="0" i="0" u="none" strike="noStrike" dirty="0">
+                        <a:solidFill>
+                          <a:schemeClr val="accent6">
+                            <a:lumMod val="75000"/>
+                          </a:schemeClr>
+                        </a:solidFill>
+                        <a:effectLst/>
+                        <a:latin typeface="Lucida Grande" charset="0"/>
+                      </a:endParaRPr>
+                    </a:p>
+                  </a:txBody>
+                  <a:tcPr marL="2812" marR="2812" marT="2812" marB="0" anchor="b"/>
+                </a:tc>
+                <a:tc>
+                  <a:txBody>
+                    <a:bodyPr/>
+                    <a:lstStyle/>
+                    <a:p>
+                      <a:pPr algn="r" fontAlgn="b"/>
+                      <a:endParaRPr lang="mr-IN" sz="1600" b="0" i="0" u="none" strike="noStrike" dirty="0">
+                        <a:solidFill>
+                          <a:schemeClr val="accent6">
+                            <a:lumMod val="75000"/>
+                          </a:schemeClr>
+                        </a:solidFill>
+                        <a:effectLst/>
+                        <a:latin typeface="Lucida Grande" charset="0"/>
+                      </a:endParaRPr>
+                    </a:p>
+                  </a:txBody>
+                  <a:tcPr marL="2812" marR="2812" marT="2812" marB="0" anchor="b"/>
+                </a:tc>
+                <a:tc>
+                  <a:txBody>
+                    <a:bodyPr/>
+                    <a:lstStyle/>
+                    <a:p>
+                      <a:pPr algn="r" fontAlgn="b"/>
+                      <a:endParaRPr lang="en-US" sz="1600" b="0" i="0" u="none" strike="noStrike" dirty="0">
+                        <a:solidFill>
+                          <a:schemeClr val="accent6">
+                            <a:lumMod val="75000"/>
+                          </a:schemeClr>
+                        </a:solidFill>
+                        <a:effectLst/>
+                        <a:latin typeface="Lucida Grande" charset="0"/>
+                      </a:endParaRPr>
+                    </a:p>
+                  </a:txBody>
+                  <a:tcPr marL="2812" marR="2812" marT="2812" marB="0" anchor="b"/>
+                </a:tc>
+                <a:extLst>
+                  <a:ext uri="{0D108BD9-81ED-4DB2-BD59-A6C34878D82A}">
+                    <a16:rowId xmlns:a16="http://schemas.microsoft.com/office/drawing/2014/main" val="10007"/>
+                  </a:ext>
+                </a:extLst>
+              </a:tr>
+              <a:tr h="302357">
+                <a:tc vMerge="1">
+                  <a:txBody>
+                    <a:bodyPr/>
+                    <a:lstStyle/>
+                    <a:p>
+                      <a:pPr algn="ctr" fontAlgn="ctr"/>
+                      <a:endParaRPr lang="en-US" sz="1600" b="1" i="0" u="none" strike="noStrike" dirty="0">
+                        <a:solidFill>
+                          <a:srgbClr val="000000"/>
+                        </a:solidFill>
+                        <a:effectLst/>
+                        <a:latin typeface="Calibri" charset="0"/>
+                      </a:endParaRPr>
+                    </a:p>
+                  </a:txBody>
+                  <a:tcPr marL="2812" marR="2812" marT="2812" marB="0" anchor="ctr"/>
+                </a:tc>
+                <a:tc>
+                  <a:txBody>
+                    <a:bodyPr/>
+                    <a:lstStyle/>
+                    <a:p>
+                      <a:pPr algn="l" fontAlgn="b"/>
+                      <a:endParaRPr lang="en-US" sz="1600" b="0" i="0" u="none" strike="noStrike" dirty="0">
+                        <a:solidFill>
+                          <a:srgbClr val="FF0000"/>
+                        </a:solidFill>
+                        <a:effectLst/>
+                        <a:latin typeface="Calibri" charset="0"/>
+                      </a:endParaRPr>
+                    </a:p>
+                  </a:txBody>
+                  <a:tcPr marL="2812" marR="2812" marT="2812" marB="0" anchor="b"/>
+                </a:tc>
+                <a:tc>
+                  <a:txBody>
+                    <a:bodyPr/>
+                    <a:lstStyle/>
+                    <a:p>
+                      <a:pPr algn="r" fontAlgn="b"/>
+                      <a:endParaRPr lang="mr-IN" sz="1600" b="0" i="0" u="none" strike="noStrike" dirty="0">
+                        <a:solidFill>
+                          <a:srgbClr val="FF0000"/>
+                        </a:solidFill>
+                        <a:effectLst/>
+                        <a:latin typeface="Lucida Grande" charset="0"/>
+                      </a:endParaRPr>
+                    </a:p>
+                  </a:txBody>
+                  <a:tcPr marL="2812" marR="2812" marT="2812" marB="0" anchor="b"/>
+                </a:tc>
+                <a:tc>
+                  <a:txBody>
+                    <a:bodyPr/>
+                    <a:lstStyle/>
+                    <a:p>
+                      <a:pPr algn="r" fontAlgn="b"/>
+                      <a:endParaRPr lang="mr-IN" sz="1600" b="0" i="0" u="none" strike="noStrike" dirty="0">
+                        <a:solidFill>
+                          <a:srgbClr val="FF0000"/>
+                        </a:solidFill>
+                        <a:effectLst/>
+                        <a:latin typeface="Lucida Grande" charset="0"/>
+                      </a:endParaRPr>
+                    </a:p>
+                  </a:txBody>
+                  <a:tcPr marL="2812" marR="2812" marT="2812" marB="0" anchor="b"/>
+                </a:tc>
+                <a:tc>
+                  <a:txBody>
+                    <a:bodyPr/>
+                    <a:lstStyle/>
+                    <a:p>
+                      <a:pPr algn="r" fontAlgn="b"/>
+                      <a:endParaRPr lang="is-IS" sz="1600" b="0" i="0" u="none" strike="noStrike" dirty="0">
+                        <a:solidFill>
+                          <a:srgbClr val="FF0000"/>
+                        </a:solidFill>
+                        <a:effectLst/>
+                        <a:latin typeface="Lucida Grande" charset="0"/>
+                      </a:endParaRPr>
+                    </a:p>
+                  </a:txBody>
+                  <a:tcPr marL="2812" marR="2812" marT="2812" marB="0" anchor="b"/>
+                </a:tc>
+                <a:extLst>
+                  <a:ext uri="{0D108BD9-81ED-4DB2-BD59-A6C34878D82A}">
+                    <a16:rowId xmlns:a16="http://schemas.microsoft.com/office/drawing/2014/main" val="10008"/>
+                  </a:ext>
+                </a:extLst>
+              </a:tr>
+              <a:tr h="302357">
+                <a:tc vMerge="1">
+                  <a:txBody>
+                    <a:bodyPr/>
+                    <a:lstStyle/>
+                    <a:p>
+                      <a:pPr algn="ctr" fontAlgn="ctr"/>
+                      <a:endParaRPr lang="en-US" sz="1600" b="1" i="0" u="none" strike="noStrike" dirty="0">
+                        <a:solidFill>
+                          <a:srgbClr val="000000"/>
+                        </a:solidFill>
+                        <a:effectLst/>
+                        <a:latin typeface="Calibri" charset="0"/>
+                      </a:endParaRPr>
+                    </a:p>
+                  </a:txBody>
+                  <a:tcPr marL="2812" marR="2812" marT="2812" marB="0" anchor="ctr"/>
+                </a:tc>
+                <a:tc>
+                  <a:txBody>
+                    <a:bodyPr/>
+                    <a:lstStyle/>
+                    <a:p>
+                      <a:pPr algn="l" fontAlgn="b"/>
+                      <a:endParaRPr lang="en-US" sz="1600" b="0" i="0" u="none" strike="noStrike" dirty="0">
+                        <a:solidFill>
+                          <a:srgbClr val="000000"/>
+                        </a:solidFill>
+                        <a:effectLst/>
+                        <a:latin typeface="Calibri" charset="0"/>
+                      </a:endParaRPr>
+                    </a:p>
+                  </a:txBody>
+                  <a:tcPr marL="2812" marR="2812" marT="2812" marB="0" anchor="b"/>
+                </a:tc>
+                <a:tc>
+                  <a:txBody>
+                    <a:bodyPr/>
+                    <a:lstStyle/>
+                    <a:p>
+                      <a:pPr algn="r" fontAlgn="b"/>
+                      <a:endParaRPr lang="mr-IN" sz="1600" b="0" i="0" u="none" strike="noStrike" dirty="0">
+                        <a:solidFill>
+                          <a:srgbClr val="000000"/>
+                        </a:solidFill>
+                        <a:effectLst/>
+                        <a:latin typeface="Lucida Grande" charset="0"/>
+                      </a:endParaRPr>
+                    </a:p>
+                  </a:txBody>
+                  <a:tcPr marL="2812" marR="2812" marT="2812" marB="0" anchor="b"/>
+                </a:tc>
+                <a:tc>
+                  <a:txBody>
+                    <a:bodyPr/>
+                    <a:lstStyle/>
+                    <a:p>
+                      <a:pPr algn="r" fontAlgn="b"/>
+                      <a:endParaRPr lang="mr-IN" sz="1600" b="0" i="0" u="none" strike="noStrike" dirty="0">
+                        <a:solidFill>
+                          <a:srgbClr val="000000"/>
+                        </a:solidFill>
+                        <a:effectLst/>
+                        <a:latin typeface="Lucida Grande" charset="0"/>
+                      </a:endParaRPr>
+                    </a:p>
+                  </a:txBody>
+                  <a:tcPr marL="2812" marR="2812" marT="2812" marB="0" anchor="b"/>
+                </a:tc>
+                <a:tc>
+                  <a:txBody>
+                    <a:bodyPr/>
+                    <a:lstStyle/>
+                    <a:p>
+                      <a:pPr algn="r" fontAlgn="b"/>
+                      <a:endParaRPr lang="nb-NO" sz="1600" b="0" i="0" u="none" strike="noStrike" dirty="0">
+                        <a:solidFill>
+                          <a:srgbClr val="000000"/>
+                        </a:solidFill>
+                        <a:effectLst/>
+                        <a:latin typeface="Lucida Grande" charset="0"/>
+                      </a:endParaRPr>
+                    </a:p>
+                  </a:txBody>
+                  <a:tcPr marL="2812" marR="2812" marT="2812" marB="0" anchor="b"/>
+                </a:tc>
+                <a:extLst>
+                  <a:ext uri="{0D108BD9-81ED-4DB2-BD59-A6C34878D82A}">
+                    <a16:rowId xmlns:a16="http://schemas.microsoft.com/office/drawing/2014/main" val="10009"/>
+                  </a:ext>
+                </a:extLst>
+              </a:tr>
+              <a:tr h="302357">
+                <a:tc vMerge="1">
+                  <a:txBody>
+                    <a:bodyPr/>
+                    <a:lstStyle/>
+                    <a:p>
+                      <a:pPr algn="ctr" fontAlgn="ctr"/>
+                      <a:endParaRPr lang="en-US" sz="1600" b="1" i="0" u="none" strike="noStrike" dirty="0">
+                        <a:solidFill>
+                          <a:srgbClr val="000000"/>
+                        </a:solidFill>
+                        <a:effectLst/>
+                        <a:latin typeface="Calibri" charset="0"/>
+                      </a:endParaRPr>
+                    </a:p>
+                  </a:txBody>
+                  <a:tcPr marL="2812" marR="2812" marT="2812" marB="0" anchor="ctr"/>
+                </a:tc>
+                <a:tc>
+                  <a:txBody>
+                    <a:bodyPr/>
+                    <a:lstStyle/>
+                    <a:p>
+                      <a:pPr algn="l" fontAlgn="b"/>
+                      <a:endParaRPr lang="en-US" sz="1600" b="0" i="0" u="none" strike="noStrike" dirty="0">
+                        <a:solidFill>
+                          <a:srgbClr val="000000"/>
+                        </a:solidFill>
+                        <a:effectLst/>
+                        <a:latin typeface="Calibri" charset="0"/>
+                      </a:endParaRPr>
+                    </a:p>
+                  </a:txBody>
+                  <a:tcPr marL="2812" marR="2812" marT="2812" marB="0" anchor="b"/>
+                </a:tc>
+                <a:tc>
+                  <a:txBody>
+                    <a:bodyPr/>
+                    <a:lstStyle/>
+                    <a:p>
+                      <a:pPr algn="r" fontAlgn="b"/>
+                      <a:endParaRPr lang="mr-IN" sz="1600" b="0" i="0" u="none" strike="noStrike" dirty="0">
+                        <a:solidFill>
+                          <a:srgbClr val="000000"/>
+                        </a:solidFill>
+                        <a:effectLst/>
+                        <a:latin typeface="Lucida Grande" charset="0"/>
+                      </a:endParaRPr>
+                    </a:p>
+                  </a:txBody>
+                  <a:tcPr marL="2812" marR="2812" marT="2812" marB="0" anchor="b"/>
+                </a:tc>
+                <a:tc>
+                  <a:txBody>
+                    <a:bodyPr/>
+                    <a:lstStyle/>
+                    <a:p>
+                      <a:pPr algn="r" fontAlgn="b"/>
+                      <a:endParaRPr lang="mr-IN" sz="1600" b="0" i="0" u="none" strike="noStrike" dirty="0">
+                        <a:solidFill>
+                          <a:srgbClr val="000000"/>
+                        </a:solidFill>
+                        <a:effectLst/>
+                        <a:latin typeface="Lucida Grande" charset="0"/>
+                      </a:endParaRPr>
+                    </a:p>
+                  </a:txBody>
+                  <a:tcPr marL="2812" marR="2812" marT="2812" marB="0" anchor="b"/>
+                </a:tc>
+                <a:tc>
+                  <a:txBody>
+                    <a:bodyPr/>
+                    <a:lstStyle/>
+                    <a:p>
+                      <a:pPr algn="r" fontAlgn="b"/>
+                      <a:endParaRPr lang="is-IS" sz="1600" b="0" i="0" u="none" strike="noStrike" dirty="0">
+                        <a:solidFill>
+                          <a:srgbClr val="000000"/>
+                        </a:solidFill>
+                        <a:effectLst/>
+                        <a:latin typeface="Lucida Grande" charset="0"/>
+                      </a:endParaRPr>
+                    </a:p>
+                  </a:txBody>
+                  <a:tcPr marL="2812" marR="2812" marT="2812" marB="0" anchor="b"/>
+                </a:tc>
+                <a:extLst>
+                  <a:ext uri="{0D108BD9-81ED-4DB2-BD59-A6C34878D82A}">
+                    <a16:rowId xmlns:a16="http://schemas.microsoft.com/office/drawing/2014/main" val="10010"/>
+                  </a:ext>
+                </a:extLst>
+              </a:tr>
+            </a:tbl>
+          </a:graphicData>
+        </a:graphic>
+      </p:graphicFrame>
+    </p:spTree>
+    <p:extLst>
+      <p:ext uri="{BB962C8B-B14F-4D97-AF65-F5344CB8AC3E}">
+        <p14:creationId xmlns:p14="http://schemas.microsoft.com/office/powerpoint/2010/main" val="263541384"/>
+      </p:ext>
+    </p:extLst>
+  </p:cSld>
+  <p:clrMapOvr>
+    <a:masterClrMapping/>
+  </p:clrMapOvr>
+</p:sld>
+</file>
+
+<file path=ppt/slides/slide14.xml><?xml version="1.0" encoding="utf-8"?>
+<p:sld xmlns:a="http://schemas.openxmlformats.org/drawingml/2006/main" xmlns:r="http://schemas.openxmlformats.org/officeDocument/2006/relationships" xmlns:p="http://schemas.openxmlformats.org/presentationml/2006/main">
+  <p:cSld>
+    <p:spTree>
+      <p:nvGrpSpPr>
+        <p:cNvPr id="1" name=""/>
+        <p:cNvGrpSpPr/>
+        <p:nvPr/>
+      </p:nvGrpSpPr>
+      <p:grpSpPr>
+        <a:xfrm>
+          <a:off x="0" y="0"/>
+          <a:ext cx="0" cy="0"/>
+          <a:chOff x="0" y="0"/>
+          <a:chExt cx="0" cy="0"/>
+        </a:xfrm>
+      </p:grpSpPr>
+      <p:sp>
+        <p:nvSpPr>
+          <p:cNvPr id="2" name="Title 1">
+            <a:extLst>
+              <a:ext uri="{FF2B5EF4-FFF2-40B4-BE49-F238E27FC236}">
+                <a16:creationId xmlns:a16="http://schemas.microsoft.com/office/drawing/2014/main" id="{7703A585-CB34-4847-AABD-D8BF1C39D16B}"/>
+              </a:ext>
+            </a:extLst>
+          </p:cNvPr>
+          <p:cNvSpPr>
+            <a:spLocks noGrp="1"/>
+          </p:cNvSpPr>
+          <p:nvPr>
+            <p:ph type="title"/>
+          </p:nvPr>
+        </p:nvSpPr>
+        <p:spPr/>
+        <p:txBody>
+          <a:bodyPr/>
+          <a:lstStyle/>
+          <a:p>
+            <a:r>
+              <a:rPr lang="en-US" dirty="0"/>
+              <a:t>Approach 1 vs 2</a:t>
+            </a:r>
+            <a:endParaRPr lang="en-GB" dirty="0"/>
+          </a:p>
+        </p:txBody>
+      </p:sp>
+      <p:sp>
+        <p:nvSpPr>
+          <p:cNvPr id="3" name="Content Placeholder 2">
+            <a:extLst>
+              <a:ext uri="{FF2B5EF4-FFF2-40B4-BE49-F238E27FC236}">
+                <a16:creationId xmlns:a16="http://schemas.microsoft.com/office/drawing/2014/main" id="{65C12D36-4D81-4990-B646-20709CA0D106}"/>
+              </a:ext>
+            </a:extLst>
+          </p:cNvPr>
+          <p:cNvSpPr>
+            <a:spLocks noGrp="1"/>
+          </p:cNvSpPr>
+          <p:nvPr>
+            <p:ph idx="1"/>
+          </p:nvPr>
+        </p:nvSpPr>
+        <p:spPr/>
+        <p:txBody>
+          <a:bodyPr/>
+          <a:lstStyle/>
+          <a:p>
+            <a:r>
+              <a:rPr lang="en-US" dirty="0"/>
+              <a:t>Approach 1 gives interpretation in variables we are most interested in i.e. spending policies of schools</a:t>
+            </a:r>
+          </a:p>
+          <a:p>
+            <a:r>
+              <a:rPr lang="en-US" dirty="0"/>
+              <a:t>Approach 2 gives variables that are good predictors, but are of less substantive interest.</a:t>
+            </a:r>
+            <a:endParaRPr lang="en-GB" dirty="0"/>
+          </a:p>
+          <a:p>
+            <a:r>
+              <a:rPr lang="en-US" dirty="0"/>
+              <a:t>Clear correspondence between automatically selected variables and variables selected to control for known effects in Approach1</a:t>
+            </a:r>
+          </a:p>
+          <a:p>
+            <a:r>
+              <a:rPr lang="en-US" dirty="0" err="1"/>
+              <a:t>Approah</a:t>
+            </a:r>
+            <a:r>
+              <a:rPr lang="en-US" dirty="0"/>
+              <a:t> 2 in some sense justifies Approach 1?</a:t>
+            </a:r>
+          </a:p>
+        </p:txBody>
+      </p:sp>
+    </p:spTree>
+    <p:extLst>
+      <p:ext uri="{BB962C8B-B14F-4D97-AF65-F5344CB8AC3E}">
+        <p14:creationId xmlns:p14="http://schemas.microsoft.com/office/powerpoint/2010/main" val="2334208702"/>
       </p:ext>
     </p:extLst>
   </p:cSld>
@@ -3081,10 +6247,9 @@
           <a:lstStyle/>
           <a:p>
             <a:r>
-              <a:rPr lang="en-US" dirty="0" smtClean="0"/>
+              <a:rPr lang="en-US" dirty="0"/>
               <a:t>Dataset</a:t>
             </a:r>
-            <a:endParaRPr lang="en-US" dirty="0"/>
           </a:p>
         </p:txBody>
       </p:sp>
@@ -3106,29 +6271,23 @@
           <a:lstStyle/>
           <a:p>
             <a:r>
-              <a:rPr lang="en-US" dirty="0" smtClean="0"/>
+              <a:rPr lang="en-US" dirty="0"/>
               <a:t>Primarily Bachelor’s Degree-granting public 4-year institutions in the 50 states (plus DC)</a:t>
             </a:r>
           </a:p>
           <a:p>
             <a:r>
-              <a:rPr lang="en-US" dirty="0" smtClean="0"/>
+              <a:rPr lang="en-US" dirty="0"/>
               <a:t>13 years of data</a:t>
             </a:r>
             <a:r>
               <a:rPr lang="en-US" dirty="0">
                 <a:sym typeface="Wingdings"/>
               </a:rPr>
-              <a:t> </a:t>
+              <a:t> (</a:t>
             </a:r>
             <a:r>
-              <a:rPr lang="en-US" dirty="0" smtClean="0">
-                <a:sym typeface="Wingdings"/>
-              </a:rPr>
-              <a:t>(</a:t>
-            </a:r>
-            <a:r>
-              <a:rPr lang="en-US" dirty="0" smtClean="0"/>
+              <a:rPr lang="en-US" dirty="0"/>
               <a:t>Academic Years 2003-2015)</a:t>
             </a:r>
           </a:p>
@@ -3142,29 +6301,29 @@
             <a:endParaRPr lang="en-US" dirty="0"/>
           </a:p>
           <a:p>
-            <a:endParaRPr lang="en-US" dirty="0" smtClean="0"/>
-          </a:p>
-          <a:p>
             <a:endParaRPr lang="en-US" dirty="0"/>
           </a:p>
           <a:p>
+            <a:endParaRPr lang="en-US" dirty="0"/>
+          </a:p>
+          <a:p>
             <a:r>
-              <a:rPr lang="en-US" dirty="0" smtClean="0"/>
+              <a:rPr lang="en-US" dirty="0"/>
               <a:t>Data Source: </a:t>
             </a:r>
             <a:r>
-              <a:rPr lang="en-US" dirty="0" smtClean="0">
+              <a:rPr lang="en-US" dirty="0">
                 <a:hlinkClick r:id="rId2"/>
               </a:rPr>
               <a:t>https://www.deltacostproject.org/delta-cost-data</a:t>
             </a:r>
-            <a:endParaRPr lang="en-US" dirty="0" smtClean="0"/>
-          </a:p>
-          <a:p>
-            <a:endParaRPr lang="en-US" dirty="0" smtClean="0"/>
-          </a:p>
-          <a:p>
-            <a:endParaRPr lang="en-US" dirty="0" smtClean="0"/>
+            <a:endParaRPr lang="en-US" dirty="0"/>
+          </a:p>
+          <a:p>
+            <a:endParaRPr lang="en-US" dirty="0"/>
+          </a:p>
+          <a:p>
+            <a:endParaRPr lang="en-US" dirty="0"/>
           </a:p>
         </p:txBody>
       </p:sp>
@@ -3193,9 +6352,27 @@
                 <a:tableStyleId>{5C22544A-7EE6-4342-B048-85BDC9FD1C3A}</a:tableStyleId>
               </a:tblPr>
               <a:tblGrid>
-                <a:gridCol w="1307104"/>
-                <a:gridCol w="1622611"/>
-                <a:gridCol w="1667684"/>
+                <a:gridCol w="1307104">
+                  <a:extLst>
+                    <a:ext uri="{9D8B030D-6E8A-4147-A177-3AD203B41FA5}">
+                      <a16:colId xmlns:a16="http://schemas.microsoft.com/office/drawing/2014/main" val="20000"/>
+                    </a:ext>
+                  </a:extLst>
+                </a:gridCol>
+                <a:gridCol w="1622611">
+                  <a:extLst>
+                    <a:ext uri="{9D8B030D-6E8A-4147-A177-3AD203B41FA5}">
+                      <a16:colId xmlns:a16="http://schemas.microsoft.com/office/drawing/2014/main" val="20001"/>
+                    </a:ext>
+                  </a:extLst>
+                </a:gridCol>
+                <a:gridCol w="1667684">
+                  <a:extLst>
+                    <a:ext uri="{9D8B030D-6E8A-4147-A177-3AD203B41FA5}">
+                      <a16:colId xmlns:a16="http://schemas.microsoft.com/office/drawing/2014/main" val="20002"/>
+                    </a:ext>
+                  </a:extLst>
+                </a:gridCol>
               </a:tblGrid>
               <a:tr h="469702">
                 <a:tc>
@@ -3261,6 +6438,11 @@
                   </a:txBody>
                   <a:tcPr marL="6350" marR="6350" marT="6350" marB="0" anchor="b"/>
                 </a:tc>
+                <a:extLst>
+                  <a:ext uri="{0D108BD9-81ED-4DB2-BD59-A6C34878D82A}">
+                    <a16:rowId xmlns:a16="http://schemas.microsoft.com/office/drawing/2014/main" val="10000"/>
+                  </a:ext>
+                </a:extLst>
               </a:tr>
               <a:tr h="469702">
                 <a:tc>
@@ -3332,6 +6514,11 @@
                   </a:txBody>
                   <a:tcPr marL="6350" marR="6350" marT="6350" marB="0" anchor="b"/>
                 </a:tc>
+                <a:extLst>
+                  <a:ext uri="{0D108BD9-81ED-4DB2-BD59-A6C34878D82A}">
+                    <a16:rowId xmlns:a16="http://schemas.microsoft.com/office/drawing/2014/main" val="10001"/>
+                  </a:ext>
+                </a:extLst>
               </a:tr>
               <a:tr h="469702">
                 <a:tc>
@@ -3403,6 +6590,11 @@
                   </a:txBody>
                   <a:tcPr marL="6350" marR="6350" marT="6350" marB="0" anchor="b"/>
                 </a:tc>
+                <a:extLst>
+                  <a:ext uri="{0D108BD9-81ED-4DB2-BD59-A6C34878D82A}">
+                    <a16:rowId xmlns:a16="http://schemas.microsoft.com/office/drawing/2014/main" val="10002"/>
+                  </a:ext>
+                </a:extLst>
               </a:tr>
               <a:tr h="469702">
                 <a:tc>
@@ -3474,6 +6666,11 @@
                   </a:txBody>
                   <a:tcPr marL="6350" marR="6350" marT="6350" marB="0" anchor="b"/>
                 </a:tc>
+                <a:extLst>
+                  <a:ext uri="{0D108BD9-81ED-4DB2-BD59-A6C34878D82A}">
+                    <a16:rowId xmlns:a16="http://schemas.microsoft.com/office/drawing/2014/main" val="10003"/>
+                  </a:ext>
+                </a:extLst>
               </a:tr>
             </a:tbl>
           </a:graphicData>
@@ -3525,10 +6722,9 @@
           <a:lstStyle/>
           <a:p>
             <a:r>
-              <a:rPr lang="en-US" dirty="0" smtClean="0"/>
+              <a:rPr lang="en-US" dirty="0"/>
               <a:t>Outcomes</a:t>
             </a:r>
-            <a:endParaRPr lang="en-US" dirty="0"/>
           </a:p>
         </p:txBody>
       </p:sp>
@@ -3548,16 +6744,15 @@
           <a:lstStyle/>
           <a:p>
             <a:r>
-              <a:rPr lang="en-US" dirty="0" smtClean="0"/>
+              <a:rPr lang="en-US" dirty="0"/>
               <a:t>6-Year Graduation Rate</a:t>
             </a:r>
           </a:p>
           <a:p>
             <a:r>
-              <a:rPr lang="en-US" dirty="0" smtClean="0"/>
+              <a:rPr lang="en-US" dirty="0"/>
               <a:t>Number of Bachelor’s Degrees granted per Full-time Equivalent Student (FTE)</a:t>
             </a:r>
-            <a:endParaRPr lang="en-US" dirty="0"/>
           </a:p>
         </p:txBody>
       </p:sp>
@@ -3607,10 +6802,9 @@
           <a:lstStyle/>
           <a:p>
             <a:r>
-              <a:rPr lang="en-US" dirty="0" smtClean="0"/>
+              <a:rPr lang="en-US" dirty="0"/>
               <a:t>Two Approaches:</a:t>
             </a:r>
-            <a:endParaRPr lang="en-US" dirty="0"/>
           </a:p>
         </p:txBody>
       </p:sp>
@@ -3634,8 +6828,8 @@
               <a:buAutoNum type="arabicPeriod"/>
             </a:pPr>
             <a:r>
-              <a:rPr lang="en-US" dirty="0" smtClean="0"/>
-              <a:t>Examine the relationship between all types of expenditures and the two outcomes</a:t>
+              <a:rPr lang="en-US" dirty="0"/>
+              <a:t>Examine the relationship between all types of expenditures and the two outcomes, controlling for variables as per literature.</a:t>
             </a:r>
           </a:p>
           <a:p>
@@ -3643,7 +6837,7 @@
               <a:buFont typeface="+mj-lt"/>
               <a:buAutoNum type="arabicPeriod"/>
             </a:pPr>
-            <a:endParaRPr lang="en-US" dirty="0" smtClean="0"/>
+            <a:endParaRPr lang="en-US" dirty="0"/>
           </a:p>
           <a:p>
             <a:pPr marL="514350" indent="-514350">
@@ -3651,10 +6845,9 @@
               <a:buAutoNum type="arabicPeriod"/>
             </a:pPr>
             <a:r>
-              <a:rPr lang="en-US" dirty="0" smtClean="0"/>
-              <a:t>Find the expenditure-related variables that are the best predictors of the two outcomes</a:t>
+              <a:rPr lang="en-US" dirty="0"/>
+              <a:t>Treat as prediction problem; find variables that perform prediction well, and examine the relationships between these.</a:t>
             </a:r>
-            <a:endParaRPr lang="en-US" dirty="0"/>
           </a:p>
         </p:txBody>
       </p:sp>
@@ -3698,16 +6891,20 @@
             <p:ph type="title"/>
           </p:nvPr>
         </p:nvSpPr>
-        <p:spPr/>
+        <p:spPr>
+          <a:xfrm>
+            <a:off x="838200" y="365125"/>
+            <a:ext cx="10515600" cy="1325563"/>
+          </a:xfrm>
+        </p:spPr>
         <p:txBody>
           <a:bodyPr/>
           <a:lstStyle/>
           <a:p>
             <a:r>
-              <a:rPr lang="en-US" dirty="0" smtClean="0"/>
+              <a:rPr lang="en-US" dirty="0"/>
               <a:t>Approach 1: Variables Included</a:t>
             </a:r>
-            <a:endParaRPr lang="en-US" dirty="0"/>
           </a:p>
         </p:txBody>
       </p:sp>
@@ -3740,7 +6937,7 @@
               </a:spcBef>
             </a:pPr>
             <a:r>
-              <a:rPr lang="en-US" dirty="0" smtClean="0"/>
+              <a:rPr lang="en-US" dirty="0"/>
               <a:t>Included 9 types of expenditures</a:t>
             </a:r>
           </a:p>
@@ -3753,7 +6950,7 @@
                 <a:spcPts val="0"/>
               </a:spcBef>
             </a:pPr>
-            <a:endParaRPr lang="en-US" dirty="0" smtClean="0"/>
+            <a:endParaRPr lang="en-US" dirty="0"/>
           </a:p>
           <a:p>
             <a:pPr>
@@ -3765,10 +6962,9 @@
               </a:spcBef>
             </a:pPr>
             <a:r>
-              <a:rPr lang="en-US" dirty="0" smtClean="0"/>
+              <a:rPr lang="en-US" dirty="0"/>
               <a:t>Performed a literature review to identify other key variables to include in our models</a:t>
             </a:r>
-            <a:endParaRPr lang="en-US" dirty="0"/>
           </a:p>
         </p:txBody>
       </p:sp>
@@ -3797,8 +6993,20 @@
                 <a:tableStyleId>{5C22544A-7EE6-4342-B048-85BDC9FD1C3A}</a:tableStyleId>
               </a:tblPr>
               <a:tblGrid>
-                <a:gridCol w="1676870"/>
-                <a:gridCol w="3663480"/>
+                <a:gridCol w="1676870">
+                  <a:extLst>
+                    <a:ext uri="{9D8B030D-6E8A-4147-A177-3AD203B41FA5}">
+                      <a16:colId xmlns:a16="http://schemas.microsoft.com/office/drawing/2014/main" val="20000"/>
+                    </a:ext>
+                  </a:extLst>
+                </a:gridCol>
+                <a:gridCol w="3663480">
+                  <a:extLst>
+                    <a:ext uri="{9D8B030D-6E8A-4147-A177-3AD203B41FA5}">
+                      <a16:colId xmlns:a16="http://schemas.microsoft.com/office/drawing/2014/main" val="20001"/>
+                    </a:ext>
+                  </a:extLst>
+                </a:gridCol>
               </a:tblGrid>
               <a:tr h="231315">
                 <a:tc rowSpan="2">
@@ -3847,6 +7055,11 @@
                   </a:txBody>
                   <a:tcPr marL="6350" marR="6350" marT="6350" marB="0" anchor="b"/>
                 </a:tc>
+                <a:extLst>
+                  <a:ext uri="{0D108BD9-81ED-4DB2-BD59-A6C34878D82A}">
+                    <a16:rowId xmlns:a16="http://schemas.microsoft.com/office/drawing/2014/main" val="10000"/>
+                  </a:ext>
+                </a:extLst>
               </a:tr>
               <a:tr h="231315">
                 <a:tc vMerge="1">
@@ -3882,6 +7095,11 @@
                   </a:txBody>
                   <a:tcPr marL="6350" marR="6350" marT="6350" marB="0" anchor="b"/>
                 </a:tc>
+                <a:extLst>
+                  <a:ext uri="{0D108BD9-81ED-4DB2-BD59-A6C34878D82A}">
+                    <a16:rowId xmlns:a16="http://schemas.microsoft.com/office/drawing/2014/main" val="10001"/>
+                  </a:ext>
+                </a:extLst>
               </a:tr>
               <a:tr h="231315">
                 <a:tc rowSpan="6">
@@ -3930,6 +7148,11 @@
                   </a:txBody>
                   <a:tcPr marL="6350" marR="6350" marT="6350" marB="0" anchor="b"/>
                 </a:tc>
+                <a:extLst>
+                  <a:ext uri="{0D108BD9-81ED-4DB2-BD59-A6C34878D82A}">
+                    <a16:rowId xmlns:a16="http://schemas.microsoft.com/office/drawing/2014/main" val="10002"/>
+                  </a:ext>
+                </a:extLst>
               </a:tr>
               <a:tr h="231315">
                 <a:tc vMerge="1">
@@ -3965,6 +7188,11 @@
                   </a:txBody>
                   <a:tcPr marL="6350" marR="6350" marT="6350" marB="0" anchor="b"/>
                 </a:tc>
+                <a:extLst>
+                  <a:ext uri="{0D108BD9-81ED-4DB2-BD59-A6C34878D82A}">
+                    <a16:rowId xmlns:a16="http://schemas.microsoft.com/office/drawing/2014/main" val="10003"/>
+                  </a:ext>
+                </a:extLst>
               </a:tr>
               <a:tr h="231315">
                 <a:tc vMerge="1">
@@ -4000,6 +7228,11 @@
                   </a:txBody>
                   <a:tcPr marL="6350" marR="6350" marT="6350" marB="0" anchor="b"/>
                 </a:tc>
+                <a:extLst>
+                  <a:ext uri="{0D108BD9-81ED-4DB2-BD59-A6C34878D82A}">
+                    <a16:rowId xmlns:a16="http://schemas.microsoft.com/office/drawing/2014/main" val="10004"/>
+                  </a:ext>
+                </a:extLst>
               </a:tr>
               <a:tr h="231315">
                 <a:tc vMerge="1">
@@ -4035,6 +7268,11 @@
                   </a:txBody>
                   <a:tcPr marL="6350" marR="6350" marT="6350" marB="0" anchor="b"/>
                 </a:tc>
+                <a:extLst>
+                  <a:ext uri="{0D108BD9-81ED-4DB2-BD59-A6C34878D82A}">
+                    <a16:rowId xmlns:a16="http://schemas.microsoft.com/office/drawing/2014/main" val="10005"/>
+                  </a:ext>
+                </a:extLst>
               </a:tr>
               <a:tr h="231315">
                 <a:tc vMerge="1">
@@ -4070,6 +7308,11 @@
                   </a:txBody>
                   <a:tcPr marL="6350" marR="6350" marT="6350" marB="0" anchor="b"/>
                 </a:tc>
+                <a:extLst>
+                  <a:ext uri="{0D108BD9-81ED-4DB2-BD59-A6C34878D82A}">
+                    <a16:rowId xmlns:a16="http://schemas.microsoft.com/office/drawing/2014/main" val="10006"/>
+                  </a:ext>
+                </a:extLst>
               </a:tr>
               <a:tr h="231315">
                 <a:tc vMerge="1">
@@ -4105,6 +7348,11 @@
                   </a:txBody>
                   <a:tcPr marL="6350" marR="6350" marT="6350" marB="0" anchor="b"/>
                 </a:tc>
+                <a:extLst>
+                  <a:ext uri="{0D108BD9-81ED-4DB2-BD59-A6C34878D82A}">
+                    <a16:rowId xmlns:a16="http://schemas.microsoft.com/office/drawing/2014/main" val="10007"/>
+                  </a:ext>
+                </a:extLst>
               </a:tr>
               <a:tr h="231315">
                 <a:tc rowSpan="9">
@@ -4159,6 +7407,11 @@
                   </a:txBody>
                   <a:tcPr marL="6350" marR="6350" marT="6350" marB="0" anchor="b"/>
                 </a:tc>
+                <a:extLst>
+                  <a:ext uri="{0D108BD9-81ED-4DB2-BD59-A6C34878D82A}">
+                    <a16:rowId xmlns:a16="http://schemas.microsoft.com/office/drawing/2014/main" val="10008"/>
+                  </a:ext>
+                </a:extLst>
               </a:tr>
               <a:tr h="231315">
                 <a:tc vMerge="1">
@@ -4197,6 +7450,11 @@
                   </a:txBody>
                   <a:tcPr marL="6350" marR="6350" marT="6350" marB="0" anchor="b"/>
                 </a:tc>
+                <a:extLst>
+                  <a:ext uri="{0D108BD9-81ED-4DB2-BD59-A6C34878D82A}">
+                    <a16:rowId xmlns:a16="http://schemas.microsoft.com/office/drawing/2014/main" val="10009"/>
+                  </a:ext>
+                </a:extLst>
               </a:tr>
               <a:tr h="231315">
                 <a:tc vMerge="1">
@@ -4235,6 +7493,11 @@
                   </a:txBody>
                   <a:tcPr marL="6350" marR="6350" marT="6350" marB="0" anchor="b"/>
                 </a:tc>
+                <a:extLst>
+                  <a:ext uri="{0D108BD9-81ED-4DB2-BD59-A6C34878D82A}">
+                    <a16:rowId xmlns:a16="http://schemas.microsoft.com/office/drawing/2014/main" val="10010"/>
+                  </a:ext>
+                </a:extLst>
               </a:tr>
               <a:tr h="231315">
                 <a:tc vMerge="1">
@@ -4273,6 +7536,11 @@
                   </a:txBody>
                   <a:tcPr marL="6350" marR="6350" marT="6350" marB="0" anchor="b"/>
                 </a:tc>
+                <a:extLst>
+                  <a:ext uri="{0D108BD9-81ED-4DB2-BD59-A6C34878D82A}">
+                    <a16:rowId xmlns:a16="http://schemas.microsoft.com/office/drawing/2014/main" val="10011"/>
+                  </a:ext>
+                </a:extLst>
               </a:tr>
               <a:tr h="231315">
                 <a:tc vMerge="1">
@@ -4311,6 +7579,11 @@
                   </a:txBody>
                   <a:tcPr marL="6350" marR="6350" marT="6350" marB="0" anchor="b"/>
                 </a:tc>
+                <a:extLst>
+                  <a:ext uri="{0D108BD9-81ED-4DB2-BD59-A6C34878D82A}">
+                    <a16:rowId xmlns:a16="http://schemas.microsoft.com/office/drawing/2014/main" val="10012"/>
+                  </a:ext>
+                </a:extLst>
               </a:tr>
               <a:tr h="231315">
                 <a:tc vMerge="1">
@@ -4349,6 +7622,11 @@
                   </a:txBody>
                   <a:tcPr marL="6350" marR="6350" marT="6350" marB="0" anchor="b"/>
                 </a:tc>
+                <a:extLst>
+                  <a:ext uri="{0D108BD9-81ED-4DB2-BD59-A6C34878D82A}">
+                    <a16:rowId xmlns:a16="http://schemas.microsoft.com/office/drawing/2014/main" val="10013"/>
+                  </a:ext>
+                </a:extLst>
               </a:tr>
               <a:tr h="231315">
                 <a:tc vMerge="1">
@@ -4387,6 +7665,11 @@
                   </a:txBody>
                   <a:tcPr marL="6350" marR="6350" marT="6350" marB="0" anchor="b"/>
                 </a:tc>
+                <a:extLst>
+                  <a:ext uri="{0D108BD9-81ED-4DB2-BD59-A6C34878D82A}">
+                    <a16:rowId xmlns:a16="http://schemas.microsoft.com/office/drawing/2014/main" val="10014"/>
+                  </a:ext>
+                </a:extLst>
               </a:tr>
               <a:tr h="231315">
                 <a:tc vMerge="1">
@@ -4425,6 +7708,11 @@
                   </a:txBody>
                   <a:tcPr marL="6350" marR="6350" marT="6350" marB="0" anchor="b"/>
                 </a:tc>
+                <a:extLst>
+                  <a:ext uri="{0D108BD9-81ED-4DB2-BD59-A6C34878D82A}">
+                    <a16:rowId xmlns:a16="http://schemas.microsoft.com/office/drawing/2014/main" val="10015"/>
+                  </a:ext>
+                </a:extLst>
               </a:tr>
               <a:tr h="231315">
                 <a:tc vMerge="1">
@@ -4463,6 +7751,11 @@
                   </a:txBody>
                   <a:tcPr marL="6350" marR="6350" marT="6350" marB="0" anchor="b"/>
                 </a:tc>
+                <a:extLst>
+                  <a:ext uri="{0D108BD9-81ED-4DB2-BD59-A6C34878D82A}">
+                    <a16:rowId xmlns:a16="http://schemas.microsoft.com/office/drawing/2014/main" val="10016"/>
+                  </a:ext>
+                </a:extLst>
               </a:tr>
               <a:tr h="231315">
                 <a:tc rowSpan="2">
@@ -4511,6 +7804,11 @@
                   </a:txBody>
                   <a:tcPr marL="6350" marR="6350" marT="6350" marB="0" anchor="b"/>
                 </a:tc>
+                <a:extLst>
+                  <a:ext uri="{0D108BD9-81ED-4DB2-BD59-A6C34878D82A}">
+                    <a16:rowId xmlns:a16="http://schemas.microsoft.com/office/drawing/2014/main" val="10017"/>
+                  </a:ext>
+                </a:extLst>
               </a:tr>
               <a:tr h="231315">
                 <a:tc vMerge="1">
@@ -4546,6 +7844,11 @@
                   </a:txBody>
                   <a:tcPr marL="6350" marR="6350" marT="6350" marB="0" anchor="b"/>
                 </a:tc>
+                <a:extLst>
+                  <a:ext uri="{0D108BD9-81ED-4DB2-BD59-A6C34878D82A}">
+                    <a16:rowId xmlns:a16="http://schemas.microsoft.com/office/drawing/2014/main" val="10018"/>
+                  </a:ext>
+                </a:extLst>
               </a:tr>
             </a:tbl>
           </a:graphicData>
@@ -4597,10 +7900,9 @@
           <a:lstStyle/>
           <a:p>
             <a:r>
-              <a:rPr lang="en-US" dirty="0" smtClean="0"/>
+              <a:rPr lang="en-US" dirty="0"/>
               <a:t>Approach 1: Models</a:t>
             </a:r>
-            <a:endParaRPr lang="en-US" dirty="0"/>
           </a:p>
         </p:txBody>
       </p:sp>
@@ -4644,7 +7946,7 @@
               <a:defRPr/>
             </a:pPr>
             <a:r>
-              <a:rPr lang="en-US" dirty="0" smtClean="0"/>
+              <a:rPr lang="en-US" dirty="0"/>
               <a:t>7 Models for each outcome</a:t>
             </a:r>
           </a:p>
@@ -4678,7 +7980,7 @@
               </a:spcBef>
             </a:pPr>
             <a:r>
-              <a:rPr lang="en-US" dirty="0" smtClean="0"/>
+              <a:rPr lang="en-US" dirty="0"/>
               <a:t>Regular Regression (w/ and w/o interactions)</a:t>
             </a:r>
           </a:p>
@@ -4692,7 +7994,7 @@
               </a:spcBef>
             </a:pPr>
             <a:r>
-              <a:rPr lang="en-US" dirty="0" smtClean="0"/>
+              <a:rPr lang="en-US" dirty="0"/>
               <a:t>Lasso Regression (w/ and w/o interactions</a:t>
             </a:r>
           </a:p>
@@ -4706,7 +8008,7 @@
               </a:spcBef>
             </a:pPr>
             <a:r>
-              <a:rPr lang="en-US" dirty="0" smtClean="0"/>
+              <a:rPr lang="en-US" dirty="0"/>
               <a:t>Ridge Regression (w/ and w/o interactions)</a:t>
             </a:r>
           </a:p>
@@ -4720,7 +8022,7 @@
               </a:spcBef>
             </a:pPr>
             <a:r>
-              <a:rPr lang="en-US" dirty="0" smtClean="0"/>
+              <a:rPr lang="en-US" dirty="0"/>
               <a:t>Gaussian Kernel Regression</a:t>
             </a:r>
           </a:p>
@@ -4755,13 +8057,13 @@
           <p:nvPr>
             <p:extLst>
               <p:ext uri="{D42A27DB-BD31-4B8C-83A1-F6EECF244321}">
-                <p14:modId xmlns:p14="http://schemas.microsoft.com/office/powerpoint/2010/main" val="1386914569"/>
+                <p14:modId xmlns:p14="http://schemas.microsoft.com/office/powerpoint/2010/main" val="1886778139"/>
               </p:ext>
             </p:extLst>
           </p:nvPr>
         </p:nvGraphicFramePr>
         <p:xfrm>
-          <a:off x="6191250" y="1993892"/>
+          <a:off x="6191250" y="2151372"/>
           <a:ext cx="5441950" cy="3810016"/>
         </p:xfrm>
         <a:graphic>
@@ -4771,10 +8073,34 @@
                 <a:tableStyleId>{5C22544A-7EE6-4342-B048-85BDC9FD1C3A}</a:tableStyleId>
               </a:tblPr>
               <a:tblGrid>
-                <a:gridCol w="1697973"/>
-                <a:gridCol w="1697973"/>
-                <a:gridCol w="917538"/>
-                <a:gridCol w="1128466"/>
+                <a:gridCol w="1697973">
+                  <a:extLst>
+                    <a:ext uri="{9D8B030D-6E8A-4147-A177-3AD203B41FA5}">
+                      <a16:colId xmlns:a16="http://schemas.microsoft.com/office/drawing/2014/main" val="20000"/>
+                    </a:ext>
+                  </a:extLst>
+                </a:gridCol>
+                <a:gridCol w="1697973">
+                  <a:extLst>
+                    <a:ext uri="{9D8B030D-6E8A-4147-A177-3AD203B41FA5}">
+                      <a16:colId xmlns:a16="http://schemas.microsoft.com/office/drawing/2014/main" val="20001"/>
+                    </a:ext>
+                  </a:extLst>
+                </a:gridCol>
+                <a:gridCol w="917538">
+                  <a:extLst>
+                    <a:ext uri="{9D8B030D-6E8A-4147-A177-3AD203B41FA5}">
+                      <a16:colId xmlns:a16="http://schemas.microsoft.com/office/drawing/2014/main" val="20002"/>
+                    </a:ext>
+                  </a:extLst>
+                </a:gridCol>
+                <a:gridCol w="1128466">
+                  <a:extLst>
+                    <a:ext uri="{9D8B030D-6E8A-4147-A177-3AD203B41FA5}">
+                      <a16:colId xmlns:a16="http://schemas.microsoft.com/office/drawing/2014/main" val="20003"/>
+                    </a:ext>
+                  </a:extLst>
+                </a:gridCol>
               </a:tblGrid>
               <a:tr h="238126">
                 <a:tc>
@@ -4850,6 +8176,11 @@
                   </a:txBody>
                   <a:tcPr/>
                 </a:tc>
+                <a:extLst>
+                  <a:ext uri="{0D108BD9-81ED-4DB2-BD59-A6C34878D82A}">
+                    <a16:rowId xmlns:a16="http://schemas.microsoft.com/office/drawing/2014/main" val="10000"/>
+                  </a:ext>
+                </a:extLst>
               </a:tr>
               <a:tr h="238126">
                 <a:tc>
@@ -4858,7 +8189,7 @@
                     <a:lstStyle/>
                     <a:p>
                       <a:pPr algn="l" fontAlgn="b"/>
-                      <a:endParaRPr lang="en-US" sz="1200" b="0" i="0" u="none" strike="noStrike">
+                      <a:endParaRPr lang="en-US" sz="1200" b="0" i="0" u="none" strike="noStrike" dirty="0">
                         <a:solidFill>
                           <a:srgbClr val="000000"/>
                         </a:solidFill>
@@ -4925,6 +8256,11 @@
                   </a:txBody>
                   <a:tcPr marL="6350" marR="6350" marT="6350" marB="0" anchor="b"/>
                 </a:tc>
+                <a:extLst>
+                  <a:ext uri="{0D108BD9-81ED-4DB2-BD59-A6C34878D82A}">
+                    <a16:rowId xmlns:a16="http://schemas.microsoft.com/office/drawing/2014/main" val="10001"/>
+                  </a:ext>
+                </a:extLst>
               </a:tr>
               <a:tr h="238126">
                 <a:tc rowSpan="7">
@@ -4934,16 +8270,10 @@
                     <a:p>
                       <a:pPr algn="ctr" fontAlgn="ctr"/>
                       <a:r>
-                        <a:rPr lang="en-US" sz="1200" b="1" u="none" strike="noStrike" dirty="0" smtClean="0">
-                          <a:effectLst/>
-                        </a:rPr>
-                        <a:t>6-Year </a:t>
-                      </a:r>
-                      <a:r>
                         <a:rPr lang="en-US" sz="1200" b="1" u="none" strike="noStrike" dirty="0">
                           <a:effectLst/>
                         </a:rPr>
-                        <a:t>Graduation Rate</a:t>
+                        <a:t>6-Year Graduation Rate</a:t>
                       </a:r>
                       <a:endParaRPr lang="en-US" sz="1200" b="1" i="0" u="none" strike="noStrike" dirty="0">
                         <a:solidFill>
@@ -4963,12 +8293,12 @@
                     <a:p>
                       <a:pPr algn="l" fontAlgn="b"/>
                       <a:r>
-                        <a:rPr lang="en-US" sz="1200" u="none" strike="noStrike">
+                        <a:rPr lang="en-US" sz="1200" u="none" strike="noStrike" dirty="0">
                           <a:effectLst/>
                         </a:rPr>
                         <a:t>LM</a:t>
                       </a:r>
-                      <a:endParaRPr lang="en-US" sz="1200" b="0" i="0" u="none" strike="noStrike">
+                      <a:endParaRPr lang="en-US" sz="1200" b="0" i="0" u="none" strike="noStrike" dirty="0">
                         <a:solidFill>
                           <a:srgbClr val="000000"/>
                         </a:solidFill>
@@ -5006,7 +8336,7 @@
                     <a:p>
                       <a:pPr algn="r" fontAlgn="b"/>
                       <a:r>
-                        <a:rPr lang="nb-NO" sz="1200" b="0" i="0" u="none" strike="noStrike">
+                        <a:rPr lang="nb-NO" sz="1200" b="0" i="0" u="none" strike="noStrike" dirty="0">
                           <a:solidFill>
                             <a:srgbClr val="000000"/>
                           </a:solidFill>
@@ -5019,6 +8349,11 @@
                   </a:txBody>
                   <a:tcPr marL="6350" marR="6350" marT="6350" marB="0" anchor="b"/>
                 </a:tc>
+                <a:extLst>
+                  <a:ext uri="{0D108BD9-81ED-4DB2-BD59-A6C34878D82A}">
+                    <a16:rowId xmlns:a16="http://schemas.microsoft.com/office/drawing/2014/main" val="10002"/>
+                  </a:ext>
+                </a:extLst>
               </a:tr>
               <a:tr h="238126">
                 <a:tc vMerge="1">
@@ -5038,12 +8373,12 @@
                     <a:p>
                       <a:pPr algn="l" fontAlgn="b"/>
                       <a:r>
-                        <a:rPr lang="en-US" sz="1200" u="none" strike="noStrike">
+                        <a:rPr lang="en-US" sz="1200" u="none" strike="noStrike" dirty="0">
                           <a:effectLst/>
                         </a:rPr>
                         <a:t>LM (w/ interactions)</a:t>
                       </a:r>
-                      <a:endParaRPr lang="en-US" sz="1200" b="0" i="0" u="none" strike="noStrike">
+                      <a:endParaRPr lang="en-US" sz="1200" b="0" i="0" u="none" strike="noStrike" dirty="0">
                         <a:solidFill>
                           <a:srgbClr val="000000"/>
                         </a:solidFill>
@@ -5081,7 +8416,7 @@
                     <a:p>
                       <a:pPr algn="r" fontAlgn="b"/>
                       <a:r>
-                        <a:rPr lang="hr-HR" sz="1200" b="0" i="0" u="none" strike="noStrike">
+                        <a:rPr lang="hr-HR" sz="1200" b="0" i="0" u="none" strike="noStrike" dirty="0">
                           <a:solidFill>
                             <a:srgbClr val="000000"/>
                           </a:solidFill>
@@ -5094,6 +8429,11 @@
                   </a:txBody>
                   <a:tcPr marL="6350" marR="6350" marT="6350" marB="0" anchor="b"/>
                 </a:tc>
+                <a:extLst>
+                  <a:ext uri="{0D108BD9-81ED-4DB2-BD59-A6C34878D82A}">
+                    <a16:rowId xmlns:a16="http://schemas.microsoft.com/office/drawing/2014/main" val="10003"/>
+                  </a:ext>
+                </a:extLst>
               </a:tr>
               <a:tr h="238126">
                 <a:tc vMerge="1">
@@ -5113,12 +8453,12 @@
                     <a:p>
                       <a:pPr algn="l" fontAlgn="b"/>
                       <a:r>
-                        <a:rPr lang="en-US" sz="1200" u="none" strike="noStrike">
+                        <a:rPr lang="en-US" sz="1200" u="none" strike="noStrike" dirty="0">
                           <a:effectLst/>
                         </a:rPr>
                         <a:t>Lasso</a:t>
                       </a:r>
-                      <a:endParaRPr lang="en-US" sz="1200" b="0" i="0" u="none" strike="noStrike">
+                      <a:endParaRPr lang="en-US" sz="1200" b="0" i="0" u="none" strike="noStrike" dirty="0">
                         <a:solidFill>
                           <a:srgbClr val="000000"/>
                         </a:solidFill>
@@ -5136,7 +8476,7 @@
                     <a:p>
                       <a:pPr algn="r" fontAlgn="b"/>
                       <a:r>
-                        <a:rPr lang="is-IS" sz="1200" b="0" i="0" u="none" strike="noStrike">
+                        <a:rPr lang="is-IS" sz="1200" b="0" i="0" u="none" strike="noStrike" dirty="0">
                           <a:solidFill>
                             <a:srgbClr val="000000"/>
                           </a:solidFill>
@@ -5156,7 +8496,7 @@
                     <a:p>
                       <a:pPr algn="r" fontAlgn="b"/>
                       <a:r>
-                        <a:rPr lang="nb-NO" sz="1200" b="0" i="0" u="none" strike="noStrike">
+                        <a:rPr lang="nb-NO" sz="1200" b="0" i="0" u="none" strike="noStrike" dirty="0">
                           <a:solidFill>
                             <a:srgbClr val="000000"/>
                           </a:solidFill>
@@ -5169,6 +8509,11 @@
                   </a:txBody>
                   <a:tcPr marL="6350" marR="6350" marT="6350" marB="0" anchor="b"/>
                 </a:tc>
+                <a:extLst>
+                  <a:ext uri="{0D108BD9-81ED-4DB2-BD59-A6C34878D82A}">
+                    <a16:rowId xmlns:a16="http://schemas.microsoft.com/office/drawing/2014/main" val="10004"/>
+                  </a:ext>
+                </a:extLst>
               </a:tr>
               <a:tr h="238126">
                 <a:tc vMerge="1">
@@ -5188,12 +8533,12 @@
                     <a:p>
                       <a:pPr algn="l" fontAlgn="b"/>
                       <a:r>
-                        <a:rPr lang="en-US" sz="1200" u="none" strike="noStrike">
+                        <a:rPr lang="en-US" sz="1200" u="none" strike="noStrike" dirty="0">
                           <a:effectLst/>
                         </a:rPr>
                         <a:t>Lasso (w/ interactions)</a:t>
                       </a:r>
-                      <a:endParaRPr lang="en-US" sz="1200" b="0" i="0" u="none" strike="noStrike">
+                      <a:endParaRPr lang="en-US" sz="1200" b="0" i="0" u="none" strike="noStrike" dirty="0">
                         <a:solidFill>
                           <a:srgbClr val="000000"/>
                         </a:solidFill>
@@ -5231,7 +8576,7 @@
                     <a:p>
                       <a:pPr algn="r" fontAlgn="b"/>
                       <a:r>
-                        <a:rPr lang="is-IS" sz="1200" b="0" i="0" u="none" strike="noStrike">
+                        <a:rPr lang="is-IS" sz="1200" b="0" i="0" u="none" strike="noStrike" dirty="0">
                           <a:solidFill>
                             <a:srgbClr val="000000"/>
                           </a:solidFill>
@@ -5244,6 +8589,11 @@
                   </a:txBody>
                   <a:tcPr marL="6350" marR="6350" marT="6350" marB="0" anchor="b"/>
                 </a:tc>
+                <a:extLst>
+                  <a:ext uri="{0D108BD9-81ED-4DB2-BD59-A6C34878D82A}">
+                    <a16:rowId xmlns:a16="http://schemas.microsoft.com/office/drawing/2014/main" val="10005"/>
+                  </a:ext>
+                </a:extLst>
               </a:tr>
               <a:tr h="238126">
                 <a:tc vMerge="1">
@@ -5263,12 +8613,12 @@
                     <a:p>
                       <a:pPr algn="l" fontAlgn="b"/>
                       <a:r>
-                        <a:rPr lang="en-US" sz="1200" u="none" strike="noStrike">
+                        <a:rPr lang="en-US" sz="1200" u="none" strike="noStrike" dirty="0">
                           <a:effectLst/>
                         </a:rPr>
                         <a:t>Ridge</a:t>
                       </a:r>
-                      <a:endParaRPr lang="en-US" sz="1200" b="0" i="0" u="none" strike="noStrike">
+                      <a:endParaRPr lang="en-US" sz="1200" b="0" i="0" u="none" strike="noStrike" dirty="0">
                         <a:solidFill>
                           <a:srgbClr val="000000"/>
                         </a:solidFill>
@@ -5306,7 +8656,7 @@
                     <a:p>
                       <a:pPr algn="r" fontAlgn="b"/>
                       <a:r>
-                        <a:rPr lang="nb-NO" sz="1200" b="0" i="0" u="none" strike="noStrike">
+                        <a:rPr lang="nb-NO" sz="1200" b="0" i="0" u="none" strike="noStrike" dirty="0">
                           <a:solidFill>
                             <a:srgbClr val="000000"/>
                           </a:solidFill>
@@ -5319,6 +8669,11 @@
                   </a:txBody>
                   <a:tcPr marL="6350" marR="6350" marT="6350" marB="0" anchor="b"/>
                 </a:tc>
+                <a:extLst>
+                  <a:ext uri="{0D108BD9-81ED-4DB2-BD59-A6C34878D82A}">
+                    <a16:rowId xmlns:a16="http://schemas.microsoft.com/office/drawing/2014/main" val="10006"/>
+                  </a:ext>
+                </a:extLst>
               </a:tr>
               <a:tr h="238126">
                 <a:tc vMerge="1">
@@ -5338,12 +8693,12 @@
                     <a:p>
                       <a:pPr algn="l" fontAlgn="b"/>
                       <a:r>
-                        <a:rPr lang="en-US" sz="1200" u="none" strike="noStrike">
+                        <a:rPr lang="en-US" sz="1200" u="none" strike="noStrike" dirty="0">
                           <a:effectLst/>
                         </a:rPr>
                         <a:t>Ridge (w/ interactions)</a:t>
                       </a:r>
-                      <a:endParaRPr lang="en-US" sz="1200" b="0" i="0" u="none" strike="noStrike">
+                      <a:endParaRPr lang="en-US" sz="1200" b="0" i="0" u="none" strike="noStrike" dirty="0">
                         <a:solidFill>
                           <a:srgbClr val="000000"/>
                         </a:solidFill>
@@ -5361,7 +8716,7 @@
                     <a:p>
                       <a:pPr algn="r" fontAlgn="b"/>
                       <a:r>
-                        <a:rPr lang="hr-HR" sz="1200" b="0" i="0" u="none" strike="noStrike">
+                        <a:rPr lang="hr-HR" sz="1200" b="0" i="0" u="none" strike="noStrike" dirty="0">
                           <a:solidFill>
                             <a:srgbClr val="000000"/>
                           </a:solidFill>
@@ -5394,6 +8749,11 @@
                   </a:txBody>
                   <a:tcPr marL="6350" marR="6350" marT="6350" marB="0" anchor="b"/>
                 </a:tc>
+                <a:extLst>
+                  <a:ext uri="{0D108BD9-81ED-4DB2-BD59-A6C34878D82A}">
+                    <a16:rowId xmlns:a16="http://schemas.microsoft.com/office/drawing/2014/main" val="10007"/>
+                  </a:ext>
+                </a:extLst>
               </a:tr>
               <a:tr h="238126">
                 <a:tc vMerge="1">
@@ -5472,6 +8832,11 @@
                   </a:txBody>
                   <a:tcPr marL="6350" marR="6350" marT="6350" marB="0" anchor="b"/>
                 </a:tc>
+                <a:extLst>
+                  <a:ext uri="{0D108BD9-81ED-4DB2-BD59-A6C34878D82A}">
+                    <a16:rowId xmlns:a16="http://schemas.microsoft.com/office/drawing/2014/main" val="10008"/>
+                  </a:ext>
+                </a:extLst>
               </a:tr>
               <a:tr h="238126">
                 <a:tc rowSpan="7">
@@ -5527,7 +8892,7 @@
                     <a:p>
                       <a:pPr algn="r" fontAlgn="b"/>
                       <a:r>
-                        <a:rPr lang="nb-NO" sz="1200" b="0" i="0" u="none" strike="noStrike">
+                        <a:rPr lang="nb-NO" sz="1200" b="0" i="0" u="none" strike="noStrike" dirty="0">
                           <a:solidFill>
                             <a:srgbClr val="000000"/>
                           </a:solidFill>
@@ -5560,6 +8925,11 @@
                   </a:txBody>
                   <a:tcPr marL="6350" marR="6350" marT="6350" marB="0" anchor="b"/>
                 </a:tc>
+                <a:extLst>
+                  <a:ext uri="{0D108BD9-81ED-4DB2-BD59-A6C34878D82A}">
+                    <a16:rowId xmlns:a16="http://schemas.microsoft.com/office/drawing/2014/main" val="10009"/>
+                  </a:ext>
+                </a:extLst>
               </a:tr>
               <a:tr h="238126">
                 <a:tc vMerge="1">
@@ -5602,7 +8972,7 @@
                     <a:p>
                       <a:pPr algn="r" fontAlgn="b"/>
                       <a:r>
-                        <a:rPr lang="nb-NO" sz="1200" b="0" i="0" u="none" strike="noStrike">
+                        <a:rPr lang="nb-NO" sz="1200" b="0" i="0" u="none" strike="noStrike" dirty="0">
                           <a:solidFill>
                             <a:srgbClr val="000000"/>
                           </a:solidFill>
@@ -5635,6 +9005,11 @@
                   </a:txBody>
                   <a:tcPr marL="6350" marR="6350" marT="6350" marB="0" anchor="b"/>
                 </a:tc>
+                <a:extLst>
+                  <a:ext uri="{0D108BD9-81ED-4DB2-BD59-A6C34878D82A}">
+                    <a16:rowId xmlns:a16="http://schemas.microsoft.com/office/drawing/2014/main" val="10010"/>
+                  </a:ext>
+                </a:extLst>
               </a:tr>
               <a:tr h="238126">
                 <a:tc vMerge="1">
@@ -5677,7 +9052,7 @@
                     <a:p>
                       <a:pPr algn="r" fontAlgn="b"/>
                       <a:r>
-                        <a:rPr lang="nb-NO" sz="1200" b="0" i="0" u="none" strike="noStrike">
+                        <a:rPr lang="nb-NO" sz="1200" b="0" i="0" u="none" strike="noStrike" dirty="0">
                           <a:solidFill>
                             <a:srgbClr val="000000"/>
                           </a:solidFill>
@@ -5710,6 +9085,11 @@
                   </a:txBody>
                   <a:tcPr marL="6350" marR="6350" marT="6350" marB="0" anchor="b"/>
                 </a:tc>
+                <a:extLst>
+                  <a:ext uri="{0D108BD9-81ED-4DB2-BD59-A6C34878D82A}">
+                    <a16:rowId xmlns:a16="http://schemas.microsoft.com/office/drawing/2014/main" val="10011"/>
+                  </a:ext>
+                </a:extLst>
               </a:tr>
               <a:tr h="238126">
                 <a:tc vMerge="1">
@@ -5785,6 +9165,11 @@
                   </a:txBody>
                   <a:tcPr marL="6350" marR="6350" marT="6350" marB="0" anchor="b"/>
                 </a:tc>
+                <a:extLst>
+                  <a:ext uri="{0D108BD9-81ED-4DB2-BD59-A6C34878D82A}">
+                    <a16:rowId xmlns:a16="http://schemas.microsoft.com/office/drawing/2014/main" val="10012"/>
+                  </a:ext>
+                </a:extLst>
               </a:tr>
               <a:tr h="238126">
                 <a:tc vMerge="1">
@@ -5860,6 +9245,11 @@
                   </a:txBody>
                   <a:tcPr marL="6350" marR="6350" marT="6350" marB="0" anchor="b"/>
                 </a:tc>
+                <a:extLst>
+                  <a:ext uri="{0D108BD9-81ED-4DB2-BD59-A6C34878D82A}">
+                    <a16:rowId xmlns:a16="http://schemas.microsoft.com/office/drawing/2014/main" val="10013"/>
+                  </a:ext>
+                </a:extLst>
               </a:tr>
               <a:tr h="238126">
                 <a:tc vMerge="1">
@@ -5935,6 +9325,11 @@
                   </a:txBody>
                   <a:tcPr marL="6350" marR="6350" marT="6350" marB="0" anchor="b"/>
                 </a:tc>
+                <a:extLst>
+                  <a:ext uri="{0D108BD9-81ED-4DB2-BD59-A6C34878D82A}">
+                    <a16:rowId xmlns:a16="http://schemas.microsoft.com/office/drawing/2014/main" val="10014"/>
+                  </a:ext>
+                </a:extLst>
               </a:tr>
               <a:tr h="238126">
                 <a:tc vMerge="1">
@@ -6013,6 +9408,11 @@
                   </a:txBody>
                   <a:tcPr marL="6350" marR="6350" marT="6350" marB="0" anchor="b"/>
                 </a:tc>
+                <a:extLst>
+                  <a:ext uri="{0D108BD9-81ED-4DB2-BD59-A6C34878D82A}">
+                    <a16:rowId xmlns:a16="http://schemas.microsoft.com/office/drawing/2014/main" val="10015"/>
+                  </a:ext>
+                </a:extLst>
               </a:tr>
             </a:tbl>
           </a:graphicData>
@@ -6066,10 +9466,9 @@
           <a:lstStyle/>
           <a:p>
             <a:r>
-              <a:rPr lang="en-US" dirty="0" smtClean="0"/>
+              <a:rPr lang="en-US" dirty="0"/>
               <a:t>Approach 1: Kernel Model Avg. Partial Derivatives</a:t>
             </a:r>
-            <a:endParaRPr lang="en-US" dirty="0"/>
           </a:p>
         </p:txBody>
       </p:sp>
@@ -6099,11 +9498,41 @@
                 <a:tableStyleId>{5C22544A-7EE6-4342-B048-85BDC9FD1C3A}</a:tableStyleId>
               </a:tblPr>
               <a:tblGrid>
-                <a:gridCol w="1884339"/>
-                <a:gridCol w="4206296"/>
-                <a:gridCol w="1165829"/>
-                <a:gridCol w="1252326"/>
-                <a:gridCol w="1252326"/>
+                <a:gridCol w="1884339">
+                  <a:extLst>
+                    <a:ext uri="{9D8B030D-6E8A-4147-A177-3AD203B41FA5}">
+                      <a16:colId xmlns:a16="http://schemas.microsoft.com/office/drawing/2014/main" val="20000"/>
+                    </a:ext>
+                  </a:extLst>
+                </a:gridCol>
+                <a:gridCol w="4206296">
+                  <a:extLst>
+                    <a:ext uri="{9D8B030D-6E8A-4147-A177-3AD203B41FA5}">
+                      <a16:colId xmlns:a16="http://schemas.microsoft.com/office/drawing/2014/main" val="20001"/>
+                    </a:ext>
+                  </a:extLst>
+                </a:gridCol>
+                <a:gridCol w="1165829">
+                  <a:extLst>
+                    <a:ext uri="{9D8B030D-6E8A-4147-A177-3AD203B41FA5}">
+                      <a16:colId xmlns:a16="http://schemas.microsoft.com/office/drawing/2014/main" val="20002"/>
+                    </a:ext>
+                  </a:extLst>
+                </a:gridCol>
+                <a:gridCol w="1252326">
+                  <a:extLst>
+                    <a:ext uri="{9D8B030D-6E8A-4147-A177-3AD203B41FA5}">
+                      <a16:colId xmlns:a16="http://schemas.microsoft.com/office/drawing/2014/main" val="20003"/>
+                    </a:ext>
+                  </a:extLst>
+                </a:gridCol>
+                <a:gridCol w="1252326">
+                  <a:extLst>
+                    <a:ext uri="{9D8B030D-6E8A-4147-A177-3AD203B41FA5}">
+                      <a16:colId xmlns:a16="http://schemas.microsoft.com/office/drawing/2014/main" val="20004"/>
+                    </a:ext>
+                  </a:extLst>
+                </a:gridCol>
               </a:tblGrid>
               <a:tr h="302357">
                 <a:tc>
@@ -6215,6 +9644,11 @@
                   </a:txBody>
                   <a:tcPr marL="2812" marR="2812" marT="2812" marB="0" anchor="ctr"/>
                 </a:tc>
+                <a:extLst>
+                  <a:ext uri="{0D108BD9-81ED-4DB2-BD59-A6C34878D82A}">
+                    <a16:rowId xmlns:a16="http://schemas.microsoft.com/office/drawing/2014/main" val="10000"/>
+                  </a:ext>
+                </a:extLst>
               </a:tr>
               <a:tr h="302357">
                 <a:tc rowSpan="5">
@@ -6224,16 +9658,10 @@
                     <a:p>
                       <a:pPr algn="ctr" fontAlgn="ctr"/>
                       <a:r>
-                        <a:rPr lang="en-US" sz="1600" b="1" u="none" strike="noStrike" dirty="0" smtClean="0">
-                          <a:effectLst/>
-                        </a:rPr>
-                        <a:t>6-Year </a:t>
-                      </a:r>
-                      <a:r>
                         <a:rPr lang="en-US" sz="1600" b="1" u="none" strike="noStrike" dirty="0">
                           <a:effectLst/>
                         </a:rPr>
-                        <a:t>Graduation Rate</a:t>
+                        <a:t>6-Year Graduation Rate</a:t>
                       </a:r>
                       <a:endParaRPr lang="en-US" sz="1600" b="1" i="0" u="none" strike="noStrike" dirty="0">
                         <a:solidFill>
@@ -6338,6 +9766,11 @@
                   </a:txBody>
                   <a:tcPr marL="2812" marR="2812" marT="2812" marB="0" anchor="b"/>
                 </a:tc>
+                <a:extLst>
+                  <a:ext uri="{0D108BD9-81ED-4DB2-BD59-A6C34878D82A}">
+                    <a16:rowId xmlns:a16="http://schemas.microsoft.com/office/drawing/2014/main" val="10001"/>
+                  </a:ext>
+                </a:extLst>
               </a:tr>
               <a:tr h="302357">
                 <a:tc vMerge="1">
@@ -6442,6 +9875,11 @@
                   </a:txBody>
                   <a:tcPr marL="2812" marR="2812" marT="2812" marB="0" anchor="b"/>
                 </a:tc>
+                <a:extLst>
+                  <a:ext uri="{0D108BD9-81ED-4DB2-BD59-A6C34878D82A}">
+                    <a16:rowId xmlns:a16="http://schemas.microsoft.com/office/drawing/2014/main" val="10002"/>
+                  </a:ext>
+                </a:extLst>
               </a:tr>
               <a:tr h="302357">
                 <a:tc vMerge="1">
@@ -6558,6 +9996,11 @@
                   </a:txBody>
                   <a:tcPr marL="2812" marR="2812" marT="2812" marB="0" anchor="b"/>
                 </a:tc>
+                <a:extLst>
+                  <a:ext uri="{0D108BD9-81ED-4DB2-BD59-A6C34878D82A}">
+                    <a16:rowId xmlns:a16="http://schemas.microsoft.com/office/drawing/2014/main" val="10003"/>
+                  </a:ext>
+                </a:extLst>
               </a:tr>
               <a:tr h="302357">
                 <a:tc vMerge="1">
@@ -6662,6 +10105,11 @@
                   </a:txBody>
                   <a:tcPr marL="2812" marR="2812" marT="2812" marB="0" anchor="b"/>
                 </a:tc>
+                <a:extLst>
+                  <a:ext uri="{0D108BD9-81ED-4DB2-BD59-A6C34878D82A}">
+                    <a16:rowId xmlns:a16="http://schemas.microsoft.com/office/drawing/2014/main" val="10004"/>
+                  </a:ext>
+                </a:extLst>
               </a:tr>
               <a:tr h="302357">
                 <a:tc vMerge="1">
@@ -6794,6 +10242,11 @@
                   </a:txBody>
                   <a:tcPr marL="2812" marR="2812" marT="2812" marB="0" anchor="b"/>
                 </a:tc>
+                <a:extLst>
+                  <a:ext uri="{0D108BD9-81ED-4DB2-BD59-A6C34878D82A}">
+                    <a16:rowId xmlns:a16="http://schemas.microsoft.com/office/drawing/2014/main" val="10005"/>
+                  </a:ext>
+                </a:extLst>
               </a:tr>
               <a:tr h="302357">
                 <a:tc rowSpan="6">
@@ -6849,10 +10302,33 @@
                     <a:p>
                       <a:pPr algn="r" fontAlgn="b"/>
                       <a:r>
+                        <a:rPr lang="mr-IN" sz="1600" u="none" strike="noStrike" dirty="0">
+                          <a:effectLst/>
+                        </a:rPr>
+                        <a:t>-7.00E-07</a:t>
+                      </a:r>
+                      <a:endParaRPr lang="mr-IN" sz="1600" b="0" i="0" u="none" strike="noStrike" dirty="0">
+                        <a:solidFill>
+                          <a:srgbClr val="000000"/>
+                        </a:solidFill>
+                        <a:effectLst/>
+                        <a:latin typeface="Lucida Grande" charset="0"/>
+                      </a:endParaRPr>
+                    </a:p>
+                  </a:txBody>
+                  <a:tcPr marL="2812" marR="2812" marT="2812" marB="0" anchor="b"/>
+                </a:tc>
+                <a:tc>
+                  <a:txBody>
+                    <a:bodyPr/>
+                    <a:lstStyle/>
+                    <a:p>
+                      <a:pPr algn="r" fontAlgn="b"/>
+                      <a:r>
                         <a:rPr lang="mr-IN" sz="1600" u="none" strike="noStrike">
                           <a:effectLst/>
                         </a:rPr>
-                        <a:t>-7.00E-07</a:t>
+                        <a:t>3.00E-07</a:t>
                       </a:r>
                       <a:endParaRPr lang="mr-IN" sz="1600" b="0" i="0" u="none" strike="noStrike">
                         <a:solidFill>
@@ -6872,12 +10348,12 @@
                     <a:p>
                       <a:pPr algn="r" fontAlgn="b"/>
                       <a:r>
-                        <a:rPr lang="mr-IN" sz="1600" u="none" strike="noStrike">
-                          <a:effectLst/>
-                        </a:rPr>
-                        <a:t>3.00E-07</a:t>
-                      </a:r>
-                      <a:endParaRPr lang="mr-IN" sz="1600" b="0" i="0" u="none" strike="noStrike">
+                        <a:rPr lang="is-IS" sz="1600" u="none" strike="noStrike">
+                          <a:effectLst/>
+                        </a:rPr>
+                        <a:t>0.0220192</a:t>
+                      </a:r>
+                      <a:endParaRPr lang="is-IS" sz="1600" b="0" i="0" u="none" strike="noStrike">
                         <a:solidFill>
                           <a:srgbClr val="000000"/>
                         </a:solidFill>
@@ -6888,29 +10364,11 @@
                   </a:txBody>
                   <a:tcPr marL="2812" marR="2812" marT="2812" marB="0" anchor="b"/>
                 </a:tc>
-                <a:tc>
-                  <a:txBody>
-                    <a:bodyPr/>
-                    <a:lstStyle/>
-                    <a:p>
-                      <a:pPr algn="r" fontAlgn="b"/>
-                      <a:r>
-                        <a:rPr lang="is-IS" sz="1600" u="none" strike="noStrike">
-                          <a:effectLst/>
-                        </a:rPr>
-                        <a:t>0.0220192</a:t>
-                      </a:r>
-                      <a:endParaRPr lang="is-IS" sz="1600" b="0" i="0" u="none" strike="noStrike">
-                        <a:solidFill>
-                          <a:srgbClr val="000000"/>
-                        </a:solidFill>
-                        <a:effectLst/>
-                        <a:latin typeface="Lucida Grande" charset="0"/>
-                      </a:endParaRPr>
-                    </a:p>
-                  </a:txBody>
-                  <a:tcPr marL="2812" marR="2812" marT="2812" marB="0" anchor="b"/>
-                </a:tc>
+                <a:extLst>
+                  <a:ext uri="{0D108BD9-81ED-4DB2-BD59-A6C34878D82A}">
+                    <a16:rowId xmlns:a16="http://schemas.microsoft.com/office/drawing/2014/main" val="10006"/>
+                  </a:ext>
+                </a:extLst>
               </a:tr>
               <a:tr h="302357">
                 <a:tc vMerge="1">
@@ -7043,6 +10501,11 @@
                   </a:txBody>
                   <a:tcPr marL="2812" marR="2812" marT="2812" marB="0" anchor="b"/>
                 </a:tc>
+                <a:extLst>
+                  <a:ext uri="{0D108BD9-81ED-4DB2-BD59-A6C34878D82A}">
+                    <a16:rowId xmlns:a16="http://schemas.microsoft.com/office/drawing/2014/main" val="10007"/>
+                  </a:ext>
+                </a:extLst>
               </a:tr>
               <a:tr h="302357">
                 <a:tc vMerge="1">
@@ -7111,12 +10574,12 @@
                     <a:p>
                       <a:pPr algn="r" fontAlgn="b"/>
                       <a:r>
-                        <a:rPr lang="mr-IN" sz="1600" u="none" strike="noStrike">
+                        <a:rPr lang="mr-IN" sz="1600" u="none" strike="noStrike" dirty="0">
                           <a:effectLst/>
                         </a:rPr>
                         <a:t>6.00E-07</a:t>
                       </a:r>
-                      <a:endParaRPr lang="mr-IN" sz="1600" b="0" i="0" u="none" strike="noStrike">
+                      <a:endParaRPr lang="mr-IN" sz="1600" b="0" i="0" u="none" strike="noStrike" dirty="0">
                         <a:solidFill>
                           <a:srgbClr val="FF0000"/>
                         </a:solidFill>
@@ -7134,12 +10597,12 @@
                     <a:p>
                       <a:pPr algn="r" fontAlgn="b"/>
                       <a:r>
-                        <a:rPr lang="is-IS" sz="1600" u="none" strike="noStrike">
+                        <a:rPr lang="is-IS" sz="1600" u="none" strike="noStrike" dirty="0">
                           <a:effectLst/>
                         </a:rPr>
                         <a:t>0.0124906</a:t>
                       </a:r>
-                      <a:endParaRPr lang="is-IS" sz="1600" b="0" i="0" u="none" strike="noStrike">
+                      <a:endParaRPr lang="is-IS" sz="1600" b="0" i="0" u="none" strike="noStrike" dirty="0">
                         <a:solidFill>
                           <a:srgbClr val="FF0000"/>
                         </a:solidFill>
@@ -7150,6 +10613,11 @@
                   </a:txBody>
                   <a:tcPr marL="2812" marR="2812" marT="2812" marB="0" anchor="b"/>
                 </a:tc>
+                <a:extLst>
+                  <a:ext uri="{0D108BD9-81ED-4DB2-BD59-A6C34878D82A}">
+                    <a16:rowId xmlns:a16="http://schemas.microsoft.com/office/drawing/2014/main" val="10008"/>
+                  </a:ext>
+                </a:extLst>
               </a:tr>
               <a:tr h="302357">
                 <a:tc vMerge="1">
@@ -7192,12 +10660,12 @@
                     <a:p>
                       <a:pPr algn="r" fontAlgn="b"/>
                       <a:r>
-                        <a:rPr lang="mr-IN" sz="1600" u="none" strike="noStrike">
+                        <a:rPr lang="mr-IN" sz="1600" u="none" strike="noStrike" dirty="0">
                           <a:effectLst/>
                         </a:rPr>
                         <a:t>-6.00E-07</a:t>
                       </a:r>
-                      <a:endParaRPr lang="mr-IN" sz="1600" b="0" i="0" u="none" strike="noStrike">
+                      <a:endParaRPr lang="mr-IN" sz="1600" b="0" i="0" u="none" strike="noStrike" dirty="0">
                         <a:solidFill>
                           <a:srgbClr val="000000"/>
                         </a:solidFill>
@@ -7238,12 +10706,12 @@
                     <a:p>
                       <a:pPr algn="r" fontAlgn="b"/>
                       <a:r>
-                        <a:rPr lang="nb-NO" sz="1600" u="none" strike="noStrike">
+                        <a:rPr lang="nb-NO" sz="1600" u="none" strike="noStrike" dirty="0">
                           <a:effectLst/>
                         </a:rPr>
                         <a:t>0.0353355</a:t>
                       </a:r>
-                      <a:endParaRPr lang="nb-NO" sz="1600" b="0" i="0" u="none" strike="noStrike">
+                      <a:endParaRPr lang="nb-NO" sz="1600" b="0" i="0" u="none" strike="noStrike" dirty="0">
                         <a:solidFill>
                           <a:srgbClr val="000000"/>
                         </a:solidFill>
@@ -7254,6 +10722,11 @@
                   </a:txBody>
                   <a:tcPr marL="2812" marR="2812" marT="2812" marB="0" anchor="b"/>
                 </a:tc>
+                <a:extLst>
+                  <a:ext uri="{0D108BD9-81ED-4DB2-BD59-A6C34878D82A}">
+                    <a16:rowId xmlns:a16="http://schemas.microsoft.com/office/drawing/2014/main" val="10009"/>
+                  </a:ext>
+                </a:extLst>
               </a:tr>
               <a:tr h="302357">
                 <a:tc vMerge="1">
@@ -7319,12 +10792,12 @@
                     <a:p>
                       <a:pPr algn="r" fontAlgn="b"/>
                       <a:r>
-                        <a:rPr lang="mr-IN" sz="1600" u="none" strike="noStrike">
+                        <a:rPr lang="mr-IN" sz="1600" u="none" strike="noStrike" dirty="0">
                           <a:effectLst/>
                         </a:rPr>
                         <a:t>6.00E-07</a:t>
                       </a:r>
-                      <a:endParaRPr lang="mr-IN" sz="1600" b="0" i="0" u="none" strike="noStrike">
+                      <a:endParaRPr lang="mr-IN" sz="1600" b="0" i="0" u="none" strike="noStrike" dirty="0">
                         <a:solidFill>
                           <a:srgbClr val="000000"/>
                         </a:solidFill>
@@ -7358,6 +10831,11 @@
                   </a:txBody>
                   <a:tcPr marL="2812" marR="2812" marT="2812" marB="0" anchor="b"/>
                 </a:tc>
+                <a:extLst>
+                  <a:ext uri="{0D108BD9-81ED-4DB2-BD59-A6C34878D82A}">
+                    <a16:rowId xmlns:a16="http://schemas.microsoft.com/office/drawing/2014/main" val="10010"/>
+                  </a:ext>
+                </a:extLst>
               </a:tr>
               <a:tr h="302357">
                 <a:tc vMerge="1">
@@ -7423,12 +10901,12 @@
                     <a:p>
                       <a:pPr algn="r" fontAlgn="b"/>
                       <a:r>
-                        <a:rPr lang="mr-IN" sz="1600" u="none" strike="noStrike">
+                        <a:rPr lang="mr-IN" sz="1600" u="none" strike="noStrike" dirty="0">
                           <a:effectLst/>
                         </a:rPr>
                         <a:t>2.00E-07</a:t>
                       </a:r>
-                      <a:endParaRPr lang="mr-IN" sz="1600" b="0" i="0" u="none" strike="noStrike">
+                      <a:endParaRPr lang="mr-IN" sz="1600" b="0" i="0" u="none" strike="noStrike" dirty="0">
                         <a:solidFill>
                           <a:srgbClr val="000000"/>
                         </a:solidFill>
@@ -7462,6 +10940,11 @@
                   </a:txBody>
                   <a:tcPr marL="2812" marR="2812" marT="2812" marB="0" anchor="b"/>
                 </a:tc>
+                <a:extLst>
+                  <a:ext uri="{0D108BD9-81ED-4DB2-BD59-A6C34878D82A}">
+                    <a16:rowId xmlns:a16="http://schemas.microsoft.com/office/drawing/2014/main" val="10011"/>
+                  </a:ext>
+                </a:extLst>
               </a:tr>
             </a:tbl>
           </a:graphicData>
@@ -7490,10 +10973,9 @@
           <a:lstStyle/>
           <a:p>
             <a:r>
-              <a:rPr lang="en-US" dirty="0" smtClean="0"/>
+              <a:rPr lang="en-US" dirty="0"/>
               <a:t>For both outcomes, student services and auxiliary expenditures had the highest average partial derivatives among the expenditure variables with significance at the 0.05 level</a:t>
             </a:r>
-            <a:endParaRPr lang="en-US" dirty="0"/>
           </a:p>
         </p:txBody>
       </p:sp>
@@ -7501,6 +10983,1903 @@
     <p:extLst>
       <p:ext uri="{BB962C8B-B14F-4D97-AF65-F5344CB8AC3E}">
         <p14:creationId xmlns:p14="http://schemas.microsoft.com/office/powerpoint/2010/main" val="1051197751"/>
+      </p:ext>
+    </p:extLst>
+  </p:cSld>
+  <p:clrMapOvr>
+    <a:masterClrMapping/>
+  </p:clrMapOvr>
+</p:sld>
+</file>
+
+<file path=ppt/slides/slide8.xml><?xml version="1.0" encoding="utf-8"?>
+<p:sld xmlns:a="http://schemas.openxmlformats.org/drawingml/2006/main" xmlns:r="http://schemas.openxmlformats.org/officeDocument/2006/relationships" xmlns:p="http://schemas.openxmlformats.org/presentationml/2006/main">
+  <p:cSld>
+    <p:spTree>
+      <p:nvGrpSpPr>
+        <p:cNvPr id="1" name=""/>
+        <p:cNvGrpSpPr/>
+        <p:nvPr/>
+      </p:nvGrpSpPr>
+      <p:grpSpPr>
+        <a:xfrm>
+          <a:off x="0" y="0"/>
+          <a:ext cx="0" cy="0"/>
+          <a:chOff x="0" y="0"/>
+          <a:chExt cx="0" cy="0"/>
+        </a:xfrm>
+      </p:grpSpPr>
+      <p:sp>
+        <p:nvSpPr>
+          <p:cNvPr id="2" name="Title 1">
+            <a:extLst>
+              <a:ext uri="{FF2B5EF4-FFF2-40B4-BE49-F238E27FC236}">
+                <a16:creationId xmlns:a16="http://schemas.microsoft.com/office/drawing/2014/main" id="{F2BA0188-53B3-4D0B-BFA2-D97322C19DC2}"/>
+              </a:ext>
+            </a:extLst>
+          </p:cNvPr>
+          <p:cNvSpPr>
+            <a:spLocks noGrp="1"/>
+          </p:cNvSpPr>
+          <p:nvPr>
+            <p:ph type="title"/>
+          </p:nvPr>
+        </p:nvSpPr>
+        <p:spPr/>
+        <p:txBody>
+          <a:bodyPr/>
+          <a:lstStyle/>
+          <a:p>
+            <a:r>
+              <a:rPr lang="en-US" dirty="0"/>
+              <a:t>Approach 2 </a:t>
+            </a:r>
+            <a:endParaRPr lang="en-GB" dirty="0"/>
+          </a:p>
+        </p:txBody>
+      </p:sp>
+      <p:sp>
+        <p:nvSpPr>
+          <p:cNvPr id="3" name="Content Placeholder 2">
+            <a:extLst>
+              <a:ext uri="{FF2B5EF4-FFF2-40B4-BE49-F238E27FC236}">
+                <a16:creationId xmlns:a16="http://schemas.microsoft.com/office/drawing/2014/main" id="{262D00B4-C15B-447A-9CEE-B8D24F15D579}"/>
+              </a:ext>
+            </a:extLst>
+          </p:cNvPr>
+          <p:cNvSpPr>
+            <a:spLocks noGrp="1"/>
+          </p:cNvSpPr>
+          <p:nvPr>
+            <p:ph idx="1"/>
+          </p:nvPr>
+        </p:nvSpPr>
+        <p:spPr>
+          <a:xfrm>
+            <a:off x="838200" y="1825625"/>
+            <a:ext cx="9905999" cy="4351338"/>
+          </a:xfrm>
+        </p:spPr>
+        <p:txBody>
+          <a:bodyPr>
+            <a:normAutofit/>
+          </a:bodyPr>
+          <a:lstStyle/>
+          <a:p>
+            <a:r>
+              <a:rPr lang="en-US" dirty="0"/>
+              <a:t>Used same schools as in approach 1.</a:t>
+            </a:r>
+          </a:p>
+          <a:p>
+            <a:r>
+              <a:rPr lang="en-US" dirty="0"/>
+              <a:t>Kept all variables not colinear to the outcomes e.g. removed full time retention rate etc.</a:t>
+            </a:r>
+          </a:p>
+          <a:p>
+            <a:r>
+              <a:rPr lang="en-US" dirty="0"/>
+              <a:t>Carried out variable selection using Lasso regression.</a:t>
+            </a:r>
+          </a:p>
+          <a:p>
+            <a:r>
+              <a:rPr lang="en-US" dirty="0"/>
+              <a:t>Retained Census Region and Academic year.</a:t>
+            </a:r>
+          </a:p>
+          <a:p>
+            <a:r>
+              <a:rPr lang="en-US" dirty="0"/>
+              <a:t>Retained 10 largest absolute value coefficients.</a:t>
+            </a:r>
+          </a:p>
+          <a:p>
+            <a:endParaRPr lang="en-US" dirty="0"/>
+          </a:p>
+          <a:p>
+            <a:endParaRPr lang="en-US" dirty="0"/>
+          </a:p>
+        </p:txBody>
+      </p:sp>
+    </p:spTree>
+    <p:extLst>
+      <p:ext uri="{BB962C8B-B14F-4D97-AF65-F5344CB8AC3E}">
+        <p14:creationId xmlns:p14="http://schemas.microsoft.com/office/powerpoint/2010/main" val="3307489831"/>
+      </p:ext>
+    </p:extLst>
+  </p:cSld>
+  <p:clrMapOvr>
+    <a:masterClrMapping/>
+  </p:clrMapOvr>
+</p:sld>
+</file>
+
+<file path=ppt/slides/slide9.xml><?xml version="1.0" encoding="utf-8"?>
+<p:sld xmlns:a="http://schemas.openxmlformats.org/drawingml/2006/main" xmlns:r="http://schemas.openxmlformats.org/officeDocument/2006/relationships" xmlns:p="http://schemas.openxmlformats.org/presentationml/2006/main">
+  <p:cSld>
+    <p:spTree>
+      <p:nvGrpSpPr>
+        <p:cNvPr id="1" name=""/>
+        <p:cNvGrpSpPr/>
+        <p:nvPr/>
+      </p:nvGrpSpPr>
+      <p:grpSpPr>
+        <a:xfrm>
+          <a:off x="0" y="0"/>
+          <a:ext cx="0" cy="0"/>
+          <a:chOff x="0" y="0"/>
+          <a:chExt cx="0" cy="0"/>
+        </a:xfrm>
+      </p:grpSpPr>
+      <p:sp>
+        <p:nvSpPr>
+          <p:cNvPr id="2" name="Title 1">
+            <a:extLst>
+              <a:ext uri="{FF2B5EF4-FFF2-40B4-BE49-F238E27FC236}">
+                <a16:creationId xmlns:a16="http://schemas.microsoft.com/office/drawing/2014/main" id="{C1125D7B-F02A-445F-B8C7-34C547A14A7A}"/>
+              </a:ext>
+            </a:extLst>
+          </p:cNvPr>
+          <p:cNvSpPr>
+            <a:spLocks noGrp="1"/>
+          </p:cNvSpPr>
+          <p:nvPr>
+            <p:ph type="title"/>
+          </p:nvPr>
+        </p:nvSpPr>
+        <p:spPr/>
+        <p:txBody>
+          <a:bodyPr/>
+          <a:lstStyle/>
+          <a:p>
+            <a:r>
+              <a:rPr lang="en-US" dirty="0"/>
+              <a:t>Approach 2 – Selected Variables:</a:t>
+            </a:r>
+            <a:endParaRPr lang="en-GB" dirty="0"/>
+          </a:p>
+        </p:txBody>
+      </p:sp>
+      <p:graphicFrame>
+        <p:nvGraphicFramePr>
+          <p:cNvPr id="4" name="Table 3">
+            <a:extLst>
+              <a:ext uri="{FF2B5EF4-FFF2-40B4-BE49-F238E27FC236}">
+                <a16:creationId xmlns:a16="http://schemas.microsoft.com/office/drawing/2014/main" id="{B971FF46-278A-4EFD-85A0-9E515C7A2BDC}"/>
+              </a:ext>
+            </a:extLst>
+          </p:cNvPr>
+          <p:cNvGraphicFramePr>
+            <a:graphicFrameLocks noGrp="1"/>
+          </p:cNvGraphicFramePr>
+          <p:nvPr>
+            <p:extLst>
+              <p:ext uri="{D42A27DB-BD31-4B8C-83A1-F6EECF244321}">
+                <p14:modId xmlns:p14="http://schemas.microsoft.com/office/powerpoint/2010/main" val="1694534246"/>
+              </p:ext>
+            </p:extLst>
+          </p:nvPr>
+        </p:nvGraphicFramePr>
+        <p:xfrm>
+          <a:off x="268775" y="1434164"/>
+          <a:ext cx="5037244" cy="5206203"/>
+        </p:xfrm>
+        <a:graphic>
+          <a:graphicData uri="http://schemas.openxmlformats.org/drawingml/2006/table">
+            <a:tbl>
+              <a:tblPr>
+                <a:tableStyleId>{5C22544A-7EE6-4342-B048-85BDC9FD1C3A}</a:tableStyleId>
+              </a:tblPr>
+              <a:tblGrid>
+                <a:gridCol w="3698301">
+                  <a:extLst>
+                    <a:ext uri="{9D8B030D-6E8A-4147-A177-3AD203B41FA5}">
+                      <a16:colId xmlns:a16="http://schemas.microsoft.com/office/drawing/2014/main" val="3828946005"/>
+                    </a:ext>
+                  </a:extLst>
+                </a:gridCol>
+                <a:gridCol w="1338943">
+                  <a:extLst>
+                    <a:ext uri="{9D8B030D-6E8A-4147-A177-3AD203B41FA5}">
+                      <a16:colId xmlns:a16="http://schemas.microsoft.com/office/drawing/2014/main" val="3116620885"/>
+                    </a:ext>
+                  </a:extLst>
+                </a:gridCol>
+              </a:tblGrid>
+              <a:tr h="385011">
+                <a:tc gridSpan="2">
+                  <a:txBody>
+                    <a:bodyPr/>
+                    <a:lstStyle/>
+                    <a:p>
+                      <a:pPr algn="ctr" fontAlgn="ctr"/>
+                      <a:r>
+                        <a:rPr lang="en-US" sz="1600" b="1" u="none" strike="noStrike" dirty="0">
+                          <a:effectLst/>
+                        </a:rPr>
+                        <a:t>6 Year Graduation Rate</a:t>
+                      </a:r>
+                      <a:endParaRPr lang="en-US" sz="1600" b="1" i="0" u="none" strike="noStrike" dirty="0">
+                        <a:solidFill>
+                          <a:srgbClr val="000000"/>
+                        </a:solidFill>
+                        <a:effectLst/>
+                        <a:latin typeface="Calibri" charset="0"/>
+                      </a:endParaRPr>
+                    </a:p>
+                  </a:txBody>
+                  <a:tcPr marL="2812" marR="2812" marT="2812" marB="0" anchor="ctr"/>
+                </a:tc>
+                <a:tc hMerge="1">
+                  <a:txBody>
+                    <a:bodyPr/>
+                    <a:lstStyle/>
+                    <a:p>
+                      <a:pPr algn="ctr" fontAlgn="ctr"/>
+                      <a:endParaRPr lang="en-US" sz="1600" b="1" i="0" u="none" strike="noStrike" dirty="0">
+                        <a:solidFill>
+                          <a:srgbClr val="000000"/>
+                        </a:solidFill>
+                        <a:effectLst/>
+                        <a:latin typeface="Calibri" charset="0"/>
+                      </a:endParaRPr>
+                    </a:p>
+                  </a:txBody>
+                  <a:tcPr marL="2812" marR="2812" marT="2812" marB="0" anchor="ctr"/>
+                </a:tc>
+                <a:extLst>
+                  <a:ext uri="{0D108BD9-81ED-4DB2-BD59-A6C34878D82A}">
+                    <a16:rowId xmlns:a16="http://schemas.microsoft.com/office/drawing/2014/main" val="2750690894"/>
+                  </a:ext>
+                </a:extLst>
+              </a:tr>
+              <a:tr h="375498">
+                <a:tc>
+                  <a:txBody>
+                    <a:bodyPr/>
+                    <a:lstStyle/>
+                    <a:p>
+                      <a:pPr algn="ctr" fontAlgn="ctr"/>
+                      <a:r>
+                        <a:rPr lang="en-US" sz="1600" b="1" u="none" strike="noStrike" dirty="0">
+                          <a:effectLst/>
+                        </a:rPr>
+                        <a:t>Variable</a:t>
+                      </a:r>
+                      <a:endParaRPr lang="en-US" sz="1600" b="1" i="0" u="none" strike="noStrike" dirty="0">
+                        <a:solidFill>
+                          <a:srgbClr val="000000"/>
+                        </a:solidFill>
+                        <a:effectLst/>
+                        <a:latin typeface="Calibri" charset="0"/>
+                      </a:endParaRPr>
+                    </a:p>
+                  </a:txBody>
+                  <a:tcPr marL="2812" marR="2812" marT="2812" marB="0" anchor="ctr"/>
+                </a:tc>
+                <a:tc>
+                  <a:txBody>
+                    <a:bodyPr/>
+                    <a:lstStyle/>
+                    <a:p>
+                      <a:pPr algn="ctr" fontAlgn="ctr"/>
+                      <a:r>
+                        <a:rPr lang="en-US" sz="1600" b="1" u="none" strike="noStrike" dirty="0">
+                          <a:effectLst/>
+                        </a:rPr>
+                        <a:t>Lasso Coefficient</a:t>
+                      </a:r>
+                      <a:endParaRPr lang="en-US" sz="1600" b="1" i="0" u="none" strike="noStrike" dirty="0">
+                        <a:solidFill>
+                          <a:srgbClr val="000000"/>
+                        </a:solidFill>
+                        <a:effectLst/>
+                        <a:latin typeface="Calibri" charset="0"/>
+                      </a:endParaRPr>
+                    </a:p>
+                  </a:txBody>
+                  <a:tcPr marL="2812" marR="2812" marT="2812" marB="0" anchor="ctr"/>
+                </a:tc>
+                <a:extLst>
+                  <a:ext uri="{0D108BD9-81ED-4DB2-BD59-A6C34878D82A}">
+                    <a16:rowId xmlns:a16="http://schemas.microsoft.com/office/drawing/2014/main" val="621517536"/>
+                  </a:ext>
+                </a:extLst>
+              </a:tr>
+              <a:tr h="375498">
+                <a:tc>
+                  <a:txBody>
+                    <a:bodyPr/>
+                    <a:lstStyle/>
+                    <a:p>
+                      <a:pPr algn="l" fontAlgn="ctr"/>
+                      <a:endParaRPr lang="en-GB" sz="1400" b="0" i="0" u="none" strike="noStrike">
+                        <a:solidFill>
+                          <a:srgbClr val="000000"/>
+                        </a:solidFill>
+                        <a:effectLst/>
+                        <a:latin typeface="+mn-lt"/>
+                      </a:endParaRPr>
+                    </a:p>
+                    <a:p>
+                      <a:pPr algn="l" fontAlgn="ctr"/>
+                      <a:r>
+                        <a:rPr lang="en-GB" sz="1400" b="0" i="0" u="none" strike="noStrike">
+                          <a:solidFill>
+                            <a:srgbClr val="000000"/>
+                          </a:solidFill>
+                          <a:effectLst/>
+                          <a:latin typeface="+mn-lt"/>
+                        </a:rPr>
+                        <a:t>other_full_time</a:t>
+                      </a:r>
+                    </a:p>
+                  </a:txBody>
+                  <a:tcPr marL="6350" marR="6350" marT="6350" marB="0" anchor="ctr"/>
+                </a:tc>
+                <a:tc>
+                  <a:txBody>
+                    <a:bodyPr/>
+                    <a:lstStyle/>
+                    <a:p>
+                      <a:pPr algn="r" fontAlgn="ctr"/>
+                      <a:endParaRPr lang="en-GB" sz="1400" b="0" i="0" u="none" strike="noStrike">
+                        <a:solidFill>
+                          <a:srgbClr val="000000"/>
+                        </a:solidFill>
+                        <a:effectLst/>
+                        <a:latin typeface="+mn-lt"/>
+                      </a:endParaRPr>
+                    </a:p>
+                    <a:p>
+                      <a:pPr algn="r" fontAlgn="ctr"/>
+                      <a:r>
+                        <a:rPr lang="en-GB" sz="1400" b="0" i="0" u="none" strike="noStrike">
+                          <a:solidFill>
+                            <a:srgbClr val="000000"/>
+                          </a:solidFill>
+                          <a:effectLst/>
+                          <a:latin typeface="+mn-lt"/>
+                        </a:rPr>
+                        <a:t>0.387555894 </a:t>
+                      </a:r>
+                    </a:p>
+                  </a:txBody>
+                  <a:tcPr marL="6350" marR="6350" marT="6350" marB="0" anchor="ctr"/>
+                </a:tc>
+                <a:extLst>
+                  <a:ext uri="{0D108BD9-81ED-4DB2-BD59-A6C34878D82A}">
+                    <a16:rowId xmlns:a16="http://schemas.microsoft.com/office/drawing/2014/main" val="196882050"/>
+                  </a:ext>
+                </a:extLst>
+              </a:tr>
+              <a:tr h="375498">
+                <a:tc>
+                  <a:txBody>
+                    <a:bodyPr/>
+                    <a:lstStyle/>
+                    <a:p>
+                      <a:pPr algn="l" fontAlgn="ctr"/>
+                      <a:endParaRPr lang="en-GB" sz="1400" b="0" i="0" u="none" strike="noStrike" dirty="0">
+                        <a:solidFill>
+                          <a:srgbClr val="000000"/>
+                        </a:solidFill>
+                        <a:effectLst/>
+                        <a:latin typeface="+mn-lt"/>
+                      </a:endParaRPr>
+                    </a:p>
+                    <a:p>
+                      <a:pPr algn="l" fontAlgn="ctr"/>
+                      <a:r>
+                        <a:rPr lang="en-GB" sz="1400" b="0" i="0" u="none" strike="noStrike" dirty="0" err="1">
+                          <a:solidFill>
+                            <a:srgbClr val="000000"/>
+                          </a:solidFill>
+                          <a:effectLst/>
+                          <a:latin typeface="+mn-lt"/>
+                        </a:rPr>
+                        <a:t>fed_grant_pct</a:t>
+                      </a:r>
+                      <a:endParaRPr lang="en-GB" sz="1400" b="0" i="0" u="none" strike="noStrike" dirty="0">
+                        <a:solidFill>
+                          <a:srgbClr val="000000"/>
+                        </a:solidFill>
+                        <a:effectLst/>
+                        <a:latin typeface="+mn-lt"/>
+                      </a:endParaRPr>
+                    </a:p>
+                  </a:txBody>
+                  <a:tcPr marL="6350" marR="6350" marT="6350" marB="0" anchor="ctr"/>
+                </a:tc>
+                <a:tc>
+                  <a:txBody>
+                    <a:bodyPr/>
+                    <a:lstStyle/>
+                    <a:p>
+                      <a:pPr algn="r" fontAlgn="ctr"/>
+                      <a:endParaRPr lang="en-GB" sz="1400" b="0" i="0" u="none" strike="noStrike">
+                        <a:solidFill>
+                          <a:srgbClr val="000000"/>
+                        </a:solidFill>
+                        <a:effectLst/>
+                        <a:latin typeface="+mn-lt"/>
+                      </a:endParaRPr>
+                    </a:p>
+                    <a:p>
+                      <a:pPr algn="r" fontAlgn="ctr"/>
+                      <a:r>
+                        <a:rPr lang="en-GB" sz="1400" b="0" i="0" u="none" strike="noStrike">
+                          <a:solidFill>
+                            <a:srgbClr val="000000"/>
+                          </a:solidFill>
+                          <a:effectLst/>
+                          <a:latin typeface="+mn-lt"/>
+                        </a:rPr>
+                        <a:t>-0.241157657 </a:t>
+                      </a:r>
+                    </a:p>
+                  </a:txBody>
+                  <a:tcPr marL="6350" marR="6350" marT="6350" marB="0" anchor="ctr"/>
+                </a:tc>
+                <a:extLst>
+                  <a:ext uri="{0D108BD9-81ED-4DB2-BD59-A6C34878D82A}">
+                    <a16:rowId xmlns:a16="http://schemas.microsoft.com/office/drawing/2014/main" val="1570215453"/>
+                  </a:ext>
+                </a:extLst>
+              </a:tr>
+              <a:tr h="375498">
+                <a:tc>
+                  <a:txBody>
+                    <a:bodyPr/>
+                    <a:lstStyle/>
+                    <a:p>
+                      <a:pPr algn="l" fontAlgn="ctr"/>
+                      <a:endParaRPr lang="en-GB" sz="1400" b="0" i="0" u="none" strike="noStrike" dirty="0">
+                        <a:solidFill>
+                          <a:srgbClr val="000000"/>
+                        </a:solidFill>
+                        <a:effectLst/>
+                        <a:latin typeface="+mn-lt"/>
+                      </a:endParaRPr>
+                    </a:p>
+                    <a:p>
+                      <a:pPr algn="l" fontAlgn="ctr"/>
+                      <a:r>
+                        <a:rPr lang="en-GB" sz="1400" b="0" i="0" u="none" strike="noStrike" dirty="0" err="1">
+                          <a:solidFill>
+                            <a:srgbClr val="000000"/>
+                          </a:solidFill>
+                          <a:effectLst/>
+                          <a:latin typeface="+mn-lt"/>
+                        </a:rPr>
+                        <a:t>total_part_time</a:t>
+                      </a:r>
+                      <a:endParaRPr lang="en-GB" sz="1400" b="0" i="0" u="none" strike="noStrike" dirty="0">
+                        <a:solidFill>
+                          <a:srgbClr val="000000"/>
+                        </a:solidFill>
+                        <a:effectLst/>
+                        <a:latin typeface="+mn-lt"/>
+                      </a:endParaRPr>
+                    </a:p>
+                  </a:txBody>
+                  <a:tcPr marL="6350" marR="6350" marT="6350" marB="0" anchor="ctr"/>
+                </a:tc>
+                <a:tc>
+                  <a:txBody>
+                    <a:bodyPr/>
+                    <a:lstStyle/>
+                    <a:p>
+                      <a:pPr algn="r" fontAlgn="ctr"/>
+                      <a:endParaRPr lang="en-GB" sz="1400" b="0" i="0" u="none" strike="noStrike">
+                        <a:solidFill>
+                          <a:srgbClr val="000000"/>
+                        </a:solidFill>
+                        <a:effectLst/>
+                        <a:latin typeface="+mn-lt"/>
+                      </a:endParaRPr>
+                    </a:p>
+                    <a:p>
+                      <a:pPr algn="r" fontAlgn="ctr"/>
+                      <a:r>
+                        <a:rPr lang="en-GB" sz="1400" b="0" i="0" u="none" strike="noStrike">
+                          <a:solidFill>
+                            <a:srgbClr val="000000"/>
+                          </a:solidFill>
+                          <a:effectLst/>
+                          <a:latin typeface="+mn-lt"/>
+                        </a:rPr>
+                        <a:t>-0.200437092 </a:t>
+                      </a:r>
+                    </a:p>
+                  </a:txBody>
+                  <a:tcPr marL="6350" marR="6350" marT="6350" marB="0" anchor="ctr"/>
+                </a:tc>
+                <a:extLst>
+                  <a:ext uri="{0D108BD9-81ED-4DB2-BD59-A6C34878D82A}">
+                    <a16:rowId xmlns:a16="http://schemas.microsoft.com/office/drawing/2014/main" val="2067295398"/>
+                  </a:ext>
+                </a:extLst>
+              </a:tr>
+              <a:tr h="375498">
+                <a:tc>
+                  <a:txBody>
+                    <a:bodyPr/>
+                    <a:lstStyle/>
+                    <a:p>
+                      <a:pPr algn="l" fontAlgn="ctr"/>
+                      <a:endParaRPr lang="en-GB" sz="1400" b="0" i="0" u="none" strike="noStrike" dirty="0">
+                        <a:solidFill>
+                          <a:srgbClr val="000000"/>
+                        </a:solidFill>
+                        <a:effectLst/>
+                        <a:latin typeface="+mn-lt"/>
+                      </a:endParaRPr>
+                    </a:p>
+                    <a:p>
+                      <a:pPr algn="l" fontAlgn="ctr"/>
+                      <a:r>
+                        <a:rPr lang="en-GB" sz="1400" b="0" i="0" u="none" strike="noStrike" dirty="0" err="1">
+                          <a:solidFill>
+                            <a:srgbClr val="000000"/>
+                          </a:solidFill>
+                          <a:effectLst/>
+                          <a:latin typeface="+mn-lt"/>
+                        </a:rPr>
+                        <a:t>ptug_share_of_total_pt_enrl</a:t>
+                      </a:r>
+                      <a:endParaRPr lang="en-GB" sz="1400" b="0" i="0" u="none" strike="noStrike" dirty="0">
+                        <a:solidFill>
+                          <a:srgbClr val="000000"/>
+                        </a:solidFill>
+                        <a:effectLst/>
+                        <a:latin typeface="+mn-lt"/>
+                      </a:endParaRPr>
+                    </a:p>
+                  </a:txBody>
+                  <a:tcPr marL="6350" marR="6350" marT="6350" marB="0" anchor="ctr"/>
+                </a:tc>
+                <a:tc>
+                  <a:txBody>
+                    <a:bodyPr/>
+                    <a:lstStyle/>
+                    <a:p>
+                      <a:pPr algn="r" fontAlgn="ctr"/>
+                      <a:endParaRPr lang="en-GB" sz="1400" b="0" i="0" u="none" strike="noStrike">
+                        <a:solidFill>
+                          <a:srgbClr val="000000"/>
+                        </a:solidFill>
+                        <a:effectLst/>
+                        <a:latin typeface="+mn-lt"/>
+                      </a:endParaRPr>
+                    </a:p>
+                    <a:p>
+                      <a:pPr algn="r" fontAlgn="ctr"/>
+                      <a:r>
+                        <a:rPr lang="en-GB" sz="1400" b="0" i="0" u="none" strike="noStrike">
+                          <a:solidFill>
+                            <a:srgbClr val="000000"/>
+                          </a:solidFill>
+                          <a:effectLst/>
+                          <a:latin typeface="+mn-lt"/>
+                        </a:rPr>
+                        <a:t>-0.163895817 </a:t>
+                      </a:r>
+                    </a:p>
+                  </a:txBody>
+                  <a:tcPr marL="6350" marR="6350" marT="6350" marB="0" anchor="ctr"/>
+                </a:tc>
+                <a:extLst>
+                  <a:ext uri="{0D108BD9-81ED-4DB2-BD59-A6C34878D82A}">
+                    <a16:rowId xmlns:a16="http://schemas.microsoft.com/office/drawing/2014/main" val="498738980"/>
+                  </a:ext>
+                </a:extLst>
+              </a:tr>
+              <a:tr h="375498">
+                <a:tc>
+                  <a:txBody>
+                    <a:bodyPr/>
+                    <a:lstStyle/>
+                    <a:p>
+                      <a:pPr algn="l" fontAlgn="ctr"/>
+                      <a:endParaRPr lang="en-GB" sz="1400" b="0" i="0" u="none" strike="noStrike" dirty="0">
+                        <a:solidFill>
+                          <a:srgbClr val="000000"/>
+                        </a:solidFill>
+                        <a:effectLst/>
+                        <a:latin typeface="+mn-lt"/>
+                      </a:endParaRPr>
+                    </a:p>
+                    <a:p>
+                      <a:pPr algn="l" fontAlgn="ctr"/>
+                      <a:r>
+                        <a:rPr lang="en-GB" sz="1400" b="0" i="0" u="none" strike="noStrike" dirty="0">
+                          <a:solidFill>
+                            <a:srgbClr val="000000"/>
+                          </a:solidFill>
+                          <a:effectLst/>
+                          <a:latin typeface="+mn-lt"/>
+                        </a:rPr>
+                        <a:t>grant01</a:t>
+                      </a:r>
+                    </a:p>
+                  </a:txBody>
+                  <a:tcPr marL="6350" marR="6350" marT="6350" marB="0" anchor="ctr"/>
+                </a:tc>
+                <a:tc>
+                  <a:txBody>
+                    <a:bodyPr/>
+                    <a:lstStyle/>
+                    <a:p>
+                      <a:pPr algn="r" fontAlgn="ctr"/>
+                      <a:endParaRPr lang="en-GB" sz="1400" b="0" i="0" u="none" strike="noStrike" dirty="0">
+                        <a:solidFill>
+                          <a:srgbClr val="000000"/>
+                        </a:solidFill>
+                        <a:effectLst/>
+                        <a:latin typeface="+mn-lt"/>
+                      </a:endParaRPr>
+                    </a:p>
+                    <a:p>
+                      <a:pPr algn="r" fontAlgn="ctr"/>
+                      <a:r>
+                        <a:rPr lang="en-GB" sz="1400" b="0" i="0" u="none" strike="noStrike" dirty="0">
+                          <a:solidFill>
+                            <a:srgbClr val="000000"/>
+                          </a:solidFill>
+                          <a:effectLst/>
+                          <a:latin typeface="+mn-lt"/>
+                        </a:rPr>
+                        <a:t>-0.161917241 </a:t>
+                      </a:r>
+                    </a:p>
+                  </a:txBody>
+                  <a:tcPr marL="6350" marR="6350" marT="6350" marB="0" anchor="ctr"/>
+                </a:tc>
+                <a:extLst>
+                  <a:ext uri="{0D108BD9-81ED-4DB2-BD59-A6C34878D82A}">
+                    <a16:rowId xmlns:a16="http://schemas.microsoft.com/office/drawing/2014/main" val="2702805797"/>
+                  </a:ext>
+                </a:extLst>
+              </a:tr>
+              <a:tr h="375498">
+                <a:tc>
+                  <a:txBody>
+                    <a:bodyPr/>
+                    <a:lstStyle/>
+                    <a:p>
+                      <a:pPr algn="l" fontAlgn="ctr"/>
+                      <a:endParaRPr lang="en-GB" sz="1400" b="0" i="0" u="none" strike="noStrike" dirty="0">
+                        <a:solidFill>
+                          <a:srgbClr val="000000"/>
+                        </a:solidFill>
+                        <a:effectLst/>
+                        <a:latin typeface="+mn-lt"/>
+                      </a:endParaRPr>
+                    </a:p>
+                    <a:p>
+                      <a:pPr algn="l" fontAlgn="ctr"/>
+                      <a:r>
+                        <a:rPr lang="en-GB" sz="1400" b="0" i="0" u="none" strike="noStrike" dirty="0">
+                          <a:solidFill>
+                            <a:srgbClr val="000000"/>
+                          </a:solidFill>
+                          <a:effectLst/>
+                          <a:latin typeface="+mn-lt"/>
+                        </a:rPr>
+                        <a:t>auxiliary03</a:t>
+                      </a:r>
+                    </a:p>
+                  </a:txBody>
+                  <a:tcPr marL="6350" marR="6350" marT="6350" marB="0" anchor="ctr"/>
+                </a:tc>
+                <a:tc>
+                  <a:txBody>
+                    <a:bodyPr/>
+                    <a:lstStyle/>
+                    <a:p>
+                      <a:pPr algn="r" fontAlgn="ctr"/>
+                      <a:endParaRPr lang="en-GB" sz="1400" b="0" i="0" u="none" strike="noStrike">
+                        <a:solidFill>
+                          <a:srgbClr val="000000"/>
+                        </a:solidFill>
+                        <a:effectLst/>
+                        <a:latin typeface="+mn-lt"/>
+                      </a:endParaRPr>
+                    </a:p>
+                    <a:p>
+                      <a:pPr algn="r" fontAlgn="ctr"/>
+                      <a:r>
+                        <a:rPr lang="en-GB" sz="1400" b="0" i="0" u="none" strike="noStrike">
+                          <a:solidFill>
+                            <a:srgbClr val="000000"/>
+                          </a:solidFill>
+                          <a:effectLst/>
+                          <a:latin typeface="+mn-lt"/>
+                        </a:rPr>
+                        <a:t>0.145280763 </a:t>
+                      </a:r>
+                    </a:p>
+                  </a:txBody>
+                  <a:tcPr marL="6350" marR="6350" marT="6350" marB="0" anchor="ctr"/>
+                </a:tc>
+                <a:extLst>
+                  <a:ext uri="{0D108BD9-81ED-4DB2-BD59-A6C34878D82A}">
+                    <a16:rowId xmlns:a16="http://schemas.microsoft.com/office/drawing/2014/main" val="1306237140"/>
+                  </a:ext>
+                </a:extLst>
+              </a:tr>
+              <a:tr h="375498">
+                <a:tc>
+                  <a:txBody>
+                    <a:bodyPr/>
+                    <a:lstStyle/>
+                    <a:p>
+                      <a:pPr algn="l" fontAlgn="ctr"/>
+                      <a:endParaRPr lang="en-GB" sz="1400" b="0" i="0" u="none" strike="noStrike" dirty="0">
+                        <a:solidFill>
+                          <a:srgbClr val="000000"/>
+                        </a:solidFill>
+                        <a:effectLst/>
+                        <a:latin typeface="+mn-lt"/>
+                      </a:endParaRPr>
+                    </a:p>
+                    <a:p>
+                      <a:pPr algn="l" fontAlgn="ctr"/>
+                      <a:r>
+                        <a:rPr lang="en-GB" sz="1400" b="0" i="0" u="none" strike="noStrike" dirty="0" err="1">
+                          <a:solidFill>
+                            <a:srgbClr val="000000"/>
+                          </a:solidFill>
+                          <a:effectLst/>
+                          <a:latin typeface="+mn-lt"/>
+                        </a:rPr>
+                        <a:t>total_part_time_postbacc</a:t>
+                      </a:r>
+                      <a:endParaRPr lang="en-GB" sz="1400" b="0" i="0" u="none" strike="noStrike" dirty="0">
+                        <a:solidFill>
+                          <a:srgbClr val="000000"/>
+                        </a:solidFill>
+                        <a:effectLst/>
+                        <a:latin typeface="+mn-lt"/>
+                      </a:endParaRPr>
+                    </a:p>
+                  </a:txBody>
+                  <a:tcPr marL="6350" marR="6350" marT="6350" marB="0" anchor="ctr"/>
+                </a:tc>
+                <a:tc>
+                  <a:txBody>
+                    <a:bodyPr/>
+                    <a:lstStyle/>
+                    <a:p>
+                      <a:pPr algn="r" fontAlgn="ctr"/>
+                      <a:endParaRPr lang="en-GB" sz="1400" b="0" i="0" u="none" strike="noStrike">
+                        <a:solidFill>
+                          <a:srgbClr val="000000"/>
+                        </a:solidFill>
+                        <a:effectLst/>
+                        <a:latin typeface="+mn-lt"/>
+                      </a:endParaRPr>
+                    </a:p>
+                    <a:p>
+                      <a:pPr algn="r" fontAlgn="ctr"/>
+                      <a:r>
+                        <a:rPr lang="en-GB" sz="1400" b="0" i="0" u="none" strike="noStrike">
+                          <a:solidFill>
+                            <a:srgbClr val="000000"/>
+                          </a:solidFill>
+                          <a:effectLst/>
+                          <a:latin typeface="+mn-lt"/>
+                        </a:rPr>
+                        <a:t>-0.114113831 </a:t>
+                      </a:r>
+                    </a:p>
+                  </a:txBody>
+                  <a:tcPr marL="6350" marR="6350" marT="6350" marB="0" anchor="ctr"/>
+                </a:tc>
+                <a:extLst>
+                  <a:ext uri="{0D108BD9-81ED-4DB2-BD59-A6C34878D82A}">
+                    <a16:rowId xmlns:a16="http://schemas.microsoft.com/office/drawing/2014/main" val="77369290"/>
+                  </a:ext>
+                </a:extLst>
+              </a:tr>
+              <a:tr h="375498">
+                <a:tc>
+                  <a:txBody>
+                    <a:bodyPr/>
+                    <a:lstStyle/>
+                    <a:p>
+                      <a:pPr algn="l" fontAlgn="ctr"/>
+                      <a:endParaRPr lang="en-GB" sz="1400" b="0" i="0" u="none" strike="noStrike" dirty="0">
+                        <a:solidFill>
+                          <a:srgbClr val="000000"/>
+                        </a:solidFill>
+                        <a:effectLst/>
+                        <a:latin typeface="+mn-lt"/>
+                      </a:endParaRPr>
+                    </a:p>
+                    <a:p>
+                      <a:pPr algn="l" fontAlgn="ctr"/>
+                      <a:r>
+                        <a:rPr lang="en-GB" sz="1400" b="0" i="0" u="none" strike="noStrike" dirty="0">
+                          <a:solidFill>
+                            <a:srgbClr val="000000"/>
+                          </a:solidFill>
+                          <a:effectLst/>
+                          <a:latin typeface="+mn-lt"/>
+                        </a:rPr>
+                        <a:t>eandg02</a:t>
+                      </a:r>
+                    </a:p>
+                  </a:txBody>
+                  <a:tcPr marL="6350" marR="6350" marT="6350" marB="0" anchor="ctr"/>
+                </a:tc>
+                <a:tc>
+                  <a:txBody>
+                    <a:bodyPr/>
+                    <a:lstStyle/>
+                    <a:p>
+                      <a:pPr algn="r" fontAlgn="ctr"/>
+                      <a:endParaRPr lang="en-GB" sz="1400" b="0" i="0" u="none" strike="noStrike">
+                        <a:solidFill>
+                          <a:srgbClr val="000000"/>
+                        </a:solidFill>
+                        <a:effectLst/>
+                        <a:latin typeface="+mn-lt"/>
+                      </a:endParaRPr>
+                    </a:p>
+                    <a:p>
+                      <a:pPr algn="r" fontAlgn="ctr"/>
+                      <a:r>
+                        <a:rPr lang="en-GB" sz="1400" b="0" i="0" u="none" strike="noStrike">
+                          <a:solidFill>
+                            <a:srgbClr val="000000"/>
+                          </a:solidFill>
+                          <a:effectLst/>
+                          <a:latin typeface="+mn-lt"/>
+                        </a:rPr>
+                        <a:t>0.089800624 </a:t>
+                      </a:r>
+                    </a:p>
+                  </a:txBody>
+                  <a:tcPr marL="6350" marR="6350" marT="6350" marB="0" anchor="ctr"/>
+                </a:tc>
+                <a:extLst>
+                  <a:ext uri="{0D108BD9-81ED-4DB2-BD59-A6C34878D82A}">
+                    <a16:rowId xmlns:a16="http://schemas.microsoft.com/office/drawing/2014/main" val="3496620231"/>
+                  </a:ext>
+                </a:extLst>
+              </a:tr>
+              <a:tr h="430321">
+                <a:tc>
+                  <a:txBody>
+                    <a:bodyPr/>
+                    <a:lstStyle/>
+                    <a:p>
+                      <a:pPr algn="l" fontAlgn="ctr"/>
+                      <a:endParaRPr lang="en-GB" sz="1400" b="0" i="0" u="none" strike="noStrike" dirty="0">
+                        <a:solidFill>
+                          <a:srgbClr val="000000"/>
+                        </a:solidFill>
+                        <a:effectLst/>
+                        <a:latin typeface="+mn-lt"/>
+                      </a:endParaRPr>
+                    </a:p>
+                    <a:p>
+                      <a:pPr algn="l" fontAlgn="ctr"/>
+                      <a:r>
+                        <a:rPr lang="en-GB" sz="1400" b="0" i="0" u="none" strike="noStrike" dirty="0" err="1">
+                          <a:solidFill>
+                            <a:srgbClr val="000000"/>
+                          </a:solidFill>
+                          <a:effectLst/>
+                          <a:latin typeface="+mn-lt"/>
+                        </a:rPr>
+                        <a:t>bach_deg_share_of_tot_deg</a:t>
+                      </a:r>
+                      <a:endParaRPr lang="en-GB" sz="1400" b="0" i="0" u="none" strike="noStrike" dirty="0">
+                        <a:solidFill>
+                          <a:srgbClr val="000000"/>
+                        </a:solidFill>
+                        <a:effectLst/>
+                        <a:latin typeface="+mn-lt"/>
+                      </a:endParaRPr>
+                    </a:p>
+                  </a:txBody>
+                  <a:tcPr marL="6350" marR="6350" marT="6350" marB="0" anchor="ctr"/>
+                </a:tc>
+                <a:tc>
+                  <a:txBody>
+                    <a:bodyPr/>
+                    <a:lstStyle/>
+                    <a:p>
+                      <a:pPr algn="r" fontAlgn="ctr"/>
+                      <a:endParaRPr lang="en-GB" sz="1400" b="0" i="0" u="none" strike="noStrike">
+                        <a:solidFill>
+                          <a:srgbClr val="000000"/>
+                        </a:solidFill>
+                        <a:effectLst/>
+                        <a:latin typeface="+mn-lt"/>
+                      </a:endParaRPr>
+                    </a:p>
+                    <a:p>
+                      <a:pPr algn="r" fontAlgn="ctr"/>
+                      <a:r>
+                        <a:rPr lang="en-GB" sz="1400" b="0" i="0" u="none" strike="noStrike">
+                          <a:solidFill>
+                            <a:srgbClr val="000000"/>
+                          </a:solidFill>
+                          <a:effectLst/>
+                          <a:latin typeface="+mn-lt"/>
+                        </a:rPr>
+                        <a:t>0.08153696 </a:t>
+                      </a:r>
+                    </a:p>
+                  </a:txBody>
+                  <a:tcPr marL="6350" marR="6350" marT="6350" marB="0" anchor="ctr"/>
+                </a:tc>
+                <a:extLst>
+                  <a:ext uri="{0D108BD9-81ED-4DB2-BD59-A6C34878D82A}">
+                    <a16:rowId xmlns:a16="http://schemas.microsoft.com/office/drawing/2014/main" val="1593761885"/>
+                  </a:ext>
+                </a:extLst>
+              </a:tr>
+              <a:tr h="375498">
+                <a:tc>
+                  <a:txBody>
+                    <a:bodyPr/>
+                    <a:lstStyle/>
+                    <a:p>
+                      <a:pPr algn="l" fontAlgn="ctr"/>
+                      <a:endParaRPr lang="en-GB" sz="1400" b="0" i="0" u="none" strike="noStrike">
+                        <a:solidFill>
+                          <a:srgbClr val="000000"/>
+                        </a:solidFill>
+                        <a:effectLst/>
+                        <a:latin typeface="+mn-lt"/>
+                      </a:endParaRPr>
+                    </a:p>
+                    <a:p>
+                      <a:pPr algn="l" fontAlgn="ctr"/>
+                      <a:r>
+                        <a:rPr lang="en-GB" sz="1400" b="0" i="0" u="none" strike="noStrike">
+                          <a:solidFill>
+                            <a:srgbClr val="000000"/>
+                          </a:solidFill>
+                          <a:effectLst/>
+                          <a:latin typeface="+mn-lt"/>
+                        </a:rPr>
+                        <a:t>fall_cohort_pct</a:t>
+                      </a:r>
+                    </a:p>
+                  </a:txBody>
+                  <a:tcPr marL="6350" marR="6350" marT="6350" marB="0" anchor="ctr"/>
+                </a:tc>
+                <a:tc>
+                  <a:txBody>
+                    <a:bodyPr/>
+                    <a:lstStyle/>
+                    <a:p>
+                      <a:pPr algn="r" fontAlgn="ctr"/>
+                      <a:endParaRPr lang="en-GB" sz="1400" b="0" i="0" u="none" strike="noStrike" dirty="0">
+                        <a:solidFill>
+                          <a:srgbClr val="000000"/>
+                        </a:solidFill>
+                        <a:effectLst/>
+                        <a:latin typeface="+mn-lt"/>
+                      </a:endParaRPr>
+                    </a:p>
+                    <a:p>
+                      <a:pPr algn="r" fontAlgn="ctr"/>
+                      <a:r>
+                        <a:rPr lang="en-GB" sz="1400" b="0" i="0" u="none" strike="noStrike" dirty="0">
+                          <a:solidFill>
+                            <a:srgbClr val="000000"/>
+                          </a:solidFill>
+                          <a:effectLst/>
+                          <a:latin typeface="+mn-lt"/>
+                        </a:rPr>
+                        <a:t>0.080586461</a:t>
+                      </a:r>
+                    </a:p>
+                  </a:txBody>
+                  <a:tcPr marL="6350" marR="6350" marT="6350" marB="0" anchor="ctr"/>
+                </a:tc>
+                <a:extLst>
+                  <a:ext uri="{0D108BD9-81ED-4DB2-BD59-A6C34878D82A}">
+                    <a16:rowId xmlns:a16="http://schemas.microsoft.com/office/drawing/2014/main" val="3551024362"/>
+                  </a:ext>
+                </a:extLst>
+              </a:tr>
+            </a:tbl>
+          </a:graphicData>
+        </a:graphic>
+      </p:graphicFrame>
+      <p:graphicFrame>
+        <p:nvGraphicFramePr>
+          <p:cNvPr id="6" name="Table 5">
+            <a:extLst>
+              <a:ext uri="{FF2B5EF4-FFF2-40B4-BE49-F238E27FC236}">
+                <a16:creationId xmlns:a16="http://schemas.microsoft.com/office/drawing/2014/main" id="{8ED281BD-3869-486F-B89B-6F378D7FF205}"/>
+              </a:ext>
+            </a:extLst>
+          </p:cNvPr>
+          <p:cNvGraphicFramePr>
+            <a:graphicFrameLocks noGrp="1"/>
+          </p:cNvGraphicFramePr>
+          <p:nvPr>
+            <p:extLst>
+              <p:ext uri="{D42A27DB-BD31-4B8C-83A1-F6EECF244321}">
+                <p14:modId xmlns:p14="http://schemas.microsoft.com/office/powerpoint/2010/main" val="2344427227"/>
+              </p:ext>
+            </p:extLst>
+          </p:nvPr>
+        </p:nvGraphicFramePr>
+        <p:xfrm>
+          <a:off x="5628442" y="1422934"/>
+          <a:ext cx="5037244" cy="5206203"/>
+        </p:xfrm>
+        <a:graphic>
+          <a:graphicData uri="http://schemas.openxmlformats.org/drawingml/2006/table">
+            <a:tbl>
+              <a:tblPr>
+                <a:tableStyleId>{5C22544A-7EE6-4342-B048-85BDC9FD1C3A}</a:tableStyleId>
+              </a:tblPr>
+              <a:tblGrid>
+                <a:gridCol w="3698301">
+                  <a:extLst>
+                    <a:ext uri="{9D8B030D-6E8A-4147-A177-3AD203B41FA5}">
+                      <a16:colId xmlns:a16="http://schemas.microsoft.com/office/drawing/2014/main" val="3828946005"/>
+                    </a:ext>
+                  </a:extLst>
+                </a:gridCol>
+                <a:gridCol w="1338943">
+                  <a:extLst>
+                    <a:ext uri="{9D8B030D-6E8A-4147-A177-3AD203B41FA5}">
+                      <a16:colId xmlns:a16="http://schemas.microsoft.com/office/drawing/2014/main" val="3116620885"/>
+                    </a:ext>
+                  </a:extLst>
+                </a:gridCol>
+              </a:tblGrid>
+              <a:tr h="385011">
+                <a:tc gridSpan="2">
+                  <a:txBody>
+                    <a:bodyPr/>
+                    <a:lstStyle/>
+                    <a:p>
+                      <a:pPr algn="ctr" fontAlgn="ctr"/>
+                      <a:r>
+                        <a:rPr lang="en-US" sz="1600" b="1" i="0" u="none" strike="noStrike" dirty="0">
+                          <a:solidFill>
+                            <a:srgbClr val="000000"/>
+                          </a:solidFill>
+                          <a:effectLst/>
+                          <a:latin typeface="Calibri" charset="0"/>
+                        </a:rPr>
+                        <a:t>Bachelors Degrees per FTE</a:t>
+                      </a:r>
+                    </a:p>
+                  </a:txBody>
+                  <a:tcPr marL="2812" marR="2812" marT="2812" marB="0" anchor="ctr"/>
+                </a:tc>
+                <a:tc hMerge="1">
+                  <a:txBody>
+                    <a:bodyPr/>
+                    <a:lstStyle/>
+                    <a:p>
+                      <a:pPr algn="ctr" fontAlgn="ctr"/>
+                      <a:endParaRPr lang="en-US" sz="1600" b="1" i="0" u="none" strike="noStrike" dirty="0">
+                        <a:solidFill>
+                          <a:srgbClr val="000000"/>
+                        </a:solidFill>
+                        <a:effectLst/>
+                        <a:latin typeface="Calibri" charset="0"/>
+                      </a:endParaRPr>
+                    </a:p>
+                  </a:txBody>
+                  <a:tcPr marL="2812" marR="2812" marT="2812" marB="0" anchor="ctr"/>
+                </a:tc>
+                <a:extLst>
+                  <a:ext uri="{0D108BD9-81ED-4DB2-BD59-A6C34878D82A}">
+                    <a16:rowId xmlns:a16="http://schemas.microsoft.com/office/drawing/2014/main" val="2750690894"/>
+                  </a:ext>
+                </a:extLst>
+              </a:tr>
+              <a:tr h="375498">
+                <a:tc>
+                  <a:txBody>
+                    <a:bodyPr/>
+                    <a:lstStyle/>
+                    <a:p>
+                      <a:pPr algn="ctr" fontAlgn="ctr"/>
+                      <a:r>
+                        <a:rPr lang="en-US" sz="1600" b="1" u="none" strike="noStrike" dirty="0">
+                          <a:effectLst/>
+                        </a:rPr>
+                        <a:t>Variable</a:t>
+                      </a:r>
+                      <a:endParaRPr lang="en-US" sz="1600" b="1" i="0" u="none" strike="noStrike" dirty="0">
+                        <a:solidFill>
+                          <a:srgbClr val="000000"/>
+                        </a:solidFill>
+                        <a:effectLst/>
+                        <a:latin typeface="Calibri" charset="0"/>
+                      </a:endParaRPr>
+                    </a:p>
+                  </a:txBody>
+                  <a:tcPr marL="2812" marR="2812" marT="2812" marB="0" anchor="ctr"/>
+                </a:tc>
+                <a:tc>
+                  <a:txBody>
+                    <a:bodyPr/>
+                    <a:lstStyle/>
+                    <a:p>
+                      <a:pPr algn="ctr" fontAlgn="ctr"/>
+                      <a:r>
+                        <a:rPr lang="en-US" sz="1600" b="1" u="none" strike="noStrike" dirty="0">
+                          <a:effectLst/>
+                        </a:rPr>
+                        <a:t>Lasso Coefficient</a:t>
+                      </a:r>
+                      <a:endParaRPr lang="en-US" sz="1600" b="1" i="0" u="none" strike="noStrike" dirty="0">
+                        <a:solidFill>
+                          <a:srgbClr val="000000"/>
+                        </a:solidFill>
+                        <a:effectLst/>
+                        <a:latin typeface="Calibri" charset="0"/>
+                      </a:endParaRPr>
+                    </a:p>
+                  </a:txBody>
+                  <a:tcPr marL="2812" marR="2812" marT="2812" marB="0" anchor="ctr"/>
+                </a:tc>
+                <a:extLst>
+                  <a:ext uri="{0D108BD9-81ED-4DB2-BD59-A6C34878D82A}">
+                    <a16:rowId xmlns:a16="http://schemas.microsoft.com/office/drawing/2014/main" val="621517536"/>
+                  </a:ext>
+                </a:extLst>
+              </a:tr>
+              <a:tr h="375498">
+                <a:tc>
+                  <a:txBody>
+                    <a:bodyPr/>
+                    <a:lstStyle/>
+                    <a:p>
+                      <a:pPr algn="l" fontAlgn="ctr"/>
+                      <a:endParaRPr lang="en-GB" sz="1400" b="0" i="0" u="none" strike="noStrike">
+                        <a:solidFill>
+                          <a:srgbClr val="000000"/>
+                        </a:solidFill>
+                        <a:effectLst/>
+                        <a:latin typeface="+mn-lt"/>
+                      </a:endParaRPr>
+                    </a:p>
+                    <a:p>
+                      <a:pPr algn="l" fontAlgn="ctr"/>
+                      <a:r>
+                        <a:rPr lang="en-GB" sz="1400" b="0" i="0" u="none" strike="noStrike">
+                          <a:solidFill>
+                            <a:srgbClr val="000000"/>
+                          </a:solidFill>
+                          <a:effectLst/>
+                          <a:latin typeface="+mn-lt"/>
+                        </a:rPr>
+                        <a:t>bach_deg_share_of_tot_deg</a:t>
+                      </a:r>
+                    </a:p>
+                  </a:txBody>
+                  <a:tcPr marL="6350" marR="6350" marT="6350" marB="0" anchor="ctr"/>
+                </a:tc>
+                <a:tc>
+                  <a:txBody>
+                    <a:bodyPr/>
+                    <a:lstStyle/>
+                    <a:p>
+                      <a:pPr algn="r" fontAlgn="ctr"/>
+                      <a:endParaRPr lang="en-GB" sz="1400" b="0" i="0" u="none" strike="noStrike">
+                        <a:solidFill>
+                          <a:srgbClr val="000000"/>
+                        </a:solidFill>
+                        <a:effectLst/>
+                        <a:latin typeface="+mn-lt"/>
+                      </a:endParaRPr>
+                    </a:p>
+                    <a:p>
+                      <a:pPr algn="r" fontAlgn="ctr"/>
+                      <a:r>
+                        <a:rPr lang="en-GB" sz="1400" b="0" i="0" u="none" strike="noStrike">
+                          <a:solidFill>
+                            <a:srgbClr val="000000"/>
+                          </a:solidFill>
+                          <a:effectLst/>
+                          <a:latin typeface="+mn-lt"/>
+                        </a:rPr>
+                        <a:t>0.525265189 </a:t>
+                      </a:r>
+                    </a:p>
+                  </a:txBody>
+                  <a:tcPr marL="6350" marR="6350" marT="6350" marB="0" anchor="ctr"/>
+                </a:tc>
+                <a:extLst>
+                  <a:ext uri="{0D108BD9-81ED-4DB2-BD59-A6C34878D82A}">
+                    <a16:rowId xmlns:a16="http://schemas.microsoft.com/office/drawing/2014/main" val="196882050"/>
+                  </a:ext>
+                </a:extLst>
+              </a:tr>
+              <a:tr h="375498">
+                <a:tc>
+                  <a:txBody>
+                    <a:bodyPr/>
+                    <a:lstStyle/>
+                    <a:p>
+                      <a:pPr algn="l" fontAlgn="ctr"/>
+                      <a:endParaRPr lang="en-GB" sz="1400" b="0" i="0" u="none" strike="noStrike" dirty="0">
+                        <a:solidFill>
+                          <a:srgbClr val="000000"/>
+                        </a:solidFill>
+                        <a:effectLst/>
+                        <a:latin typeface="+mn-lt"/>
+                      </a:endParaRPr>
+                    </a:p>
+                    <a:p>
+                      <a:pPr algn="l" fontAlgn="ctr"/>
+                      <a:r>
+                        <a:rPr lang="en-GB" sz="1400" b="0" i="0" u="none" strike="noStrike" dirty="0">
+                          <a:solidFill>
+                            <a:srgbClr val="000000"/>
+                          </a:solidFill>
+                          <a:effectLst/>
+                          <a:latin typeface="+mn-lt"/>
+                        </a:rPr>
+                        <a:t>hbcu2</a:t>
+                      </a:r>
+                    </a:p>
+                  </a:txBody>
+                  <a:tcPr marL="6350" marR="6350" marT="6350" marB="0" anchor="ctr"/>
+                </a:tc>
+                <a:tc>
+                  <a:txBody>
+                    <a:bodyPr/>
+                    <a:lstStyle/>
+                    <a:p>
+                      <a:pPr algn="r" fontAlgn="ctr"/>
+                      <a:endParaRPr lang="en-GB" sz="1400" b="0" i="0" u="none" strike="noStrike">
+                        <a:solidFill>
+                          <a:srgbClr val="000000"/>
+                        </a:solidFill>
+                        <a:effectLst/>
+                        <a:latin typeface="+mn-lt"/>
+                      </a:endParaRPr>
+                    </a:p>
+                    <a:p>
+                      <a:pPr algn="r" fontAlgn="ctr"/>
+                      <a:r>
+                        <a:rPr lang="en-GB" sz="1400" b="0" i="0" u="none" strike="noStrike">
+                          <a:solidFill>
+                            <a:srgbClr val="000000"/>
+                          </a:solidFill>
+                          <a:effectLst/>
+                          <a:latin typeface="+mn-lt"/>
+                        </a:rPr>
+                        <a:t>0.478341477 </a:t>
+                      </a:r>
+                    </a:p>
+                  </a:txBody>
+                  <a:tcPr marL="6350" marR="6350" marT="6350" marB="0" anchor="ctr"/>
+                </a:tc>
+                <a:extLst>
+                  <a:ext uri="{0D108BD9-81ED-4DB2-BD59-A6C34878D82A}">
+                    <a16:rowId xmlns:a16="http://schemas.microsoft.com/office/drawing/2014/main" val="1570215453"/>
+                  </a:ext>
+                </a:extLst>
+              </a:tr>
+              <a:tr h="375498">
+                <a:tc>
+                  <a:txBody>
+                    <a:bodyPr/>
+                    <a:lstStyle/>
+                    <a:p>
+                      <a:pPr algn="l" fontAlgn="ctr"/>
+                      <a:endParaRPr lang="en-GB" sz="1400" b="0" i="0" u="none" strike="noStrike" dirty="0">
+                        <a:solidFill>
+                          <a:srgbClr val="000000"/>
+                        </a:solidFill>
+                        <a:effectLst/>
+                        <a:latin typeface="+mn-lt"/>
+                      </a:endParaRPr>
+                    </a:p>
+                    <a:p>
+                      <a:pPr algn="l" fontAlgn="ctr"/>
+                      <a:r>
+                        <a:rPr lang="en-GB" sz="1400" b="0" i="0" u="none" strike="noStrike" dirty="0" err="1">
+                          <a:solidFill>
+                            <a:srgbClr val="000000"/>
+                          </a:solidFill>
+                          <a:effectLst/>
+                          <a:latin typeface="+mn-lt"/>
+                        </a:rPr>
+                        <a:t>returning_to_total_undergraduate</a:t>
+                      </a:r>
+                      <a:endParaRPr lang="en-GB" sz="1400" b="0" i="0" u="none" strike="noStrike" dirty="0">
+                        <a:solidFill>
+                          <a:srgbClr val="000000"/>
+                        </a:solidFill>
+                        <a:effectLst/>
+                        <a:latin typeface="+mn-lt"/>
+                      </a:endParaRPr>
+                    </a:p>
+                  </a:txBody>
+                  <a:tcPr marL="6350" marR="6350" marT="6350" marB="0" anchor="ctr"/>
+                </a:tc>
+                <a:tc>
+                  <a:txBody>
+                    <a:bodyPr/>
+                    <a:lstStyle/>
+                    <a:p>
+                      <a:pPr algn="r" fontAlgn="ctr"/>
+                      <a:endParaRPr lang="en-GB" sz="1400" b="0" i="0" u="none" strike="noStrike">
+                        <a:solidFill>
+                          <a:srgbClr val="000000"/>
+                        </a:solidFill>
+                        <a:effectLst/>
+                        <a:latin typeface="+mn-lt"/>
+                      </a:endParaRPr>
+                    </a:p>
+                    <a:p>
+                      <a:pPr algn="r" fontAlgn="ctr"/>
+                      <a:r>
+                        <a:rPr lang="en-GB" sz="1400" b="0" i="0" u="none" strike="noStrike">
+                          <a:solidFill>
+                            <a:srgbClr val="000000"/>
+                          </a:solidFill>
+                          <a:effectLst/>
+                          <a:latin typeface="+mn-lt"/>
+                        </a:rPr>
+                        <a:t>0.351818157 </a:t>
+                      </a:r>
+                    </a:p>
+                  </a:txBody>
+                  <a:tcPr marL="6350" marR="6350" marT="6350" marB="0" anchor="ctr"/>
+                </a:tc>
+                <a:extLst>
+                  <a:ext uri="{0D108BD9-81ED-4DB2-BD59-A6C34878D82A}">
+                    <a16:rowId xmlns:a16="http://schemas.microsoft.com/office/drawing/2014/main" val="2067295398"/>
+                  </a:ext>
+                </a:extLst>
+              </a:tr>
+              <a:tr h="375498">
+                <a:tc>
+                  <a:txBody>
+                    <a:bodyPr/>
+                    <a:lstStyle/>
+                    <a:p>
+                      <a:pPr algn="l" fontAlgn="ctr"/>
+                      <a:endParaRPr lang="en-GB" sz="1400" b="0" i="0" u="none" strike="noStrike" dirty="0">
+                        <a:solidFill>
+                          <a:srgbClr val="000000"/>
+                        </a:solidFill>
+                        <a:effectLst/>
+                        <a:latin typeface="+mn-lt"/>
+                      </a:endParaRPr>
+                    </a:p>
+                    <a:p>
+                      <a:pPr algn="l" fontAlgn="ctr"/>
+                      <a:r>
+                        <a:rPr lang="en-GB" sz="1400" b="0" i="0" u="none" strike="noStrike" dirty="0" err="1">
+                          <a:solidFill>
+                            <a:srgbClr val="000000"/>
+                          </a:solidFill>
+                          <a:effectLst/>
+                          <a:latin typeface="+mn-lt"/>
+                        </a:rPr>
+                        <a:t>eandr_degree</a:t>
+                      </a:r>
+                      <a:endParaRPr lang="en-GB" sz="1400" b="0" i="0" u="none" strike="noStrike" dirty="0">
+                        <a:solidFill>
+                          <a:srgbClr val="000000"/>
+                        </a:solidFill>
+                        <a:effectLst/>
+                        <a:latin typeface="+mn-lt"/>
+                      </a:endParaRPr>
+                    </a:p>
+                  </a:txBody>
+                  <a:tcPr marL="6350" marR="6350" marT="6350" marB="0" anchor="ctr"/>
+                </a:tc>
+                <a:tc>
+                  <a:txBody>
+                    <a:bodyPr/>
+                    <a:lstStyle/>
+                    <a:p>
+                      <a:pPr algn="r" fontAlgn="ctr"/>
+                      <a:endParaRPr lang="en-GB" sz="1400" b="0" i="0" u="none" strike="noStrike">
+                        <a:solidFill>
+                          <a:srgbClr val="000000"/>
+                        </a:solidFill>
+                        <a:effectLst/>
+                        <a:latin typeface="+mn-lt"/>
+                      </a:endParaRPr>
+                    </a:p>
+                    <a:p>
+                      <a:pPr algn="r" fontAlgn="ctr"/>
+                      <a:r>
+                        <a:rPr lang="en-GB" sz="1400" b="0" i="0" u="none" strike="noStrike">
+                          <a:solidFill>
+                            <a:srgbClr val="000000"/>
+                          </a:solidFill>
+                          <a:effectLst/>
+                          <a:latin typeface="+mn-lt"/>
+                        </a:rPr>
+                        <a:t>-0.255169884</a:t>
+                      </a:r>
+                    </a:p>
+                  </a:txBody>
+                  <a:tcPr marL="6350" marR="6350" marT="6350" marB="0" anchor="ctr"/>
+                </a:tc>
+                <a:extLst>
+                  <a:ext uri="{0D108BD9-81ED-4DB2-BD59-A6C34878D82A}">
+                    <a16:rowId xmlns:a16="http://schemas.microsoft.com/office/drawing/2014/main" val="498738980"/>
+                  </a:ext>
+                </a:extLst>
+              </a:tr>
+              <a:tr h="375498">
+                <a:tc>
+                  <a:txBody>
+                    <a:bodyPr/>
+                    <a:lstStyle/>
+                    <a:p>
+                      <a:pPr algn="l" fontAlgn="ctr"/>
+                      <a:endParaRPr lang="en-GB" sz="1400" b="0" i="0" u="none" strike="noStrike" dirty="0">
+                        <a:solidFill>
+                          <a:srgbClr val="000000"/>
+                        </a:solidFill>
+                        <a:effectLst/>
+                        <a:latin typeface="+mn-lt"/>
+                      </a:endParaRPr>
+                    </a:p>
+                    <a:p>
+                      <a:pPr algn="l" fontAlgn="ctr"/>
+                      <a:r>
+                        <a:rPr lang="en-GB" sz="1400" b="0" i="0" u="none" strike="noStrike" dirty="0" err="1">
+                          <a:solidFill>
+                            <a:srgbClr val="000000"/>
+                          </a:solidFill>
+                          <a:effectLst/>
+                          <a:latin typeface="+mn-lt"/>
+                        </a:rPr>
+                        <a:t>fed_grant_num</a:t>
+                      </a:r>
+                      <a:endParaRPr lang="en-GB" sz="1400" b="0" i="0" u="none" strike="noStrike" dirty="0">
+                        <a:solidFill>
+                          <a:srgbClr val="000000"/>
+                        </a:solidFill>
+                        <a:effectLst/>
+                        <a:latin typeface="+mn-lt"/>
+                      </a:endParaRPr>
+                    </a:p>
+                  </a:txBody>
+                  <a:tcPr marL="6350" marR="6350" marT="6350" marB="0" anchor="ctr"/>
+                </a:tc>
+                <a:tc>
+                  <a:txBody>
+                    <a:bodyPr/>
+                    <a:lstStyle/>
+                    <a:p>
+                      <a:pPr algn="r" fontAlgn="ctr"/>
+                      <a:endParaRPr lang="en-GB" sz="1400" b="0" i="0" u="none" strike="noStrike">
+                        <a:solidFill>
+                          <a:srgbClr val="000000"/>
+                        </a:solidFill>
+                        <a:effectLst/>
+                        <a:latin typeface="+mn-lt"/>
+                      </a:endParaRPr>
+                    </a:p>
+                    <a:p>
+                      <a:pPr algn="r" fontAlgn="ctr"/>
+                      <a:r>
+                        <a:rPr lang="en-GB" sz="1400" b="0" i="0" u="none" strike="noStrike">
+                          <a:solidFill>
+                            <a:srgbClr val="000000"/>
+                          </a:solidFill>
+                          <a:effectLst/>
+                          <a:latin typeface="+mn-lt"/>
+                        </a:rPr>
+                        <a:t>-0.159025745</a:t>
+                      </a:r>
+                    </a:p>
+                  </a:txBody>
+                  <a:tcPr marL="6350" marR="6350" marT="6350" marB="0" anchor="ctr"/>
+                </a:tc>
+                <a:extLst>
+                  <a:ext uri="{0D108BD9-81ED-4DB2-BD59-A6C34878D82A}">
+                    <a16:rowId xmlns:a16="http://schemas.microsoft.com/office/drawing/2014/main" val="2702805797"/>
+                  </a:ext>
+                </a:extLst>
+              </a:tr>
+              <a:tr h="375498">
+                <a:tc>
+                  <a:txBody>
+                    <a:bodyPr/>
+                    <a:lstStyle/>
+                    <a:p>
+                      <a:pPr algn="l" fontAlgn="ctr"/>
+                      <a:endParaRPr lang="en-GB" sz="1400" b="0" i="0" u="none" strike="noStrike" dirty="0">
+                        <a:solidFill>
+                          <a:srgbClr val="000000"/>
+                        </a:solidFill>
+                        <a:effectLst/>
+                        <a:latin typeface="+mn-lt"/>
+                      </a:endParaRPr>
+                    </a:p>
+                    <a:p>
+                      <a:pPr algn="l" fontAlgn="ctr"/>
+                      <a:r>
+                        <a:rPr lang="en-GB" sz="1400" b="0" i="0" u="none" strike="noStrike" dirty="0" err="1">
+                          <a:solidFill>
+                            <a:srgbClr val="000000"/>
+                          </a:solidFill>
+                          <a:effectLst/>
+                          <a:latin typeface="+mn-lt"/>
+                        </a:rPr>
+                        <a:t>other_ed_related_cost</a:t>
+                      </a:r>
+                      <a:endParaRPr lang="en-GB" sz="1400" b="0" i="0" u="none" strike="noStrike" dirty="0">
+                        <a:solidFill>
+                          <a:srgbClr val="000000"/>
+                        </a:solidFill>
+                        <a:effectLst/>
+                        <a:latin typeface="+mn-lt"/>
+                      </a:endParaRPr>
+                    </a:p>
+                  </a:txBody>
+                  <a:tcPr marL="6350" marR="6350" marT="6350" marB="0" anchor="ctr"/>
+                </a:tc>
+                <a:tc>
+                  <a:txBody>
+                    <a:bodyPr/>
+                    <a:lstStyle/>
+                    <a:p>
+                      <a:pPr algn="r" fontAlgn="ctr"/>
+                      <a:endParaRPr lang="en-GB" sz="1400" b="0" i="0" u="none" strike="noStrike">
+                        <a:solidFill>
+                          <a:srgbClr val="000000"/>
+                        </a:solidFill>
+                        <a:effectLst/>
+                        <a:latin typeface="+mn-lt"/>
+                      </a:endParaRPr>
+                    </a:p>
+                    <a:p>
+                      <a:pPr algn="r" fontAlgn="ctr"/>
+                      <a:r>
+                        <a:rPr lang="en-GB" sz="1400" b="0" i="0" u="none" strike="noStrike">
+                          <a:solidFill>
+                            <a:srgbClr val="000000"/>
+                          </a:solidFill>
+                          <a:effectLst/>
+                          <a:latin typeface="+mn-lt"/>
+                        </a:rPr>
+                        <a:t>0.134481618 </a:t>
+                      </a:r>
+                    </a:p>
+                  </a:txBody>
+                  <a:tcPr marL="6350" marR="6350" marT="6350" marB="0" anchor="ctr"/>
+                </a:tc>
+                <a:extLst>
+                  <a:ext uri="{0D108BD9-81ED-4DB2-BD59-A6C34878D82A}">
+                    <a16:rowId xmlns:a16="http://schemas.microsoft.com/office/drawing/2014/main" val="1306237140"/>
+                  </a:ext>
+                </a:extLst>
+              </a:tr>
+              <a:tr h="375498">
+                <a:tc>
+                  <a:txBody>
+                    <a:bodyPr/>
+                    <a:lstStyle/>
+                    <a:p>
+                      <a:pPr algn="l" fontAlgn="ctr"/>
+                      <a:endParaRPr lang="en-GB" sz="1400" b="0" i="0" u="none" strike="noStrike">
+                        <a:solidFill>
+                          <a:srgbClr val="000000"/>
+                        </a:solidFill>
+                        <a:effectLst/>
+                        <a:latin typeface="+mn-lt"/>
+                      </a:endParaRPr>
+                    </a:p>
+                    <a:p>
+                      <a:pPr algn="l" fontAlgn="ctr"/>
+                      <a:r>
+                        <a:rPr lang="en-GB" sz="1400" b="0" i="0" u="none" strike="noStrike">
+                          <a:solidFill>
+                            <a:srgbClr val="000000"/>
+                          </a:solidFill>
+                          <a:effectLst/>
+                          <a:latin typeface="+mn-lt"/>
+                        </a:rPr>
+                        <a:t>total_enrollment_black_tot</a:t>
+                      </a:r>
+                    </a:p>
+                  </a:txBody>
+                  <a:tcPr marL="6350" marR="6350" marT="6350" marB="0" anchor="ctr"/>
+                </a:tc>
+                <a:tc>
+                  <a:txBody>
+                    <a:bodyPr/>
+                    <a:lstStyle/>
+                    <a:p>
+                      <a:pPr algn="r" fontAlgn="ctr"/>
+                      <a:endParaRPr lang="en-GB" sz="1400" b="0" i="0" u="none" strike="noStrike">
+                        <a:solidFill>
+                          <a:srgbClr val="000000"/>
+                        </a:solidFill>
+                        <a:effectLst/>
+                        <a:latin typeface="+mn-lt"/>
+                      </a:endParaRPr>
+                    </a:p>
+                    <a:p>
+                      <a:pPr algn="r" fontAlgn="ctr"/>
+                      <a:r>
+                        <a:rPr lang="en-GB" sz="1400" b="0" i="0" u="none" strike="noStrike">
+                          <a:solidFill>
+                            <a:srgbClr val="000000"/>
+                          </a:solidFill>
+                          <a:effectLst/>
+                          <a:latin typeface="+mn-lt"/>
+                        </a:rPr>
+                        <a:t>-0.094660804</a:t>
+                      </a:r>
+                    </a:p>
+                  </a:txBody>
+                  <a:tcPr marL="6350" marR="6350" marT="6350" marB="0" anchor="ctr"/>
+                </a:tc>
+                <a:extLst>
+                  <a:ext uri="{0D108BD9-81ED-4DB2-BD59-A6C34878D82A}">
+                    <a16:rowId xmlns:a16="http://schemas.microsoft.com/office/drawing/2014/main" val="77369290"/>
+                  </a:ext>
+                </a:extLst>
+              </a:tr>
+              <a:tr h="375498">
+                <a:tc>
+                  <a:txBody>
+                    <a:bodyPr/>
+                    <a:lstStyle/>
+                    <a:p>
+                      <a:pPr algn="l" fontAlgn="ctr"/>
+                      <a:endParaRPr lang="en-GB" sz="1400" b="0" i="0" u="none" strike="noStrike" dirty="0">
+                        <a:solidFill>
+                          <a:srgbClr val="000000"/>
+                        </a:solidFill>
+                        <a:effectLst/>
+                        <a:latin typeface="+mn-lt"/>
+                      </a:endParaRPr>
+                    </a:p>
+                    <a:p>
+                      <a:pPr algn="l" fontAlgn="ctr"/>
+                      <a:r>
+                        <a:rPr lang="en-GB" sz="1400" b="0" i="0" u="none" strike="noStrike" dirty="0" err="1">
+                          <a:solidFill>
+                            <a:srgbClr val="000000"/>
+                          </a:solidFill>
+                          <a:effectLst/>
+                          <a:latin typeface="+mn-lt"/>
+                        </a:rPr>
+                        <a:t>inst_grant_num</a:t>
+                      </a:r>
+                      <a:endParaRPr lang="en-GB" sz="1400" b="0" i="0" u="none" strike="noStrike" dirty="0">
+                        <a:solidFill>
+                          <a:srgbClr val="000000"/>
+                        </a:solidFill>
+                        <a:effectLst/>
+                        <a:latin typeface="+mn-lt"/>
+                      </a:endParaRPr>
+                    </a:p>
+                  </a:txBody>
+                  <a:tcPr marL="6350" marR="6350" marT="6350" marB="0" anchor="ctr"/>
+                </a:tc>
+                <a:tc>
+                  <a:txBody>
+                    <a:bodyPr/>
+                    <a:lstStyle/>
+                    <a:p>
+                      <a:pPr algn="r" fontAlgn="ctr"/>
+                      <a:endParaRPr lang="en-GB" sz="1400" b="0" i="0" u="none" strike="noStrike">
+                        <a:solidFill>
+                          <a:srgbClr val="000000"/>
+                        </a:solidFill>
+                        <a:effectLst/>
+                        <a:latin typeface="+mn-lt"/>
+                      </a:endParaRPr>
+                    </a:p>
+                    <a:p>
+                      <a:pPr algn="r" fontAlgn="ctr"/>
+                      <a:r>
+                        <a:rPr lang="en-GB" sz="1400" b="0" i="0" u="none" strike="noStrike">
+                          <a:solidFill>
+                            <a:srgbClr val="000000"/>
+                          </a:solidFill>
+                          <a:effectLst/>
+                          <a:latin typeface="+mn-lt"/>
+                        </a:rPr>
+                        <a:t>0.093077126 </a:t>
+                      </a:r>
+                    </a:p>
+                  </a:txBody>
+                  <a:tcPr marL="6350" marR="6350" marT="6350" marB="0" anchor="ctr"/>
+                </a:tc>
+                <a:extLst>
+                  <a:ext uri="{0D108BD9-81ED-4DB2-BD59-A6C34878D82A}">
+                    <a16:rowId xmlns:a16="http://schemas.microsoft.com/office/drawing/2014/main" val="3496620231"/>
+                  </a:ext>
+                </a:extLst>
+              </a:tr>
+              <a:tr h="430321">
+                <a:tc>
+                  <a:txBody>
+                    <a:bodyPr/>
+                    <a:lstStyle/>
+                    <a:p>
+                      <a:pPr algn="l" fontAlgn="ctr"/>
+                      <a:endParaRPr lang="en-GB" sz="1400" b="0" i="0" u="none" strike="noStrike" dirty="0">
+                        <a:solidFill>
+                          <a:srgbClr val="000000"/>
+                        </a:solidFill>
+                        <a:effectLst/>
+                        <a:latin typeface="+mn-lt"/>
+                      </a:endParaRPr>
+                    </a:p>
+                    <a:p>
+                      <a:pPr algn="l" fontAlgn="ctr"/>
+                      <a:r>
+                        <a:rPr lang="en-GB" sz="1400" b="0" i="0" u="none" strike="noStrike" dirty="0" err="1">
+                          <a:solidFill>
+                            <a:srgbClr val="000000"/>
+                          </a:solidFill>
+                          <a:effectLst/>
+                          <a:latin typeface="+mn-lt"/>
+                        </a:rPr>
+                        <a:t>ptug_share_of_total_pt_enrl</a:t>
+                      </a:r>
+                      <a:endParaRPr lang="en-GB" sz="1400" b="0" i="0" u="none" strike="noStrike" dirty="0">
+                        <a:solidFill>
+                          <a:srgbClr val="000000"/>
+                        </a:solidFill>
+                        <a:effectLst/>
+                        <a:latin typeface="+mn-lt"/>
+                      </a:endParaRPr>
+                    </a:p>
+                  </a:txBody>
+                  <a:tcPr marL="6350" marR="6350" marT="6350" marB="0" anchor="ctr"/>
+                </a:tc>
+                <a:tc>
+                  <a:txBody>
+                    <a:bodyPr/>
+                    <a:lstStyle/>
+                    <a:p>
+                      <a:pPr algn="r" fontAlgn="ctr"/>
+                      <a:endParaRPr lang="en-GB" sz="1400" b="0" i="0" u="none" strike="noStrike">
+                        <a:solidFill>
+                          <a:srgbClr val="000000"/>
+                        </a:solidFill>
+                        <a:effectLst/>
+                        <a:latin typeface="+mn-lt"/>
+                      </a:endParaRPr>
+                    </a:p>
+                    <a:p>
+                      <a:pPr algn="r" fontAlgn="ctr"/>
+                      <a:r>
+                        <a:rPr lang="en-GB" sz="1400" b="0" i="0" u="none" strike="noStrike">
+                          <a:solidFill>
+                            <a:srgbClr val="000000"/>
+                          </a:solidFill>
+                          <a:effectLst/>
+                          <a:latin typeface="+mn-lt"/>
+                        </a:rPr>
+                        <a:t>-0.088419156</a:t>
+                      </a:r>
+                    </a:p>
+                  </a:txBody>
+                  <a:tcPr marL="6350" marR="6350" marT="6350" marB="0" anchor="ctr"/>
+                </a:tc>
+                <a:extLst>
+                  <a:ext uri="{0D108BD9-81ED-4DB2-BD59-A6C34878D82A}">
+                    <a16:rowId xmlns:a16="http://schemas.microsoft.com/office/drawing/2014/main" val="1593761885"/>
+                  </a:ext>
+                </a:extLst>
+              </a:tr>
+              <a:tr h="375498">
+                <a:tc>
+                  <a:txBody>
+                    <a:bodyPr/>
+                    <a:lstStyle/>
+                    <a:p>
+                      <a:pPr algn="l" fontAlgn="ctr"/>
+                      <a:endParaRPr lang="en-GB" sz="1400" b="0" i="0" u="none" strike="noStrike">
+                        <a:solidFill>
+                          <a:srgbClr val="000000"/>
+                        </a:solidFill>
+                        <a:effectLst/>
+                        <a:latin typeface="+mn-lt"/>
+                      </a:endParaRPr>
+                    </a:p>
+                    <a:p>
+                      <a:pPr algn="l" fontAlgn="ctr"/>
+                      <a:r>
+                        <a:rPr lang="en-GB" sz="1400" b="0" i="0" u="none" strike="noStrike">
+                          <a:solidFill>
+                            <a:srgbClr val="000000"/>
+                          </a:solidFill>
+                          <a:effectLst/>
+                          <a:latin typeface="+mn-lt"/>
+                        </a:rPr>
+                        <a:t>credhoursug</a:t>
+                      </a:r>
+                    </a:p>
+                  </a:txBody>
+                  <a:tcPr marL="6350" marR="6350" marT="6350" marB="0" anchor="ctr"/>
+                </a:tc>
+                <a:tc>
+                  <a:txBody>
+                    <a:bodyPr/>
+                    <a:lstStyle/>
+                    <a:p>
+                      <a:pPr algn="r" fontAlgn="ctr"/>
+                      <a:endParaRPr lang="en-GB" sz="1400" b="0" i="0" u="none" strike="noStrike" dirty="0">
+                        <a:solidFill>
+                          <a:srgbClr val="000000"/>
+                        </a:solidFill>
+                        <a:effectLst/>
+                        <a:latin typeface="+mn-lt"/>
+                      </a:endParaRPr>
+                    </a:p>
+                    <a:p>
+                      <a:pPr algn="r" fontAlgn="ctr"/>
+                      <a:r>
+                        <a:rPr lang="en-GB" sz="1400" b="0" i="0" u="none" strike="noStrike" dirty="0">
+                          <a:solidFill>
+                            <a:srgbClr val="000000"/>
+                          </a:solidFill>
+                          <a:effectLst/>
+                          <a:latin typeface="+mn-lt"/>
+                        </a:rPr>
+                        <a:t>0.08716357</a:t>
+                      </a:r>
+                    </a:p>
+                  </a:txBody>
+                  <a:tcPr marL="6350" marR="6350" marT="6350" marB="0" anchor="ctr"/>
+                </a:tc>
+                <a:extLst>
+                  <a:ext uri="{0D108BD9-81ED-4DB2-BD59-A6C34878D82A}">
+                    <a16:rowId xmlns:a16="http://schemas.microsoft.com/office/drawing/2014/main" val="3551024362"/>
+                  </a:ext>
+                </a:extLst>
+              </a:tr>
+            </a:tbl>
+          </a:graphicData>
+        </a:graphic>
+      </p:graphicFrame>
+    </p:spTree>
+    <p:extLst>
+      <p:ext uri="{BB962C8B-B14F-4D97-AF65-F5344CB8AC3E}">
+        <p14:creationId xmlns:p14="http://schemas.microsoft.com/office/powerpoint/2010/main" val="915265418"/>
       </p:ext>
     </p:extLst>
   </p:cSld>

--- a/reports/18_03_13 Presentation.pptx
+++ b/reports/18_03_13 Presentation.pptx
@@ -12,13 +12,14 @@
     <p:sldId id="260" r:id="rId6"/>
     <p:sldId id="261" r:id="rId7"/>
     <p:sldId id="262" r:id="rId8"/>
-    <p:sldId id="263" r:id="rId9"/>
-    <p:sldId id="264" r:id="rId10"/>
-    <p:sldId id="268" r:id="rId11"/>
-    <p:sldId id="269" r:id="rId12"/>
-    <p:sldId id="265" r:id="rId13"/>
-    <p:sldId id="266" r:id="rId14"/>
-    <p:sldId id="267" r:id="rId15"/>
+    <p:sldId id="270" r:id="rId9"/>
+    <p:sldId id="263" r:id="rId10"/>
+    <p:sldId id="264" r:id="rId11"/>
+    <p:sldId id="268" r:id="rId12"/>
+    <p:sldId id="269" r:id="rId13"/>
+    <p:sldId id="265" r:id="rId14"/>
+    <p:sldId id="266" r:id="rId15"/>
+    <p:sldId id="267" r:id="rId16"/>
   </p:sldIdLst>
   <p:sldSz cx="12192000" cy="6858000"/>
   <p:notesSz cx="6858000" cy="9144000"/>
@@ -254,7 +255,7 @@
           <a:p>
             <a:fld id="{8B887784-E512-F943-98E0-5497CC7B1195}" type="datetimeFigureOut">
               <a:rPr lang="en-US" smtClean="0"/>
-              <a:t>3/11/2018</a:t>
+              <a:t>3/12/18</a:t>
             </a:fld>
             <a:endParaRPr lang="en-US"/>
           </a:p>
@@ -422,7 +423,7 @@
           <a:p>
             <a:fld id="{8B887784-E512-F943-98E0-5497CC7B1195}" type="datetimeFigureOut">
               <a:rPr lang="en-US" smtClean="0"/>
-              <a:t>3/11/2018</a:t>
+              <a:t>3/12/18</a:t>
             </a:fld>
             <a:endParaRPr lang="en-US"/>
           </a:p>
@@ -600,7 +601,7 @@
           <a:p>
             <a:fld id="{8B887784-E512-F943-98E0-5497CC7B1195}" type="datetimeFigureOut">
               <a:rPr lang="en-US" smtClean="0"/>
-              <a:t>3/11/2018</a:t>
+              <a:t>3/12/18</a:t>
             </a:fld>
             <a:endParaRPr lang="en-US"/>
           </a:p>
@@ -768,7 +769,7 @@
           <a:p>
             <a:fld id="{8B887784-E512-F943-98E0-5497CC7B1195}" type="datetimeFigureOut">
               <a:rPr lang="en-US" smtClean="0"/>
-              <a:t>3/11/2018</a:t>
+              <a:t>3/12/18</a:t>
             </a:fld>
             <a:endParaRPr lang="en-US"/>
           </a:p>
@@ -1013,7 +1014,7 @@
           <a:p>
             <a:fld id="{8B887784-E512-F943-98E0-5497CC7B1195}" type="datetimeFigureOut">
               <a:rPr lang="en-US" smtClean="0"/>
-              <a:t>3/11/2018</a:t>
+              <a:t>3/12/18</a:t>
             </a:fld>
             <a:endParaRPr lang="en-US"/>
           </a:p>
@@ -1242,7 +1243,7 @@
           <a:p>
             <a:fld id="{8B887784-E512-F943-98E0-5497CC7B1195}" type="datetimeFigureOut">
               <a:rPr lang="en-US" smtClean="0"/>
-              <a:t>3/11/2018</a:t>
+              <a:t>3/12/18</a:t>
             </a:fld>
             <a:endParaRPr lang="en-US"/>
           </a:p>
@@ -1606,7 +1607,7 @@
           <a:p>
             <a:fld id="{8B887784-E512-F943-98E0-5497CC7B1195}" type="datetimeFigureOut">
               <a:rPr lang="en-US" smtClean="0"/>
-              <a:t>3/11/2018</a:t>
+              <a:t>3/12/18</a:t>
             </a:fld>
             <a:endParaRPr lang="en-US"/>
           </a:p>
@@ -1723,7 +1724,7 @@
           <a:p>
             <a:fld id="{8B887784-E512-F943-98E0-5497CC7B1195}" type="datetimeFigureOut">
               <a:rPr lang="en-US" smtClean="0"/>
-              <a:t>3/11/2018</a:t>
+              <a:t>3/12/18</a:t>
             </a:fld>
             <a:endParaRPr lang="en-US"/>
           </a:p>
@@ -1818,7 +1819,7 @@
           <a:p>
             <a:fld id="{8B887784-E512-F943-98E0-5497CC7B1195}" type="datetimeFigureOut">
               <a:rPr lang="en-US" smtClean="0"/>
-              <a:t>3/11/2018</a:t>
+              <a:t>3/12/18</a:t>
             </a:fld>
             <a:endParaRPr lang="en-US"/>
           </a:p>
@@ -2093,7 +2094,7 @@
           <a:p>
             <a:fld id="{8B887784-E512-F943-98E0-5497CC7B1195}" type="datetimeFigureOut">
               <a:rPr lang="en-US" smtClean="0"/>
-              <a:t>3/11/2018</a:t>
+              <a:t>3/12/18</a:t>
             </a:fld>
             <a:endParaRPr lang="en-US"/>
           </a:p>
@@ -2345,7 +2346,7 @@
           <a:p>
             <a:fld id="{8B887784-E512-F943-98E0-5497CC7B1195}" type="datetimeFigureOut">
               <a:rPr lang="en-US" smtClean="0"/>
-              <a:t>3/11/2018</a:t>
+              <a:t>3/12/18</a:t>
             </a:fld>
             <a:endParaRPr lang="en-US"/>
           </a:p>
@@ -2556,7 +2557,7 @@
           <a:p>
             <a:fld id="{8B887784-E512-F943-98E0-5497CC7B1195}" type="datetimeFigureOut">
               <a:rPr lang="en-US" smtClean="0"/>
-              <a:t>3/11/2018</a:t>
+              <a:t>3/12/18</a:t>
             </a:fld>
             <a:endParaRPr lang="en-US"/>
           </a:p>
@@ -3055,7 +3056,7 @@
           <p:cNvPr id="2" name="Title 1">
             <a:extLst>
               <a:ext uri="{FF2B5EF4-FFF2-40B4-BE49-F238E27FC236}">
-                <a16:creationId xmlns:a16="http://schemas.microsoft.com/office/drawing/2014/main" id="{987F51D3-538B-4293-B504-421274B24C00}"/>
+                <a16:creationId xmlns:a16="http://schemas.microsoft.com/office/drawing/2014/main" xmlns="" id="{C1125D7B-F02A-445F-B8C7-34C547A14A7A}"/>
               </a:ext>
             </a:extLst>
           </p:cNvPr>
@@ -3073,122 +3074,1730 @@
           <a:p>
             <a:r>
               <a:rPr lang="en-US" dirty="0"/>
-              <a:t>Approach 2 – Selected Variables Grad Rate</a:t>
+              <a:t>Approach 2 – Selected Variables:</a:t>
             </a:r>
             <a:endParaRPr lang="en-GB" dirty="0"/>
           </a:p>
         </p:txBody>
       </p:sp>
-      <p:sp>
-        <p:nvSpPr>
-          <p:cNvPr id="9" name="TextBox 8">
+      <p:graphicFrame>
+        <p:nvGraphicFramePr>
+          <p:cNvPr id="4" name="Table 3">
             <a:extLst>
               <a:ext uri="{FF2B5EF4-FFF2-40B4-BE49-F238E27FC236}">
-                <a16:creationId xmlns:a16="http://schemas.microsoft.com/office/drawing/2014/main" id="{E17C9DD2-5731-48A3-ADE4-2D8C45483EC0}"/>
+                <a16:creationId xmlns:a16="http://schemas.microsoft.com/office/drawing/2014/main" xmlns="" id="{B971FF46-278A-4EFD-85A0-9E515C7A2BDC}"/>
               </a:ext>
             </a:extLst>
           </p:cNvPr>
-          <p:cNvSpPr txBox="1"/>
-          <p:nvPr/>
-        </p:nvSpPr>
-        <p:spPr>
-          <a:xfrm>
-            <a:off x="712269" y="1848051"/>
-            <a:ext cx="9788893" cy="4093428"/>
-          </a:xfrm>
-          <a:prstGeom prst="rect">
-            <a:avLst/>
-          </a:prstGeom>
-          <a:noFill/>
-        </p:spPr>
-        <p:txBody>
-          <a:bodyPr wrap="square" rtlCol="0">
-            <a:spAutoFit/>
-          </a:bodyPr>
-          <a:lstStyle/>
-          <a:p>
-            <a:r>
-              <a:rPr lang="en-US" sz="2800" dirty="0"/>
-              <a:t>Grad Rate Variables Interpretation:</a:t>
-            </a:r>
-          </a:p>
-          <a:p>
-            <a:pPr marL="285750" indent="-285750">
-              <a:buFont typeface="Arial" panose="020B0604020202020204" pitchFamily="34" charset="0"/>
-              <a:buChar char="•"/>
-            </a:pPr>
-            <a:r>
-              <a:rPr lang="en-US" sz="2800" dirty="0"/>
-              <a:t>Part timers – large negative coefficients</a:t>
-            </a:r>
-          </a:p>
-          <a:p>
-            <a:pPr marL="285750" indent="-285750">
-              <a:buFont typeface="Arial" panose="020B0604020202020204" pitchFamily="34" charset="0"/>
-              <a:buChar char="•"/>
-            </a:pPr>
-            <a:r>
-              <a:rPr lang="en-US" sz="2800" dirty="0"/>
-              <a:t>Federal Grants – large negative coefficients</a:t>
-            </a:r>
-          </a:p>
-          <a:p>
-            <a:pPr marL="285750" indent="-285750">
-              <a:buFont typeface="Arial" panose="020B0604020202020204" pitchFamily="34" charset="0"/>
-              <a:buChar char="•"/>
-            </a:pPr>
-            <a:r>
-              <a:rPr lang="en-US" sz="2800" dirty="0"/>
-              <a:t>Auxillary03: </a:t>
-            </a:r>
-            <a:r>
-              <a:rPr lang="en-GB" sz="2800" dirty="0"/>
-              <a:t>e.g. residence halls, food services, student health services, intercollegiate athletics, college unions, college stores, and movie </a:t>
-            </a:r>
-            <a:r>
-              <a:rPr lang="en-GB" sz="2800" dirty="0" err="1"/>
-              <a:t>theaters</a:t>
-            </a:r>
-            <a:r>
-              <a:rPr lang="en-GB" sz="2800" dirty="0"/>
-              <a:t>.</a:t>
-            </a:r>
-          </a:p>
-          <a:p>
-            <a:pPr marL="285750" indent="-285750">
-              <a:buFont typeface="Arial" panose="020B0604020202020204" pitchFamily="34" charset="0"/>
-              <a:buChar char="•"/>
-            </a:pPr>
-            <a:r>
-              <a:rPr lang="en-GB" sz="2800" dirty="0">
-                <a:solidFill>
-                  <a:srgbClr val="000000"/>
-                </a:solidFill>
-              </a:rPr>
-              <a:t>eandg02:  Education and general expenditures on salaries and wages.</a:t>
-            </a:r>
-            <a:endParaRPr lang="en-US" sz="2800" dirty="0"/>
-          </a:p>
-          <a:p>
-            <a:pPr marL="285750" indent="-285750">
-              <a:buFont typeface="Arial" panose="020B0604020202020204" pitchFamily="34" charset="0"/>
-              <a:buChar char="•"/>
-            </a:pPr>
-            <a:endParaRPr lang="en-US" dirty="0"/>
-          </a:p>
-          <a:p>
-            <a:pPr marL="285750" indent="-285750">
-              <a:buFont typeface="Arial" panose="020B0604020202020204" pitchFamily="34" charset="0"/>
-              <a:buChar char="•"/>
-            </a:pPr>
-            <a:endParaRPr lang="en-GB" dirty="0"/>
-          </a:p>
-        </p:txBody>
-      </p:sp>
+          <p:cNvGraphicFramePr>
+            <a:graphicFrameLocks noGrp="1"/>
+          </p:cNvGraphicFramePr>
+          <p:nvPr>
+            <p:extLst>
+              <p:ext uri="{D42A27DB-BD31-4B8C-83A1-F6EECF244321}">
+                <p14:modId xmlns:p14="http://schemas.microsoft.com/office/powerpoint/2010/main" val="1694534246"/>
+              </p:ext>
+            </p:extLst>
+          </p:nvPr>
+        </p:nvGraphicFramePr>
+        <p:xfrm>
+          <a:off x="268775" y="1434164"/>
+          <a:ext cx="5037244" cy="5206203"/>
+        </p:xfrm>
+        <a:graphic>
+          <a:graphicData uri="http://schemas.openxmlformats.org/drawingml/2006/table">
+            <a:tbl>
+              <a:tblPr>
+                <a:tableStyleId>{5C22544A-7EE6-4342-B048-85BDC9FD1C3A}</a:tableStyleId>
+              </a:tblPr>
+              <a:tblGrid>
+                <a:gridCol w="3698301">
+                  <a:extLst>
+                    <a:ext uri="{9D8B030D-6E8A-4147-A177-3AD203B41FA5}">
+                      <a16:colId xmlns:a16="http://schemas.microsoft.com/office/drawing/2014/main" xmlns="" val="3828946005"/>
+                    </a:ext>
+                  </a:extLst>
+                </a:gridCol>
+                <a:gridCol w="1338943">
+                  <a:extLst>
+                    <a:ext uri="{9D8B030D-6E8A-4147-A177-3AD203B41FA5}">
+                      <a16:colId xmlns:a16="http://schemas.microsoft.com/office/drawing/2014/main" xmlns="" val="3116620885"/>
+                    </a:ext>
+                  </a:extLst>
+                </a:gridCol>
+              </a:tblGrid>
+              <a:tr h="385011">
+                <a:tc gridSpan="2">
+                  <a:txBody>
+                    <a:bodyPr/>
+                    <a:lstStyle/>
+                    <a:p>
+                      <a:pPr algn="ctr" fontAlgn="ctr"/>
+                      <a:r>
+                        <a:rPr lang="en-US" sz="1600" b="1" u="none" strike="noStrike" dirty="0">
+                          <a:effectLst/>
+                        </a:rPr>
+                        <a:t>6 Year Graduation Rate</a:t>
+                      </a:r>
+                      <a:endParaRPr lang="en-US" sz="1600" b="1" i="0" u="none" strike="noStrike" dirty="0">
+                        <a:solidFill>
+                          <a:srgbClr val="000000"/>
+                        </a:solidFill>
+                        <a:effectLst/>
+                        <a:latin typeface="Calibri" charset="0"/>
+                      </a:endParaRPr>
+                    </a:p>
+                  </a:txBody>
+                  <a:tcPr marL="2812" marR="2812" marT="2812" marB="0" anchor="ctr"/>
+                </a:tc>
+                <a:tc hMerge="1">
+                  <a:txBody>
+                    <a:bodyPr/>
+                    <a:lstStyle/>
+                    <a:p>
+                      <a:pPr algn="ctr" fontAlgn="ctr"/>
+                      <a:endParaRPr lang="en-US" sz="1600" b="1" i="0" u="none" strike="noStrike" dirty="0">
+                        <a:solidFill>
+                          <a:srgbClr val="000000"/>
+                        </a:solidFill>
+                        <a:effectLst/>
+                        <a:latin typeface="Calibri" charset="0"/>
+                      </a:endParaRPr>
+                    </a:p>
+                  </a:txBody>
+                  <a:tcPr marL="2812" marR="2812" marT="2812" marB="0" anchor="ctr"/>
+                </a:tc>
+                <a:extLst>
+                  <a:ext uri="{0D108BD9-81ED-4DB2-BD59-A6C34878D82A}">
+                    <a16:rowId xmlns:a16="http://schemas.microsoft.com/office/drawing/2014/main" xmlns="" val="2750690894"/>
+                  </a:ext>
+                </a:extLst>
+              </a:tr>
+              <a:tr h="375498">
+                <a:tc>
+                  <a:txBody>
+                    <a:bodyPr/>
+                    <a:lstStyle/>
+                    <a:p>
+                      <a:pPr algn="ctr" fontAlgn="ctr"/>
+                      <a:r>
+                        <a:rPr lang="en-US" sz="1600" b="1" u="none" strike="noStrike" dirty="0">
+                          <a:effectLst/>
+                        </a:rPr>
+                        <a:t>Variable</a:t>
+                      </a:r>
+                      <a:endParaRPr lang="en-US" sz="1600" b="1" i="0" u="none" strike="noStrike" dirty="0">
+                        <a:solidFill>
+                          <a:srgbClr val="000000"/>
+                        </a:solidFill>
+                        <a:effectLst/>
+                        <a:latin typeface="Calibri" charset="0"/>
+                      </a:endParaRPr>
+                    </a:p>
+                  </a:txBody>
+                  <a:tcPr marL="2812" marR="2812" marT="2812" marB="0" anchor="ctr"/>
+                </a:tc>
+                <a:tc>
+                  <a:txBody>
+                    <a:bodyPr/>
+                    <a:lstStyle/>
+                    <a:p>
+                      <a:pPr algn="ctr" fontAlgn="ctr"/>
+                      <a:r>
+                        <a:rPr lang="en-US" sz="1600" b="1" u="none" strike="noStrike" dirty="0">
+                          <a:effectLst/>
+                        </a:rPr>
+                        <a:t>Lasso Coefficient</a:t>
+                      </a:r>
+                      <a:endParaRPr lang="en-US" sz="1600" b="1" i="0" u="none" strike="noStrike" dirty="0">
+                        <a:solidFill>
+                          <a:srgbClr val="000000"/>
+                        </a:solidFill>
+                        <a:effectLst/>
+                        <a:latin typeface="Calibri" charset="0"/>
+                      </a:endParaRPr>
+                    </a:p>
+                  </a:txBody>
+                  <a:tcPr marL="2812" marR="2812" marT="2812" marB="0" anchor="ctr"/>
+                </a:tc>
+                <a:extLst>
+                  <a:ext uri="{0D108BD9-81ED-4DB2-BD59-A6C34878D82A}">
+                    <a16:rowId xmlns:a16="http://schemas.microsoft.com/office/drawing/2014/main" xmlns="" val="621517536"/>
+                  </a:ext>
+                </a:extLst>
+              </a:tr>
+              <a:tr h="375498">
+                <a:tc>
+                  <a:txBody>
+                    <a:bodyPr/>
+                    <a:lstStyle/>
+                    <a:p>
+                      <a:pPr algn="l" fontAlgn="ctr"/>
+                      <a:endParaRPr lang="en-GB" sz="1400" b="0" i="0" u="none" strike="noStrike">
+                        <a:solidFill>
+                          <a:srgbClr val="000000"/>
+                        </a:solidFill>
+                        <a:effectLst/>
+                        <a:latin typeface="+mn-lt"/>
+                      </a:endParaRPr>
+                    </a:p>
+                    <a:p>
+                      <a:pPr algn="l" fontAlgn="ctr"/>
+                      <a:r>
+                        <a:rPr lang="en-GB" sz="1400" b="0" i="0" u="none" strike="noStrike">
+                          <a:solidFill>
+                            <a:srgbClr val="000000"/>
+                          </a:solidFill>
+                          <a:effectLst/>
+                          <a:latin typeface="+mn-lt"/>
+                        </a:rPr>
+                        <a:t>other_full_time</a:t>
+                      </a:r>
+                    </a:p>
+                  </a:txBody>
+                  <a:tcPr marL="6350" marR="6350" marT="6350" marB="0" anchor="ctr"/>
+                </a:tc>
+                <a:tc>
+                  <a:txBody>
+                    <a:bodyPr/>
+                    <a:lstStyle/>
+                    <a:p>
+                      <a:pPr algn="r" fontAlgn="ctr"/>
+                      <a:endParaRPr lang="en-GB" sz="1400" b="0" i="0" u="none" strike="noStrike">
+                        <a:solidFill>
+                          <a:srgbClr val="000000"/>
+                        </a:solidFill>
+                        <a:effectLst/>
+                        <a:latin typeface="+mn-lt"/>
+                      </a:endParaRPr>
+                    </a:p>
+                    <a:p>
+                      <a:pPr algn="r" fontAlgn="ctr"/>
+                      <a:r>
+                        <a:rPr lang="en-GB" sz="1400" b="0" i="0" u="none" strike="noStrike">
+                          <a:solidFill>
+                            <a:srgbClr val="000000"/>
+                          </a:solidFill>
+                          <a:effectLst/>
+                          <a:latin typeface="+mn-lt"/>
+                        </a:rPr>
+                        <a:t>0.387555894 </a:t>
+                      </a:r>
+                    </a:p>
+                  </a:txBody>
+                  <a:tcPr marL="6350" marR="6350" marT="6350" marB="0" anchor="ctr"/>
+                </a:tc>
+                <a:extLst>
+                  <a:ext uri="{0D108BD9-81ED-4DB2-BD59-A6C34878D82A}">
+                    <a16:rowId xmlns:a16="http://schemas.microsoft.com/office/drawing/2014/main" xmlns="" val="196882050"/>
+                  </a:ext>
+                </a:extLst>
+              </a:tr>
+              <a:tr h="375498">
+                <a:tc>
+                  <a:txBody>
+                    <a:bodyPr/>
+                    <a:lstStyle/>
+                    <a:p>
+                      <a:pPr algn="l" fontAlgn="ctr"/>
+                      <a:endParaRPr lang="en-GB" sz="1400" b="0" i="0" u="none" strike="noStrike" dirty="0">
+                        <a:solidFill>
+                          <a:srgbClr val="000000"/>
+                        </a:solidFill>
+                        <a:effectLst/>
+                        <a:latin typeface="+mn-lt"/>
+                      </a:endParaRPr>
+                    </a:p>
+                    <a:p>
+                      <a:pPr algn="l" fontAlgn="ctr"/>
+                      <a:r>
+                        <a:rPr lang="en-GB" sz="1400" b="0" i="0" u="none" strike="noStrike" dirty="0" err="1">
+                          <a:solidFill>
+                            <a:srgbClr val="000000"/>
+                          </a:solidFill>
+                          <a:effectLst/>
+                          <a:latin typeface="+mn-lt"/>
+                        </a:rPr>
+                        <a:t>fed_grant_pct</a:t>
+                      </a:r>
+                      <a:endParaRPr lang="en-GB" sz="1400" b="0" i="0" u="none" strike="noStrike" dirty="0">
+                        <a:solidFill>
+                          <a:srgbClr val="000000"/>
+                        </a:solidFill>
+                        <a:effectLst/>
+                        <a:latin typeface="+mn-lt"/>
+                      </a:endParaRPr>
+                    </a:p>
+                  </a:txBody>
+                  <a:tcPr marL="6350" marR="6350" marT="6350" marB="0" anchor="ctr"/>
+                </a:tc>
+                <a:tc>
+                  <a:txBody>
+                    <a:bodyPr/>
+                    <a:lstStyle/>
+                    <a:p>
+                      <a:pPr algn="r" fontAlgn="ctr"/>
+                      <a:endParaRPr lang="en-GB" sz="1400" b="0" i="0" u="none" strike="noStrike">
+                        <a:solidFill>
+                          <a:srgbClr val="000000"/>
+                        </a:solidFill>
+                        <a:effectLst/>
+                        <a:latin typeface="+mn-lt"/>
+                      </a:endParaRPr>
+                    </a:p>
+                    <a:p>
+                      <a:pPr algn="r" fontAlgn="ctr"/>
+                      <a:r>
+                        <a:rPr lang="en-GB" sz="1400" b="0" i="0" u="none" strike="noStrike">
+                          <a:solidFill>
+                            <a:srgbClr val="000000"/>
+                          </a:solidFill>
+                          <a:effectLst/>
+                          <a:latin typeface="+mn-lt"/>
+                        </a:rPr>
+                        <a:t>-0.241157657 </a:t>
+                      </a:r>
+                    </a:p>
+                  </a:txBody>
+                  <a:tcPr marL="6350" marR="6350" marT="6350" marB="0" anchor="ctr"/>
+                </a:tc>
+                <a:extLst>
+                  <a:ext uri="{0D108BD9-81ED-4DB2-BD59-A6C34878D82A}">
+                    <a16:rowId xmlns:a16="http://schemas.microsoft.com/office/drawing/2014/main" xmlns="" val="1570215453"/>
+                  </a:ext>
+                </a:extLst>
+              </a:tr>
+              <a:tr h="375498">
+                <a:tc>
+                  <a:txBody>
+                    <a:bodyPr/>
+                    <a:lstStyle/>
+                    <a:p>
+                      <a:pPr algn="l" fontAlgn="ctr"/>
+                      <a:endParaRPr lang="en-GB" sz="1400" b="0" i="0" u="none" strike="noStrike" dirty="0">
+                        <a:solidFill>
+                          <a:srgbClr val="000000"/>
+                        </a:solidFill>
+                        <a:effectLst/>
+                        <a:latin typeface="+mn-lt"/>
+                      </a:endParaRPr>
+                    </a:p>
+                    <a:p>
+                      <a:pPr algn="l" fontAlgn="ctr"/>
+                      <a:r>
+                        <a:rPr lang="en-GB" sz="1400" b="0" i="0" u="none" strike="noStrike" dirty="0" err="1">
+                          <a:solidFill>
+                            <a:srgbClr val="000000"/>
+                          </a:solidFill>
+                          <a:effectLst/>
+                          <a:latin typeface="+mn-lt"/>
+                        </a:rPr>
+                        <a:t>total_part_time</a:t>
+                      </a:r>
+                      <a:endParaRPr lang="en-GB" sz="1400" b="0" i="0" u="none" strike="noStrike" dirty="0">
+                        <a:solidFill>
+                          <a:srgbClr val="000000"/>
+                        </a:solidFill>
+                        <a:effectLst/>
+                        <a:latin typeface="+mn-lt"/>
+                      </a:endParaRPr>
+                    </a:p>
+                  </a:txBody>
+                  <a:tcPr marL="6350" marR="6350" marT="6350" marB="0" anchor="ctr"/>
+                </a:tc>
+                <a:tc>
+                  <a:txBody>
+                    <a:bodyPr/>
+                    <a:lstStyle/>
+                    <a:p>
+                      <a:pPr algn="r" fontAlgn="ctr"/>
+                      <a:endParaRPr lang="en-GB" sz="1400" b="0" i="0" u="none" strike="noStrike">
+                        <a:solidFill>
+                          <a:srgbClr val="000000"/>
+                        </a:solidFill>
+                        <a:effectLst/>
+                        <a:latin typeface="+mn-lt"/>
+                      </a:endParaRPr>
+                    </a:p>
+                    <a:p>
+                      <a:pPr algn="r" fontAlgn="ctr"/>
+                      <a:r>
+                        <a:rPr lang="en-GB" sz="1400" b="0" i="0" u="none" strike="noStrike">
+                          <a:solidFill>
+                            <a:srgbClr val="000000"/>
+                          </a:solidFill>
+                          <a:effectLst/>
+                          <a:latin typeface="+mn-lt"/>
+                        </a:rPr>
+                        <a:t>-0.200437092 </a:t>
+                      </a:r>
+                    </a:p>
+                  </a:txBody>
+                  <a:tcPr marL="6350" marR="6350" marT="6350" marB="0" anchor="ctr"/>
+                </a:tc>
+                <a:extLst>
+                  <a:ext uri="{0D108BD9-81ED-4DB2-BD59-A6C34878D82A}">
+                    <a16:rowId xmlns:a16="http://schemas.microsoft.com/office/drawing/2014/main" xmlns="" val="2067295398"/>
+                  </a:ext>
+                </a:extLst>
+              </a:tr>
+              <a:tr h="375498">
+                <a:tc>
+                  <a:txBody>
+                    <a:bodyPr/>
+                    <a:lstStyle/>
+                    <a:p>
+                      <a:pPr algn="l" fontAlgn="ctr"/>
+                      <a:endParaRPr lang="en-GB" sz="1400" b="0" i="0" u="none" strike="noStrike" dirty="0">
+                        <a:solidFill>
+                          <a:srgbClr val="000000"/>
+                        </a:solidFill>
+                        <a:effectLst/>
+                        <a:latin typeface="+mn-lt"/>
+                      </a:endParaRPr>
+                    </a:p>
+                    <a:p>
+                      <a:pPr algn="l" fontAlgn="ctr"/>
+                      <a:r>
+                        <a:rPr lang="en-GB" sz="1400" b="0" i="0" u="none" strike="noStrike" dirty="0" err="1">
+                          <a:solidFill>
+                            <a:srgbClr val="000000"/>
+                          </a:solidFill>
+                          <a:effectLst/>
+                          <a:latin typeface="+mn-lt"/>
+                        </a:rPr>
+                        <a:t>ptug_share_of_total_pt_enrl</a:t>
+                      </a:r>
+                      <a:endParaRPr lang="en-GB" sz="1400" b="0" i="0" u="none" strike="noStrike" dirty="0">
+                        <a:solidFill>
+                          <a:srgbClr val="000000"/>
+                        </a:solidFill>
+                        <a:effectLst/>
+                        <a:latin typeface="+mn-lt"/>
+                      </a:endParaRPr>
+                    </a:p>
+                  </a:txBody>
+                  <a:tcPr marL="6350" marR="6350" marT="6350" marB="0" anchor="ctr"/>
+                </a:tc>
+                <a:tc>
+                  <a:txBody>
+                    <a:bodyPr/>
+                    <a:lstStyle/>
+                    <a:p>
+                      <a:pPr algn="r" fontAlgn="ctr"/>
+                      <a:endParaRPr lang="en-GB" sz="1400" b="0" i="0" u="none" strike="noStrike">
+                        <a:solidFill>
+                          <a:srgbClr val="000000"/>
+                        </a:solidFill>
+                        <a:effectLst/>
+                        <a:latin typeface="+mn-lt"/>
+                      </a:endParaRPr>
+                    </a:p>
+                    <a:p>
+                      <a:pPr algn="r" fontAlgn="ctr"/>
+                      <a:r>
+                        <a:rPr lang="en-GB" sz="1400" b="0" i="0" u="none" strike="noStrike">
+                          <a:solidFill>
+                            <a:srgbClr val="000000"/>
+                          </a:solidFill>
+                          <a:effectLst/>
+                          <a:latin typeface="+mn-lt"/>
+                        </a:rPr>
+                        <a:t>-0.163895817 </a:t>
+                      </a:r>
+                    </a:p>
+                  </a:txBody>
+                  <a:tcPr marL="6350" marR="6350" marT="6350" marB="0" anchor="ctr"/>
+                </a:tc>
+                <a:extLst>
+                  <a:ext uri="{0D108BD9-81ED-4DB2-BD59-A6C34878D82A}">
+                    <a16:rowId xmlns:a16="http://schemas.microsoft.com/office/drawing/2014/main" xmlns="" val="498738980"/>
+                  </a:ext>
+                </a:extLst>
+              </a:tr>
+              <a:tr h="375498">
+                <a:tc>
+                  <a:txBody>
+                    <a:bodyPr/>
+                    <a:lstStyle/>
+                    <a:p>
+                      <a:pPr algn="l" fontAlgn="ctr"/>
+                      <a:endParaRPr lang="en-GB" sz="1400" b="0" i="0" u="none" strike="noStrike" dirty="0">
+                        <a:solidFill>
+                          <a:srgbClr val="000000"/>
+                        </a:solidFill>
+                        <a:effectLst/>
+                        <a:latin typeface="+mn-lt"/>
+                      </a:endParaRPr>
+                    </a:p>
+                    <a:p>
+                      <a:pPr algn="l" fontAlgn="ctr"/>
+                      <a:r>
+                        <a:rPr lang="en-GB" sz="1400" b="0" i="0" u="none" strike="noStrike" dirty="0">
+                          <a:solidFill>
+                            <a:srgbClr val="000000"/>
+                          </a:solidFill>
+                          <a:effectLst/>
+                          <a:latin typeface="+mn-lt"/>
+                        </a:rPr>
+                        <a:t>grant01</a:t>
+                      </a:r>
+                    </a:p>
+                  </a:txBody>
+                  <a:tcPr marL="6350" marR="6350" marT="6350" marB="0" anchor="ctr"/>
+                </a:tc>
+                <a:tc>
+                  <a:txBody>
+                    <a:bodyPr/>
+                    <a:lstStyle/>
+                    <a:p>
+                      <a:pPr algn="r" fontAlgn="ctr"/>
+                      <a:endParaRPr lang="en-GB" sz="1400" b="0" i="0" u="none" strike="noStrike" dirty="0">
+                        <a:solidFill>
+                          <a:srgbClr val="000000"/>
+                        </a:solidFill>
+                        <a:effectLst/>
+                        <a:latin typeface="+mn-lt"/>
+                      </a:endParaRPr>
+                    </a:p>
+                    <a:p>
+                      <a:pPr algn="r" fontAlgn="ctr"/>
+                      <a:r>
+                        <a:rPr lang="en-GB" sz="1400" b="0" i="0" u="none" strike="noStrike" dirty="0">
+                          <a:solidFill>
+                            <a:srgbClr val="000000"/>
+                          </a:solidFill>
+                          <a:effectLst/>
+                          <a:latin typeface="+mn-lt"/>
+                        </a:rPr>
+                        <a:t>-0.161917241 </a:t>
+                      </a:r>
+                    </a:p>
+                  </a:txBody>
+                  <a:tcPr marL="6350" marR="6350" marT="6350" marB="0" anchor="ctr"/>
+                </a:tc>
+                <a:extLst>
+                  <a:ext uri="{0D108BD9-81ED-4DB2-BD59-A6C34878D82A}">
+                    <a16:rowId xmlns:a16="http://schemas.microsoft.com/office/drawing/2014/main" xmlns="" val="2702805797"/>
+                  </a:ext>
+                </a:extLst>
+              </a:tr>
+              <a:tr h="375498">
+                <a:tc>
+                  <a:txBody>
+                    <a:bodyPr/>
+                    <a:lstStyle/>
+                    <a:p>
+                      <a:pPr algn="l" fontAlgn="ctr"/>
+                      <a:endParaRPr lang="en-GB" sz="1400" b="0" i="0" u="none" strike="noStrike" dirty="0">
+                        <a:solidFill>
+                          <a:srgbClr val="000000"/>
+                        </a:solidFill>
+                        <a:effectLst/>
+                        <a:latin typeface="+mn-lt"/>
+                      </a:endParaRPr>
+                    </a:p>
+                    <a:p>
+                      <a:pPr algn="l" fontAlgn="ctr"/>
+                      <a:r>
+                        <a:rPr lang="en-GB" sz="1400" b="0" i="0" u="none" strike="noStrike" dirty="0">
+                          <a:solidFill>
+                            <a:srgbClr val="000000"/>
+                          </a:solidFill>
+                          <a:effectLst/>
+                          <a:latin typeface="+mn-lt"/>
+                        </a:rPr>
+                        <a:t>auxiliary03</a:t>
+                      </a:r>
+                    </a:p>
+                  </a:txBody>
+                  <a:tcPr marL="6350" marR="6350" marT="6350" marB="0" anchor="ctr"/>
+                </a:tc>
+                <a:tc>
+                  <a:txBody>
+                    <a:bodyPr/>
+                    <a:lstStyle/>
+                    <a:p>
+                      <a:pPr algn="r" fontAlgn="ctr"/>
+                      <a:endParaRPr lang="en-GB" sz="1400" b="0" i="0" u="none" strike="noStrike">
+                        <a:solidFill>
+                          <a:srgbClr val="000000"/>
+                        </a:solidFill>
+                        <a:effectLst/>
+                        <a:latin typeface="+mn-lt"/>
+                      </a:endParaRPr>
+                    </a:p>
+                    <a:p>
+                      <a:pPr algn="r" fontAlgn="ctr"/>
+                      <a:r>
+                        <a:rPr lang="en-GB" sz="1400" b="0" i="0" u="none" strike="noStrike">
+                          <a:solidFill>
+                            <a:srgbClr val="000000"/>
+                          </a:solidFill>
+                          <a:effectLst/>
+                          <a:latin typeface="+mn-lt"/>
+                        </a:rPr>
+                        <a:t>0.145280763 </a:t>
+                      </a:r>
+                    </a:p>
+                  </a:txBody>
+                  <a:tcPr marL="6350" marR="6350" marT="6350" marB="0" anchor="ctr"/>
+                </a:tc>
+                <a:extLst>
+                  <a:ext uri="{0D108BD9-81ED-4DB2-BD59-A6C34878D82A}">
+                    <a16:rowId xmlns:a16="http://schemas.microsoft.com/office/drawing/2014/main" xmlns="" val="1306237140"/>
+                  </a:ext>
+                </a:extLst>
+              </a:tr>
+              <a:tr h="375498">
+                <a:tc>
+                  <a:txBody>
+                    <a:bodyPr/>
+                    <a:lstStyle/>
+                    <a:p>
+                      <a:pPr algn="l" fontAlgn="ctr"/>
+                      <a:endParaRPr lang="en-GB" sz="1400" b="0" i="0" u="none" strike="noStrike" dirty="0">
+                        <a:solidFill>
+                          <a:srgbClr val="000000"/>
+                        </a:solidFill>
+                        <a:effectLst/>
+                        <a:latin typeface="+mn-lt"/>
+                      </a:endParaRPr>
+                    </a:p>
+                    <a:p>
+                      <a:pPr algn="l" fontAlgn="ctr"/>
+                      <a:r>
+                        <a:rPr lang="en-GB" sz="1400" b="0" i="0" u="none" strike="noStrike" dirty="0" err="1">
+                          <a:solidFill>
+                            <a:srgbClr val="000000"/>
+                          </a:solidFill>
+                          <a:effectLst/>
+                          <a:latin typeface="+mn-lt"/>
+                        </a:rPr>
+                        <a:t>total_part_time_postbacc</a:t>
+                      </a:r>
+                      <a:endParaRPr lang="en-GB" sz="1400" b="0" i="0" u="none" strike="noStrike" dirty="0">
+                        <a:solidFill>
+                          <a:srgbClr val="000000"/>
+                        </a:solidFill>
+                        <a:effectLst/>
+                        <a:latin typeface="+mn-lt"/>
+                      </a:endParaRPr>
+                    </a:p>
+                  </a:txBody>
+                  <a:tcPr marL="6350" marR="6350" marT="6350" marB="0" anchor="ctr"/>
+                </a:tc>
+                <a:tc>
+                  <a:txBody>
+                    <a:bodyPr/>
+                    <a:lstStyle/>
+                    <a:p>
+                      <a:pPr algn="r" fontAlgn="ctr"/>
+                      <a:endParaRPr lang="en-GB" sz="1400" b="0" i="0" u="none" strike="noStrike">
+                        <a:solidFill>
+                          <a:srgbClr val="000000"/>
+                        </a:solidFill>
+                        <a:effectLst/>
+                        <a:latin typeface="+mn-lt"/>
+                      </a:endParaRPr>
+                    </a:p>
+                    <a:p>
+                      <a:pPr algn="r" fontAlgn="ctr"/>
+                      <a:r>
+                        <a:rPr lang="en-GB" sz="1400" b="0" i="0" u="none" strike="noStrike">
+                          <a:solidFill>
+                            <a:srgbClr val="000000"/>
+                          </a:solidFill>
+                          <a:effectLst/>
+                          <a:latin typeface="+mn-lt"/>
+                        </a:rPr>
+                        <a:t>-0.114113831 </a:t>
+                      </a:r>
+                    </a:p>
+                  </a:txBody>
+                  <a:tcPr marL="6350" marR="6350" marT="6350" marB="0" anchor="ctr"/>
+                </a:tc>
+                <a:extLst>
+                  <a:ext uri="{0D108BD9-81ED-4DB2-BD59-A6C34878D82A}">
+                    <a16:rowId xmlns:a16="http://schemas.microsoft.com/office/drawing/2014/main" xmlns="" val="77369290"/>
+                  </a:ext>
+                </a:extLst>
+              </a:tr>
+              <a:tr h="375498">
+                <a:tc>
+                  <a:txBody>
+                    <a:bodyPr/>
+                    <a:lstStyle/>
+                    <a:p>
+                      <a:pPr algn="l" fontAlgn="ctr"/>
+                      <a:endParaRPr lang="en-GB" sz="1400" b="0" i="0" u="none" strike="noStrike" dirty="0">
+                        <a:solidFill>
+                          <a:srgbClr val="000000"/>
+                        </a:solidFill>
+                        <a:effectLst/>
+                        <a:latin typeface="+mn-lt"/>
+                      </a:endParaRPr>
+                    </a:p>
+                    <a:p>
+                      <a:pPr algn="l" fontAlgn="ctr"/>
+                      <a:r>
+                        <a:rPr lang="en-GB" sz="1400" b="0" i="0" u="none" strike="noStrike" dirty="0">
+                          <a:solidFill>
+                            <a:srgbClr val="000000"/>
+                          </a:solidFill>
+                          <a:effectLst/>
+                          <a:latin typeface="+mn-lt"/>
+                        </a:rPr>
+                        <a:t>eandg02</a:t>
+                      </a:r>
+                    </a:p>
+                  </a:txBody>
+                  <a:tcPr marL="6350" marR="6350" marT="6350" marB="0" anchor="ctr"/>
+                </a:tc>
+                <a:tc>
+                  <a:txBody>
+                    <a:bodyPr/>
+                    <a:lstStyle/>
+                    <a:p>
+                      <a:pPr algn="r" fontAlgn="ctr"/>
+                      <a:endParaRPr lang="en-GB" sz="1400" b="0" i="0" u="none" strike="noStrike">
+                        <a:solidFill>
+                          <a:srgbClr val="000000"/>
+                        </a:solidFill>
+                        <a:effectLst/>
+                        <a:latin typeface="+mn-lt"/>
+                      </a:endParaRPr>
+                    </a:p>
+                    <a:p>
+                      <a:pPr algn="r" fontAlgn="ctr"/>
+                      <a:r>
+                        <a:rPr lang="en-GB" sz="1400" b="0" i="0" u="none" strike="noStrike">
+                          <a:solidFill>
+                            <a:srgbClr val="000000"/>
+                          </a:solidFill>
+                          <a:effectLst/>
+                          <a:latin typeface="+mn-lt"/>
+                        </a:rPr>
+                        <a:t>0.089800624 </a:t>
+                      </a:r>
+                    </a:p>
+                  </a:txBody>
+                  <a:tcPr marL="6350" marR="6350" marT="6350" marB="0" anchor="ctr"/>
+                </a:tc>
+                <a:extLst>
+                  <a:ext uri="{0D108BD9-81ED-4DB2-BD59-A6C34878D82A}">
+                    <a16:rowId xmlns:a16="http://schemas.microsoft.com/office/drawing/2014/main" xmlns="" val="3496620231"/>
+                  </a:ext>
+                </a:extLst>
+              </a:tr>
+              <a:tr h="430321">
+                <a:tc>
+                  <a:txBody>
+                    <a:bodyPr/>
+                    <a:lstStyle/>
+                    <a:p>
+                      <a:pPr algn="l" fontAlgn="ctr"/>
+                      <a:endParaRPr lang="en-GB" sz="1400" b="0" i="0" u="none" strike="noStrike" dirty="0">
+                        <a:solidFill>
+                          <a:srgbClr val="000000"/>
+                        </a:solidFill>
+                        <a:effectLst/>
+                        <a:latin typeface="+mn-lt"/>
+                      </a:endParaRPr>
+                    </a:p>
+                    <a:p>
+                      <a:pPr algn="l" fontAlgn="ctr"/>
+                      <a:r>
+                        <a:rPr lang="en-GB" sz="1400" b="0" i="0" u="none" strike="noStrike" dirty="0" err="1">
+                          <a:solidFill>
+                            <a:srgbClr val="000000"/>
+                          </a:solidFill>
+                          <a:effectLst/>
+                          <a:latin typeface="+mn-lt"/>
+                        </a:rPr>
+                        <a:t>bach_deg_share_of_tot_deg</a:t>
+                      </a:r>
+                      <a:endParaRPr lang="en-GB" sz="1400" b="0" i="0" u="none" strike="noStrike" dirty="0">
+                        <a:solidFill>
+                          <a:srgbClr val="000000"/>
+                        </a:solidFill>
+                        <a:effectLst/>
+                        <a:latin typeface="+mn-lt"/>
+                      </a:endParaRPr>
+                    </a:p>
+                  </a:txBody>
+                  <a:tcPr marL="6350" marR="6350" marT="6350" marB="0" anchor="ctr"/>
+                </a:tc>
+                <a:tc>
+                  <a:txBody>
+                    <a:bodyPr/>
+                    <a:lstStyle/>
+                    <a:p>
+                      <a:pPr algn="r" fontAlgn="ctr"/>
+                      <a:endParaRPr lang="en-GB" sz="1400" b="0" i="0" u="none" strike="noStrike">
+                        <a:solidFill>
+                          <a:srgbClr val="000000"/>
+                        </a:solidFill>
+                        <a:effectLst/>
+                        <a:latin typeface="+mn-lt"/>
+                      </a:endParaRPr>
+                    </a:p>
+                    <a:p>
+                      <a:pPr algn="r" fontAlgn="ctr"/>
+                      <a:r>
+                        <a:rPr lang="en-GB" sz="1400" b="0" i="0" u="none" strike="noStrike">
+                          <a:solidFill>
+                            <a:srgbClr val="000000"/>
+                          </a:solidFill>
+                          <a:effectLst/>
+                          <a:latin typeface="+mn-lt"/>
+                        </a:rPr>
+                        <a:t>0.08153696 </a:t>
+                      </a:r>
+                    </a:p>
+                  </a:txBody>
+                  <a:tcPr marL="6350" marR="6350" marT="6350" marB="0" anchor="ctr"/>
+                </a:tc>
+                <a:extLst>
+                  <a:ext uri="{0D108BD9-81ED-4DB2-BD59-A6C34878D82A}">
+                    <a16:rowId xmlns:a16="http://schemas.microsoft.com/office/drawing/2014/main" xmlns="" val="1593761885"/>
+                  </a:ext>
+                </a:extLst>
+              </a:tr>
+              <a:tr h="375498">
+                <a:tc>
+                  <a:txBody>
+                    <a:bodyPr/>
+                    <a:lstStyle/>
+                    <a:p>
+                      <a:pPr algn="l" fontAlgn="ctr"/>
+                      <a:endParaRPr lang="en-GB" sz="1400" b="0" i="0" u="none" strike="noStrike">
+                        <a:solidFill>
+                          <a:srgbClr val="000000"/>
+                        </a:solidFill>
+                        <a:effectLst/>
+                        <a:latin typeface="+mn-lt"/>
+                      </a:endParaRPr>
+                    </a:p>
+                    <a:p>
+                      <a:pPr algn="l" fontAlgn="ctr"/>
+                      <a:r>
+                        <a:rPr lang="en-GB" sz="1400" b="0" i="0" u="none" strike="noStrike">
+                          <a:solidFill>
+                            <a:srgbClr val="000000"/>
+                          </a:solidFill>
+                          <a:effectLst/>
+                          <a:latin typeface="+mn-lt"/>
+                        </a:rPr>
+                        <a:t>fall_cohort_pct</a:t>
+                      </a:r>
+                    </a:p>
+                  </a:txBody>
+                  <a:tcPr marL="6350" marR="6350" marT="6350" marB="0" anchor="ctr"/>
+                </a:tc>
+                <a:tc>
+                  <a:txBody>
+                    <a:bodyPr/>
+                    <a:lstStyle/>
+                    <a:p>
+                      <a:pPr algn="r" fontAlgn="ctr"/>
+                      <a:endParaRPr lang="en-GB" sz="1400" b="0" i="0" u="none" strike="noStrike" dirty="0">
+                        <a:solidFill>
+                          <a:srgbClr val="000000"/>
+                        </a:solidFill>
+                        <a:effectLst/>
+                        <a:latin typeface="+mn-lt"/>
+                      </a:endParaRPr>
+                    </a:p>
+                    <a:p>
+                      <a:pPr algn="r" fontAlgn="ctr"/>
+                      <a:r>
+                        <a:rPr lang="en-GB" sz="1400" b="0" i="0" u="none" strike="noStrike" dirty="0">
+                          <a:solidFill>
+                            <a:srgbClr val="000000"/>
+                          </a:solidFill>
+                          <a:effectLst/>
+                          <a:latin typeface="+mn-lt"/>
+                        </a:rPr>
+                        <a:t>0.080586461</a:t>
+                      </a:r>
+                    </a:p>
+                  </a:txBody>
+                  <a:tcPr marL="6350" marR="6350" marT="6350" marB="0" anchor="ctr"/>
+                </a:tc>
+                <a:extLst>
+                  <a:ext uri="{0D108BD9-81ED-4DB2-BD59-A6C34878D82A}">
+                    <a16:rowId xmlns:a16="http://schemas.microsoft.com/office/drawing/2014/main" xmlns="" val="3551024362"/>
+                  </a:ext>
+                </a:extLst>
+              </a:tr>
+            </a:tbl>
+          </a:graphicData>
+        </a:graphic>
+      </p:graphicFrame>
+      <p:graphicFrame>
+        <p:nvGraphicFramePr>
+          <p:cNvPr id="6" name="Table 5">
+            <a:extLst>
+              <a:ext uri="{FF2B5EF4-FFF2-40B4-BE49-F238E27FC236}">
+                <a16:creationId xmlns:a16="http://schemas.microsoft.com/office/drawing/2014/main" xmlns="" id="{8ED281BD-3869-486F-B89B-6F378D7FF205}"/>
+              </a:ext>
+            </a:extLst>
+          </p:cNvPr>
+          <p:cNvGraphicFramePr>
+            <a:graphicFrameLocks noGrp="1"/>
+          </p:cNvGraphicFramePr>
+          <p:nvPr>
+            <p:extLst>
+              <p:ext uri="{D42A27DB-BD31-4B8C-83A1-F6EECF244321}">
+                <p14:modId xmlns:p14="http://schemas.microsoft.com/office/powerpoint/2010/main" val="2344427227"/>
+              </p:ext>
+            </p:extLst>
+          </p:nvPr>
+        </p:nvGraphicFramePr>
+        <p:xfrm>
+          <a:off x="5628442" y="1422934"/>
+          <a:ext cx="5037244" cy="5206203"/>
+        </p:xfrm>
+        <a:graphic>
+          <a:graphicData uri="http://schemas.openxmlformats.org/drawingml/2006/table">
+            <a:tbl>
+              <a:tblPr>
+                <a:tableStyleId>{5C22544A-7EE6-4342-B048-85BDC9FD1C3A}</a:tableStyleId>
+              </a:tblPr>
+              <a:tblGrid>
+                <a:gridCol w="3698301">
+                  <a:extLst>
+                    <a:ext uri="{9D8B030D-6E8A-4147-A177-3AD203B41FA5}">
+                      <a16:colId xmlns:a16="http://schemas.microsoft.com/office/drawing/2014/main" xmlns="" val="3828946005"/>
+                    </a:ext>
+                  </a:extLst>
+                </a:gridCol>
+                <a:gridCol w="1338943">
+                  <a:extLst>
+                    <a:ext uri="{9D8B030D-6E8A-4147-A177-3AD203B41FA5}">
+                      <a16:colId xmlns:a16="http://schemas.microsoft.com/office/drawing/2014/main" xmlns="" val="3116620885"/>
+                    </a:ext>
+                  </a:extLst>
+                </a:gridCol>
+              </a:tblGrid>
+              <a:tr h="385011">
+                <a:tc gridSpan="2">
+                  <a:txBody>
+                    <a:bodyPr/>
+                    <a:lstStyle/>
+                    <a:p>
+                      <a:pPr algn="ctr" fontAlgn="ctr"/>
+                      <a:r>
+                        <a:rPr lang="en-US" sz="1600" b="1" i="0" u="none" strike="noStrike" dirty="0">
+                          <a:solidFill>
+                            <a:srgbClr val="000000"/>
+                          </a:solidFill>
+                          <a:effectLst/>
+                          <a:latin typeface="Calibri" charset="0"/>
+                        </a:rPr>
+                        <a:t>Bachelors Degrees per FTE</a:t>
+                      </a:r>
+                    </a:p>
+                  </a:txBody>
+                  <a:tcPr marL="2812" marR="2812" marT="2812" marB="0" anchor="ctr"/>
+                </a:tc>
+                <a:tc hMerge="1">
+                  <a:txBody>
+                    <a:bodyPr/>
+                    <a:lstStyle/>
+                    <a:p>
+                      <a:pPr algn="ctr" fontAlgn="ctr"/>
+                      <a:endParaRPr lang="en-US" sz="1600" b="1" i="0" u="none" strike="noStrike" dirty="0">
+                        <a:solidFill>
+                          <a:srgbClr val="000000"/>
+                        </a:solidFill>
+                        <a:effectLst/>
+                        <a:latin typeface="Calibri" charset="0"/>
+                      </a:endParaRPr>
+                    </a:p>
+                  </a:txBody>
+                  <a:tcPr marL="2812" marR="2812" marT="2812" marB="0" anchor="ctr"/>
+                </a:tc>
+                <a:extLst>
+                  <a:ext uri="{0D108BD9-81ED-4DB2-BD59-A6C34878D82A}">
+                    <a16:rowId xmlns:a16="http://schemas.microsoft.com/office/drawing/2014/main" xmlns="" val="2750690894"/>
+                  </a:ext>
+                </a:extLst>
+              </a:tr>
+              <a:tr h="375498">
+                <a:tc>
+                  <a:txBody>
+                    <a:bodyPr/>
+                    <a:lstStyle/>
+                    <a:p>
+                      <a:pPr algn="ctr" fontAlgn="ctr"/>
+                      <a:r>
+                        <a:rPr lang="en-US" sz="1600" b="1" u="none" strike="noStrike" dirty="0">
+                          <a:effectLst/>
+                        </a:rPr>
+                        <a:t>Variable</a:t>
+                      </a:r>
+                      <a:endParaRPr lang="en-US" sz="1600" b="1" i="0" u="none" strike="noStrike" dirty="0">
+                        <a:solidFill>
+                          <a:srgbClr val="000000"/>
+                        </a:solidFill>
+                        <a:effectLst/>
+                        <a:latin typeface="Calibri" charset="0"/>
+                      </a:endParaRPr>
+                    </a:p>
+                  </a:txBody>
+                  <a:tcPr marL="2812" marR="2812" marT="2812" marB="0" anchor="ctr"/>
+                </a:tc>
+                <a:tc>
+                  <a:txBody>
+                    <a:bodyPr/>
+                    <a:lstStyle/>
+                    <a:p>
+                      <a:pPr algn="ctr" fontAlgn="ctr"/>
+                      <a:r>
+                        <a:rPr lang="en-US" sz="1600" b="1" u="none" strike="noStrike" dirty="0">
+                          <a:effectLst/>
+                        </a:rPr>
+                        <a:t>Lasso Coefficient</a:t>
+                      </a:r>
+                      <a:endParaRPr lang="en-US" sz="1600" b="1" i="0" u="none" strike="noStrike" dirty="0">
+                        <a:solidFill>
+                          <a:srgbClr val="000000"/>
+                        </a:solidFill>
+                        <a:effectLst/>
+                        <a:latin typeface="Calibri" charset="0"/>
+                      </a:endParaRPr>
+                    </a:p>
+                  </a:txBody>
+                  <a:tcPr marL="2812" marR="2812" marT="2812" marB="0" anchor="ctr"/>
+                </a:tc>
+                <a:extLst>
+                  <a:ext uri="{0D108BD9-81ED-4DB2-BD59-A6C34878D82A}">
+                    <a16:rowId xmlns:a16="http://schemas.microsoft.com/office/drawing/2014/main" xmlns="" val="621517536"/>
+                  </a:ext>
+                </a:extLst>
+              </a:tr>
+              <a:tr h="375498">
+                <a:tc>
+                  <a:txBody>
+                    <a:bodyPr/>
+                    <a:lstStyle/>
+                    <a:p>
+                      <a:pPr algn="l" fontAlgn="ctr"/>
+                      <a:endParaRPr lang="en-GB" sz="1400" b="0" i="0" u="none" strike="noStrike">
+                        <a:solidFill>
+                          <a:srgbClr val="000000"/>
+                        </a:solidFill>
+                        <a:effectLst/>
+                        <a:latin typeface="+mn-lt"/>
+                      </a:endParaRPr>
+                    </a:p>
+                    <a:p>
+                      <a:pPr algn="l" fontAlgn="ctr"/>
+                      <a:r>
+                        <a:rPr lang="en-GB" sz="1400" b="0" i="0" u="none" strike="noStrike">
+                          <a:solidFill>
+                            <a:srgbClr val="000000"/>
+                          </a:solidFill>
+                          <a:effectLst/>
+                          <a:latin typeface="+mn-lt"/>
+                        </a:rPr>
+                        <a:t>bach_deg_share_of_tot_deg</a:t>
+                      </a:r>
+                    </a:p>
+                  </a:txBody>
+                  <a:tcPr marL="6350" marR="6350" marT="6350" marB="0" anchor="ctr"/>
+                </a:tc>
+                <a:tc>
+                  <a:txBody>
+                    <a:bodyPr/>
+                    <a:lstStyle/>
+                    <a:p>
+                      <a:pPr algn="r" fontAlgn="ctr"/>
+                      <a:endParaRPr lang="en-GB" sz="1400" b="0" i="0" u="none" strike="noStrike">
+                        <a:solidFill>
+                          <a:srgbClr val="000000"/>
+                        </a:solidFill>
+                        <a:effectLst/>
+                        <a:latin typeface="+mn-lt"/>
+                      </a:endParaRPr>
+                    </a:p>
+                    <a:p>
+                      <a:pPr algn="r" fontAlgn="ctr"/>
+                      <a:r>
+                        <a:rPr lang="en-GB" sz="1400" b="0" i="0" u="none" strike="noStrike">
+                          <a:solidFill>
+                            <a:srgbClr val="000000"/>
+                          </a:solidFill>
+                          <a:effectLst/>
+                          <a:latin typeface="+mn-lt"/>
+                        </a:rPr>
+                        <a:t>0.525265189 </a:t>
+                      </a:r>
+                    </a:p>
+                  </a:txBody>
+                  <a:tcPr marL="6350" marR="6350" marT="6350" marB="0" anchor="ctr"/>
+                </a:tc>
+                <a:extLst>
+                  <a:ext uri="{0D108BD9-81ED-4DB2-BD59-A6C34878D82A}">
+                    <a16:rowId xmlns:a16="http://schemas.microsoft.com/office/drawing/2014/main" xmlns="" val="196882050"/>
+                  </a:ext>
+                </a:extLst>
+              </a:tr>
+              <a:tr h="375498">
+                <a:tc>
+                  <a:txBody>
+                    <a:bodyPr/>
+                    <a:lstStyle/>
+                    <a:p>
+                      <a:pPr algn="l" fontAlgn="ctr"/>
+                      <a:endParaRPr lang="en-GB" sz="1400" b="0" i="0" u="none" strike="noStrike" dirty="0">
+                        <a:solidFill>
+                          <a:srgbClr val="000000"/>
+                        </a:solidFill>
+                        <a:effectLst/>
+                        <a:latin typeface="+mn-lt"/>
+                      </a:endParaRPr>
+                    </a:p>
+                    <a:p>
+                      <a:pPr algn="l" fontAlgn="ctr"/>
+                      <a:r>
+                        <a:rPr lang="en-GB" sz="1400" b="0" i="0" u="none" strike="noStrike" dirty="0">
+                          <a:solidFill>
+                            <a:srgbClr val="000000"/>
+                          </a:solidFill>
+                          <a:effectLst/>
+                          <a:latin typeface="+mn-lt"/>
+                        </a:rPr>
+                        <a:t>hbcu2</a:t>
+                      </a:r>
+                    </a:p>
+                  </a:txBody>
+                  <a:tcPr marL="6350" marR="6350" marT="6350" marB="0" anchor="ctr"/>
+                </a:tc>
+                <a:tc>
+                  <a:txBody>
+                    <a:bodyPr/>
+                    <a:lstStyle/>
+                    <a:p>
+                      <a:pPr algn="r" fontAlgn="ctr"/>
+                      <a:endParaRPr lang="en-GB" sz="1400" b="0" i="0" u="none" strike="noStrike">
+                        <a:solidFill>
+                          <a:srgbClr val="000000"/>
+                        </a:solidFill>
+                        <a:effectLst/>
+                        <a:latin typeface="+mn-lt"/>
+                      </a:endParaRPr>
+                    </a:p>
+                    <a:p>
+                      <a:pPr algn="r" fontAlgn="ctr"/>
+                      <a:r>
+                        <a:rPr lang="en-GB" sz="1400" b="0" i="0" u="none" strike="noStrike">
+                          <a:solidFill>
+                            <a:srgbClr val="000000"/>
+                          </a:solidFill>
+                          <a:effectLst/>
+                          <a:latin typeface="+mn-lt"/>
+                        </a:rPr>
+                        <a:t>0.478341477 </a:t>
+                      </a:r>
+                    </a:p>
+                  </a:txBody>
+                  <a:tcPr marL="6350" marR="6350" marT="6350" marB="0" anchor="ctr"/>
+                </a:tc>
+                <a:extLst>
+                  <a:ext uri="{0D108BD9-81ED-4DB2-BD59-A6C34878D82A}">
+                    <a16:rowId xmlns:a16="http://schemas.microsoft.com/office/drawing/2014/main" xmlns="" val="1570215453"/>
+                  </a:ext>
+                </a:extLst>
+              </a:tr>
+              <a:tr h="375498">
+                <a:tc>
+                  <a:txBody>
+                    <a:bodyPr/>
+                    <a:lstStyle/>
+                    <a:p>
+                      <a:pPr algn="l" fontAlgn="ctr"/>
+                      <a:endParaRPr lang="en-GB" sz="1400" b="0" i="0" u="none" strike="noStrike" dirty="0">
+                        <a:solidFill>
+                          <a:srgbClr val="000000"/>
+                        </a:solidFill>
+                        <a:effectLst/>
+                        <a:latin typeface="+mn-lt"/>
+                      </a:endParaRPr>
+                    </a:p>
+                    <a:p>
+                      <a:pPr algn="l" fontAlgn="ctr"/>
+                      <a:r>
+                        <a:rPr lang="en-GB" sz="1400" b="0" i="0" u="none" strike="noStrike" dirty="0" err="1">
+                          <a:solidFill>
+                            <a:srgbClr val="000000"/>
+                          </a:solidFill>
+                          <a:effectLst/>
+                          <a:latin typeface="+mn-lt"/>
+                        </a:rPr>
+                        <a:t>returning_to_total_undergraduate</a:t>
+                      </a:r>
+                      <a:endParaRPr lang="en-GB" sz="1400" b="0" i="0" u="none" strike="noStrike" dirty="0">
+                        <a:solidFill>
+                          <a:srgbClr val="000000"/>
+                        </a:solidFill>
+                        <a:effectLst/>
+                        <a:latin typeface="+mn-lt"/>
+                      </a:endParaRPr>
+                    </a:p>
+                  </a:txBody>
+                  <a:tcPr marL="6350" marR="6350" marT="6350" marB="0" anchor="ctr"/>
+                </a:tc>
+                <a:tc>
+                  <a:txBody>
+                    <a:bodyPr/>
+                    <a:lstStyle/>
+                    <a:p>
+                      <a:pPr algn="r" fontAlgn="ctr"/>
+                      <a:endParaRPr lang="en-GB" sz="1400" b="0" i="0" u="none" strike="noStrike">
+                        <a:solidFill>
+                          <a:srgbClr val="000000"/>
+                        </a:solidFill>
+                        <a:effectLst/>
+                        <a:latin typeface="+mn-lt"/>
+                      </a:endParaRPr>
+                    </a:p>
+                    <a:p>
+                      <a:pPr algn="r" fontAlgn="ctr"/>
+                      <a:r>
+                        <a:rPr lang="en-GB" sz="1400" b="0" i="0" u="none" strike="noStrike">
+                          <a:solidFill>
+                            <a:srgbClr val="000000"/>
+                          </a:solidFill>
+                          <a:effectLst/>
+                          <a:latin typeface="+mn-lt"/>
+                        </a:rPr>
+                        <a:t>0.351818157 </a:t>
+                      </a:r>
+                    </a:p>
+                  </a:txBody>
+                  <a:tcPr marL="6350" marR="6350" marT="6350" marB="0" anchor="ctr"/>
+                </a:tc>
+                <a:extLst>
+                  <a:ext uri="{0D108BD9-81ED-4DB2-BD59-A6C34878D82A}">
+                    <a16:rowId xmlns:a16="http://schemas.microsoft.com/office/drawing/2014/main" xmlns="" val="2067295398"/>
+                  </a:ext>
+                </a:extLst>
+              </a:tr>
+              <a:tr h="375498">
+                <a:tc>
+                  <a:txBody>
+                    <a:bodyPr/>
+                    <a:lstStyle/>
+                    <a:p>
+                      <a:pPr algn="l" fontAlgn="ctr"/>
+                      <a:endParaRPr lang="en-GB" sz="1400" b="0" i="0" u="none" strike="noStrike" dirty="0">
+                        <a:solidFill>
+                          <a:srgbClr val="000000"/>
+                        </a:solidFill>
+                        <a:effectLst/>
+                        <a:latin typeface="+mn-lt"/>
+                      </a:endParaRPr>
+                    </a:p>
+                    <a:p>
+                      <a:pPr algn="l" fontAlgn="ctr"/>
+                      <a:r>
+                        <a:rPr lang="en-GB" sz="1400" b="0" i="0" u="none" strike="noStrike" dirty="0" err="1">
+                          <a:solidFill>
+                            <a:srgbClr val="000000"/>
+                          </a:solidFill>
+                          <a:effectLst/>
+                          <a:latin typeface="+mn-lt"/>
+                        </a:rPr>
+                        <a:t>eandr_degree</a:t>
+                      </a:r>
+                      <a:endParaRPr lang="en-GB" sz="1400" b="0" i="0" u="none" strike="noStrike" dirty="0">
+                        <a:solidFill>
+                          <a:srgbClr val="000000"/>
+                        </a:solidFill>
+                        <a:effectLst/>
+                        <a:latin typeface="+mn-lt"/>
+                      </a:endParaRPr>
+                    </a:p>
+                  </a:txBody>
+                  <a:tcPr marL="6350" marR="6350" marT="6350" marB="0" anchor="ctr"/>
+                </a:tc>
+                <a:tc>
+                  <a:txBody>
+                    <a:bodyPr/>
+                    <a:lstStyle/>
+                    <a:p>
+                      <a:pPr algn="r" fontAlgn="ctr"/>
+                      <a:endParaRPr lang="en-GB" sz="1400" b="0" i="0" u="none" strike="noStrike">
+                        <a:solidFill>
+                          <a:srgbClr val="000000"/>
+                        </a:solidFill>
+                        <a:effectLst/>
+                        <a:latin typeface="+mn-lt"/>
+                      </a:endParaRPr>
+                    </a:p>
+                    <a:p>
+                      <a:pPr algn="r" fontAlgn="ctr"/>
+                      <a:r>
+                        <a:rPr lang="en-GB" sz="1400" b="0" i="0" u="none" strike="noStrike">
+                          <a:solidFill>
+                            <a:srgbClr val="000000"/>
+                          </a:solidFill>
+                          <a:effectLst/>
+                          <a:latin typeface="+mn-lt"/>
+                        </a:rPr>
+                        <a:t>-0.255169884</a:t>
+                      </a:r>
+                    </a:p>
+                  </a:txBody>
+                  <a:tcPr marL="6350" marR="6350" marT="6350" marB="0" anchor="ctr"/>
+                </a:tc>
+                <a:extLst>
+                  <a:ext uri="{0D108BD9-81ED-4DB2-BD59-A6C34878D82A}">
+                    <a16:rowId xmlns:a16="http://schemas.microsoft.com/office/drawing/2014/main" xmlns="" val="498738980"/>
+                  </a:ext>
+                </a:extLst>
+              </a:tr>
+              <a:tr h="375498">
+                <a:tc>
+                  <a:txBody>
+                    <a:bodyPr/>
+                    <a:lstStyle/>
+                    <a:p>
+                      <a:pPr algn="l" fontAlgn="ctr"/>
+                      <a:endParaRPr lang="en-GB" sz="1400" b="0" i="0" u="none" strike="noStrike" dirty="0">
+                        <a:solidFill>
+                          <a:srgbClr val="000000"/>
+                        </a:solidFill>
+                        <a:effectLst/>
+                        <a:latin typeface="+mn-lt"/>
+                      </a:endParaRPr>
+                    </a:p>
+                    <a:p>
+                      <a:pPr algn="l" fontAlgn="ctr"/>
+                      <a:r>
+                        <a:rPr lang="en-GB" sz="1400" b="0" i="0" u="none" strike="noStrike" dirty="0" err="1">
+                          <a:solidFill>
+                            <a:srgbClr val="000000"/>
+                          </a:solidFill>
+                          <a:effectLst/>
+                          <a:latin typeface="+mn-lt"/>
+                        </a:rPr>
+                        <a:t>fed_grant_num</a:t>
+                      </a:r>
+                      <a:endParaRPr lang="en-GB" sz="1400" b="0" i="0" u="none" strike="noStrike" dirty="0">
+                        <a:solidFill>
+                          <a:srgbClr val="000000"/>
+                        </a:solidFill>
+                        <a:effectLst/>
+                        <a:latin typeface="+mn-lt"/>
+                      </a:endParaRPr>
+                    </a:p>
+                  </a:txBody>
+                  <a:tcPr marL="6350" marR="6350" marT="6350" marB="0" anchor="ctr"/>
+                </a:tc>
+                <a:tc>
+                  <a:txBody>
+                    <a:bodyPr/>
+                    <a:lstStyle/>
+                    <a:p>
+                      <a:pPr algn="r" fontAlgn="ctr"/>
+                      <a:endParaRPr lang="en-GB" sz="1400" b="0" i="0" u="none" strike="noStrike">
+                        <a:solidFill>
+                          <a:srgbClr val="000000"/>
+                        </a:solidFill>
+                        <a:effectLst/>
+                        <a:latin typeface="+mn-lt"/>
+                      </a:endParaRPr>
+                    </a:p>
+                    <a:p>
+                      <a:pPr algn="r" fontAlgn="ctr"/>
+                      <a:r>
+                        <a:rPr lang="en-GB" sz="1400" b="0" i="0" u="none" strike="noStrike">
+                          <a:solidFill>
+                            <a:srgbClr val="000000"/>
+                          </a:solidFill>
+                          <a:effectLst/>
+                          <a:latin typeface="+mn-lt"/>
+                        </a:rPr>
+                        <a:t>-0.159025745</a:t>
+                      </a:r>
+                    </a:p>
+                  </a:txBody>
+                  <a:tcPr marL="6350" marR="6350" marT="6350" marB="0" anchor="ctr"/>
+                </a:tc>
+                <a:extLst>
+                  <a:ext uri="{0D108BD9-81ED-4DB2-BD59-A6C34878D82A}">
+                    <a16:rowId xmlns:a16="http://schemas.microsoft.com/office/drawing/2014/main" xmlns="" val="2702805797"/>
+                  </a:ext>
+                </a:extLst>
+              </a:tr>
+              <a:tr h="375498">
+                <a:tc>
+                  <a:txBody>
+                    <a:bodyPr/>
+                    <a:lstStyle/>
+                    <a:p>
+                      <a:pPr algn="l" fontAlgn="ctr"/>
+                      <a:endParaRPr lang="en-GB" sz="1400" b="0" i="0" u="none" strike="noStrike" dirty="0">
+                        <a:solidFill>
+                          <a:srgbClr val="000000"/>
+                        </a:solidFill>
+                        <a:effectLst/>
+                        <a:latin typeface="+mn-lt"/>
+                      </a:endParaRPr>
+                    </a:p>
+                    <a:p>
+                      <a:pPr algn="l" fontAlgn="ctr"/>
+                      <a:r>
+                        <a:rPr lang="en-GB" sz="1400" b="0" i="0" u="none" strike="noStrike" dirty="0" err="1">
+                          <a:solidFill>
+                            <a:srgbClr val="000000"/>
+                          </a:solidFill>
+                          <a:effectLst/>
+                          <a:latin typeface="+mn-lt"/>
+                        </a:rPr>
+                        <a:t>other_ed_related_cost</a:t>
+                      </a:r>
+                      <a:endParaRPr lang="en-GB" sz="1400" b="0" i="0" u="none" strike="noStrike" dirty="0">
+                        <a:solidFill>
+                          <a:srgbClr val="000000"/>
+                        </a:solidFill>
+                        <a:effectLst/>
+                        <a:latin typeface="+mn-lt"/>
+                      </a:endParaRPr>
+                    </a:p>
+                  </a:txBody>
+                  <a:tcPr marL="6350" marR="6350" marT="6350" marB="0" anchor="ctr"/>
+                </a:tc>
+                <a:tc>
+                  <a:txBody>
+                    <a:bodyPr/>
+                    <a:lstStyle/>
+                    <a:p>
+                      <a:pPr algn="r" fontAlgn="ctr"/>
+                      <a:endParaRPr lang="en-GB" sz="1400" b="0" i="0" u="none" strike="noStrike">
+                        <a:solidFill>
+                          <a:srgbClr val="000000"/>
+                        </a:solidFill>
+                        <a:effectLst/>
+                        <a:latin typeface="+mn-lt"/>
+                      </a:endParaRPr>
+                    </a:p>
+                    <a:p>
+                      <a:pPr algn="r" fontAlgn="ctr"/>
+                      <a:r>
+                        <a:rPr lang="en-GB" sz="1400" b="0" i="0" u="none" strike="noStrike">
+                          <a:solidFill>
+                            <a:srgbClr val="000000"/>
+                          </a:solidFill>
+                          <a:effectLst/>
+                          <a:latin typeface="+mn-lt"/>
+                        </a:rPr>
+                        <a:t>0.134481618 </a:t>
+                      </a:r>
+                    </a:p>
+                  </a:txBody>
+                  <a:tcPr marL="6350" marR="6350" marT="6350" marB="0" anchor="ctr"/>
+                </a:tc>
+                <a:extLst>
+                  <a:ext uri="{0D108BD9-81ED-4DB2-BD59-A6C34878D82A}">
+                    <a16:rowId xmlns:a16="http://schemas.microsoft.com/office/drawing/2014/main" xmlns="" val="1306237140"/>
+                  </a:ext>
+                </a:extLst>
+              </a:tr>
+              <a:tr h="375498">
+                <a:tc>
+                  <a:txBody>
+                    <a:bodyPr/>
+                    <a:lstStyle/>
+                    <a:p>
+                      <a:pPr algn="l" fontAlgn="ctr"/>
+                      <a:endParaRPr lang="en-GB" sz="1400" b="0" i="0" u="none" strike="noStrike">
+                        <a:solidFill>
+                          <a:srgbClr val="000000"/>
+                        </a:solidFill>
+                        <a:effectLst/>
+                        <a:latin typeface="+mn-lt"/>
+                      </a:endParaRPr>
+                    </a:p>
+                    <a:p>
+                      <a:pPr algn="l" fontAlgn="ctr"/>
+                      <a:r>
+                        <a:rPr lang="en-GB" sz="1400" b="0" i="0" u="none" strike="noStrike">
+                          <a:solidFill>
+                            <a:srgbClr val="000000"/>
+                          </a:solidFill>
+                          <a:effectLst/>
+                          <a:latin typeface="+mn-lt"/>
+                        </a:rPr>
+                        <a:t>total_enrollment_black_tot</a:t>
+                      </a:r>
+                    </a:p>
+                  </a:txBody>
+                  <a:tcPr marL="6350" marR="6350" marT="6350" marB="0" anchor="ctr"/>
+                </a:tc>
+                <a:tc>
+                  <a:txBody>
+                    <a:bodyPr/>
+                    <a:lstStyle/>
+                    <a:p>
+                      <a:pPr algn="r" fontAlgn="ctr"/>
+                      <a:endParaRPr lang="en-GB" sz="1400" b="0" i="0" u="none" strike="noStrike">
+                        <a:solidFill>
+                          <a:srgbClr val="000000"/>
+                        </a:solidFill>
+                        <a:effectLst/>
+                        <a:latin typeface="+mn-lt"/>
+                      </a:endParaRPr>
+                    </a:p>
+                    <a:p>
+                      <a:pPr algn="r" fontAlgn="ctr"/>
+                      <a:r>
+                        <a:rPr lang="en-GB" sz="1400" b="0" i="0" u="none" strike="noStrike">
+                          <a:solidFill>
+                            <a:srgbClr val="000000"/>
+                          </a:solidFill>
+                          <a:effectLst/>
+                          <a:latin typeface="+mn-lt"/>
+                        </a:rPr>
+                        <a:t>-0.094660804</a:t>
+                      </a:r>
+                    </a:p>
+                  </a:txBody>
+                  <a:tcPr marL="6350" marR="6350" marT="6350" marB="0" anchor="ctr"/>
+                </a:tc>
+                <a:extLst>
+                  <a:ext uri="{0D108BD9-81ED-4DB2-BD59-A6C34878D82A}">
+                    <a16:rowId xmlns:a16="http://schemas.microsoft.com/office/drawing/2014/main" xmlns="" val="77369290"/>
+                  </a:ext>
+                </a:extLst>
+              </a:tr>
+              <a:tr h="375498">
+                <a:tc>
+                  <a:txBody>
+                    <a:bodyPr/>
+                    <a:lstStyle/>
+                    <a:p>
+                      <a:pPr algn="l" fontAlgn="ctr"/>
+                      <a:endParaRPr lang="en-GB" sz="1400" b="0" i="0" u="none" strike="noStrike" dirty="0">
+                        <a:solidFill>
+                          <a:srgbClr val="000000"/>
+                        </a:solidFill>
+                        <a:effectLst/>
+                        <a:latin typeface="+mn-lt"/>
+                      </a:endParaRPr>
+                    </a:p>
+                    <a:p>
+                      <a:pPr algn="l" fontAlgn="ctr"/>
+                      <a:r>
+                        <a:rPr lang="en-GB" sz="1400" b="0" i="0" u="none" strike="noStrike" dirty="0" err="1">
+                          <a:solidFill>
+                            <a:srgbClr val="000000"/>
+                          </a:solidFill>
+                          <a:effectLst/>
+                          <a:latin typeface="+mn-lt"/>
+                        </a:rPr>
+                        <a:t>inst_grant_num</a:t>
+                      </a:r>
+                      <a:endParaRPr lang="en-GB" sz="1400" b="0" i="0" u="none" strike="noStrike" dirty="0">
+                        <a:solidFill>
+                          <a:srgbClr val="000000"/>
+                        </a:solidFill>
+                        <a:effectLst/>
+                        <a:latin typeface="+mn-lt"/>
+                      </a:endParaRPr>
+                    </a:p>
+                  </a:txBody>
+                  <a:tcPr marL="6350" marR="6350" marT="6350" marB="0" anchor="ctr"/>
+                </a:tc>
+                <a:tc>
+                  <a:txBody>
+                    <a:bodyPr/>
+                    <a:lstStyle/>
+                    <a:p>
+                      <a:pPr algn="r" fontAlgn="ctr"/>
+                      <a:endParaRPr lang="en-GB" sz="1400" b="0" i="0" u="none" strike="noStrike">
+                        <a:solidFill>
+                          <a:srgbClr val="000000"/>
+                        </a:solidFill>
+                        <a:effectLst/>
+                        <a:latin typeface="+mn-lt"/>
+                      </a:endParaRPr>
+                    </a:p>
+                    <a:p>
+                      <a:pPr algn="r" fontAlgn="ctr"/>
+                      <a:r>
+                        <a:rPr lang="en-GB" sz="1400" b="0" i="0" u="none" strike="noStrike">
+                          <a:solidFill>
+                            <a:srgbClr val="000000"/>
+                          </a:solidFill>
+                          <a:effectLst/>
+                          <a:latin typeface="+mn-lt"/>
+                        </a:rPr>
+                        <a:t>0.093077126 </a:t>
+                      </a:r>
+                    </a:p>
+                  </a:txBody>
+                  <a:tcPr marL="6350" marR="6350" marT="6350" marB="0" anchor="ctr"/>
+                </a:tc>
+                <a:extLst>
+                  <a:ext uri="{0D108BD9-81ED-4DB2-BD59-A6C34878D82A}">
+                    <a16:rowId xmlns:a16="http://schemas.microsoft.com/office/drawing/2014/main" xmlns="" val="3496620231"/>
+                  </a:ext>
+                </a:extLst>
+              </a:tr>
+              <a:tr h="430321">
+                <a:tc>
+                  <a:txBody>
+                    <a:bodyPr/>
+                    <a:lstStyle/>
+                    <a:p>
+                      <a:pPr algn="l" fontAlgn="ctr"/>
+                      <a:endParaRPr lang="en-GB" sz="1400" b="0" i="0" u="none" strike="noStrike" dirty="0">
+                        <a:solidFill>
+                          <a:srgbClr val="000000"/>
+                        </a:solidFill>
+                        <a:effectLst/>
+                        <a:latin typeface="+mn-lt"/>
+                      </a:endParaRPr>
+                    </a:p>
+                    <a:p>
+                      <a:pPr algn="l" fontAlgn="ctr"/>
+                      <a:r>
+                        <a:rPr lang="en-GB" sz="1400" b="0" i="0" u="none" strike="noStrike" dirty="0" err="1">
+                          <a:solidFill>
+                            <a:srgbClr val="000000"/>
+                          </a:solidFill>
+                          <a:effectLst/>
+                          <a:latin typeface="+mn-lt"/>
+                        </a:rPr>
+                        <a:t>ptug_share_of_total_pt_enrl</a:t>
+                      </a:r>
+                      <a:endParaRPr lang="en-GB" sz="1400" b="0" i="0" u="none" strike="noStrike" dirty="0">
+                        <a:solidFill>
+                          <a:srgbClr val="000000"/>
+                        </a:solidFill>
+                        <a:effectLst/>
+                        <a:latin typeface="+mn-lt"/>
+                      </a:endParaRPr>
+                    </a:p>
+                  </a:txBody>
+                  <a:tcPr marL="6350" marR="6350" marT="6350" marB="0" anchor="ctr"/>
+                </a:tc>
+                <a:tc>
+                  <a:txBody>
+                    <a:bodyPr/>
+                    <a:lstStyle/>
+                    <a:p>
+                      <a:pPr algn="r" fontAlgn="ctr"/>
+                      <a:endParaRPr lang="en-GB" sz="1400" b="0" i="0" u="none" strike="noStrike">
+                        <a:solidFill>
+                          <a:srgbClr val="000000"/>
+                        </a:solidFill>
+                        <a:effectLst/>
+                        <a:latin typeface="+mn-lt"/>
+                      </a:endParaRPr>
+                    </a:p>
+                    <a:p>
+                      <a:pPr algn="r" fontAlgn="ctr"/>
+                      <a:r>
+                        <a:rPr lang="en-GB" sz="1400" b="0" i="0" u="none" strike="noStrike">
+                          <a:solidFill>
+                            <a:srgbClr val="000000"/>
+                          </a:solidFill>
+                          <a:effectLst/>
+                          <a:latin typeface="+mn-lt"/>
+                        </a:rPr>
+                        <a:t>-0.088419156</a:t>
+                      </a:r>
+                    </a:p>
+                  </a:txBody>
+                  <a:tcPr marL="6350" marR="6350" marT="6350" marB="0" anchor="ctr"/>
+                </a:tc>
+                <a:extLst>
+                  <a:ext uri="{0D108BD9-81ED-4DB2-BD59-A6C34878D82A}">
+                    <a16:rowId xmlns:a16="http://schemas.microsoft.com/office/drawing/2014/main" xmlns="" val="1593761885"/>
+                  </a:ext>
+                </a:extLst>
+              </a:tr>
+              <a:tr h="375498">
+                <a:tc>
+                  <a:txBody>
+                    <a:bodyPr/>
+                    <a:lstStyle/>
+                    <a:p>
+                      <a:pPr algn="l" fontAlgn="ctr"/>
+                      <a:endParaRPr lang="en-GB" sz="1400" b="0" i="0" u="none" strike="noStrike">
+                        <a:solidFill>
+                          <a:srgbClr val="000000"/>
+                        </a:solidFill>
+                        <a:effectLst/>
+                        <a:latin typeface="+mn-lt"/>
+                      </a:endParaRPr>
+                    </a:p>
+                    <a:p>
+                      <a:pPr algn="l" fontAlgn="ctr"/>
+                      <a:r>
+                        <a:rPr lang="en-GB" sz="1400" b="0" i="0" u="none" strike="noStrike">
+                          <a:solidFill>
+                            <a:srgbClr val="000000"/>
+                          </a:solidFill>
+                          <a:effectLst/>
+                          <a:latin typeface="+mn-lt"/>
+                        </a:rPr>
+                        <a:t>credhoursug</a:t>
+                      </a:r>
+                    </a:p>
+                  </a:txBody>
+                  <a:tcPr marL="6350" marR="6350" marT="6350" marB="0" anchor="ctr"/>
+                </a:tc>
+                <a:tc>
+                  <a:txBody>
+                    <a:bodyPr/>
+                    <a:lstStyle/>
+                    <a:p>
+                      <a:pPr algn="r" fontAlgn="ctr"/>
+                      <a:endParaRPr lang="en-GB" sz="1400" b="0" i="0" u="none" strike="noStrike" dirty="0">
+                        <a:solidFill>
+                          <a:srgbClr val="000000"/>
+                        </a:solidFill>
+                        <a:effectLst/>
+                        <a:latin typeface="+mn-lt"/>
+                      </a:endParaRPr>
+                    </a:p>
+                    <a:p>
+                      <a:pPr algn="r" fontAlgn="ctr"/>
+                      <a:r>
+                        <a:rPr lang="en-GB" sz="1400" b="0" i="0" u="none" strike="noStrike" dirty="0">
+                          <a:solidFill>
+                            <a:srgbClr val="000000"/>
+                          </a:solidFill>
+                          <a:effectLst/>
+                          <a:latin typeface="+mn-lt"/>
+                        </a:rPr>
+                        <a:t>0.08716357</a:t>
+                      </a:r>
+                    </a:p>
+                  </a:txBody>
+                  <a:tcPr marL="6350" marR="6350" marT="6350" marB="0" anchor="ctr"/>
+                </a:tc>
+                <a:extLst>
+                  <a:ext uri="{0D108BD9-81ED-4DB2-BD59-A6C34878D82A}">
+                    <a16:rowId xmlns:a16="http://schemas.microsoft.com/office/drawing/2014/main" xmlns="" val="3551024362"/>
+                  </a:ext>
+                </a:extLst>
+              </a:tr>
+            </a:tbl>
+          </a:graphicData>
+        </a:graphic>
+      </p:graphicFrame>
     </p:spTree>
     <p:extLst>
       <p:ext uri="{BB962C8B-B14F-4D97-AF65-F5344CB8AC3E}">
-        <p14:creationId xmlns:p14="http://schemas.microsoft.com/office/powerpoint/2010/main" val="1928479814"/>
+        <p14:creationId xmlns:p14="http://schemas.microsoft.com/office/powerpoint/2010/main" val="915265418"/>
       </p:ext>
     </p:extLst>
   </p:cSld>
@@ -3220,7 +4829,7 @@
           <p:cNvPr id="2" name="Title 1">
             <a:extLst>
               <a:ext uri="{FF2B5EF4-FFF2-40B4-BE49-F238E27FC236}">
-                <a16:creationId xmlns:a16="http://schemas.microsoft.com/office/drawing/2014/main" id="{987F51D3-538B-4293-B504-421274B24C00}"/>
+                <a16:creationId xmlns:a16="http://schemas.microsoft.com/office/drawing/2014/main" xmlns="" id="{987F51D3-538B-4293-B504-421274B24C00}"/>
               </a:ext>
             </a:extLst>
           </p:cNvPr>
@@ -3238,15 +4847,7 @@
           <a:p>
             <a:r>
               <a:rPr lang="en-US" dirty="0"/>
-              <a:t>Approach 2 – Selected Variables </a:t>
-            </a:r>
-            <a:r>
-              <a:rPr lang="en-US" dirty="0" err="1"/>
-              <a:t>Bachlors</a:t>
-            </a:r>
-            <a:r>
-              <a:rPr lang="en-US" dirty="0"/>
-              <a:t> /FTE</a:t>
+              <a:t>Approach 2 – Selected Variables Grad Rate</a:t>
             </a:r>
             <a:endParaRPr lang="en-GB" dirty="0"/>
           </a:p>
@@ -3257,7 +4858,7 @@
           <p:cNvPr id="9" name="TextBox 8">
             <a:extLst>
               <a:ext uri="{FF2B5EF4-FFF2-40B4-BE49-F238E27FC236}">
-                <a16:creationId xmlns:a16="http://schemas.microsoft.com/office/drawing/2014/main" id="{E17C9DD2-5731-48A3-ADE4-2D8C45483EC0}"/>
+                <a16:creationId xmlns:a16="http://schemas.microsoft.com/office/drawing/2014/main" xmlns="" id="{E17C9DD2-5731-48A3-ADE4-2D8C45483EC0}"/>
               </a:ext>
             </a:extLst>
           </p:cNvPr>
@@ -3267,7 +4868,7 @@
         <p:spPr>
           <a:xfrm>
             <a:off x="712269" y="1848051"/>
-            <a:ext cx="9788893" cy="7109639"/>
+            <a:ext cx="9788893" cy="4093428"/>
           </a:xfrm>
           <a:prstGeom prst="rect">
             <a:avLst/>
@@ -3282,7 +4883,7 @@
           <a:p>
             <a:r>
               <a:rPr lang="en-US" sz="2800" dirty="0"/>
-              <a:t>Bachelors per FTE Variables Interpretation:</a:t>
+              <a:t>Grad Rate Variables Interpretation:</a:t>
             </a:r>
           </a:p>
           <a:p>
@@ -3292,7 +4893,7 @@
             </a:pPr>
             <a:r>
               <a:rPr lang="en-US" sz="2800" dirty="0"/>
-              <a:t>In general, less clear interpretation, though some common themes.</a:t>
+              <a:t>Part timers – large negative coefficients</a:t>
             </a:r>
           </a:p>
           <a:p>
@@ -3302,7 +4903,7 @@
             </a:pPr>
             <a:r>
               <a:rPr lang="en-US" sz="2800" dirty="0"/>
-              <a:t>Part timers - large negative coefficients</a:t>
+              <a:t>Federal Grants – large negative coefficients</a:t>
             </a:r>
           </a:p>
           <a:p>
@@ -3312,7 +4913,19 @@
             </a:pPr>
             <a:r>
               <a:rPr lang="en-US" sz="2800" dirty="0"/>
-              <a:t>Federal Grants - large negative coefficients</a:t>
+              <a:t>Auxillary03: </a:t>
+            </a:r>
+            <a:r>
+              <a:rPr lang="en-GB" sz="2800" dirty="0"/>
+              <a:t>e.g. residence halls, food services, student health services, intercollegiate athletics, college unions, college stores, and movie </a:t>
+            </a:r>
+            <a:r>
+              <a:rPr lang="en-GB" sz="2800" dirty="0" err="1"/>
+              <a:t>theaters</a:t>
+            </a:r>
+            <a:r>
+              <a:rPr lang="en-GB" sz="2800" dirty="0"/>
+              <a:t>.</a:t>
             </a:r>
           </a:p>
           <a:p>
@@ -3320,90 +4933,14 @@
               <a:buFont typeface="Arial" panose="020B0604020202020204" pitchFamily="34" charset="0"/>
               <a:buChar char="•"/>
             </a:pPr>
-            <a:r>
-              <a:rPr lang="en-GB" sz="2800" dirty="0" err="1">
-                <a:solidFill>
-                  <a:srgbClr val="000000"/>
-                </a:solidFill>
-              </a:rPr>
-              <a:t>eandr_degree</a:t>
-            </a:r>
             <a:r>
               <a:rPr lang="en-GB" sz="2800" dirty="0">
                 <a:solidFill>
                   <a:srgbClr val="000000"/>
                 </a:solidFill>
               </a:rPr>
-              <a:t> - Education and related expenses per degree awarded, unexpected negative coefficient.</a:t>
+              <a:t>eandg02:  Education and general expenditures on salaries and wages.</a:t>
             </a:r>
-          </a:p>
-          <a:p>
-            <a:pPr marL="285750" indent="-285750">
-              <a:buFont typeface="Arial" panose="020B0604020202020204" pitchFamily="34" charset="0"/>
-              <a:buChar char="•"/>
-            </a:pPr>
-            <a:r>
-              <a:rPr lang="en-GB" sz="2800" dirty="0" err="1">
-                <a:solidFill>
-                  <a:srgbClr val="000000"/>
-                </a:solidFill>
-              </a:rPr>
-              <a:t>other_ed_related_cost</a:t>
-            </a:r>
-            <a:r>
-              <a:rPr lang="en-GB" sz="2800" dirty="0">
-                <a:solidFill>
-                  <a:srgbClr val="000000"/>
-                </a:solidFill>
-              </a:rPr>
-              <a:t> - S</a:t>
-            </a:r>
-            <a:r>
-              <a:rPr lang="en-GB" sz="2800" dirty="0"/>
-              <a:t>pending on academic support, institutional support, and operations and maintenance, colinear with eandg02 - positive</a:t>
-            </a:r>
-          </a:p>
-          <a:p>
-            <a:endParaRPr lang="en-GB" sz="2800" dirty="0">
-              <a:solidFill>
-                <a:srgbClr val="000000"/>
-              </a:solidFill>
-            </a:endParaRPr>
-          </a:p>
-          <a:p>
-            <a:pPr marL="285750" indent="-285750">
-              <a:buFont typeface="Arial" panose="020B0604020202020204" pitchFamily="34" charset="0"/>
-              <a:buChar char="•"/>
-            </a:pPr>
-            <a:endParaRPr lang="en-GB" sz="2800" dirty="0">
-              <a:solidFill>
-                <a:srgbClr val="000000"/>
-              </a:solidFill>
-            </a:endParaRPr>
-          </a:p>
-          <a:p>
-            <a:pPr marL="285750" indent="-285750">
-              <a:buFont typeface="Arial" panose="020B0604020202020204" pitchFamily="34" charset="0"/>
-              <a:buChar char="•"/>
-            </a:pPr>
-            <a:endParaRPr lang="en-GB" sz="2800" dirty="0">
-              <a:solidFill>
-                <a:srgbClr val="000000"/>
-              </a:solidFill>
-            </a:endParaRPr>
-          </a:p>
-          <a:p>
-            <a:pPr marL="285750" indent="-285750">
-              <a:buFont typeface="Arial" panose="020B0604020202020204" pitchFamily="34" charset="0"/>
-              <a:buChar char="•"/>
-            </a:pPr>
-            <a:endParaRPr lang="en-US" sz="2800" dirty="0"/>
-          </a:p>
-          <a:p>
-            <a:pPr marL="285750" indent="-285750">
-              <a:buFont typeface="Arial" panose="020B0604020202020204" pitchFamily="34" charset="0"/>
-              <a:buChar char="•"/>
-            </a:pPr>
             <a:endParaRPr lang="en-US" sz="2800" dirty="0"/>
           </a:p>
           <a:p>
@@ -3425,7 +4962,7 @@
     </p:spTree>
     <p:extLst>
       <p:ext uri="{BB962C8B-B14F-4D97-AF65-F5344CB8AC3E}">
-        <p14:creationId xmlns:p14="http://schemas.microsoft.com/office/powerpoint/2010/main" val="4090755889"/>
+        <p14:creationId xmlns:p14="http://schemas.microsoft.com/office/powerpoint/2010/main" val="1928479814"/>
       </p:ext>
     </p:extLst>
   </p:cSld>
@@ -3457,7 +4994,7 @@
           <p:cNvPr id="2" name="Title 1">
             <a:extLst>
               <a:ext uri="{FF2B5EF4-FFF2-40B4-BE49-F238E27FC236}">
-                <a16:creationId xmlns:a16="http://schemas.microsoft.com/office/drawing/2014/main" id="{9065F088-31B2-4143-A23D-141139DB3894}"/>
+                <a16:creationId xmlns:a16="http://schemas.microsoft.com/office/drawing/2014/main" xmlns="" id="{987F51D3-538B-4293-B504-421274B24C00}"/>
               </a:ext>
             </a:extLst>
           </p:cNvPr>
@@ -3475,7 +5012,15 @@
           <a:p>
             <a:r>
               <a:rPr lang="en-US" dirty="0"/>
-              <a:t>Approach 2 – Models </a:t>
+              <a:t>Approach 2 – Selected Variables </a:t>
+            </a:r>
+            <a:r>
+              <a:rPr lang="en-US" dirty="0" err="1"/>
+              <a:t>Bachlors</a:t>
+            </a:r>
+            <a:r>
+              <a:rPr lang="en-US" dirty="0"/>
+              <a:t> /FTE</a:t>
             </a:r>
             <a:endParaRPr lang="en-GB" dirty="0"/>
           </a:p>
@@ -3483,10 +5028,10 @@
       </p:sp>
       <p:sp>
         <p:nvSpPr>
-          <p:cNvPr id="8" name="TextBox 7">
+          <p:cNvPr id="9" name="TextBox 8">
             <a:extLst>
               <a:ext uri="{FF2B5EF4-FFF2-40B4-BE49-F238E27FC236}">
-                <a16:creationId xmlns:a16="http://schemas.microsoft.com/office/drawing/2014/main" id="{C938AFA7-DA26-4CF7-9C37-DD86FFCEE2D9}"/>
+                <a16:creationId xmlns:a16="http://schemas.microsoft.com/office/drawing/2014/main" xmlns="" id="{E17C9DD2-5731-48A3-ADE4-2D8C45483EC0}"/>
               </a:ext>
             </a:extLst>
           </p:cNvPr>
@@ -3495,8 +5040,8 @@
         </p:nvSpPr>
         <p:spPr>
           <a:xfrm>
-            <a:off x="696686" y="1690688"/>
-            <a:ext cx="5127173" cy="3816429"/>
+            <a:off x="712269" y="1848051"/>
+            <a:ext cx="9788893" cy="7109639"/>
           </a:xfrm>
           <a:prstGeom prst="rect">
             <a:avLst/>
@@ -3509,13 +5054,19 @@
           </a:bodyPr>
           <a:lstStyle/>
           <a:p>
+            <a:r>
+              <a:rPr lang="en-US" sz="2800" dirty="0"/>
+              <a:t>Bachelors per FTE Variables Interpretation:</a:t>
+            </a:r>
+          </a:p>
+          <a:p>
             <a:pPr marL="285750" indent="-285750">
               <a:buFont typeface="Arial" panose="020B0604020202020204" pitchFamily="34" charset="0"/>
               <a:buChar char="•"/>
             </a:pPr>
             <a:r>
-              <a:rPr lang="en-US" sz="3200" dirty="0"/>
-              <a:t>Lasso on all variables performs best</a:t>
+              <a:rPr lang="en-US" sz="2800" dirty="0"/>
+              <a:t>In general, less clear interpretation, though some common themes.</a:t>
             </a:r>
           </a:p>
           <a:p>
@@ -3524,8 +5075,8 @@
               <a:buChar char="•"/>
             </a:pPr>
             <a:r>
-              <a:rPr lang="en-US" sz="3200" dirty="0"/>
-              <a:t>Lasso with interactions on selected variables performs similarly</a:t>
+              <a:rPr lang="en-US" sz="2800" dirty="0"/>
+              <a:t>Part timers - large negative coefficients</a:t>
             </a:r>
           </a:p>
           <a:p>
@@ -3534,9 +5085,107 @@
               <a:buChar char="•"/>
             </a:pPr>
             <a:r>
-              <a:rPr lang="en-US" sz="3200" dirty="0"/>
-              <a:t>Relationship unlikely to be linear – use Gaussian Kernel</a:t>
+              <a:rPr lang="en-US" sz="2800" dirty="0"/>
+              <a:t>Federal Grants - large negative coefficients</a:t>
             </a:r>
+          </a:p>
+          <a:p>
+            <a:pPr marL="285750" indent="-285750">
+              <a:buFont typeface="Arial" panose="020B0604020202020204" pitchFamily="34" charset="0"/>
+              <a:buChar char="•"/>
+            </a:pPr>
+            <a:r>
+              <a:rPr lang="en-GB" sz="2800" dirty="0" err="1">
+                <a:solidFill>
+                  <a:srgbClr val="000000"/>
+                </a:solidFill>
+              </a:rPr>
+              <a:t>eandr_degree</a:t>
+            </a:r>
+            <a:r>
+              <a:rPr lang="en-GB" sz="2800" dirty="0">
+                <a:solidFill>
+                  <a:srgbClr val="000000"/>
+                </a:solidFill>
+              </a:rPr>
+              <a:t> - Education and related expenses per degree awarded, unexpected negative coefficient.</a:t>
+            </a:r>
+          </a:p>
+          <a:p>
+            <a:pPr marL="285750" indent="-285750">
+              <a:buFont typeface="Arial" panose="020B0604020202020204" pitchFamily="34" charset="0"/>
+              <a:buChar char="•"/>
+            </a:pPr>
+            <a:r>
+              <a:rPr lang="en-GB" sz="2800" dirty="0" err="1">
+                <a:solidFill>
+                  <a:srgbClr val="000000"/>
+                </a:solidFill>
+              </a:rPr>
+              <a:t>other_ed_related_cost</a:t>
+            </a:r>
+            <a:r>
+              <a:rPr lang="en-GB" sz="2800" dirty="0">
+                <a:solidFill>
+                  <a:srgbClr val="000000"/>
+                </a:solidFill>
+              </a:rPr>
+              <a:t> - S</a:t>
+            </a:r>
+            <a:r>
+              <a:rPr lang="en-GB" sz="2800" dirty="0"/>
+              <a:t>pending on academic support, institutional support, and operations and maintenance, colinear with eandg02 - positive</a:t>
+            </a:r>
+          </a:p>
+          <a:p>
+            <a:endParaRPr lang="en-GB" sz="2800" dirty="0">
+              <a:solidFill>
+                <a:srgbClr val="000000"/>
+              </a:solidFill>
+            </a:endParaRPr>
+          </a:p>
+          <a:p>
+            <a:pPr marL="285750" indent="-285750">
+              <a:buFont typeface="Arial" panose="020B0604020202020204" pitchFamily="34" charset="0"/>
+              <a:buChar char="•"/>
+            </a:pPr>
+            <a:endParaRPr lang="en-GB" sz="2800" dirty="0">
+              <a:solidFill>
+                <a:srgbClr val="000000"/>
+              </a:solidFill>
+            </a:endParaRPr>
+          </a:p>
+          <a:p>
+            <a:pPr marL="285750" indent="-285750">
+              <a:buFont typeface="Arial" panose="020B0604020202020204" pitchFamily="34" charset="0"/>
+              <a:buChar char="•"/>
+            </a:pPr>
+            <a:endParaRPr lang="en-GB" sz="2800" dirty="0">
+              <a:solidFill>
+                <a:srgbClr val="000000"/>
+              </a:solidFill>
+            </a:endParaRPr>
+          </a:p>
+          <a:p>
+            <a:pPr marL="285750" indent="-285750">
+              <a:buFont typeface="Arial" panose="020B0604020202020204" pitchFamily="34" charset="0"/>
+              <a:buChar char="•"/>
+            </a:pPr>
+            <a:endParaRPr lang="en-US" sz="2800" dirty="0"/>
+          </a:p>
+          <a:p>
+            <a:pPr marL="285750" indent="-285750">
+              <a:buFont typeface="Arial" panose="020B0604020202020204" pitchFamily="34" charset="0"/>
+              <a:buChar char="•"/>
+            </a:pPr>
+            <a:endParaRPr lang="en-US" sz="2800" dirty="0"/>
+          </a:p>
+          <a:p>
+            <a:pPr marL="285750" indent="-285750">
+              <a:buFont typeface="Arial" panose="020B0604020202020204" pitchFamily="34" charset="0"/>
+              <a:buChar char="•"/>
+            </a:pPr>
+            <a:endParaRPr lang="en-US" dirty="0"/>
           </a:p>
           <a:p>
             <a:pPr marL="285750" indent="-285750">
@@ -3547,1315 +5196,10 @@
           </a:p>
         </p:txBody>
       </p:sp>
-      <p:graphicFrame>
-        <p:nvGraphicFramePr>
-          <p:cNvPr id="5" name="Content Placeholder 4">
-            <a:extLst>
-              <a:ext uri="{FF2B5EF4-FFF2-40B4-BE49-F238E27FC236}">
-                <a16:creationId xmlns:a16="http://schemas.microsoft.com/office/drawing/2014/main" id="{73521416-4B4D-4742-BA86-1954AADB18EF}"/>
-              </a:ext>
-            </a:extLst>
-          </p:cNvPr>
-          <p:cNvGraphicFramePr>
-            <a:graphicFrameLocks noGrp="1"/>
-          </p:cNvGraphicFramePr>
-          <p:nvPr>
-            <p:ph idx="1"/>
-            <p:extLst>
-              <p:ext uri="{D42A27DB-BD31-4B8C-83A1-F6EECF244321}">
-                <p14:modId xmlns:p14="http://schemas.microsoft.com/office/powerpoint/2010/main" val="2437606822"/>
-              </p:ext>
-            </p:extLst>
-          </p:nvPr>
-        </p:nvGraphicFramePr>
-        <p:xfrm>
-          <a:off x="6368144" y="1677705"/>
-          <a:ext cx="4985656" cy="4698813"/>
-        </p:xfrm>
-        <a:graphic>
-          <a:graphicData uri="http://schemas.openxmlformats.org/drawingml/2006/table">
-            <a:tbl>
-              <a:tblPr>
-                <a:tableStyleId>{5C22544A-7EE6-4342-B048-85BDC9FD1C3A}</a:tableStyleId>
-              </a:tblPr>
-              <a:tblGrid>
-                <a:gridCol w="1555602">
-                  <a:extLst>
-                    <a:ext uri="{9D8B030D-6E8A-4147-A177-3AD203B41FA5}">
-                      <a16:colId xmlns:a16="http://schemas.microsoft.com/office/drawing/2014/main" val="3478917767"/>
-                    </a:ext>
-                  </a:extLst>
-                </a:gridCol>
-                <a:gridCol w="1555602">
-                  <a:extLst>
-                    <a:ext uri="{9D8B030D-6E8A-4147-A177-3AD203B41FA5}">
-                      <a16:colId xmlns:a16="http://schemas.microsoft.com/office/drawing/2014/main" val="2939297383"/>
-                    </a:ext>
-                  </a:extLst>
-                </a:gridCol>
-                <a:gridCol w="840605">
-                  <a:extLst>
-                    <a:ext uri="{9D8B030D-6E8A-4147-A177-3AD203B41FA5}">
-                      <a16:colId xmlns:a16="http://schemas.microsoft.com/office/drawing/2014/main" val="2486717004"/>
-                    </a:ext>
-                  </a:extLst>
-                </a:gridCol>
-                <a:gridCol w="1033847">
-                  <a:extLst>
-                    <a:ext uri="{9D8B030D-6E8A-4147-A177-3AD203B41FA5}">
-                      <a16:colId xmlns:a16="http://schemas.microsoft.com/office/drawing/2014/main" val="706046472"/>
-                    </a:ext>
-                  </a:extLst>
-                </a:gridCol>
-              </a:tblGrid>
-              <a:tr h="293899">
-                <a:tc>
-                  <a:txBody>
-                    <a:bodyPr/>
-                    <a:lstStyle/>
-                    <a:p>
-                      <a:pPr algn="l" fontAlgn="b"/>
-                      <a:endParaRPr lang="en-US" sz="1200" b="0" i="0" u="none" strike="noStrike" dirty="0">
-                        <a:solidFill>
-                          <a:srgbClr val="000000"/>
-                        </a:solidFill>
-                        <a:effectLst/>
-                        <a:latin typeface="+mn-lt"/>
-                      </a:endParaRPr>
-                    </a:p>
-                  </a:txBody>
-                  <a:tcPr marL="6350" marR="6350" marT="6350" marB="0" anchor="b"/>
-                </a:tc>
-                <a:tc rowSpan="2">
-                  <a:txBody>
-                    <a:bodyPr/>
-                    <a:lstStyle/>
-                    <a:p>
-                      <a:pPr algn="ctr" fontAlgn="ctr"/>
-                      <a:r>
-                        <a:rPr lang="en-US" sz="1200" b="1" u="none" strike="noStrike" dirty="0">
-                          <a:effectLst/>
-                          <a:latin typeface="+mn-lt"/>
-                        </a:rPr>
-                        <a:t>Model</a:t>
-                      </a:r>
-                      <a:endParaRPr lang="en-US" sz="1200" b="1" i="0" u="none" strike="noStrike" dirty="0">
-                        <a:solidFill>
-                          <a:srgbClr val="000000"/>
-                        </a:solidFill>
-                        <a:effectLst/>
-                        <a:latin typeface="+mn-lt"/>
-                      </a:endParaRPr>
-                    </a:p>
-                  </a:txBody>
-                  <a:tcPr marL="6350" marR="6350" marT="6350" marB="0" anchor="ctr"/>
-                </a:tc>
-                <a:tc gridSpan="2">
-                  <a:txBody>
-                    <a:bodyPr/>
-                    <a:lstStyle/>
-                    <a:p>
-                      <a:pPr algn="ctr" fontAlgn="b"/>
-                      <a:r>
-                        <a:rPr lang="en-US" sz="1200" b="1" u="none" strike="noStrike" dirty="0">
-                          <a:effectLst/>
-                          <a:latin typeface="+mn-lt"/>
-                        </a:rPr>
-                        <a:t>Testing RMSE</a:t>
-                      </a:r>
-                      <a:endParaRPr lang="en-US" sz="1200" b="1" i="0" u="none" strike="noStrike" dirty="0">
-                        <a:solidFill>
-                          <a:srgbClr val="000000"/>
-                        </a:solidFill>
-                        <a:effectLst/>
-                        <a:latin typeface="+mn-lt"/>
-                      </a:endParaRPr>
-                    </a:p>
-                  </a:txBody>
-                  <a:tcPr marL="6350" marR="6350" marT="6350" marB="0" anchor="b"/>
-                </a:tc>
-                <a:tc hMerge="1">
-                  <a:txBody>
-                    <a:bodyPr/>
-                    <a:lstStyle/>
-                    <a:p>
-                      <a:endParaRPr lang="en-US"/>
-                    </a:p>
-                  </a:txBody>
-                  <a:tcPr/>
-                </a:tc>
-                <a:extLst>
-                  <a:ext uri="{0D108BD9-81ED-4DB2-BD59-A6C34878D82A}">
-                    <a16:rowId xmlns:a16="http://schemas.microsoft.com/office/drawing/2014/main" val="1550085656"/>
-                  </a:ext>
-                </a:extLst>
-              </a:tr>
-              <a:tr h="296114">
-                <a:tc>
-                  <a:txBody>
-                    <a:bodyPr/>
-                    <a:lstStyle/>
-                    <a:p>
-                      <a:pPr algn="l" fontAlgn="b"/>
-                      <a:endParaRPr lang="en-US" sz="1200" b="0" i="0" u="none" strike="noStrike" dirty="0">
-                        <a:solidFill>
-                          <a:srgbClr val="000000"/>
-                        </a:solidFill>
-                        <a:effectLst/>
-                        <a:latin typeface="+mn-lt"/>
-                      </a:endParaRPr>
-                    </a:p>
-                  </a:txBody>
-                  <a:tcPr marL="6350" marR="6350" marT="6350" marB="0" anchor="b"/>
-                </a:tc>
-                <a:tc vMerge="1">
-                  <a:txBody>
-                    <a:bodyPr/>
-                    <a:lstStyle/>
-                    <a:p>
-                      <a:endParaRPr lang="en-US"/>
-                    </a:p>
-                  </a:txBody>
-                  <a:tcPr/>
-                </a:tc>
-                <a:tc>
-                  <a:txBody>
-                    <a:bodyPr/>
-                    <a:lstStyle/>
-                    <a:p>
-                      <a:pPr algn="ctr" fontAlgn="b"/>
-                      <a:r>
-                        <a:rPr lang="en-US" sz="1200" b="1" u="none" strike="noStrike">
-                          <a:effectLst/>
-                          <a:latin typeface="+mn-lt"/>
-                        </a:rPr>
-                        <a:t>Raw</a:t>
-                      </a:r>
-                      <a:endParaRPr lang="en-US" sz="1200" b="1" i="0" u="none" strike="noStrike">
-                        <a:solidFill>
-                          <a:srgbClr val="000000"/>
-                        </a:solidFill>
-                        <a:effectLst/>
-                        <a:latin typeface="+mn-lt"/>
-                      </a:endParaRPr>
-                    </a:p>
-                  </a:txBody>
-                  <a:tcPr marL="6350" marR="6350" marT="6350" marB="0" anchor="b"/>
-                </a:tc>
-                <a:tc>
-                  <a:txBody>
-                    <a:bodyPr/>
-                    <a:lstStyle/>
-                    <a:p>
-                      <a:pPr algn="ctr" fontAlgn="b"/>
-                      <a:r>
-                        <a:rPr lang="en-US" sz="1200" b="1" u="none" strike="noStrike" dirty="0">
-                          <a:effectLst/>
-                          <a:latin typeface="+mn-lt"/>
-                        </a:rPr>
-                        <a:t>Standardized</a:t>
-                      </a:r>
-                      <a:endParaRPr lang="en-US" sz="1200" b="1" i="0" u="none" strike="noStrike" dirty="0">
-                        <a:solidFill>
-                          <a:srgbClr val="000000"/>
-                        </a:solidFill>
-                        <a:effectLst/>
-                        <a:latin typeface="+mn-lt"/>
-                      </a:endParaRPr>
-                    </a:p>
-                  </a:txBody>
-                  <a:tcPr marL="6350" marR="6350" marT="6350" marB="0" anchor="b"/>
-                </a:tc>
-                <a:extLst>
-                  <a:ext uri="{0D108BD9-81ED-4DB2-BD59-A6C34878D82A}">
-                    <a16:rowId xmlns:a16="http://schemas.microsoft.com/office/drawing/2014/main" val="3665824223"/>
-                  </a:ext>
-                </a:extLst>
-              </a:tr>
-              <a:tr h="327683">
-                <a:tc rowSpan="5">
-                  <a:txBody>
-                    <a:bodyPr/>
-                    <a:lstStyle/>
-                    <a:p>
-                      <a:pPr algn="ctr" fontAlgn="ctr"/>
-                      <a:r>
-                        <a:rPr lang="en-US" sz="1200" b="1" u="none" strike="noStrike" dirty="0">
-                          <a:effectLst/>
-                          <a:latin typeface="+mn-lt"/>
-                        </a:rPr>
-                        <a:t>6-Year Graduation Rate</a:t>
-                      </a:r>
-                      <a:endParaRPr lang="en-US" sz="1200" b="1" i="0" u="none" strike="noStrike" dirty="0">
-                        <a:solidFill>
-                          <a:srgbClr val="000000"/>
-                        </a:solidFill>
-                        <a:effectLst/>
-                        <a:latin typeface="+mn-lt"/>
-                      </a:endParaRPr>
-                    </a:p>
-                  </a:txBody>
-                  <a:tcPr marL="6350" marR="6350" marT="6350" marB="0" anchor="ctr"/>
-                </a:tc>
-                <a:tc>
-                  <a:txBody>
-                    <a:bodyPr/>
-                    <a:lstStyle/>
-                    <a:p>
-                      <a:pPr algn="l" fontAlgn="b"/>
-                      <a:r>
-                        <a:rPr lang="en-US" sz="1200" b="0" i="0" u="none" strike="noStrike" dirty="0">
-                          <a:solidFill>
-                            <a:srgbClr val="000000"/>
-                          </a:solidFill>
-                          <a:effectLst/>
-                          <a:latin typeface="+mn-lt"/>
-                        </a:rPr>
-                        <a:t>Lasso</a:t>
-                      </a:r>
-                    </a:p>
-                  </a:txBody>
-                  <a:tcPr marL="6350" marR="6350" marT="6350" marB="0" anchor="b"/>
-                </a:tc>
-                <a:tc>
-                  <a:txBody>
-                    <a:bodyPr/>
-                    <a:lstStyle/>
-                    <a:p>
-                      <a:pPr algn="r" fontAlgn="ctr"/>
-                      <a:endParaRPr lang="en-GB" sz="1200" b="0" i="0" u="none" strike="noStrike" dirty="0">
-                        <a:solidFill>
-                          <a:srgbClr val="000000"/>
-                        </a:solidFill>
-                        <a:effectLst/>
-                        <a:latin typeface="+mn-lt"/>
-                      </a:endParaRPr>
-                    </a:p>
-                    <a:p>
-                      <a:pPr algn="r" fontAlgn="ctr"/>
-                      <a:r>
-                        <a:rPr lang="en-GB" sz="1200" b="0" i="0" u="none" strike="noStrike" dirty="0">
-                          <a:solidFill>
-                            <a:srgbClr val="000000"/>
-                          </a:solidFill>
-                          <a:effectLst/>
-                          <a:latin typeface="+mn-lt"/>
-                        </a:rPr>
-                        <a:t>0.0454</a:t>
-                      </a:r>
-                    </a:p>
-                  </a:txBody>
-                  <a:tcPr marL="6350" marR="6350" marT="6350" marB="0" anchor="ctr"/>
-                </a:tc>
-                <a:tc>
-                  <a:txBody>
-                    <a:bodyPr/>
-                    <a:lstStyle/>
-                    <a:p>
-                      <a:pPr algn="r" fontAlgn="ctr"/>
-                      <a:endParaRPr lang="en-GB" sz="1200" b="0" i="0" u="none" strike="noStrike" dirty="0">
-                        <a:solidFill>
-                          <a:srgbClr val="000000"/>
-                        </a:solidFill>
-                        <a:effectLst/>
-                        <a:latin typeface="+mn-lt"/>
-                      </a:endParaRPr>
-                    </a:p>
-                    <a:p>
-                      <a:pPr algn="r" fontAlgn="ctr"/>
-                      <a:r>
-                        <a:rPr lang="en-GB" sz="1200" b="0" i="0" u="none" strike="noStrike" dirty="0">
-                          <a:solidFill>
-                            <a:srgbClr val="000000"/>
-                          </a:solidFill>
-                          <a:effectLst/>
-                          <a:latin typeface="+mn-lt"/>
-                        </a:rPr>
-                        <a:t>0.2559</a:t>
-                      </a:r>
-                    </a:p>
-                  </a:txBody>
-                  <a:tcPr marL="6350" marR="6350" marT="6350" marB="0" anchor="ctr"/>
-                </a:tc>
-                <a:extLst>
-                  <a:ext uri="{0D108BD9-81ED-4DB2-BD59-A6C34878D82A}">
-                    <a16:rowId xmlns:a16="http://schemas.microsoft.com/office/drawing/2014/main" val="4095835183"/>
-                  </a:ext>
-                </a:extLst>
-              </a:tr>
-              <a:tr h="327683">
-                <a:tc vMerge="1">
-                  <a:txBody>
-                    <a:bodyPr/>
-                    <a:lstStyle/>
-                    <a:p>
-                      <a:endParaRPr lang="en-US"/>
-                    </a:p>
-                  </a:txBody>
-                  <a:tcPr/>
-                </a:tc>
-                <a:tc>
-                  <a:txBody>
-                    <a:bodyPr/>
-                    <a:lstStyle/>
-                    <a:p>
-                      <a:pPr algn="l" fontAlgn="b"/>
-                      <a:r>
-                        <a:rPr lang="en-US" sz="1200" b="0" i="0" u="none" strike="noStrike" dirty="0">
-                          <a:solidFill>
-                            <a:srgbClr val="000000"/>
-                          </a:solidFill>
-                          <a:effectLst/>
-                          <a:latin typeface="+mn-lt"/>
-                        </a:rPr>
-                        <a:t>Ridge</a:t>
-                      </a:r>
-                    </a:p>
-                  </a:txBody>
-                  <a:tcPr marL="6350" marR="6350" marT="6350" marB="0" anchor="b"/>
-                </a:tc>
-                <a:tc>
-                  <a:txBody>
-                    <a:bodyPr/>
-                    <a:lstStyle/>
-                    <a:p>
-                      <a:pPr algn="r" fontAlgn="ctr"/>
-                      <a:endParaRPr lang="en-GB" sz="1200" b="0" i="0" u="none" strike="noStrike" dirty="0">
-                        <a:solidFill>
-                          <a:srgbClr val="000000"/>
-                        </a:solidFill>
-                        <a:effectLst/>
-                        <a:latin typeface="+mn-lt"/>
-                      </a:endParaRPr>
-                    </a:p>
-                    <a:p>
-                      <a:pPr algn="r" fontAlgn="ctr"/>
-                      <a:r>
-                        <a:rPr lang="en-GB" sz="1200" b="0" i="0" u="none" strike="noStrike" dirty="0">
-                          <a:solidFill>
-                            <a:srgbClr val="000000"/>
-                          </a:solidFill>
-                          <a:effectLst/>
-                          <a:latin typeface="+mn-lt"/>
-                        </a:rPr>
-                        <a:t>0.0362</a:t>
-                      </a:r>
-                    </a:p>
-                  </a:txBody>
-                  <a:tcPr marL="6350" marR="6350" marT="6350" marB="0" anchor="ctr"/>
-                </a:tc>
-                <a:tc>
-                  <a:txBody>
-                    <a:bodyPr/>
-                    <a:lstStyle/>
-                    <a:p>
-                      <a:pPr algn="r" fontAlgn="ctr"/>
-                      <a:endParaRPr lang="en-GB" sz="1200" b="0" i="0" u="none" strike="noStrike" dirty="0">
-                        <a:solidFill>
-                          <a:srgbClr val="000000"/>
-                        </a:solidFill>
-                        <a:effectLst/>
-                        <a:latin typeface="+mn-lt"/>
-                      </a:endParaRPr>
-                    </a:p>
-                    <a:p>
-                      <a:pPr algn="r" fontAlgn="ctr"/>
-                      <a:r>
-                        <a:rPr lang="en-GB" sz="1200" b="0" i="0" u="none" strike="noStrike" dirty="0">
-                          <a:solidFill>
-                            <a:srgbClr val="000000"/>
-                          </a:solidFill>
-                          <a:effectLst/>
-                          <a:latin typeface="+mn-lt"/>
-                        </a:rPr>
-                        <a:t>0.2037</a:t>
-                      </a:r>
-                    </a:p>
-                  </a:txBody>
-                  <a:tcPr marL="6350" marR="6350" marT="6350" marB="0" anchor="ctr"/>
-                </a:tc>
-                <a:extLst>
-                  <a:ext uri="{0D108BD9-81ED-4DB2-BD59-A6C34878D82A}">
-                    <a16:rowId xmlns:a16="http://schemas.microsoft.com/office/drawing/2014/main" val="2388995701"/>
-                  </a:ext>
-                </a:extLst>
-              </a:tr>
-              <a:tr h="327683">
-                <a:tc vMerge="1">
-                  <a:txBody>
-                    <a:bodyPr/>
-                    <a:lstStyle/>
-                    <a:p>
-                      <a:endParaRPr lang="en-US"/>
-                    </a:p>
-                  </a:txBody>
-                  <a:tcPr/>
-                </a:tc>
-                <a:tc>
-                  <a:txBody>
-                    <a:bodyPr/>
-                    <a:lstStyle/>
-                    <a:p>
-                      <a:pPr algn="l" fontAlgn="b"/>
-                      <a:r>
-                        <a:rPr lang="en-US" sz="1200" b="0" i="0" u="none" strike="noStrike" dirty="0">
-                          <a:solidFill>
-                            <a:srgbClr val="000000"/>
-                          </a:solidFill>
-                          <a:effectLst/>
-                          <a:latin typeface="+mn-lt"/>
-                        </a:rPr>
-                        <a:t>Elastic Net</a:t>
-                      </a:r>
-                    </a:p>
-                  </a:txBody>
-                  <a:tcPr marL="6350" marR="6350" marT="6350" marB="0" anchor="b"/>
-                </a:tc>
-                <a:tc>
-                  <a:txBody>
-                    <a:bodyPr/>
-                    <a:lstStyle/>
-                    <a:p>
-                      <a:pPr algn="r" fontAlgn="ctr"/>
-                      <a:endParaRPr lang="en-GB" sz="1200" b="0" i="0" u="none" strike="noStrike" dirty="0">
-                        <a:solidFill>
-                          <a:srgbClr val="000000"/>
-                        </a:solidFill>
-                        <a:effectLst/>
-                        <a:latin typeface="+mn-lt"/>
-                      </a:endParaRPr>
-                    </a:p>
-                    <a:p>
-                      <a:pPr algn="r" fontAlgn="ctr"/>
-                      <a:r>
-                        <a:rPr lang="en-GB" sz="1200" b="0" i="0" u="none" strike="noStrike" dirty="0">
-                          <a:solidFill>
-                            <a:srgbClr val="000000"/>
-                          </a:solidFill>
-                          <a:effectLst/>
-                          <a:latin typeface="+mn-lt"/>
-                        </a:rPr>
-                        <a:t>0.0382</a:t>
-                      </a:r>
-                    </a:p>
-                  </a:txBody>
-                  <a:tcPr marL="6350" marR="6350" marT="6350" marB="0" anchor="ctr"/>
-                </a:tc>
-                <a:tc>
-                  <a:txBody>
-                    <a:bodyPr/>
-                    <a:lstStyle/>
-                    <a:p>
-                      <a:pPr algn="r" fontAlgn="ctr"/>
-                      <a:endParaRPr lang="en-GB" sz="1200" b="0" i="0" u="none" strike="noStrike" dirty="0">
-                        <a:solidFill>
-                          <a:srgbClr val="000000"/>
-                        </a:solidFill>
-                        <a:effectLst/>
-                        <a:latin typeface="+mn-lt"/>
-                      </a:endParaRPr>
-                    </a:p>
-                    <a:p>
-                      <a:pPr algn="r" fontAlgn="ctr"/>
-                      <a:r>
-                        <a:rPr lang="en-GB" sz="1200" b="0" i="0" u="none" strike="noStrike" dirty="0">
-                          <a:solidFill>
-                            <a:srgbClr val="000000"/>
-                          </a:solidFill>
-                          <a:effectLst/>
-                          <a:latin typeface="+mn-lt"/>
-                        </a:rPr>
-                        <a:t>0.2153</a:t>
-                      </a:r>
-                    </a:p>
-                  </a:txBody>
-                  <a:tcPr marL="6350" marR="6350" marT="6350" marB="0" anchor="ctr"/>
-                </a:tc>
-                <a:extLst>
-                  <a:ext uri="{0D108BD9-81ED-4DB2-BD59-A6C34878D82A}">
-                    <a16:rowId xmlns:a16="http://schemas.microsoft.com/office/drawing/2014/main" val="1549553246"/>
-                  </a:ext>
-                </a:extLst>
-              </a:tr>
-              <a:tr h="469035">
-                <a:tc vMerge="1">
-                  <a:txBody>
-                    <a:bodyPr/>
-                    <a:lstStyle/>
-                    <a:p>
-                      <a:endParaRPr lang="en-US"/>
-                    </a:p>
-                  </a:txBody>
-                  <a:tcPr/>
-                </a:tc>
-                <a:tc>
-                  <a:txBody>
-                    <a:bodyPr/>
-                    <a:lstStyle/>
-                    <a:p>
-                      <a:pPr algn="l" fontAlgn="b"/>
-                      <a:r>
-                        <a:rPr lang="en-US" sz="1200" u="none" strike="noStrike" dirty="0">
-                          <a:effectLst/>
-                          <a:latin typeface="+mn-lt"/>
-                        </a:rPr>
-                        <a:t>LM (w/ interactions)</a:t>
-                      </a:r>
-                    </a:p>
-                    <a:p>
-                      <a:pPr algn="l" fontAlgn="b"/>
-                      <a:r>
-                        <a:rPr lang="en-US" sz="1200" b="0" i="0" u="none" strike="noStrike" dirty="0">
-                          <a:solidFill>
-                            <a:srgbClr val="000000"/>
-                          </a:solidFill>
-                          <a:effectLst/>
-                          <a:latin typeface="+mn-lt"/>
-                        </a:rPr>
-                        <a:t>(selected variables)</a:t>
-                      </a:r>
-                    </a:p>
-                  </a:txBody>
-                  <a:tcPr marL="6350" marR="6350" marT="6350" marB="0" anchor="b"/>
-                </a:tc>
-                <a:tc>
-                  <a:txBody>
-                    <a:bodyPr/>
-                    <a:lstStyle/>
-                    <a:p>
-                      <a:pPr algn="r" fontAlgn="ctr"/>
-                      <a:endParaRPr lang="en-GB" sz="1200" b="0" i="0" u="none" strike="noStrike" dirty="0">
-                        <a:solidFill>
-                          <a:srgbClr val="000000"/>
-                        </a:solidFill>
-                        <a:effectLst/>
-                        <a:latin typeface="+mn-lt"/>
-                      </a:endParaRPr>
-                    </a:p>
-                    <a:p>
-                      <a:pPr algn="r" fontAlgn="ctr"/>
-                      <a:r>
-                        <a:rPr lang="en-GB" sz="1200" b="0" i="0" u="none" strike="noStrike" dirty="0">
-                          <a:solidFill>
-                            <a:srgbClr val="000000"/>
-                          </a:solidFill>
-                          <a:effectLst/>
-                          <a:latin typeface="+mn-lt"/>
-                        </a:rPr>
-                        <a:t>0.0961</a:t>
-                      </a:r>
-                    </a:p>
-                  </a:txBody>
-                  <a:tcPr marL="6350" marR="6350" marT="6350" marB="0" anchor="ctr"/>
-                </a:tc>
-                <a:tc>
-                  <a:txBody>
-                    <a:bodyPr/>
-                    <a:lstStyle/>
-                    <a:p>
-                      <a:pPr algn="r" fontAlgn="ctr"/>
-                      <a:endParaRPr lang="en-GB" sz="1200" b="0" i="0" u="none" strike="noStrike" dirty="0">
-                        <a:solidFill>
-                          <a:srgbClr val="000000"/>
-                        </a:solidFill>
-                        <a:effectLst/>
-                        <a:latin typeface="+mn-lt"/>
-                      </a:endParaRPr>
-                    </a:p>
-                    <a:p>
-                      <a:pPr algn="r" fontAlgn="ctr"/>
-                      <a:r>
-                        <a:rPr lang="en-GB" sz="1200" b="0" i="0" u="none" strike="noStrike" dirty="0">
-                          <a:solidFill>
-                            <a:srgbClr val="000000"/>
-                          </a:solidFill>
-                          <a:effectLst/>
-                          <a:latin typeface="+mn-lt"/>
-                        </a:rPr>
-                        <a:t>0.5413</a:t>
-                      </a:r>
-                    </a:p>
-                  </a:txBody>
-                  <a:tcPr marL="6350" marR="6350" marT="6350" marB="0" anchor="ctr"/>
-                </a:tc>
-                <a:extLst>
-                  <a:ext uri="{0D108BD9-81ED-4DB2-BD59-A6C34878D82A}">
-                    <a16:rowId xmlns:a16="http://schemas.microsoft.com/office/drawing/2014/main" val="2325486976"/>
-                  </a:ext>
-                </a:extLst>
-              </a:tr>
-              <a:tr h="469035">
-                <a:tc vMerge="1">
-                  <a:txBody>
-                    <a:bodyPr/>
-                    <a:lstStyle/>
-                    <a:p>
-                      <a:endParaRPr lang="en-US"/>
-                    </a:p>
-                  </a:txBody>
-                  <a:tcPr/>
-                </a:tc>
-                <a:tc>
-                  <a:txBody>
-                    <a:bodyPr/>
-                    <a:lstStyle/>
-                    <a:p>
-                      <a:pPr marL="0" marR="0" lvl="0" indent="0" algn="l" defTabSz="914400" rtl="0" eaLnBrk="1" fontAlgn="b" latinLnBrk="0" hangingPunct="1">
-                        <a:lnSpc>
-                          <a:spcPct val="100000"/>
-                        </a:lnSpc>
-                        <a:spcBef>
-                          <a:spcPts val="0"/>
-                        </a:spcBef>
-                        <a:spcAft>
-                          <a:spcPts val="0"/>
-                        </a:spcAft>
-                        <a:buClrTx/>
-                        <a:buSzTx/>
-                        <a:buFontTx/>
-                        <a:buNone/>
-                        <a:tabLst/>
-                        <a:defRPr/>
-                      </a:pPr>
-                      <a:r>
-                        <a:rPr lang="en-US" sz="1200" b="0" i="0" u="none" strike="noStrike" dirty="0">
-                          <a:solidFill>
-                            <a:srgbClr val="FF0000"/>
-                          </a:solidFill>
-                          <a:effectLst/>
-                          <a:latin typeface="+mn-lt"/>
-                        </a:rPr>
-                        <a:t>Gaussian Kernel (selected variables)</a:t>
-                      </a:r>
-                    </a:p>
-                  </a:txBody>
-                  <a:tcPr marL="6350" marR="6350" marT="6350" marB="0" anchor="b"/>
-                </a:tc>
-                <a:tc>
-                  <a:txBody>
-                    <a:bodyPr/>
-                    <a:lstStyle/>
-                    <a:p>
-                      <a:pPr algn="r" fontAlgn="ctr"/>
-                      <a:endParaRPr lang="en-GB" sz="1200" b="0" i="0" u="none" strike="noStrike" dirty="0">
-                        <a:solidFill>
-                          <a:srgbClr val="FF0000"/>
-                        </a:solidFill>
-                        <a:effectLst/>
-                        <a:latin typeface="+mn-lt"/>
-                      </a:endParaRPr>
-                    </a:p>
-                    <a:p>
-                      <a:pPr algn="r" fontAlgn="ctr"/>
-                      <a:r>
-                        <a:rPr lang="en-GB" sz="1200" b="0" i="0" u="none" strike="noStrike" dirty="0">
-                          <a:solidFill>
-                            <a:srgbClr val="FF0000"/>
-                          </a:solidFill>
-                          <a:effectLst/>
-                          <a:latin typeface="+mn-lt"/>
-                        </a:rPr>
-                        <a:t>0.0333</a:t>
-                      </a:r>
-                    </a:p>
-                  </a:txBody>
-                  <a:tcPr marL="6350" marR="6350" marT="6350" marB="0" anchor="ctr"/>
-                </a:tc>
-                <a:tc>
-                  <a:txBody>
-                    <a:bodyPr/>
-                    <a:lstStyle/>
-                    <a:p>
-                      <a:pPr algn="r" fontAlgn="ctr"/>
-                      <a:endParaRPr lang="en-GB" sz="1200" b="0" i="0" u="none" strike="noStrike" dirty="0">
-                        <a:solidFill>
-                          <a:srgbClr val="FF0000"/>
-                        </a:solidFill>
-                        <a:effectLst/>
-                        <a:latin typeface="+mn-lt"/>
-                      </a:endParaRPr>
-                    </a:p>
-                    <a:p>
-                      <a:pPr algn="r" fontAlgn="ctr"/>
-                      <a:r>
-                        <a:rPr lang="en-GB" sz="1200" b="0" i="0" u="none" strike="noStrike" dirty="0">
-                          <a:solidFill>
-                            <a:srgbClr val="FF0000"/>
-                          </a:solidFill>
-                          <a:effectLst/>
-                          <a:latin typeface="+mn-lt"/>
-                        </a:rPr>
-                        <a:t>0.1878</a:t>
-                      </a:r>
-                    </a:p>
-                  </a:txBody>
-                  <a:tcPr marL="6350" marR="6350" marT="6350" marB="0" anchor="ctr"/>
-                </a:tc>
-                <a:extLst>
-                  <a:ext uri="{0D108BD9-81ED-4DB2-BD59-A6C34878D82A}">
-                    <a16:rowId xmlns:a16="http://schemas.microsoft.com/office/drawing/2014/main" val="108756169"/>
-                  </a:ext>
-                </a:extLst>
-              </a:tr>
-              <a:tr h="327683">
-                <a:tc rowSpan="5">
-                  <a:txBody>
-                    <a:bodyPr/>
-                    <a:lstStyle/>
-                    <a:p>
-                      <a:pPr marL="0" marR="0" lvl="0" indent="0" algn="ctr" defTabSz="914400" rtl="0" eaLnBrk="1" fontAlgn="ctr" latinLnBrk="0" hangingPunct="1">
-                        <a:lnSpc>
-                          <a:spcPct val="100000"/>
-                        </a:lnSpc>
-                        <a:spcBef>
-                          <a:spcPts val="0"/>
-                        </a:spcBef>
-                        <a:spcAft>
-                          <a:spcPts val="0"/>
-                        </a:spcAft>
-                        <a:buClrTx/>
-                        <a:buSzTx/>
-                        <a:buFontTx/>
-                        <a:buNone/>
-                        <a:tabLst/>
-                        <a:defRPr/>
-                      </a:pPr>
-                      <a:r>
-                        <a:rPr lang="en-US" sz="1200" b="1" u="none" strike="noStrike" dirty="0">
-                          <a:effectLst/>
-                          <a:latin typeface="+mn-lt"/>
-                        </a:rPr>
-                        <a:t>Bachelor's Degrees per FTE</a:t>
-                      </a:r>
-                      <a:endParaRPr lang="en-US" sz="1200" b="1" i="0" u="none" strike="noStrike" dirty="0">
-                        <a:solidFill>
-                          <a:srgbClr val="000000"/>
-                        </a:solidFill>
-                        <a:effectLst/>
-                        <a:latin typeface="+mn-lt"/>
-                      </a:endParaRPr>
-                    </a:p>
-                    <a:p>
-                      <a:pPr algn="ctr" fontAlgn="ctr"/>
-                      <a:endParaRPr lang="en-US" sz="1200" b="1" i="0" u="none" strike="noStrike" dirty="0">
-                        <a:solidFill>
-                          <a:srgbClr val="000000"/>
-                        </a:solidFill>
-                        <a:effectLst/>
-                        <a:latin typeface="+mn-lt"/>
-                      </a:endParaRPr>
-                    </a:p>
-                  </a:txBody>
-                  <a:tcPr marL="6350" marR="6350" marT="6350" marB="0" anchor="ctr"/>
-                </a:tc>
-                <a:tc>
-                  <a:txBody>
-                    <a:bodyPr/>
-                    <a:lstStyle/>
-                    <a:p>
-                      <a:pPr algn="l" fontAlgn="b"/>
-                      <a:r>
-                        <a:rPr lang="en-US" sz="1200" b="0" i="0" u="none" strike="noStrike" dirty="0">
-                          <a:solidFill>
-                            <a:srgbClr val="000000"/>
-                          </a:solidFill>
-                          <a:effectLst/>
-                          <a:latin typeface="+mn-lt"/>
-                        </a:rPr>
-                        <a:t>Lasso</a:t>
-                      </a:r>
-                    </a:p>
-                  </a:txBody>
-                  <a:tcPr marL="6350" marR="6350" marT="6350" marB="0" anchor="b"/>
-                </a:tc>
-                <a:tc>
-                  <a:txBody>
-                    <a:bodyPr/>
-                    <a:lstStyle/>
-                    <a:p>
-                      <a:pPr algn="r" fontAlgn="ctr"/>
-                      <a:endParaRPr lang="en-GB" sz="1200" b="0" i="0" u="none" strike="noStrike" dirty="0">
-                        <a:solidFill>
-                          <a:srgbClr val="000000"/>
-                        </a:solidFill>
-                        <a:effectLst/>
-                        <a:latin typeface="+mn-lt"/>
-                      </a:endParaRPr>
-                    </a:p>
-                    <a:p>
-                      <a:pPr algn="r" fontAlgn="ctr"/>
-                      <a:r>
-                        <a:rPr lang="en-GB" sz="1200" b="0" i="0" u="none" strike="noStrike" dirty="0">
-                          <a:solidFill>
-                            <a:srgbClr val="000000"/>
-                          </a:solidFill>
-                          <a:effectLst/>
-                          <a:latin typeface="+mn-lt"/>
-                        </a:rPr>
-                        <a:t>0.0337</a:t>
-                      </a:r>
-                    </a:p>
-                  </a:txBody>
-                  <a:tcPr marL="6350" marR="6350" marT="6350" marB="0" anchor="ctr"/>
-                </a:tc>
-                <a:tc>
-                  <a:txBody>
-                    <a:bodyPr/>
-                    <a:lstStyle/>
-                    <a:p>
-                      <a:pPr algn="r" fontAlgn="ctr"/>
-                      <a:endParaRPr lang="en-GB" sz="1200" b="0" i="0" u="none" strike="noStrike" dirty="0">
-                        <a:solidFill>
-                          <a:srgbClr val="000000"/>
-                        </a:solidFill>
-                        <a:effectLst/>
-                        <a:latin typeface="+mn-lt"/>
-                      </a:endParaRPr>
-                    </a:p>
-                    <a:p>
-                      <a:pPr algn="r" fontAlgn="ctr"/>
-                      <a:r>
-                        <a:rPr lang="en-GB" sz="1200" b="0" i="0" u="none" strike="noStrike" dirty="0">
-                          <a:solidFill>
-                            <a:srgbClr val="000000"/>
-                          </a:solidFill>
-                          <a:effectLst/>
-                          <a:latin typeface="+mn-lt"/>
-                        </a:rPr>
-                        <a:t>0.9690</a:t>
-                      </a:r>
-                    </a:p>
-                  </a:txBody>
-                  <a:tcPr marL="6350" marR="6350" marT="6350" marB="0" anchor="ctr"/>
-                </a:tc>
-                <a:extLst>
-                  <a:ext uri="{0D108BD9-81ED-4DB2-BD59-A6C34878D82A}">
-                    <a16:rowId xmlns:a16="http://schemas.microsoft.com/office/drawing/2014/main" val="868174123"/>
-                  </a:ext>
-                </a:extLst>
-              </a:tr>
-              <a:tr h="327683">
-                <a:tc vMerge="1">
-                  <a:txBody>
-                    <a:bodyPr/>
-                    <a:lstStyle/>
-                    <a:p>
-                      <a:endParaRPr lang="en-US"/>
-                    </a:p>
-                  </a:txBody>
-                  <a:tcPr/>
-                </a:tc>
-                <a:tc>
-                  <a:txBody>
-                    <a:bodyPr/>
-                    <a:lstStyle/>
-                    <a:p>
-                      <a:pPr algn="l" fontAlgn="b"/>
-                      <a:r>
-                        <a:rPr lang="en-US" sz="1200" b="0" i="0" u="none" strike="noStrike" dirty="0">
-                          <a:solidFill>
-                            <a:srgbClr val="000000"/>
-                          </a:solidFill>
-                          <a:effectLst/>
-                          <a:latin typeface="+mn-lt"/>
-                        </a:rPr>
-                        <a:t>Ridge</a:t>
-                      </a:r>
-                    </a:p>
-                  </a:txBody>
-                  <a:tcPr marL="6350" marR="6350" marT="6350" marB="0" anchor="b"/>
-                </a:tc>
-                <a:tc>
-                  <a:txBody>
-                    <a:bodyPr/>
-                    <a:lstStyle/>
-                    <a:p>
-                      <a:pPr algn="r" fontAlgn="ctr"/>
-                      <a:endParaRPr lang="en-GB" sz="1200" b="0" i="0" u="none" strike="noStrike" dirty="0">
-                        <a:solidFill>
-                          <a:srgbClr val="000000"/>
-                        </a:solidFill>
-                        <a:effectLst/>
-                        <a:latin typeface="+mn-lt"/>
-                      </a:endParaRPr>
-                    </a:p>
-                    <a:p>
-                      <a:pPr algn="r" fontAlgn="ctr"/>
-                      <a:r>
-                        <a:rPr lang="en-GB" sz="1200" b="0" i="0" u="none" strike="noStrike" dirty="0">
-                          <a:solidFill>
-                            <a:srgbClr val="000000"/>
-                          </a:solidFill>
-                          <a:effectLst/>
-                          <a:latin typeface="+mn-lt"/>
-                        </a:rPr>
-                        <a:t>0.0164</a:t>
-                      </a:r>
-                    </a:p>
-                  </a:txBody>
-                  <a:tcPr marL="6350" marR="6350" marT="6350" marB="0" anchor="ctr"/>
-                </a:tc>
-                <a:tc>
-                  <a:txBody>
-                    <a:bodyPr/>
-                    <a:lstStyle/>
-                    <a:p>
-                      <a:pPr algn="r" fontAlgn="ctr"/>
-                      <a:endParaRPr lang="en-GB" sz="1200" b="0" i="0" u="none" strike="noStrike" dirty="0">
-                        <a:solidFill>
-                          <a:srgbClr val="000000"/>
-                        </a:solidFill>
-                        <a:effectLst/>
-                        <a:latin typeface="+mn-lt"/>
-                      </a:endParaRPr>
-                    </a:p>
-                    <a:p>
-                      <a:pPr algn="r" fontAlgn="ctr"/>
-                      <a:r>
-                        <a:rPr lang="en-GB" sz="1200" b="0" i="0" u="none" strike="noStrike" dirty="0">
-                          <a:solidFill>
-                            <a:srgbClr val="000000"/>
-                          </a:solidFill>
-                          <a:effectLst/>
-                          <a:latin typeface="+mn-lt"/>
-                        </a:rPr>
-                        <a:t>0.4710</a:t>
-                      </a:r>
-                    </a:p>
-                  </a:txBody>
-                  <a:tcPr marL="6350" marR="6350" marT="6350" marB="0" anchor="ctr"/>
-                </a:tc>
-                <a:extLst>
-                  <a:ext uri="{0D108BD9-81ED-4DB2-BD59-A6C34878D82A}">
-                    <a16:rowId xmlns:a16="http://schemas.microsoft.com/office/drawing/2014/main" val="1773180674"/>
-                  </a:ext>
-                </a:extLst>
-              </a:tr>
-              <a:tr h="327683">
-                <a:tc vMerge="1">
-                  <a:txBody>
-                    <a:bodyPr/>
-                    <a:lstStyle/>
-                    <a:p>
-                      <a:endParaRPr lang="en-US"/>
-                    </a:p>
-                  </a:txBody>
-                  <a:tcPr/>
-                </a:tc>
-                <a:tc>
-                  <a:txBody>
-                    <a:bodyPr/>
-                    <a:lstStyle/>
-                    <a:p>
-                      <a:pPr algn="l" fontAlgn="b"/>
-                      <a:r>
-                        <a:rPr lang="en-US" sz="1200" b="0" i="0" u="none" strike="noStrike" dirty="0">
-                          <a:solidFill>
-                            <a:srgbClr val="000000"/>
-                          </a:solidFill>
-                          <a:effectLst/>
-                          <a:latin typeface="+mn-lt"/>
-                        </a:rPr>
-                        <a:t>Elastic Net</a:t>
-                      </a:r>
-                    </a:p>
-                  </a:txBody>
-                  <a:tcPr marL="6350" marR="6350" marT="6350" marB="0" anchor="b"/>
-                </a:tc>
-                <a:tc>
-                  <a:txBody>
-                    <a:bodyPr/>
-                    <a:lstStyle/>
-                    <a:p>
-                      <a:pPr algn="r" fontAlgn="ctr"/>
-                      <a:endParaRPr lang="en-GB" sz="1200" b="0" i="0" u="none" strike="noStrike" dirty="0">
-                        <a:solidFill>
-                          <a:srgbClr val="000000"/>
-                        </a:solidFill>
-                        <a:effectLst/>
-                        <a:latin typeface="+mn-lt"/>
-                      </a:endParaRPr>
-                    </a:p>
-                    <a:p>
-                      <a:pPr algn="r" fontAlgn="ctr"/>
-                      <a:r>
-                        <a:rPr lang="en-GB" sz="1200" b="0" i="0" u="none" strike="noStrike" dirty="0">
-                          <a:solidFill>
-                            <a:srgbClr val="000000"/>
-                          </a:solidFill>
-                          <a:effectLst/>
-                          <a:latin typeface="+mn-lt"/>
-                        </a:rPr>
-                        <a:t>0.0313</a:t>
-                      </a:r>
-                    </a:p>
-                  </a:txBody>
-                  <a:tcPr marL="6350" marR="6350" marT="6350" marB="0" anchor="ctr"/>
-                </a:tc>
-                <a:tc>
-                  <a:txBody>
-                    <a:bodyPr/>
-                    <a:lstStyle/>
-                    <a:p>
-                      <a:pPr algn="r" fontAlgn="ctr"/>
-                      <a:endParaRPr lang="en-GB" sz="1200" b="0" i="0" u="none" strike="noStrike" dirty="0">
-                        <a:solidFill>
-                          <a:srgbClr val="000000"/>
-                        </a:solidFill>
-                        <a:effectLst/>
-                        <a:latin typeface="+mn-lt"/>
-                      </a:endParaRPr>
-                    </a:p>
-                    <a:p>
-                      <a:pPr algn="r" fontAlgn="ctr"/>
-                      <a:r>
-                        <a:rPr lang="en-GB" sz="1200" b="0" i="0" u="none" strike="noStrike" dirty="0">
-                          <a:solidFill>
-                            <a:srgbClr val="000000"/>
-                          </a:solidFill>
-                          <a:effectLst/>
-                          <a:latin typeface="+mn-lt"/>
-                        </a:rPr>
-                        <a:t>0.8980</a:t>
-                      </a:r>
-                    </a:p>
-                  </a:txBody>
-                  <a:tcPr marL="6350" marR="6350" marT="6350" marB="0" anchor="ctr"/>
-                </a:tc>
-                <a:extLst>
-                  <a:ext uri="{0D108BD9-81ED-4DB2-BD59-A6C34878D82A}">
-                    <a16:rowId xmlns:a16="http://schemas.microsoft.com/office/drawing/2014/main" val="324761190"/>
-                  </a:ext>
-                </a:extLst>
-              </a:tr>
-              <a:tr h="469035">
-                <a:tc vMerge="1">
-                  <a:txBody>
-                    <a:bodyPr/>
-                    <a:lstStyle/>
-                    <a:p>
-                      <a:endParaRPr lang="en-US"/>
-                    </a:p>
-                  </a:txBody>
-                  <a:tcPr/>
-                </a:tc>
-                <a:tc>
-                  <a:txBody>
-                    <a:bodyPr/>
-                    <a:lstStyle/>
-                    <a:p>
-                      <a:pPr algn="l" fontAlgn="b"/>
-                      <a:r>
-                        <a:rPr lang="en-US" sz="1200" u="none" strike="noStrike" dirty="0">
-                          <a:effectLst/>
-                          <a:latin typeface="+mn-lt"/>
-                        </a:rPr>
-                        <a:t>LM (w/ interactions)</a:t>
-                      </a:r>
-                    </a:p>
-                    <a:p>
-                      <a:pPr algn="l" fontAlgn="b"/>
-                      <a:r>
-                        <a:rPr lang="en-US" sz="1200" b="0" i="0" u="none" strike="noStrike" dirty="0">
-                          <a:solidFill>
-                            <a:srgbClr val="000000"/>
-                          </a:solidFill>
-                          <a:effectLst/>
-                          <a:latin typeface="+mn-lt"/>
-                        </a:rPr>
-                        <a:t>(selected variables)</a:t>
-                      </a:r>
-                    </a:p>
-                  </a:txBody>
-                  <a:tcPr marL="6350" marR="6350" marT="6350" marB="0" anchor="b"/>
-                </a:tc>
-                <a:tc>
-                  <a:txBody>
-                    <a:bodyPr/>
-                    <a:lstStyle/>
-                    <a:p>
-                      <a:pPr algn="r" fontAlgn="ctr"/>
-                      <a:endParaRPr lang="en-GB" sz="1200" b="0" i="0" u="none" strike="noStrike" dirty="0">
-                        <a:solidFill>
-                          <a:srgbClr val="000000"/>
-                        </a:solidFill>
-                        <a:effectLst/>
-                        <a:latin typeface="+mn-lt"/>
-                      </a:endParaRPr>
-                    </a:p>
-                    <a:p>
-                      <a:pPr algn="r" fontAlgn="ctr"/>
-                      <a:r>
-                        <a:rPr lang="en-GB" sz="1200" b="0" i="0" u="none" strike="noStrike" dirty="0">
-                          <a:solidFill>
-                            <a:srgbClr val="000000"/>
-                          </a:solidFill>
-                          <a:effectLst/>
-                          <a:latin typeface="+mn-lt"/>
-                        </a:rPr>
-                        <a:t>0.3418</a:t>
-                      </a:r>
-                    </a:p>
-                  </a:txBody>
-                  <a:tcPr marL="6350" marR="6350" marT="6350" marB="0" anchor="ctr"/>
-                </a:tc>
-                <a:tc>
-                  <a:txBody>
-                    <a:bodyPr/>
-                    <a:lstStyle/>
-                    <a:p>
-                      <a:pPr algn="r" fontAlgn="ctr"/>
-                      <a:endParaRPr lang="en-GB" sz="1200" b="0" i="0" u="none" strike="noStrike" dirty="0">
-                        <a:solidFill>
-                          <a:srgbClr val="000000"/>
-                        </a:solidFill>
-                        <a:effectLst/>
-                        <a:latin typeface="+mn-lt"/>
-                      </a:endParaRPr>
-                    </a:p>
-                    <a:p>
-                      <a:pPr algn="r" fontAlgn="ctr"/>
-                      <a:r>
-                        <a:rPr lang="en-GB" sz="1200" b="0" i="0" u="none" strike="noStrike" dirty="0">
-                          <a:solidFill>
-                            <a:srgbClr val="000000"/>
-                          </a:solidFill>
-                          <a:effectLst/>
-                          <a:latin typeface="+mn-lt"/>
-                        </a:rPr>
-                        <a:t>9.8100</a:t>
-                      </a:r>
-                    </a:p>
-                  </a:txBody>
-                  <a:tcPr marL="6350" marR="6350" marT="6350" marB="0" anchor="ctr"/>
-                </a:tc>
-                <a:extLst>
-                  <a:ext uri="{0D108BD9-81ED-4DB2-BD59-A6C34878D82A}">
-                    <a16:rowId xmlns:a16="http://schemas.microsoft.com/office/drawing/2014/main" val="1775108306"/>
-                  </a:ext>
-                </a:extLst>
-              </a:tr>
-              <a:tr h="469035">
-                <a:tc vMerge="1">
-                  <a:txBody>
-                    <a:bodyPr/>
-                    <a:lstStyle/>
-                    <a:p>
-                      <a:endParaRPr lang="en-US"/>
-                    </a:p>
-                  </a:txBody>
-                  <a:tcPr/>
-                </a:tc>
-                <a:tc>
-                  <a:txBody>
-                    <a:bodyPr/>
-                    <a:lstStyle/>
-                    <a:p>
-                      <a:pPr marL="0" marR="0" lvl="0" indent="0" algn="l" defTabSz="914400" rtl="0" eaLnBrk="1" fontAlgn="b" latinLnBrk="0" hangingPunct="1">
-                        <a:lnSpc>
-                          <a:spcPct val="100000"/>
-                        </a:lnSpc>
-                        <a:spcBef>
-                          <a:spcPts val="0"/>
-                        </a:spcBef>
-                        <a:spcAft>
-                          <a:spcPts val="0"/>
-                        </a:spcAft>
-                        <a:buClrTx/>
-                        <a:buSzTx/>
-                        <a:buFontTx/>
-                        <a:buNone/>
-                        <a:tabLst/>
-                        <a:defRPr/>
-                      </a:pPr>
-                      <a:r>
-                        <a:rPr lang="en-US" sz="1200" b="0" i="0" u="none" strike="noStrike" dirty="0">
-                          <a:solidFill>
-                            <a:srgbClr val="FF0000"/>
-                          </a:solidFill>
-                          <a:effectLst/>
-                          <a:latin typeface="+mn-lt"/>
-                        </a:rPr>
-                        <a:t>Gaussian Kernel (selected variables)</a:t>
-                      </a:r>
-                    </a:p>
-                  </a:txBody>
-                  <a:tcPr marL="6350" marR="6350" marT="6350" marB="0" anchor="b"/>
-                </a:tc>
-                <a:tc>
-                  <a:txBody>
-                    <a:bodyPr/>
-                    <a:lstStyle/>
-                    <a:p>
-                      <a:pPr algn="r" fontAlgn="ctr"/>
-                      <a:endParaRPr lang="en-GB" sz="1200" b="0" i="0" u="none" strike="noStrike" dirty="0">
-                        <a:solidFill>
-                          <a:srgbClr val="FF0000"/>
-                        </a:solidFill>
-                        <a:effectLst/>
-                        <a:latin typeface="+mn-lt"/>
-                      </a:endParaRPr>
-                    </a:p>
-                    <a:p>
-                      <a:pPr algn="r" fontAlgn="ctr"/>
-                      <a:r>
-                        <a:rPr lang="en-GB" sz="1200" b="0" i="0" u="none" strike="noStrike" dirty="0">
-                          <a:solidFill>
-                            <a:srgbClr val="FF0000"/>
-                          </a:solidFill>
-                          <a:effectLst/>
-                          <a:latin typeface="+mn-lt"/>
-                        </a:rPr>
-                        <a:t>0.0139</a:t>
-                      </a:r>
-                    </a:p>
-                  </a:txBody>
-                  <a:tcPr marL="6350" marR="6350" marT="6350" marB="0" anchor="ctr"/>
-                </a:tc>
-                <a:tc>
-                  <a:txBody>
-                    <a:bodyPr/>
-                    <a:lstStyle/>
-                    <a:p>
-                      <a:pPr algn="r" fontAlgn="ctr"/>
-                      <a:endParaRPr lang="en-GB" sz="1200" b="0" i="0" u="none" strike="noStrike" dirty="0">
-                        <a:solidFill>
-                          <a:srgbClr val="FF0000"/>
-                        </a:solidFill>
-                        <a:effectLst/>
-                        <a:latin typeface="+mn-lt"/>
-                      </a:endParaRPr>
-                    </a:p>
-                    <a:p>
-                      <a:pPr algn="r" fontAlgn="ctr"/>
-                      <a:r>
-                        <a:rPr lang="en-GB" sz="1200" b="0" i="0" u="none" strike="noStrike" dirty="0">
-                          <a:solidFill>
-                            <a:srgbClr val="FF0000"/>
-                          </a:solidFill>
-                          <a:effectLst/>
-                          <a:latin typeface="+mn-lt"/>
-                        </a:rPr>
-                        <a:t>0.3990</a:t>
-                      </a:r>
-                    </a:p>
-                  </a:txBody>
-                  <a:tcPr marL="6350" marR="6350" marT="6350" marB="0" anchor="ctr"/>
-                </a:tc>
-                <a:extLst>
-                  <a:ext uri="{0D108BD9-81ED-4DB2-BD59-A6C34878D82A}">
-                    <a16:rowId xmlns:a16="http://schemas.microsoft.com/office/drawing/2014/main" val="2613320283"/>
-                  </a:ext>
-                </a:extLst>
-              </a:tr>
-            </a:tbl>
-          </a:graphicData>
-        </a:graphic>
-      </p:graphicFrame>
     </p:spTree>
     <p:extLst>
       <p:ext uri="{BB962C8B-B14F-4D97-AF65-F5344CB8AC3E}">
-        <p14:creationId xmlns:p14="http://schemas.microsoft.com/office/powerpoint/2010/main" val="2912517893"/>
+        <p14:creationId xmlns:p14="http://schemas.microsoft.com/office/powerpoint/2010/main" val="4090755889"/>
       </p:ext>
     </p:extLst>
   </p:cSld>
@@ -4887,7 +5231,7 @@
           <p:cNvPr id="2" name="Title 1">
             <a:extLst>
               <a:ext uri="{FF2B5EF4-FFF2-40B4-BE49-F238E27FC236}">
-                <a16:creationId xmlns:a16="http://schemas.microsoft.com/office/drawing/2014/main" id="{6DB497BC-6377-4BD4-A8A6-D232ABBA0506}"/>
+                <a16:creationId xmlns:a16="http://schemas.microsoft.com/office/drawing/2014/main" xmlns="" id="{9065F088-31B2-4143-A23D-141139DB3894}"/>
               </a:ext>
             </a:extLst>
           </p:cNvPr>
@@ -4905,18 +5249,88 @@
           <a:p>
             <a:r>
               <a:rPr lang="en-US" dirty="0"/>
-              <a:t>Approach 2: Kernel Model Avg. Partial Derivatives</a:t>
+              <a:t>Approach 2 – Models </a:t>
             </a:r>
+            <a:endParaRPr lang="en-GB" dirty="0"/>
+          </a:p>
+        </p:txBody>
+      </p:sp>
+      <p:sp>
+        <p:nvSpPr>
+          <p:cNvPr id="8" name="TextBox 7">
+            <a:extLst>
+              <a:ext uri="{FF2B5EF4-FFF2-40B4-BE49-F238E27FC236}">
+                <a16:creationId xmlns:a16="http://schemas.microsoft.com/office/drawing/2014/main" xmlns="" id="{C938AFA7-DA26-4CF7-9C37-DD86FFCEE2D9}"/>
+              </a:ext>
+            </a:extLst>
+          </p:cNvPr>
+          <p:cNvSpPr txBox="1"/>
+          <p:nvPr/>
+        </p:nvSpPr>
+        <p:spPr>
+          <a:xfrm>
+            <a:off x="696686" y="1690688"/>
+            <a:ext cx="5127173" cy="3816429"/>
+          </a:xfrm>
+          <a:prstGeom prst="rect">
+            <a:avLst/>
+          </a:prstGeom>
+          <a:noFill/>
+        </p:spPr>
+        <p:txBody>
+          <a:bodyPr wrap="square" rtlCol="0">
+            <a:spAutoFit/>
+          </a:bodyPr>
+          <a:lstStyle/>
+          <a:p>
+            <a:pPr marL="285750" indent="-285750">
+              <a:buFont typeface="Arial" panose="020B0604020202020204" pitchFamily="34" charset="0"/>
+              <a:buChar char="•"/>
+            </a:pPr>
+            <a:r>
+              <a:rPr lang="en-US" sz="3200" dirty="0" smtClean="0"/>
+              <a:t>Lasso on all variables performs best</a:t>
+            </a:r>
+          </a:p>
+          <a:p>
+            <a:pPr marL="285750" indent="-285750">
+              <a:buFont typeface="Arial" panose="020B0604020202020204" pitchFamily="34" charset="0"/>
+              <a:buChar char="•"/>
+            </a:pPr>
+            <a:r>
+              <a:rPr lang="en-US" sz="3200" dirty="0" smtClean="0"/>
+              <a:t>Lasso with interactions on selected variables performs similarly</a:t>
+            </a:r>
+          </a:p>
+          <a:p>
+            <a:pPr marL="285750" indent="-285750">
+              <a:buFont typeface="Arial" panose="020B0604020202020204" pitchFamily="34" charset="0"/>
+              <a:buChar char="•"/>
+            </a:pPr>
+            <a:r>
+              <a:rPr lang="en-US" sz="3200" dirty="0" smtClean="0"/>
+              <a:t>Relationship </a:t>
+            </a:r>
+            <a:r>
+              <a:rPr lang="en-US" sz="3200" dirty="0"/>
+              <a:t>unlikely to be linear – use Gaussian Kernel</a:t>
+            </a:r>
+          </a:p>
+          <a:p>
+            <a:pPr marL="285750" indent="-285750">
+              <a:buFont typeface="Arial" panose="020B0604020202020204" pitchFamily="34" charset="0"/>
+              <a:buChar char="•"/>
+            </a:pPr>
             <a:endParaRPr lang="en-GB" dirty="0"/>
           </a:p>
         </p:txBody>
       </p:sp>
       <p:graphicFrame>
         <p:nvGraphicFramePr>
-          <p:cNvPr id="5" name="Content Placeholder 6">
+          <p:cNvPr id="5" name="Content Placeholder 4">
             <a:extLst>
               <a:ext uri="{FF2B5EF4-FFF2-40B4-BE49-F238E27FC236}">
-                <a16:creationId xmlns:a16="http://schemas.microsoft.com/office/drawing/2014/main" id="{DC4197B8-28FC-42A2-AD89-532EB3608797}"/>
+                <a16:creationId xmlns:a16="http://schemas.microsoft.com/office/drawing/2014/main" xmlns="" id="{73521416-4B4D-4742-BA86-1954AADB18EF}"/>
               </a:ext>
             </a:extLst>
           </p:cNvPr>
@@ -4927,14 +5341,14 @@
             <p:ph idx="1"/>
             <p:extLst>
               <p:ext uri="{D42A27DB-BD31-4B8C-83A1-F6EECF244321}">
-                <p14:modId xmlns:p14="http://schemas.microsoft.com/office/powerpoint/2010/main" val="2323612580"/>
+                <p14:modId xmlns:p14="http://schemas.microsoft.com/office/powerpoint/2010/main" val="2437606822"/>
               </p:ext>
             </p:extLst>
           </p:nvPr>
         </p:nvGraphicFramePr>
         <p:xfrm>
-          <a:off x="1095776" y="1690688"/>
-          <a:ext cx="9761116" cy="3325927"/>
+          <a:off x="6368144" y="1677705"/>
+          <a:ext cx="4985656" cy="4698813"/>
         </p:xfrm>
         <a:graphic>
           <a:graphicData uri="http://schemas.openxmlformats.org/drawingml/2006/table">
@@ -4943,228 +5357,165 @@
                 <a:tableStyleId>{5C22544A-7EE6-4342-B048-85BDC9FD1C3A}</a:tableStyleId>
               </a:tblPr>
               <a:tblGrid>
-                <a:gridCol w="1878430">
+                <a:gridCol w="1555602">
                   <a:extLst>
                     <a:ext uri="{9D8B030D-6E8A-4147-A177-3AD203B41FA5}">
-                      <a16:colId xmlns:a16="http://schemas.microsoft.com/office/drawing/2014/main" val="20000"/>
+                      <a16:colId xmlns:a16="http://schemas.microsoft.com/office/drawing/2014/main" xmlns="" val="3478917767"/>
                     </a:ext>
                   </a:extLst>
                 </a:gridCol>
-                <a:gridCol w="4212205">
+                <a:gridCol w="1555602">
                   <a:extLst>
                     <a:ext uri="{9D8B030D-6E8A-4147-A177-3AD203B41FA5}">
-                      <a16:colId xmlns:a16="http://schemas.microsoft.com/office/drawing/2014/main" val="20001"/>
+                      <a16:colId xmlns:a16="http://schemas.microsoft.com/office/drawing/2014/main" xmlns="" val="2939297383"/>
                     </a:ext>
                   </a:extLst>
                 </a:gridCol>
-                <a:gridCol w="1165829">
+                <a:gridCol w="840605">
                   <a:extLst>
                     <a:ext uri="{9D8B030D-6E8A-4147-A177-3AD203B41FA5}">
-                      <a16:colId xmlns:a16="http://schemas.microsoft.com/office/drawing/2014/main" val="20002"/>
+                      <a16:colId xmlns:a16="http://schemas.microsoft.com/office/drawing/2014/main" xmlns="" val="2486717004"/>
                     </a:ext>
                   </a:extLst>
                 </a:gridCol>
-                <a:gridCol w="1252326">
+                <a:gridCol w="1033847">
                   <a:extLst>
                     <a:ext uri="{9D8B030D-6E8A-4147-A177-3AD203B41FA5}">
-                      <a16:colId xmlns:a16="http://schemas.microsoft.com/office/drawing/2014/main" val="20003"/>
-                    </a:ext>
-                  </a:extLst>
-                </a:gridCol>
-                <a:gridCol w="1252326">
-                  <a:extLst>
-                    <a:ext uri="{9D8B030D-6E8A-4147-A177-3AD203B41FA5}">
-                      <a16:colId xmlns:a16="http://schemas.microsoft.com/office/drawing/2014/main" val="20004"/>
+                      <a16:colId xmlns:a16="http://schemas.microsoft.com/office/drawing/2014/main" xmlns="" val="706046472"/>
                     </a:ext>
                   </a:extLst>
                 </a:gridCol>
               </a:tblGrid>
-              <a:tr h="302357">
-                <a:tc>
+              <a:tr h="293899">
+                <a:tc>
+                  <a:txBody>
+                    <a:bodyPr/>
+                    <a:lstStyle/>
+                    <a:p>
+                      <a:pPr algn="l" fontAlgn="b"/>
+                      <a:endParaRPr lang="en-US" sz="1200" b="0" i="0" u="none" strike="noStrike" dirty="0">
+                        <a:solidFill>
+                          <a:srgbClr val="000000"/>
+                        </a:solidFill>
+                        <a:effectLst/>
+                        <a:latin typeface="+mn-lt"/>
+                      </a:endParaRPr>
+                    </a:p>
+                  </a:txBody>
+                  <a:tcPr marL="6350" marR="6350" marT="6350" marB="0" anchor="b"/>
+                </a:tc>
+                <a:tc rowSpan="2">
                   <a:txBody>
                     <a:bodyPr/>
                     <a:lstStyle/>
                     <a:p>
                       <a:pPr algn="ctr" fontAlgn="ctr"/>
-                      <a:endParaRPr lang="en-US" sz="1600" b="0" i="0" u="none" strike="noStrike" dirty="0">
-                        <a:solidFill>
-                          <a:srgbClr val="000000"/>
-                        </a:solidFill>
-                        <a:effectLst/>
-                        <a:latin typeface="Calibri" charset="0"/>
-                      </a:endParaRPr>
-                    </a:p>
-                  </a:txBody>
-                  <a:tcPr marL="2812" marR="2812" marT="2812" marB="0" anchor="ctr"/>
-                </a:tc>
-                <a:tc>
-                  <a:txBody>
-                    <a:bodyPr/>
-                    <a:lstStyle/>
-                    <a:p>
-                      <a:pPr algn="ctr" fontAlgn="ctr"/>
-                      <a:r>
-                        <a:rPr lang="en-US" sz="1600" b="1" u="none" strike="noStrike" dirty="0">
-                          <a:effectLst/>
-                        </a:rPr>
-                        <a:t>Variable</a:t>
-                      </a:r>
-                      <a:endParaRPr lang="en-US" sz="1600" b="1" i="0" u="none" strike="noStrike" dirty="0">
-                        <a:solidFill>
-                          <a:srgbClr val="000000"/>
-                        </a:solidFill>
-                        <a:effectLst/>
-                        <a:latin typeface="Calibri" charset="0"/>
-                      </a:endParaRPr>
-                    </a:p>
-                  </a:txBody>
-                  <a:tcPr marL="2812" marR="2812" marT="2812" marB="0" anchor="ctr"/>
-                </a:tc>
-                <a:tc>
-                  <a:txBody>
-                    <a:bodyPr/>
-                    <a:lstStyle/>
-                    <a:p>
-                      <a:pPr algn="ctr" fontAlgn="ctr"/>
-                      <a:r>
-                        <a:rPr lang="en-US" sz="1600" b="1" u="none" strike="noStrike" dirty="0">
-                          <a:effectLst/>
-                        </a:rPr>
-                        <a:t>Estimate</a:t>
-                      </a:r>
-                      <a:endParaRPr lang="en-US" sz="1600" b="1" i="0" u="none" strike="noStrike" dirty="0">
-                        <a:solidFill>
-                          <a:srgbClr val="000000"/>
-                        </a:solidFill>
-                        <a:effectLst/>
-                        <a:latin typeface="Calibri" charset="0"/>
-                      </a:endParaRPr>
-                    </a:p>
-                  </a:txBody>
-                  <a:tcPr marL="2812" marR="2812" marT="2812" marB="0" anchor="ctr"/>
-                </a:tc>
-                <a:tc>
-                  <a:txBody>
-                    <a:bodyPr/>
-                    <a:lstStyle/>
-                    <a:p>
-                      <a:pPr algn="ctr" fontAlgn="ctr"/>
-                      <a:r>
-                        <a:rPr lang="en-US" sz="1600" b="1" u="none" strike="noStrike" dirty="0">
-                          <a:effectLst/>
-                        </a:rPr>
-                        <a:t>SE</a:t>
-                      </a:r>
-                      <a:endParaRPr lang="en-US" sz="1600" b="1" i="0" u="none" strike="noStrike" dirty="0">
-                        <a:solidFill>
-                          <a:srgbClr val="000000"/>
-                        </a:solidFill>
-                        <a:effectLst/>
-                        <a:latin typeface="Calibri" charset="0"/>
-                      </a:endParaRPr>
-                    </a:p>
-                  </a:txBody>
-                  <a:tcPr marL="2812" marR="2812" marT="2812" marB="0" anchor="ctr"/>
-                </a:tc>
-                <a:tc>
-                  <a:txBody>
-                    <a:bodyPr/>
-                    <a:lstStyle/>
-                    <a:p>
-                      <a:pPr algn="ctr" fontAlgn="ctr"/>
-                      <a:r>
-                        <a:rPr lang="en-US" sz="1600" b="1" u="none" strike="noStrike" dirty="0">
-                          <a:effectLst/>
-                        </a:rPr>
-                        <a:t>p-value</a:t>
-                      </a:r>
-                      <a:endParaRPr lang="en-US" sz="1600" b="1" i="0" u="none" strike="noStrike" dirty="0">
-                        <a:solidFill>
-                          <a:srgbClr val="000000"/>
-                        </a:solidFill>
-                        <a:effectLst/>
-                        <a:latin typeface="Calibri" charset="0"/>
-                      </a:endParaRPr>
-                    </a:p>
-                  </a:txBody>
-                  <a:tcPr marL="2812" marR="2812" marT="2812" marB="0" anchor="ctr"/>
+                      <a:r>
+                        <a:rPr lang="en-US" sz="1200" b="1" u="none" strike="noStrike" dirty="0">
+                          <a:effectLst/>
+                          <a:latin typeface="+mn-lt"/>
+                        </a:rPr>
+                        <a:t>Model</a:t>
+                      </a:r>
+                      <a:endParaRPr lang="en-US" sz="1200" b="1" i="0" u="none" strike="noStrike" dirty="0">
+                        <a:solidFill>
+                          <a:srgbClr val="000000"/>
+                        </a:solidFill>
+                        <a:effectLst/>
+                        <a:latin typeface="+mn-lt"/>
+                      </a:endParaRPr>
+                    </a:p>
+                  </a:txBody>
+                  <a:tcPr marL="6350" marR="6350" marT="6350" marB="0" anchor="ctr"/>
+                </a:tc>
+                <a:tc gridSpan="2">
+                  <a:txBody>
+                    <a:bodyPr/>
+                    <a:lstStyle/>
+                    <a:p>
+                      <a:pPr algn="ctr" fontAlgn="b"/>
+                      <a:r>
+                        <a:rPr lang="en-US" sz="1200" b="1" u="none" strike="noStrike" dirty="0">
+                          <a:effectLst/>
+                          <a:latin typeface="+mn-lt"/>
+                        </a:rPr>
+                        <a:t>Testing RMSE</a:t>
+                      </a:r>
+                      <a:endParaRPr lang="en-US" sz="1200" b="1" i="0" u="none" strike="noStrike" dirty="0">
+                        <a:solidFill>
+                          <a:srgbClr val="000000"/>
+                        </a:solidFill>
+                        <a:effectLst/>
+                        <a:latin typeface="+mn-lt"/>
+                      </a:endParaRPr>
+                    </a:p>
+                  </a:txBody>
+                  <a:tcPr marL="6350" marR="6350" marT="6350" marB="0" anchor="b"/>
+                </a:tc>
+                <a:tc hMerge="1">
+                  <a:txBody>
+                    <a:bodyPr/>
+                    <a:lstStyle/>
+                    <a:p>
+                      <a:endParaRPr lang="en-US"/>
+                    </a:p>
+                  </a:txBody>
+                  <a:tcPr/>
                 </a:tc>
                 <a:extLst>
                   <a:ext uri="{0D108BD9-81ED-4DB2-BD59-A6C34878D82A}">
-                    <a16:rowId xmlns:a16="http://schemas.microsoft.com/office/drawing/2014/main" val="10000"/>
+                    <a16:rowId xmlns:a16="http://schemas.microsoft.com/office/drawing/2014/main" xmlns="" val="1550085656"/>
                   </a:ext>
                 </a:extLst>
               </a:tr>
-              <a:tr h="302357">
-                <a:tc rowSpan="5">
-                  <a:txBody>
-                    <a:bodyPr/>
-                    <a:lstStyle/>
-                    <a:p>
-                      <a:pPr algn="ctr" fontAlgn="ctr"/>
-                      <a:r>
-                        <a:rPr lang="en-US" sz="1600" b="1" u="none" strike="noStrike" dirty="0">
-                          <a:effectLst/>
-                        </a:rPr>
-                        <a:t>6-Year Graduation Rate</a:t>
-                      </a:r>
-                      <a:endParaRPr lang="en-US" sz="1600" b="1" i="0" u="none" strike="noStrike" dirty="0">
-                        <a:solidFill>
-                          <a:srgbClr val="000000"/>
-                        </a:solidFill>
-                        <a:effectLst/>
-                        <a:latin typeface="Calibri" charset="0"/>
-                      </a:endParaRPr>
-                    </a:p>
-                  </a:txBody>
-                  <a:tcPr marL="2812" marR="2812" marT="2812" marB="0" anchor="ctr"/>
-                </a:tc>
+              <a:tr h="296114">
                 <a:tc>
                   <a:txBody>
                     <a:bodyPr/>
                     <a:lstStyle/>
                     <a:p>
                       <a:pPr algn="l" fontAlgn="b"/>
-                      <a:r>
-                        <a:rPr lang="en-GB" sz="1600" b="0" i="0" u="none" strike="noStrike" dirty="0" err="1">
-                          <a:solidFill>
-                            <a:srgbClr val="000000"/>
-                          </a:solidFill>
-                          <a:effectLst/>
-                          <a:latin typeface="Calibri" panose="020F0502020204030204" pitchFamily="34" charset="0"/>
-                        </a:rPr>
-                        <a:t>other_full_time</a:t>
-                      </a:r>
-                      <a:r>
-                        <a:rPr lang="en-GB" sz="1600" b="0" i="0" u="none" strike="noStrike" dirty="0">
-                          <a:solidFill>
-                            <a:srgbClr val="000000"/>
-                          </a:solidFill>
-                          <a:effectLst/>
-                          <a:latin typeface="Calibri" panose="020F0502020204030204" pitchFamily="34" charset="0"/>
-                        </a:rPr>
-                        <a:t> </a:t>
-                      </a:r>
+                      <a:endParaRPr lang="en-US" sz="1200" b="0" i="0" u="none" strike="noStrike" dirty="0">
+                        <a:solidFill>
+                          <a:srgbClr val="000000"/>
+                        </a:solidFill>
+                        <a:effectLst/>
+                        <a:latin typeface="+mn-lt"/>
+                      </a:endParaRPr>
                     </a:p>
                   </a:txBody>
                   <a:tcPr marL="6350" marR="6350" marT="6350" marB="0" anchor="b"/>
                 </a:tc>
-                <a:tc>
-                  <a:txBody>
-                    <a:bodyPr/>
-                    <a:lstStyle/>
-                    <a:p>
-                      <a:pPr algn="r" fontAlgn="b"/>
-                      <a:r>
-                        <a:rPr lang="en-GB" sz="1600" b="0" i="0" u="none" strike="noStrike">
-                          <a:solidFill>
-                            <a:srgbClr val="000000"/>
-                          </a:solidFill>
-                          <a:effectLst/>
-                          <a:latin typeface="Calibri" panose="020F0502020204030204" pitchFamily="34" charset="0"/>
-                        </a:rPr>
-                        <a:t>0.3928</a:t>
-                      </a:r>
+                <a:tc vMerge="1">
+                  <a:txBody>
+                    <a:bodyPr/>
+                    <a:lstStyle/>
+                    <a:p>
+                      <a:endParaRPr lang="en-US"/>
+                    </a:p>
+                  </a:txBody>
+                  <a:tcPr/>
+                </a:tc>
+                <a:tc>
+                  <a:txBody>
+                    <a:bodyPr/>
+                    <a:lstStyle/>
+                    <a:p>
+                      <a:pPr algn="ctr" fontAlgn="b"/>
+                      <a:r>
+                        <a:rPr lang="en-US" sz="1200" b="1" u="none" strike="noStrike">
+                          <a:effectLst/>
+                          <a:latin typeface="+mn-lt"/>
+                        </a:rPr>
+                        <a:t>Raw</a:t>
+                      </a:r>
+                      <a:endParaRPr lang="en-US" sz="1200" b="1" i="0" u="none" strike="noStrike">
+                        <a:solidFill>
+                          <a:srgbClr val="000000"/>
+                        </a:solidFill>
+                        <a:effectLst/>
+                        <a:latin typeface="+mn-lt"/>
+                      </a:endParaRPr>
                     </a:p>
                   </a:txBody>
                   <a:tcPr marL="6350" marR="6350" marT="6350" marB="0" anchor="b"/>
@@ -5174,57 +5525,55 @@
                     <a:bodyPr/>
                     <a:lstStyle/>
                     <a:p>
-                      <a:pPr algn="r" fontAlgn="b"/>
-                      <a:r>
-                        <a:rPr lang="en-GB" sz="1600" b="0" i="0" u="none" strike="noStrike">
-                          <a:solidFill>
-                            <a:srgbClr val="000000"/>
-                          </a:solidFill>
-                          <a:effectLst/>
-                          <a:latin typeface="Calibri" panose="020F0502020204030204" pitchFamily="34" charset="0"/>
-                        </a:rPr>
-                        <a:t>0.011</a:t>
-                      </a:r>
-                    </a:p>
-                  </a:txBody>
-                  <a:tcPr marL="6350" marR="6350" marT="6350" marB="0" anchor="b"/>
-                </a:tc>
-                <a:tc>
-                  <a:txBody>
-                    <a:bodyPr/>
-                    <a:lstStyle/>
-                    <a:p>
-                      <a:pPr algn="r" fontAlgn="b"/>
-                      <a:r>
-                        <a:rPr lang="en-GB" sz="1600" b="0" i="0" u="none" strike="noStrike">
-                          <a:solidFill>
-                            <a:srgbClr val="000000"/>
-                          </a:solidFill>
-                          <a:effectLst/>
-                          <a:latin typeface="Calibri" panose="020F0502020204030204" pitchFamily="34" charset="0"/>
-                        </a:rPr>
-                        <a:t>0.0000</a:t>
-                      </a:r>
+                      <a:pPr algn="ctr" fontAlgn="b"/>
+                      <a:r>
+                        <a:rPr lang="en-US" sz="1200" b="1" u="none" strike="noStrike" dirty="0">
+                          <a:effectLst/>
+                          <a:latin typeface="+mn-lt"/>
+                        </a:rPr>
+                        <a:t>Standardized</a:t>
+                      </a:r>
+                      <a:endParaRPr lang="en-US" sz="1200" b="1" i="0" u="none" strike="noStrike" dirty="0">
+                        <a:solidFill>
+                          <a:srgbClr val="000000"/>
+                        </a:solidFill>
+                        <a:effectLst/>
+                        <a:latin typeface="+mn-lt"/>
+                      </a:endParaRPr>
                     </a:p>
                   </a:txBody>
                   <a:tcPr marL="6350" marR="6350" marT="6350" marB="0" anchor="b"/>
                 </a:tc>
                 <a:extLst>
                   <a:ext uri="{0D108BD9-81ED-4DB2-BD59-A6C34878D82A}">
-                    <a16:rowId xmlns:a16="http://schemas.microsoft.com/office/drawing/2014/main" val="10001"/>
+                    <a16:rowId xmlns:a16="http://schemas.microsoft.com/office/drawing/2014/main" xmlns="" val="3665824223"/>
                   </a:ext>
                 </a:extLst>
               </a:tr>
-              <a:tr h="302357">
-                <a:tc vMerge="1">
-                  <a:txBody>
-                    <a:bodyPr/>
-                    <a:lstStyle/>
-                    <a:p>
-                      <a:endParaRPr lang="en-US"/>
-                    </a:p>
-                  </a:txBody>
-                  <a:tcPr/>
+              <a:tr h="327683">
+                <a:tc rowSpan="5">
+                  <a:txBody>
+                    <a:bodyPr/>
+                    <a:lstStyle/>
+                    <a:p>
+                      <a:pPr algn="ctr" fontAlgn="ctr"/>
+                      <a:r>
+                        <a:rPr lang="en-US" sz="1200" b="1" u="none" strike="noStrike" dirty="0">
+                          <a:effectLst/>
+                          <a:latin typeface="+mn-lt"/>
+                        </a:rPr>
+                        <a:t>6-Year Graduation Rate</a:t>
+                      </a:r>
+                      <a:endParaRPr lang="en-US" sz="1200" b="1" i="0" u="none" strike="noStrike" dirty="0">
+                        <a:solidFill>
+                          <a:srgbClr val="000000"/>
+                        </a:solidFill>
+                        <a:effectLst/>
+                        <a:latin typeface="+mn-lt"/>
+                      </a:endParaRPr>
+                    </a:p>
+                  </a:txBody>
+                  <a:tcPr marL="6350" marR="6350" marT="6350" marB="0" anchor="ctr"/>
                 </a:tc>
                 <a:tc>
                   <a:txBody>
@@ -5233,96 +5582,86 @@
                     <a:p>
                       <a:pPr algn="l" fontAlgn="b"/>
                       <a:r>
-                        <a:rPr lang="en-GB" sz="1600" b="0" i="0" u="none" strike="noStrike" dirty="0" err="1">
+                        <a:rPr lang="en-US" sz="1200" b="0" i="0" u="none" strike="noStrike" dirty="0">
                           <a:solidFill>
                             <a:srgbClr val="000000"/>
                           </a:solidFill>
                           <a:effectLst/>
-                          <a:latin typeface="Calibri" panose="020F0502020204030204" pitchFamily="34" charset="0"/>
-                        </a:rPr>
-                        <a:t>fed_grant_pct</a:t>
-                      </a:r>
-                      <a:r>
-                        <a:rPr lang="en-GB" sz="1600" b="0" i="0" u="none" strike="noStrike" dirty="0">
+                          <a:latin typeface="+mn-lt"/>
+                        </a:rPr>
+                        <a:t>Lasso</a:t>
+                      </a:r>
+                    </a:p>
+                  </a:txBody>
+                  <a:tcPr marL="6350" marR="6350" marT="6350" marB="0" anchor="b"/>
+                </a:tc>
+                <a:tc>
+                  <a:txBody>
+                    <a:bodyPr/>
+                    <a:lstStyle/>
+                    <a:p>
+                      <a:pPr algn="r" fontAlgn="ctr"/>
+                      <a:endParaRPr lang="en-GB" sz="1200" b="0" i="0" u="none" strike="noStrike" dirty="0">
+                        <a:solidFill>
+                          <a:srgbClr val="000000"/>
+                        </a:solidFill>
+                        <a:effectLst/>
+                        <a:latin typeface="+mn-lt"/>
+                      </a:endParaRPr>
+                    </a:p>
+                    <a:p>
+                      <a:pPr algn="r" fontAlgn="ctr"/>
+                      <a:r>
+                        <a:rPr lang="en-GB" sz="1200" b="0" i="0" u="none" strike="noStrike" dirty="0">
                           <a:solidFill>
                             <a:srgbClr val="000000"/>
                           </a:solidFill>
                           <a:effectLst/>
-                          <a:latin typeface="Calibri" panose="020F0502020204030204" pitchFamily="34" charset="0"/>
-                        </a:rPr>
-                        <a:t>    </a:t>
-                      </a:r>
-                    </a:p>
-                  </a:txBody>
-                  <a:tcPr marL="6350" marR="6350" marT="6350" marB="0" anchor="b"/>
-                </a:tc>
-                <a:tc>
-                  <a:txBody>
-                    <a:bodyPr/>
-                    <a:lstStyle/>
-                    <a:p>
-                      <a:pPr algn="r" fontAlgn="b"/>
-                      <a:r>
-                        <a:rPr lang="en-GB" sz="1600" b="0" i="0" u="none" strike="noStrike">
+                          <a:latin typeface="+mn-lt"/>
+                        </a:rPr>
+                        <a:t>0.0454</a:t>
+                      </a:r>
+                    </a:p>
+                  </a:txBody>
+                  <a:tcPr marL="6350" marR="6350" marT="6350" marB="0" anchor="ctr"/>
+                </a:tc>
+                <a:tc>
+                  <a:txBody>
+                    <a:bodyPr/>
+                    <a:lstStyle/>
+                    <a:p>
+                      <a:pPr algn="r" fontAlgn="ctr"/>
+                      <a:endParaRPr lang="en-GB" sz="1200" b="0" i="0" u="none" strike="noStrike" dirty="0">
+                        <a:solidFill>
+                          <a:srgbClr val="000000"/>
+                        </a:solidFill>
+                        <a:effectLst/>
+                        <a:latin typeface="+mn-lt"/>
+                      </a:endParaRPr>
+                    </a:p>
+                    <a:p>
+                      <a:pPr algn="r" fontAlgn="ctr"/>
+                      <a:r>
+                        <a:rPr lang="en-GB" sz="1200" b="0" i="0" u="none" strike="noStrike" dirty="0">
                           <a:solidFill>
                             <a:srgbClr val="000000"/>
                           </a:solidFill>
                           <a:effectLst/>
-                          <a:latin typeface="Calibri" panose="020F0502020204030204" pitchFamily="34" charset="0"/>
-                        </a:rPr>
-                        <a:t>-0.2004</a:t>
-                      </a:r>
-                    </a:p>
-                  </a:txBody>
-                  <a:tcPr marL="6350" marR="6350" marT="6350" marB="0" anchor="b"/>
-                </a:tc>
-                <a:tc>
-                  <a:txBody>
-                    <a:bodyPr/>
-                    <a:lstStyle/>
-                    <a:p>
-                      <a:pPr algn="r" fontAlgn="b"/>
-                      <a:r>
-                        <a:rPr lang="en-GB" sz="1600" b="0" i="0" u="none" strike="noStrike">
-                          <a:solidFill>
-                            <a:srgbClr val="000000"/>
-                          </a:solidFill>
-                          <a:effectLst/>
-                          <a:latin typeface="Calibri" panose="020F0502020204030204" pitchFamily="34" charset="0"/>
-                        </a:rPr>
-                        <a:t>0.0094</a:t>
-                      </a:r>
-                    </a:p>
-                  </a:txBody>
-                  <a:tcPr marL="6350" marR="6350" marT="6350" marB="0" anchor="b"/>
-                </a:tc>
-                <a:tc>
-                  <a:txBody>
-                    <a:bodyPr/>
-                    <a:lstStyle/>
-                    <a:p>
-                      <a:pPr algn="r" fontAlgn="b"/>
-                      <a:r>
-                        <a:rPr lang="en-GB" sz="1600" b="0" i="0" u="none" strike="noStrike">
-                          <a:solidFill>
-                            <a:srgbClr val="000000"/>
-                          </a:solidFill>
-                          <a:effectLst/>
-                          <a:latin typeface="Calibri" panose="020F0502020204030204" pitchFamily="34" charset="0"/>
-                        </a:rPr>
-                        <a:t>0.0000</a:t>
-                      </a:r>
-                    </a:p>
-                  </a:txBody>
-                  <a:tcPr marL="6350" marR="6350" marT="6350" marB="0" anchor="b"/>
+                          <a:latin typeface="+mn-lt"/>
+                        </a:rPr>
+                        <a:t>0.2559</a:t>
+                      </a:r>
+                    </a:p>
+                  </a:txBody>
+                  <a:tcPr marL="6350" marR="6350" marT="6350" marB="0" anchor="ctr"/>
                 </a:tc>
                 <a:extLst>
                   <a:ext uri="{0D108BD9-81ED-4DB2-BD59-A6C34878D82A}">
-                    <a16:rowId xmlns:a16="http://schemas.microsoft.com/office/drawing/2014/main" val="10002"/>
+                    <a16:rowId xmlns:a16="http://schemas.microsoft.com/office/drawing/2014/main" xmlns="" val="4095835183"/>
                   </a:ext>
                 </a:extLst>
               </a:tr>
-              <a:tr h="302357">
+              <a:tr h="327683">
                 <a:tc vMerge="1">
                   <a:txBody>
                     <a:bodyPr/>
@@ -5340,14 +5679,14 @@
                     <a:p>
                       <a:pPr algn="l" fontAlgn="b"/>
                       <a:r>
-                        <a:rPr lang="en-GB" sz="1600" b="0" i="0" u="none" strike="noStrike" dirty="0">
+                        <a:rPr lang="en-US" sz="1200" b="0" i="0" u="none" strike="noStrike" dirty="0">
                           <a:solidFill>
                             <a:srgbClr val="000000"/>
                           </a:solidFill>
                           <a:effectLst/>
-                          <a:latin typeface="Calibri" panose="020F0502020204030204" pitchFamily="34" charset="0"/>
-                        </a:rPr>
-                        <a:t>grant01  </a:t>
+                          <a:latin typeface="+mn-lt"/>
+                        </a:rPr>
+                        <a:t>Ridge</a:t>
                       </a:r>
                     </a:p>
                   </a:txBody>
@@ -5358,68 +5697,68 @@
                     <a:bodyPr/>
                     <a:lstStyle/>
                     <a:p>
-                      <a:pPr algn="r" fontAlgn="b"/>
-                      <a:r>
-                        <a:rPr lang="en-GB" sz="1600" b="0" i="0" u="none" strike="noStrike">
+                      <a:pPr algn="r" fontAlgn="ctr"/>
+                      <a:endParaRPr lang="en-GB" sz="1200" b="0" i="0" u="none" strike="noStrike" dirty="0">
+                        <a:solidFill>
+                          <a:srgbClr val="000000"/>
+                        </a:solidFill>
+                        <a:effectLst/>
+                        <a:latin typeface="+mn-lt"/>
+                      </a:endParaRPr>
+                    </a:p>
+                    <a:p>
+                      <a:pPr algn="r" fontAlgn="ctr"/>
+                      <a:r>
+                        <a:rPr lang="en-GB" sz="1200" b="0" i="0" u="none" strike="noStrike" dirty="0">
                           <a:solidFill>
                             <a:srgbClr val="000000"/>
                           </a:solidFill>
                           <a:effectLst/>
-                          <a:latin typeface="Calibri" panose="020F0502020204030204" pitchFamily="34" charset="0"/>
-                        </a:rPr>
-                        <a:t>-0.2792</a:t>
-                      </a:r>
-                    </a:p>
-                  </a:txBody>
-                  <a:tcPr marL="6350" marR="6350" marT="6350" marB="0" anchor="b"/>
-                </a:tc>
-                <a:tc>
-                  <a:txBody>
-                    <a:bodyPr/>
-                    <a:lstStyle/>
-                    <a:p>
-                      <a:pPr algn="r" fontAlgn="b"/>
-                      <a:r>
-                        <a:rPr lang="en-GB" sz="1600" b="0" i="0" u="none" strike="noStrike">
+                          <a:latin typeface="+mn-lt"/>
+                        </a:rPr>
+                        <a:t>0.0362</a:t>
+                      </a:r>
+                    </a:p>
+                  </a:txBody>
+                  <a:tcPr marL="6350" marR="6350" marT="6350" marB="0" anchor="ctr"/>
+                </a:tc>
+                <a:tc>
+                  <a:txBody>
+                    <a:bodyPr/>
+                    <a:lstStyle/>
+                    <a:p>
+                      <a:pPr algn="r" fontAlgn="ctr"/>
+                      <a:endParaRPr lang="en-GB" sz="1200" b="0" i="0" u="none" strike="noStrike" dirty="0">
+                        <a:solidFill>
+                          <a:srgbClr val="000000"/>
+                        </a:solidFill>
+                        <a:effectLst/>
+                        <a:latin typeface="+mn-lt"/>
+                      </a:endParaRPr>
+                    </a:p>
+                    <a:p>
+                      <a:pPr algn="r" fontAlgn="ctr"/>
+                      <a:r>
+                        <a:rPr lang="en-GB" sz="1200" b="0" i="0" u="none" strike="noStrike" dirty="0">
                           <a:solidFill>
                             <a:srgbClr val="000000"/>
                           </a:solidFill>
                           <a:effectLst/>
-                          <a:latin typeface="Calibri" panose="020F0502020204030204" pitchFamily="34" charset="0"/>
-                        </a:rPr>
-                        <a:t>0.011</a:t>
-                      </a:r>
-                    </a:p>
-                  </a:txBody>
-                  <a:tcPr marL="6350" marR="6350" marT="6350" marB="0" anchor="b"/>
-                </a:tc>
-                <a:tc>
-                  <a:txBody>
-                    <a:bodyPr/>
-                    <a:lstStyle/>
-                    <a:p>
-                      <a:pPr algn="r" fontAlgn="b"/>
-                      <a:r>
-                        <a:rPr lang="en-GB" sz="1600" b="0" i="0" u="none" strike="noStrike">
-                          <a:solidFill>
-                            <a:srgbClr val="000000"/>
-                          </a:solidFill>
-                          <a:effectLst/>
-                          <a:latin typeface="Calibri" panose="020F0502020204030204" pitchFamily="34" charset="0"/>
-                        </a:rPr>
-                        <a:t>0.0000</a:t>
-                      </a:r>
-                    </a:p>
-                  </a:txBody>
-                  <a:tcPr marL="6350" marR="6350" marT="6350" marB="0" anchor="b"/>
+                          <a:latin typeface="+mn-lt"/>
+                        </a:rPr>
+                        <a:t>0.2037</a:t>
+                      </a:r>
+                    </a:p>
+                  </a:txBody>
+                  <a:tcPr marL="6350" marR="6350" marT="6350" marB="0" anchor="ctr"/>
                 </a:tc>
                 <a:extLst>
                   <a:ext uri="{0D108BD9-81ED-4DB2-BD59-A6C34878D82A}">
-                    <a16:rowId xmlns:a16="http://schemas.microsoft.com/office/drawing/2014/main" val="10003"/>
+                    <a16:rowId xmlns:a16="http://schemas.microsoft.com/office/drawing/2014/main" xmlns="" val="2388995701"/>
                   </a:ext>
                 </a:extLst>
               </a:tr>
-              <a:tr h="302357">
+              <a:tr h="327683">
                 <a:tc vMerge="1">
                   <a:txBody>
                     <a:bodyPr/>
@@ -5437,14 +5776,14 @@
                     <a:p>
                       <a:pPr algn="l" fontAlgn="b"/>
                       <a:r>
-                        <a:rPr lang="en-GB" sz="1600" b="0" i="0" u="none" strike="noStrike" dirty="0">
+                        <a:rPr lang="en-US" sz="1200" b="0" i="0" u="none" strike="noStrike" dirty="0">
                           <a:solidFill>
                             <a:srgbClr val="000000"/>
                           </a:solidFill>
                           <a:effectLst/>
-                          <a:latin typeface="Calibri" panose="020F0502020204030204" pitchFamily="34" charset="0"/>
-                        </a:rPr>
-                        <a:t>auxiliary03   </a:t>
+                          <a:latin typeface="+mn-lt"/>
+                        </a:rPr>
+                        <a:t>Elastic Net</a:t>
                       </a:r>
                     </a:p>
                   </a:txBody>
@@ -5455,68 +5794,68 @@
                     <a:bodyPr/>
                     <a:lstStyle/>
                     <a:p>
-                      <a:pPr algn="r" fontAlgn="b"/>
-                      <a:r>
-                        <a:rPr lang="en-GB" sz="1600" b="0" i="0" u="none" strike="noStrike" dirty="0">
+                      <a:pPr algn="r" fontAlgn="ctr"/>
+                      <a:endParaRPr lang="en-GB" sz="1200" b="0" i="0" u="none" strike="noStrike" dirty="0">
+                        <a:solidFill>
+                          <a:srgbClr val="000000"/>
+                        </a:solidFill>
+                        <a:effectLst/>
+                        <a:latin typeface="+mn-lt"/>
+                      </a:endParaRPr>
+                    </a:p>
+                    <a:p>
+                      <a:pPr algn="r" fontAlgn="ctr"/>
+                      <a:r>
+                        <a:rPr lang="en-GB" sz="1200" b="0" i="0" u="none" strike="noStrike" dirty="0">
                           <a:solidFill>
                             <a:srgbClr val="000000"/>
                           </a:solidFill>
                           <a:effectLst/>
-                          <a:latin typeface="Calibri" panose="020F0502020204030204" pitchFamily="34" charset="0"/>
-                        </a:rPr>
-                        <a:t>0.1442</a:t>
-                      </a:r>
-                    </a:p>
-                  </a:txBody>
-                  <a:tcPr marL="6350" marR="6350" marT="6350" marB="0" anchor="b"/>
-                </a:tc>
-                <a:tc>
-                  <a:txBody>
-                    <a:bodyPr/>
-                    <a:lstStyle/>
-                    <a:p>
-                      <a:pPr algn="r" fontAlgn="b"/>
-                      <a:r>
-                        <a:rPr lang="en-GB" sz="1600" b="0" i="0" u="none" strike="noStrike" dirty="0">
+                          <a:latin typeface="+mn-lt"/>
+                        </a:rPr>
+                        <a:t>0.0382</a:t>
+                      </a:r>
+                    </a:p>
+                  </a:txBody>
+                  <a:tcPr marL="6350" marR="6350" marT="6350" marB="0" anchor="ctr"/>
+                </a:tc>
+                <a:tc>
+                  <a:txBody>
+                    <a:bodyPr/>
+                    <a:lstStyle/>
+                    <a:p>
+                      <a:pPr algn="r" fontAlgn="ctr"/>
+                      <a:endParaRPr lang="en-GB" sz="1200" b="0" i="0" u="none" strike="noStrike" dirty="0">
+                        <a:solidFill>
+                          <a:srgbClr val="000000"/>
+                        </a:solidFill>
+                        <a:effectLst/>
+                        <a:latin typeface="+mn-lt"/>
+                      </a:endParaRPr>
+                    </a:p>
+                    <a:p>
+                      <a:pPr algn="r" fontAlgn="ctr"/>
+                      <a:r>
+                        <a:rPr lang="en-GB" sz="1200" b="0" i="0" u="none" strike="noStrike" dirty="0">
                           <a:solidFill>
                             <a:srgbClr val="000000"/>
                           </a:solidFill>
                           <a:effectLst/>
-                          <a:latin typeface="Calibri" panose="020F0502020204030204" pitchFamily="34" charset="0"/>
-                        </a:rPr>
-                        <a:t>0.01</a:t>
-                      </a:r>
-                    </a:p>
-                  </a:txBody>
-                  <a:tcPr marL="6350" marR="6350" marT="6350" marB="0" anchor="b"/>
-                </a:tc>
-                <a:tc>
-                  <a:txBody>
-                    <a:bodyPr/>
-                    <a:lstStyle/>
-                    <a:p>
-                      <a:pPr algn="r" fontAlgn="b"/>
-                      <a:r>
-                        <a:rPr lang="en-GB" sz="1600" b="0" i="0" u="none" strike="noStrike">
-                          <a:solidFill>
-                            <a:srgbClr val="000000"/>
-                          </a:solidFill>
-                          <a:effectLst/>
-                          <a:latin typeface="Calibri" panose="020F0502020204030204" pitchFamily="34" charset="0"/>
-                        </a:rPr>
-                        <a:t>0.0000</a:t>
-                      </a:r>
-                    </a:p>
-                  </a:txBody>
-                  <a:tcPr marL="6350" marR="6350" marT="6350" marB="0" anchor="b"/>
+                          <a:latin typeface="+mn-lt"/>
+                        </a:rPr>
+                        <a:t>0.2153</a:t>
+                      </a:r>
+                    </a:p>
+                  </a:txBody>
+                  <a:tcPr marL="6350" marR="6350" marT="6350" marB="0" anchor="ctr"/>
                 </a:tc>
                 <a:extLst>
                   <a:ext uri="{0D108BD9-81ED-4DB2-BD59-A6C34878D82A}">
-                    <a16:rowId xmlns:a16="http://schemas.microsoft.com/office/drawing/2014/main" val="10004"/>
+                    <a16:rowId xmlns:a16="http://schemas.microsoft.com/office/drawing/2014/main" xmlns="" val="1549553246"/>
                   </a:ext>
                 </a:extLst>
               </a:tr>
-              <a:tr h="302357">
+              <a:tr h="469035">
                 <a:tc vMerge="1">
                   <a:txBody>
                     <a:bodyPr/>
@@ -5534,14 +5873,24 @@
                     <a:p>
                       <a:pPr algn="l" fontAlgn="b"/>
                       <a:r>
-                        <a:rPr lang="en-GB" sz="1600" b="0" i="0" u="none" strike="noStrike" dirty="0">
+                        <a:rPr lang="en-US" sz="1200" u="none" strike="noStrike" dirty="0">
+                          <a:effectLst/>
+                          <a:latin typeface="+mn-lt"/>
+                        </a:rPr>
+                        <a:t>LM (w/ interactions)</a:t>
+                      </a:r>
+                    </a:p>
+                    <a:p>
+                      <a:pPr algn="l" fontAlgn="b"/>
+                      <a:r>
+                        <a:rPr lang="en-US" sz="1200" b="0" i="0" u="none" strike="noStrike" dirty="0">
                           <a:solidFill>
                             <a:srgbClr val="000000"/>
                           </a:solidFill>
                           <a:effectLst/>
-                          <a:latin typeface="Calibri" panose="020F0502020204030204" pitchFamily="34" charset="0"/>
-                        </a:rPr>
-                        <a:t>eandg02        </a:t>
+                          <a:latin typeface="+mn-lt"/>
+                        </a:rPr>
+                        <a:t>(selected variables)</a:t>
                       </a:r>
                     </a:p>
                   </a:txBody>
@@ -5552,182 +5901,230 @@
                     <a:bodyPr/>
                     <a:lstStyle/>
                     <a:p>
-                      <a:pPr algn="r" fontAlgn="b"/>
-                      <a:r>
-                        <a:rPr lang="en-GB" sz="1600" b="0" i="0" u="none" strike="noStrike" dirty="0">
+                      <a:pPr algn="r" fontAlgn="ctr"/>
+                      <a:endParaRPr lang="en-GB" sz="1200" b="0" i="0" u="none" strike="noStrike" dirty="0">
+                        <a:solidFill>
+                          <a:srgbClr val="000000"/>
+                        </a:solidFill>
+                        <a:effectLst/>
+                        <a:latin typeface="+mn-lt"/>
+                      </a:endParaRPr>
+                    </a:p>
+                    <a:p>
+                      <a:pPr algn="r" fontAlgn="ctr"/>
+                      <a:r>
+                        <a:rPr lang="en-GB" sz="1200" b="0" i="0" u="none" strike="noStrike" dirty="0">
                           <a:solidFill>
                             <a:srgbClr val="000000"/>
                           </a:solidFill>
                           <a:effectLst/>
-                          <a:latin typeface="Calibri" panose="020F0502020204030204" pitchFamily="34" charset="0"/>
-                        </a:rPr>
-                        <a:t>0.1762</a:t>
-                      </a:r>
-                    </a:p>
-                  </a:txBody>
-                  <a:tcPr marL="6350" marR="6350" marT="6350" marB="0" anchor="b"/>
-                </a:tc>
-                <a:tc>
-                  <a:txBody>
-                    <a:bodyPr/>
-                    <a:lstStyle/>
-                    <a:p>
-                      <a:pPr algn="r" fontAlgn="b"/>
-                      <a:r>
-                        <a:rPr lang="en-GB" sz="1600" b="0" i="0" u="none" strike="noStrike" dirty="0">
+                          <a:latin typeface="+mn-lt"/>
+                        </a:rPr>
+                        <a:t>0.0961</a:t>
+                      </a:r>
+                    </a:p>
+                  </a:txBody>
+                  <a:tcPr marL="6350" marR="6350" marT="6350" marB="0" anchor="ctr"/>
+                </a:tc>
+                <a:tc>
+                  <a:txBody>
+                    <a:bodyPr/>
+                    <a:lstStyle/>
+                    <a:p>
+                      <a:pPr algn="r" fontAlgn="ctr"/>
+                      <a:endParaRPr lang="en-GB" sz="1200" b="0" i="0" u="none" strike="noStrike" dirty="0">
+                        <a:solidFill>
+                          <a:srgbClr val="000000"/>
+                        </a:solidFill>
+                        <a:effectLst/>
+                        <a:latin typeface="+mn-lt"/>
+                      </a:endParaRPr>
+                    </a:p>
+                    <a:p>
+                      <a:pPr algn="r" fontAlgn="ctr"/>
+                      <a:r>
+                        <a:rPr lang="en-GB" sz="1200" b="0" i="0" u="none" strike="noStrike" dirty="0">
                           <a:solidFill>
                             <a:srgbClr val="000000"/>
                           </a:solidFill>
                           <a:effectLst/>
-                          <a:latin typeface="Calibri" panose="020F0502020204030204" pitchFamily="34" charset="0"/>
-                        </a:rPr>
-                        <a:t>0.0099</a:t>
-                      </a:r>
-                    </a:p>
-                  </a:txBody>
-                  <a:tcPr marL="6350" marR="6350" marT="6350" marB="0" anchor="b"/>
-                </a:tc>
-                <a:tc>
-                  <a:txBody>
-                    <a:bodyPr/>
-                    <a:lstStyle/>
-                    <a:p>
-                      <a:pPr algn="r" fontAlgn="b"/>
-                      <a:r>
-                        <a:rPr lang="en-GB" sz="1600" b="0" i="0" u="none" strike="noStrike" dirty="0">
-                          <a:solidFill>
-                            <a:srgbClr val="000000"/>
-                          </a:solidFill>
-                          <a:effectLst/>
-                          <a:latin typeface="Calibri" panose="020F0502020204030204" pitchFamily="34" charset="0"/>
-                        </a:rPr>
-                        <a:t>0.0000</a:t>
-                      </a:r>
-                    </a:p>
-                  </a:txBody>
-                  <a:tcPr marL="6350" marR="6350" marT="6350" marB="0" anchor="b"/>
+                          <a:latin typeface="+mn-lt"/>
+                        </a:rPr>
+                        <a:t>0.5413</a:t>
+                      </a:r>
+                    </a:p>
+                  </a:txBody>
+                  <a:tcPr marL="6350" marR="6350" marT="6350" marB="0" anchor="ctr"/>
                 </a:tc>
                 <a:extLst>
                   <a:ext uri="{0D108BD9-81ED-4DB2-BD59-A6C34878D82A}">
-                    <a16:rowId xmlns:a16="http://schemas.microsoft.com/office/drawing/2014/main" val="10005"/>
+                    <a16:rowId xmlns:a16="http://schemas.microsoft.com/office/drawing/2014/main" xmlns="" val="2325486976"/>
                   </a:ext>
                 </a:extLst>
               </a:tr>
-              <a:tr h="302357">
-                <a:tc rowSpan="5">
-                  <a:txBody>
-                    <a:bodyPr/>
-                    <a:lstStyle/>
-                    <a:p>
-                      <a:pPr algn="ctr" fontAlgn="ctr"/>
-                      <a:r>
-                        <a:rPr lang="en-US" sz="1600" b="1" u="none" strike="noStrike" dirty="0">
-                          <a:effectLst/>
-                        </a:rPr>
-                        <a:t>Bachelor's Degrees per FTE</a:t>
-                      </a:r>
-                      <a:endParaRPr lang="en-US" sz="1600" b="1" i="0" u="none" strike="noStrike" dirty="0">
-                        <a:solidFill>
-                          <a:srgbClr val="000000"/>
-                        </a:solidFill>
-                        <a:effectLst/>
-                        <a:latin typeface="Calibri" charset="0"/>
-                      </a:endParaRPr>
-                    </a:p>
-                  </a:txBody>
-                  <a:tcPr marL="2812" marR="2812" marT="2812" marB="0" anchor="ctr"/>
-                </a:tc>
-                <a:tc>
-                  <a:txBody>
-                    <a:bodyPr/>
-                    <a:lstStyle/>
-                    <a:p>
-                      <a:pPr algn="l" fontAlgn="b"/>
-                      <a:endParaRPr lang="en-US" sz="1600" b="0" i="0" u="none" strike="noStrike" dirty="0">
-                        <a:solidFill>
-                          <a:srgbClr val="000000"/>
-                        </a:solidFill>
-                        <a:effectLst/>
-                        <a:latin typeface="Calibri" charset="0"/>
-                      </a:endParaRPr>
-                    </a:p>
-                  </a:txBody>
-                  <a:tcPr marL="2812" marR="2812" marT="2812" marB="0" anchor="b"/>
-                </a:tc>
-                <a:tc>
-                  <a:txBody>
-                    <a:bodyPr/>
-                    <a:lstStyle/>
-                    <a:p>
-                      <a:pPr algn="r" fontAlgn="b"/>
-                      <a:endParaRPr lang="mr-IN" sz="1600" b="0" i="0" u="none" strike="noStrike" dirty="0">
-                        <a:solidFill>
-                          <a:srgbClr val="000000"/>
-                        </a:solidFill>
-                        <a:effectLst/>
-                        <a:latin typeface="Lucida Grande" charset="0"/>
-                      </a:endParaRPr>
-                    </a:p>
-                  </a:txBody>
-                  <a:tcPr marL="2812" marR="2812" marT="2812" marB="0" anchor="b"/>
-                </a:tc>
-                <a:tc>
-                  <a:txBody>
-                    <a:bodyPr/>
-                    <a:lstStyle/>
-                    <a:p>
-                      <a:pPr algn="r" fontAlgn="b"/>
-                      <a:endParaRPr lang="mr-IN" sz="1600" b="0" i="0" u="none" strike="noStrike">
-                        <a:solidFill>
-                          <a:srgbClr val="000000"/>
-                        </a:solidFill>
-                        <a:effectLst/>
-                        <a:latin typeface="Lucida Grande" charset="0"/>
-                      </a:endParaRPr>
-                    </a:p>
-                  </a:txBody>
-                  <a:tcPr marL="2812" marR="2812" marT="2812" marB="0" anchor="b"/>
-                </a:tc>
-                <a:tc>
-                  <a:txBody>
-                    <a:bodyPr/>
-                    <a:lstStyle/>
-                    <a:p>
-                      <a:pPr algn="r" fontAlgn="b"/>
-                      <a:endParaRPr lang="is-IS" sz="1600" b="0" i="0" u="none" strike="noStrike">
-                        <a:solidFill>
-                          <a:srgbClr val="000000"/>
-                        </a:solidFill>
-                        <a:effectLst/>
-                        <a:latin typeface="Lucida Grande" charset="0"/>
-                      </a:endParaRPr>
-                    </a:p>
-                  </a:txBody>
-                  <a:tcPr marL="2812" marR="2812" marT="2812" marB="0" anchor="b"/>
+              <a:tr h="469035">
+                <a:tc vMerge="1">
+                  <a:txBody>
+                    <a:bodyPr/>
+                    <a:lstStyle/>
+                    <a:p>
+                      <a:endParaRPr lang="en-US"/>
+                    </a:p>
+                  </a:txBody>
+                  <a:tcPr/>
+                </a:tc>
+                <a:tc>
+                  <a:txBody>
+                    <a:bodyPr/>
+                    <a:lstStyle/>
+                    <a:p>
+                      <a:pPr marL="0" marR="0" lvl="0" indent="0" algn="l" defTabSz="914400" rtl="0" eaLnBrk="1" fontAlgn="b" latinLnBrk="0" hangingPunct="1">
+                        <a:lnSpc>
+                          <a:spcPct val="100000"/>
+                        </a:lnSpc>
+                        <a:spcBef>
+                          <a:spcPts val="0"/>
+                        </a:spcBef>
+                        <a:spcAft>
+                          <a:spcPts val="0"/>
+                        </a:spcAft>
+                        <a:buClrTx/>
+                        <a:buSzTx/>
+                        <a:buFontTx/>
+                        <a:buNone/>
+                        <a:tabLst/>
+                        <a:defRPr/>
+                      </a:pPr>
+                      <a:r>
+                        <a:rPr lang="en-US" sz="1200" b="0" i="0" u="none" strike="noStrike" dirty="0">
+                          <a:solidFill>
+                            <a:srgbClr val="FF0000"/>
+                          </a:solidFill>
+                          <a:effectLst/>
+                          <a:latin typeface="+mn-lt"/>
+                        </a:rPr>
+                        <a:t>Gaussian Kernel (selected variables)</a:t>
+                      </a:r>
+                    </a:p>
+                  </a:txBody>
+                  <a:tcPr marL="6350" marR="6350" marT="6350" marB="0" anchor="b"/>
+                </a:tc>
+                <a:tc>
+                  <a:txBody>
+                    <a:bodyPr/>
+                    <a:lstStyle/>
+                    <a:p>
+                      <a:pPr algn="r" fontAlgn="ctr"/>
+                      <a:endParaRPr lang="en-GB" sz="1200" b="0" i="0" u="none" strike="noStrike" dirty="0">
+                        <a:solidFill>
+                          <a:srgbClr val="FF0000"/>
+                        </a:solidFill>
+                        <a:effectLst/>
+                        <a:latin typeface="+mn-lt"/>
+                      </a:endParaRPr>
+                    </a:p>
+                    <a:p>
+                      <a:pPr algn="r" fontAlgn="ctr"/>
+                      <a:r>
+                        <a:rPr lang="en-GB" sz="1200" b="0" i="0" u="none" strike="noStrike" dirty="0">
+                          <a:solidFill>
+                            <a:srgbClr val="FF0000"/>
+                          </a:solidFill>
+                          <a:effectLst/>
+                          <a:latin typeface="+mn-lt"/>
+                        </a:rPr>
+                        <a:t>0.0333</a:t>
+                      </a:r>
+                    </a:p>
+                  </a:txBody>
+                  <a:tcPr marL="6350" marR="6350" marT="6350" marB="0" anchor="ctr"/>
+                </a:tc>
+                <a:tc>
+                  <a:txBody>
+                    <a:bodyPr/>
+                    <a:lstStyle/>
+                    <a:p>
+                      <a:pPr algn="r" fontAlgn="ctr"/>
+                      <a:endParaRPr lang="en-GB" sz="1200" b="0" i="0" u="none" strike="noStrike" dirty="0">
+                        <a:solidFill>
+                          <a:srgbClr val="FF0000"/>
+                        </a:solidFill>
+                        <a:effectLst/>
+                        <a:latin typeface="+mn-lt"/>
+                      </a:endParaRPr>
+                    </a:p>
+                    <a:p>
+                      <a:pPr algn="r" fontAlgn="ctr"/>
+                      <a:r>
+                        <a:rPr lang="en-GB" sz="1200" b="0" i="0" u="none" strike="noStrike" dirty="0">
+                          <a:solidFill>
+                            <a:srgbClr val="FF0000"/>
+                          </a:solidFill>
+                          <a:effectLst/>
+                          <a:latin typeface="+mn-lt"/>
+                        </a:rPr>
+                        <a:t>0.1878</a:t>
+                      </a:r>
+                    </a:p>
+                  </a:txBody>
+                  <a:tcPr marL="6350" marR="6350" marT="6350" marB="0" anchor="ctr"/>
                 </a:tc>
                 <a:extLst>
                   <a:ext uri="{0D108BD9-81ED-4DB2-BD59-A6C34878D82A}">
-                    <a16:rowId xmlns:a16="http://schemas.microsoft.com/office/drawing/2014/main" val="10006"/>
+                    <a16:rowId xmlns:a16="http://schemas.microsoft.com/office/drawing/2014/main" xmlns="" val="108756169"/>
                   </a:ext>
                 </a:extLst>
               </a:tr>
-              <a:tr h="302357">
-                <a:tc vMerge="1">
-                  <a:txBody>
-                    <a:bodyPr/>
-                    <a:lstStyle/>
+              <a:tr h="327683">
+                <a:tc rowSpan="5">
+                  <a:txBody>
+                    <a:bodyPr/>
+                    <a:lstStyle/>
+                    <a:p>
+                      <a:pPr marL="0" marR="0" lvl="0" indent="0" algn="ctr" defTabSz="914400" rtl="0" eaLnBrk="1" fontAlgn="ctr" latinLnBrk="0" hangingPunct="1">
+                        <a:lnSpc>
+                          <a:spcPct val="100000"/>
+                        </a:lnSpc>
+                        <a:spcBef>
+                          <a:spcPts val="0"/>
+                        </a:spcBef>
+                        <a:spcAft>
+                          <a:spcPts val="0"/>
+                        </a:spcAft>
+                        <a:buClrTx/>
+                        <a:buSzTx/>
+                        <a:buFontTx/>
+                        <a:buNone/>
+                        <a:tabLst/>
+                        <a:defRPr/>
+                      </a:pPr>
+                      <a:r>
+                        <a:rPr lang="en-US" sz="1200" b="1" u="none" strike="noStrike" dirty="0">
+                          <a:effectLst/>
+                          <a:latin typeface="+mn-lt"/>
+                        </a:rPr>
+                        <a:t>Bachelor's Degrees per FTE</a:t>
+                      </a:r>
+                      <a:endParaRPr lang="en-US" sz="1200" b="1" i="0" u="none" strike="noStrike" dirty="0">
+                        <a:solidFill>
+                          <a:srgbClr val="000000"/>
+                        </a:solidFill>
+                        <a:effectLst/>
+                        <a:latin typeface="+mn-lt"/>
+                      </a:endParaRPr>
+                    </a:p>
                     <a:p>
                       <a:pPr algn="ctr" fontAlgn="ctr"/>
-                      <a:endParaRPr lang="en-US" sz="1600" b="1" i="0" u="none" strike="noStrike" dirty="0">
-                        <a:solidFill>
-                          <a:srgbClr val="000000"/>
-                        </a:solidFill>
-                        <a:effectLst/>
-                        <a:latin typeface="Calibri" charset="0"/>
-                      </a:endParaRPr>
-                    </a:p>
-                  </a:txBody>
-                  <a:tcPr marL="2812" marR="2812" marT="2812" marB="0" anchor="ctr"/>
+                      <a:endParaRPr lang="en-US" sz="1200" b="1" i="0" u="none" strike="noStrike" dirty="0">
+                        <a:solidFill>
+                          <a:srgbClr val="000000"/>
+                        </a:solidFill>
+                        <a:effectLst/>
+                        <a:latin typeface="+mn-lt"/>
+                      </a:endParaRPr>
+                    </a:p>
+                  </a:txBody>
+                  <a:tcPr marL="6350" marR="6350" marT="6350" marB="0" anchor="ctr"/>
                 </a:tc>
                 <a:tc>
                   <a:txBody>
@@ -5735,99 +6132,96 @@
                     <a:lstStyle/>
                     <a:p>
                       <a:pPr algn="l" fontAlgn="b"/>
-                      <a:endParaRPr lang="en-US" sz="1600" b="0" i="0" u="none" strike="noStrike" dirty="0">
-                        <a:solidFill>
-                          <a:schemeClr val="accent6">
-                            <a:lumMod val="75000"/>
-                          </a:schemeClr>
-                        </a:solidFill>
-                        <a:effectLst/>
-                        <a:latin typeface="Calibri" charset="0"/>
-                      </a:endParaRPr>
-                    </a:p>
-                  </a:txBody>
-                  <a:tcPr marL="2812" marR="2812" marT="2812" marB="0" anchor="b"/>
-                </a:tc>
-                <a:tc>
-                  <a:txBody>
-                    <a:bodyPr/>
-                    <a:lstStyle/>
-                    <a:p>
-                      <a:pPr algn="r" fontAlgn="b"/>
-                      <a:endParaRPr lang="mr-IN" sz="1600" b="0" i="0" u="none" strike="noStrike" dirty="0">
-                        <a:solidFill>
-                          <a:schemeClr val="accent6">
-                            <a:lumMod val="75000"/>
-                          </a:schemeClr>
-                        </a:solidFill>
-                        <a:effectLst/>
-                        <a:latin typeface="Lucida Grande" charset="0"/>
-                      </a:endParaRPr>
-                    </a:p>
-                  </a:txBody>
-                  <a:tcPr marL="2812" marR="2812" marT="2812" marB="0" anchor="b"/>
-                </a:tc>
-                <a:tc>
-                  <a:txBody>
-                    <a:bodyPr/>
-                    <a:lstStyle/>
-                    <a:p>
-                      <a:pPr algn="r" fontAlgn="b"/>
-                      <a:endParaRPr lang="mr-IN" sz="1600" b="0" i="0" u="none" strike="noStrike" dirty="0">
-                        <a:solidFill>
-                          <a:schemeClr val="accent6">
-                            <a:lumMod val="75000"/>
-                          </a:schemeClr>
-                        </a:solidFill>
-                        <a:effectLst/>
-                        <a:latin typeface="Lucida Grande" charset="0"/>
-                      </a:endParaRPr>
-                    </a:p>
-                  </a:txBody>
-                  <a:tcPr marL="2812" marR="2812" marT="2812" marB="0" anchor="b"/>
-                </a:tc>
-                <a:tc>
-                  <a:txBody>
-                    <a:bodyPr/>
-                    <a:lstStyle/>
-                    <a:p>
-                      <a:pPr algn="r" fontAlgn="b"/>
-                      <a:endParaRPr lang="en-US" sz="1600" b="0" i="0" u="none" strike="noStrike" dirty="0">
-                        <a:solidFill>
-                          <a:schemeClr val="accent6">
-                            <a:lumMod val="75000"/>
-                          </a:schemeClr>
-                        </a:solidFill>
-                        <a:effectLst/>
-                        <a:latin typeface="Lucida Grande" charset="0"/>
-                      </a:endParaRPr>
-                    </a:p>
-                  </a:txBody>
-                  <a:tcPr marL="2812" marR="2812" marT="2812" marB="0" anchor="b"/>
+                      <a:r>
+                        <a:rPr lang="en-US" sz="1200" b="0" i="0" u="none" strike="noStrike" dirty="0">
+                          <a:solidFill>
+                            <a:srgbClr val="000000"/>
+                          </a:solidFill>
+                          <a:effectLst/>
+                          <a:latin typeface="+mn-lt"/>
+                        </a:rPr>
+                        <a:t>Lasso</a:t>
+                      </a:r>
+                    </a:p>
+                  </a:txBody>
+                  <a:tcPr marL="6350" marR="6350" marT="6350" marB="0" anchor="b"/>
+                </a:tc>
+                <a:tc>
+                  <a:txBody>
+                    <a:bodyPr/>
+                    <a:lstStyle/>
+                    <a:p>
+                      <a:pPr algn="r" fontAlgn="ctr"/>
+                      <a:endParaRPr lang="en-GB" sz="1200" b="0" i="0" u="none" strike="noStrike" dirty="0">
+                        <a:solidFill>
+                          <a:srgbClr val="000000"/>
+                        </a:solidFill>
+                        <a:effectLst/>
+                        <a:latin typeface="+mn-lt"/>
+                      </a:endParaRPr>
+                    </a:p>
+                    <a:p>
+                      <a:pPr algn="r" fontAlgn="ctr"/>
+                      <a:r>
+                        <a:rPr lang="en-GB" sz="1200" b="0" i="0" u="none" strike="noStrike" dirty="0">
+                          <a:solidFill>
+                            <a:srgbClr val="000000"/>
+                          </a:solidFill>
+                          <a:effectLst/>
+                          <a:latin typeface="+mn-lt"/>
+                        </a:rPr>
+                        <a:t>0.0337</a:t>
+                      </a:r>
+                    </a:p>
+                  </a:txBody>
+                  <a:tcPr marL="6350" marR="6350" marT="6350" marB="0" anchor="ctr"/>
+                </a:tc>
+                <a:tc>
+                  <a:txBody>
+                    <a:bodyPr/>
+                    <a:lstStyle/>
+                    <a:p>
+                      <a:pPr algn="r" fontAlgn="ctr"/>
+                      <a:endParaRPr lang="en-GB" sz="1200" b="0" i="0" u="none" strike="noStrike" dirty="0">
+                        <a:solidFill>
+                          <a:srgbClr val="000000"/>
+                        </a:solidFill>
+                        <a:effectLst/>
+                        <a:latin typeface="+mn-lt"/>
+                      </a:endParaRPr>
+                    </a:p>
+                    <a:p>
+                      <a:pPr algn="r" fontAlgn="ctr"/>
+                      <a:r>
+                        <a:rPr lang="en-GB" sz="1200" b="0" i="0" u="none" strike="noStrike" dirty="0">
+                          <a:solidFill>
+                            <a:srgbClr val="000000"/>
+                          </a:solidFill>
+                          <a:effectLst/>
+                          <a:latin typeface="+mn-lt"/>
+                        </a:rPr>
+                        <a:t>0.9690</a:t>
+                      </a:r>
+                    </a:p>
+                  </a:txBody>
+                  <a:tcPr marL="6350" marR="6350" marT="6350" marB="0" anchor="ctr"/>
                 </a:tc>
                 <a:extLst>
                   <a:ext uri="{0D108BD9-81ED-4DB2-BD59-A6C34878D82A}">
-                    <a16:rowId xmlns:a16="http://schemas.microsoft.com/office/drawing/2014/main" val="10007"/>
+                    <a16:rowId xmlns:a16="http://schemas.microsoft.com/office/drawing/2014/main" xmlns="" val="868174123"/>
                   </a:ext>
                 </a:extLst>
               </a:tr>
-              <a:tr h="302357">
+              <a:tr h="327683">
                 <a:tc vMerge="1">
                   <a:txBody>
                     <a:bodyPr/>
                     <a:lstStyle/>
                     <a:p>
-                      <a:pPr algn="ctr" fontAlgn="ctr"/>
-                      <a:endParaRPr lang="en-US" sz="1600" b="1" i="0" u="none" strike="noStrike" dirty="0">
-                        <a:solidFill>
-                          <a:srgbClr val="000000"/>
-                        </a:solidFill>
-                        <a:effectLst/>
-                        <a:latin typeface="Calibri" charset="0"/>
-                      </a:endParaRPr>
-                    </a:p>
-                  </a:txBody>
-                  <a:tcPr marL="2812" marR="2812" marT="2812" marB="0" anchor="ctr"/>
+                      <a:endParaRPr lang="en-US"/>
+                    </a:p>
+                  </a:txBody>
+                  <a:tcPr/>
                 </a:tc>
                 <a:tc>
                   <a:txBody>
@@ -5835,91 +6229,96 @@
                     <a:lstStyle/>
                     <a:p>
                       <a:pPr algn="l" fontAlgn="b"/>
-                      <a:endParaRPr lang="en-US" sz="1600" b="0" i="0" u="none" strike="noStrike" dirty="0">
-                        <a:solidFill>
-                          <a:srgbClr val="FF0000"/>
-                        </a:solidFill>
-                        <a:effectLst/>
-                        <a:latin typeface="Calibri" charset="0"/>
-                      </a:endParaRPr>
-                    </a:p>
-                  </a:txBody>
-                  <a:tcPr marL="2812" marR="2812" marT="2812" marB="0" anchor="b"/>
-                </a:tc>
-                <a:tc>
-                  <a:txBody>
-                    <a:bodyPr/>
-                    <a:lstStyle/>
-                    <a:p>
-                      <a:pPr algn="r" fontAlgn="b"/>
-                      <a:endParaRPr lang="mr-IN" sz="1600" b="0" i="0" u="none" strike="noStrike" dirty="0">
-                        <a:solidFill>
-                          <a:srgbClr val="FF0000"/>
-                        </a:solidFill>
-                        <a:effectLst/>
-                        <a:latin typeface="Lucida Grande" charset="0"/>
-                      </a:endParaRPr>
-                    </a:p>
-                  </a:txBody>
-                  <a:tcPr marL="2812" marR="2812" marT="2812" marB="0" anchor="b"/>
-                </a:tc>
-                <a:tc>
-                  <a:txBody>
-                    <a:bodyPr/>
-                    <a:lstStyle/>
-                    <a:p>
-                      <a:pPr algn="r" fontAlgn="b"/>
-                      <a:endParaRPr lang="mr-IN" sz="1600" b="0" i="0" u="none" strike="noStrike" dirty="0">
-                        <a:solidFill>
-                          <a:srgbClr val="FF0000"/>
-                        </a:solidFill>
-                        <a:effectLst/>
-                        <a:latin typeface="Lucida Grande" charset="0"/>
-                      </a:endParaRPr>
-                    </a:p>
-                  </a:txBody>
-                  <a:tcPr marL="2812" marR="2812" marT="2812" marB="0" anchor="b"/>
-                </a:tc>
-                <a:tc>
-                  <a:txBody>
-                    <a:bodyPr/>
-                    <a:lstStyle/>
-                    <a:p>
-                      <a:pPr algn="r" fontAlgn="b"/>
-                      <a:endParaRPr lang="is-IS" sz="1600" b="0" i="0" u="none" strike="noStrike" dirty="0">
-                        <a:solidFill>
-                          <a:srgbClr val="FF0000"/>
-                        </a:solidFill>
-                        <a:effectLst/>
-                        <a:latin typeface="Lucida Grande" charset="0"/>
-                      </a:endParaRPr>
-                    </a:p>
-                  </a:txBody>
-                  <a:tcPr marL="2812" marR="2812" marT="2812" marB="0" anchor="b"/>
+                      <a:r>
+                        <a:rPr lang="en-US" sz="1200" b="0" i="0" u="none" strike="noStrike" dirty="0">
+                          <a:solidFill>
+                            <a:srgbClr val="000000"/>
+                          </a:solidFill>
+                          <a:effectLst/>
+                          <a:latin typeface="+mn-lt"/>
+                        </a:rPr>
+                        <a:t>Ridge</a:t>
+                      </a:r>
+                    </a:p>
+                  </a:txBody>
+                  <a:tcPr marL="6350" marR="6350" marT="6350" marB="0" anchor="b"/>
+                </a:tc>
+                <a:tc>
+                  <a:txBody>
+                    <a:bodyPr/>
+                    <a:lstStyle/>
+                    <a:p>
+                      <a:pPr algn="r" fontAlgn="ctr"/>
+                      <a:endParaRPr lang="en-GB" sz="1200" b="0" i="0" u="none" strike="noStrike" dirty="0">
+                        <a:solidFill>
+                          <a:srgbClr val="000000"/>
+                        </a:solidFill>
+                        <a:effectLst/>
+                        <a:latin typeface="+mn-lt"/>
+                      </a:endParaRPr>
+                    </a:p>
+                    <a:p>
+                      <a:pPr algn="r" fontAlgn="ctr"/>
+                      <a:r>
+                        <a:rPr lang="en-GB" sz="1200" b="0" i="0" u="none" strike="noStrike" dirty="0">
+                          <a:solidFill>
+                            <a:srgbClr val="000000"/>
+                          </a:solidFill>
+                          <a:effectLst/>
+                          <a:latin typeface="+mn-lt"/>
+                        </a:rPr>
+                        <a:t>0.0164</a:t>
+                      </a:r>
+                    </a:p>
+                  </a:txBody>
+                  <a:tcPr marL="6350" marR="6350" marT="6350" marB="0" anchor="ctr"/>
+                </a:tc>
+                <a:tc>
+                  <a:txBody>
+                    <a:bodyPr/>
+                    <a:lstStyle/>
+                    <a:p>
+                      <a:pPr algn="r" fontAlgn="ctr"/>
+                      <a:endParaRPr lang="en-GB" sz="1200" b="0" i="0" u="none" strike="noStrike" dirty="0">
+                        <a:solidFill>
+                          <a:srgbClr val="000000"/>
+                        </a:solidFill>
+                        <a:effectLst/>
+                        <a:latin typeface="+mn-lt"/>
+                      </a:endParaRPr>
+                    </a:p>
+                    <a:p>
+                      <a:pPr algn="r" fontAlgn="ctr"/>
+                      <a:r>
+                        <a:rPr lang="en-GB" sz="1200" b="0" i="0" u="none" strike="noStrike" dirty="0">
+                          <a:solidFill>
+                            <a:srgbClr val="000000"/>
+                          </a:solidFill>
+                          <a:effectLst/>
+                          <a:latin typeface="+mn-lt"/>
+                        </a:rPr>
+                        <a:t>0.4710</a:t>
+                      </a:r>
+                    </a:p>
+                  </a:txBody>
+                  <a:tcPr marL="6350" marR="6350" marT="6350" marB="0" anchor="ctr"/>
                 </a:tc>
                 <a:extLst>
                   <a:ext uri="{0D108BD9-81ED-4DB2-BD59-A6C34878D82A}">
-                    <a16:rowId xmlns:a16="http://schemas.microsoft.com/office/drawing/2014/main" val="10008"/>
+                    <a16:rowId xmlns:a16="http://schemas.microsoft.com/office/drawing/2014/main" xmlns="" val="1773180674"/>
                   </a:ext>
                 </a:extLst>
               </a:tr>
-              <a:tr h="302357">
+              <a:tr h="327683">
                 <a:tc vMerge="1">
                   <a:txBody>
                     <a:bodyPr/>
                     <a:lstStyle/>
                     <a:p>
-                      <a:pPr algn="ctr" fontAlgn="ctr"/>
-                      <a:endParaRPr lang="en-US" sz="1600" b="1" i="0" u="none" strike="noStrike" dirty="0">
-                        <a:solidFill>
-                          <a:srgbClr val="000000"/>
-                        </a:solidFill>
-                        <a:effectLst/>
-                        <a:latin typeface="Calibri" charset="0"/>
-                      </a:endParaRPr>
-                    </a:p>
-                  </a:txBody>
-                  <a:tcPr marL="2812" marR="2812" marT="2812" marB="0" anchor="ctr"/>
+                      <a:endParaRPr lang="en-US"/>
+                    </a:p>
+                  </a:txBody>
+                  <a:tcPr/>
                 </a:tc>
                 <a:tc>
                   <a:txBody>
@@ -5927,91 +6326,96 @@
                     <a:lstStyle/>
                     <a:p>
                       <a:pPr algn="l" fontAlgn="b"/>
-                      <a:endParaRPr lang="en-US" sz="1600" b="0" i="0" u="none" strike="noStrike" dirty="0">
-                        <a:solidFill>
-                          <a:srgbClr val="000000"/>
-                        </a:solidFill>
-                        <a:effectLst/>
-                        <a:latin typeface="Calibri" charset="0"/>
-                      </a:endParaRPr>
-                    </a:p>
-                  </a:txBody>
-                  <a:tcPr marL="2812" marR="2812" marT="2812" marB="0" anchor="b"/>
-                </a:tc>
-                <a:tc>
-                  <a:txBody>
-                    <a:bodyPr/>
-                    <a:lstStyle/>
-                    <a:p>
-                      <a:pPr algn="r" fontAlgn="b"/>
-                      <a:endParaRPr lang="mr-IN" sz="1600" b="0" i="0" u="none" strike="noStrike" dirty="0">
-                        <a:solidFill>
-                          <a:srgbClr val="000000"/>
-                        </a:solidFill>
-                        <a:effectLst/>
-                        <a:latin typeface="Lucida Grande" charset="0"/>
-                      </a:endParaRPr>
-                    </a:p>
-                  </a:txBody>
-                  <a:tcPr marL="2812" marR="2812" marT="2812" marB="0" anchor="b"/>
-                </a:tc>
-                <a:tc>
-                  <a:txBody>
-                    <a:bodyPr/>
-                    <a:lstStyle/>
-                    <a:p>
-                      <a:pPr algn="r" fontAlgn="b"/>
-                      <a:endParaRPr lang="mr-IN" sz="1600" b="0" i="0" u="none" strike="noStrike" dirty="0">
-                        <a:solidFill>
-                          <a:srgbClr val="000000"/>
-                        </a:solidFill>
-                        <a:effectLst/>
-                        <a:latin typeface="Lucida Grande" charset="0"/>
-                      </a:endParaRPr>
-                    </a:p>
-                  </a:txBody>
-                  <a:tcPr marL="2812" marR="2812" marT="2812" marB="0" anchor="b"/>
-                </a:tc>
-                <a:tc>
-                  <a:txBody>
-                    <a:bodyPr/>
-                    <a:lstStyle/>
-                    <a:p>
-                      <a:pPr algn="r" fontAlgn="b"/>
-                      <a:endParaRPr lang="nb-NO" sz="1600" b="0" i="0" u="none" strike="noStrike" dirty="0">
-                        <a:solidFill>
-                          <a:srgbClr val="000000"/>
-                        </a:solidFill>
-                        <a:effectLst/>
-                        <a:latin typeface="Lucida Grande" charset="0"/>
-                      </a:endParaRPr>
-                    </a:p>
-                  </a:txBody>
-                  <a:tcPr marL="2812" marR="2812" marT="2812" marB="0" anchor="b"/>
+                      <a:r>
+                        <a:rPr lang="en-US" sz="1200" b="0" i="0" u="none" strike="noStrike" dirty="0">
+                          <a:solidFill>
+                            <a:srgbClr val="000000"/>
+                          </a:solidFill>
+                          <a:effectLst/>
+                          <a:latin typeface="+mn-lt"/>
+                        </a:rPr>
+                        <a:t>Elastic Net</a:t>
+                      </a:r>
+                    </a:p>
+                  </a:txBody>
+                  <a:tcPr marL="6350" marR="6350" marT="6350" marB="0" anchor="b"/>
+                </a:tc>
+                <a:tc>
+                  <a:txBody>
+                    <a:bodyPr/>
+                    <a:lstStyle/>
+                    <a:p>
+                      <a:pPr algn="r" fontAlgn="ctr"/>
+                      <a:endParaRPr lang="en-GB" sz="1200" b="0" i="0" u="none" strike="noStrike" dirty="0">
+                        <a:solidFill>
+                          <a:srgbClr val="000000"/>
+                        </a:solidFill>
+                        <a:effectLst/>
+                        <a:latin typeface="+mn-lt"/>
+                      </a:endParaRPr>
+                    </a:p>
+                    <a:p>
+                      <a:pPr algn="r" fontAlgn="ctr"/>
+                      <a:r>
+                        <a:rPr lang="en-GB" sz="1200" b="0" i="0" u="none" strike="noStrike" dirty="0">
+                          <a:solidFill>
+                            <a:srgbClr val="000000"/>
+                          </a:solidFill>
+                          <a:effectLst/>
+                          <a:latin typeface="+mn-lt"/>
+                        </a:rPr>
+                        <a:t>0.0313</a:t>
+                      </a:r>
+                    </a:p>
+                  </a:txBody>
+                  <a:tcPr marL="6350" marR="6350" marT="6350" marB="0" anchor="ctr"/>
+                </a:tc>
+                <a:tc>
+                  <a:txBody>
+                    <a:bodyPr/>
+                    <a:lstStyle/>
+                    <a:p>
+                      <a:pPr algn="r" fontAlgn="ctr"/>
+                      <a:endParaRPr lang="en-GB" sz="1200" b="0" i="0" u="none" strike="noStrike" dirty="0">
+                        <a:solidFill>
+                          <a:srgbClr val="000000"/>
+                        </a:solidFill>
+                        <a:effectLst/>
+                        <a:latin typeface="+mn-lt"/>
+                      </a:endParaRPr>
+                    </a:p>
+                    <a:p>
+                      <a:pPr algn="r" fontAlgn="ctr"/>
+                      <a:r>
+                        <a:rPr lang="en-GB" sz="1200" b="0" i="0" u="none" strike="noStrike" dirty="0">
+                          <a:solidFill>
+                            <a:srgbClr val="000000"/>
+                          </a:solidFill>
+                          <a:effectLst/>
+                          <a:latin typeface="+mn-lt"/>
+                        </a:rPr>
+                        <a:t>0.8980</a:t>
+                      </a:r>
+                    </a:p>
+                  </a:txBody>
+                  <a:tcPr marL="6350" marR="6350" marT="6350" marB="0" anchor="ctr"/>
                 </a:tc>
                 <a:extLst>
                   <a:ext uri="{0D108BD9-81ED-4DB2-BD59-A6C34878D82A}">
-                    <a16:rowId xmlns:a16="http://schemas.microsoft.com/office/drawing/2014/main" val="10009"/>
+                    <a16:rowId xmlns:a16="http://schemas.microsoft.com/office/drawing/2014/main" xmlns="" val="324761190"/>
                   </a:ext>
                 </a:extLst>
               </a:tr>
-              <a:tr h="302357">
+              <a:tr h="469035">
                 <a:tc vMerge="1">
                   <a:txBody>
                     <a:bodyPr/>
                     <a:lstStyle/>
                     <a:p>
-                      <a:pPr algn="ctr" fontAlgn="ctr"/>
-                      <a:endParaRPr lang="en-US" sz="1600" b="1" i="0" u="none" strike="noStrike" dirty="0">
-                        <a:solidFill>
-                          <a:srgbClr val="000000"/>
-                        </a:solidFill>
-                        <a:effectLst/>
-                        <a:latin typeface="Calibri" charset="0"/>
-                      </a:endParaRPr>
-                    </a:p>
-                  </a:txBody>
-                  <a:tcPr marL="2812" marR="2812" marT="2812" marB="0" anchor="ctr"/>
+                      <a:endParaRPr lang="en-US"/>
+                    </a:p>
+                  </a:txBody>
+                  <a:tcPr/>
                 </a:tc>
                 <a:tc>
                   <a:txBody>
@@ -6019,71 +6423,206 @@
                     <a:lstStyle/>
                     <a:p>
                       <a:pPr algn="l" fontAlgn="b"/>
-                      <a:endParaRPr lang="en-US" sz="1600" b="0" i="0" u="none" strike="noStrike" dirty="0">
-                        <a:solidFill>
-                          <a:srgbClr val="000000"/>
-                        </a:solidFill>
-                        <a:effectLst/>
-                        <a:latin typeface="Calibri" charset="0"/>
-                      </a:endParaRPr>
-                    </a:p>
-                  </a:txBody>
-                  <a:tcPr marL="2812" marR="2812" marT="2812" marB="0" anchor="b"/>
-                </a:tc>
-                <a:tc>
-                  <a:txBody>
-                    <a:bodyPr/>
-                    <a:lstStyle/>
-                    <a:p>
-                      <a:pPr algn="r" fontAlgn="b"/>
-                      <a:endParaRPr lang="mr-IN" sz="1600" b="0" i="0" u="none" strike="noStrike" dirty="0">
-                        <a:solidFill>
-                          <a:srgbClr val="000000"/>
-                        </a:solidFill>
-                        <a:effectLst/>
-                        <a:latin typeface="Lucida Grande" charset="0"/>
-                      </a:endParaRPr>
-                    </a:p>
-                  </a:txBody>
-                  <a:tcPr marL="2812" marR="2812" marT="2812" marB="0" anchor="b"/>
-                </a:tc>
-                <a:tc>
-                  <a:txBody>
-                    <a:bodyPr/>
-                    <a:lstStyle/>
-                    <a:p>
-                      <a:pPr algn="r" fontAlgn="b"/>
-                      <a:endParaRPr lang="mr-IN" sz="1600" b="0" i="0" u="none" strike="noStrike" dirty="0">
-                        <a:solidFill>
-                          <a:srgbClr val="000000"/>
-                        </a:solidFill>
-                        <a:effectLst/>
-                        <a:latin typeface="Lucida Grande" charset="0"/>
-                      </a:endParaRPr>
-                    </a:p>
-                  </a:txBody>
-                  <a:tcPr marL="2812" marR="2812" marT="2812" marB="0" anchor="b"/>
-                </a:tc>
-                <a:tc>
-                  <a:txBody>
-                    <a:bodyPr/>
-                    <a:lstStyle/>
-                    <a:p>
-                      <a:pPr algn="r" fontAlgn="b"/>
-                      <a:endParaRPr lang="is-IS" sz="1600" b="0" i="0" u="none" strike="noStrike" dirty="0">
-                        <a:solidFill>
-                          <a:srgbClr val="000000"/>
-                        </a:solidFill>
-                        <a:effectLst/>
-                        <a:latin typeface="Lucida Grande" charset="0"/>
-                      </a:endParaRPr>
-                    </a:p>
-                  </a:txBody>
-                  <a:tcPr marL="2812" marR="2812" marT="2812" marB="0" anchor="b"/>
+                      <a:r>
+                        <a:rPr lang="en-US" sz="1200" u="none" strike="noStrike" dirty="0">
+                          <a:effectLst/>
+                          <a:latin typeface="+mn-lt"/>
+                        </a:rPr>
+                        <a:t>LM (w/ interactions)</a:t>
+                      </a:r>
+                    </a:p>
+                    <a:p>
+                      <a:pPr algn="l" fontAlgn="b"/>
+                      <a:r>
+                        <a:rPr lang="en-US" sz="1200" b="0" i="0" u="none" strike="noStrike" dirty="0">
+                          <a:solidFill>
+                            <a:srgbClr val="000000"/>
+                          </a:solidFill>
+                          <a:effectLst/>
+                          <a:latin typeface="+mn-lt"/>
+                        </a:rPr>
+                        <a:t>(selected variables)</a:t>
+                      </a:r>
+                    </a:p>
+                  </a:txBody>
+                  <a:tcPr marL="6350" marR="6350" marT="6350" marB="0" anchor="b"/>
+                </a:tc>
+                <a:tc>
+                  <a:txBody>
+                    <a:bodyPr/>
+                    <a:lstStyle/>
+                    <a:p>
+                      <a:pPr algn="r" fontAlgn="ctr"/>
+                      <a:endParaRPr lang="en-GB" sz="1200" b="0" i="0" u="none" strike="noStrike" dirty="0">
+                        <a:solidFill>
+                          <a:srgbClr val="000000"/>
+                        </a:solidFill>
+                        <a:effectLst/>
+                        <a:latin typeface="+mn-lt"/>
+                      </a:endParaRPr>
+                    </a:p>
+                    <a:p>
+                      <a:pPr algn="r" fontAlgn="ctr"/>
+                      <a:r>
+                        <a:rPr lang="en-GB" sz="1200" b="0" i="0" u="none" strike="noStrike" dirty="0">
+                          <a:solidFill>
+                            <a:srgbClr val="000000"/>
+                          </a:solidFill>
+                          <a:effectLst/>
+                          <a:latin typeface="+mn-lt"/>
+                        </a:rPr>
+                        <a:t>0.3418</a:t>
+                      </a:r>
+                    </a:p>
+                  </a:txBody>
+                  <a:tcPr marL="6350" marR="6350" marT="6350" marB="0" anchor="ctr"/>
+                </a:tc>
+                <a:tc>
+                  <a:txBody>
+                    <a:bodyPr/>
+                    <a:lstStyle/>
+                    <a:p>
+                      <a:pPr algn="r" fontAlgn="ctr"/>
+                      <a:endParaRPr lang="en-GB" sz="1200" b="0" i="0" u="none" strike="noStrike" dirty="0">
+                        <a:solidFill>
+                          <a:srgbClr val="000000"/>
+                        </a:solidFill>
+                        <a:effectLst/>
+                        <a:latin typeface="+mn-lt"/>
+                      </a:endParaRPr>
+                    </a:p>
+                    <a:p>
+                      <a:pPr algn="r" fontAlgn="ctr"/>
+                      <a:r>
+                        <a:rPr lang="en-GB" sz="1200" b="0" i="0" u="none" strike="noStrike" dirty="0">
+                          <a:solidFill>
+                            <a:srgbClr val="000000"/>
+                          </a:solidFill>
+                          <a:effectLst/>
+                          <a:latin typeface="+mn-lt"/>
+                        </a:rPr>
+                        <a:t>9.8100</a:t>
+                      </a:r>
+                    </a:p>
+                  </a:txBody>
+                  <a:tcPr marL="6350" marR="6350" marT="6350" marB="0" anchor="ctr"/>
                 </a:tc>
                 <a:extLst>
                   <a:ext uri="{0D108BD9-81ED-4DB2-BD59-A6C34878D82A}">
-                    <a16:rowId xmlns:a16="http://schemas.microsoft.com/office/drawing/2014/main" val="10010"/>
+                    <a16:rowId xmlns:a16="http://schemas.microsoft.com/office/drawing/2014/main" xmlns="" val="1775108306"/>
+                  </a:ext>
+                </a:extLst>
+              </a:tr>
+              <a:tr h="469035">
+                <a:tc vMerge="1">
+                  <a:txBody>
+                    <a:bodyPr/>
+                    <a:lstStyle/>
+                    <a:p>
+                      <a:endParaRPr lang="en-US"/>
+                    </a:p>
+                  </a:txBody>
+                  <a:tcPr/>
+                </a:tc>
+                <a:tc>
+                  <a:txBody>
+                    <a:bodyPr/>
+                    <a:lstStyle/>
+                    <a:p>
+                      <a:pPr marL="0" marR="0" lvl="0" indent="0" algn="l" defTabSz="914400" rtl="0" eaLnBrk="1" fontAlgn="b" latinLnBrk="0" hangingPunct="1">
+                        <a:lnSpc>
+                          <a:spcPct val="100000"/>
+                        </a:lnSpc>
+                        <a:spcBef>
+                          <a:spcPts val="0"/>
+                        </a:spcBef>
+                        <a:spcAft>
+                          <a:spcPts val="0"/>
+                        </a:spcAft>
+                        <a:buClrTx/>
+                        <a:buSzTx/>
+                        <a:buFontTx/>
+                        <a:buNone/>
+                        <a:tabLst/>
+                        <a:defRPr/>
+                      </a:pPr>
+                      <a:r>
+                        <a:rPr lang="en-US" sz="1200" b="0" i="0" u="none" strike="noStrike" dirty="0">
+                          <a:solidFill>
+                            <a:srgbClr val="FF0000"/>
+                          </a:solidFill>
+                          <a:effectLst/>
+                          <a:latin typeface="+mn-lt"/>
+                        </a:rPr>
+                        <a:t>Gaussian Kernel (selected variables)</a:t>
+                      </a:r>
+                    </a:p>
+                  </a:txBody>
+                  <a:tcPr marL="6350" marR="6350" marT="6350" marB="0" anchor="b"/>
+                </a:tc>
+                <a:tc>
+                  <a:txBody>
+                    <a:bodyPr/>
+                    <a:lstStyle/>
+                    <a:p>
+                      <a:pPr algn="r" fontAlgn="ctr"/>
+                      <a:endParaRPr lang="en-GB" sz="1200" b="0" i="0" u="none" strike="noStrike" dirty="0">
+                        <a:solidFill>
+                          <a:srgbClr val="FF0000"/>
+                        </a:solidFill>
+                        <a:effectLst/>
+                        <a:latin typeface="+mn-lt"/>
+                      </a:endParaRPr>
+                    </a:p>
+                    <a:p>
+                      <a:pPr algn="r" fontAlgn="ctr"/>
+                      <a:r>
+                        <a:rPr lang="en-GB" sz="1200" b="0" i="0" u="none" strike="noStrike" dirty="0">
+                          <a:solidFill>
+                            <a:srgbClr val="FF0000"/>
+                          </a:solidFill>
+                          <a:effectLst/>
+                          <a:latin typeface="+mn-lt"/>
+                        </a:rPr>
+                        <a:t>0.0139</a:t>
+                      </a:r>
+                    </a:p>
+                  </a:txBody>
+                  <a:tcPr marL="6350" marR="6350" marT="6350" marB="0" anchor="ctr"/>
+                </a:tc>
+                <a:tc>
+                  <a:txBody>
+                    <a:bodyPr/>
+                    <a:lstStyle/>
+                    <a:p>
+                      <a:pPr algn="r" fontAlgn="ctr"/>
+                      <a:endParaRPr lang="en-GB" sz="1200" b="0" i="0" u="none" strike="noStrike" dirty="0">
+                        <a:solidFill>
+                          <a:srgbClr val="FF0000"/>
+                        </a:solidFill>
+                        <a:effectLst/>
+                        <a:latin typeface="+mn-lt"/>
+                      </a:endParaRPr>
+                    </a:p>
+                    <a:p>
+                      <a:pPr algn="r" fontAlgn="ctr"/>
+                      <a:r>
+                        <a:rPr lang="en-GB" sz="1200" b="0" i="0" u="none" strike="noStrike" dirty="0">
+                          <a:solidFill>
+                            <a:srgbClr val="FF0000"/>
+                          </a:solidFill>
+                          <a:effectLst/>
+                          <a:latin typeface="+mn-lt"/>
+                        </a:rPr>
+                        <a:t>0.3990</a:t>
+                      </a:r>
+                    </a:p>
+                  </a:txBody>
+                  <a:tcPr marL="6350" marR="6350" marT="6350" marB="0" anchor="ctr"/>
+                </a:tc>
+                <a:extLst>
+                  <a:ext uri="{0D108BD9-81ED-4DB2-BD59-A6C34878D82A}">
+                    <a16:rowId xmlns:a16="http://schemas.microsoft.com/office/drawing/2014/main" xmlns="" val="2613320283"/>
                   </a:ext>
                 </a:extLst>
               </a:tr>
@@ -6094,7 +6633,7 @@
     </p:spTree>
     <p:extLst>
       <p:ext uri="{BB962C8B-B14F-4D97-AF65-F5344CB8AC3E}">
-        <p14:creationId xmlns:p14="http://schemas.microsoft.com/office/powerpoint/2010/main" val="263541384"/>
+        <p14:creationId xmlns:p14="http://schemas.microsoft.com/office/powerpoint/2010/main" val="2912517893"/>
       </p:ext>
     </p:extLst>
   </p:cSld>
@@ -6126,7 +6665,7 @@
           <p:cNvPr id="2" name="Title 1">
             <a:extLst>
               <a:ext uri="{FF2B5EF4-FFF2-40B4-BE49-F238E27FC236}">
-                <a16:creationId xmlns:a16="http://schemas.microsoft.com/office/drawing/2014/main" id="{7703A585-CB34-4847-AABD-D8BF1C39D16B}"/>
+                <a16:creationId xmlns:a16="http://schemas.microsoft.com/office/drawing/2014/main" xmlns="" id="{6DB497BC-6377-4BD4-A8A6-D232ABBA0506}"/>
               </a:ext>
             </a:extLst>
           </p:cNvPr>
@@ -6144,6 +6683,1245 @@
           <a:p>
             <a:r>
               <a:rPr lang="en-US" dirty="0"/>
+              <a:t>Approach 2: Kernel Model Avg. Partial Derivatives</a:t>
+            </a:r>
+            <a:endParaRPr lang="en-GB" dirty="0"/>
+          </a:p>
+        </p:txBody>
+      </p:sp>
+      <p:graphicFrame>
+        <p:nvGraphicFramePr>
+          <p:cNvPr id="5" name="Content Placeholder 6">
+            <a:extLst>
+              <a:ext uri="{FF2B5EF4-FFF2-40B4-BE49-F238E27FC236}">
+                <a16:creationId xmlns:a16="http://schemas.microsoft.com/office/drawing/2014/main" xmlns="" id="{DC4197B8-28FC-42A2-AD89-532EB3608797}"/>
+              </a:ext>
+            </a:extLst>
+          </p:cNvPr>
+          <p:cNvGraphicFramePr>
+            <a:graphicFrameLocks noGrp="1"/>
+          </p:cNvGraphicFramePr>
+          <p:nvPr>
+            <p:ph idx="1"/>
+            <p:extLst>
+              <p:ext uri="{D42A27DB-BD31-4B8C-83A1-F6EECF244321}">
+                <p14:modId xmlns:p14="http://schemas.microsoft.com/office/powerpoint/2010/main" val="2323612580"/>
+              </p:ext>
+            </p:extLst>
+          </p:nvPr>
+        </p:nvGraphicFramePr>
+        <p:xfrm>
+          <a:off x="1095776" y="1690688"/>
+          <a:ext cx="9761116" cy="3325927"/>
+        </p:xfrm>
+        <a:graphic>
+          <a:graphicData uri="http://schemas.openxmlformats.org/drawingml/2006/table">
+            <a:tbl>
+              <a:tblPr>
+                <a:tableStyleId>{5C22544A-7EE6-4342-B048-85BDC9FD1C3A}</a:tableStyleId>
+              </a:tblPr>
+              <a:tblGrid>
+                <a:gridCol w="1878430">
+                  <a:extLst>
+                    <a:ext uri="{9D8B030D-6E8A-4147-A177-3AD203B41FA5}">
+                      <a16:colId xmlns:a16="http://schemas.microsoft.com/office/drawing/2014/main" xmlns="" val="20000"/>
+                    </a:ext>
+                  </a:extLst>
+                </a:gridCol>
+                <a:gridCol w="4212205">
+                  <a:extLst>
+                    <a:ext uri="{9D8B030D-6E8A-4147-A177-3AD203B41FA5}">
+                      <a16:colId xmlns:a16="http://schemas.microsoft.com/office/drawing/2014/main" xmlns="" val="20001"/>
+                    </a:ext>
+                  </a:extLst>
+                </a:gridCol>
+                <a:gridCol w="1165829">
+                  <a:extLst>
+                    <a:ext uri="{9D8B030D-6E8A-4147-A177-3AD203B41FA5}">
+                      <a16:colId xmlns:a16="http://schemas.microsoft.com/office/drawing/2014/main" xmlns="" val="20002"/>
+                    </a:ext>
+                  </a:extLst>
+                </a:gridCol>
+                <a:gridCol w="1252326">
+                  <a:extLst>
+                    <a:ext uri="{9D8B030D-6E8A-4147-A177-3AD203B41FA5}">
+                      <a16:colId xmlns:a16="http://schemas.microsoft.com/office/drawing/2014/main" xmlns="" val="20003"/>
+                    </a:ext>
+                  </a:extLst>
+                </a:gridCol>
+                <a:gridCol w="1252326">
+                  <a:extLst>
+                    <a:ext uri="{9D8B030D-6E8A-4147-A177-3AD203B41FA5}">
+                      <a16:colId xmlns:a16="http://schemas.microsoft.com/office/drawing/2014/main" xmlns="" val="20004"/>
+                    </a:ext>
+                  </a:extLst>
+                </a:gridCol>
+              </a:tblGrid>
+              <a:tr h="302357">
+                <a:tc>
+                  <a:txBody>
+                    <a:bodyPr/>
+                    <a:lstStyle/>
+                    <a:p>
+                      <a:pPr algn="ctr" fontAlgn="ctr"/>
+                      <a:endParaRPr lang="en-US" sz="1600" b="0" i="0" u="none" strike="noStrike" dirty="0">
+                        <a:solidFill>
+                          <a:srgbClr val="000000"/>
+                        </a:solidFill>
+                        <a:effectLst/>
+                        <a:latin typeface="Calibri" charset="0"/>
+                      </a:endParaRPr>
+                    </a:p>
+                  </a:txBody>
+                  <a:tcPr marL="2812" marR="2812" marT="2812" marB="0" anchor="ctr"/>
+                </a:tc>
+                <a:tc>
+                  <a:txBody>
+                    <a:bodyPr/>
+                    <a:lstStyle/>
+                    <a:p>
+                      <a:pPr algn="ctr" fontAlgn="ctr"/>
+                      <a:r>
+                        <a:rPr lang="en-US" sz="1600" b="1" u="none" strike="noStrike" dirty="0">
+                          <a:effectLst/>
+                        </a:rPr>
+                        <a:t>Variable</a:t>
+                      </a:r>
+                      <a:endParaRPr lang="en-US" sz="1600" b="1" i="0" u="none" strike="noStrike" dirty="0">
+                        <a:solidFill>
+                          <a:srgbClr val="000000"/>
+                        </a:solidFill>
+                        <a:effectLst/>
+                        <a:latin typeface="Calibri" charset="0"/>
+                      </a:endParaRPr>
+                    </a:p>
+                  </a:txBody>
+                  <a:tcPr marL="2812" marR="2812" marT="2812" marB="0" anchor="ctr"/>
+                </a:tc>
+                <a:tc>
+                  <a:txBody>
+                    <a:bodyPr/>
+                    <a:lstStyle/>
+                    <a:p>
+                      <a:pPr algn="ctr" fontAlgn="ctr"/>
+                      <a:r>
+                        <a:rPr lang="en-US" sz="1600" b="1" u="none" strike="noStrike" dirty="0">
+                          <a:effectLst/>
+                        </a:rPr>
+                        <a:t>Estimate</a:t>
+                      </a:r>
+                      <a:endParaRPr lang="en-US" sz="1600" b="1" i="0" u="none" strike="noStrike" dirty="0">
+                        <a:solidFill>
+                          <a:srgbClr val="000000"/>
+                        </a:solidFill>
+                        <a:effectLst/>
+                        <a:latin typeface="Calibri" charset="0"/>
+                      </a:endParaRPr>
+                    </a:p>
+                  </a:txBody>
+                  <a:tcPr marL="2812" marR="2812" marT="2812" marB="0" anchor="ctr"/>
+                </a:tc>
+                <a:tc>
+                  <a:txBody>
+                    <a:bodyPr/>
+                    <a:lstStyle/>
+                    <a:p>
+                      <a:pPr algn="ctr" fontAlgn="ctr"/>
+                      <a:r>
+                        <a:rPr lang="en-US" sz="1600" b="1" u="none" strike="noStrike" dirty="0">
+                          <a:effectLst/>
+                        </a:rPr>
+                        <a:t>SE</a:t>
+                      </a:r>
+                      <a:endParaRPr lang="en-US" sz="1600" b="1" i="0" u="none" strike="noStrike" dirty="0">
+                        <a:solidFill>
+                          <a:srgbClr val="000000"/>
+                        </a:solidFill>
+                        <a:effectLst/>
+                        <a:latin typeface="Calibri" charset="0"/>
+                      </a:endParaRPr>
+                    </a:p>
+                  </a:txBody>
+                  <a:tcPr marL="2812" marR="2812" marT="2812" marB="0" anchor="ctr"/>
+                </a:tc>
+                <a:tc>
+                  <a:txBody>
+                    <a:bodyPr/>
+                    <a:lstStyle/>
+                    <a:p>
+                      <a:pPr algn="ctr" fontAlgn="ctr"/>
+                      <a:r>
+                        <a:rPr lang="en-US" sz="1600" b="1" u="none" strike="noStrike" dirty="0">
+                          <a:effectLst/>
+                        </a:rPr>
+                        <a:t>p-value</a:t>
+                      </a:r>
+                      <a:endParaRPr lang="en-US" sz="1600" b="1" i="0" u="none" strike="noStrike" dirty="0">
+                        <a:solidFill>
+                          <a:srgbClr val="000000"/>
+                        </a:solidFill>
+                        <a:effectLst/>
+                        <a:latin typeface="Calibri" charset="0"/>
+                      </a:endParaRPr>
+                    </a:p>
+                  </a:txBody>
+                  <a:tcPr marL="2812" marR="2812" marT="2812" marB="0" anchor="ctr"/>
+                </a:tc>
+                <a:extLst>
+                  <a:ext uri="{0D108BD9-81ED-4DB2-BD59-A6C34878D82A}">
+                    <a16:rowId xmlns:a16="http://schemas.microsoft.com/office/drawing/2014/main" xmlns="" val="10000"/>
+                  </a:ext>
+                </a:extLst>
+              </a:tr>
+              <a:tr h="302357">
+                <a:tc rowSpan="5">
+                  <a:txBody>
+                    <a:bodyPr/>
+                    <a:lstStyle/>
+                    <a:p>
+                      <a:pPr algn="ctr" fontAlgn="ctr"/>
+                      <a:r>
+                        <a:rPr lang="en-US" sz="1600" b="1" u="none" strike="noStrike" dirty="0">
+                          <a:effectLst/>
+                        </a:rPr>
+                        <a:t>6-Year Graduation Rate</a:t>
+                      </a:r>
+                      <a:endParaRPr lang="en-US" sz="1600" b="1" i="0" u="none" strike="noStrike" dirty="0">
+                        <a:solidFill>
+                          <a:srgbClr val="000000"/>
+                        </a:solidFill>
+                        <a:effectLst/>
+                        <a:latin typeface="Calibri" charset="0"/>
+                      </a:endParaRPr>
+                    </a:p>
+                  </a:txBody>
+                  <a:tcPr marL="2812" marR="2812" marT="2812" marB="0" anchor="ctr"/>
+                </a:tc>
+                <a:tc>
+                  <a:txBody>
+                    <a:bodyPr/>
+                    <a:lstStyle/>
+                    <a:p>
+                      <a:pPr algn="l" fontAlgn="b"/>
+                      <a:r>
+                        <a:rPr lang="en-GB" sz="1600" b="0" i="0" u="none" strike="noStrike" dirty="0" err="1">
+                          <a:solidFill>
+                            <a:srgbClr val="000000"/>
+                          </a:solidFill>
+                          <a:effectLst/>
+                          <a:latin typeface="Calibri" panose="020F0502020204030204" pitchFamily="34" charset="0"/>
+                        </a:rPr>
+                        <a:t>other_full_time</a:t>
+                      </a:r>
+                      <a:r>
+                        <a:rPr lang="en-GB" sz="1600" b="0" i="0" u="none" strike="noStrike" dirty="0">
+                          <a:solidFill>
+                            <a:srgbClr val="000000"/>
+                          </a:solidFill>
+                          <a:effectLst/>
+                          <a:latin typeface="Calibri" panose="020F0502020204030204" pitchFamily="34" charset="0"/>
+                        </a:rPr>
+                        <a:t> </a:t>
+                      </a:r>
+                    </a:p>
+                  </a:txBody>
+                  <a:tcPr marL="6350" marR="6350" marT="6350" marB="0" anchor="b"/>
+                </a:tc>
+                <a:tc>
+                  <a:txBody>
+                    <a:bodyPr/>
+                    <a:lstStyle/>
+                    <a:p>
+                      <a:pPr algn="r" fontAlgn="b"/>
+                      <a:r>
+                        <a:rPr lang="en-GB" sz="1600" b="0" i="0" u="none" strike="noStrike">
+                          <a:solidFill>
+                            <a:srgbClr val="000000"/>
+                          </a:solidFill>
+                          <a:effectLst/>
+                          <a:latin typeface="Calibri" panose="020F0502020204030204" pitchFamily="34" charset="0"/>
+                        </a:rPr>
+                        <a:t>0.3928</a:t>
+                      </a:r>
+                    </a:p>
+                  </a:txBody>
+                  <a:tcPr marL="6350" marR="6350" marT="6350" marB="0" anchor="b"/>
+                </a:tc>
+                <a:tc>
+                  <a:txBody>
+                    <a:bodyPr/>
+                    <a:lstStyle/>
+                    <a:p>
+                      <a:pPr algn="r" fontAlgn="b"/>
+                      <a:r>
+                        <a:rPr lang="en-GB" sz="1600" b="0" i="0" u="none" strike="noStrike">
+                          <a:solidFill>
+                            <a:srgbClr val="000000"/>
+                          </a:solidFill>
+                          <a:effectLst/>
+                          <a:latin typeface="Calibri" panose="020F0502020204030204" pitchFamily="34" charset="0"/>
+                        </a:rPr>
+                        <a:t>0.011</a:t>
+                      </a:r>
+                    </a:p>
+                  </a:txBody>
+                  <a:tcPr marL="6350" marR="6350" marT="6350" marB="0" anchor="b"/>
+                </a:tc>
+                <a:tc>
+                  <a:txBody>
+                    <a:bodyPr/>
+                    <a:lstStyle/>
+                    <a:p>
+                      <a:pPr algn="r" fontAlgn="b"/>
+                      <a:r>
+                        <a:rPr lang="en-GB" sz="1600" b="0" i="0" u="none" strike="noStrike">
+                          <a:solidFill>
+                            <a:srgbClr val="000000"/>
+                          </a:solidFill>
+                          <a:effectLst/>
+                          <a:latin typeface="Calibri" panose="020F0502020204030204" pitchFamily="34" charset="0"/>
+                        </a:rPr>
+                        <a:t>0.0000</a:t>
+                      </a:r>
+                    </a:p>
+                  </a:txBody>
+                  <a:tcPr marL="6350" marR="6350" marT="6350" marB="0" anchor="b"/>
+                </a:tc>
+                <a:extLst>
+                  <a:ext uri="{0D108BD9-81ED-4DB2-BD59-A6C34878D82A}">
+                    <a16:rowId xmlns:a16="http://schemas.microsoft.com/office/drawing/2014/main" xmlns="" val="10001"/>
+                  </a:ext>
+                </a:extLst>
+              </a:tr>
+              <a:tr h="302357">
+                <a:tc vMerge="1">
+                  <a:txBody>
+                    <a:bodyPr/>
+                    <a:lstStyle/>
+                    <a:p>
+                      <a:endParaRPr lang="en-US"/>
+                    </a:p>
+                  </a:txBody>
+                  <a:tcPr/>
+                </a:tc>
+                <a:tc>
+                  <a:txBody>
+                    <a:bodyPr/>
+                    <a:lstStyle/>
+                    <a:p>
+                      <a:pPr algn="l" fontAlgn="b"/>
+                      <a:r>
+                        <a:rPr lang="en-GB" sz="1600" b="0" i="0" u="none" strike="noStrike" dirty="0" err="1">
+                          <a:solidFill>
+                            <a:srgbClr val="000000"/>
+                          </a:solidFill>
+                          <a:effectLst/>
+                          <a:latin typeface="Calibri" panose="020F0502020204030204" pitchFamily="34" charset="0"/>
+                        </a:rPr>
+                        <a:t>fed_grant_pct</a:t>
+                      </a:r>
+                      <a:r>
+                        <a:rPr lang="en-GB" sz="1600" b="0" i="0" u="none" strike="noStrike" dirty="0">
+                          <a:solidFill>
+                            <a:srgbClr val="000000"/>
+                          </a:solidFill>
+                          <a:effectLst/>
+                          <a:latin typeface="Calibri" panose="020F0502020204030204" pitchFamily="34" charset="0"/>
+                        </a:rPr>
+                        <a:t>    </a:t>
+                      </a:r>
+                    </a:p>
+                  </a:txBody>
+                  <a:tcPr marL="6350" marR="6350" marT="6350" marB="0" anchor="b"/>
+                </a:tc>
+                <a:tc>
+                  <a:txBody>
+                    <a:bodyPr/>
+                    <a:lstStyle/>
+                    <a:p>
+                      <a:pPr algn="r" fontAlgn="b"/>
+                      <a:r>
+                        <a:rPr lang="en-GB" sz="1600" b="0" i="0" u="none" strike="noStrike">
+                          <a:solidFill>
+                            <a:srgbClr val="000000"/>
+                          </a:solidFill>
+                          <a:effectLst/>
+                          <a:latin typeface="Calibri" panose="020F0502020204030204" pitchFamily="34" charset="0"/>
+                        </a:rPr>
+                        <a:t>-0.2004</a:t>
+                      </a:r>
+                    </a:p>
+                  </a:txBody>
+                  <a:tcPr marL="6350" marR="6350" marT="6350" marB="0" anchor="b"/>
+                </a:tc>
+                <a:tc>
+                  <a:txBody>
+                    <a:bodyPr/>
+                    <a:lstStyle/>
+                    <a:p>
+                      <a:pPr algn="r" fontAlgn="b"/>
+                      <a:r>
+                        <a:rPr lang="en-GB" sz="1600" b="0" i="0" u="none" strike="noStrike">
+                          <a:solidFill>
+                            <a:srgbClr val="000000"/>
+                          </a:solidFill>
+                          <a:effectLst/>
+                          <a:latin typeface="Calibri" panose="020F0502020204030204" pitchFamily="34" charset="0"/>
+                        </a:rPr>
+                        <a:t>0.0094</a:t>
+                      </a:r>
+                    </a:p>
+                  </a:txBody>
+                  <a:tcPr marL="6350" marR="6350" marT="6350" marB="0" anchor="b"/>
+                </a:tc>
+                <a:tc>
+                  <a:txBody>
+                    <a:bodyPr/>
+                    <a:lstStyle/>
+                    <a:p>
+                      <a:pPr algn="r" fontAlgn="b"/>
+                      <a:r>
+                        <a:rPr lang="en-GB" sz="1600" b="0" i="0" u="none" strike="noStrike">
+                          <a:solidFill>
+                            <a:srgbClr val="000000"/>
+                          </a:solidFill>
+                          <a:effectLst/>
+                          <a:latin typeface="Calibri" panose="020F0502020204030204" pitchFamily="34" charset="0"/>
+                        </a:rPr>
+                        <a:t>0.0000</a:t>
+                      </a:r>
+                    </a:p>
+                  </a:txBody>
+                  <a:tcPr marL="6350" marR="6350" marT="6350" marB="0" anchor="b"/>
+                </a:tc>
+                <a:extLst>
+                  <a:ext uri="{0D108BD9-81ED-4DB2-BD59-A6C34878D82A}">
+                    <a16:rowId xmlns:a16="http://schemas.microsoft.com/office/drawing/2014/main" xmlns="" val="10002"/>
+                  </a:ext>
+                </a:extLst>
+              </a:tr>
+              <a:tr h="302357">
+                <a:tc vMerge="1">
+                  <a:txBody>
+                    <a:bodyPr/>
+                    <a:lstStyle/>
+                    <a:p>
+                      <a:endParaRPr lang="en-US"/>
+                    </a:p>
+                  </a:txBody>
+                  <a:tcPr/>
+                </a:tc>
+                <a:tc>
+                  <a:txBody>
+                    <a:bodyPr/>
+                    <a:lstStyle/>
+                    <a:p>
+                      <a:pPr algn="l" fontAlgn="b"/>
+                      <a:r>
+                        <a:rPr lang="en-GB" sz="1600" b="0" i="0" u="none" strike="noStrike" dirty="0">
+                          <a:solidFill>
+                            <a:srgbClr val="000000"/>
+                          </a:solidFill>
+                          <a:effectLst/>
+                          <a:latin typeface="Calibri" panose="020F0502020204030204" pitchFamily="34" charset="0"/>
+                        </a:rPr>
+                        <a:t>grant01  </a:t>
+                      </a:r>
+                    </a:p>
+                  </a:txBody>
+                  <a:tcPr marL="6350" marR="6350" marT="6350" marB="0" anchor="b"/>
+                </a:tc>
+                <a:tc>
+                  <a:txBody>
+                    <a:bodyPr/>
+                    <a:lstStyle/>
+                    <a:p>
+                      <a:pPr algn="r" fontAlgn="b"/>
+                      <a:r>
+                        <a:rPr lang="en-GB" sz="1600" b="0" i="0" u="none" strike="noStrike">
+                          <a:solidFill>
+                            <a:srgbClr val="000000"/>
+                          </a:solidFill>
+                          <a:effectLst/>
+                          <a:latin typeface="Calibri" panose="020F0502020204030204" pitchFamily="34" charset="0"/>
+                        </a:rPr>
+                        <a:t>-0.2792</a:t>
+                      </a:r>
+                    </a:p>
+                  </a:txBody>
+                  <a:tcPr marL="6350" marR="6350" marT="6350" marB="0" anchor="b"/>
+                </a:tc>
+                <a:tc>
+                  <a:txBody>
+                    <a:bodyPr/>
+                    <a:lstStyle/>
+                    <a:p>
+                      <a:pPr algn="r" fontAlgn="b"/>
+                      <a:r>
+                        <a:rPr lang="en-GB" sz="1600" b="0" i="0" u="none" strike="noStrike">
+                          <a:solidFill>
+                            <a:srgbClr val="000000"/>
+                          </a:solidFill>
+                          <a:effectLst/>
+                          <a:latin typeface="Calibri" panose="020F0502020204030204" pitchFamily="34" charset="0"/>
+                        </a:rPr>
+                        <a:t>0.011</a:t>
+                      </a:r>
+                    </a:p>
+                  </a:txBody>
+                  <a:tcPr marL="6350" marR="6350" marT="6350" marB="0" anchor="b"/>
+                </a:tc>
+                <a:tc>
+                  <a:txBody>
+                    <a:bodyPr/>
+                    <a:lstStyle/>
+                    <a:p>
+                      <a:pPr algn="r" fontAlgn="b"/>
+                      <a:r>
+                        <a:rPr lang="en-GB" sz="1600" b="0" i="0" u="none" strike="noStrike">
+                          <a:solidFill>
+                            <a:srgbClr val="000000"/>
+                          </a:solidFill>
+                          <a:effectLst/>
+                          <a:latin typeface="Calibri" panose="020F0502020204030204" pitchFamily="34" charset="0"/>
+                        </a:rPr>
+                        <a:t>0.0000</a:t>
+                      </a:r>
+                    </a:p>
+                  </a:txBody>
+                  <a:tcPr marL="6350" marR="6350" marT="6350" marB="0" anchor="b"/>
+                </a:tc>
+                <a:extLst>
+                  <a:ext uri="{0D108BD9-81ED-4DB2-BD59-A6C34878D82A}">
+                    <a16:rowId xmlns:a16="http://schemas.microsoft.com/office/drawing/2014/main" xmlns="" val="10003"/>
+                  </a:ext>
+                </a:extLst>
+              </a:tr>
+              <a:tr h="302357">
+                <a:tc vMerge="1">
+                  <a:txBody>
+                    <a:bodyPr/>
+                    <a:lstStyle/>
+                    <a:p>
+                      <a:endParaRPr lang="en-US"/>
+                    </a:p>
+                  </a:txBody>
+                  <a:tcPr/>
+                </a:tc>
+                <a:tc>
+                  <a:txBody>
+                    <a:bodyPr/>
+                    <a:lstStyle/>
+                    <a:p>
+                      <a:pPr algn="l" fontAlgn="b"/>
+                      <a:r>
+                        <a:rPr lang="en-GB" sz="1600" b="0" i="0" u="none" strike="noStrike" dirty="0">
+                          <a:solidFill>
+                            <a:srgbClr val="000000"/>
+                          </a:solidFill>
+                          <a:effectLst/>
+                          <a:latin typeface="Calibri" panose="020F0502020204030204" pitchFamily="34" charset="0"/>
+                        </a:rPr>
+                        <a:t>auxiliary03   </a:t>
+                      </a:r>
+                    </a:p>
+                  </a:txBody>
+                  <a:tcPr marL="6350" marR="6350" marT="6350" marB="0" anchor="b"/>
+                </a:tc>
+                <a:tc>
+                  <a:txBody>
+                    <a:bodyPr/>
+                    <a:lstStyle/>
+                    <a:p>
+                      <a:pPr algn="r" fontAlgn="b"/>
+                      <a:r>
+                        <a:rPr lang="en-GB" sz="1600" b="0" i="0" u="none" strike="noStrike" dirty="0">
+                          <a:solidFill>
+                            <a:srgbClr val="000000"/>
+                          </a:solidFill>
+                          <a:effectLst/>
+                          <a:latin typeface="Calibri" panose="020F0502020204030204" pitchFamily="34" charset="0"/>
+                        </a:rPr>
+                        <a:t>0.1442</a:t>
+                      </a:r>
+                    </a:p>
+                  </a:txBody>
+                  <a:tcPr marL="6350" marR="6350" marT="6350" marB="0" anchor="b"/>
+                </a:tc>
+                <a:tc>
+                  <a:txBody>
+                    <a:bodyPr/>
+                    <a:lstStyle/>
+                    <a:p>
+                      <a:pPr algn="r" fontAlgn="b"/>
+                      <a:r>
+                        <a:rPr lang="en-GB" sz="1600" b="0" i="0" u="none" strike="noStrike" dirty="0">
+                          <a:solidFill>
+                            <a:srgbClr val="000000"/>
+                          </a:solidFill>
+                          <a:effectLst/>
+                          <a:latin typeface="Calibri" panose="020F0502020204030204" pitchFamily="34" charset="0"/>
+                        </a:rPr>
+                        <a:t>0.01</a:t>
+                      </a:r>
+                    </a:p>
+                  </a:txBody>
+                  <a:tcPr marL="6350" marR="6350" marT="6350" marB="0" anchor="b"/>
+                </a:tc>
+                <a:tc>
+                  <a:txBody>
+                    <a:bodyPr/>
+                    <a:lstStyle/>
+                    <a:p>
+                      <a:pPr algn="r" fontAlgn="b"/>
+                      <a:r>
+                        <a:rPr lang="en-GB" sz="1600" b="0" i="0" u="none" strike="noStrike">
+                          <a:solidFill>
+                            <a:srgbClr val="000000"/>
+                          </a:solidFill>
+                          <a:effectLst/>
+                          <a:latin typeface="Calibri" panose="020F0502020204030204" pitchFamily="34" charset="0"/>
+                        </a:rPr>
+                        <a:t>0.0000</a:t>
+                      </a:r>
+                    </a:p>
+                  </a:txBody>
+                  <a:tcPr marL="6350" marR="6350" marT="6350" marB="0" anchor="b"/>
+                </a:tc>
+                <a:extLst>
+                  <a:ext uri="{0D108BD9-81ED-4DB2-BD59-A6C34878D82A}">
+                    <a16:rowId xmlns:a16="http://schemas.microsoft.com/office/drawing/2014/main" xmlns="" val="10004"/>
+                  </a:ext>
+                </a:extLst>
+              </a:tr>
+              <a:tr h="302357">
+                <a:tc vMerge="1">
+                  <a:txBody>
+                    <a:bodyPr/>
+                    <a:lstStyle/>
+                    <a:p>
+                      <a:endParaRPr lang="en-US"/>
+                    </a:p>
+                  </a:txBody>
+                  <a:tcPr/>
+                </a:tc>
+                <a:tc>
+                  <a:txBody>
+                    <a:bodyPr/>
+                    <a:lstStyle/>
+                    <a:p>
+                      <a:pPr algn="l" fontAlgn="b"/>
+                      <a:r>
+                        <a:rPr lang="en-GB" sz="1600" b="0" i="0" u="none" strike="noStrike" dirty="0">
+                          <a:solidFill>
+                            <a:srgbClr val="000000"/>
+                          </a:solidFill>
+                          <a:effectLst/>
+                          <a:latin typeface="Calibri" panose="020F0502020204030204" pitchFamily="34" charset="0"/>
+                        </a:rPr>
+                        <a:t>eandg02        </a:t>
+                      </a:r>
+                    </a:p>
+                  </a:txBody>
+                  <a:tcPr marL="6350" marR="6350" marT="6350" marB="0" anchor="b"/>
+                </a:tc>
+                <a:tc>
+                  <a:txBody>
+                    <a:bodyPr/>
+                    <a:lstStyle/>
+                    <a:p>
+                      <a:pPr algn="r" fontAlgn="b"/>
+                      <a:r>
+                        <a:rPr lang="en-GB" sz="1600" b="0" i="0" u="none" strike="noStrike" dirty="0">
+                          <a:solidFill>
+                            <a:srgbClr val="000000"/>
+                          </a:solidFill>
+                          <a:effectLst/>
+                          <a:latin typeface="Calibri" panose="020F0502020204030204" pitchFamily="34" charset="0"/>
+                        </a:rPr>
+                        <a:t>0.1762</a:t>
+                      </a:r>
+                    </a:p>
+                  </a:txBody>
+                  <a:tcPr marL="6350" marR="6350" marT="6350" marB="0" anchor="b"/>
+                </a:tc>
+                <a:tc>
+                  <a:txBody>
+                    <a:bodyPr/>
+                    <a:lstStyle/>
+                    <a:p>
+                      <a:pPr algn="r" fontAlgn="b"/>
+                      <a:r>
+                        <a:rPr lang="en-GB" sz="1600" b="0" i="0" u="none" strike="noStrike" dirty="0">
+                          <a:solidFill>
+                            <a:srgbClr val="000000"/>
+                          </a:solidFill>
+                          <a:effectLst/>
+                          <a:latin typeface="Calibri" panose="020F0502020204030204" pitchFamily="34" charset="0"/>
+                        </a:rPr>
+                        <a:t>0.0099</a:t>
+                      </a:r>
+                    </a:p>
+                  </a:txBody>
+                  <a:tcPr marL="6350" marR="6350" marT="6350" marB="0" anchor="b"/>
+                </a:tc>
+                <a:tc>
+                  <a:txBody>
+                    <a:bodyPr/>
+                    <a:lstStyle/>
+                    <a:p>
+                      <a:pPr algn="r" fontAlgn="b"/>
+                      <a:r>
+                        <a:rPr lang="en-GB" sz="1600" b="0" i="0" u="none" strike="noStrike" dirty="0">
+                          <a:solidFill>
+                            <a:srgbClr val="000000"/>
+                          </a:solidFill>
+                          <a:effectLst/>
+                          <a:latin typeface="Calibri" panose="020F0502020204030204" pitchFamily="34" charset="0"/>
+                        </a:rPr>
+                        <a:t>0.0000</a:t>
+                      </a:r>
+                    </a:p>
+                  </a:txBody>
+                  <a:tcPr marL="6350" marR="6350" marT="6350" marB="0" anchor="b"/>
+                </a:tc>
+                <a:extLst>
+                  <a:ext uri="{0D108BD9-81ED-4DB2-BD59-A6C34878D82A}">
+                    <a16:rowId xmlns:a16="http://schemas.microsoft.com/office/drawing/2014/main" xmlns="" val="10005"/>
+                  </a:ext>
+                </a:extLst>
+              </a:tr>
+              <a:tr h="302357">
+                <a:tc rowSpan="5">
+                  <a:txBody>
+                    <a:bodyPr/>
+                    <a:lstStyle/>
+                    <a:p>
+                      <a:pPr algn="ctr" fontAlgn="ctr"/>
+                      <a:r>
+                        <a:rPr lang="en-US" sz="1600" b="1" u="none" strike="noStrike" dirty="0">
+                          <a:effectLst/>
+                        </a:rPr>
+                        <a:t>Bachelor's Degrees per FTE</a:t>
+                      </a:r>
+                      <a:endParaRPr lang="en-US" sz="1600" b="1" i="0" u="none" strike="noStrike" dirty="0">
+                        <a:solidFill>
+                          <a:srgbClr val="000000"/>
+                        </a:solidFill>
+                        <a:effectLst/>
+                        <a:latin typeface="Calibri" charset="0"/>
+                      </a:endParaRPr>
+                    </a:p>
+                  </a:txBody>
+                  <a:tcPr marL="2812" marR="2812" marT="2812" marB="0" anchor="ctr"/>
+                </a:tc>
+                <a:tc>
+                  <a:txBody>
+                    <a:bodyPr/>
+                    <a:lstStyle/>
+                    <a:p>
+                      <a:pPr algn="l" fontAlgn="b"/>
+                      <a:endParaRPr lang="en-US" sz="1600" b="0" i="0" u="none" strike="noStrike" dirty="0">
+                        <a:solidFill>
+                          <a:srgbClr val="000000"/>
+                        </a:solidFill>
+                        <a:effectLst/>
+                        <a:latin typeface="Calibri" charset="0"/>
+                      </a:endParaRPr>
+                    </a:p>
+                  </a:txBody>
+                  <a:tcPr marL="2812" marR="2812" marT="2812" marB="0" anchor="b"/>
+                </a:tc>
+                <a:tc>
+                  <a:txBody>
+                    <a:bodyPr/>
+                    <a:lstStyle/>
+                    <a:p>
+                      <a:pPr algn="r" fontAlgn="b"/>
+                      <a:endParaRPr lang="mr-IN" sz="1600" b="0" i="0" u="none" strike="noStrike" dirty="0">
+                        <a:solidFill>
+                          <a:srgbClr val="000000"/>
+                        </a:solidFill>
+                        <a:effectLst/>
+                        <a:latin typeface="Lucida Grande" charset="0"/>
+                      </a:endParaRPr>
+                    </a:p>
+                  </a:txBody>
+                  <a:tcPr marL="2812" marR="2812" marT="2812" marB="0" anchor="b"/>
+                </a:tc>
+                <a:tc>
+                  <a:txBody>
+                    <a:bodyPr/>
+                    <a:lstStyle/>
+                    <a:p>
+                      <a:pPr algn="r" fontAlgn="b"/>
+                      <a:endParaRPr lang="mr-IN" sz="1600" b="0" i="0" u="none" strike="noStrike">
+                        <a:solidFill>
+                          <a:srgbClr val="000000"/>
+                        </a:solidFill>
+                        <a:effectLst/>
+                        <a:latin typeface="Lucida Grande" charset="0"/>
+                      </a:endParaRPr>
+                    </a:p>
+                  </a:txBody>
+                  <a:tcPr marL="2812" marR="2812" marT="2812" marB="0" anchor="b"/>
+                </a:tc>
+                <a:tc>
+                  <a:txBody>
+                    <a:bodyPr/>
+                    <a:lstStyle/>
+                    <a:p>
+                      <a:pPr algn="r" fontAlgn="b"/>
+                      <a:endParaRPr lang="is-IS" sz="1600" b="0" i="0" u="none" strike="noStrike">
+                        <a:solidFill>
+                          <a:srgbClr val="000000"/>
+                        </a:solidFill>
+                        <a:effectLst/>
+                        <a:latin typeface="Lucida Grande" charset="0"/>
+                      </a:endParaRPr>
+                    </a:p>
+                  </a:txBody>
+                  <a:tcPr marL="2812" marR="2812" marT="2812" marB="0" anchor="b"/>
+                </a:tc>
+                <a:extLst>
+                  <a:ext uri="{0D108BD9-81ED-4DB2-BD59-A6C34878D82A}">
+                    <a16:rowId xmlns:a16="http://schemas.microsoft.com/office/drawing/2014/main" xmlns="" val="10006"/>
+                  </a:ext>
+                </a:extLst>
+              </a:tr>
+              <a:tr h="302357">
+                <a:tc vMerge="1">
+                  <a:txBody>
+                    <a:bodyPr/>
+                    <a:lstStyle/>
+                    <a:p>
+                      <a:pPr algn="ctr" fontAlgn="ctr"/>
+                      <a:endParaRPr lang="en-US" sz="1600" b="1" i="0" u="none" strike="noStrike" dirty="0">
+                        <a:solidFill>
+                          <a:srgbClr val="000000"/>
+                        </a:solidFill>
+                        <a:effectLst/>
+                        <a:latin typeface="Calibri" charset="0"/>
+                      </a:endParaRPr>
+                    </a:p>
+                  </a:txBody>
+                  <a:tcPr marL="2812" marR="2812" marT="2812" marB="0" anchor="ctr"/>
+                </a:tc>
+                <a:tc>
+                  <a:txBody>
+                    <a:bodyPr/>
+                    <a:lstStyle/>
+                    <a:p>
+                      <a:pPr algn="l" fontAlgn="b"/>
+                      <a:endParaRPr lang="en-US" sz="1600" b="0" i="0" u="none" strike="noStrike" dirty="0">
+                        <a:solidFill>
+                          <a:schemeClr val="accent6">
+                            <a:lumMod val="75000"/>
+                          </a:schemeClr>
+                        </a:solidFill>
+                        <a:effectLst/>
+                        <a:latin typeface="Calibri" charset="0"/>
+                      </a:endParaRPr>
+                    </a:p>
+                  </a:txBody>
+                  <a:tcPr marL="2812" marR="2812" marT="2812" marB="0" anchor="b"/>
+                </a:tc>
+                <a:tc>
+                  <a:txBody>
+                    <a:bodyPr/>
+                    <a:lstStyle/>
+                    <a:p>
+                      <a:pPr algn="r" fontAlgn="b"/>
+                      <a:endParaRPr lang="mr-IN" sz="1600" b="0" i="0" u="none" strike="noStrike" dirty="0">
+                        <a:solidFill>
+                          <a:schemeClr val="accent6">
+                            <a:lumMod val="75000"/>
+                          </a:schemeClr>
+                        </a:solidFill>
+                        <a:effectLst/>
+                        <a:latin typeface="Lucida Grande" charset="0"/>
+                      </a:endParaRPr>
+                    </a:p>
+                  </a:txBody>
+                  <a:tcPr marL="2812" marR="2812" marT="2812" marB="0" anchor="b"/>
+                </a:tc>
+                <a:tc>
+                  <a:txBody>
+                    <a:bodyPr/>
+                    <a:lstStyle/>
+                    <a:p>
+                      <a:pPr algn="r" fontAlgn="b"/>
+                      <a:endParaRPr lang="mr-IN" sz="1600" b="0" i="0" u="none" strike="noStrike" dirty="0">
+                        <a:solidFill>
+                          <a:schemeClr val="accent6">
+                            <a:lumMod val="75000"/>
+                          </a:schemeClr>
+                        </a:solidFill>
+                        <a:effectLst/>
+                        <a:latin typeface="Lucida Grande" charset="0"/>
+                      </a:endParaRPr>
+                    </a:p>
+                  </a:txBody>
+                  <a:tcPr marL="2812" marR="2812" marT="2812" marB="0" anchor="b"/>
+                </a:tc>
+                <a:tc>
+                  <a:txBody>
+                    <a:bodyPr/>
+                    <a:lstStyle/>
+                    <a:p>
+                      <a:pPr algn="r" fontAlgn="b"/>
+                      <a:endParaRPr lang="en-US" sz="1600" b="0" i="0" u="none" strike="noStrike" dirty="0">
+                        <a:solidFill>
+                          <a:schemeClr val="accent6">
+                            <a:lumMod val="75000"/>
+                          </a:schemeClr>
+                        </a:solidFill>
+                        <a:effectLst/>
+                        <a:latin typeface="Lucida Grande" charset="0"/>
+                      </a:endParaRPr>
+                    </a:p>
+                  </a:txBody>
+                  <a:tcPr marL="2812" marR="2812" marT="2812" marB="0" anchor="b"/>
+                </a:tc>
+                <a:extLst>
+                  <a:ext uri="{0D108BD9-81ED-4DB2-BD59-A6C34878D82A}">
+                    <a16:rowId xmlns:a16="http://schemas.microsoft.com/office/drawing/2014/main" xmlns="" val="10007"/>
+                  </a:ext>
+                </a:extLst>
+              </a:tr>
+              <a:tr h="302357">
+                <a:tc vMerge="1">
+                  <a:txBody>
+                    <a:bodyPr/>
+                    <a:lstStyle/>
+                    <a:p>
+                      <a:pPr algn="ctr" fontAlgn="ctr"/>
+                      <a:endParaRPr lang="en-US" sz="1600" b="1" i="0" u="none" strike="noStrike" dirty="0">
+                        <a:solidFill>
+                          <a:srgbClr val="000000"/>
+                        </a:solidFill>
+                        <a:effectLst/>
+                        <a:latin typeface="Calibri" charset="0"/>
+                      </a:endParaRPr>
+                    </a:p>
+                  </a:txBody>
+                  <a:tcPr marL="2812" marR="2812" marT="2812" marB="0" anchor="ctr"/>
+                </a:tc>
+                <a:tc>
+                  <a:txBody>
+                    <a:bodyPr/>
+                    <a:lstStyle/>
+                    <a:p>
+                      <a:pPr algn="l" fontAlgn="b"/>
+                      <a:endParaRPr lang="en-US" sz="1600" b="0" i="0" u="none" strike="noStrike" dirty="0">
+                        <a:solidFill>
+                          <a:srgbClr val="FF0000"/>
+                        </a:solidFill>
+                        <a:effectLst/>
+                        <a:latin typeface="Calibri" charset="0"/>
+                      </a:endParaRPr>
+                    </a:p>
+                  </a:txBody>
+                  <a:tcPr marL="2812" marR="2812" marT="2812" marB="0" anchor="b"/>
+                </a:tc>
+                <a:tc>
+                  <a:txBody>
+                    <a:bodyPr/>
+                    <a:lstStyle/>
+                    <a:p>
+                      <a:pPr algn="r" fontAlgn="b"/>
+                      <a:endParaRPr lang="mr-IN" sz="1600" b="0" i="0" u="none" strike="noStrike" dirty="0">
+                        <a:solidFill>
+                          <a:srgbClr val="FF0000"/>
+                        </a:solidFill>
+                        <a:effectLst/>
+                        <a:latin typeface="Lucida Grande" charset="0"/>
+                      </a:endParaRPr>
+                    </a:p>
+                  </a:txBody>
+                  <a:tcPr marL="2812" marR="2812" marT="2812" marB="0" anchor="b"/>
+                </a:tc>
+                <a:tc>
+                  <a:txBody>
+                    <a:bodyPr/>
+                    <a:lstStyle/>
+                    <a:p>
+                      <a:pPr algn="r" fontAlgn="b"/>
+                      <a:endParaRPr lang="mr-IN" sz="1600" b="0" i="0" u="none" strike="noStrike" dirty="0">
+                        <a:solidFill>
+                          <a:srgbClr val="FF0000"/>
+                        </a:solidFill>
+                        <a:effectLst/>
+                        <a:latin typeface="Lucida Grande" charset="0"/>
+                      </a:endParaRPr>
+                    </a:p>
+                  </a:txBody>
+                  <a:tcPr marL="2812" marR="2812" marT="2812" marB="0" anchor="b"/>
+                </a:tc>
+                <a:tc>
+                  <a:txBody>
+                    <a:bodyPr/>
+                    <a:lstStyle/>
+                    <a:p>
+                      <a:pPr algn="r" fontAlgn="b"/>
+                      <a:endParaRPr lang="is-IS" sz="1600" b="0" i="0" u="none" strike="noStrike" dirty="0">
+                        <a:solidFill>
+                          <a:srgbClr val="FF0000"/>
+                        </a:solidFill>
+                        <a:effectLst/>
+                        <a:latin typeface="Lucida Grande" charset="0"/>
+                      </a:endParaRPr>
+                    </a:p>
+                  </a:txBody>
+                  <a:tcPr marL="2812" marR="2812" marT="2812" marB="0" anchor="b"/>
+                </a:tc>
+                <a:extLst>
+                  <a:ext uri="{0D108BD9-81ED-4DB2-BD59-A6C34878D82A}">
+                    <a16:rowId xmlns:a16="http://schemas.microsoft.com/office/drawing/2014/main" xmlns="" val="10008"/>
+                  </a:ext>
+                </a:extLst>
+              </a:tr>
+              <a:tr h="302357">
+                <a:tc vMerge="1">
+                  <a:txBody>
+                    <a:bodyPr/>
+                    <a:lstStyle/>
+                    <a:p>
+                      <a:pPr algn="ctr" fontAlgn="ctr"/>
+                      <a:endParaRPr lang="en-US" sz="1600" b="1" i="0" u="none" strike="noStrike" dirty="0">
+                        <a:solidFill>
+                          <a:srgbClr val="000000"/>
+                        </a:solidFill>
+                        <a:effectLst/>
+                        <a:latin typeface="Calibri" charset="0"/>
+                      </a:endParaRPr>
+                    </a:p>
+                  </a:txBody>
+                  <a:tcPr marL="2812" marR="2812" marT="2812" marB="0" anchor="ctr"/>
+                </a:tc>
+                <a:tc>
+                  <a:txBody>
+                    <a:bodyPr/>
+                    <a:lstStyle/>
+                    <a:p>
+                      <a:pPr algn="l" fontAlgn="b"/>
+                      <a:endParaRPr lang="en-US" sz="1600" b="0" i="0" u="none" strike="noStrike" dirty="0">
+                        <a:solidFill>
+                          <a:srgbClr val="000000"/>
+                        </a:solidFill>
+                        <a:effectLst/>
+                        <a:latin typeface="Calibri" charset="0"/>
+                      </a:endParaRPr>
+                    </a:p>
+                  </a:txBody>
+                  <a:tcPr marL="2812" marR="2812" marT="2812" marB="0" anchor="b"/>
+                </a:tc>
+                <a:tc>
+                  <a:txBody>
+                    <a:bodyPr/>
+                    <a:lstStyle/>
+                    <a:p>
+                      <a:pPr algn="r" fontAlgn="b"/>
+                      <a:endParaRPr lang="mr-IN" sz="1600" b="0" i="0" u="none" strike="noStrike" dirty="0">
+                        <a:solidFill>
+                          <a:srgbClr val="000000"/>
+                        </a:solidFill>
+                        <a:effectLst/>
+                        <a:latin typeface="Lucida Grande" charset="0"/>
+                      </a:endParaRPr>
+                    </a:p>
+                  </a:txBody>
+                  <a:tcPr marL="2812" marR="2812" marT="2812" marB="0" anchor="b"/>
+                </a:tc>
+                <a:tc>
+                  <a:txBody>
+                    <a:bodyPr/>
+                    <a:lstStyle/>
+                    <a:p>
+                      <a:pPr algn="r" fontAlgn="b"/>
+                      <a:endParaRPr lang="mr-IN" sz="1600" b="0" i="0" u="none" strike="noStrike" dirty="0">
+                        <a:solidFill>
+                          <a:srgbClr val="000000"/>
+                        </a:solidFill>
+                        <a:effectLst/>
+                        <a:latin typeface="Lucida Grande" charset="0"/>
+                      </a:endParaRPr>
+                    </a:p>
+                  </a:txBody>
+                  <a:tcPr marL="2812" marR="2812" marT="2812" marB="0" anchor="b"/>
+                </a:tc>
+                <a:tc>
+                  <a:txBody>
+                    <a:bodyPr/>
+                    <a:lstStyle/>
+                    <a:p>
+                      <a:pPr algn="r" fontAlgn="b"/>
+                      <a:endParaRPr lang="nb-NO" sz="1600" b="0" i="0" u="none" strike="noStrike" dirty="0">
+                        <a:solidFill>
+                          <a:srgbClr val="000000"/>
+                        </a:solidFill>
+                        <a:effectLst/>
+                        <a:latin typeface="Lucida Grande" charset="0"/>
+                      </a:endParaRPr>
+                    </a:p>
+                  </a:txBody>
+                  <a:tcPr marL="2812" marR="2812" marT="2812" marB="0" anchor="b"/>
+                </a:tc>
+                <a:extLst>
+                  <a:ext uri="{0D108BD9-81ED-4DB2-BD59-A6C34878D82A}">
+                    <a16:rowId xmlns:a16="http://schemas.microsoft.com/office/drawing/2014/main" xmlns="" val="10009"/>
+                  </a:ext>
+                </a:extLst>
+              </a:tr>
+              <a:tr h="302357">
+                <a:tc vMerge="1">
+                  <a:txBody>
+                    <a:bodyPr/>
+                    <a:lstStyle/>
+                    <a:p>
+                      <a:pPr algn="ctr" fontAlgn="ctr"/>
+                      <a:endParaRPr lang="en-US" sz="1600" b="1" i="0" u="none" strike="noStrike" dirty="0">
+                        <a:solidFill>
+                          <a:srgbClr val="000000"/>
+                        </a:solidFill>
+                        <a:effectLst/>
+                        <a:latin typeface="Calibri" charset="0"/>
+                      </a:endParaRPr>
+                    </a:p>
+                  </a:txBody>
+                  <a:tcPr marL="2812" marR="2812" marT="2812" marB="0" anchor="ctr"/>
+                </a:tc>
+                <a:tc>
+                  <a:txBody>
+                    <a:bodyPr/>
+                    <a:lstStyle/>
+                    <a:p>
+                      <a:pPr algn="l" fontAlgn="b"/>
+                      <a:endParaRPr lang="en-US" sz="1600" b="0" i="0" u="none" strike="noStrike" dirty="0">
+                        <a:solidFill>
+                          <a:srgbClr val="000000"/>
+                        </a:solidFill>
+                        <a:effectLst/>
+                        <a:latin typeface="Calibri" charset="0"/>
+                      </a:endParaRPr>
+                    </a:p>
+                  </a:txBody>
+                  <a:tcPr marL="2812" marR="2812" marT="2812" marB="0" anchor="b"/>
+                </a:tc>
+                <a:tc>
+                  <a:txBody>
+                    <a:bodyPr/>
+                    <a:lstStyle/>
+                    <a:p>
+                      <a:pPr algn="r" fontAlgn="b"/>
+                      <a:endParaRPr lang="mr-IN" sz="1600" b="0" i="0" u="none" strike="noStrike" dirty="0">
+                        <a:solidFill>
+                          <a:srgbClr val="000000"/>
+                        </a:solidFill>
+                        <a:effectLst/>
+                        <a:latin typeface="Lucida Grande" charset="0"/>
+                      </a:endParaRPr>
+                    </a:p>
+                  </a:txBody>
+                  <a:tcPr marL="2812" marR="2812" marT="2812" marB="0" anchor="b"/>
+                </a:tc>
+                <a:tc>
+                  <a:txBody>
+                    <a:bodyPr/>
+                    <a:lstStyle/>
+                    <a:p>
+                      <a:pPr algn="r" fontAlgn="b"/>
+                      <a:endParaRPr lang="mr-IN" sz="1600" b="0" i="0" u="none" strike="noStrike" dirty="0">
+                        <a:solidFill>
+                          <a:srgbClr val="000000"/>
+                        </a:solidFill>
+                        <a:effectLst/>
+                        <a:latin typeface="Lucida Grande" charset="0"/>
+                      </a:endParaRPr>
+                    </a:p>
+                  </a:txBody>
+                  <a:tcPr marL="2812" marR="2812" marT="2812" marB="0" anchor="b"/>
+                </a:tc>
+                <a:tc>
+                  <a:txBody>
+                    <a:bodyPr/>
+                    <a:lstStyle/>
+                    <a:p>
+                      <a:pPr algn="r" fontAlgn="b"/>
+                      <a:endParaRPr lang="is-IS" sz="1600" b="0" i="0" u="none" strike="noStrike" dirty="0">
+                        <a:solidFill>
+                          <a:srgbClr val="000000"/>
+                        </a:solidFill>
+                        <a:effectLst/>
+                        <a:latin typeface="Lucida Grande" charset="0"/>
+                      </a:endParaRPr>
+                    </a:p>
+                  </a:txBody>
+                  <a:tcPr marL="2812" marR="2812" marT="2812" marB="0" anchor="b"/>
+                </a:tc>
+                <a:extLst>
+                  <a:ext uri="{0D108BD9-81ED-4DB2-BD59-A6C34878D82A}">
+                    <a16:rowId xmlns:a16="http://schemas.microsoft.com/office/drawing/2014/main" xmlns="" val="10010"/>
+                  </a:ext>
+                </a:extLst>
+              </a:tr>
+            </a:tbl>
+          </a:graphicData>
+        </a:graphic>
+      </p:graphicFrame>
+    </p:spTree>
+    <p:extLst>
+      <p:ext uri="{BB962C8B-B14F-4D97-AF65-F5344CB8AC3E}">
+        <p14:creationId xmlns:p14="http://schemas.microsoft.com/office/powerpoint/2010/main" val="263541384"/>
+      </p:ext>
+    </p:extLst>
+  </p:cSld>
+  <p:clrMapOvr>
+    <a:masterClrMapping/>
+  </p:clrMapOvr>
+</p:sld>
+</file>
+
+<file path=ppt/slides/slide15.xml><?xml version="1.0" encoding="utf-8"?>
+<p:sld xmlns:a="http://schemas.openxmlformats.org/drawingml/2006/main" xmlns:r="http://schemas.openxmlformats.org/officeDocument/2006/relationships" xmlns:p="http://schemas.openxmlformats.org/presentationml/2006/main">
+  <p:cSld>
+    <p:spTree>
+      <p:nvGrpSpPr>
+        <p:cNvPr id="1" name=""/>
+        <p:cNvGrpSpPr/>
+        <p:nvPr/>
+      </p:nvGrpSpPr>
+      <p:grpSpPr>
+        <a:xfrm>
+          <a:off x="0" y="0"/>
+          <a:ext cx="0" cy="0"/>
+          <a:chOff x="0" y="0"/>
+          <a:chExt cx="0" cy="0"/>
+        </a:xfrm>
+      </p:grpSpPr>
+      <p:sp>
+        <p:nvSpPr>
+          <p:cNvPr id="2" name="Title 1">
+            <a:extLst>
+              <a:ext uri="{FF2B5EF4-FFF2-40B4-BE49-F238E27FC236}">
+                <a16:creationId xmlns:a16="http://schemas.microsoft.com/office/drawing/2014/main" xmlns="" id="{7703A585-CB34-4847-AABD-D8BF1C39D16B}"/>
+              </a:ext>
+            </a:extLst>
+          </p:cNvPr>
+          <p:cNvSpPr>
+            <a:spLocks noGrp="1"/>
+          </p:cNvSpPr>
+          <p:nvPr>
+            <p:ph type="title"/>
+          </p:nvPr>
+        </p:nvSpPr>
+        <p:spPr/>
+        <p:txBody>
+          <a:bodyPr/>
+          <a:lstStyle/>
+          <a:p>
+            <a:r>
+              <a:rPr lang="en-US" dirty="0"/>
               <a:t>Approach 1 vs 2</a:t>
             </a:r>
             <a:endParaRPr lang="en-GB" dirty="0"/>
@@ -6155,7 +7933,7 @@
           <p:cNvPr id="3" name="Content Placeholder 2">
             <a:extLst>
               <a:ext uri="{FF2B5EF4-FFF2-40B4-BE49-F238E27FC236}">
-                <a16:creationId xmlns:a16="http://schemas.microsoft.com/office/drawing/2014/main" id="{65C12D36-4D81-4990-B646-20709CA0D106}"/>
+                <a16:creationId xmlns:a16="http://schemas.microsoft.com/office/drawing/2014/main" xmlns="" id="{65C12D36-4D81-4990-B646-20709CA0D106}"/>
               </a:ext>
             </a:extLst>
           </p:cNvPr>
@@ -6355,21 +8133,21 @@
                 <a:gridCol w="1307104">
                   <a:extLst>
                     <a:ext uri="{9D8B030D-6E8A-4147-A177-3AD203B41FA5}">
-                      <a16:colId xmlns:a16="http://schemas.microsoft.com/office/drawing/2014/main" val="20000"/>
+                      <a16:colId xmlns:a16="http://schemas.microsoft.com/office/drawing/2014/main" xmlns="" val="20000"/>
                     </a:ext>
                   </a:extLst>
                 </a:gridCol>
                 <a:gridCol w="1622611">
                   <a:extLst>
                     <a:ext uri="{9D8B030D-6E8A-4147-A177-3AD203B41FA5}">
-                      <a16:colId xmlns:a16="http://schemas.microsoft.com/office/drawing/2014/main" val="20001"/>
+                      <a16:colId xmlns:a16="http://schemas.microsoft.com/office/drawing/2014/main" xmlns="" val="20001"/>
                     </a:ext>
                   </a:extLst>
                 </a:gridCol>
                 <a:gridCol w="1667684">
                   <a:extLst>
                     <a:ext uri="{9D8B030D-6E8A-4147-A177-3AD203B41FA5}">
-                      <a16:colId xmlns:a16="http://schemas.microsoft.com/office/drawing/2014/main" val="20002"/>
+                      <a16:colId xmlns:a16="http://schemas.microsoft.com/office/drawing/2014/main" xmlns="" val="20002"/>
                     </a:ext>
                   </a:extLst>
                 </a:gridCol>
@@ -6440,7 +8218,7 @@
                 </a:tc>
                 <a:extLst>
                   <a:ext uri="{0D108BD9-81ED-4DB2-BD59-A6C34878D82A}">
-                    <a16:rowId xmlns:a16="http://schemas.microsoft.com/office/drawing/2014/main" val="10000"/>
+                    <a16:rowId xmlns:a16="http://schemas.microsoft.com/office/drawing/2014/main" xmlns="" val="10000"/>
                   </a:ext>
                 </a:extLst>
               </a:tr>
@@ -6516,7 +8294,7 @@
                 </a:tc>
                 <a:extLst>
                   <a:ext uri="{0D108BD9-81ED-4DB2-BD59-A6C34878D82A}">
-                    <a16:rowId xmlns:a16="http://schemas.microsoft.com/office/drawing/2014/main" val="10001"/>
+                    <a16:rowId xmlns:a16="http://schemas.microsoft.com/office/drawing/2014/main" xmlns="" val="10001"/>
                   </a:ext>
                 </a:extLst>
               </a:tr>
@@ -6592,7 +8370,7 @@
                 </a:tc>
                 <a:extLst>
                   <a:ext uri="{0D108BD9-81ED-4DB2-BD59-A6C34878D82A}">
-                    <a16:rowId xmlns:a16="http://schemas.microsoft.com/office/drawing/2014/main" val="10002"/>
+                    <a16:rowId xmlns:a16="http://schemas.microsoft.com/office/drawing/2014/main" xmlns="" val="10002"/>
                   </a:ext>
                 </a:extLst>
               </a:tr>
@@ -6668,7 +8446,7 @@
                 </a:tc>
                 <a:extLst>
                   <a:ext uri="{0D108BD9-81ED-4DB2-BD59-A6C34878D82A}">
-                    <a16:rowId xmlns:a16="http://schemas.microsoft.com/office/drawing/2014/main" val="10003"/>
+                    <a16:rowId xmlns:a16="http://schemas.microsoft.com/office/drawing/2014/main" xmlns="" val="10003"/>
                   </a:ext>
                 </a:extLst>
               </a:tr>
@@ -6996,14 +8774,14 @@
                 <a:gridCol w="1676870">
                   <a:extLst>
                     <a:ext uri="{9D8B030D-6E8A-4147-A177-3AD203B41FA5}">
-                      <a16:colId xmlns:a16="http://schemas.microsoft.com/office/drawing/2014/main" val="20000"/>
+                      <a16:colId xmlns:a16="http://schemas.microsoft.com/office/drawing/2014/main" xmlns="" val="20000"/>
                     </a:ext>
                   </a:extLst>
                 </a:gridCol>
                 <a:gridCol w="3663480">
                   <a:extLst>
                     <a:ext uri="{9D8B030D-6E8A-4147-A177-3AD203B41FA5}">
-                      <a16:colId xmlns:a16="http://schemas.microsoft.com/office/drawing/2014/main" val="20001"/>
+                      <a16:colId xmlns:a16="http://schemas.microsoft.com/office/drawing/2014/main" xmlns="" val="20001"/>
                     </a:ext>
                   </a:extLst>
                 </a:gridCol>
@@ -7057,7 +8835,7 @@
                 </a:tc>
                 <a:extLst>
                   <a:ext uri="{0D108BD9-81ED-4DB2-BD59-A6C34878D82A}">
-                    <a16:rowId xmlns:a16="http://schemas.microsoft.com/office/drawing/2014/main" val="10000"/>
+                    <a16:rowId xmlns:a16="http://schemas.microsoft.com/office/drawing/2014/main" xmlns="" val="10000"/>
                   </a:ext>
                 </a:extLst>
               </a:tr>
@@ -7097,7 +8875,7 @@
                 </a:tc>
                 <a:extLst>
                   <a:ext uri="{0D108BD9-81ED-4DB2-BD59-A6C34878D82A}">
-                    <a16:rowId xmlns:a16="http://schemas.microsoft.com/office/drawing/2014/main" val="10001"/>
+                    <a16:rowId xmlns:a16="http://schemas.microsoft.com/office/drawing/2014/main" xmlns="" val="10001"/>
                   </a:ext>
                 </a:extLst>
               </a:tr>
@@ -7150,7 +8928,7 @@
                 </a:tc>
                 <a:extLst>
                   <a:ext uri="{0D108BD9-81ED-4DB2-BD59-A6C34878D82A}">
-                    <a16:rowId xmlns:a16="http://schemas.microsoft.com/office/drawing/2014/main" val="10002"/>
+                    <a16:rowId xmlns:a16="http://schemas.microsoft.com/office/drawing/2014/main" xmlns="" val="10002"/>
                   </a:ext>
                 </a:extLst>
               </a:tr>
@@ -7190,7 +8968,7 @@
                 </a:tc>
                 <a:extLst>
                   <a:ext uri="{0D108BD9-81ED-4DB2-BD59-A6C34878D82A}">
-                    <a16:rowId xmlns:a16="http://schemas.microsoft.com/office/drawing/2014/main" val="10003"/>
+                    <a16:rowId xmlns:a16="http://schemas.microsoft.com/office/drawing/2014/main" xmlns="" val="10003"/>
                   </a:ext>
                 </a:extLst>
               </a:tr>
@@ -7230,7 +9008,7 @@
                 </a:tc>
                 <a:extLst>
                   <a:ext uri="{0D108BD9-81ED-4DB2-BD59-A6C34878D82A}">
-                    <a16:rowId xmlns:a16="http://schemas.microsoft.com/office/drawing/2014/main" val="10004"/>
+                    <a16:rowId xmlns:a16="http://schemas.microsoft.com/office/drawing/2014/main" xmlns="" val="10004"/>
                   </a:ext>
                 </a:extLst>
               </a:tr>
@@ -7270,7 +9048,7 @@
                 </a:tc>
                 <a:extLst>
                   <a:ext uri="{0D108BD9-81ED-4DB2-BD59-A6C34878D82A}">
-                    <a16:rowId xmlns:a16="http://schemas.microsoft.com/office/drawing/2014/main" val="10005"/>
+                    <a16:rowId xmlns:a16="http://schemas.microsoft.com/office/drawing/2014/main" xmlns="" val="10005"/>
                   </a:ext>
                 </a:extLst>
               </a:tr>
@@ -7310,7 +9088,7 @@
                 </a:tc>
                 <a:extLst>
                   <a:ext uri="{0D108BD9-81ED-4DB2-BD59-A6C34878D82A}">
-                    <a16:rowId xmlns:a16="http://schemas.microsoft.com/office/drawing/2014/main" val="10006"/>
+                    <a16:rowId xmlns:a16="http://schemas.microsoft.com/office/drawing/2014/main" xmlns="" val="10006"/>
                   </a:ext>
                 </a:extLst>
               </a:tr>
@@ -7350,7 +9128,7 @@
                 </a:tc>
                 <a:extLst>
                   <a:ext uri="{0D108BD9-81ED-4DB2-BD59-A6C34878D82A}">
-                    <a16:rowId xmlns:a16="http://schemas.microsoft.com/office/drawing/2014/main" val="10007"/>
+                    <a16:rowId xmlns:a16="http://schemas.microsoft.com/office/drawing/2014/main" xmlns="" val="10007"/>
                   </a:ext>
                 </a:extLst>
               </a:tr>
@@ -7409,7 +9187,7 @@
                 </a:tc>
                 <a:extLst>
                   <a:ext uri="{0D108BD9-81ED-4DB2-BD59-A6C34878D82A}">
-                    <a16:rowId xmlns:a16="http://schemas.microsoft.com/office/drawing/2014/main" val="10008"/>
+                    <a16:rowId xmlns:a16="http://schemas.microsoft.com/office/drawing/2014/main" xmlns="" val="10008"/>
                   </a:ext>
                 </a:extLst>
               </a:tr>
@@ -7452,7 +9230,7 @@
                 </a:tc>
                 <a:extLst>
                   <a:ext uri="{0D108BD9-81ED-4DB2-BD59-A6C34878D82A}">
-                    <a16:rowId xmlns:a16="http://schemas.microsoft.com/office/drawing/2014/main" val="10009"/>
+                    <a16:rowId xmlns:a16="http://schemas.microsoft.com/office/drawing/2014/main" xmlns="" val="10009"/>
                   </a:ext>
                 </a:extLst>
               </a:tr>
@@ -7495,7 +9273,7 @@
                 </a:tc>
                 <a:extLst>
                   <a:ext uri="{0D108BD9-81ED-4DB2-BD59-A6C34878D82A}">
-                    <a16:rowId xmlns:a16="http://schemas.microsoft.com/office/drawing/2014/main" val="10010"/>
+                    <a16:rowId xmlns:a16="http://schemas.microsoft.com/office/drawing/2014/main" xmlns="" val="10010"/>
                   </a:ext>
                 </a:extLst>
               </a:tr>
@@ -7538,7 +9316,7 @@
                 </a:tc>
                 <a:extLst>
                   <a:ext uri="{0D108BD9-81ED-4DB2-BD59-A6C34878D82A}">
-                    <a16:rowId xmlns:a16="http://schemas.microsoft.com/office/drawing/2014/main" val="10011"/>
+                    <a16:rowId xmlns:a16="http://schemas.microsoft.com/office/drawing/2014/main" xmlns="" val="10011"/>
                   </a:ext>
                 </a:extLst>
               </a:tr>
@@ -7581,7 +9359,7 @@
                 </a:tc>
                 <a:extLst>
                   <a:ext uri="{0D108BD9-81ED-4DB2-BD59-A6C34878D82A}">
-                    <a16:rowId xmlns:a16="http://schemas.microsoft.com/office/drawing/2014/main" val="10012"/>
+                    <a16:rowId xmlns:a16="http://schemas.microsoft.com/office/drawing/2014/main" xmlns="" val="10012"/>
                   </a:ext>
                 </a:extLst>
               </a:tr>
@@ -7624,7 +9402,7 @@
                 </a:tc>
                 <a:extLst>
                   <a:ext uri="{0D108BD9-81ED-4DB2-BD59-A6C34878D82A}">
-                    <a16:rowId xmlns:a16="http://schemas.microsoft.com/office/drawing/2014/main" val="10013"/>
+                    <a16:rowId xmlns:a16="http://schemas.microsoft.com/office/drawing/2014/main" xmlns="" val="10013"/>
                   </a:ext>
                 </a:extLst>
               </a:tr>
@@ -7667,7 +9445,7 @@
                 </a:tc>
                 <a:extLst>
                   <a:ext uri="{0D108BD9-81ED-4DB2-BD59-A6C34878D82A}">
-                    <a16:rowId xmlns:a16="http://schemas.microsoft.com/office/drawing/2014/main" val="10014"/>
+                    <a16:rowId xmlns:a16="http://schemas.microsoft.com/office/drawing/2014/main" xmlns="" val="10014"/>
                   </a:ext>
                 </a:extLst>
               </a:tr>
@@ -7710,7 +9488,7 @@
                 </a:tc>
                 <a:extLst>
                   <a:ext uri="{0D108BD9-81ED-4DB2-BD59-A6C34878D82A}">
-                    <a16:rowId xmlns:a16="http://schemas.microsoft.com/office/drawing/2014/main" val="10015"/>
+                    <a16:rowId xmlns:a16="http://schemas.microsoft.com/office/drawing/2014/main" xmlns="" val="10015"/>
                   </a:ext>
                 </a:extLst>
               </a:tr>
@@ -7753,7 +9531,7 @@
                 </a:tc>
                 <a:extLst>
                   <a:ext uri="{0D108BD9-81ED-4DB2-BD59-A6C34878D82A}">
-                    <a16:rowId xmlns:a16="http://schemas.microsoft.com/office/drawing/2014/main" val="10016"/>
+                    <a16:rowId xmlns:a16="http://schemas.microsoft.com/office/drawing/2014/main" xmlns="" val="10016"/>
                   </a:ext>
                 </a:extLst>
               </a:tr>
@@ -7806,7 +9584,7 @@
                 </a:tc>
                 <a:extLst>
                   <a:ext uri="{0D108BD9-81ED-4DB2-BD59-A6C34878D82A}">
-                    <a16:rowId xmlns:a16="http://schemas.microsoft.com/office/drawing/2014/main" val="10017"/>
+                    <a16:rowId xmlns:a16="http://schemas.microsoft.com/office/drawing/2014/main" xmlns="" val="10017"/>
                   </a:ext>
                 </a:extLst>
               </a:tr>
@@ -7846,7 +9624,7 @@
                 </a:tc>
                 <a:extLst>
                   <a:ext uri="{0D108BD9-81ED-4DB2-BD59-A6C34878D82A}">
-                    <a16:rowId xmlns:a16="http://schemas.microsoft.com/office/drawing/2014/main" val="10018"/>
+                    <a16:rowId xmlns:a16="http://schemas.microsoft.com/office/drawing/2014/main" xmlns="" val="10018"/>
                   </a:ext>
                 </a:extLst>
               </a:tr>
@@ -8076,28 +9854,28 @@
                 <a:gridCol w="1697973">
                   <a:extLst>
                     <a:ext uri="{9D8B030D-6E8A-4147-A177-3AD203B41FA5}">
-                      <a16:colId xmlns:a16="http://schemas.microsoft.com/office/drawing/2014/main" val="20000"/>
+                      <a16:colId xmlns:a16="http://schemas.microsoft.com/office/drawing/2014/main" xmlns="" val="20000"/>
                     </a:ext>
                   </a:extLst>
                 </a:gridCol>
                 <a:gridCol w="1697973">
                   <a:extLst>
                     <a:ext uri="{9D8B030D-6E8A-4147-A177-3AD203B41FA5}">
-                      <a16:colId xmlns:a16="http://schemas.microsoft.com/office/drawing/2014/main" val="20001"/>
+                      <a16:colId xmlns:a16="http://schemas.microsoft.com/office/drawing/2014/main" xmlns="" val="20001"/>
                     </a:ext>
                   </a:extLst>
                 </a:gridCol>
                 <a:gridCol w="917538">
                   <a:extLst>
                     <a:ext uri="{9D8B030D-6E8A-4147-A177-3AD203B41FA5}">
-                      <a16:colId xmlns:a16="http://schemas.microsoft.com/office/drawing/2014/main" val="20002"/>
+                      <a16:colId xmlns:a16="http://schemas.microsoft.com/office/drawing/2014/main" xmlns="" val="20002"/>
                     </a:ext>
                   </a:extLst>
                 </a:gridCol>
                 <a:gridCol w="1128466">
                   <a:extLst>
                     <a:ext uri="{9D8B030D-6E8A-4147-A177-3AD203B41FA5}">
-                      <a16:colId xmlns:a16="http://schemas.microsoft.com/office/drawing/2014/main" val="20003"/>
+                      <a16:colId xmlns:a16="http://schemas.microsoft.com/office/drawing/2014/main" xmlns="" val="20003"/>
                     </a:ext>
                   </a:extLst>
                 </a:gridCol>
@@ -8178,7 +9956,7 @@
                 </a:tc>
                 <a:extLst>
                   <a:ext uri="{0D108BD9-81ED-4DB2-BD59-A6C34878D82A}">
-                    <a16:rowId xmlns:a16="http://schemas.microsoft.com/office/drawing/2014/main" val="10000"/>
+                    <a16:rowId xmlns:a16="http://schemas.microsoft.com/office/drawing/2014/main" xmlns="" val="10000"/>
                   </a:ext>
                 </a:extLst>
               </a:tr>
@@ -8258,7 +10036,7 @@
                 </a:tc>
                 <a:extLst>
                   <a:ext uri="{0D108BD9-81ED-4DB2-BD59-A6C34878D82A}">
-                    <a16:rowId xmlns:a16="http://schemas.microsoft.com/office/drawing/2014/main" val="10001"/>
+                    <a16:rowId xmlns:a16="http://schemas.microsoft.com/office/drawing/2014/main" xmlns="" val="10001"/>
                   </a:ext>
                 </a:extLst>
               </a:tr>
@@ -8351,7 +10129,7 @@
                 </a:tc>
                 <a:extLst>
                   <a:ext uri="{0D108BD9-81ED-4DB2-BD59-A6C34878D82A}">
-                    <a16:rowId xmlns:a16="http://schemas.microsoft.com/office/drawing/2014/main" val="10002"/>
+                    <a16:rowId xmlns:a16="http://schemas.microsoft.com/office/drawing/2014/main" xmlns="" val="10002"/>
                   </a:ext>
                 </a:extLst>
               </a:tr>
@@ -8431,7 +10209,7 @@
                 </a:tc>
                 <a:extLst>
                   <a:ext uri="{0D108BD9-81ED-4DB2-BD59-A6C34878D82A}">
-                    <a16:rowId xmlns:a16="http://schemas.microsoft.com/office/drawing/2014/main" val="10003"/>
+                    <a16:rowId xmlns:a16="http://schemas.microsoft.com/office/drawing/2014/main" xmlns="" val="10003"/>
                   </a:ext>
                 </a:extLst>
               </a:tr>
@@ -8511,7 +10289,7 @@
                 </a:tc>
                 <a:extLst>
                   <a:ext uri="{0D108BD9-81ED-4DB2-BD59-A6C34878D82A}">
-                    <a16:rowId xmlns:a16="http://schemas.microsoft.com/office/drawing/2014/main" val="10004"/>
+                    <a16:rowId xmlns:a16="http://schemas.microsoft.com/office/drawing/2014/main" xmlns="" val="10004"/>
                   </a:ext>
                 </a:extLst>
               </a:tr>
@@ -8591,7 +10369,7 @@
                 </a:tc>
                 <a:extLst>
                   <a:ext uri="{0D108BD9-81ED-4DB2-BD59-A6C34878D82A}">
-                    <a16:rowId xmlns:a16="http://schemas.microsoft.com/office/drawing/2014/main" val="10005"/>
+                    <a16:rowId xmlns:a16="http://schemas.microsoft.com/office/drawing/2014/main" xmlns="" val="10005"/>
                   </a:ext>
                 </a:extLst>
               </a:tr>
@@ -8671,7 +10449,7 @@
                 </a:tc>
                 <a:extLst>
                   <a:ext uri="{0D108BD9-81ED-4DB2-BD59-A6C34878D82A}">
-                    <a16:rowId xmlns:a16="http://schemas.microsoft.com/office/drawing/2014/main" val="10006"/>
+                    <a16:rowId xmlns:a16="http://schemas.microsoft.com/office/drawing/2014/main" xmlns="" val="10006"/>
                   </a:ext>
                 </a:extLst>
               </a:tr>
@@ -8751,7 +10529,7 @@
                 </a:tc>
                 <a:extLst>
                   <a:ext uri="{0D108BD9-81ED-4DB2-BD59-A6C34878D82A}">
-                    <a16:rowId xmlns:a16="http://schemas.microsoft.com/office/drawing/2014/main" val="10007"/>
+                    <a16:rowId xmlns:a16="http://schemas.microsoft.com/office/drawing/2014/main" xmlns="" val="10007"/>
                   </a:ext>
                 </a:extLst>
               </a:tr>
@@ -8834,7 +10612,7 @@
                 </a:tc>
                 <a:extLst>
                   <a:ext uri="{0D108BD9-81ED-4DB2-BD59-A6C34878D82A}">
-                    <a16:rowId xmlns:a16="http://schemas.microsoft.com/office/drawing/2014/main" val="10008"/>
+                    <a16:rowId xmlns:a16="http://schemas.microsoft.com/office/drawing/2014/main" xmlns="" val="10008"/>
                   </a:ext>
                 </a:extLst>
               </a:tr>
@@ -8927,7 +10705,7 @@
                 </a:tc>
                 <a:extLst>
                   <a:ext uri="{0D108BD9-81ED-4DB2-BD59-A6C34878D82A}">
-                    <a16:rowId xmlns:a16="http://schemas.microsoft.com/office/drawing/2014/main" val="10009"/>
+                    <a16:rowId xmlns:a16="http://schemas.microsoft.com/office/drawing/2014/main" xmlns="" val="10009"/>
                   </a:ext>
                 </a:extLst>
               </a:tr>
@@ -9007,7 +10785,7 @@
                 </a:tc>
                 <a:extLst>
                   <a:ext uri="{0D108BD9-81ED-4DB2-BD59-A6C34878D82A}">
-                    <a16:rowId xmlns:a16="http://schemas.microsoft.com/office/drawing/2014/main" val="10010"/>
+                    <a16:rowId xmlns:a16="http://schemas.microsoft.com/office/drawing/2014/main" xmlns="" val="10010"/>
                   </a:ext>
                 </a:extLst>
               </a:tr>
@@ -9087,7 +10865,7 @@
                 </a:tc>
                 <a:extLst>
                   <a:ext uri="{0D108BD9-81ED-4DB2-BD59-A6C34878D82A}">
-                    <a16:rowId xmlns:a16="http://schemas.microsoft.com/office/drawing/2014/main" val="10011"/>
+                    <a16:rowId xmlns:a16="http://schemas.microsoft.com/office/drawing/2014/main" xmlns="" val="10011"/>
                   </a:ext>
                 </a:extLst>
               </a:tr>
@@ -9167,7 +10945,7 @@
                 </a:tc>
                 <a:extLst>
                   <a:ext uri="{0D108BD9-81ED-4DB2-BD59-A6C34878D82A}">
-                    <a16:rowId xmlns:a16="http://schemas.microsoft.com/office/drawing/2014/main" val="10012"/>
+                    <a16:rowId xmlns:a16="http://schemas.microsoft.com/office/drawing/2014/main" xmlns="" val="10012"/>
                   </a:ext>
                 </a:extLst>
               </a:tr>
@@ -9247,7 +11025,7 @@
                 </a:tc>
                 <a:extLst>
                   <a:ext uri="{0D108BD9-81ED-4DB2-BD59-A6C34878D82A}">
-                    <a16:rowId xmlns:a16="http://schemas.microsoft.com/office/drawing/2014/main" val="10013"/>
+                    <a16:rowId xmlns:a16="http://schemas.microsoft.com/office/drawing/2014/main" xmlns="" val="10013"/>
                   </a:ext>
                 </a:extLst>
               </a:tr>
@@ -9327,7 +11105,7 @@
                 </a:tc>
                 <a:extLst>
                   <a:ext uri="{0D108BD9-81ED-4DB2-BD59-A6C34878D82A}">
-                    <a16:rowId xmlns:a16="http://schemas.microsoft.com/office/drawing/2014/main" val="10014"/>
+                    <a16:rowId xmlns:a16="http://schemas.microsoft.com/office/drawing/2014/main" xmlns="" val="10014"/>
                   </a:ext>
                 </a:extLst>
               </a:tr>
@@ -9410,7 +11188,7 @@
                 </a:tc>
                 <a:extLst>
                   <a:ext uri="{0D108BD9-81ED-4DB2-BD59-A6C34878D82A}">
-                    <a16:rowId xmlns:a16="http://schemas.microsoft.com/office/drawing/2014/main" val="10015"/>
+                    <a16:rowId xmlns:a16="http://schemas.microsoft.com/office/drawing/2014/main" xmlns="" val="10015"/>
                   </a:ext>
                 </a:extLst>
               </a:tr>
@@ -9501,35 +11279,35 @@
                 <a:gridCol w="1884339">
                   <a:extLst>
                     <a:ext uri="{9D8B030D-6E8A-4147-A177-3AD203B41FA5}">
-                      <a16:colId xmlns:a16="http://schemas.microsoft.com/office/drawing/2014/main" val="20000"/>
+                      <a16:colId xmlns:a16="http://schemas.microsoft.com/office/drawing/2014/main" xmlns="" val="20000"/>
                     </a:ext>
                   </a:extLst>
                 </a:gridCol>
                 <a:gridCol w="4206296">
                   <a:extLst>
                     <a:ext uri="{9D8B030D-6E8A-4147-A177-3AD203B41FA5}">
-                      <a16:colId xmlns:a16="http://schemas.microsoft.com/office/drawing/2014/main" val="20001"/>
+                      <a16:colId xmlns:a16="http://schemas.microsoft.com/office/drawing/2014/main" xmlns="" val="20001"/>
                     </a:ext>
                   </a:extLst>
                 </a:gridCol>
                 <a:gridCol w="1165829">
                   <a:extLst>
                     <a:ext uri="{9D8B030D-6E8A-4147-A177-3AD203B41FA5}">
-                      <a16:colId xmlns:a16="http://schemas.microsoft.com/office/drawing/2014/main" val="20002"/>
+                      <a16:colId xmlns:a16="http://schemas.microsoft.com/office/drawing/2014/main" xmlns="" val="20002"/>
                     </a:ext>
                   </a:extLst>
                 </a:gridCol>
                 <a:gridCol w="1252326">
                   <a:extLst>
                     <a:ext uri="{9D8B030D-6E8A-4147-A177-3AD203B41FA5}">
-                      <a16:colId xmlns:a16="http://schemas.microsoft.com/office/drawing/2014/main" val="20003"/>
+                      <a16:colId xmlns:a16="http://schemas.microsoft.com/office/drawing/2014/main" xmlns="" val="20003"/>
                     </a:ext>
                   </a:extLst>
                 </a:gridCol>
                 <a:gridCol w="1252326">
                   <a:extLst>
                     <a:ext uri="{9D8B030D-6E8A-4147-A177-3AD203B41FA5}">
-                      <a16:colId xmlns:a16="http://schemas.microsoft.com/office/drawing/2014/main" val="20004"/>
+                      <a16:colId xmlns:a16="http://schemas.microsoft.com/office/drawing/2014/main" xmlns="" val="20004"/>
                     </a:ext>
                   </a:extLst>
                 </a:gridCol>
@@ -9646,7 +11424,7 @@
                 </a:tc>
                 <a:extLst>
                   <a:ext uri="{0D108BD9-81ED-4DB2-BD59-A6C34878D82A}">
-                    <a16:rowId xmlns:a16="http://schemas.microsoft.com/office/drawing/2014/main" val="10000"/>
+                    <a16:rowId xmlns:a16="http://schemas.microsoft.com/office/drawing/2014/main" xmlns="" val="10000"/>
                   </a:ext>
                 </a:extLst>
               </a:tr>
@@ -9768,7 +11546,7 @@
                 </a:tc>
                 <a:extLst>
                   <a:ext uri="{0D108BD9-81ED-4DB2-BD59-A6C34878D82A}">
-                    <a16:rowId xmlns:a16="http://schemas.microsoft.com/office/drawing/2014/main" val="10001"/>
+                    <a16:rowId xmlns:a16="http://schemas.microsoft.com/office/drawing/2014/main" xmlns="" val="10001"/>
                   </a:ext>
                 </a:extLst>
               </a:tr>
@@ -9877,7 +11655,7 @@
                 </a:tc>
                 <a:extLst>
                   <a:ext uri="{0D108BD9-81ED-4DB2-BD59-A6C34878D82A}">
-                    <a16:rowId xmlns:a16="http://schemas.microsoft.com/office/drawing/2014/main" val="10002"/>
+                    <a16:rowId xmlns:a16="http://schemas.microsoft.com/office/drawing/2014/main" xmlns="" val="10002"/>
                   </a:ext>
                 </a:extLst>
               </a:tr>
@@ -9998,7 +11776,7 @@
                 </a:tc>
                 <a:extLst>
                   <a:ext uri="{0D108BD9-81ED-4DB2-BD59-A6C34878D82A}">
-                    <a16:rowId xmlns:a16="http://schemas.microsoft.com/office/drawing/2014/main" val="10003"/>
+                    <a16:rowId xmlns:a16="http://schemas.microsoft.com/office/drawing/2014/main" xmlns="" val="10003"/>
                   </a:ext>
                 </a:extLst>
               </a:tr>
@@ -10107,7 +11885,7 @@
                 </a:tc>
                 <a:extLst>
                   <a:ext uri="{0D108BD9-81ED-4DB2-BD59-A6C34878D82A}">
-                    <a16:rowId xmlns:a16="http://schemas.microsoft.com/office/drawing/2014/main" val="10004"/>
+                    <a16:rowId xmlns:a16="http://schemas.microsoft.com/office/drawing/2014/main" xmlns="" val="10004"/>
                   </a:ext>
                 </a:extLst>
               </a:tr>
@@ -10244,7 +12022,7 @@
                 </a:tc>
                 <a:extLst>
                   <a:ext uri="{0D108BD9-81ED-4DB2-BD59-A6C34878D82A}">
-                    <a16:rowId xmlns:a16="http://schemas.microsoft.com/office/drawing/2014/main" val="10005"/>
+                    <a16:rowId xmlns:a16="http://schemas.microsoft.com/office/drawing/2014/main" xmlns="" val="10005"/>
                   </a:ext>
                 </a:extLst>
               </a:tr>
@@ -10366,7 +12144,7 @@
                 </a:tc>
                 <a:extLst>
                   <a:ext uri="{0D108BD9-81ED-4DB2-BD59-A6C34878D82A}">
-                    <a16:rowId xmlns:a16="http://schemas.microsoft.com/office/drawing/2014/main" val="10006"/>
+                    <a16:rowId xmlns:a16="http://schemas.microsoft.com/office/drawing/2014/main" xmlns="" val="10006"/>
                   </a:ext>
                 </a:extLst>
               </a:tr>
@@ -10503,7 +12281,7 @@
                 </a:tc>
                 <a:extLst>
                   <a:ext uri="{0D108BD9-81ED-4DB2-BD59-A6C34878D82A}">
-                    <a16:rowId xmlns:a16="http://schemas.microsoft.com/office/drawing/2014/main" val="10007"/>
+                    <a16:rowId xmlns:a16="http://schemas.microsoft.com/office/drawing/2014/main" xmlns="" val="10007"/>
                   </a:ext>
                 </a:extLst>
               </a:tr>
@@ -10615,7 +12393,7 @@
                 </a:tc>
                 <a:extLst>
                   <a:ext uri="{0D108BD9-81ED-4DB2-BD59-A6C34878D82A}">
-                    <a16:rowId xmlns:a16="http://schemas.microsoft.com/office/drawing/2014/main" val="10008"/>
+                    <a16:rowId xmlns:a16="http://schemas.microsoft.com/office/drawing/2014/main" xmlns="" val="10008"/>
                   </a:ext>
                 </a:extLst>
               </a:tr>
@@ -10724,7 +12502,7 @@
                 </a:tc>
                 <a:extLst>
                   <a:ext uri="{0D108BD9-81ED-4DB2-BD59-A6C34878D82A}">
-                    <a16:rowId xmlns:a16="http://schemas.microsoft.com/office/drawing/2014/main" val="10009"/>
+                    <a16:rowId xmlns:a16="http://schemas.microsoft.com/office/drawing/2014/main" xmlns="" val="10009"/>
                   </a:ext>
                 </a:extLst>
               </a:tr>
@@ -10833,7 +12611,7 @@
                 </a:tc>
                 <a:extLst>
                   <a:ext uri="{0D108BD9-81ED-4DB2-BD59-A6C34878D82A}">
-                    <a16:rowId xmlns:a16="http://schemas.microsoft.com/office/drawing/2014/main" val="10010"/>
+                    <a16:rowId xmlns:a16="http://schemas.microsoft.com/office/drawing/2014/main" xmlns="" val="10010"/>
                   </a:ext>
                 </a:extLst>
               </a:tr>
@@ -10942,7 +12720,7 @@
                 </a:tc>
                 <a:extLst>
                   <a:ext uri="{0D108BD9-81ED-4DB2-BD59-A6C34878D82A}">
-                    <a16:rowId xmlns:a16="http://schemas.microsoft.com/office/drawing/2014/main" val="10011"/>
+                    <a16:rowId xmlns:a16="http://schemas.microsoft.com/office/drawing/2014/main" xmlns="" val="10011"/>
                   </a:ext>
                 </a:extLst>
               </a:tr>
@@ -10989,6 +12767,13 @@
   <p:clrMapOvr>
     <a:masterClrMapping/>
   </p:clrMapOvr>
+  <p:timing>
+    <p:tnLst>
+      <p:par>
+        <p:cTn id="1" dur="indefinite" restart="never" nodeType="tmRoot"/>
+      </p:par>
+    </p:tnLst>
+  </p:timing>
 </p:sld>
 </file>
 
@@ -11011,13 +12796,7 @@
       </p:grpSpPr>
       <p:sp>
         <p:nvSpPr>
-          <p:cNvPr id="2" name="Title 1">
-            <a:extLst>
-              <a:ext uri="{FF2B5EF4-FFF2-40B4-BE49-F238E27FC236}">
-                <a16:creationId xmlns:a16="http://schemas.microsoft.com/office/drawing/2014/main" id="{F2BA0188-53B3-4D0B-BFA2-D97322C19DC2}"/>
-              </a:ext>
-            </a:extLst>
-          </p:cNvPr>
+          <p:cNvPr id="2" name="Title 1"/>
           <p:cNvSpPr>
             <a:spLocks noGrp="1"/>
           </p:cNvSpPr>
@@ -11032,21 +12811,19 @@
           <a:p>
             <a:r>
               <a:rPr lang="en-US" dirty="0"/>
-              <a:t>Approach 2 </a:t>
+              <a:t>Approach 1: </a:t>
             </a:r>
-            <a:endParaRPr lang="en-GB" dirty="0"/>
+            <a:r>
+              <a:rPr lang="en-US" dirty="0" smtClean="0"/>
+              <a:t>First Differences</a:t>
+            </a:r>
+            <a:endParaRPr lang="en-US" dirty="0"/>
           </a:p>
         </p:txBody>
       </p:sp>
       <p:sp>
         <p:nvSpPr>
-          <p:cNvPr id="3" name="Content Placeholder 2">
-            <a:extLst>
-              <a:ext uri="{FF2B5EF4-FFF2-40B4-BE49-F238E27FC236}">
-                <a16:creationId xmlns:a16="http://schemas.microsoft.com/office/drawing/2014/main" id="{262D00B4-C15B-447A-9CEE-B8D24F15D579}"/>
-              </a:ext>
-            </a:extLst>
-          </p:cNvPr>
+          <p:cNvPr id="3" name="Content Placeholder 2"/>
           <p:cNvSpPr>
             <a:spLocks noGrp="1"/>
           </p:cNvSpPr>
@@ -11056,63 +12833,109 @@
         </p:nvSpPr>
         <p:spPr>
           <a:xfrm>
-            <a:off x="838200" y="1825625"/>
-            <a:ext cx="9905999" cy="4351338"/>
+            <a:off x="838199" y="1825624"/>
+            <a:ext cx="10679349" cy="1073219"/>
           </a:xfrm>
         </p:spPr>
         <p:txBody>
           <a:bodyPr>
-            <a:normAutofit/>
+            <a:normAutofit fontScale="70000" lnSpcReduction="20000"/>
           </a:bodyPr>
           <a:lstStyle/>
           <a:p>
             <a:r>
-              <a:rPr lang="en-US" dirty="0"/>
-              <a:t>Used same schools as in approach 1.</a:t>
+              <a:rPr lang="en-US" dirty="0" smtClean="0"/>
+              <a:t>For each outcome, ran first differences of adding 100 to the expenditure variable with the largest average partial derivative and subtracting 100 to the expenditure variable with the lowest average partial derivative</a:t>
             </a:r>
           </a:p>
           <a:p>
             <a:r>
-              <a:rPr lang="en-US" dirty="0"/>
-              <a:t>Kept all variables not colinear to the outcomes e.g. removed full time retention rate etc.</a:t>
+              <a:rPr lang="en-US" dirty="0" smtClean="0"/>
+              <a:t>Cluster bootstrapped by school for the distributions of the estimates</a:t>
             </a:r>
-          </a:p>
-          <a:p>
-            <a:r>
-              <a:rPr lang="en-US" dirty="0"/>
-              <a:t>Carried out variable selection using Lasso regression.</a:t>
-            </a:r>
-          </a:p>
-          <a:p>
-            <a:r>
-              <a:rPr lang="en-US" dirty="0"/>
-              <a:t>Retained Census Region and Academic year.</a:t>
-            </a:r>
-          </a:p>
-          <a:p>
-            <a:r>
-              <a:rPr lang="en-US" dirty="0"/>
-              <a:t>Retained 10 largest absolute value coefficients.</a:t>
-            </a:r>
-          </a:p>
-          <a:p>
-            <a:endParaRPr lang="en-US" dirty="0"/>
           </a:p>
           <a:p>
             <a:endParaRPr lang="en-US" dirty="0"/>
           </a:p>
         </p:txBody>
       </p:sp>
+      <p:pic>
+        <p:nvPicPr>
+          <p:cNvPr id="4" name="Picture 3"/>
+          <p:cNvPicPr>
+            <a:picLocks noChangeAspect="1"/>
+          </p:cNvPicPr>
+          <p:nvPr/>
+        </p:nvPicPr>
+        <p:blipFill>
+          <a:blip r:embed="rId2">
+            <a:extLst>
+              <a:ext uri="{28A0092B-C50C-407E-A947-70E740481C1C}">
+                <a14:useLocalDpi xmlns:a14="http://schemas.microsoft.com/office/drawing/2010/main" val="0"/>
+              </a:ext>
+            </a:extLst>
+          </a:blip>
+          <a:stretch>
+            <a:fillRect/>
+          </a:stretch>
+        </p:blipFill>
+        <p:spPr>
+          <a:xfrm>
+            <a:off x="1801238" y="2898843"/>
+            <a:ext cx="3730557" cy="3730557"/>
+          </a:xfrm>
+          <a:prstGeom prst="rect">
+            <a:avLst/>
+          </a:prstGeom>
+        </p:spPr>
+      </p:pic>
+      <p:pic>
+        <p:nvPicPr>
+          <p:cNvPr id="5" name="Picture 4"/>
+          <p:cNvPicPr>
+            <a:picLocks noChangeAspect="1"/>
+          </p:cNvPicPr>
+          <p:nvPr/>
+        </p:nvPicPr>
+        <p:blipFill>
+          <a:blip r:embed="rId3">
+            <a:extLst>
+              <a:ext uri="{28A0092B-C50C-407E-A947-70E740481C1C}">
+                <a14:useLocalDpi xmlns:a14="http://schemas.microsoft.com/office/drawing/2010/main" val="0"/>
+              </a:ext>
+            </a:extLst>
+          </a:blip>
+          <a:stretch>
+            <a:fillRect/>
+          </a:stretch>
+        </p:blipFill>
+        <p:spPr>
+          <a:xfrm>
+            <a:off x="6494834" y="2896411"/>
+            <a:ext cx="3657600" cy="3657600"/>
+          </a:xfrm>
+          <a:prstGeom prst="rect">
+            <a:avLst/>
+          </a:prstGeom>
+        </p:spPr>
+      </p:pic>
     </p:spTree>
     <p:extLst>
       <p:ext uri="{BB962C8B-B14F-4D97-AF65-F5344CB8AC3E}">
-        <p14:creationId xmlns:p14="http://schemas.microsoft.com/office/powerpoint/2010/main" val="3307489831"/>
+        <p14:creationId xmlns:p14="http://schemas.microsoft.com/office/powerpoint/2010/main" val="372516139"/>
       </p:ext>
     </p:extLst>
   </p:cSld>
   <p:clrMapOvr>
     <a:masterClrMapping/>
   </p:clrMapOvr>
+  <p:timing>
+    <p:tnLst>
+      <p:par>
+        <p:cTn id="1" dur="indefinite" restart="never" nodeType="tmRoot"/>
+      </p:par>
+    </p:tnLst>
+  </p:timing>
 </p:sld>
 </file>
 
@@ -11138,7 +12961,7 @@
           <p:cNvPr id="2" name="Title 1">
             <a:extLst>
               <a:ext uri="{FF2B5EF4-FFF2-40B4-BE49-F238E27FC236}">
-                <a16:creationId xmlns:a16="http://schemas.microsoft.com/office/drawing/2014/main" id="{C1125D7B-F02A-445F-B8C7-34C547A14A7A}"/>
+                <a16:creationId xmlns:a16="http://schemas.microsoft.com/office/drawing/2014/main" xmlns="" id="{F2BA0188-53B3-4D0B-BFA2-D97322C19DC2}"/>
               </a:ext>
             </a:extLst>
           </p:cNvPr>
@@ -11156,1736 +12979,94 @@
           <a:p>
             <a:r>
               <a:rPr lang="en-US" dirty="0"/>
-              <a:t>Approach 2 – Selected Variables:</a:t>
+              <a:t>Approach 2 </a:t>
             </a:r>
             <a:endParaRPr lang="en-GB" dirty="0"/>
           </a:p>
         </p:txBody>
       </p:sp>
-      <p:graphicFrame>
-        <p:nvGraphicFramePr>
-          <p:cNvPr id="4" name="Table 3">
+      <p:sp>
+        <p:nvSpPr>
+          <p:cNvPr id="3" name="Content Placeholder 2">
             <a:extLst>
               <a:ext uri="{FF2B5EF4-FFF2-40B4-BE49-F238E27FC236}">
-                <a16:creationId xmlns:a16="http://schemas.microsoft.com/office/drawing/2014/main" id="{B971FF46-278A-4EFD-85A0-9E515C7A2BDC}"/>
+                <a16:creationId xmlns:a16="http://schemas.microsoft.com/office/drawing/2014/main" xmlns="" id="{262D00B4-C15B-447A-9CEE-B8D24F15D579}"/>
               </a:ext>
             </a:extLst>
           </p:cNvPr>
-          <p:cNvGraphicFramePr>
-            <a:graphicFrameLocks noGrp="1"/>
-          </p:cNvGraphicFramePr>
+          <p:cNvSpPr>
+            <a:spLocks noGrp="1"/>
+          </p:cNvSpPr>
           <p:nvPr>
-            <p:extLst>
-              <p:ext uri="{D42A27DB-BD31-4B8C-83A1-F6EECF244321}">
-                <p14:modId xmlns:p14="http://schemas.microsoft.com/office/powerpoint/2010/main" val="1694534246"/>
-              </p:ext>
-            </p:extLst>
+            <p:ph idx="1"/>
           </p:nvPr>
-        </p:nvGraphicFramePr>
-        <p:xfrm>
-          <a:off x="268775" y="1434164"/>
-          <a:ext cx="5037244" cy="5206203"/>
-        </p:xfrm>
-        <a:graphic>
-          <a:graphicData uri="http://schemas.openxmlformats.org/drawingml/2006/table">
-            <a:tbl>
-              <a:tblPr>
-                <a:tableStyleId>{5C22544A-7EE6-4342-B048-85BDC9FD1C3A}</a:tableStyleId>
-              </a:tblPr>
-              <a:tblGrid>
-                <a:gridCol w="3698301">
-                  <a:extLst>
-                    <a:ext uri="{9D8B030D-6E8A-4147-A177-3AD203B41FA5}">
-                      <a16:colId xmlns:a16="http://schemas.microsoft.com/office/drawing/2014/main" val="3828946005"/>
-                    </a:ext>
-                  </a:extLst>
-                </a:gridCol>
-                <a:gridCol w="1338943">
-                  <a:extLst>
-                    <a:ext uri="{9D8B030D-6E8A-4147-A177-3AD203B41FA5}">
-                      <a16:colId xmlns:a16="http://schemas.microsoft.com/office/drawing/2014/main" val="3116620885"/>
-                    </a:ext>
-                  </a:extLst>
-                </a:gridCol>
-              </a:tblGrid>
-              <a:tr h="385011">
-                <a:tc gridSpan="2">
-                  <a:txBody>
-                    <a:bodyPr/>
-                    <a:lstStyle/>
-                    <a:p>
-                      <a:pPr algn="ctr" fontAlgn="ctr"/>
-                      <a:r>
-                        <a:rPr lang="en-US" sz="1600" b="1" u="none" strike="noStrike" dirty="0">
-                          <a:effectLst/>
-                        </a:rPr>
-                        <a:t>6 Year Graduation Rate</a:t>
-                      </a:r>
-                      <a:endParaRPr lang="en-US" sz="1600" b="1" i="0" u="none" strike="noStrike" dirty="0">
-                        <a:solidFill>
-                          <a:srgbClr val="000000"/>
-                        </a:solidFill>
-                        <a:effectLst/>
-                        <a:latin typeface="Calibri" charset="0"/>
-                      </a:endParaRPr>
-                    </a:p>
-                  </a:txBody>
-                  <a:tcPr marL="2812" marR="2812" marT="2812" marB="0" anchor="ctr"/>
-                </a:tc>
-                <a:tc hMerge="1">
-                  <a:txBody>
-                    <a:bodyPr/>
-                    <a:lstStyle/>
-                    <a:p>
-                      <a:pPr algn="ctr" fontAlgn="ctr"/>
-                      <a:endParaRPr lang="en-US" sz="1600" b="1" i="0" u="none" strike="noStrike" dirty="0">
-                        <a:solidFill>
-                          <a:srgbClr val="000000"/>
-                        </a:solidFill>
-                        <a:effectLst/>
-                        <a:latin typeface="Calibri" charset="0"/>
-                      </a:endParaRPr>
-                    </a:p>
-                  </a:txBody>
-                  <a:tcPr marL="2812" marR="2812" marT="2812" marB="0" anchor="ctr"/>
-                </a:tc>
-                <a:extLst>
-                  <a:ext uri="{0D108BD9-81ED-4DB2-BD59-A6C34878D82A}">
-                    <a16:rowId xmlns:a16="http://schemas.microsoft.com/office/drawing/2014/main" val="2750690894"/>
-                  </a:ext>
-                </a:extLst>
-              </a:tr>
-              <a:tr h="375498">
-                <a:tc>
-                  <a:txBody>
-                    <a:bodyPr/>
-                    <a:lstStyle/>
-                    <a:p>
-                      <a:pPr algn="ctr" fontAlgn="ctr"/>
-                      <a:r>
-                        <a:rPr lang="en-US" sz="1600" b="1" u="none" strike="noStrike" dirty="0">
-                          <a:effectLst/>
-                        </a:rPr>
-                        <a:t>Variable</a:t>
-                      </a:r>
-                      <a:endParaRPr lang="en-US" sz="1600" b="1" i="0" u="none" strike="noStrike" dirty="0">
-                        <a:solidFill>
-                          <a:srgbClr val="000000"/>
-                        </a:solidFill>
-                        <a:effectLst/>
-                        <a:latin typeface="Calibri" charset="0"/>
-                      </a:endParaRPr>
-                    </a:p>
-                  </a:txBody>
-                  <a:tcPr marL="2812" marR="2812" marT="2812" marB="0" anchor="ctr"/>
-                </a:tc>
-                <a:tc>
-                  <a:txBody>
-                    <a:bodyPr/>
-                    <a:lstStyle/>
-                    <a:p>
-                      <a:pPr algn="ctr" fontAlgn="ctr"/>
-                      <a:r>
-                        <a:rPr lang="en-US" sz="1600" b="1" u="none" strike="noStrike" dirty="0">
-                          <a:effectLst/>
-                        </a:rPr>
-                        <a:t>Lasso Coefficient</a:t>
-                      </a:r>
-                      <a:endParaRPr lang="en-US" sz="1600" b="1" i="0" u="none" strike="noStrike" dirty="0">
-                        <a:solidFill>
-                          <a:srgbClr val="000000"/>
-                        </a:solidFill>
-                        <a:effectLst/>
-                        <a:latin typeface="Calibri" charset="0"/>
-                      </a:endParaRPr>
-                    </a:p>
-                  </a:txBody>
-                  <a:tcPr marL="2812" marR="2812" marT="2812" marB="0" anchor="ctr"/>
-                </a:tc>
-                <a:extLst>
-                  <a:ext uri="{0D108BD9-81ED-4DB2-BD59-A6C34878D82A}">
-                    <a16:rowId xmlns:a16="http://schemas.microsoft.com/office/drawing/2014/main" val="621517536"/>
-                  </a:ext>
-                </a:extLst>
-              </a:tr>
-              <a:tr h="375498">
-                <a:tc>
-                  <a:txBody>
-                    <a:bodyPr/>
-                    <a:lstStyle/>
-                    <a:p>
-                      <a:pPr algn="l" fontAlgn="ctr"/>
-                      <a:endParaRPr lang="en-GB" sz="1400" b="0" i="0" u="none" strike="noStrike">
-                        <a:solidFill>
-                          <a:srgbClr val="000000"/>
-                        </a:solidFill>
-                        <a:effectLst/>
-                        <a:latin typeface="+mn-lt"/>
-                      </a:endParaRPr>
-                    </a:p>
-                    <a:p>
-                      <a:pPr algn="l" fontAlgn="ctr"/>
-                      <a:r>
-                        <a:rPr lang="en-GB" sz="1400" b="0" i="0" u="none" strike="noStrike">
-                          <a:solidFill>
-                            <a:srgbClr val="000000"/>
-                          </a:solidFill>
-                          <a:effectLst/>
-                          <a:latin typeface="+mn-lt"/>
-                        </a:rPr>
-                        <a:t>other_full_time</a:t>
-                      </a:r>
-                    </a:p>
-                  </a:txBody>
-                  <a:tcPr marL="6350" marR="6350" marT="6350" marB="0" anchor="ctr"/>
-                </a:tc>
-                <a:tc>
-                  <a:txBody>
-                    <a:bodyPr/>
-                    <a:lstStyle/>
-                    <a:p>
-                      <a:pPr algn="r" fontAlgn="ctr"/>
-                      <a:endParaRPr lang="en-GB" sz="1400" b="0" i="0" u="none" strike="noStrike">
-                        <a:solidFill>
-                          <a:srgbClr val="000000"/>
-                        </a:solidFill>
-                        <a:effectLst/>
-                        <a:latin typeface="+mn-lt"/>
-                      </a:endParaRPr>
-                    </a:p>
-                    <a:p>
-                      <a:pPr algn="r" fontAlgn="ctr"/>
-                      <a:r>
-                        <a:rPr lang="en-GB" sz="1400" b="0" i="0" u="none" strike="noStrike">
-                          <a:solidFill>
-                            <a:srgbClr val="000000"/>
-                          </a:solidFill>
-                          <a:effectLst/>
-                          <a:latin typeface="+mn-lt"/>
-                        </a:rPr>
-                        <a:t>0.387555894 </a:t>
-                      </a:r>
-                    </a:p>
-                  </a:txBody>
-                  <a:tcPr marL="6350" marR="6350" marT="6350" marB="0" anchor="ctr"/>
-                </a:tc>
-                <a:extLst>
-                  <a:ext uri="{0D108BD9-81ED-4DB2-BD59-A6C34878D82A}">
-                    <a16:rowId xmlns:a16="http://schemas.microsoft.com/office/drawing/2014/main" val="196882050"/>
-                  </a:ext>
-                </a:extLst>
-              </a:tr>
-              <a:tr h="375498">
-                <a:tc>
-                  <a:txBody>
-                    <a:bodyPr/>
-                    <a:lstStyle/>
-                    <a:p>
-                      <a:pPr algn="l" fontAlgn="ctr"/>
-                      <a:endParaRPr lang="en-GB" sz="1400" b="0" i="0" u="none" strike="noStrike" dirty="0">
-                        <a:solidFill>
-                          <a:srgbClr val="000000"/>
-                        </a:solidFill>
-                        <a:effectLst/>
-                        <a:latin typeface="+mn-lt"/>
-                      </a:endParaRPr>
-                    </a:p>
-                    <a:p>
-                      <a:pPr algn="l" fontAlgn="ctr"/>
-                      <a:r>
-                        <a:rPr lang="en-GB" sz="1400" b="0" i="0" u="none" strike="noStrike" dirty="0" err="1">
-                          <a:solidFill>
-                            <a:srgbClr val="000000"/>
-                          </a:solidFill>
-                          <a:effectLst/>
-                          <a:latin typeface="+mn-lt"/>
-                        </a:rPr>
-                        <a:t>fed_grant_pct</a:t>
-                      </a:r>
-                      <a:endParaRPr lang="en-GB" sz="1400" b="0" i="0" u="none" strike="noStrike" dirty="0">
-                        <a:solidFill>
-                          <a:srgbClr val="000000"/>
-                        </a:solidFill>
-                        <a:effectLst/>
-                        <a:latin typeface="+mn-lt"/>
-                      </a:endParaRPr>
-                    </a:p>
-                  </a:txBody>
-                  <a:tcPr marL="6350" marR="6350" marT="6350" marB="0" anchor="ctr"/>
-                </a:tc>
-                <a:tc>
-                  <a:txBody>
-                    <a:bodyPr/>
-                    <a:lstStyle/>
-                    <a:p>
-                      <a:pPr algn="r" fontAlgn="ctr"/>
-                      <a:endParaRPr lang="en-GB" sz="1400" b="0" i="0" u="none" strike="noStrike">
-                        <a:solidFill>
-                          <a:srgbClr val="000000"/>
-                        </a:solidFill>
-                        <a:effectLst/>
-                        <a:latin typeface="+mn-lt"/>
-                      </a:endParaRPr>
-                    </a:p>
-                    <a:p>
-                      <a:pPr algn="r" fontAlgn="ctr"/>
-                      <a:r>
-                        <a:rPr lang="en-GB" sz="1400" b="0" i="0" u="none" strike="noStrike">
-                          <a:solidFill>
-                            <a:srgbClr val="000000"/>
-                          </a:solidFill>
-                          <a:effectLst/>
-                          <a:latin typeface="+mn-lt"/>
-                        </a:rPr>
-                        <a:t>-0.241157657 </a:t>
-                      </a:r>
-                    </a:p>
-                  </a:txBody>
-                  <a:tcPr marL="6350" marR="6350" marT="6350" marB="0" anchor="ctr"/>
-                </a:tc>
-                <a:extLst>
-                  <a:ext uri="{0D108BD9-81ED-4DB2-BD59-A6C34878D82A}">
-                    <a16:rowId xmlns:a16="http://schemas.microsoft.com/office/drawing/2014/main" val="1570215453"/>
-                  </a:ext>
-                </a:extLst>
-              </a:tr>
-              <a:tr h="375498">
-                <a:tc>
-                  <a:txBody>
-                    <a:bodyPr/>
-                    <a:lstStyle/>
-                    <a:p>
-                      <a:pPr algn="l" fontAlgn="ctr"/>
-                      <a:endParaRPr lang="en-GB" sz="1400" b="0" i="0" u="none" strike="noStrike" dirty="0">
-                        <a:solidFill>
-                          <a:srgbClr val="000000"/>
-                        </a:solidFill>
-                        <a:effectLst/>
-                        <a:latin typeface="+mn-lt"/>
-                      </a:endParaRPr>
-                    </a:p>
-                    <a:p>
-                      <a:pPr algn="l" fontAlgn="ctr"/>
-                      <a:r>
-                        <a:rPr lang="en-GB" sz="1400" b="0" i="0" u="none" strike="noStrike" dirty="0" err="1">
-                          <a:solidFill>
-                            <a:srgbClr val="000000"/>
-                          </a:solidFill>
-                          <a:effectLst/>
-                          <a:latin typeface="+mn-lt"/>
-                        </a:rPr>
-                        <a:t>total_part_time</a:t>
-                      </a:r>
-                      <a:endParaRPr lang="en-GB" sz="1400" b="0" i="0" u="none" strike="noStrike" dirty="0">
-                        <a:solidFill>
-                          <a:srgbClr val="000000"/>
-                        </a:solidFill>
-                        <a:effectLst/>
-                        <a:latin typeface="+mn-lt"/>
-                      </a:endParaRPr>
-                    </a:p>
-                  </a:txBody>
-                  <a:tcPr marL="6350" marR="6350" marT="6350" marB="0" anchor="ctr"/>
-                </a:tc>
-                <a:tc>
-                  <a:txBody>
-                    <a:bodyPr/>
-                    <a:lstStyle/>
-                    <a:p>
-                      <a:pPr algn="r" fontAlgn="ctr"/>
-                      <a:endParaRPr lang="en-GB" sz="1400" b="0" i="0" u="none" strike="noStrike">
-                        <a:solidFill>
-                          <a:srgbClr val="000000"/>
-                        </a:solidFill>
-                        <a:effectLst/>
-                        <a:latin typeface="+mn-lt"/>
-                      </a:endParaRPr>
-                    </a:p>
-                    <a:p>
-                      <a:pPr algn="r" fontAlgn="ctr"/>
-                      <a:r>
-                        <a:rPr lang="en-GB" sz="1400" b="0" i="0" u="none" strike="noStrike">
-                          <a:solidFill>
-                            <a:srgbClr val="000000"/>
-                          </a:solidFill>
-                          <a:effectLst/>
-                          <a:latin typeface="+mn-lt"/>
-                        </a:rPr>
-                        <a:t>-0.200437092 </a:t>
-                      </a:r>
-                    </a:p>
-                  </a:txBody>
-                  <a:tcPr marL="6350" marR="6350" marT="6350" marB="0" anchor="ctr"/>
-                </a:tc>
-                <a:extLst>
-                  <a:ext uri="{0D108BD9-81ED-4DB2-BD59-A6C34878D82A}">
-                    <a16:rowId xmlns:a16="http://schemas.microsoft.com/office/drawing/2014/main" val="2067295398"/>
-                  </a:ext>
-                </a:extLst>
-              </a:tr>
-              <a:tr h="375498">
-                <a:tc>
-                  <a:txBody>
-                    <a:bodyPr/>
-                    <a:lstStyle/>
-                    <a:p>
-                      <a:pPr algn="l" fontAlgn="ctr"/>
-                      <a:endParaRPr lang="en-GB" sz="1400" b="0" i="0" u="none" strike="noStrike" dirty="0">
-                        <a:solidFill>
-                          <a:srgbClr val="000000"/>
-                        </a:solidFill>
-                        <a:effectLst/>
-                        <a:latin typeface="+mn-lt"/>
-                      </a:endParaRPr>
-                    </a:p>
-                    <a:p>
-                      <a:pPr algn="l" fontAlgn="ctr"/>
-                      <a:r>
-                        <a:rPr lang="en-GB" sz="1400" b="0" i="0" u="none" strike="noStrike" dirty="0" err="1">
-                          <a:solidFill>
-                            <a:srgbClr val="000000"/>
-                          </a:solidFill>
-                          <a:effectLst/>
-                          <a:latin typeface="+mn-lt"/>
-                        </a:rPr>
-                        <a:t>ptug_share_of_total_pt_enrl</a:t>
-                      </a:r>
-                      <a:endParaRPr lang="en-GB" sz="1400" b="0" i="0" u="none" strike="noStrike" dirty="0">
-                        <a:solidFill>
-                          <a:srgbClr val="000000"/>
-                        </a:solidFill>
-                        <a:effectLst/>
-                        <a:latin typeface="+mn-lt"/>
-                      </a:endParaRPr>
-                    </a:p>
-                  </a:txBody>
-                  <a:tcPr marL="6350" marR="6350" marT="6350" marB="0" anchor="ctr"/>
-                </a:tc>
-                <a:tc>
-                  <a:txBody>
-                    <a:bodyPr/>
-                    <a:lstStyle/>
-                    <a:p>
-                      <a:pPr algn="r" fontAlgn="ctr"/>
-                      <a:endParaRPr lang="en-GB" sz="1400" b="0" i="0" u="none" strike="noStrike">
-                        <a:solidFill>
-                          <a:srgbClr val="000000"/>
-                        </a:solidFill>
-                        <a:effectLst/>
-                        <a:latin typeface="+mn-lt"/>
-                      </a:endParaRPr>
-                    </a:p>
-                    <a:p>
-                      <a:pPr algn="r" fontAlgn="ctr"/>
-                      <a:r>
-                        <a:rPr lang="en-GB" sz="1400" b="0" i="0" u="none" strike="noStrike">
-                          <a:solidFill>
-                            <a:srgbClr val="000000"/>
-                          </a:solidFill>
-                          <a:effectLst/>
-                          <a:latin typeface="+mn-lt"/>
-                        </a:rPr>
-                        <a:t>-0.163895817 </a:t>
-                      </a:r>
-                    </a:p>
-                  </a:txBody>
-                  <a:tcPr marL="6350" marR="6350" marT="6350" marB="0" anchor="ctr"/>
-                </a:tc>
-                <a:extLst>
-                  <a:ext uri="{0D108BD9-81ED-4DB2-BD59-A6C34878D82A}">
-                    <a16:rowId xmlns:a16="http://schemas.microsoft.com/office/drawing/2014/main" val="498738980"/>
-                  </a:ext>
-                </a:extLst>
-              </a:tr>
-              <a:tr h="375498">
-                <a:tc>
-                  <a:txBody>
-                    <a:bodyPr/>
-                    <a:lstStyle/>
-                    <a:p>
-                      <a:pPr algn="l" fontAlgn="ctr"/>
-                      <a:endParaRPr lang="en-GB" sz="1400" b="0" i="0" u="none" strike="noStrike" dirty="0">
-                        <a:solidFill>
-                          <a:srgbClr val="000000"/>
-                        </a:solidFill>
-                        <a:effectLst/>
-                        <a:latin typeface="+mn-lt"/>
-                      </a:endParaRPr>
-                    </a:p>
-                    <a:p>
-                      <a:pPr algn="l" fontAlgn="ctr"/>
-                      <a:r>
-                        <a:rPr lang="en-GB" sz="1400" b="0" i="0" u="none" strike="noStrike" dirty="0">
-                          <a:solidFill>
-                            <a:srgbClr val="000000"/>
-                          </a:solidFill>
-                          <a:effectLst/>
-                          <a:latin typeface="+mn-lt"/>
-                        </a:rPr>
-                        <a:t>grant01</a:t>
-                      </a:r>
-                    </a:p>
-                  </a:txBody>
-                  <a:tcPr marL="6350" marR="6350" marT="6350" marB="0" anchor="ctr"/>
-                </a:tc>
-                <a:tc>
-                  <a:txBody>
-                    <a:bodyPr/>
-                    <a:lstStyle/>
-                    <a:p>
-                      <a:pPr algn="r" fontAlgn="ctr"/>
-                      <a:endParaRPr lang="en-GB" sz="1400" b="0" i="0" u="none" strike="noStrike" dirty="0">
-                        <a:solidFill>
-                          <a:srgbClr val="000000"/>
-                        </a:solidFill>
-                        <a:effectLst/>
-                        <a:latin typeface="+mn-lt"/>
-                      </a:endParaRPr>
-                    </a:p>
-                    <a:p>
-                      <a:pPr algn="r" fontAlgn="ctr"/>
-                      <a:r>
-                        <a:rPr lang="en-GB" sz="1400" b="0" i="0" u="none" strike="noStrike" dirty="0">
-                          <a:solidFill>
-                            <a:srgbClr val="000000"/>
-                          </a:solidFill>
-                          <a:effectLst/>
-                          <a:latin typeface="+mn-lt"/>
-                        </a:rPr>
-                        <a:t>-0.161917241 </a:t>
-                      </a:r>
-                    </a:p>
-                  </a:txBody>
-                  <a:tcPr marL="6350" marR="6350" marT="6350" marB="0" anchor="ctr"/>
-                </a:tc>
-                <a:extLst>
-                  <a:ext uri="{0D108BD9-81ED-4DB2-BD59-A6C34878D82A}">
-                    <a16:rowId xmlns:a16="http://schemas.microsoft.com/office/drawing/2014/main" val="2702805797"/>
-                  </a:ext>
-                </a:extLst>
-              </a:tr>
-              <a:tr h="375498">
-                <a:tc>
-                  <a:txBody>
-                    <a:bodyPr/>
-                    <a:lstStyle/>
-                    <a:p>
-                      <a:pPr algn="l" fontAlgn="ctr"/>
-                      <a:endParaRPr lang="en-GB" sz="1400" b="0" i="0" u="none" strike="noStrike" dirty="0">
-                        <a:solidFill>
-                          <a:srgbClr val="000000"/>
-                        </a:solidFill>
-                        <a:effectLst/>
-                        <a:latin typeface="+mn-lt"/>
-                      </a:endParaRPr>
-                    </a:p>
-                    <a:p>
-                      <a:pPr algn="l" fontAlgn="ctr"/>
-                      <a:r>
-                        <a:rPr lang="en-GB" sz="1400" b="0" i="0" u="none" strike="noStrike" dirty="0">
-                          <a:solidFill>
-                            <a:srgbClr val="000000"/>
-                          </a:solidFill>
-                          <a:effectLst/>
-                          <a:latin typeface="+mn-lt"/>
-                        </a:rPr>
-                        <a:t>auxiliary03</a:t>
-                      </a:r>
-                    </a:p>
-                  </a:txBody>
-                  <a:tcPr marL="6350" marR="6350" marT="6350" marB="0" anchor="ctr"/>
-                </a:tc>
-                <a:tc>
-                  <a:txBody>
-                    <a:bodyPr/>
-                    <a:lstStyle/>
-                    <a:p>
-                      <a:pPr algn="r" fontAlgn="ctr"/>
-                      <a:endParaRPr lang="en-GB" sz="1400" b="0" i="0" u="none" strike="noStrike">
-                        <a:solidFill>
-                          <a:srgbClr val="000000"/>
-                        </a:solidFill>
-                        <a:effectLst/>
-                        <a:latin typeface="+mn-lt"/>
-                      </a:endParaRPr>
-                    </a:p>
-                    <a:p>
-                      <a:pPr algn="r" fontAlgn="ctr"/>
-                      <a:r>
-                        <a:rPr lang="en-GB" sz="1400" b="0" i="0" u="none" strike="noStrike">
-                          <a:solidFill>
-                            <a:srgbClr val="000000"/>
-                          </a:solidFill>
-                          <a:effectLst/>
-                          <a:latin typeface="+mn-lt"/>
-                        </a:rPr>
-                        <a:t>0.145280763 </a:t>
-                      </a:r>
-                    </a:p>
-                  </a:txBody>
-                  <a:tcPr marL="6350" marR="6350" marT="6350" marB="0" anchor="ctr"/>
-                </a:tc>
-                <a:extLst>
-                  <a:ext uri="{0D108BD9-81ED-4DB2-BD59-A6C34878D82A}">
-                    <a16:rowId xmlns:a16="http://schemas.microsoft.com/office/drawing/2014/main" val="1306237140"/>
-                  </a:ext>
-                </a:extLst>
-              </a:tr>
-              <a:tr h="375498">
-                <a:tc>
-                  <a:txBody>
-                    <a:bodyPr/>
-                    <a:lstStyle/>
-                    <a:p>
-                      <a:pPr algn="l" fontAlgn="ctr"/>
-                      <a:endParaRPr lang="en-GB" sz="1400" b="0" i="0" u="none" strike="noStrike" dirty="0">
-                        <a:solidFill>
-                          <a:srgbClr val="000000"/>
-                        </a:solidFill>
-                        <a:effectLst/>
-                        <a:latin typeface="+mn-lt"/>
-                      </a:endParaRPr>
-                    </a:p>
-                    <a:p>
-                      <a:pPr algn="l" fontAlgn="ctr"/>
-                      <a:r>
-                        <a:rPr lang="en-GB" sz="1400" b="0" i="0" u="none" strike="noStrike" dirty="0" err="1">
-                          <a:solidFill>
-                            <a:srgbClr val="000000"/>
-                          </a:solidFill>
-                          <a:effectLst/>
-                          <a:latin typeface="+mn-lt"/>
-                        </a:rPr>
-                        <a:t>total_part_time_postbacc</a:t>
-                      </a:r>
-                      <a:endParaRPr lang="en-GB" sz="1400" b="0" i="0" u="none" strike="noStrike" dirty="0">
-                        <a:solidFill>
-                          <a:srgbClr val="000000"/>
-                        </a:solidFill>
-                        <a:effectLst/>
-                        <a:latin typeface="+mn-lt"/>
-                      </a:endParaRPr>
-                    </a:p>
-                  </a:txBody>
-                  <a:tcPr marL="6350" marR="6350" marT="6350" marB="0" anchor="ctr"/>
-                </a:tc>
-                <a:tc>
-                  <a:txBody>
-                    <a:bodyPr/>
-                    <a:lstStyle/>
-                    <a:p>
-                      <a:pPr algn="r" fontAlgn="ctr"/>
-                      <a:endParaRPr lang="en-GB" sz="1400" b="0" i="0" u="none" strike="noStrike">
-                        <a:solidFill>
-                          <a:srgbClr val="000000"/>
-                        </a:solidFill>
-                        <a:effectLst/>
-                        <a:latin typeface="+mn-lt"/>
-                      </a:endParaRPr>
-                    </a:p>
-                    <a:p>
-                      <a:pPr algn="r" fontAlgn="ctr"/>
-                      <a:r>
-                        <a:rPr lang="en-GB" sz="1400" b="0" i="0" u="none" strike="noStrike">
-                          <a:solidFill>
-                            <a:srgbClr val="000000"/>
-                          </a:solidFill>
-                          <a:effectLst/>
-                          <a:latin typeface="+mn-lt"/>
-                        </a:rPr>
-                        <a:t>-0.114113831 </a:t>
-                      </a:r>
-                    </a:p>
-                  </a:txBody>
-                  <a:tcPr marL="6350" marR="6350" marT="6350" marB="0" anchor="ctr"/>
-                </a:tc>
-                <a:extLst>
-                  <a:ext uri="{0D108BD9-81ED-4DB2-BD59-A6C34878D82A}">
-                    <a16:rowId xmlns:a16="http://schemas.microsoft.com/office/drawing/2014/main" val="77369290"/>
-                  </a:ext>
-                </a:extLst>
-              </a:tr>
-              <a:tr h="375498">
-                <a:tc>
-                  <a:txBody>
-                    <a:bodyPr/>
-                    <a:lstStyle/>
-                    <a:p>
-                      <a:pPr algn="l" fontAlgn="ctr"/>
-                      <a:endParaRPr lang="en-GB" sz="1400" b="0" i="0" u="none" strike="noStrike" dirty="0">
-                        <a:solidFill>
-                          <a:srgbClr val="000000"/>
-                        </a:solidFill>
-                        <a:effectLst/>
-                        <a:latin typeface="+mn-lt"/>
-                      </a:endParaRPr>
-                    </a:p>
-                    <a:p>
-                      <a:pPr algn="l" fontAlgn="ctr"/>
-                      <a:r>
-                        <a:rPr lang="en-GB" sz="1400" b="0" i="0" u="none" strike="noStrike" dirty="0">
-                          <a:solidFill>
-                            <a:srgbClr val="000000"/>
-                          </a:solidFill>
-                          <a:effectLst/>
-                          <a:latin typeface="+mn-lt"/>
-                        </a:rPr>
-                        <a:t>eandg02</a:t>
-                      </a:r>
-                    </a:p>
-                  </a:txBody>
-                  <a:tcPr marL="6350" marR="6350" marT="6350" marB="0" anchor="ctr"/>
-                </a:tc>
-                <a:tc>
-                  <a:txBody>
-                    <a:bodyPr/>
-                    <a:lstStyle/>
-                    <a:p>
-                      <a:pPr algn="r" fontAlgn="ctr"/>
-                      <a:endParaRPr lang="en-GB" sz="1400" b="0" i="0" u="none" strike="noStrike">
-                        <a:solidFill>
-                          <a:srgbClr val="000000"/>
-                        </a:solidFill>
-                        <a:effectLst/>
-                        <a:latin typeface="+mn-lt"/>
-                      </a:endParaRPr>
-                    </a:p>
-                    <a:p>
-                      <a:pPr algn="r" fontAlgn="ctr"/>
-                      <a:r>
-                        <a:rPr lang="en-GB" sz="1400" b="0" i="0" u="none" strike="noStrike">
-                          <a:solidFill>
-                            <a:srgbClr val="000000"/>
-                          </a:solidFill>
-                          <a:effectLst/>
-                          <a:latin typeface="+mn-lt"/>
-                        </a:rPr>
-                        <a:t>0.089800624 </a:t>
-                      </a:r>
-                    </a:p>
-                  </a:txBody>
-                  <a:tcPr marL="6350" marR="6350" marT="6350" marB="0" anchor="ctr"/>
-                </a:tc>
-                <a:extLst>
-                  <a:ext uri="{0D108BD9-81ED-4DB2-BD59-A6C34878D82A}">
-                    <a16:rowId xmlns:a16="http://schemas.microsoft.com/office/drawing/2014/main" val="3496620231"/>
-                  </a:ext>
-                </a:extLst>
-              </a:tr>
-              <a:tr h="430321">
-                <a:tc>
-                  <a:txBody>
-                    <a:bodyPr/>
-                    <a:lstStyle/>
-                    <a:p>
-                      <a:pPr algn="l" fontAlgn="ctr"/>
-                      <a:endParaRPr lang="en-GB" sz="1400" b="0" i="0" u="none" strike="noStrike" dirty="0">
-                        <a:solidFill>
-                          <a:srgbClr val="000000"/>
-                        </a:solidFill>
-                        <a:effectLst/>
-                        <a:latin typeface="+mn-lt"/>
-                      </a:endParaRPr>
-                    </a:p>
-                    <a:p>
-                      <a:pPr algn="l" fontAlgn="ctr"/>
-                      <a:r>
-                        <a:rPr lang="en-GB" sz="1400" b="0" i="0" u="none" strike="noStrike" dirty="0" err="1">
-                          <a:solidFill>
-                            <a:srgbClr val="000000"/>
-                          </a:solidFill>
-                          <a:effectLst/>
-                          <a:latin typeface="+mn-lt"/>
-                        </a:rPr>
-                        <a:t>bach_deg_share_of_tot_deg</a:t>
-                      </a:r>
-                      <a:endParaRPr lang="en-GB" sz="1400" b="0" i="0" u="none" strike="noStrike" dirty="0">
-                        <a:solidFill>
-                          <a:srgbClr val="000000"/>
-                        </a:solidFill>
-                        <a:effectLst/>
-                        <a:latin typeface="+mn-lt"/>
-                      </a:endParaRPr>
-                    </a:p>
-                  </a:txBody>
-                  <a:tcPr marL="6350" marR="6350" marT="6350" marB="0" anchor="ctr"/>
-                </a:tc>
-                <a:tc>
-                  <a:txBody>
-                    <a:bodyPr/>
-                    <a:lstStyle/>
-                    <a:p>
-                      <a:pPr algn="r" fontAlgn="ctr"/>
-                      <a:endParaRPr lang="en-GB" sz="1400" b="0" i="0" u="none" strike="noStrike">
-                        <a:solidFill>
-                          <a:srgbClr val="000000"/>
-                        </a:solidFill>
-                        <a:effectLst/>
-                        <a:latin typeface="+mn-lt"/>
-                      </a:endParaRPr>
-                    </a:p>
-                    <a:p>
-                      <a:pPr algn="r" fontAlgn="ctr"/>
-                      <a:r>
-                        <a:rPr lang="en-GB" sz="1400" b="0" i="0" u="none" strike="noStrike">
-                          <a:solidFill>
-                            <a:srgbClr val="000000"/>
-                          </a:solidFill>
-                          <a:effectLst/>
-                          <a:latin typeface="+mn-lt"/>
-                        </a:rPr>
-                        <a:t>0.08153696 </a:t>
-                      </a:r>
-                    </a:p>
-                  </a:txBody>
-                  <a:tcPr marL="6350" marR="6350" marT="6350" marB="0" anchor="ctr"/>
-                </a:tc>
-                <a:extLst>
-                  <a:ext uri="{0D108BD9-81ED-4DB2-BD59-A6C34878D82A}">
-                    <a16:rowId xmlns:a16="http://schemas.microsoft.com/office/drawing/2014/main" val="1593761885"/>
-                  </a:ext>
-                </a:extLst>
-              </a:tr>
-              <a:tr h="375498">
-                <a:tc>
-                  <a:txBody>
-                    <a:bodyPr/>
-                    <a:lstStyle/>
-                    <a:p>
-                      <a:pPr algn="l" fontAlgn="ctr"/>
-                      <a:endParaRPr lang="en-GB" sz="1400" b="0" i="0" u="none" strike="noStrike">
-                        <a:solidFill>
-                          <a:srgbClr val="000000"/>
-                        </a:solidFill>
-                        <a:effectLst/>
-                        <a:latin typeface="+mn-lt"/>
-                      </a:endParaRPr>
-                    </a:p>
-                    <a:p>
-                      <a:pPr algn="l" fontAlgn="ctr"/>
-                      <a:r>
-                        <a:rPr lang="en-GB" sz="1400" b="0" i="0" u="none" strike="noStrike">
-                          <a:solidFill>
-                            <a:srgbClr val="000000"/>
-                          </a:solidFill>
-                          <a:effectLst/>
-                          <a:latin typeface="+mn-lt"/>
-                        </a:rPr>
-                        <a:t>fall_cohort_pct</a:t>
-                      </a:r>
-                    </a:p>
-                  </a:txBody>
-                  <a:tcPr marL="6350" marR="6350" marT="6350" marB="0" anchor="ctr"/>
-                </a:tc>
-                <a:tc>
-                  <a:txBody>
-                    <a:bodyPr/>
-                    <a:lstStyle/>
-                    <a:p>
-                      <a:pPr algn="r" fontAlgn="ctr"/>
-                      <a:endParaRPr lang="en-GB" sz="1400" b="0" i="0" u="none" strike="noStrike" dirty="0">
-                        <a:solidFill>
-                          <a:srgbClr val="000000"/>
-                        </a:solidFill>
-                        <a:effectLst/>
-                        <a:latin typeface="+mn-lt"/>
-                      </a:endParaRPr>
-                    </a:p>
-                    <a:p>
-                      <a:pPr algn="r" fontAlgn="ctr"/>
-                      <a:r>
-                        <a:rPr lang="en-GB" sz="1400" b="0" i="0" u="none" strike="noStrike" dirty="0">
-                          <a:solidFill>
-                            <a:srgbClr val="000000"/>
-                          </a:solidFill>
-                          <a:effectLst/>
-                          <a:latin typeface="+mn-lt"/>
-                        </a:rPr>
-                        <a:t>0.080586461</a:t>
-                      </a:r>
-                    </a:p>
-                  </a:txBody>
-                  <a:tcPr marL="6350" marR="6350" marT="6350" marB="0" anchor="ctr"/>
-                </a:tc>
-                <a:extLst>
-                  <a:ext uri="{0D108BD9-81ED-4DB2-BD59-A6C34878D82A}">
-                    <a16:rowId xmlns:a16="http://schemas.microsoft.com/office/drawing/2014/main" val="3551024362"/>
-                  </a:ext>
-                </a:extLst>
-              </a:tr>
-            </a:tbl>
-          </a:graphicData>
-        </a:graphic>
-      </p:graphicFrame>
-      <p:graphicFrame>
-        <p:nvGraphicFramePr>
-          <p:cNvPr id="6" name="Table 5">
-            <a:extLst>
-              <a:ext uri="{FF2B5EF4-FFF2-40B4-BE49-F238E27FC236}">
-                <a16:creationId xmlns:a16="http://schemas.microsoft.com/office/drawing/2014/main" id="{8ED281BD-3869-486F-B89B-6F378D7FF205}"/>
-              </a:ext>
-            </a:extLst>
-          </p:cNvPr>
-          <p:cNvGraphicFramePr>
-            <a:graphicFrameLocks noGrp="1"/>
-          </p:cNvGraphicFramePr>
-          <p:nvPr>
-            <p:extLst>
-              <p:ext uri="{D42A27DB-BD31-4B8C-83A1-F6EECF244321}">
-                <p14:modId xmlns:p14="http://schemas.microsoft.com/office/powerpoint/2010/main" val="2344427227"/>
-              </p:ext>
-            </p:extLst>
-          </p:nvPr>
-        </p:nvGraphicFramePr>
-        <p:xfrm>
-          <a:off x="5628442" y="1422934"/>
-          <a:ext cx="5037244" cy="5206203"/>
-        </p:xfrm>
-        <a:graphic>
-          <a:graphicData uri="http://schemas.openxmlformats.org/drawingml/2006/table">
-            <a:tbl>
-              <a:tblPr>
-                <a:tableStyleId>{5C22544A-7EE6-4342-B048-85BDC9FD1C3A}</a:tableStyleId>
-              </a:tblPr>
-              <a:tblGrid>
-                <a:gridCol w="3698301">
-                  <a:extLst>
-                    <a:ext uri="{9D8B030D-6E8A-4147-A177-3AD203B41FA5}">
-                      <a16:colId xmlns:a16="http://schemas.microsoft.com/office/drawing/2014/main" val="3828946005"/>
-                    </a:ext>
-                  </a:extLst>
-                </a:gridCol>
-                <a:gridCol w="1338943">
-                  <a:extLst>
-                    <a:ext uri="{9D8B030D-6E8A-4147-A177-3AD203B41FA5}">
-                      <a16:colId xmlns:a16="http://schemas.microsoft.com/office/drawing/2014/main" val="3116620885"/>
-                    </a:ext>
-                  </a:extLst>
-                </a:gridCol>
-              </a:tblGrid>
-              <a:tr h="385011">
-                <a:tc gridSpan="2">
-                  <a:txBody>
-                    <a:bodyPr/>
-                    <a:lstStyle/>
-                    <a:p>
-                      <a:pPr algn="ctr" fontAlgn="ctr"/>
-                      <a:r>
-                        <a:rPr lang="en-US" sz="1600" b="1" i="0" u="none" strike="noStrike" dirty="0">
-                          <a:solidFill>
-                            <a:srgbClr val="000000"/>
-                          </a:solidFill>
-                          <a:effectLst/>
-                          <a:latin typeface="Calibri" charset="0"/>
-                        </a:rPr>
-                        <a:t>Bachelors Degrees per FTE</a:t>
-                      </a:r>
-                    </a:p>
-                  </a:txBody>
-                  <a:tcPr marL="2812" marR="2812" marT="2812" marB="0" anchor="ctr"/>
-                </a:tc>
-                <a:tc hMerge="1">
-                  <a:txBody>
-                    <a:bodyPr/>
-                    <a:lstStyle/>
-                    <a:p>
-                      <a:pPr algn="ctr" fontAlgn="ctr"/>
-                      <a:endParaRPr lang="en-US" sz="1600" b="1" i="0" u="none" strike="noStrike" dirty="0">
-                        <a:solidFill>
-                          <a:srgbClr val="000000"/>
-                        </a:solidFill>
-                        <a:effectLst/>
-                        <a:latin typeface="Calibri" charset="0"/>
-                      </a:endParaRPr>
-                    </a:p>
-                  </a:txBody>
-                  <a:tcPr marL="2812" marR="2812" marT="2812" marB="0" anchor="ctr"/>
-                </a:tc>
-                <a:extLst>
-                  <a:ext uri="{0D108BD9-81ED-4DB2-BD59-A6C34878D82A}">
-                    <a16:rowId xmlns:a16="http://schemas.microsoft.com/office/drawing/2014/main" val="2750690894"/>
-                  </a:ext>
-                </a:extLst>
-              </a:tr>
-              <a:tr h="375498">
-                <a:tc>
-                  <a:txBody>
-                    <a:bodyPr/>
-                    <a:lstStyle/>
-                    <a:p>
-                      <a:pPr algn="ctr" fontAlgn="ctr"/>
-                      <a:r>
-                        <a:rPr lang="en-US" sz="1600" b="1" u="none" strike="noStrike" dirty="0">
-                          <a:effectLst/>
-                        </a:rPr>
-                        <a:t>Variable</a:t>
-                      </a:r>
-                      <a:endParaRPr lang="en-US" sz="1600" b="1" i="0" u="none" strike="noStrike" dirty="0">
-                        <a:solidFill>
-                          <a:srgbClr val="000000"/>
-                        </a:solidFill>
-                        <a:effectLst/>
-                        <a:latin typeface="Calibri" charset="0"/>
-                      </a:endParaRPr>
-                    </a:p>
-                  </a:txBody>
-                  <a:tcPr marL="2812" marR="2812" marT="2812" marB="0" anchor="ctr"/>
-                </a:tc>
-                <a:tc>
-                  <a:txBody>
-                    <a:bodyPr/>
-                    <a:lstStyle/>
-                    <a:p>
-                      <a:pPr algn="ctr" fontAlgn="ctr"/>
-                      <a:r>
-                        <a:rPr lang="en-US" sz="1600" b="1" u="none" strike="noStrike" dirty="0">
-                          <a:effectLst/>
-                        </a:rPr>
-                        <a:t>Lasso Coefficient</a:t>
-                      </a:r>
-                      <a:endParaRPr lang="en-US" sz="1600" b="1" i="0" u="none" strike="noStrike" dirty="0">
-                        <a:solidFill>
-                          <a:srgbClr val="000000"/>
-                        </a:solidFill>
-                        <a:effectLst/>
-                        <a:latin typeface="Calibri" charset="0"/>
-                      </a:endParaRPr>
-                    </a:p>
-                  </a:txBody>
-                  <a:tcPr marL="2812" marR="2812" marT="2812" marB="0" anchor="ctr"/>
-                </a:tc>
-                <a:extLst>
-                  <a:ext uri="{0D108BD9-81ED-4DB2-BD59-A6C34878D82A}">
-                    <a16:rowId xmlns:a16="http://schemas.microsoft.com/office/drawing/2014/main" val="621517536"/>
-                  </a:ext>
-                </a:extLst>
-              </a:tr>
-              <a:tr h="375498">
-                <a:tc>
-                  <a:txBody>
-                    <a:bodyPr/>
-                    <a:lstStyle/>
-                    <a:p>
-                      <a:pPr algn="l" fontAlgn="ctr"/>
-                      <a:endParaRPr lang="en-GB" sz="1400" b="0" i="0" u="none" strike="noStrike">
-                        <a:solidFill>
-                          <a:srgbClr val="000000"/>
-                        </a:solidFill>
-                        <a:effectLst/>
-                        <a:latin typeface="+mn-lt"/>
-                      </a:endParaRPr>
-                    </a:p>
-                    <a:p>
-                      <a:pPr algn="l" fontAlgn="ctr"/>
-                      <a:r>
-                        <a:rPr lang="en-GB" sz="1400" b="0" i="0" u="none" strike="noStrike">
-                          <a:solidFill>
-                            <a:srgbClr val="000000"/>
-                          </a:solidFill>
-                          <a:effectLst/>
-                          <a:latin typeface="+mn-lt"/>
-                        </a:rPr>
-                        <a:t>bach_deg_share_of_tot_deg</a:t>
-                      </a:r>
-                    </a:p>
-                  </a:txBody>
-                  <a:tcPr marL="6350" marR="6350" marT="6350" marB="0" anchor="ctr"/>
-                </a:tc>
-                <a:tc>
-                  <a:txBody>
-                    <a:bodyPr/>
-                    <a:lstStyle/>
-                    <a:p>
-                      <a:pPr algn="r" fontAlgn="ctr"/>
-                      <a:endParaRPr lang="en-GB" sz="1400" b="0" i="0" u="none" strike="noStrike">
-                        <a:solidFill>
-                          <a:srgbClr val="000000"/>
-                        </a:solidFill>
-                        <a:effectLst/>
-                        <a:latin typeface="+mn-lt"/>
-                      </a:endParaRPr>
-                    </a:p>
-                    <a:p>
-                      <a:pPr algn="r" fontAlgn="ctr"/>
-                      <a:r>
-                        <a:rPr lang="en-GB" sz="1400" b="0" i="0" u="none" strike="noStrike">
-                          <a:solidFill>
-                            <a:srgbClr val="000000"/>
-                          </a:solidFill>
-                          <a:effectLst/>
-                          <a:latin typeface="+mn-lt"/>
-                        </a:rPr>
-                        <a:t>0.525265189 </a:t>
-                      </a:r>
-                    </a:p>
-                  </a:txBody>
-                  <a:tcPr marL="6350" marR="6350" marT="6350" marB="0" anchor="ctr"/>
-                </a:tc>
-                <a:extLst>
-                  <a:ext uri="{0D108BD9-81ED-4DB2-BD59-A6C34878D82A}">
-                    <a16:rowId xmlns:a16="http://schemas.microsoft.com/office/drawing/2014/main" val="196882050"/>
-                  </a:ext>
-                </a:extLst>
-              </a:tr>
-              <a:tr h="375498">
-                <a:tc>
-                  <a:txBody>
-                    <a:bodyPr/>
-                    <a:lstStyle/>
-                    <a:p>
-                      <a:pPr algn="l" fontAlgn="ctr"/>
-                      <a:endParaRPr lang="en-GB" sz="1400" b="0" i="0" u="none" strike="noStrike" dirty="0">
-                        <a:solidFill>
-                          <a:srgbClr val="000000"/>
-                        </a:solidFill>
-                        <a:effectLst/>
-                        <a:latin typeface="+mn-lt"/>
-                      </a:endParaRPr>
-                    </a:p>
-                    <a:p>
-                      <a:pPr algn="l" fontAlgn="ctr"/>
-                      <a:r>
-                        <a:rPr lang="en-GB" sz="1400" b="0" i="0" u="none" strike="noStrike" dirty="0">
-                          <a:solidFill>
-                            <a:srgbClr val="000000"/>
-                          </a:solidFill>
-                          <a:effectLst/>
-                          <a:latin typeface="+mn-lt"/>
-                        </a:rPr>
-                        <a:t>hbcu2</a:t>
-                      </a:r>
-                    </a:p>
-                  </a:txBody>
-                  <a:tcPr marL="6350" marR="6350" marT="6350" marB="0" anchor="ctr"/>
-                </a:tc>
-                <a:tc>
-                  <a:txBody>
-                    <a:bodyPr/>
-                    <a:lstStyle/>
-                    <a:p>
-                      <a:pPr algn="r" fontAlgn="ctr"/>
-                      <a:endParaRPr lang="en-GB" sz="1400" b="0" i="0" u="none" strike="noStrike">
-                        <a:solidFill>
-                          <a:srgbClr val="000000"/>
-                        </a:solidFill>
-                        <a:effectLst/>
-                        <a:latin typeface="+mn-lt"/>
-                      </a:endParaRPr>
-                    </a:p>
-                    <a:p>
-                      <a:pPr algn="r" fontAlgn="ctr"/>
-                      <a:r>
-                        <a:rPr lang="en-GB" sz="1400" b="0" i="0" u="none" strike="noStrike">
-                          <a:solidFill>
-                            <a:srgbClr val="000000"/>
-                          </a:solidFill>
-                          <a:effectLst/>
-                          <a:latin typeface="+mn-lt"/>
-                        </a:rPr>
-                        <a:t>0.478341477 </a:t>
-                      </a:r>
-                    </a:p>
-                  </a:txBody>
-                  <a:tcPr marL="6350" marR="6350" marT="6350" marB="0" anchor="ctr"/>
-                </a:tc>
-                <a:extLst>
-                  <a:ext uri="{0D108BD9-81ED-4DB2-BD59-A6C34878D82A}">
-                    <a16:rowId xmlns:a16="http://schemas.microsoft.com/office/drawing/2014/main" val="1570215453"/>
-                  </a:ext>
-                </a:extLst>
-              </a:tr>
-              <a:tr h="375498">
-                <a:tc>
-                  <a:txBody>
-                    <a:bodyPr/>
-                    <a:lstStyle/>
-                    <a:p>
-                      <a:pPr algn="l" fontAlgn="ctr"/>
-                      <a:endParaRPr lang="en-GB" sz="1400" b="0" i="0" u="none" strike="noStrike" dirty="0">
-                        <a:solidFill>
-                          <a:srgbClr val="000000"/>
-                        </a:solidFill>
-                        <a:effectLst/>
-                        <a:latin typeface="+mn-lt"/>
-                      </a:endParaRPr>
-                    </a:p>
-                    <a:p>
-                      <a:pPr algn="l" fontAlgn="ctr"/>
-                      <a:r>
-                        <a:rPr lang="en-GB" sz="1400" b="0" i="0" u="none" strike="noStrike" dirty="0" err="1">
-                          <a:solidFill>
-                            <a:srgbClr val="000000"/>
-                          </a:solidFill>
-                          <a:effectLst/>
-                          <a:latin typeface="+mn-lt"/>
-                        </a:rPr>
-                        <a:t>returning_to_total_undergraduate</a:t>
-                      </a:r>
-                      <a:endParaRPr lang="en-GB" sz="1400" b="0" i="0" u="none" strike="noStrike" dirty="0">
-                        <a:solidFill>
-                          <a:srgbClr val="000000"/>
-                        </a:solidFill>
-                        <a:effectLst/>
-                        <a:latin typeface="+mn-lt"/>
-                      </a:endParaRPr>
-                    </a:p>
-                  </a:txBody>
-                  <a:tcPr marL="6350" marR="6350" marT="6350" marB="0" anchor="ctr"/>
-                </a:tc>
-                <a:tc>
-                  <a:txBody>
-                    <a:bodyPr/>
-                    <a:lstStyle/>
-                    <a:p>
-                      <a:pPr algn="r" fontAlgn="ctr"/>
-                      <a:endParaRPr lang="en-GB" sz="1400" b="0" i="0" u="none" strike="noStrike">
-                        <a:solidFill>
-                          <a:srgbClr val="000000"/>
-                        </a:solidFill>
-                        <a:effectLst/>
-                        <a:latin typeface="+mn-lt"/>
-                      </a:endParaRPr>
-                    </a:p>
-                    <a:p>
-                      <a:pPr algn="r" fontAlgn="ctr"/>
-                      <a:r>
-                        <a:rPr lang="en-GB" sz="1400" b="0" i="0" u="none" strike="noStrike">
-                          <a:solidFill>
-                            <a:srgbClr val="000000"/>
-                          </a:solidFill>
-                          <a:effectLst/>
-                          <a:latin typeface="+mn-lt"/>
-                        </a:rPr>
-                        <a:t>0.351818157 </a:t>
-                      </a:r>
-                    </a:p>
-                  </a:txBody>
-                  <a:tcPr marL="6350" marR="6350" marT="6350" marB="0" anchor="ctr"/>
-                </a:tc>
-                <a:extLst>
-                  <a:ext uri="{0D108BD9-81ED-4DB2-BD59-A6C34878D82A}">
-                    <a16:rowId xmlns:a16="http://schemas.microsoft.com/office/drawing/2014/main" val="2067295398"/>
-                  </a:ext>
-                </a:extLst>
-              </a:tr>
-              <a:tr h="375498">
-                <a:tc>
-                  <a:txBody>
-                    <a:bodyPr/>
-                    <a:lstStyle/>
-                    <a:p>
-                      <a:pPr algn="l" fontAlgn="ctr"/>
-                      <a:endParaRPr lang="en-GB" sz="1400" b="0" i="0" u="none" strike="noStrike" dirty="0">
-                        <a:solidFill>
-                          <a:srgbClr val="000000"/>
-                        </a:solidFill>
-                        <a:effectLst/>
-                        <a:latin typeface="+mn-lt"/>
-                      </a:endParaRPr>
-                    </a:p>
-                    <a:p>
-                      <a:pPr algn="l" fontAlgn="ctr"/>
-                      <a:r>
-                        <a:rPr lang="en-GB" sz="1400" b="0" i="0" u="none" strike="noStrike" dirty="0" err="1">
-                          <a:solidFill>
-                            <a:srgbClr val="000000"/>
-                          </a:solidFill>
-                          <a:effectLst/>
-                          <a:latin typeface="+mn-lt"/>
-                        </a:rPr>
-                        <a:t>eandr_degree</a:t>
-                      </a:r>
-                      <a:endParaRPr lang="en-GB" sz="1400" b="0" i="0" u="none" strike="noStrike" dirty="0">
-                        <a:solidFill>
-                          <a:srgbClr val="000000"/>
-                        </a:solidFill>
-                        <a:effectLst/>
-                        <a:latin typeface="+mn-lt"/>
-                      </a:endParaRPr>
-                    </a:p>
-                  </a:txBody>
-                  <a:tcPr marL="6350" marR="6350" marT="6350" marB="0" anchor="ctr"/>
-                </a:tc>
-                <a:tc>
-                  <a:txBody>
-                    <a:bodyPr/>
-                    <a:lstStyle/>
-                    <a:p>
-                      <a:pPr algn="r" fontAlgn="ctr"/>
-                      <a:endParaRPr lang="en-GB" sz="1400" b="0" i="0" u="none" strike="noStrike">
-                        <a:solidFill>
-                          <a:srgbClr val="000000"/>
-                        </a:solidFill>
-                        <a:effectLst/>
-                        <a:latin typeface="+mn-lt"/>
-                      </a:endParaRPr>
-                    </a:p>
-                    <a:p>
-                      <a:pPr algn="r" fontAlgn="ctr"/>
-                      <a:r>
-                        <a:rPr lang="en-GB" sz="1400" b="0" i="0" u="none" strike="noStrike">
-                          <a:solidFill>
-                            <a:srgbClr val="000000"/>
-                          </a:solidFill>
-                          <a:effectLst/>
-                          <a:latin typeface="+mn-lt"/>
-                        </a:rPr>
-                        <a:t>-0.255169884</a:t>
-                      </a:r>
-                    </a:p>
-                  </a:txBody>
-                  <a:tcPr marL="6350" marR="6350" marT="6350" marB="0" anchor="ctr"/>
-                </a:tc>
-                <a:extLst>
-                  <a:ext uri="{0D108BD9-81ED-4DB2-BD59-A6C34878D82A}">
-                    <a16:rowId xmlns:a16="http://schemas.microsoft.com/office/drawing/2014/main" val="498738980"/>
-                  </a:ext>
-                </a:extLst>
-              </a:tr>
-              <a:tr h="375498">
-                <a:tc>
-                  <a:txBody>
-                    <a:bodyPr/>
-                    <a:lstStyle/>
-                    <a:p>
-                      <a:pPr algn="l" fontAlgn="ctr"/>
-                      <a:endParaRPr lang="en-GB" sz="1400" b="0" i="0" u="none" strike="noStrike" dirty="0">
-                        <a:solidFill>
-                          <a:srgbClr val="000000"/>
-                        </a:solidFill>
-                        <a:effectLst/>
-                        <a:latin typeface="+mn-lt"/>
-                      </a:endParaRPr>
-                    </a:p>
-                    <a:p>
-                      <a:pPr algn="l" fontAlgn="ctr"/>
-                      <a:r>
-                        <a:rPr lang="en-GB" sz="1400" b="0" i="0" u="none" strike="noStrike" dirty="0" err="1">
-                          <a:solidFill>
-                            <a:srgbClr val="000000"/>
-                          </a:solidFill>
-                          <a:effectLst/>
-                          <a:latin typeface="+mn-lt"/>
-                        </a:rPr>
-                        <a:t>fed_grant_num</a:t>
-                      </a:r>
-                      <a:endParaRPr lang="en-GB" sz="1400" b="0" i="0" u="none" strike="noStrike" dirty="0">
-                        <a:solidFill>
-                          <a:srgbClr val="000000"/>
-                        </a:solidFill>
-                        <a:effectLst/>
-                        <a:latin typeface="+mn-lt"/>
-                      </a:endParaRPr>
-                    </a:p>
-                  </a:txBody>
-                  <a:tcPr marL="6350" marR="6350" marT="6350" marB="0" anchor="ctr"/>
-                </a:tc>
-                <a:tc>
-                  <a:txBody>
-                    <a:bodyPr/>
-                    <a:lstStyle/>
-                    <a:p>
-                      <a:pPr algn="r" fontAlgn="ctr"/>
-                      <a:endParaRPr lang="en-GB" sz="1400" b="0" i="0" u="none" strike="noStrike">
-                        <a:solidFill>
-                          <a:srgbClr val="000000"/>
-                        </a:solidFill>
-                        <a:effectLst/>
-                        <a:latin typeface="+mn-lt"/>
-                      </a:endParaRPr>
-                    </a:p>
-                    <a:p>
-                      <a:pPr algn="r" fontAlgn="ctr"/>
-                      <a:r>
-                        <a:rPr lang="en-GB" sz="1400" b="0" i="0" u="none" strike="noStrike">
-                          <a:solidFill>
-                            <a:srgbClr val="000000"/>
-                          </a:solidFill>
-                          <a:effectLst/>
-                          <a:latin typeface="+mn-lt"/>
-                        </a:rPr>
-                        <a:t>-0.159025745</a:t>
-                      </a:r>
-                    </a:p>
-                  </a:txBody>
-                  <a:tcPr marL="6350" marR="6350" marT="6350" marB="0" anchor="ctr"/>
-                </a:tc>
-                <a:extLst>
-                  <a:ext uri="{0D108BD9-81ED-4DB2-BD59-A6C34878D82A}">
-                    <a16:rowId xmlns:a16="http://schemas.microsoft.com/office/drawing/2014/main" val="2702805797"/>
-                  </a:ext>
-                </a:extLst>
-              </a:tr>
-              <a:tr h="375498">
-                <a:tc>
-                  <a:txBody>
-                    <a:bodyPr/>
-                    <a:lstStyle/>
-                    <a:p>
-                      <a:pPr algn="l" fontAlgn="ctr"/>
-                      <a:endParaRPr lang="en-GB" sz="1400" b="0" i="0" u="none" strike="noStrike" dirty="0">
-                        <a:solidFill>
-                          <a:srgbClr val="000000"/>
-                        </a:solidFill>
-                        <a:effectLst/>
-                        <a:latin typeface="+mn-lt"/>
-                      </a:endParaRPr>
-                    </a:p>
-                    <a:p>
-                      <a:pPr algn="l" fontAlgn="ctr"/>
-                      <a:r>
-                        <a:rPr lang="en-GB" sz="1400" b="0" i="0" u="none" strike="noStrike" dirty="0" err="1">
-                          <a:solidFill>
-                            <a:srgbClr val="000000"/>
-                          </a:solidFill>
-                          <a:effectLst/>
-                          <a:latin typeface="+mn-lt"/>
-                        </a:rPr>
-                        <a:t>other_ed_related_cost</a:t>
-                      </a:r>
-                      <a:endParaRPr lang="en-GB" sz="1400" b="0" i="0" u="none" strike="noStrike" dirty="0">
-                        <a:solidFill>
-                          <a:srgbClr val="000000"/>
-                        </a:solidFill>
-                        <a:effectLst/>
-                        <a:latin typeface="+mn-lt"/>
-                      </a:endParaRPr>
-                    </a:p>
-                  </a:txBody>
-                  <a:tcPr marL="6350" marR="6350" marT="6350" marB="0" anchor="ctr"/>
-                </a:tc>
-                <a:tc>
-                  <a:txBody>
-                    <a:bodyPr/>
-                    <a:lstStyle/>
-                    <a:p>
-                      <a:pPr algn="r" fontAlgn="ctr"/>
-                      <a:endParaRPr lang="en-GB" sz="1400" b="0" i="0" u="none" strike="noStrike">
-                        <a:solidFill>
-                          <a:srgbClr val="000000"/>
-                        </a:solidFill>
-                        <a:effectLst/>
-                        <a:latin typeface="+mn-lt"/>
-                      </a:endParaRPr>
-                    </a:p>
-                    <a:p>
-                      <a:pPr algn="r" fontAlgn="ctr"/>
-                      <a:r>
-                        <a:rPr lang="en-GB" sz="1400" b="0" i="0" u="none" strike="noStrike">
-                          <a:solidFill>
-                            <a:srgbClr val="000000"/>
-                          </a:solidFill>
-                          <a:effectLst/>
-                          <a:latin typeface="+mn-lt"/>
-                        </a:rPr>
-                        <a:t>0.134481618 </a:t>
-                      </a:r>
-                    </a:p>
-                  </a:txBody>
-                  <a:tcPr marL="6350" marR="6350" marT="6350" marB="0" anchor="ctr"/>
-                </a:tc>
-                <a:extLst>
-                  <a:ext uri="{0D108BD9-81ED-4DB2-BD59-A6C34878D82A}">
-                    <a16:rowId xmlns:a16="http://schemas.microsoft.com/office/drawing/2014/main" val="1306237140"/>
-                  </a:ext>
-                </a:extLst>
-              </a:tr>
-              <a:tr h="375498">
-                <a:tc>
-                  <a:txBody>
-                    <a:bodyPr/>
-                    <a:lstStyle/>
-                    <a:p>
-                      <a:pPr algn="l" fontAlgn="ctr"/>
-                      <a:endParaRPr lang="en-GB" sz="1400" b="0" i="0" u="none" strike="noStrike">
-                        <a:solidFill>
-                          <a:srgbClr val="000000"/>
-                        </a:solidFill>
-                        <a:effectLst/>
-                        <a:latin typeface="+mn-lt"/>
-                      </a:endParaRPr>
-                    </a:p>
-                    <a:p>
-                      <a:pPr algn="l" fontAlgn="ctr"/>
-                      <a:r>
-                        <a:rPr lang="en-GB" sz="1400" b="0" i="0" u="none" strike="noStrike">
-                          <a:solidFill>
-                            <a:srgbClr val="000000"/>
-                          </a:solidFill>
-                          <a:effectLst/>
-                          <a:latin typeface="+mn-lt"/>
-                        </a:rPr>
-                        <a:t>total_enrollment_black_tot</a:t>
-                      </a:r>
-                    </a:p>
-                  </a:txBody>
-                  <a:tcPr marL="6350" marR="6350" marT="6350" marB="0" anchor="ctr"/>
-                </a:tc>
-                <a:tc>
-                  <a:txBody>
-                    <a:bodyPr/>
-                    <a:lstStyle/>
-                    <a:p>
-                      <a:pPr algn="r" fontAlgn="ctr"/>
-                      <a:endParaRPr lang="en-GB" sz="1400" b="0" i="0" u="none" strike="noStrike">
-                        <a:solidFill>
-                          <a:srgbClr val="000000"/>
-                        </a:solidFill>
-                        <a:effectLst/>
-                        <a:latin typeface="+mn-lt"/>
-                      </a:endParaRPr>
-                    </a:p>
-                    <a:p>
-                      <a:pPr algn="r" fontAlgn="ctr"/>
-                      <a:r>
-                        <a:rPr lang="en-GB" sz="1400" b="0" i="0" u="none" strike="noStrike">
-                          <a:solidFill>
-                            <a:srgbClr val="000000"/>
-                          </a:solidFill>
-                          <a:effectLst/>
-                          <a:latin typeface="+mn-lt"/>
-                        </a:rPr>
-                        <a:t>-0.094660804</a:t>
-                      </a:r>
-                    </a:p>
-                  </a:txBody>
-                  <a:tcPr marL="6350" marR="6350" marT="6350" marB="0" anchor="ctr"/>
-                </a:tc>
-                <a:extLst>
-                  <a:ext uri="{0D108BD9-81ED-4DB2-BD59-A6C34878D82A}">
-                    <a16:rowId xmlns:a16="http://schemas.microsoft.com/office/drawing/2014/main" val="77369290"/>
-                  </a:ext>
-                </a:extLst>
-              </a:tr>
-              <a:tr h="375498">
-                <a:tc>
-                  <a:txBody>
-                    <a:bodyPr/>
-                    <a:lstStyle/>
-                    <a:p>
-                      <a:pPr algn="l" fontAlgn="ctr"/>
-                      <a:endParaRPr lang="en-GB" sz="1400" b="0" i="0" u="none" strike="noStrike" dirty="0">
-                        <a:solidFill>
-                          <a:srgbClr val="000000"/>
-                        </a:solidFill>
-                        <a:effectLst/>
-                        <a:latin typeface="+mn-lt"/>
-                      </a:endParaRPr>
-                    </a:p>
-                    <a:p>
-                      <a:pPr algn="l" fontAlgn="ctr"/>
-                      <a:r>
-                        <a:rPr lang="en-GB" sz="1400" b="0" i="0" u="none" strike="noStrike" dirty="0" err="1">
-                          <a:solidFill>
-                            <a:srgbClr val="000000"/>
-                          </a:solidFill>
-                          <a:effectLst/>
-                          <a:latin typeface="+mn-lt"/>
-                        </a:rPr>
-                        <a:t>inst_grant_num</a:t>
-                      </a:r>
-                      <a:endParaRPr lang="en-GB" sz="1400" b="0" i="0" u="none" strike="noStrike" dirty="0">
-                        <a:solidFill>
-                          <a:srgbClr val="000000"/>
-                        </a:solidFill>
-                        <a:effectLst/>
-                        <a:latin typeface="+mn-lt"/>
-                      </a:endParaRPr>
-                    </a:p>
-                  </a:txBody>
-                  <a:tcPr marL="6350" marR="6350" marT="6350" marB="0" anchor="ctr"/>
-                </a:tc>
-                <a:tc>
-                  <a:txBody>
-                    <a:bodyPr/>
-                    <a:lstStyle/>
-                    <a:p>
-                      <a:pPr algn="r" fontAlgn="ctr"/>
-                      <a:endParaRPr lang="en-GB" sz="1400" b="0" i="0" u="none" strike="noStrike">
-                        <a:solidFill>
-                          <a:srgbClr val="000000"/>
-                        </a:solidFill>
-                        <a:effectLst/>
-                        <a:latin typeface="+mn-lt"/>
-                      </a:endParaRPr>
-                    </a:p>
-                    <a:p>
-                      <a:pPr algn="r" fontAlgn="ctr"/>
-                      <a:r>
-                        <a:rPr lang="en-GB" sz="1400" b="0" i="0" u="none" strike="noStrike">
-                          <a:solidFill>
-                            <a:srgbClr val="000000"/>
-                          </a:solidFill>
-                          <a:effectLst/>
-                          <a:latin typeface="+mn-lt"/>
-                        </a:rPr>
-                        <a:t>0.093077126 </a:t>
-                      </a:r>
-                    </a:p>
-                  </a:txBody>
-                  <a:tcPr marL="6350" marR="6350" marT="6350" marB="0" anchor="ctr"/>
-                </a:tc>
-                <a:extLst>
-                  <a:ext uri="{0D108BD9-81ED-4DB2-BD59-A6C34878D82A}">
-                    <a16:rowId xmlns:a16="http://schemas.microsoft.com/office/drawing/2014/main" val="3496620231"/>
-                  </a:ext>
-                </a:extLst>
-              </a:tr>
-              <a:tr h="430321">
-                <a:tc>
-                  <a:txBody>
-                    <a:bodyPr/>
-                    <a:lstStyle/>
-                    <a:p>
-                      <a:pPr algn="l" fontAlgn="ctr"/>
-                      <a:endParaRPr lang="en-GB" sz="1400" b="0" i="0" u="none" strike="noStrike" dirty="0">
-                        <a:solidFill>
-                          <a:srgbClr val="000000"/>
-                        </a:solidFill>
-                        <a:effectLst/>
-                        <a:latin typeface="+mn-lt"/>
-                      </a:endParaRPr>
-                    </a:p>
-                    <a:p>
-                      <a:pPr algn="l" fontAlgn="ctr"/>
-                      <a:r>
-                        <a:rPr lang="en-GB" sz="1400" b="0" i="0" u="none" strike="noStrike" dirty="0" err="1">
-                          <a:solidFill>
-                            <a:srgbClr val="000000"/>
-                          </a:solidFill>
-                          <a:effectLst/>
-                          <a:latin typeface="+mn-lt"/>
-                        </a:rPr>
-                        <a:t>ptug_share_of_total_pt_enrl</a:t>
-                      </a:r>
-                      <a:endParaRPr lang="en-GB" sz="1400" b="0" i="0" u="none" strike="noStrike" dirty="0">
-                        <a:solidFill>
-                          <a:srgbClr val="000000"/>
-                        </a:solidFill>
-                        <a:effectLst/>
-                        <a:latin typeface="+mn-lt"/>
-                      </a:endParaRPr>
-                    </a:p>
-                  </a:txBody>
-                  <a:tcPr marL="6350" marR="6350" marT="6350" marB="0" anchor="ctr"/>
-                </a:tc>
-                <a:tc>
-                  <a:txBody>
-                    <a:bodyPr/>
-                    <a:lstStyle/>
-                    <a:p>
-                      <a:pPr algn="r" fontAlgn="ctr"/>
-                      <a:endParaRPr lang="en-GB" sz="1400" b="0" i="0" u="none" strike="noStrike">
-                        <a:solidFill>
-                          <a:srgbClr val="000000"/>
-                        </a:solidFill>
-                        <a:effectLst/>
-                        <a:latin typeface="+mn-lt"/>
-                      </a:endParaRPr>
-                    </a:p>
-                    <a:p>
-                      <a:pPr algn="r" fontAlgn="ctr"/>
-                      <a:r>
-                        <a:rPr lang="en-GB" sz="1400" b="0" i="0" u="none" strike="noStrike">
-                          <a:solidFill>
-                            <a:srgbClr val="000000"/>
-                          </a:solidFill>
-                          <a:effectLst/>
-                          <a:latin typeface="+mn-lt"/>
-                        </a:rPr>
-                        <a:t>-0.088419156</a:t>
-                      </a:r>
-                    </a:p>
-                  </a:txBody>
-                  <a:tcPr marL="6350" marR="6350" marT="6350" marB="0" anchor="ctr"/>
-                </a:tc>
-                <a:extLst>
-                  <a:ext uri="{0D108BD9-81ED-4DB2-BD59-A6C34878D82A}">
-                    <a16:rowId xmlns:a16="http://schemas.microsoft.com/office/drawing/2014/main" val="1593761885"/>
-                  </a:ext>
-                </a:extLst>
-              </a:tr>
-              <a:tr h="375498">
-                <a:tc>
-                  <a:txBody>
-                    <a:bodyPr/>
-                    <a:lstStyle/>
-                    <a:p>
-                      <a:pPr algn="l" fontAlgn="ctr"/>
-                      <a:endParaRPr lang="en-GB" sz="1400" b="0" i="0" u="none" strike="noStrike">
-                        <a:solidFill>
-                          <a:srgbClr val="000000"/>
-                        </a:solidFill>
-                        <a:effectLst/>
-                        <a:latin typeface="+mn-lt"/>
-                      </a:endParaRPr>
-                    </a:p>
-                    <a:p>
-                      <a:pPr algn="l" fontAlgn="ctr"/>
-                      <a:r>
-                        <a:rPr lang="en-GB" sz="1400" b="0" i="0" u="none" strike="noStrike">
-                          <a:solidFill>
-                            <a:srgbClr val="000000"/>
-                          </a:solidFill>
-                          <a:effectLst/>
-                          <a:latin typeface="+mn-lt"/>
-                        </a:rPr>
-                        <a:t>credhoursug</a:t>
-                      </a:r>
-                    </a:p>
-                  </a:txBody>
-                  <a:tcPr marL="6350" marR="6350" marT="6350" marB="0" anchor="ctr"/>
-                </a:tc>
-                <a:tc>
-                  <a:txBody>
-                    <a:bodyPr/>
-                    <a:lstStyle/>
-                    <a:p>
-                      <a:pPr algn="r" fontAlgn="ctr"/>
-                      <a:endParaRPr lang="en-GB" sz="1400" b="0" i="0" u="none" strike="noStrike" dirty="0">
-                        <a:solidFill>
-                          <a:srgbClr val="000000"/>
-                        </a:solidFill>
-                        <a:effectLst/>
-                        <a:latin typeface="+mn-lt"/>
-                      </a:endParaRPr>
-                    </a:p>
-                    <a:p>
-                      <a:pPr algn="r" fontAlgn="ctr"/>
-                      <a:r>
-                        <a:rPr lang="en-GB" sz="1400" b="0" i="0" u="none" strike="noStrike" dirty="0">
-                          <a:solidFill>
-                            <a:srgbClr val="000000"/>
-                          </a:solidFill>
-                          <a:effectLst/>
-                          <a:latin typeface="+mn-lt"/>
-                        </a:rPr>
-                        <a:t>0.08716357</a:t>
-                      </a:r>
-                    </a:p>
-                  </a:txBody>
-                  <a:tcPr marL="6350" marR="6350" marT="6350" marB="0" anchor="ctr"/>
-                </a:tc>
-                <a:extLst>
-                  <a:ext uri="{0D108BD9-81ED-4DB2-BD59-A6C34878D82A}">
-                    <a16:rowId xmlns:a16="http://schemas.microsoft.com/office/drawing/2014/main" val="3551024362"/>
-                  </a:ext>
-                </a:extLst>
-              </a:tr>
-            </a:tbl>
-          </a:graphicData>
-        </a:graphic>
-      </p:graphicFrame>
+        </p:nvSpPr>
+        <p:spPr>
+          <a:xfrm>
+            <a:off x="838200" y="1825625"/>
+            <a:ext cx="9905999" cy="4351338"/>
+          </a:xfrm>
+        </p:spPr>
+        <p:txBody>
+          <a:bodyPr>
+            <a:normAutofit/>
+          </a:bodyPr>
+          <a:lstStyle/>
+          <a:p>
+            <a:r>
+              <a:rPr lang="en-US" dirty="0"/>
+              <a:t>Used same schools as in approach 1.</a:t>
+            </a:r>
+          </a:p>
+          <a:p>
+            <a:r>
+              <a:rPr lang="en-US" dirty="0"/>
+              <a:t>Kept all variables not colinear to the outcomes e.g. removed full time retention rate etc.</a:t>
+            </a:r>
+          </a:p>
+          <a:p>
+            <a:r>
+              <a:rPr lang="en-US" dirty="0"/>
+              <a:t>Carried out variable selection using Lasso regression.</a:t>
+            </a:r>
+          </a:p>
+          <a:p>
+            <a:r>
+              <a:rPr lang="en-US" dirty="0"/>
+              <a:t>Retained Census Region and Academic year.</a:t>
+            </a:r>
+          </a:p>
+          <a:p>
+            <a:r>
+              <a:rPr lang="en-US" dirty="0"/>
+              <a:t>Retained 10 largest absolute value coefficients.</a:t>
+            </a:r>
+          </a:p>
+          <a:p>
+            <a:endParaRPr lang="en-US" dirty="0"/>
+          </a:p>
+          <a:p>
+            <a:endParaRPr lang="en-US" dirty="0"/>
+          </a:p>
+        </p:txBody>
+      </p:sp>
     </p:spTree>
     <p:extLst>
       <p:ext uri="{BB962C8B-B14F-4D97-AF65-F5344CB8AC3E}">
-        <p14:creationId xmlns:p14="http://schemas.microsoft.com/office/powerpoint/2010/main" val="915265418"/>
+        <p14:creationId xmlns:p14="http://schemas.microsoft.com/office/powerpoint/2010/main" val="3307489831"/>
       </p:ext>
     </p:extLst>
   </p:cSld>
   <p:clrMapOvr>
     <a:masterClrMapping/>
   </p:clrMapOvr>
+  <p:timing>
+    <p:tnLst>
+      <p:par>
+        <p:cTn id="1" dur="indefinite" restart="never" nodeType="tmRoot"/>
+      </p:par>
+    </p:tnLst>
+  </p:timing>
 </p:sld>
 </file>
 

--- a/reports/18_03_13 Presentation.pptx
+++ b/reports/18_03_13 Presentation.pptx
@@ -255,7 +255,7 @@
           <a:p>
             <a:fld id="{8B887784-E512-F943-98E0-5497CC7B1195}" type="datetimeFigureOut">
               <a:rPr lang="en-US" smtClean="0"/>
-              <a:t>3/12/18</a:t>
+              <a:t>3/12/2018</a:t>
             </a:fld>
             <a:endParaRPr lang="en-US"/>
           </a:p>
@@ -423,7 +423,7 @@
           <a:p>
             <a:fld id="{8B887784-E512-F943-98E0-5497CC7B1195}" type="datetimeFigureOut">
               <a:rPr lang="en-US" smtClean="0"/>
-              <a:t>3/12/18</a:t>
+              <a:t>3/12/2018</a:t>
             </a:fld>
             <a:endParaRPr lang="en-US"/>
           </a:p>
@@ -601,7 +601,7 @@
           <a:p>
             <a:fld id="{8B887784-E512-F943-98E0-5497CC7B1195}" type="datetimeFigureOut">
               <a:rPr lang="en-US" smtClean="0"/>
-              <a:t>3/12/18</a:t>
+              <a:t>3/12/2018</a:t>
             </a:fld>
             <a:endParaRPr lang="en-US"/>
           </a:p>
@@ -769,7 +769,7 @@
           <a:p>
             <a:fld id="{8B887784-E512-F943-98E0-5497CC7B1195}" type="datetimeFigureOut">
               <a:rPr lang="en-US" smtClean="0"/>
-              <a:t>3/12/18</a:t>
+              <a:t>3/12/2018</a:t>
             </a:fld>
             <a:endParaRPr lang="en-US"/>
           </a:p>
@@ -1014,7 +1014,7 @@
           <a:p>
             <a:fld id="{8B887784-E512-F943-98E0-5497CC7B1195}" type="datetimeFigureOut">
               <a:rPr lang="en-US" smtClean="0"/>
-              <a:t>3/12/18</a:t>
+              <a:t>3/12/2018</a:t>
             </a:fld>
             <a:endParaRPr lang="en-US"/>
           </a:p>
@@ -1243,7 +1243,7 @@
           <a:p>
             <a:fld id="{8B887784-E512-F943-98E0-5497CC7B1195}" type="datetimeFigureOut">
               <a:rPr lang="en-US" smtClean="0"/>
-              <a:t>3/12/18</a:t>
+              <a:t>3/12/2018</a:t>
             </a:fld>
             <a:endParaRPr lang="en-US"/>
           </a:p>
@@ -1607,7 +1607,7 @@
           <a:p>
             <a:fld id="{8B887784-E512-F943-98E0-5497CC7B1195}" type="datetimeFigureOut">
               <a:rPr lang="en-US" smtClean="0"/>
-              <a:t>3/12/18</a:t>
+              <a:t>3/12/2018</a:t>
             </a:fld>
             <a:endParaRPr lang="en-US"/>
           </a:p>
@@ -1724,7 +1724,7 @@
           <a:p>
             <a:fld id="{8B887784-E512-F943-98E0-5497CC7B1195}" type="datetimeFigureOut">
               <a:rPr lang="en-US" smtClean="0"/>
-              <a:t>3/12/18</a:t>
+              <a:t>3/12/2018</a:t>
             </a:fld>
             <a:endParaRPr lang="en-US"/>
           </a:p>
@@ -1819,7 +1819,7 @@
           <a:p>
             <a:fld id="{8B887784-E512-F943-98E0-5497CC7B1195}" type="datetimeFigureOut">
               <a:rPr lang="en-US" smtClean="0"/>
-              <a:t>3/12/18</a:t>
+              <a:t>3/12/2018</a:t>
             </a:fld>
             <a:endParaRPr lang="en-US"/>
           </a:p>
@@ -2094,7 +2094,7 @@
           <a:p>
             <a:fld id="{8B887784-E512-F943-98E0-5497CC7B1195}" type="datetimeFigureOut">
               <a:rPr lang="en-US" smtClean="0"/>
-              <a:t>3/12/18</a:t>
+              <a:t>3/12/2018</a:t>
             </a:fld>
             <a:endParaRPr lang="en-US"/>
           </a:p>
@@ -2346,7 +2346,7 @@
           <a:p>
             <a:fld id="{8B887784-E512-F943-98E0-5497CC7B1195}" type="datetimeFigureOut">
               <a:rPr lang="en-US" smtClean="0"/>
-              <a:t>3/12/18</a:t>
+              <a:t>3/12/2018</a:t>
             </a:fld>
             <a:endParaRPr lang="en-US"/>
           </a:p>
@@ -2557,7 +2557,7 @@
           <a:p>
             <a:fld id="{8B887784-E512-F943-98E0-5497CC7B1195}" type="datetimeFigureOut">
               <a:rPr lang="en-US" smtClean="0"/>
-              <a:t>3/12/18</a:t>
+              <a:t>3/12/2018</a:t>
             </a:fld>
             <a:endParaRPr lang="en-US"/>
           </a:p>
@@ -3056,7 +3056,7 @@
           <p:cNvPr id="2" name="Title 1">
             <a:extLst>
               <a:ext uri="{FF2B5EF4-FFF2-40B4-BE49-F238E27FC236}">
-                <a16:creationId xmlns:a16="http://schemas.microsoft.com/office/drawing/2014/main" xmlns="" id="{C1125D7B-F02A-445F-B8C7-34C547A14A7A}"/>
+                <a16:creationId xmlns:a16="http://schemas.microsoft.com/office/drawing/2014/main" id="{C1125D7B-F02A-445F-B8C7-34C547A14A7A}"/>
               </a:ext>
             </a:extLst>
           </p:cNvPr>
@@ -3085,7 +3085,7 @@
           <p:cNvPr id="4" name="Table 3">
             <a:extLst>
               <a:ext uri="{FF2B5EF4-FFF2-40B4-BE49-F238E27FC236}">
-                <a16:creationId xmlns:a16="http://schemas.microsoft.com/office/drawing/2014/main" xmlns="" id="{B971FF46-278A-4EFD-85A0-9E515C7A2BDC}"/>
+                <a16:creationId xmlns:a16="http://schemas.microsoft.com/office/drawing/2014/main" id="{B971FF46-278A-4EFD-85A0-9E515C7A2BDC}"/>
               </a:ext>
             </a:extLst>
           </p:cNvPr>
@@ -3114,14 +3114,14 @@
                 <a:gridCol w="3698301">
                   <a:extLst>
                     <a:ext uri="{9D8B030D-6E8A-4147-A177-3AD203B41FA5}">
-                      <a16:colId xmlns:a16="http://schemas.microsoft.com/office/drawing/2014/main" xmlns="" val="3828946005"/>
+                      <a16:colId xmlns:a16="http://schemas.microsoft.com/office/drawing/2014/main" val="3828946005"/>
                     </a:ext>
                   </a:extLst>
                 </a:gridCol>
                 <a:gridCol w="1338943">
                   <a:extLst>
                     <a:ext uri="{9D8B030D-6E8A-4147-A177-3AD203B41FA5}">
-                      <a16:colId xmlns:a16="http://schemas.microsoft.com/office/drawing/2014/main" xmlns="" val="3116620885"/>
+                      <a16:colId xmlns:a16="http://schemas.microsoft.com/office/drawing/2014/main" val="3116620885"/>
                     </a:ext>
                   </a:extLst>
                 </a:gridCol>
@@ -3169,7 +3169,7 @@
                 </a:tc>
                 <a:extLst>
                   <a:ext uri="{0D108BD9-81ED-4DB2-BD59-A6C34878D82A}">
-                    <a16:rowId xmlns:a16="http://schemas.microsoft.com/office/drawing/2014/main" xmlns="" val="2750690894"/>
+                    <a16:rowId xmlns:a16="http://schemas.microsoft.com/office/drawing/2014/main" val="2750690894"/>
                   </a:ext>
                 </a:extLst>
               </a:tr>
@@ -3222,7 +3222,7 @@
                 </a:tc>
                 <a:extLst>
                   <a:ext uri="{0D108BD9-81ED-4DB2-BD59-A6C34878D82A}">
-                    <a16:rowId xmlns:a16="http://schemas.microsoft.com/office/drawing/2014/main" xmlns="" val="621517536"/>
+                    <a16:rowId xmlns:a16="http://schemas.microsoft.com/office/drawing/2014/main" val="621517536"/>
                   </a:ext>
                 </a:extLst>
               </a:tr>
@@ -3233,7 +3233,7 @@
                     <a:lstStyle/>
                     <a:p>
                       <a:pPr algn="l" fontAlgn="ctr"/>
-                      <a:endParaRPr lang="en-GB" sz="1400" b="0" i="0" u="none" strike="noStrike">
+                      <a:endParaRPr lang="en-GB" sz="1400" b="0" i="0" u="none" strike="noStrike" dirty="0">
                         <a:solidFill>
                           <a:srgbClr val="000000"/>
                         </a:solidFill>
@@ -3244,7 +3244,7 @@
                     <a:p>
                       <a:pPr algn="l" fontAlgn="ctr"/>
                       <a:r>
-                        <a:rPr lang="en-GB" sz="1400" b="0" i="0" u="none" strike="noStrike">
+                        <a:rPr lang="en-GB" sz="1400" b="0" i="0" u="none" strike="noStrike" dirty="0" err="1">
                           <a:solidFill>
                             <a:srgbClr val="000000"/>
                           </a:solidFill>
@@ -3253,6 +3253,13 @@
                         </a:rPr>
                         <a:t>other_full_time</a:t>
                       </a:r>
+                      <a:endParaRPr lang="en-GB" sz="1400" b="0" i="0" u="none" strike="noStrike" dirty="0">
+                        <a:solidFill>
+                          <a:srgbClr val="000000"/>
+                        </a:solidFill>
+                        <a:effectLst/>
+                        <a:latin typeface="+mn-lt"/>
+                      </a:endParaRPr>
                     </a:p>
                   </a:txBody>
                   <a:tcPr marL="6350" marR="6350" marT="6350" marB="0" anchor="ctr"/>
@@ -3289,7 +3296,7 @@
                 </a:tc>
                 <a:extLst>
                   <a:ext uri="{0D108BD9-81ED-4DB2-BD59-A6C34878D82A}">
-                    <a16:rowId xmlns:a16="http://schemas.microsoft.com/office/drawing/2014/main" xmlns="" val="196882050"/>
+                    <a16:rowId xmlns:a16="http://schemas.microsoft.com/office/drawing/2014/main" val="196882050"/>
                   </a:ext>
                 </a:extLst>
               </a:tr>
@@ -3363,7 +3370,7 @@
                 </a:tc>
                 <a:extLst>
                   <a:ext uri="{0D108BD9-81ED-4DB2-BD59-A6C34878D82A}">
-                    <a16:rowId xmlns:a16="http://schemas.microsoft.com/office/drawing/2014/main" xmlns="" val="1570215453"/>
+                    <a16:rowId xmlns:a16="http://schemas.microsoft.com/office/drawing/2014/main" val="1570215453"/>
                   </a:ext>
                 </a:extLst>
               </a:tr>
@@ -3437,7 +3444,7 @@
                 </a:tc>
                 <a:extLst>
                   <a:ext uri="{0D108BD9-81ED-4DB2-BD59-A6C34878D82A}">
-                    <a16:rowId xmlns:a16="http://schemas.microsoft.com/office/drawing/2014/main" xmlns="" val="2067295398"/>
+                    <a16:rowId xmlns:a16="http://schemas.microsoft.com/office/drawing/2014/main" val="2067295398"/>
                   </a:ext>
                 </a:extLst>
               </a:tr>
@@ -3511,7 +3518,7 @@
                 </a:tc>
                 <a:extLst>
                   <a:ext uri="{0D108BD9-81ED-4DB2-BD59-A6C34878D82A}">
-                    <a16:rowId xmlns:a16="http://schemas.microsoft.com/office/drawing/2014/main" xmlns="" val="498738980"/>
+                    <a16:rowId xmlns:a16="http://schemas.microsoft.com/office/drawing/2014/main" val="498738980"/>
                   </a:ext>
                 </a:extLst>
               </a:tr>
@@ -3578,7 +3585,7 @@
                 </a:tc>
                 <a:extLst>
                   <a:ext uri="{0D108BD9-81ED-4DB2-BD59-A6C34878D82A}">
-                    <a16:rowId xmlns:a16="http://schemas.microsoft.com/office/drawing/2014/main" xmlns="" val="2702805797"/>
+                    <a16:rowId xmlns:a16="http://schemas.microsoft.com/office/drawing/2014/main" val="2702805797"/>
                   </a:ext>
                 </a:extLst>
               </a:tr>
@@ -3645,7 +3652,7 @@
                 </a:tc>
                 <a:extLst>
                   <a:ext uri="{0D108BD9-81ED-4DB2-BD59-A6C34878D82A}">
-                    <a16:rowId xmlns:a16="http://schemas.microsoft.com/office/drawing/2014/main" xmlns="" val="1306237140"/>
+                    <a16:rowId xmlns:a16="http://schemas.microsoft.com/office/drawing/2014/main" val="1306237140"/>
                   </a:ext>
                 </a:extLst>
               </a:tr>
@@ -3719,7 +3726,7 @@
                 </a:tc>
                 <a:extLst>
                   <a:ext uri="{0D108BD9-81ED-4DB2-BD59-A6C34878D82A}">
-                    <a16:rowId xmlns:a16="http://schemas.microsoft.com/office/drawing/2014/main" xmlns="" val="77369290"/>
+                    <a16:rowId xmlns:a16="http://schemas.microsoft.com/office/drawing/2014/main" val="77369290"/>
                   </a:ext>
                 </a:extLst>
               </a:tr>
@@ -3786,7 +3793,7 @@
                 </a:tc>
                 <a:extLst>
                   <a:ext uri="{0D108BD9-81ED-4DB2-BD59-A6C34878D82A}">
-                    <a16:rowId xmlns:a16="http://schemas.microsoft.com/office/drawing/2014/main" xmlns="" val="3496620231"/>
+                    <a16:rowId xmlns:a16="http://schemas.microsoft.com/office/drawing/2014/main" val="3496620231"/>
                   </a:ext>
                 </a:extLst>
               </a:tr>
@@ -3860,7 +3867,7 @@
                 </a:tc>
                 <a:extLst>
                   <a:ext uri="{0D108BD9-81ED-4DB2-BD59-A6C34878D82A}">
-                    <a16:rowId xmlns:a16="http://schemas.microsoft.com/office/drawing/2014/main" xmlns="" val="1593761885"/>
+                    <a16:rowId xmlns:a16="http://schemas.microsoft.com/office/drawing/2014/main" val="1593761885"/>
                   </a:ext>
                 </a:extLst>
               </a:tr>
@@ -3871,7 +3878,7 @@
                     <a:lstStyle/>
                     <a:p>
                       <a:pPr algn="l" fontAlgn="ctr"/>
-                      <a:endParaRPr lang="en-GB" sz="1400" b="0" i="0" u="none" strike="noStrike">
+                      <a:endParaRPr lang="en-GB" sz="1400" b="0" i="0" u="none" strike="noStrike" dirty="0">
                         <a:solidFill>
                           <a:srgbClr val="000000"/>
                         </a:solidFill>
@@ -3882,7 +3889,7 @@
                     <a:p>
                       <a:pPr algn="l" fontAlgn="ctr"/>
                       <a:r>
-                        <a:rPr lang="en-GB" sz="1400" b="0" i="0" u="none" strike="noStrike">
+                        <a:rPr lang="en-GB" sz="1400" b="0" i="0" u="none" strike="noStrike" dirty="0" err="1">
                           <a:solidFill>
                             <a:srgbClr val="000000"/>
                           </a:solidFill>
@@ -3891,6 +3898,13 @@
                         </a:rPr>
                         <a:t>fall_cohort_pct</a:t>
                       </a:r>
+                      <a:endParaRPr lang="en-GB" sz="1400" b="0" i="0" u="none" strike="noStrike" dirty="0">
+                        <a:solidFill>
+                          <a:srgbClr val="000000"/>
+                        </a:solidFill>
+                        <a:effectLst/>
+                        <a:latin typeface="+mn-lt"/>
+                      </a:endParaRPr>
                     </a:p>
                   </a:txBody>
                   <a:tcPr marL="6350" marR="6350" marT="6350" marB="0" anchor="ctr"/>
@@ -3927,7 +3941,7 @@
                 </a:tc>
                 <a:extLst>
                   <a:ext uri="{0D108BD9-81ED-4DB2-BD59-A6C34878D82A}">
-                    <a16:rowId xmlns:a16="http://schemas.microsoft.com/office/drawing/2014/main" xmlns="" val="3551024362"/>
+                    <a16:rowId xmlns:a16="http://schemas.microsoft.com/office/drawing/2014/main" val="3551024362"/>
                   </a:ext>
                 </a:extLst>
               </a:tr>
@@ -3940,7 +3954,7 @@
           <p:cNvPr id="6" name="Table 5">
             <a:extLst>
               <a:ext uri="{FF2B5EF4-FFF2-40B4-BE49-F238E27FC236}">
-                <a16:creationId xmlns:a16="http://schemas.microsoft.com/office/drawing/2014/main" xmlns="" id="{8ED281BD-3869-486F-B89B-6F378D7FF205}"/>
+                <a16:creationId xmlns:a16="http://schemas.microsoft.com/office/drawing/2014/main" id="{8ED281BD-3869-486F-B89B-6F378D7FF205}"/>
               </a:ext>
             </a:extLst>
           </p:cNvPr>
@@ -3969,14 +3983,14 @@
                 <a:gridCol w="3698301">
                   <a:extLst>
                     <a:ext uri="{9D8B030D-6E8A-4147-A177-3AD203B41FA5}">
-                      <a16:colId xmlns:a16="http://schemas.microsoft.com/office/drawing/2014/main" xmlns="" val="3828946005"/>
+                      <a16:colId xmlns:a16="http://schemas.microsoft.com/office/drawing/2014/main" val="3828946005"/>
                     </a:ext>
                   </a:extLst>
                 </a:gridCol>
                 <a:gridCol w="1338943">
                   <a:extLst>
                     <a:ext uri="{9D8B030D-6E8A-4147-A177-3AD203B41FA5}">
-                      <a16:colId xmlns:a16="http://schemas.microsoft.com/office/drawing/2014/main" xmlns="" val="3116620885"/>
+                      <a16:colId xmlns:a16="http://schemas.microsoft.com/office/drawing/2014/main" val="3116620885"/>
                     </a:ext>
                   </a:extLst>
                 </a:gridCol>
@@ -4021,7 +4035,7 @@
                 </a:tc>
                 <a:extLst>
                   <a:ext uri="{0D108BD9-81ED-4DB2-BD59-A6C34878D82A}">
-                    <a16:rowId xmlns:a16="http://schemas.microsoft.com/office/drawing/2014/main" xmlns="" val="2750690894"/>
+                    <a16:rowId xmlns:a16="http://schemas.microsoft.com/office/drawing/2014/main" val="2750690894"/>
                   </a:ext>
                 </a:extLst>
               </a:tr>
@@ -4074,7 +4088,7 @@
                 </a:tc>
                 <a:extLst>
                   <a:ext uri="{0D108BD9-81ED-4DB2-BD59-A6C34878D82A}">
-                    <a16:rowId xmlns:a16="http://schemas.microsoft.com/office/drawing/2014/main" xmlns="" val="621517536"/>
+                    <a16:rowId xmlns:a16="http://schemas.microsoft.com/office/drawing/2014/main" val="621517536"/>
                   </a:ext>
                 </a:extLst>
               </a:tr>
@@ -4141,7 +4155,7 @@
                 </a:tc>
                 <a:extLst>
                   <a:ext uri="{0D108BD9-81ED-4DB2-BD59-A6C34878D82A}">
-                    <a16:rowId xmlns:a16="http://schemas.microsoft.com/office/drawing/2014/main" xmlns="" val="196882050"/>
+                    <a16:rowId xmlns:a16="http://schemas.microsoft.com/office/drawing/2014/main" val="196882050"/>
                   </a:ext>
                 </a:extLst>
               </a:tr>
@@ -4208,7 +4222,7 @@
                 </a:tc>
                 <a:extLst>
                   <a:ext uri="{0D108BD9-81ED-4DB2-BD59-A6C34878D82A}">
-                    <a16:rowId xmlns:a16="http://schemas.microsoft.com/office/drawing/2014/main" xmlns="" val="1570215453"/>
+                    <a16:rowId xmlns:a16="http://schemas.microsoft.com/office/drawing/2014/main" val="1570215453"/>
                   </a:ext>
                 </a:extLst>
               </a:tr>
@@ -4282,7 +4296,7 @@
                 </a:tc>
                 <a:extLst>
                   <a:ext uri="{0D108BD9-81ED-4DB2-BD59-A6C34878D82A}">
-                    <a16:rowId xmlns:a16="http://schemas.microsoft.com/office/drawing/2014/main" xmlns="" val="2067295398"/>
+                    <a16:rowId xmlns:a16="http://schemas.microsoft.com/office/drawing/2014/main" val="2067295398"/>
                   </a:ext>
                 </a:extLst>
               </a:tr>
@@ -4330,7 +4344,7 @@
                     <a:lstStyle/>
                     <a:p>
                       <a:pPr algn="r" fontAlgn="ctr"/>
-                      <a:endParaRPr lang="en-GB" sz="1400" b="0" i="0" u="none" strike="noStrike">
+                      <a:endParaRPr lang="en-GB" sz="1400" b="0" i="0" u="none" strike="noStrike" dirty="0">
                         <a:solidFill>
                           <a:srgbClr val="000000"/>
                         </a:solidFill>
@@ -4341,7 +4355,7 @@
                     <a:p>
                       <a:pPr algn="r" fontAlgn="ctr"/>
                       <a:r>
-                        <a:rPr lang="en-GB" sz="1400" b="0" i="0" u="none" strike="noStrike">
+                        <a:rPr lang="en-GB" sz="1400" b="0" i="0" u="none" strike="noStrike" dirty="0">
                           <a:solidFill>
                             <a:srgbClr val="000000"/>
                           </a:solidFill>
@@ -4356,7 +4370,7 @@
                 </a:tc>
                 <a:extLst>
                   <a:ext uri="{0D108BD9-81ED-4DB2-BD59-A6C34878D82A}">
-                    <a16:rowId xmlns:a16="http://schemas.microsoft.com/office/drawing/2014/main" xmlns="" val="498738980"/>
+                    <a16:rowId xmlns:a16="http://schemas.microsoft.com/office/drawing/2014/main" val="498738980"/>
                   </a:ext>
                 </a:extLst>
               </a:tr>
@@ -4430,7 +4444,7 @@
                 </a:tc>
                 <a:extLst>
                   <a:ext uri="{0D108BD9-81ED-4DB2-BD59-A6C34878D82A}">
-                    <a16:rowId xmlns:a16="http://schemas.microsoft.com/office/drawing/2014/main" xmlns="" val="2702805797"/>
+                    <a16:rowId xmlns:a16="http://schemas.microsoft.com/office/drawing/2014/main" val="2702805797"/>
                   </a:ext>
                 </a:extLst>
               </a:tr>
@@ -4504,7 +4518,7 @@
                 </a:tc>
                 <a:extLst>
                   <a:ext uri="{0D108BD9-81ED-4DB2-BD59-A6C34878D82A}">
-                    <a16:rowId xmlns:a16="http://schemas.microsoft.com/office/drawing/2014/main" xmlns="" val="1306237140"/>
+                    <a16:rowId xmlns:a16="http://schemas.microsoft.com/office/drawing/2014/main" val="1306237140"/>
                   </a:ext>
                 </a:extLst>
               </a:tr>
@@ -4515,7 +4529,7 @@
                     <a:lstStyle/>
                     <a:p>
                       <a:pPr algn="l" fontAlgn="ctr"/>
-                      <a:endParaRPr lang="en-GB" sz="1400" b="0" i="0" u="none" strike="noStrike">
+                      <a:endParaRPr lang="en-GB" sz="1400" b="0" i="0" u="none" strike="noStrike" dirty="0">
                         <a:solidFill>
                           <a:srgbClr val="000000"/>
                         </a:solidFill>
@@ -4526,7 +4540,7 @@
                     <a:p>
                       <a:pPr algn="l" fontAlgn="ctr"/>
                       <a:r>
-                        <a:rPr lang="en-GB" sz="1400" b="0" i="0" u="none" strike="noStrike">
+                        <a:rPr lang="en-GB" sz="1400" b="0" i="0" u="none" strike="noStrike" dirty="0" err="1">
                           <a:solidFill>
                             <a:srgbClr val="000000"/>
                           </a:solidFill>
@@ -4535,6 +4549,13 @@
                         </a:rPr>
                         <a:t>total_enrollment_black_tot</a:t>
                       </a:r>
+                      <a:endParaRPr lang="en-GB" sz="1400" b="0" i="0" u="none" strike="noStrike" dirty="0">
+                        <a:solidFill>
+                          <a:srgbClr val="000000"/>
+                        </a:solidFill>
+                        <a:effectLst/>
+                        <a:latin typeface="+mn-lt"/>
+                      </a:endParaRPr>
                     </a:p>
                   </a:txBody>
                   <a:tcPr marL="6350" marR="6350" marT="6350" marB="0" anchor="ctr"/>
@@ -4571,7 +4592,7 @@
                 </a:tc>
                 <a:extLst>
                   <a:ext uri="{0D108BD9-81ED-4DB2-BD59-A6C34878D82A}">
-                    <a16:rowId xmlns:a16="http://schemas.microsoft.com/office/drawing/2014/main" xmlns="" val="77369290"/>
+                    <a16:rowId xmlns:a16="http://schemas.microsoft.com/office/drawing/2014/main" val="77369290"/>
                   </a:ext>
                 </a:extLst>
               </a:tr>
@@ -4645,7 +4666,7 @@
                 </a:tc>
                 <a:extLst>
                   <a:ext uri="{0D108BD9-81ED-4DB2-BD59-A6C34878D82A}">
-                    <a16:rowId xmlns:a16="http://schemas.microsoft.com/office/drawing/2014/main" xmlns="" val="3496620231"/>
+                    <a16:rowId xmlns:a16="http://schemas.microsoft.com/office/drawing/2014/main" val="3496620231"/>
                   </a:ext>
                 </a:extLst>
               </a:tr>
@@ -4719,7 +4740,7 @@
                 </a:tc>
                 <a:extLst>
                   <a:ext uri="{0D108BD9-81ED-4DB2-BD59-A6C34878D82A}">
-                    <a16:rowId xmlns:a16="http://schemas.microsoft.com/office/drawing/2014/main" xmlns="" val="1593761885"/>
+                    <a16:rowId xmlns:a16="http://schemas.microsoft.com/office/drawing/2014/main" val="1593761885"/>
                   </a:ext>
                 </a:extLst>
               </a:tr>
@@ -4786,7 +4807,7 @@
                 </a:tc>
                 <a:extLst>
                   <a:ext uri="{0D108BD9-81ED-4DB2-BD59-A6C34878D82A}">
-                    <a16:rowId xmlns:a16="http://schemas.microsoft.com/office/drawing/2014/main" xmlns="" val="3551024362"/>
+                    <a16:rowId xmlns:a16="http://schemas.microsoft.com/office/drawing/2014/main" val="3551024362"/>
                   </a:ext>
                 </a:extLst>
               </a:tr>
@@ -4829,7 +4850,7 @@
           <p:cNvPr id="2" name="Title 1">
             <a:extLst>
               <a:ext uri="{FF2B5EF4-FFF2-40B4-BE49-F238E27FC236}">
-                <a16:creationId xmlns:a16="http://schemas.microsoft.com/office/drawing/2014/main" xmlns="" id="{987F51D3-538B-4293-B504-421274B24C00}"/>
+                <a16:creationId xmlns:a16="http://schemas.microsoft.com/office/drawing/2014/main" id="{987F51D3-538B-4293-B504-421274B24C00}"/>
               </a:ext>
             </a:extLst>
           </p:cNvPr>
@@ -4858,7 +4879,7 @@
           <p:cNvPr id="9" name="TextBox 8">
             <a:extLst>
               <a:ext uri="{FF2B5EF4-FFF2-40B4-BE49-F238E27FC236}">
-                <a16:creationId xmlns:a16="http://schemas.microsoft.com/office/drawing/2014/main" xmlns="" id="{E17C9DD2-5731-48A3-ADE4-2D8C45483EC0}"/>
+                <a16:creationId xmlns:a16="http://schemas.microsoft.com/office/drawing/2014/main" id="{E17C9DD2-5731-48A3-ADE4-2D8C45483EC0}"/>
               </a:ext>
             </a:extLst>
           </p:cNvPr>
@@ -4913,7 +4934,7 @@
             </a:pPr>
             <a:r>
               <a:rPr lang="en-US" sz="2800" dirty="0"/>
-              <a:t>Auxillary03: </a:t>
+              <a:t>Auxillary03: revenue from </a:t>
             </a:r>
             <a:r>
               <a:rPr lang="en-GB" sz="2800" dirty="0"/>
@@ -4994,7 +5015,7 @@
           <p:cNvPr id="2" name="Title 1">
             <a:extLst>
               <a:ext uri="{FF2B5EF4-FFF2-40B4-BE49-F238E27FC236}">
-                <a16:creationId xmlns:a16="http://schemas.microsoft.com/office/drawing/2014/main" xmlns="" id="{987F51D3-538B-4293-B504-421274B24C00}"/>
+                <a16:creationId xmlns:a16="http://schemas.microsoft.com/office/drawing/2014/main" id="{987F51D3-538B-4293-B504-421274B24C00}"/>
               </a:ext>
             </a:extLst>
           </p:cNvPr>
@@ -5031,7 +5052,7 @@
           <p:cNvPr id="9" name="TextBox 8">
             <a:extLst>
               <a:ext uri="{FF2B5EF4-FFF2-40B4-BE49-F238E27FC236}">
-                <a16:creationId xmlns:a16="http://schemas.microsoft.com/office/drawing/2014/main" xmlns="" id="{E17C9DD2-5731-48A3-ADE4-2D8C45483EC0}"/>
+                <a16:creationId xmlns:a16="http://schemas.microsoft.com/office/drawing/2014/main" id="{E17C9DD2-5731-48A3-ADE4-2D8C45483EC0}"/>
               </a:ext>
             </a:extLst>
           </p:cNvPr>
@@ -5231,7 +5252,7 @@
           <p:cNvPr id="2" name="Title 1">
             <a:extLst>
               <a:ext uri="{FF2B5EF4-FFF2-40B4-BE49-F238E27FC236}">
-                <a16:creationId xmlns:a16="http://schemas.microsoft.com/office/drawing/2014/main" xmlns="" id="{9065F088-31B2-4143-A23D-141139DB3894}"/>
+                <a16:creationId xmlns:a16="http://schemas.microsoft.com/office/drawing/2014/main" id="{9065F088-31B2-4143-A23D-141139DB3894}"/>
               </a:ext>
             </a:extLst>
           </p:cNvPr>
@@ -5260,7 +5281,7 @@
           <p:cNvPr id="8" name="TextBox 7">
             <a:extLst>
               <a:ext uri="{FF2B5EF4-FFF2-40B4-BE49-F238E27FC236}">
-                <a16:creationId xmlns:a16="http://schemas.microsoft.com/office/drawing/2014/main" xmlns="" id="{C938AFA7-DA26-4CF7-9C37-DD86FFCEE2D9}"/>
+                <a16:creationId xmlns:a16="http://schemas.microsoft.com/office/drawing/2014/main" id="{C938AFA7-DA26-4CF7-9C37-DD86FFCEE2D9}"/>
               </a:ext>
             </a:extLst>
           </p:cNvPr>
@@ -5288,7 +5309,7 @@
               <a:buChar char="•"/>
             </a:pPr>
             <a:r>
-              <a:rPr lang="en-US" sz="3200" dirty="0" smtClean="0"/>
+              <a:rPr lang="en-US" sz="3200" dirty="0"/>
               <a:t>Lasso on all variables performs best</a:t>
             </a:r>
           </a:p>
@@ -5298,7 +5319,7 @@
               <a:buChar char="•"/>
             </a:pPr>
             <a:r>
-              <a:rPr lang="en-US" sz="3200" dirty="0" smtClean="0"/>
+              <a:rPr lang="en-US" sz="3200" dirty="0"/>
               <a:t>Lasso with interactions on selected variables performs similarly</a:t>
             </a:r>
           </a:p>
@@ -5308,12 +5329,8 @@
               <a:buChar char="•"/>
             </a:pPr>
             <a:r>
-              <a:rPr lang="en-US" sz="3200" dirty="0" smtClean="0"/>
-              <a:t>Relationship </a:t>
-            </a:r>
-            <a:r>
               <a:rPr lang="en-US" sz="3200" dirty="0"/>
-              <a:t>unlikely to be linear – use Gaussian Kernel</a:t>
+              <a:t>Relationship unlikely to be linear – use Gaussian Kernel</a:t>
             </a:r>
           </a:p>
           <a:p>
@@ -5330,7 +5347,7 @@
           <p:cNvPr id="5" name="Content Placeholder 4">
             <a:extLst>
               <a:ext uri="{FF2B5EF4-FFF2-40B4-BE49-F238E27FC236}">
-                <a16:creationId xmlns:a16="http://schemas.microsoft.com/office/drawing/2014/main" xmlns="" id="{73521416-4B4D-4742-BA86-1954AADB18EF}"/>
+                <a16:creationId xmlns:a16="http://schemas.microsoft.com/office/drawing/2014/main" id="{73521416-4B4D-4742-BA86-1954AADB18EF}"/>
               </a:ext>
             </a:extLst>
           </p:cNvPr>
@@ -5360,28 +5377,28 @@
                 <a:gridCol w="1555602">
                   <a:extLst>
                     <a:ext uri="{9D8B030D-6E8A-4147-A177-3AD203B41FA5}">
-                      <a16:colId xmlns:a16="http://schemas.microsoft.com/office/drawing/2014/main" xmlns="" val="3478917767"/>
+                      <a16:colId xmlns:a16="http://schemas.microsoft.com/office/drawing/2014/main" val="3478917767"/>
                     </a:ext>
                   </a:extLst>
                 </a:gridCol>
                 <a:gridCol w="1555602">
                   <a:extLst>
                     <a:ext uri="{9D8B030D-6E8A-4147-A177-3AD203B41FA5}">
-                      <a16:colId xmlns:a16="http://schemas.microsoft.com/office/drawing/2014/main" xmlns="" val="2939297383"/>
+                      <a16:colId xmlns:a16="http://schemas.microsoft.com/office/drawing/2014/main" val="2939297383"/>
                     </a:ext>
                   </a:extLst>
                 </a:gridCol>
                 <a:gridCol w="840605">
                   <a:extLst>
                     <a:ext uri="{9D8B030D-6E8A-4147-A177-3AD203B41FA5}">
-                      <a16:colId xmlns:a16="http://schemas.microsoft.com/office/drawing/2014/main" xmlns="" val="2486717004"/>
+                      <a16:colId xmlns:a16="http://schemas.microsoft.com/office/drawing/2014/main" val="2486717004"/>
                     </a:ext>
                   </a:extLst>
                 </a:gridCol>
                 <a:gridCol w="1033847">
                   <a:extLst>
                     <a:ext uri="{9D8B030D-6E8A-4147-A177-3AD203B41FA5}">
-                      <a16:colId xmlns:a16="http://schemas.microsoft.com/office/drawing/2014/main" xmlns="" val="706046472"/>
+                      <a16:colId xmlns:a16="http://schemas.microsoft.com/office/drawing/2014/main" val="706046472"/>
                     </a:ext>
                   </a:extLst>
                 </a:gridCol>
@@ -5464,7 +5481,7 @@
                 </a:tc>
                 <a:extLst>
                   <a:ext uri="{0D108BD9-81ED-4DB2-BD59-A6C34878D82A}">
-                    <a16:rowId xmlns:a16="http://schemas.microsoft.com/office/drawing/2014/main" xmlns="" val="1550085656"/>
+                    <a16:rowId xmlns:a16="http://schemas.microsoft.com/office/drawing/2014/main" val="1550085656"/>
                   </a:ext>
                 </a:extLst>
               </a:tr>
@@ -5546,7 +5563,7 @@
                 </a:tc>
                 <a:extLst>
                   <a:ext uri="{0D108BD9-81ED-4DB2-BD59-A6C34878D82A}">
-                    <a16:rowId xmlns:a16="http://schemas.microsoft.com/office/drawing/2014/main" xmlns="" val="3665824223"/>
+                    <a16:rowId xmlns:a16="http://schemas.microsoft.com/office/drawing/2014/main" val="3665824223"/>
                   </a:ext>
                 </a:extLst>
               </a:tr>
@@ -5657,7 +5674,7 @@
                 </a:tc>
                 <a:extLst>
                   <a:ext uri="{0D108BD9-81ED-4DB2-BD59-A6C34878D82A}">
-                    <a16:rowId xmlns:a16="http://schemas.microsoft.com/office/drawing/2014/main" xmlns="" val="4095835183"/>
+                    <a16:rowId xmlns:a16="http://schemas.microsoft.com/office/drawing/2014/main" val="4095835183"/>
                   </a:ext>
                 </a:extLst>
               </a:tr>
@@ -5754,7 +5771,7 @@
                 </a:tc>
                 <a:extLst>
                   <a:ext uri="{0D108BD9-81ED-4DB2-BD59-A6C34878D82A}">
-                    <a16:rowId xmlns:a16="http://schemas.microsoft.com/office/drawing/2014/main" xmlns="" val="2388995701"/>
+                    <a16:rowId xmlns:a16="http://schemas.microsoft.com/office/drawing/2014/main" val="2388995701"/>
                   </a:ext>
                 </a:extLst>
               </a:tr>
@@ -5851,7 +5868,7 @@
                 </a:tc>
                 <a:extLst>
                   <a:ext uri="{0D108BD9-81ED-4DB2-BD59-A6C34878D82A}">
-                    <a16:rowId xmlns:a16="http://schemas.microsoft.com/office/drawing/2014/main" xmlns="" val="1549553246"/>
+                    <a16:rowId xmlns:a16="http://schemas.microsoft.com/office/drawing/2014/main" val="1549553246"/>
                   </a:ext>
                 </a:extLst>
               </a:tr>
@@ -5958,7 +5975,7 @@
                 </a:tc>
                 <a:extLst>
                   <a:ext uri="{0D108BD9-81ED-4DB2-BD59-A6C34878D82A}">
-                    <a16:rowId xmlns:a16="http://schemas.microsoft.com/office/drawing/2014/main" xmlns="" val="2325486976"/>
+                    <a16:rowId xmlns:a16="http://schemas.microsoft.com/office/drawing/2014/main" val="2325486976"/>
                   </a:ext>
                 </a:extLst>
               </a:tr>
@@ -6071,7 +6088,7 @@
                 </a:tc>
                 <a:extLst>
                   <a:ext uri="{0D108BD9-81ED-4DB2-BD59-A6C34878D82A}">
-                    <a16:rowId xmlns:a16="http://schemas.microsoft.com/office/drawing/2014/main" xmlns="" val="108756169"/>
+                    <a16:rowId xmlns:a16="http://schemas.microsoft.com/office/drawing/2014/main" val="108756169"/>
                   </a:ext>
                 </a:extLst>
               </a:tr>
@@ -6208,7 +6225,7 @@
                 </a:tc>
                 <a:extLst>
                   <a:ext uri="{0D108BD9-81ED-4DB2-BD59-A6C34878D82A}">
-                    <a16:rowId xmlns:a16="http://schemas.microsoft.com/office/drawing/2014/main" xmlns="" val="868174123"/>
+                    <a16:rowId xmlns:a16="http://schemas.microsoft.com/office/drawing/2014/main" val="868174123"/>
                   </a:ext>
                 </a:extLst>
               </a:tr>
@@ -6305,7 +6322,7 @@
                 </a:tc>
                 <a:extLst>
                   <a:ext uri="{0D108BD9-81ED-4DB2-BD59-A6C34878D82A}">
-                    <a16:rowId xmlns:a16="http://schemas.microsoft.com/office/drawing/2014/main" xmlns="" val="1773180674"/>
+                    <a16:rowId xmlns:a16="http://schemas.microsoft.com/office/drawing/2014/main" val="1773180674"/>
                   </a:ext>
                 </a:extLst>
               </a:tr>
@@ -6402,7 +6419,7 @@
                 </a:tc>
                 <a:extLst>
                   <a:ext uri="{0D108BD9-81ED-4DB2-BD59-A6C34878D82A}">
-                    <a16:rowId xmlns:a16="http://schemas.microsoft.com/office/drawing/2014/main" xmlns="" val="324761190"/>
+                    <a16:rowId xmlns:a16="http://schemas.microsoft.com/office/drawing/2014/main" val="324761190"/>
                   </a:ext>
                 </a:extLst>
               </a:tr>
@@ -6509,7 +6526,7 @@
                 </a:tc>
                 <a:extLst>
                   <a:ext uri="{0D108BD9-81ED-4DB2-BD59-A6C34878D82A}">
-                    <a16:rowId xmlns:a16="http://schemas.microsoft.com/office/drawing/2014/main" xmlns="" val="1775108306"/>
+                    <a16:rowId xmlns:a16="http://schemas.microsoft.com/office/drawing/2014/main" val="1775108306"/>
                   </a:ext>
                 </a:extLst>
               </a:tr>
@@ -6622,7 +6639,7 @@
                 </a:tc>
                 <a:extLst>
                   <a:ext uri="{0D108BD9-81ED-4DB2-BD59-A6C34878D82A}">
-                    <a16:rowId xmlns:a16="http://schemas.microsoft.com/office/drawing/2014/main" xmlns="" val="2613320283"/>
+                    <a16:rowId xmlns:a16="http://schemas.microsoft.com/office/drawing/2014/main" val="2613320283"/>
                   </a:ext>
                 </a:extLst>
               </a:tr>
@@ -6665,7 +6682,7 @@
           <p:cNvPr id="2" name="Title 1">
             <a:extLst>
               <a:ext uri="{FF2B5EF4-FFF2-40B4-BE49-F238E27FC236}">
-                <a16:creationId xmlns:a16="http://schemas.microsoft.com/office/drawing/2014/main" xmlns="" id="{6DB497BC-6377-4BD4-A8A6-D232ABBA0506}"/>
+                <a16:creationId xmlns:a16="http://schemas.microsoft.com/office/drawing/2014/main" id="{6DB497BC-6377-4BD4-A8A6-D232ABBA0506}"/>
               </a:ext>
             </a:extLst>
           </p:cNvPr>
@@ -6694,7 +6711,7 @@
           <p:cNvPr id="5" name="Content Placeholder 6">
             <a:extLst>
               <a:ext uri="{FF2B5EF4-FFF2-40B4-BE49-F238E27FC236}">
-                <a16:creationId xmlns:a16="http://schemas.microsoft.com/office/drawing/2014/main" xmlns="" id="{DC4197B8-28FC-42A2-AD89-532EB3608797}"/>
+                <a16:creationId xmlns:a16="http://schemas.microsoft.com/office/drawing/2014/main" id="{DC4197B8-28FC-42A2-AD89-532EB3608797}"/>
               </a:ext>
             </a:extLst>
           </p:cNvPr>
@@ -6705,7 +6722,7 @@
             <p:ph idx="1"/>
             <p:extLst>
               <p:ext uri="{D42A27DB-BD31-4B8C-83A1-F6EECF244321}">
-                <p14:modId xmlns:p14="http://schemas.microsoft.com/office/powerpoint/2010/main" val="2323612580"/>
+                <p14:modId xmlns:p14="http://schemas.microsoft.com/office/powerpoint/2010/main" val="2319884376"/>
               </p:ext>
             </p:extLst>
           </p:nvPr>
@@ -6724,35 +6741,35 @@
                 <a:gridCol w="1878430">
                   <a:extLst>
                     <a:ext uri="{9D8B030D-6E8A-4147-A177-3AD203B41FA5}">
-                      <a16:colId xmlns:a16="http://schemas.microsoft.com/office/drawing/2014/main" xmlns="" val="20000"/>
+                      <a16:colId xmlns:a16="http://schemas.microsoft.com/office/drawing/2014/main" val="20000"/>
                     </a:ext>
                   </a:extLst>
                 </a:gridCol>
                 <a:gridCol w="4212205">
                   <a:extLst>
                     <a:ext uri="{9D8B030D-6E8A-4147-A177-3AD203B41FA5}">
-                      <a16:colId xmlns:a16="http://schemas.microsoft.com/office/drawing/2014/main" xmlns="" val="20001"/>
+                      <a16:colId xmlns:a16="http://schemas.microsoft.com/office/drawing/2014/main" val="20001"/>
                     </a:ext>
                   </a:extLst>
                 </a:gridCol>
                 <a:gridCol w="1165829">
                   <a:extLst>
                     <a:ext uri="{9D8B030D-6E8A-4147-A177-3AD203B41FA5}">
-                      <a16:colId xmlns:a16="http://schemas.microsoft.com/office/drawing/2014/main" xmlns="" val="20002"/>
+                      <a16:colId xmlns:a16="http://schemas.microsoft.com/office/drawing/2014/main" val="20002"/>
                     </a:ext>
                   </a:extLst>
                 </a:gridCol>
                 <a:gridCol w="1252326">
                   <a:extLst>
                     <a:ext uri="{9D8B030D-6E8A-4147-A177-3AD203B41FA5}">
-                      <a16:colId xmlns:a16="http://schemas.microsoft.com/office/drawing/2014/main" xmlns="" val="20003"/>
+                      <a16:colId xmlns:a16="http://schemas.microsoft.com/office/drawing/2014/main" val="20003"/>
                     </a:ext>
                   </a:extLst>
                 </a:gridCol>
                 <a:gridCol w="1252326">
                   <a:extLst>
                     <a:ext uri="{9D8B030D-6E8A-4147-A177-3AD203B41FA5}">
-                      <a16:colId xmlns:a16="http://schemas.microsoft.com/office/drawing/2014/main" xmlns="" val="20004"/>
+                      <a16:colId xmlns:a16="http://schemas.microsoft.com/office/drawing/2014/main" val="20004"/>
                     </a:ext>
                   </a:extLst>
                 </a:gridCol>
@@ -6869,7 +6886,7 @@
                 </a:tc>
                 <a:extLst>
                   <a:ext uri="{0D108BD9-81ED-4DB2-BD59-A6C34878D82A}">
-                    <a16:rowId xmlns:a16="http://schemas.microsoft.com/office/drawing/2014/main" xmlns="" val="10000"/>
+                    <a16:rowId xmlns:a16="http://schemas.microsoft.com/office/drawing/2014/main" val="10000"/>
                   </a:ext>
                 </a:extLst>
               </a:tr>
@@ -6934,7 +6951,7 @@
                     <a:p>
                       <a:pPr algn="r" fontAlgn="b"/>
                       <a:r>
-                        <a:rPr lang="en-GB" sz="1600" b="0" i="0" u="none" strike="noStrike">
+                        <a:rPr lang="en-GB" sz="1600" b="0" i="0" u="none" strike="noStrike" dirty="0">
                           <a:solidFill>
                             <a:srgbClr val="000000"/>
                           </a:solidFill>
@@ -6989,7 +7006,7 @@
                 </a:tc>
                 <a:extLst>
                   <a:ext uri="{0D108BD9-81ED-4DB2-BD59-A6C34878D82A}">
-                    <a16:rowId xmlns:a16="http://schemas.microsoft.com/office/drawing/2014/main" xmlns="" val="10001"/>
+                    <a16:rowId xmlns:a16="http://schemas.microsoft.com/office/drawing/2014/main" val="10001"/>
                   </a:ext>
                 </a:extLst>
               </a:tr>
@@ -7041,7 +7058,7 @@
                     <a:p>
                       <a:pPr algn="r" fontAlgn="b"/>
                       <a:r>
-                        <a:rPr lang="en-GB" sz="1600" b="0" i="0" u="none" strike="noStrike">
+                        <a:rPr lang="en-GB" sz="1600" b="0" i="0" u="none" strike="noStrike" dirty="0">
                           <a:solidFill>
                             <a:srgbClr val="000000"/>
                           </a:solidFill>
@@ -7096,7 +7113,7 @@
                 </a:tc>
                 <a:extLst>
                   <a:ext uri="{0D108BD9-81ED-4DB2-BD59-A6C34878D82A}">
-                    <a16:rowId xmlns:a16="http://schemas.microsoft.com/office/drawing/2014/main" xmlns="" val="10002"/>
+                    <a16:rowId xmlns:a16="http://schemas.microsoft.com/office/drawing/2014/main" val="10002"/>
                   </a:ext>
                 </a:extLst>
               </a:tr>
@@ -7138,7 +7155,7 @@
                     <a:p>
                       <a:pPr algn="r" fontAlgn="b"/>
                       <a:r>
-                        <a:rPr lang="en-GB" sz="1600" b="0" i="0" u="none" strike="noStrike">
+                        <a:rPr lang="en-GB" sz="1600" b="0" i="0" u="none" strike="noStrike" dirty="0">
                           <a:solidFill>
                             <a:srgbClr val="000000"/>
                           </a:solidFill>
@@ -7193,7 +7210,7 @@
                 </a:tc>
                 <a:extLst>
                   <a:ext uri="{0D108BD9-81ED-4DB2-BD59-A6C34878D82A}">
-                    <a16:rowId xmlns:a16="http://schemas.microsoft.com/office/drawing/2014/main" xmlns="" val="10003"/>
+                    <a16:rowId xmlns:a16="http://schemas.microsoft.com/office/drawing/2014/main" val="10003"/>
                   </a:ext>
                 </a:extLst>
               </a:tr>
@@ -7290,7 +7307,7 @@
                 </a:tc>
                 <a:extLst>
                   <a:ext uri="{0D108BD9-81ED-4DB2-BD59-A6C34878D82A}">
-                    <a16:rowId xmlns:a16="http://schemas.microsoft.com/office/drawing/2014/main" xmlns="" val="10004"/>
+                    <a16:rowId xmlns:a16="http://schemas.microsoft.com/office/drawing/2014/main" val="10004"/>
                   </a:ext>
                 </a:extLst>
               </a:tr>
@@ -7387,7 +7404,7 @@
                 </a:tc>
                 <a:extLst>
                   <a:ext uri="{0D108BD9-81ED-4DB2-BD59-A6C34878D82A}">
-                    <a16:rowId xmlns:a16="http://schemas.microsoft.com/office/drawing/2014/main" xmlns="" val="10005"/>
+                    <a16:rowId xmlns:a16="http://schemas.microsoft.com/office/drawing/2014/main" val="10005"/>
                   </a:ext>
                 </a:extLst>
               </a:tr>
@@ -7421,16 +7438,19 @@
                     <a:lstStyle/>
                     <a:p>
                       <a:pPr algn="l" fontAlgn="b"/>
-                      <a:endParaRPr lang="en-US" sz="1600" b="0" i="0" u="none" strike="noStrike" dirty="0">
-                        <a:solidFill>
-                          <a:srgbClr val="000000"/>
-                        </a:solidFill>
-                        <a:effectLst/>
-                        <a:latin typeface="Calibri" charset="0"/>
-                      </a:endParaRPr>
-                    </a:p>
-                  </a:txBody>
-                  <a:tcPr marL="2812" marR="2812" marT="2812" marB="0" anchor="b"/>
+                      <a:r>
+                        <a:rPr lang="en-GB" sz="1600" b="0" i="0" u="none" strike="noStrike" dirty="0">
+                          <a:solidFill>
+                            <a:srgbClr val="000000"/>
+                          </a:solidFill>
+                          <a:effectLst/>
+                          <a:latin typeface="Calibri" panose="020F0502020204030204" pitchFamily="34" charset="0"/>
+                        </a:rPr>
+                        <a:t>hbcu2* </a:t>
+                      </a:r>
+                    </a:p>
+                  </a:txBody>
+                  <a:tcPr marL="6350" marR="6350" marT="6350" marB="0" anchor="b"/>
                 </a:tc>
                 <a:tc>
                   <a:txBody>
@@ -7438,16 +7458,19 @@
                     <a:lstStyle/>
                     <a:p>
                       <a:pPr algn="r" fontAlgn="b"/>
-                      <a:endParaRPr lang="mr-IN" sz="1600" b="0" i="0" u="none" strike="noStrike" dirty="0">
-                        <a:solidFill>
-                          <a:srgbClr val="000000"/>
-                        </a:solidFill>
-                        <a:effectLst/>
-                        <a:latin typeface="Lucida Grande" charset="0"/>
-                      </a:endParaRPr>
-                    </a:p>
-                  </a:txBody>
-                  <a:tcPr marL="2812" marR="2812" marT="2812" marB="0" anchor="b"/>
+                      <a:r>
+                        <a:rPr lang="en-GB" sz="1600" b="0" i="0" u="none" strike="noStrike" dirty="0">
+                          <a:solidFill>
+                            <a:srgbClr val="000000"/>
+                          </a:solidFill>
+                          <a:effectLst/>
+                          <a:latin typeface="Calibri" panose="020F0502020204030204" pitchFamily="34" charset="0"/>
+                        </a:rPr>
+                        <a:t>0.2078</a:t>
+                      </a:r>
+                    </a:p>
+                  </a:txBody>
+                  <a:tcPr marL="6350" marR="6350" marT="6350" marB="0" anchor="b"/>
                 </a:tc>
                 <a:tc>
                   <a:txBody>
@@ -7455,16 +7478,19 @@
                     <a:lstStyle/>
                     <a:p>
                       <a:pPr algn="r" fontAlgn="b"/>
-                      <a:endParaRPr lang="mr-IN" sz="1600" b="0" i="0" u="none" strike="noStrike">
-                        <a:solidFill>
-                          <a:srgbClr val="000000"/>
-                        </a:solidFill>
-                        <a:effectLst/>
-                        <a:latin typeface="Lucida Grande" charset="0"/>
-                      </a:endParaRPr>
-                    </a:p>
-                  </a:txBody>
-                  <a:tcPr marL="2812" marR="2812" marT="2812" marB="0" anchor="b"/>
+                      <a:r>
+                        <a:rPr lang="en-GB" sz="1600" b="0" i="0" u="none" strike="noStrike">
+                          <a:solidFill>
+                            <a:srgbClr val="000000"/>
+                          </a:solidFill>
+                          <a:effectLst/>
+                          <a:latin typeface="Calibri" panose="020F0502020204030204" pitchFamily="34" charset="0"/>
+                        </a:rPr>
+                        <a:t>0.04</a:t>
+                      </a:r>
+                    </a:p>
+                  </a:txBody>
+                  <a:tcPr marL="6350" marR="6350" marT="6350" marB="0" anchor="b"/>
                 </a:tc>
                 <a:tc>
                   <a:txBody>
@@ -7472,20 +7498,23 @@
                     <a:lstStyle/>
                     <a:p>
                       <a:pPr algn="r" fontAlgn="b"/>
-                      <a:endParaRPr lang="is-IS" sz="1600" b="0" i="0" u="none" strike="noStrike">
-                        <a:solidFill>
-                          <a:srgbClr val="000000"/>
-                        </a:solidFill>
-                        <a:effectLst/>
-                        <a:latin typeface="Lucida Grande" charset="0"/>
-                      </a:endParaRPr>
-                    </a:p>
-                  </a:txBody>
-                  <a:tcPr marL="2812" marR="2812" marT="2812" marB="0" anchor="b"/>
+                      <a:r>
+                        <a:rPr lang="en-GB" sz="1600" b="0" i="0" u="none" strike="noStrike">
+                          <a:solidFill>
+                            <a:srgbClr val="000000"/>
+                          </a:solidFill>
+                          <a:effectLst/>
+                          <a:latin typeface="Calibri" panose="020F0502020204030204" pitchFamily="34" charset="0"/>
+                        </a:rPr>
+                        <a:t>0.0000</a:t>
+                      </a:r>
+                    </a:p>
+                  </a:txBody>
+                  <a:tcPr marL="6350" marR="6350" marT="6350" marB="0" anchor="b"/>
                 </a:tc>
                 <a:extLst>
                   <a:ext uri="{0D108BD9-81ED-4DB2-BD59-A6C34878D82A}">
-                    <a16:rowId xmlns:a16="http://schemas.microsoft.com/office/drawing/2014/main" xmlns="" val="10006"/>
+                    <a16:rowId xmlns:a16="http://schemas.microsoft.com/office/drawing/2014/main" val="10006"/>
                   </a:ext>
                 </a:extLst>
               </a:tr>
@@ -7513,18 +7542,29 @@
                     <a:lstStyle/>
                     <a:p>
                       <a:pPr algn="l" fontAlgn="b"/>
-                      <a:endParaRPr lang="en-US" sz="1600" b="0" i="0" u="none" strike="noStrike" dirty="0">
-                        <a:solidFill>
-                          <a:schemeClr val="accent6">
-                            <a:lumMod val="75000"/>
-                          </a:schemeClr>
-                        </a:solidFill>
-                        <a:effectLst/>
-                        <a:latin typeface="Calibri" charset="0"/>
-                      </a:endParaRPr>
-                    </a:p>
-                  </a:txBody>
-                  <a:tcPr marL="2812" marR="2812" marT="2812" marB="0" anchor="b"/>
+                      <a:r>
+                        <a:rPr lang="en-GB" sz="1600" b="0" i="0" u="none" strike="noStrike" dirty="0" err="1">
+                          <a:solidFill>
+                            <a:srgbClr val="000000"/>
+                          </a:solidFill>
+                          <a:effectLst/>
+                          <a:latin typeface="Calibri" panose="020F0502020204030204" pitchFamily="34" charset="0"/>
+                        </a:rPr>
+                        <a:t>fed_grant_num</a:t>
+                      </a:r>
+                      <a:r>
+                        <a:rPr lang="en-GB" sz="1600" b="0" i="0" u="none" strike="noStrike" dirty="0">
+                          <a:solidFill>
+                            <a:srgbClr val="000000"/>
+                          </a:solidFill>
+                          <a:effectLst/>
+                          <a:latin typeface="Calibri" panose="020F0502020204030204" pitchFamily="34" charset="0"/>
+                        </a:rPr>
+                        <a:t>  </a:t>
+                      </a:r>
+                    </a:p>
+                  </a:txBody>
+                  <a:tcPr marL="6350" marR="6350" marT="6350" marB="0" anchor="b"/>
                 </a:tc>
                 <a:tc>
                   <a:txBody>
@@ -7532,18 +7572,19 @@
                     <a:lstStyle/>
                     <a:p>
                       <a:pPr algn="r" fontAlgn="b"/>
-                      <a:endParaRPr lang="mr-IN" sz="1600" b="0" i="0" u="none" strike="noStrike" dirty="0">
-                        <a:solidFill>
-                          <a:schemeClr val="accent6">
-                            <a:lumMod val="75000"/>
-                          </a:schemeClr>
-                        </a:solidFill>
-                        <a:effectLst/>
-                        <a:latin typeface="Lucida Grande" charset="0"/>
-                      </a:endParaRPr>
-                    </a:p>
-                  </a:txBody>
-                  <a:tcPr marL="2812" marR="2812" marT="2812" marB="0" anchor="b"/>
+                      <a:r>
+                        <a:rPr lang="en-GB" sz="1600" b="0" i="0" u="none" strike="noStrike" dirty="0">
+                          <a:solidFill>
+                            <a:srgbClr val="000000"/>
+                          </a:solidFill>
+                          <a:effectLst/>
+                          <a:latin typeface="Calibri" panose="020F0502020204030204" pitchFamily="34" charset="0"/>
+                        </a:rPr>
+                        <a:t>0.0836</a:t>
+                      </a:r>
+                    </a:p>
+                  </a:txBody>
+                  <a:tcPr marL="6350" marR="6350" marT="6350" marB="0" anchor="b"/>
                 </a:tc>
                 <a:tc>
                   <a:txBody>
@@ -7551,18 +7592,19 @@
                     <a:lstStyle/>
                     <a:p>
                       <a:pPr algn="r" fontAlgn="b"/>
-                      <a:endParaRPr lang="mr-IN" sz="1600" b="0" i="0" u="none" strike="noStrike" dirty="0">
-                        <a:solidFill>
-                          <a:schemeClr val="accent6">
-                            <a:lumMod val="75000"/>
-                          </a:schemeClr>
-                        </a:solidFill>
-                        <a:effectLst/>
-                        <a:latin typeface="Lucida Grande" charset="0"/>
-                      </a:endParaRPr>
-                    </a:p>
-                  </a:txBody>
-                  <a:tcPr marL="2812" marR="2812" marT="2812" marB="0" anchor="b"/>
+                      <a:r>
+                        <a:rPr lang="en-GB" sz="1600" b="0" i="0" u="none" strike="noStrike" dirty="0">
+                          <a:solidFill>
+                            <a:srgbClr val="000000"/>
+                          </a:solidFill>
+                          <a:effectLst/>
+                          <a:latin typeface="Calibri" panose="020F0502020204030204" pitchFamily="34" charset="0"/>
+                        </a:rPr>
+                        <a:t>0.0029</a:t>
+                      </a:r>
+                    </a:p>
+                  </a:txBody>
+                  <a:tcPr marL="6350" marR="6350" marT="6350" marB="0" anchor="b"/>
                 </a:tc>
                 <a:tc>
                   <a:txBody>
@@ -7570,22 +7612,23 @@
                     <a:lstStyle/>
                     <a:p>
                       <a:pPr algn="r" fontAlgn="b"/>
-                      <a:endParaRPr lang="en-US" sz="1600" b="0" i="0" u="none" strike="noStrike" dirty="0">
-                        <a:solidFill>
-                          <a:schemeClr val="accent6">
-                            <a:lumMod val="75000"/>
-                          </a:schemeClr>
-                        </a:solidFill>
-                        <a:effectLst/>
-                        <a:latin typeface="Lucida Grande" charset="0"/>
-                      </a:endParaRPr>
-                    </a:p>
-                  </a:txBody>
-                  <a:tcPr marL="2812" marR="2812" marT="2812" marB="0" anchor="b"/>
+                      <a:r>
+                        <a:rPr lang="en-GB" sz="1600" b="0" i="0" u="none" strike="noStrike">
+                          <a:solidFill>
+                            <a:srgbClr val="000000"/>
+                          </a:solidFill>
+                          <a:effectLst/>
+                          <a:latin typeface="Calibri" panose="020F0502020204030204" pitchFamily="34" charset="0"/>
+                        </a:rPr>
+                        <a:t>0.0000</a:t>
+                      </a:r>
+                    </a:p>
+                  </a:txBody>
+                  <a:tcPr marL="6350" marR="6350" marT="6350" marB="0" anchor="b"/>
                 </a:tc>
                 <a:extLst>
                   <a:ext uri="{0D108BD9-81ED-4DB2-BD59-A6C34878D82A}">
-                    <a16:rowId xmlns:a16="http://schemas.microsoft.com/office/drawing/2014/main" xmlns="" val="10007"/>
+                    <a16:rowId xmlns:a16="http://schemas.microsoft.com/office/drawing/2014/main" val="10007"/>
                   </a:ext>
                 </a:extLst>
               </a:tr>
@@ -7613,16 +7656,29 @@
                     <a:lstStyle/>
                     <a:p>
                       <a:pPr algn="l" fontAlgn="b"/>
-                      <a:endParaRPr lang="en-US" sz="1600" b="0" i="0" u="none" strike="noStrike" dirty="0">
-                        <a:solidFill>
-                          <a:srgbClr val="FF0000"/>
-                        </a:solidFill>
-                        <a:effectLst/>
-                        <a:latin typeface="Calibri" charset="0"/>
-                      </a:endParaRPr>
-                    </a:p>
-                  </a:txBody>
-                  <a:tcPr marL="2812" marR="2812" marT="2812" marB="0" anchor="b"/>
+                      <a:r>
+                        <a:rPr lang="en-GB" sz="1600" b="0" i="0" u="none" strike="noStrike" dirty="0" err="1">
+                          <a:solidFill>
+                            <a:srgbClr val="000000"/>
+                          </a:solidFill>
+                          <a:effectLst/>
+                          <a:latin typeface="Calibri" panose="020F0502020204030204" pitchFamily="34" charset="0"/>
+                        </a:rPr>
+                        <a:t>other_ed_related_cost</a:t>
+                      </a:r>
+                      <a:r>
+                        <a:rPr lang="en-GB" sz="1600" b="0" i="0" u="none" strike="noStrike" dirty="0">
+                          <a:solidFill>
+                            <a:srgbClr val="000000"/>
+                          </a:solidFill>
+                          <a:effectLst/>
+                          <a:latin typeface="Calibri" panose="020F0502020204030204" pitchFamily="34" charset="0"/>
+                        </a:rPr>
+                        <a:t> </a:t>
+                      </a:r>
+                    </a:p>
+                  </a:txBody>
+                  <a:tcPr marL="6350" marR="6350" marT="6350" marB="0" anchor="b"/>
                 </a:tc>
                 <a:tc>
                   <a:txBody>
@@ -7630,16 +7686,19 @@
                     <a:lstStyle/>
                     <a:p>
                       <a:pPr algn="r" fontAlgn="b"/>
-                      <a:endParaRPr lang="mr-IN" sz="1600" b="0" i="0" u="none" strike="noStrike" dirty="0">
-                        <a:solidFill>
-                          <a:srgbClr val="FF0000"/>
-                        </a:solidFill>
-                        <a:effectLst/>
-                        <a:latin typeface="Lucida Grande" charset="0"/>
-                      </a:endParaRPr>
-                    </a:p>
-                  </a:txBody>
-                  <a:tcPr marL="2812" marR="2812" marT="2812" marB="0" anchor="b"/>
+                      <a:r>
+                        <a:rPr lang="en-GB" sz="1600" b="0" i="0" u="none" strike="noStrike" dirty="0">
+                          <a:solidFill>
+                            <a:srgbClr val="000000"/>
+                          </a:solidFill>
+                          <a:effectLst/>
+                          <a:latin typeface="Calibri" panose="020F0502020204030204" pitchFamily="34" charset="0"/>
+                        </a:rPr>
+                        <a:t>0.0971</a:t>
+                      </a:r>
+                    </a:p>
+                  </a:txBody>
+                  <a:tcPr marL="6350" marR="6350" marT="6350" marB="0" anchor="b"/>
                 </a:tc>
                 <a:tc>
                   <a:txBody>
@@ -7647,16 +7706,19 @@
                     <a:lstStyle/>
                     <a:p>
                       <a:pPr algn="r" fontAlgn="b"/>
-                      <a:endParaRPr lang="mr-IN" sz="1600" b="0" i="0" u="none" strike="noStrike" dirty="0">
-                        <a:solidFill>
-                          <a:srgbClr val="FF0000"/>
-                        </a:solidFill>
-                        <a:effectLst/>
-                        <a:latin typeface="Lucida Grande" charset="0"/>
-                      </a:endParaRPr>
-                    </a:p>
-                  </a:txBody>
-                  <a:tcPr marL="2812" marR="2812" marT="2812" marB="0" anchor="b"/>
+                      <a:r>
+                        <a:rPr lang="en-GB" sz="1600" b="0" i="0" u="none" strike="noStrike" dirty="0">
+                          <a:solidFill>
+                            <a:srgbClr val="000000"/>
+                          </a:solidFill>
+                          <a:effectLst/>
+                          <a:latin typeface="Calibri" panose="020F0502020204030204" pitchFamily="34" charset="0"/>
+                        </a:rPr>
+                        <a:t>0.0027</a:t>
+                      </a:r>
+                    </a:p>
+                  </a:txBody>
+                  <a:tcPr marL="6350" marR="6350" marT="6350" marB="0" anchor="b"/>
                 </a:tc>
                 <a:tc>
                   <a:txBody>
@@ -7664,20 +7726,23 @@
                     <a:lstStyle/>
                     <a:p>
                       <a:pPr algn="r" fontAlgn="b"/>
-                      <a:endParaRPr lang="is-IS" sz="1600" b="0" i="0" u="none" strike="noStrike" dirty="0">
-                        <a:solidFill>
-                          <a:srgbClr val="FF0000"/>
-                        </a:solidFill>
-                        <a:effectLst/>
-                        <a:latin typeface="Lucida Grande" charset="0"/>
-                      </a:endParaRPr>
-                    </a:p>
-                  </a:txBody>
-                  <a:tcPr marL="2812" marR="2812" marT="2812" marB="0" anchor="b"/>
+                      <a:r>
+                        <a:rPr lang="en-GB" sz="1600" b="0" i="0" u="none" strike="noStrike">
+                          <a:solidFill>
+                            <a:srgbClr val="000000"/>
+                          </a:solidFill>
+                          <a:effectLst/>
+                          <a:latin typeface="Calibri" panose="020F0502020204030204" pitchFamily="34" charset="0"/>
+                        </a:rPr>
+                        <a:t>0.0000</a:t>
+                      </a:r>
+                    </a:p>
+                  </a:txBody>
+                  <a:tcPr marL="6350" marR="6350" marT="6350" marB="0" anchor="b"/>
                 </a:tc>
                 <a:extLst>
                   <a:ext uri="{0D108BD9-81ED-4DB2-BD59-A6C34878D82A}">
-                    <a16:rowId xmlns:a16="http://schemas.microsoft.com/office/drawing/2014/main" xmlns="" val="10008"/>
+                    <a16:rowId xmlns:a16="http://schemas.microsoft.com/office/drawing/2014/main" val="10008"/>
                   </a:ext>
                 </a:extLst>
               </a:tr>
@@ -7705,16 +7770,29 @@
                     <a:lstStyle/>
                     <a:p>
                       <a:pPr algn="l" fontAlgn="b"/>
-                      <a:endParaRPr lang="en-US" sz="1600" b="0" i="0" u="none" strike="noStrike" dirty="0">
-                        <a:solidFill>
-                          <a:srgbClr val="000000"/>
-                        </a:solidFill>
-                        <a:effectLst/>
-                        <a:latin typeface="Calibri" charset="0"/>
-                      </a:endParaRPr>
-                    </a:p>
-                  </a:txBody>
-                  <a:tcPr marL="2812" marR="2812" marT="2812" marB="0" anchor="b"/>
+                      <a:r>
+                        <a:rPr lang="en-GB" sz="1600" b="0" i="0" u="none" strike="noStrike" dirty="0" err="1">
+                          <a:solidFill>
+                            <a:srgbClr val="000000"/>
+                          </a:solidFill>
+                          <a:effectLst/>
+                          <a:latin typeface="Calibri" panose="020F0502020204030204" pitchFamily="34" charset="0"/>
+                        </a:rPr>
+                        <a:t>inst_grant_num</a:t>
+                      </a:r>
+                      <a:r>
+                        <a:rPr lang="en-GB" sz="1600" b="0" i="0" u="none" strike="noStrike" dirty="0">
+                          <a:solidFill>
+                            <a:srgbClr val="000000"/>
+                          </a:solidFill>
+                          <a:effectLst/>
+                          <a:latin typeface="Calibri" panose="020F0502020204030204" pitchFamily="34" charset="0"/>
+                        </a:rPr>
+                        <a:t> </a:t>
+                      </a:r>
+                    </a:p>
+                  </a:txBody>
+                  <a:tcPr marL="6350" marR="6350" marT="6350" marB="0" anchor="b"/>
                 </a:tc>
                 <a:tc>
                   <a:txBody>
@@ -7722,16 +7800,19 @@
                     <a:lstStyle/>
                     <a:p>
                       <a:pPr algn="r" fontAlgn="b"/>
-                      <a:endParaRPr lang="mr-IN" sz="1600" b="0" i="0" u="none" strike="noStrike" dirty="0">
-                        <a:solidFill>
-                          <a:srgbClr val="000000"/>
-                        </a:solidFill>
-                        <a:effectLst/>
-                        <a:latin typeface="Lucida Grande" charset="0"/>
-                      </a:endParaRPr>
-                    </a:p>
-                  </a:txBody>
-                  <a:tcPr marL="2812" marR="2812" marT="2812" marB="0" anchor="b"/>
+                      <a:r>
+                        <a:rPr lang="en-GB" sz="1600" b="0" i="0" u="none" strike="noStrike" dirty="0">
+                          <a:solidFill>
+                            <a:srgbClr val="000000"/>
+                          </a:solidFill>
+                          <a:effectLst/>
+                          <a:latin typeface="Calibri" panose="020F0502020204030204" pitchFamily="34" charset="0"/>
+                        </a:rPr>
+                        <a:t>0.0353</a:t>
+                      </a:r>
+                    </a:p>
+                  </a:txBody>
+                  <a:tcPr marL="6350" marR="6350" marT="6350" marB="0" anchor="b"/>
                 </a:tc>
                 <a:tc>
                   <a:txBody>
@@ -7739,16 +7820,19 @@
                     <a:lstStyle/>
                     <a:p>
                       <a:pPr algn="r" fontAlgn="b"/>
-                      <a:endParaRPr lang="mr-IN" sz="1600" b="0" i="0" u="none" strike="noStrike" dirty="0">
-                        <a:solidFill>
-                          <a:srgbClr val="000000"/>
-                        </a:solidFill>
-                        <a:effectLst/>
-                        <a:latin typeface="Lucida Grande" charset="0"/>
-                      </a:endParaRPr>
-                    </a:p>
-                  </a:txBody>
-                  <a:tcPr marL="2812" marR="2812" marT="2812" marB="0" anchor="b"/>
+                      <a:r>
+                        <a:rPr lang="en-GB" sz="1600" b="0" i="0" u="none" strike="noStrike" dirty="0">
+                          <a:solidFill>
+                            <a:srgbClr val="000000"/>
+                          </a:solidFill>
+                          <a:effectLst/>
+                          <a:latin typeface="Calibri" panose="020F0502020204030204" pitchFamily="34" charset="0"/>
+                        </a:rPr>
+                        <a:t>0.0023</a:t>
+                      </a:r>
+                    </a:p>
+                  </a:txBody>
+                  <a:tcPr marL="6350" marR="6350" marT="6350" marB="0" anchor="b"/>
                 </a:tc>
                 <a:tc>
                   <a:txBody>
@@ -7756,20 +7840,23 @@
                     <a:lstStyle/>
                     <a:p>
                       <a:pPr algn="r" fontAlgn="b"/>
-                      <a:endParaRPr lang="nb-NO" sz="1600" b="0" i="0" u="none" strike="noStrike" dirty="0">
-                        <a:solidFill>
-                          <a:srgbClr val="000000"/>
-                        </a:solidFill>
-                        <a:effectLst/>
-                        <a:latin typeface="Lucida Grande" charset="0"/>
-                      </a:endParaRPr>
-                    </a:p>
-                  </a:txBody>
-                  <a:tcPr marL="2812" marR="2812" marT="2812" marB="0" anchor="b"/>
+                      <a:r>
+                        <a:rPr lang="en-GB" sz="1600" b="0" i="0" u="none" strike="noStrike" dirty="0">
+                          <a:solidFill>
+                            <a:srgbClr val="000000"/>
+                          </a:solidFill>
+                          <a:effectLst/>
+                          <a:latin typeface="Calibri" panose="020F0502020204030204" pitchFamily="34" charset="0"/>
+                        </a:rPr>
+                        <a:t>0.0000</a:t>
+                      </a:r>
+                    </a:p>
+                  </a:txBody>
+                  <a:tcPr marL="6350" marR="6350" marT="6350" marB="0" anchor="b"/>
                 </a:tc>
                 <a:extLst>
                   <a:ext uri="{0D108BD9-81ED-4DB2-BD59-A6C34878D82A}">
-                    <a16:rowId xmlns:a16="http://schemas.microsoft.com/office/drawing/2014/main" xmlns="" val="10009"/>
+                    <a16:rowId xmlns:a16="http://schemas.microsoft.com/office/drawing/2014/main" val="10009"/>
                   </a:ext>
                 </a:extLst>
               </a:tr>
@@ -7797,16 +7884,29 @@
                     <a:lstStyle/>
                     <a:p>
                       <a:pPr algn="l" fontAlgn="b"/>
-                      <a:endParaRPr lang="en-US" sz="1600" b="0" i="0" u="none" strike="noStrike" dirty="0">
-                        <a:solidFill>
-                          <a:srgbClr val="000000"/>
-                        </a:solidFill>
-                        <a:effectLst/>
-                        <a:latin typeface="Calibri" charset="0"/>
-                      </a:endParaRPr>
-                    </a:p>
-                  </a:txBody>
-                  <a:tcPr marL="2812" marR="2812" marT="2812" marB="0" anchor="b"/>
+                      <a:r>
+                        <a:rPr lang="en-GB" sz="1600" b="0" i="0" u="none" strike="noStrike" dirty="0" err="1">
+                          <a:solidFill>
+                            <a:srgbClr val="000000"/>
+                          </a:solidFill>
+                          <a:effectLst/>
+                          <a:latin typeface="Calibri" panose="020F0502020204030204" pitchFamily="34" charset="0"/>
+                        </a:rPr>
+                        <a:t>credhoursug</a:t>
+                      </a:r>
+                      <a:r>
+                        <a:rPr lang="en-GB" sz="1600" b="0" i="0" u="none" strike="noStrike" dirty="0">
+                          <a:solidFill>
+                            <a:srgbClr val="000000"/>
+                          </a:solidFill>
+                          <a:effectLst/>
+                          <a:latin typeface="Calibri" panose="020F0502020204030204" pitchFamily="34" charset="0"/>
+                        </a:rPr>
+                        <a:t>  </a:t>
+                      </a:r>
+                    </a:p>
+                  </a:txBody>
+                  <a:tcPr marL="6350" marR="6350" marT="6350" marB="0" anchor="b"/>
                 </a:tc>
                 <a:tc>
                   <a:txBody>
@@ -7814,16 +7914,19 @@
                     <a:lstStyle/>
                     <a:p>
                       <a:pPr algn="r" fontAlgn="b"/>
-                      <a:endParaRPr lang="mr-IN" sz="1600" b="0" i="0" u="none" strike="noStrike" dirty="0">
-                        <a:solidFill>
-                          <a:srgbClr val="000000"/>
-                        </a:solidFill>
-                        <a:effectLst/>
-                        <a:latin typeface="Lucida Grande" charset="0"/>
-                      </a:endParaRPr>
-                    </a:p>
-                  </a:txBody>
-                  <a:tcPr marL="2812" marR="2812" marT="2812" marB="0" anchor="b"/>
+                      <a:r>
+                        <a:rPr lang="en-GB" sz="1600" b="0" i="0" u="none" strike="noStrike" dirty="0">
+                          <a:solidFill>
+                            <a:srgbClr val="000000"/>
+                          </a:solidFill>
+                          <a:effectLst/>
+                          <a:latin typeface="Calibri" panose="020F0502020204030204" pitchFamily="34" charset="0"/>
+                        </a:rPr>
+                        <a:t>0.0291</a:t>
+                      </a:r>
+                    </a:p>
+                  </a:txBody>
+                  <a:tcPr marL="6350" marR="6350" marT="6350" marB="0" anchor="b"/>
                 </a:tc>
                 <a:tc>
                   <a:txBody>
@@ -7831,16 +7934,19 @@
                     <a:lstStyle/>
                     <a:p>
                       <a:pPr algn="r" fontAlgn="b"/>
-                      <a:endParaRPr lang="mr-IN" sz="1600" b="0" i="0" u="none" strike="noStrike" dirty="0">
-                        <a:solidFill>
-                          <a:srgbClr val="000000"/>
-                        </a:solidFill>
-                        <a:effectLst/>
-                        <a:latin typeface="Lucida Grande" charset="0"/>
-                      </a:endParaRPr>
-                    </a:p>
-                  </a:txBody>
-                  <a:tcPr marL="2812" marR="2812" marT="2812" marB="0" anchor="b"/>
+                      <a:r>
+                        <a:rPr lang="en-GB" sz="1600" b="0" i="0" u="none" strike="noStrike" dirty="0">
+                          <a:solidFill>
+                            <a:srgbClr val="000000"/>
+                          </a:solidFill>
+                          <a:effectLst/>
+                          <a:latin typeface="Calibri" panose="020F0502020204030204" pitchFamily="34" charset="0"/>
+                        </a:rPr>
+                        <a:t>0.0028</a:t>
+                      </a:r>
+                    </a:p>
+                  </a:txBody>
+                  <a:tcPr marL="6350" marR="6350" marT="6350" marB="0" anchor="b"/>
                 </a:tc>
                 <a:tc>
                   <a:txBody>
@@ -7848,20 +7954,23 @@
                     <a:lstStyle/>
                     <a:p>
                       <a:pPr algn="r" fontAlgn="b"/>
-                      <a:endParaRPr lang="is-IS" sz="1600" b="0" i="0" u="none" strike="noStrike" dirty="0">
-                        <a:solidFill>
-                          <a:srgbClr val="000000"/>
-                        </a:solidFill>
-                        <a:effectLst/>
-                        <a:latin typeface="Lucida Grande" charset="0"/>
-                      </a:endParaRPr>
-                    </a:p>
-                  </a:txBody>
-                  <a:tcPr marL="2812" marR="2812" marT="2812" marB="0" anchor="b"/>
+                      <a:r>
+                        <a:rPr lang="en-GB" sz="1600" b="0" i="0" u="none" strike="noStrike" dirty="0">
+                          <a:solidFill>
+                            <a:srgbClr val="000000"/>
+                          </a:solidFill>
+                          <a:effectLst/>
+                          <a:latin typeface="Calibri" panose="020F0502020204030204" pitchFamily="34" charset="0"/>
+                        </a:rPr>
+                        <a:t>0.0000</a:t>
+                      </a:r>
+                    </a:p>
+                  </a:txBody>
+                  <a:tcPr marL="6350" marR="6350" marT="6350" marB="0" anchor="b"/>
                 </a:tc>
                 <a:extLst>
                   <a:ext uri="{0D108BD9-81ED-4DB2-BD59-A6C34878D82A}">
-                    <a16:rowId xmlns:a16="http://schemas.microsoft.com/office/drawing/2014/main" xmlns="" val="10010"/>
+                    <a16:rowId xmlns:a16="http://schemas.microsoft.com/office/drawing/2014/main" val="10010"/>
                   </a:ext>
                 </a:extLst>
               </a:tr>
@@ -7904,7 +8013,7 @@
           <p:cNvPr id="2" name="Title 1">
             <a:extLst>
               <a:ext uri="{FF2B5EF4-FFF2-40B4-BE49-F238E27FC236}">
-                <a16:creationId xmlns:a16="http://schemas.microsoft.com/office/drawing/2014/main" xmlns="" id="{7703A585-CB34-4847-AABD-D8BF1C39D16B}"/>
+                <a16:creationId xmlns:a16="http://schemas.microsoft.com/office/drawing/2014/main" id="{7703A585-CB34-4847-AABD-D8BF1C39D16B}"/>
               </a:ext>
             </a:extLst>
           </p:cNvPr>
@@ -7933,7 +8042,7 @@
           <p:cNvPr id="3" name="Content Placeholder 2">
             <a:extLst>
               <a:ext uri="{FF2B5EF4-FFF2-40B4-BE49-F238E27FC236}">
-                <a16:creationId xmlns:a16="http://schemas.microsoft.com/office/drawing/2014/main" xmlns="" id="{65C12D36-4D81-4990-B646-20709CA0D106}"/>
+                <a16:creationId xmlns:a16="http://schemas.microsoft.com/office/drawing/2014/main" id="{65C12D36-4D81-4990-B646-20709CA0D106}"/>
               </a:ext>
             </a:extLst>
           </p:cNvPr>
@@ -7951,7 +8060,13 @@
           <a:p>
             <a:r>
               <a:rPr lang="en-US" dirty="0"/>
-              <a:t>Approach 1 gives interpretation in variables we are most interested in i.e. spending policies of schools</a:t>
+              <a:t>Auxiliary Expenditure best predictor of grad rate.</a:t>
+            </a:r>
+          </a:p>
+          <a:p>
+            <a:r>
+              <a:rPr lang="en-US" dirty="0"/>
+              <a:t>Approach 1 gives interpretation in variables we are most interested in i.e. spending policies of schools.</a:t>
             </a:r>
           </a:p>
           <a:p>
@@ -7964,17 +8079,13 @@
           <a:p>
             <a:r>
               <a:rPr lang="en-US" dirty="0"/>
-              <a:t>Clear correspondence between automatically selected variables and variables selected to control for known effects in Approach1</a:t>
+              <a:t>Clear correspondence between automatically selected variables and variables selected to control for known effects in Approach 1</a:t>
             </a:r>
           </a:p>
           <a:p>
-            <a:r>
-              <a:rPr lang="en-US" dirty="0" err="1"/>
-              <a:t>Approah</a:t>
-            </a:r>
             <a:r>
               <a:rPr lang="en-US" dirty="0"/>
-              <a:t> 2 in some sense justifies Approach 1?</a:t>
+              <a:t>Approach 2 in some sense justifies Approach 1?</a:t>
             </a:r>
           </a:p>
         </p:txBody>
@@ -8133,21 +8244,21 @@
                 <a:gridCol w="1307104">
                   <a:extLst>
                     <a:ext uri="{9D8B030D-6E8A-4147-A177-3AD203B41FA5}">
-                      <a16:colId xmlns:a16="http://schemas.microsoft.com/office/drawing/2014/main" xmlns="" val="20000"/>
+                      <a16:colId xmlns:a16="http://schemas.microsoft.com/office/drawing/2014/main" val="20000"/>
                     </a:ext>
                   </a:extLst>
                 </a:gridCol>
                 <a:gridCol w="1622611">
                   <a:extLst>
                     <a:ext uri="{9D8B030D-6E8A-4147-A177-3AD203B41FA5}">
-                      <a16:colId xmlns:a16="http://schemas.microsoft.com/office/drawing/2014/main" xmlns="" val="20001"/>
+                      <a16:colId xmlns:a16="http://schemas.microsoft.com/office/drawing/2014/main" val="20001"/>
                     </a:ext>
                   </a:extLst>
                 </a:gridCol>
                 <a:gridCol w="1667684">
                   <a:extLst>
                     <a:ext uri="{9D8B030D-6E8A-4147-A177-3AD203B41FA5}">
-                      <a16:colId xmlns:a16="http://schemas.microsoft.com/office/drawing/2014/main" xmlns="" val="20002"/>
+                      <a16:colId xmlns:a16="http://schemas.microsoft.com/office/drawing/2014/main" val="20002"/>
                     </a:ext>
                   </a:extLst>
                 </a:gridCol>
@@ -8218,7 +8329,7 @@
                 </a:tc>
                 <a:extLst>
                   <a:ext uri="{0D108BD9-81ED-4DB2-BD59-A6C34878D82A}">
-                    <a16:rowId xmlns:a16="http://schemas.microsoft.com/office/drawing/2014/main" xmlns="" val="10000"/>
+                    <a16:rowId xmlns:a16="http://schemas.microsoft.com/office/drawing/2014/main" val="10000"/>
                   </a:ext>
                 </a:extLst>
               </a:tr>
@@ -8294,7 +8405,7 @@
                 </a:tc>
                 <a:extLst>
                   <a:ext uri="{0D108BD9-81ED-4DB2-BD59-A6C34878D82A}">
-                    <a16:rowId xmlns:a16="http://schemas.microsoft.com/office/drawing/2014/main" xmlns="" val="10001"/>
+                    <a16:rowId xmlns:a16="http://schemas.microsoft.com/office/drawing/2014/main" val="10001"/>
                   </a:ext>
                 </a:extLst>
               </a:tr>
@@ -8370,7 +8481,7 @@
                 </a:tc>
                 <a:extLst>
                   <a:ext uri="{0D108BD9-81ED-4DB2-BD59-A6C34878D82A}">
-                    <a16:rowId xmlns:a16="http://schemas.microsoft.com/office/drawing/2014/main" xmlns="" val="10002"/>
+                    <a16:rowId xmlns:a16="http://schemas.microsoft.com/office/drawing/2014/main" val="10002"/>
                   </a:ext>
                 </a:extLst>
               </a:tr>
@@ -8446,7 +8557,7 @@
                 </a:tc>
                 <a:extLst>
                   <a:ext uri="{0D108BD9-81ED-4DB2-BD59-A6C34878D82A}">
-                    <a16:rowId xmlns:a16="http://schemas.microsoft.com/office/drawing/2014/main" xmlns="" val="10003"/>
+                    <a16:rowId xmlns:a16="http://schemas.microsoft.com/office/drawing/2014/main" val="10003"/>
                   </a:ext>
                 </a:extLst>
               </a:tr>
@@ -8774,14 +8885,14 @@
                 <a:gridCol w="1676870">
                   <a:extLst>
                     <a:ext uri="{9D8B030D-6E8A-4147-A177-3AD203B41FA5}">
-                      <a16:colId xmlns:a16="http://schemas.microsoft.com/office/drawing/2014/main" xmlns="" val="20000"/>
+                      <a16:colId xmlns:a16="http://schemas.microsoft.com/office/drawing/2014/main" val="20000"/>
                     </a:ext>
                   </a:extLst>
                 </a:gridCol>
                 <a:gridCol w="3663480">
                   <a:extLst>
                     <a:ext uri="{9D8B030D-6E8A-4147-A177-3AD203B41FA5}">
-                      <a16:colId xmlns:a16="http://schemas.microsoft.com/office/drawing/2014/main" xmlns="" val="20001"/>
+                      <a16:colId xmlns:a16="http://schemas.microsoft.com/office/drawing/2014/main" val="20001"/>
                     </a:ext>
                   </a:extLst>
                 </a:gridCol>
@@ -8835,7 +8946,7 @@
                 </a:tc>
                 <a:extLst>
                   <a:ext uri="{0D108BD9-81ED-4DB2-BD59-A6C34878D82A}">
-                    <a16:rowId xmlns:a16="http://schemas.microsoft.com/office/drawing/2014/main" xmlns="" val="10000"/>
+                    <a16:rowId xmlns:a16="http://schemas.microsoft.com/office/drawing/2014/main" val="10000"/>
                   </a:ext>
                 </a:extLst>
               </a:tr>
@@ -8875,7 +8986,7 @@
                 </a:tc>
                 <a:extLst>
                   <a:ext uri="{0D108BD9-81ED-4DB2-BD59-A6C34878D82A}">
-                    <a16:rowId xmlns:a16="http://schemas.microsoft.com/office/drawing/2014/main" xmlns="" val="10001"/>
+                    <a16:rowId xmlns:a16="http://schemas.microsoft.com/office/drawing/2014/main" val="10001"/>
                   </a:ext>
                 </a:extLst>
               </a:tr>
@@ -8928,7 +9039,7 @@
                 </a:tc>
                 <a:extLst>
                   <a:ext uri="{0D108BD9-81ED-4DB2-BD59-A6C34878D82A}">
-                    <a16:rowId xmlns:a16="http://schemas.microsoft.com/office/drawing/2014/main" xmlns="" val="10002"/>
+                    <a16:rowId xmlns:a16="http://schemas.microsoft.com/office/drawing/2014/main" val="10002"/>
                   </a:ext>
                 </a:extLst>
               </a:tr>
@@ -8968,7 +9079,7 @@
                 </a:tc>
                 <a:extLst>
                   <a:ext uri="{0D108BD9-81ED-4DB2-BD59-A6C34878D82A}">
-                    <a16:rowId xmlns:a16="http://schemas.microsoft.com/office/drawing/2014/main" xmlns="" val="10003"/>
+                    <a16:rowId xmlns:a16="http://schemas.microsoft.com/office/drawing/2014/main" val="10003"/>
                   </a:ext>
                 </a:extLst>
               </a:tr>
@@ -9008,7 +9119,7 @@
                 </a:tc>
                 <a:extLst>
                   <a:ext uri="{0D108BD9-81ED-4DB2-BD59-A6C34878D82A}">
-                    <a16:rowId xmlns:a16="http://schemas.microsoft.com/office/drawing/2014/main" xmlns="" val="10004"/>
+                    <a16:rowId xmlns:a16="http://schemas.microsoft.com/office/drawing/2014/main" val="10004"/>
                   </a:ext>
                 </a:extLst>
               </a:tr>
@@ -9048,7 +9159,7 @@
                 </a:tc>
                 <a:extLst>
                   <a:ext uri="{0D108BD9-81ED-4DB2-BD59-A6C34878D82A}">
-                    <a16:rowId xmlns:a16="http://schemas.microsoft.com/office/drawing/2014/main" xmlns="" val="10005"/>
+                    <a16:rowId xmlns:a16="http://schemas.microsoft.com/office/drawing/2014/main" val="10005"/>
                   </a:ext>
                 </a:extLst>
               </a:tr>
@@ -9088,7 +9199,7 @@
                 </a:tc>
                 <a:extLst>
                   <a:ext uri="{0D108BD9-81ED-4DB2-BD59-A6C34878D82A}">
-                    <a16:rowId xmlns:a16="http://schemas.microsoft.com/office/drawing/2014/main" xmlns="" val="10006"/>
+                    <a16:rowId xmlns:a16="http://schemas.microsoft.com/office/drawing/2014/main" val="10006"/>
                   </a:ext>
                 </a:extLst>
               </a:tr>
@@ -9128,7 +9239,7 @@
                 </a:tc>
                 <a:extLst>
                   <a:ext uri="{0D108BD9-81ED-4DB2-BD59-A6C34878D82A}">
-                    <a16:rowId xmlns:a16="http://schemas.microsoft.com/office/drawing/2014/main" xmlns="" val="10007"/>
+                    <a16:rowId xmlns:a16="http://schemas.microsoft.com/office/drawing/2014/main" val="10007"/>
                   </a:ext>
                 </a:extLst>
               </a:tr>
@@ -9187,7 +9298,7 @@
                 </a:tc>
                 <a:extLst>
                   <a:ext uri="{0D108BD9-81ED-4DB2-BD59-A6C34878D82A}">
-                    <a16:rowId xmlns:a16="http://schemas.microsoft.com/office/drawing/2014/main" xmlns="" val="10008"/>
+                    <a16:rowId xmlns:a16="http://schemas.microsoft.com/office/drawing/2014/main" val="10008"/>
                   </a:ext>
                 </a:extLst>
               </a:tr>
@@ -9230,7 +9341,7 @@
                 </a:tc>
                 <a:extLst>
                   <a:ext uri="{0D108BD9-81ED-4DB2-BD59-A6C34878D82A}">
-                    <a16:rowId xmlns:a16="http://schemas.microsoft.com/office/drawing/2014/main" xmlns="" val="10009"/>
+                    <a16:rowId xmlns:a16="http://schemas.microsoft.com/office/drawing/2014/main" val="10009"/>
                   </a:ext>
                 </a:extLst>
               </a:tr>
@@ -9273,7 +9384,7 @@
                 </a:tc>
                 <a:extLst>
                   <a:ext uri="{0D108BD9-81ED-4DB2-BD59-A6C34878D82A}">
-                    <a16:rowId xmlns:a16="http://schemas.microsoft.com/office/drawing/2014/main" xmlns="" val="10010"/>
+                    <a16:rowId xmlns:a16="http://schemas.microsoft.com/office/drawing/2014/main" val="10010"/>
                   </a:ext>
                 </a:extLst>
               </a:tr>
@@ -9316,7 +9427,7 @@
                 </a:tc>
                 <a:extLst>
                   <a:ext uri="{0D108BD9-81ED-4DB2-BD59-A6C34878D82A}">
-                    <a16:rowId xmlns:a16="http://schemas.microsoft.com/office/drawing/2014/main" xmlns="" val="10011"/>
+                    <a16:rowId xmlns:a16="http://schemas.microsoft.com/office/drawing/2014/main" val="10011"/>
                   </a:ext>
                 </a:extLst>
               </a:tr>
@@ -9359,7 +9470,7 @@
                 </a:tc>
                 <a:extLst>
                   <a:ext uri="{0D108BD9-81ED-4DB2-BD59-A6C34878D82A}">
-                    <a16:rowId xmlns:a16="http://schemas.microsoft.com/office/drawing/2014/main" xmlns="" val="10012"/>
+                    <a16:rowId xmlns:a16="http://schemas.microsoft.com/office/drawing/2014/main" val="10012"/>
                   </a:ext>
                 </a:extLst>
               </a:tr>
@@ -9402,7 +9513,7 @@
                 </a:tc>
                 <a:extLst>
                   <a:ext uri="{0D108BD9-81ED-4DB2-BD59-A6C34878D82A}">
-                    <a16:rowId xmlns:a16="http://schemas.microsoft.com/office/drawing/2014/main" xmlns="" val="10013"/>
+                    <a16:rowId xmlns:a16="http://schemas.microsoft.com/office/drawing/2014/main" val="10013"/>
                   </a:ext>
                 </a:extLst>
               </a:tr>
@@ -9445,7 +9556,7 @@
                 </a:tc>
                 <a:extLst>
                   <a:ext uri="{0D108BD9-81ED-4DB2-BD59-A6C34878D82A}">
-                    <a16:rowId xmlns:a16="http://schemas.microsoft.com/office/drawing/2014/main" xmlns="" val="10014"/>
+                    <a16:rowId xmlns:a16="http://schemas.microsoft.com/office/drawing/2014/main" val="10014"/>
                   </a:ext>
                 </a:extLst>
               </a:tr>
@@ -9488,7 +9599,7 @@
                 </a:tc>
                 <a:extLst>
                   <a:ext uri="{0D108BD9-81ED-4DB2-BD59-A6C34878D82A}">
-                    <a16:rowId xmlns:a16="http://schemas.microsoft.com/office/drawing/2014/main" xmlns="" val="10015"/>
+                    <a16:rowId xmlns:a16="http://schemas.microsoft.com/office/drawing/2014/main" val="10015"/>
                   </a:ext>
                 </a:extLst>
               </a:tr>
@@ -9531,7 +9642,7 @@
                 </a:tc>
                 <a:extLst>
                   <a:ext uri="{0D108BD9-81ED-4DB2-BD59-A6C34878D82A}">
-                    <a16:rowId xmlns:a16="http://schemas.microsoft.com/office/drawing/2014/main" xmlns="" val="10016"/>
+                    <a16:rowId xmlns:a16="http://schemas.microsoft.com/office/drawing/2014/main" val="10016"/>
                   </a:ext>
                 </a:extLst>
               </a:tr>
@@ -9584,7 +9695,7 @@
                 </a:tc>
                 <a:extLst>
                   <a:ext uri="{0D108BD9-81ED-4DB2-BD59-A6C34878D82A}">
-                    <a16:rowId xmlns:a16="http://schemas.microsoft.com/office/drawing/2014/main" xmlns="" val="10017"/>
+                    <a16:rowId xmlns:a16="http://schemas.microsoft.com/office/drawing/2014/main" val="10017"/>
                   </a:ext>
                 </a:extLst>
               </a:tr>
@@ -9624,7 +9735,7 @@
                 </a:tc>
                 <a:extLst>
                   <a:ext uri="{0D108BD9-81ED-4DB2-BD59-A6C34878D82A}">
-                    <a16:rowId xmlns:a16="http://schemas.microsoft.com/office/drawing/2014/main" xmlns="" val="10018"/>
+                    <a16:rowId xmlns:a16="http://schemas.microsoft.com/office/drawing/2014/main" val="10018"/>
                   </a:ext>
                 </a:extLst>
               </a:tr>
@@ -9854,28 +9965,28 @@
                 <a:gridCol w="1697973">
                   <a:extLst>
                     <a:ext uri="{9D8B030D-6E8A-4147-A177-3AD203B41FA5}">
-                      <a16:colId xmlns:a16="http://schemas.microsoft.com/office/drawing/2014/main" xmlns="" val="20000"/>
+                      <a16:colId xmlns:a16="http://schemas.microsoft.com/office/drawing/2014/main" val="20000"/>
                     </a:ext>
                   </a:extLst>
                 </a:gridCol>
                 <a:gridCol w="1697973">
                   <a:extLst>
                     <a:ext uri="{9D8B030D-6E8A-4147-A177-3AD203B41FA5}">
-                      <a16:colId xmlns:a16="http://schemas.microsoft.com/office/drawing/2014/main" xmlns="" val="20001"/>
+                      <a16:colId xmlns:a16="http://schemas.microsoft.com/office/drawing/2014/main" val="20001"/>
                     </a:ext>
                   </a:extLst>
                 </a:gridCol>
                 <a:gridCol w="917538">
                   <a:extLst>
                     <a:ext uri="{9D8B030D-6E8A-4147-A177-3AD203B41FA5}">
-                      <a16:colId xmlns:a16="http://schemas.microsoft.com/office/drawing/2014/main" xmlns="" val="20002"/>
+                      <a16:colId xmlns:a16="http://schemas.microsoft.com/office/drawing/2014/main" val="20002"/>
                     </a:ext>
                   </a:extLst>
                 </a:gridCol>
                 <a:gridCol w="1128466">
                   <a:extLst>
                     <a:ext uri="{9D8B030D-6E8A-4147-A177-3AD203B41FA5}">
-                      <a16:colId xmlns:a16="http://schemas.microsoft.com/office/drawing/2014/main" xmlns="" val="20003"/>
+                      <a16:colId xmlns:a16="http://schemas.microsoft.com/office/drawing/2014/main" val="20003"/>
                     </a:ext>
                   </a:extLst>
                 </a:gridCol>
@@ -9956,7 +10067,7 @@
                 </a:tc>
                 <a:extLst>
                   <a:ext uri="{0D108BD9-81ED-4DB2-BD59-A6C34878D82A}">
-                    <a16:rowId xmlns:a16="http://schemas.microsoft.com/office/drawing/2014/main" xmlns="" val="10000"/>
+                    <a16:rowId xmlns:a16="http://schemas.microsoft.com/office/drawing/2014/main" val="10000"/>
                   </a:ext>
                 </a:extLst>
               </a:tr>
@@ -10036,7 +10147,7 @@
                 </a:tc>
                 <a:extLst>
                   <a:ext uri="{0D108BD9-81ED-4DB2-BD59-A6C34878D82A}">
-                    <a16:rowId xmlns:a16="http://schemas.microsoft.com/office/drawing/2014/main" xmlns="" val="10001"/>
+                    <a16:rowId xmlns:a16="http://schemas.microsoft.com/office/drawing/2014/main" val="10001"/>
                   </a:ext>
                 </a:extLst>
               </a:tr>
@@ -10129,7 +10240,7 @@
                 </a:tc>
                 <a:extLst>
                   <a:ext uri="{0D108BD9-81ED-4DB2-BD59-A6C34878D82A}">
-                    <a16:rowId xmlns:a16="http://schemas.microsoft.com/office/drawing/2014/main" xmlns="" val="10002"/>
+                    <a16:rowId xmlns:a16="http://schemas.microsoft.com/office/drawing/2014/main" val="10002"/>
                   </a:ext>
                 </a:extLst>
               </a:tr>
@@ -10209,7 +10320,7 @@
                 </a:tc>
                 <a:extLst>
                   <a:ext uri="{0D108BD9-81ED-4DB2-BD59-A6C34878D82A}">
-                    <a16:rowId xmlns:a16="http://schemas.microsoft.com/office/drawing/2014/main" xmlns="" val="10003"/>
+                    <a16:rowId xmlns:a16="http://schemas.microsoft.com/office/drawing/2014/main" val="10003"/>
                   </a:ext>
                 </a:extLst>
               </a:tr>
@@ -10289,7 +10400,7 @@
                 </a:tc>
                 <a:extLst>
                   <a:ext uri="{0D108BD9-81ED-4DB2-BD59-A6C34878D82A}">
-                    <a16:rowId xmlns:a16="http://schemas.microsoft.com/office/drawing/2014/main" xmlns="" val="10004"/>
+                    <a16:rowId xmlns:a16="http://schemas.microsoft.com/office/drawing/2014/main" val="10004"/>
                   </a:ext>
                 </a:extLst>
               </a:tr>
@@ -10369,7 +10480,7 @@
                 </a:tc>
                 <a:extLst>
                   <a:ext uri="{0D108BD9-81ED-4DB2-BD59-A6C34878D82A}">
-                    <a16:rowId xmlns:a16="http://schemas.microsoft.com/office/drawing/2014/main" xmlns="" val="10005"/>
+                    <a16:rowId xmlns:a16="http://schemas.microsoft.com/office/drawing/2014/main" val="10005"/>
                   </a:ext>
                 </a:extLst>
               </a:tr>
@@ -10449,7 +10560,7 @@
                 </a:tc>
                 <a:extLst>
                   <a:ext uri="{0D108BD9-81ED-4DB2-BD59-A6C34878D82A}">
-                    <a16:rowId xmlns:a16="http://schemas.microsoft.com/office/drawing/2014/main" xmlns="" val="10006"/>
+                    <a16:rowId xmlns:a16="http://schemas.microsoft.com/office/drawing/2014/main" val="10006"/>
                   </a:ext>
                 </a:extLst>
               </a:tr>
@@ -10529,7 +10640,7 @@
                 </a:tc>
                 <a:extLst>
                   <a:ext uri="{0D108BD9-81ED-4DB2-BD59-A6C34878D82A}">
-                    <a16:rowId xmlns:a16="http://schemas.microsoft.com/office/drawing/2014/main" xmlns="" val="10007"/>
+                    <a16:rowId xmlns:a16="http://schemas.microsoft.com/office/drawing/2014/main" val="10007"/>
                   </a:ext>
                 </a:extLst>
               </a:tr>
@@ -10612,7 +10723,7 @@
                 </a:tc>
                 <a:extLst>
                   <a:ext uri="{0D108BD9-81ED-4DB2-BD59-A6C34878D82A}">
-                    <a16:rowId xmlns:a16="http://schemas.microsoft.com/office/drawing/2014/main" xmlns="" val="10008"/>
+                    <a16:rowId xmlns:a16="http://schemas.microsoft.com/office/drawing/2014/main" val="10008"/>
                   </a:ext>
                 </a:extLst>
               </a:tr>
@@ -10705,7 +10816,7 @@
                 </a:tc>
                 <a:extLst>
                   <a:ext uri="{0D108BD9-81ED-4DB2-BD59-A6C34878D82A}">
-                    <a16:rowId xmlns:a16="http://schemas.microsoft.com/office/drawing/2014/main" xmlns="" val="10009"/>
+                    <a16:rowId xmlns:a16="http://schemas.microsoft.com/office/drawing/2014/main" val="10009"/>
                   </a:ext>
                 </a:extLst>
               </a:tr>
@@ -10785,7 +10896,7 @@
                 </a:tc>
                 <a:extLst>
                   <a:ext uri="{0D108BD9-81ED-4DB2-BD59-A6C34878D82A}">
-                    <a16:rowId xmlns:a16="http://schemas.microsoft.com/office/drawing/2014/main" xmlns="" val="10010"/>
+                    <a16:rowId xmlns:a16="http://schemas.microsoft.com/office/drawing/2014/main" val="10010"/>
                   </a:ext>
                 </a:extLst>
               </a:tr>
@@ -10865,7 +10976,7 @@
                 </a:tc>
                 <a:extLst>
                   <a:ext uri="{0D108BD9-81ED-4DB2-BD59-A6C34878D82A}">
-                    <a16:rowId xmlns:a16="http://schemas.microsoft.com/office/drawing/2014/main" xmlns="" val="10011"/>
+                    <a16:rowId xmlns:a16="http://schemas.microsoft.com/office/drawing/2014/main" val="10011"/>
                   </a:ext>
                 </a:extLst>
               </a:tr>
@@ -10945,7 +11056,7 @@
                 </a:tc>
                 <a:extLst>
                   <a:ext uri="{0D108BD9-81ED-4DB2-BD59-A6C34878D82A}">
-                    <a16:rowId xmlns:a16="http://schemas.microsoft.com/office/drawing/2014/main" xmlns="" val="10012"/>
+                    <a16:rowId xmlns:a16="http://schemas.microsoft.com/office/drawing/2014/main" val="10012"/>
                   </a:ext>
                 </a:extLst>
               </a:tr>
@@ -11025,7 +11136,7 @@
                 </a:tc>
                 <a:extLst>
                   <a:ext uri="{0D108BD9-81ED-4DB2-BD59-A6C34878D82A}">
-                    <a16:rowId xmlns:a16="http://schemas.microsoft.com/office/drawing/2014/main" xmlns="" val="10013"/>
+                    <a16:rowId xmlns:a16="http://schemas.microsoft.com/office/drawing/2014/main" val="10013"/>
                   </a:ext>
                 </a:extLst>
               </a:tr>
@@ -11105,7 +11216,7 @@
                 </a:tc>
                 <a:extLst>
                   <a:ext uri="{0D108BD9-81ED-4DB2-BD59-A6C34878D82A}">
-                    <a16:rowId xmlns:a16="http://schemas.microsoft.com/office/drawing/2014/main" xmlns="" val="10014"/>
+                    <a16:rowId xmlns:a16="http://schemas.microsoft.com/office/drawing/2014/main" val="10014"/>
                   </a:ext>
                 </a:extLst>
               </a:tr>
@@ -11188,7 +11299,7 @@
                 </a:tc>
                 <a:extLst>
                   <a:ext uri="{0D108BD9-81ED-4DB2-BD59-A6C34878D82A}">
-                    <a16:rowId xmlns:a16="http://schemas.microsoft.com/office/drawing/2014/main" xmlns="" val="10015"/>
+                    <a16:rowId xmlns:a16="http://schemas.microsoft.com/office/drawing/2014/main" val="10015"/>
                   </a:ext>
                 </a:extLst>
               </a:tr>
@@ -11279,35 +11390,35 @@
                 <a:gridCol w="1884339">
                   <a:extLst>
                     <a:ext uri="{9D8B030D-6E8A-4147-A177-3AD203B41FA5}">
-                      <a16:colId xmlns:a16="http://schemas.microsoft.com/office/drawing/2014/main" xmlns="" val="20000"/>
+                      <a16:colId xmlns:a16="http://schemas.microsoft.com/office/drawing/2014/main" val="20000"/>
                     </a:ext>
                   </a:extLst>
                 </a:gridCol>
                 <a:gridCol w="4206296">
                   <a:extLst>
                     <a:ext uri="{9D8B030D-6E8A-4147-A177-3AD203B41FA5}">
-                      <a16:colId xmlns:a16="http://schemas.microsoft.com/office/drawing/2014/main" xmlns="" val="20001"/>
+                      <a16:colId xmlns:a16="http://schemas.microsoft.com/office/drawing/2014/main" val="20001"/>
                     </a:ext>
                   </a:extLst>
                 </a:gridCol>
                 <a:gridCol w="1165829">
                   <a:extLst>
                     <a:ext uri="{9D8B030D-6E8A-4147-A177-3AD203B41FA5}">
-                      <a16:colId xmlns:a16="http://schemas.microsoft.com/office/drawing/2014/main" xmlns="" val="20002"/>
+                      <a16:colId xmlns:a16="http://schemas.microsoft.com/office/drawing/2014/main" val="20002"/>
                     </a:ext>
                   </a:extLst>
                 </a:gridCol>
                 <a:gridCol w="1252326">
                   <a:extLst>
                     <a:ext uri="{9D8B030D-6E8A-4147-A177-3AD203B41FA5}">
-                      <a16:colId xmlns:a16="http://schemas.microsoft.com/office/drawing/2014/main" xmlns="" val="20003"/>
+                      <a16:colId xmlns:a16="http://schemas.microsoft.com/office/drawing/2014/main" val="20003"/>
                     </a:ext>
                   </a:extLst>
                 </a:gridCol>
                 <a:gridCol w="1252326">
                   <a:extLst>
                     <a:ext uri="{9D8B030D-6E8A-4147-A177-3AD203B41FA5}">
-                      <a16:colId xmlns:a16="http://schemas.microsoft.com/office/drawing/2014/main" xmlns="" val="20004"/>
+                      <a16:colId xmlns:a16="http://schemas.microsoft.com/office/drawing/2014/main" val="20004"/>
                     </a:ext>
                   </a:extLst>
                 </a:gridCol>
@@ -11424,7 +11535,7 @@
                 </a:tc>
                 <a:extLst>
                   <a:ext uri="{0D108BD9-81ED-4DB2-BD59-A6C34878D82A}">
-                    <a16:rowId xmlns:a16="http://schemas.microsoft.com/office/drawing/2014/main" xmlns="" val="10000"/>
+                    <a16:rowId xmlns:a16="http://schemas.microsoft.com/office/drawing/2014/main" val="10000"/>
                   </a:ext>
                 </a:extLst>
               </a:tr>
@@ -11482,12 +11593,12 @@
                     <a:p>
                       <a:pPr algn="r" fontAlgn="b"/>
                       <a:r>
-                        <a:rPr lang="mr-IN" sz="1600" u="none" strike="noStrike">
+                        <a:rPr lang="mr-IN" sz="1600" u="none" strike="noStrike" dirty="0">
                           <a:effectLst/>
                         </a:rPr>
                         <a:t>4.50E-06</a:t>
                       </a:r>
-                      <a:endParaRPr lang="mr-IN" sz="1600" b="0" i="0" u="none" strike="noStrike">
+                      <a:endParaRPr lang="mr-IN" sz="1600" b="0" i="0" u="none" strike="noStrike" dirty="0">
                         <a:solidFill>
                           <a:srgbClr val="000000"/>
                         </a:solidFill>
@@ -11546,7 +11657,7 @@
                 </a:tc>
                 <a:extLst>
                   <a:ext uri="{0D108BD9-81ED-4DB2-BD59-A6C34878D82A}">
-                    <a16:rowId xmlns:a16="http://schemas.microsoft.com/office/drawing/2014/main" xmlns="" val="10001"/>
+                    <a16:rowId xmlns:a16="http://schemas.microsoft.com/office/drawing/2014/main" val="10001"/>
                   </a:ext>
                 </a:extLst>
               </a:tr>
@@ -11655,7 +11766,7 @@
                 </a:tc>
                 <a:extLst>
                   <a:ext uri="{0D108BD9-81ED-4DB2-BD59-A6C34878D82A}">
-                    <a16:rowId xmlns:a16="http://schemas.microsoft.com/office/drawing/2014/main" xmlns="" val="10002"/>
+                    <a16:rowId xmlns:a16="http://schemas.microsoft.com/office/drawing/2014/main" val="10002"/>
                   </a:ext>
                 </a:extLst>
               </a:tr>
@@ -11776,7 +11887,7 @@
                 </a:tc>
                 <a:extLst>
                   <a:ext uri="{0D108BD9-81ED-4DB2-BD59-A6C34878D82A}">
-                    <a16:rowId xmlns:a16="http://schemas.microsoft.com/office/drawing/2014/main" xmlns="" val="10003"/>
+                    <a16:rowId xmlns:a16="http://schemas.microsoft.com/office/drawing/2014/main" val="10003"/>
                   </a:ext>
                 </a:extLst>
               </a:tr>
@@ -11821,12 +11932,12 @@
                     <a:p>
                       <a:pPr algn="r" fontAlgn="b"/>
                       <a:r>
-                        <a:rPr lang="mr-IN" sz="1600" u="none" strike="noStrike">
+                        <a:rPr lang="mr-IN" sz="1600" u="none" strike="noStrike" dirty="0">
                           <a:effectLst/>
                         </a:rPr>
                         <a:t>2.90E-06</a:t>
                       </a:r>
-                      <a:endParaRPr lang="mr-IN" sz="1600" b="0" i="0" u="none" strike="noStrike">
+                      <a:endParaRPr lang="mr-IN" sz="1600" b="0" i="0" u="none" strike="noStrike" dirty="0">
                         <a:solidFill>
                           <a:srgbClr val="000000"/>
                         </a:solidFill>
@@ -11885,7 +11996,7 @@
                 </a:tc>
                 <a:extLst>
                   <a:ext uri="{0D108BD9-81ED-4DB2-BD59-A6C34878D82A}">
-                    <a16:rowId xmlns:a16="http://schemas.microsoft.com/office/drawing/2014/main" xmlns="" val="10004"/>
+                    <a16:rowId xmlns:a16="http://schemas.microsoft.com/office/drawing/2014/main" val="10004"/>
                   </a:ext>
                 </a:extLst>
               </a:tr>
@@ -12022,7 +12133,7 @@
                 </a:tc>
                 <a:extLst>
                   <a:ext uri="{0D108BD9-81ED-4DB2-BD59-A6C34878D82A}">
-                    <a16:rowId xmlns:a16="http://schemas.microsoft.com/office/drawing/2014/main" xmlns="" val="10005"/>
+                    <a16:rowId xmlns:a16="http://schemas.microsoft.com/office/drawing/2014/main" val="10005"/>
                   </a:ext>
                 </a:extLst>
               </a:tr>
@@ -12144,7 +12255,7 @@
                 </a:tc>
                 <a:extLst>
                   <a:ext uri="{0D108BD9-81ED-4DB2-BD59-A6C34878D82A}">
-                    <a16:rowId xmlns:a16="http://schemas.microsoft.com/office/drawing/2014/main" xmlns="" val="10006"/>
+                    <a16:rowId xmlns:a16="http://schemas.microsoft.com/office/drawing/2014/main" val="10006"/>
                   </a:ext>
                 </a:extLst>
               </a:tr>
@@ -12281,7 +12392,7 @@
                 </a:tc>
                 <a:extLst>
                   <a:ext uri="{0D108BD9-81ED-4DB2-BD59-A6C34878D82A}">
-                    <a16:rowId xmlns:a16="http://schemas.microsoft.com/office/drawing/2014/main" xmlns="" val="10007"/>
+                    <a16:rowId xmlns:a16="http://schemas.microsoft.com/office/drawing/2014/main" val="10007"/>
                   </a:ext>
                 </a:extLst>
               </a:tr>
@@ -12393,7 +12504,7 @@
                 </a:tc>
                 <a:extLst>
                   <a:ext uri="{0D108BD9-81ED-4DB2-BD59-A6C34878D82A}">
-                    <a16:rowId xmlns:a16="http://schemas.microsoft.com/office/drawing/2014/main" xmlns="" val="10008"/>
+                    <a16:rowId xmlns:a16="http://schemas.microsoft.com/office/drawing/2014/main" val="10008"/>
                   </a:ext>
                 </a:extLst>
               </a:tr>
@@ -12502,7 +12613,7 @@
                 </a:tc>
                 <a:extLst>
                   <a:ext uri="{0D108BD9-81ED-4DB2-BD59-A6C34878D82A}">
-                    <a16:rowId xmlns:a16="http://schemas.microsoft.com/office/drawing/2014/main" xmlns="" val="10009"/>
+                    <a16:rowId xmlns:a16="http://schemas.microsoft.com/office/drawing/2014/main" val="10009"/>
                   </a:ext>
                 </a:extLst>
               </a:tr>
@@ -12611,7 +12722,7 @@
                 </a:tc>
                 <a:extLst>
                   <a:ext uri="{0D108BD9-81ED-4DB2-BD59-A6C34878D82A}">
-                    <a16:rowId xmlns:a16="http://schemas.microsoft.com/office/drawing/2014/main" xmlns="" val="10010"/>
+                    <a16:rowId xmlns:a16="http://schemas.microsoft.com/office/drawing/2014/main" val="10010"/>
                   </a:ext>
                 </a:extLst>
               </a:tr>
@@ -12720,7 +12831,7 @@
                 </a:tc>
                 <a:extLst>
                   <a:ext uri="{0D108BD9-81ED-4DB2-BD59-A6C34878D82A}">
-                    <a16:rowId xmlns:a16="http://schemas.microsoft.com/office/drawing/2014/main" xmlns="" val="10011"/>
+                    <a16:rowId xmlns:a16="http://schemas.microsoft.com/office/drawing/2014/main" val="10011"/>
                   </a:ext>
                 </a:extLst>
               </a:tr>
@@ -12767,13 +12878,6 @@
   <p:clrMapOvr>
     <a:masterClrMapping/>
   </p:clrMapOvr>
-  <p:timing>
-    <p:tnLst>
-      <p:par>
-        <p:cTn id="1" dur="indefinite" restart="never" nodeType="tmRoot"/>
-      </p:par>
-    </p:tnLst>
-  </p:timing>
 </p:sld>
 </file>
 
@@ -12811,13 +12915,8 @@
           <a:p>
             <a:r>
               <a:rPr lang="en-US" dirty="0"/>
-              <a:t>Approach 1: </a:t>
+              <a:t>Approach 1: First Differences</a:t>
             </a:r>
-            <a:r>
-              <a:rPr lang="en-US" dirty="0" smtClean="0"/>
-              <a:t>First Differences</a:t>
-            </a:r>
-            <a:endParaRPr lang="en-US" dirty="0"/>
           </a:p>
         </p:txBody>
       </p:sp>
@@ -12844,13 +12943,13 @@
           <a:lstStyle/>
           <a:p>
             <a:r>
-              <a:rPr lang="en-US" dirty="0" smtClean="0"/>
+              <a:rPr lang="en-US" dirty="0"/>
               <a:t>For each outcome, ran first differences of adding 100 to the expenditure variable with the largest average partial derivative and subtracting 100 to the expenditure variable with the lowest average partial derivative</a:t>
             </a:r>
           </a:p>
           <a:p>
             <a:r>
-              <a:rPr lang="en-US" dirty="0" smtClean="0"/>
+              <a:rPr lang="en-US" dirty="0"/>
               <a:t>Cluster bootstrapped by school for the distributions of the estimates</a:t>
             </a:r>
           </a:p>
@@ -12929,13 +13028,6 @@
   <p:clrMapOvr>
     <a:masterClrMapping/>
   </p:clrMapOvr>
-  <p:timing>
-    <p:tnLst>
-      <p:par>
-        <p:cTn id="1" dur="indefinite" restart="never" nodeType="tmRoot"/>
-      </p:par>
-    </p:tnLst>
-  </p:timing>
 </p:sld>
 </file>
 
@@ -12961,7 +13053,7 @@
           <p:cNvPr id="2" name="Title 1">
             <a:extLst>
               <a:ext uri="{FF2B5EF4-FFF2-40B4-BE49-F238E27FC236}">
-                <a16:creationId xmlns:a16="http://schemas.microsoft.com/office/drawing/2014/main" xmlns="" id="{F2BA0188-53B3-4D0B-BFA2-D97322C19DC2}"/>
+                <a16:creationId xmlns:a16="http://schemas.microsoft.com/office/drawing/2014/main" id="{F2BA0188-53B3-4D0B-BFA2-D97322C19DC2}"/>
               </a:ext>
             </a:extLst>
           </p:cNvPr>
@@ -12990,7 +13082,7 @@
           <p:cNvPr id="3" name="Content Placeholder 2">
             <a:extLst>
               <a:ext uri="{FF2B5EF4-FFF2-40B4-BE49-F238E27FC236}">
-                <a16:creationId xmlns:a16="http://schemas.microsoft.com/office/drawing/2014/main" xmlns="" id="{262D00B4-C15B-447A-9CEE-B8D24F15D579}"/>
+                <a16:creationId xmlns:a16="http://schemas.microsoft.com/office/drawing/2014/main" id="{262D00B4-C15B-447A-9CEE-B8D24F15D579}"/>
               </a:ext>
             </a:extLst>
           </p:cNvPr>
@@ -13060,13 +13152,6 @@
   <p:clrMapOvr>
     <a:masterClrMapping/>
   </p:clrMapOvr>
-  <p:timing>
-    <p:tnLst>
-      <p:par>
-        <p:cTn id="1" dur="indefinite" restart="never" nodeType="tmRoot"/>
-      </p:par>
-    </p:tnLst>
-  </p:timing>
 </p:sld>
 </file>
 

--- a/reports/18_03_13 Presentation.pptx
+++ b/reports/18_03_13 Presentation.pptx
@@ -3095,13 +3095,13 @@
           <p:nvPr>
             <p:extLst>
               <p:ext uri="{D42A27DB-BD31-4B8C-83A1-F6EECF244321}">
-                <p14:modId xmlns:p14="http://schemas.microsoft.com/office/powerpoint/2010/main" val="1694534246"/>
+                <p14:modId xmlns:p14="http://schemas.microsoft.com/office/powerpoint/2010/main" val="2717539540"/>
               </p:ext>
             </p:extLst>
           </p:nvPr>
         </p:nvGraphicFramePr>
         <p:xfrm>
-          <a:off x="268775" y="1434164"/>
+          <a:off x="716036" y="1434164"/>
           <a:ext cx="5037244" cy="5206203"/>
         </p:xfrm>
         <a:graphic>
@@ -3964,13 +3964,13 @@
           <p:nvPr>
             <p:extLst>
               <p:ext uri="{D42A27DB-BD31-4B8C-83A1-F6EECF244321}">
-                <p14:modId xmlns:p14="http://schemas.microsoft.com/office/powerpoint/2010/main" val="2344427227"/>
+                <p14:modId xmlns:p14="http://schemas.microsoft.com/office/powerpoint/2010/main" val="2203508568"/>
               </p:ext>
             </p:extLst>
           </p:nvPr>
         </p:nvGraphicFramePr>
         <p:xfrm>
-          <a:off x="5628442" y="1422934"/>
+          <a:off x="6316556" y="1422934"/>
           <a:ext cx="5037244" cy="5206203"/>
         </p:xfrm>
         <a:graphic>
@@ -5291,7 +5291,7 @@
         <p:spPr>
           <a:xfrm>
             <a:off x="696686" y="1690688"/>
-            <a:ext cx="5127173" cy="3816429"/>
+            <a:ext cx="5127173" cy="3323987"/>
           </a:xfrm>
           <a:prstGeom prst="rect">
             <a:avLst/>
@@ -5320,7 +5320,7 @@
             </a:pPr>
             <a:r>
               <a:rPr lang="en-US" sz="3200" dirty="0"/>
-              <a:t>Lasso with interactions on selected variables performs similarly</a:t>
+              <a:t>Lasso with interactions on selected variables overfits.</a:t>
             </a:r>
           </a:p>
           <a:p>
@@ -5358,7 +5358,7 @@
             <p:ph idx="1"/>
             <p:extLst>
               <p:ext uri="{D42A27DB-BD31-4B8C-83A1-F6EECF244321}">
-                <p14:modId xmlns:p14="http://schemas.microsoft.com/office/powerpoint/2010/main" val="2437606822"/>
+                <p14:modId xmlns:p14="http://schemas.microsoft.com/office/powerpoint/2010/main" val="1325223120"/>
               </p:ext>
             </p:extLst>
           </p:nvPr>
@@ -5606,7 +5606,7 @@
                           <a:effectLst/>
                           <a:latin typeface="+mn-lt"/>
                         </a:rPr>
-                        <a:t>Lasso</a:t>
+                        <a:t>Ridge</a:t>
                       </a:r>
                     </a:p>
                   </a:txBody>
@@ -5703,7 +5703,7 @@
                           <a:effectLst/>
                           <a:latin typeface="+mn-lt"/>
                         </a:rPr>
-                        <a:t>Ridge</a:t>
+                        <a:t>Lasso</a:t>
                       </a:r>
                     </a:p>
                   </a:txBody>
@@ -6157,7 +6157,7 @@
                           <a:effectLst/>
                           <a:latin typeface="+mn-lt"/>
                         </a:rPr>
-                        <a:t>Lasso</a:t>
+                        <a:t>Ridge</a:t>
                       </a:r>
                     </a:p>
                   </a:txBody>
@@ -6254,7 +6254,7 @@
                           <a:effectLst/>
                           <a:latin typeface="+mn-lt"/>
                         </a:rPr>
-                        <a:t>Ridge</a:t>
+                        <a:t>Lasso</a:t>
                       </a:r>
                     </a:p>
                   </a:txBody>
@@ -6722,7 +6722,7 @@
             <p:ph idx="1"/>
             <p:extLst>
               <p:ext uri="{D42A27DB-BD31-4B8C-83A1-F6EECF244321}">
-                <p14:modId xmlns:p14="http://schemas.microsoft.com/office/powerpoint/2010/main" val="2319884376"/>
+                <p14:modId xmlns:p14="http://schemas.microsoft.com/office/powerpoint/2010/main" val="2144838765"/>
               </p:ext>
             </p:extLst>
           </p:nvPr>
@@ -6971,7 +6971,7 @@
                     <a:p>
                       <a:pPr algn="r" fontAlgn="b"/>
                       <a:r>
-                        <a:rPr lang="en-GB" sz="1600" b="0" i="0" u="none" strike="noStrike">
+                        <a:rPr lang="en-GB" sz="1600" b="0" i="0" u="none" strike="noStrike" dirty="0">
                           <a:solidFill>
                             <a:srgbClr val="000000"/>
                           </a:solidFill>
@@ -7239,7 +7239,7 @@
                           <a:effectLst/>
                           <a:latin typeface="Calibri" panose="020F0502020204030204" pitchFamily="34" charset="0"/>
                         </a:rPr>
-                        <a:t>auxiliary03   </a:t>
+                        <a:t>auxiliary03</a:t>
                       </a:r>
                     </a:p>
                   </a:txBody>
@@ -8055,38 +8055,49 @@
         </p:nvSpPr>
         <p:spPr/>
         <p:txBody>
-          <a:bodyPr/>
+          <a:bodyPr>
+            <a:normAutofit fontScale="92500" lnSpcReduction="10000"/>
+          </a:bodyPr>
           <a:lstStyle/>
           <a:p>
+            <a:pPr lvl="0"/>
             <a:r>
               <a:rPr lang="en-US" dirty="0"/>
-              <a:t>Auxiliary Expenditure best predictor of grad rate.</a:t>
+              <a:t>Approach 1 gives interpretation in variables we are most interested in, but yields models with less predictive power. </a:t>
             </a:r>
-          </a:p>
-          <a:p>
+            <a:endParaRPr lang="en-GB" dirty="0"/>
+          </a:p>
+          <a:p>
+            <a:pPr lvl="0"/>
             <a:r>
               <a:rPr lang="en-US" dirty="0"/>
-              <a:t>Approach 1 gives interpretation in variables we are most interested in i.e. spending policies of schools.</a:t>
+              <a:t>Approach 2 identifies variables that are good predictors, but the models are of less substantive interest.</a:t>
             </a:r>
-          </a:p>
-          <a:p>
+            <a:endParaRPr lang="en-GB" dirty="0"/>
+          </a:p>
+          <a:p>
+            <a:pPr lvl="0"/>
             <a:r>
               <a:rPr lang="en-US" dirty="0"/>
-              <a:t>Approach 2 gives variables that are good predictors, but are of less substantive interest.</a:t>
+              <a:t>Both approaches identified auxiliary enterprises expenditures as having a positive and significant relationship with 6-year graduation rates.</a:t>
             </a:r>
             <a:endParaRPr lang="en-GB" dirty="0"/>
           </a:p>
           <a:p>
+            <a:pPr lvl="0"/>
             <a:r>
               <a:rPr lang="en-US" dirty="0"/>
-              <a:t>Clear correspondence between automatically selected variables and variables selected to control for known effects in Approach 1</a:t>
+              <a:t>Approaches for Bachelor’s degrees per FTE did not directly identify any of the same expenditure areas as having a positive significant relationship.</a:t>
             </a:r>
-          </a:p>
-          <a:p>
+            <a:endParaRPr lang="en-GB" dirty="0"/>
+          </a:p>
+          <a:p>
+            <a:pPr lvl="0"/>
             <a:r>
               <a:rPr lang="en-US" dirty="0"/>
-              <a:t>Approach 2 in some sense justifies Approach 1?</a:t>
+              <a:t>Bachelor’s degree models in general performed worse than graduation rate models – we hypothesize this is because graduation rates do not consider part-time students whose college careers are less predictable.</a:t>
             </a:r>
+            <a:endParaRPr lang="en-GB" dirty="0"/>
           </a:p>
         </p:txBody>
       </p:sp>

--- a/reports/18_03_13 Presentation.pptx
+++ b/reports/18_03_13 Presentation.pptx
@@ -255,7 +255,7 @@
           <a:p>
             <a:fld id="{8B887784-E512-F943-98E0-5497CC7B1195}" type="datetimeFigureOut">
               <a:rPr lang="en-US" smtClean="0"/>
-              <a:t>3/12/2018</a:t>
+              <a:t>3/13/18</a:t>
             </a:fld>
             <a:endParaRPr lang="en-US"/>
           </a:p>
@@ -423,7 +423,7 @@
           <a:p>
             <a:fld id="{8B887784-E512-F943-98E0-5497CC7B1195}" type="datetimeFigureOut">
               <a:rPr lang="en-US" smtClean="0"/>
-              <a:t>3/12/2018</a:t>
+              <a:t>3/13/18</a:t>
             </a:fld>
             <a:endParaRPr lang="en-US"/>
           </a:p>
@@ -601,7 +601,7 @@
           <a:p>
             <a:fld id="{8B887784-E512-F943-98E0-5497CC7B1195}" type="datetimeFigureOut">
               <a:rPr lang="en-US" smtClean="0"/>
-              <a:t>3/12/2018</a:t>
+              <a:t>3/13/18</a:t>
             </a:fld>
             <a:endParaRPr lang="en-US"/>
           </a:p>
@@ -769,7 +769,7 @@
           <a:p>
             <a:fld id="{8B887784-E512-F943-98E0-5497CC7B1195}" type="datetimeFigureOut">
               <a:rPr lang="en-US" smtClean="0"/>
-              <a:t>3/12/2018</a:t>
+              <a:t>3/13/18</a:t>
             </a:fld>
             <a:endParaRPr lang="en-US"/>
           </a:p>
@@ -1014,7 +1014,7 @@
           <a:p>
             <a:fld id="{8B887784-E512-F943-98E0-5497CC7B1195}" type="datetimeFigureOut">
               <a:rPr lang="en-US" smtClean="0"/>
-              <a:t>3/12/2018</a:t>
+              <a:t>3/13/18</a:t>
             </a:fld>
             <a:endParaRPr lang="en-US"/>
           </a:p>
@@ -1243,7 +1243,7 @@
           <a:p>
             <a:fld id="{8B887784-E512-F943-98E0-5497CC7B1195}" type="datetimeFigureOut">
               <a:rPr lang="en-US" smtClean="0"/>
-              <a:t>3/12/2018</a:t>
+              <a:t>3/13/18</a:t>
             </a:fld>
             <a:endParaRPr lang="en-US"/>
           </a:p>
@@ -1607,7 +1607,7 @@
           <a:p>
             <a:fld id="{8B887784-E512-F943-98E0-5497CC7B1195}" type="datetimeFigureOut">
               <a:rPr lang="en-US" smtClean="0"/>
-              <a:t>3/12/2018</a:t>
+              <a:t>3/13/18</a:t>
             </a:fld>
             <a:endParaRPr lang="en-US"/>
           </a:p>
@@ -1724,7 +1724,7 @@
           <a:p>
             <a:fld id="{8B887784-E512-F943-98E0-5497CC7B1195}" type="datetimeFigureOut">
               <a:rPr lang="en-US" smtClean="0"/>
-              <a:t>3/12/2018</a:t>
+              <a:t>3/13/18</a:t>
             </a:fld>
             <a:endParaRPr lang="en-US"/>
           </a:p>
@@ -1819,7 +1819,7 @@
           <a:p>
             <a:fld id="{8B887784-E512-F943-98E0-5497CC7B1195}" type="datetimeFigureOut">
               <a:rPr lang="en-US" smtClean="0"/>
-              <a:t>3/12/2018</a:t>
+              <a:t>3/13/18</a:t>
             </a:fld>
             <a:endParaRPr lang="en-US"/>
           </a:p>
@@ -2094,7 +2094,7 @@
           <a:p>
             <a:fld id="{8B887784-E512-F943-98E0-5497CC7B1195}" type="datetimeFigureOut">
               <a:rPr lang="en-US" smtClean="0"/>
-              <a:t>3/12/2018</a:t>
+              <a:t>3/13/18</a:t>
             </a:fld>
             <a:endParaRPr lang="en-US"/>
           </a:p>
@@ -2346,7 +2346,7 @@
           <a:p>
             <a:fld id="{8B887784-E512-F943-98E0-5497CC7B1195}" type="datetimeFigureOut">
               <a:rPr lang="en-US" smtClean="0"/>
-              <a:t>3/12/2018</a:t>
+              <a:t>3/13/18</a:t>
             </a:fld>
             <a:endParaRPr lang="en-US"/>
           </a:p>
@@ -2557,7 +2557,7 @@
           <a:p>
             <a:fld id="{8B887784-E512-F943-98E0-5497CC7B1195}" type="datetimeFigureOut">
               <a:rPr lang="en-US" smtClean="0"/>
-              <a:t>3/12/2018</a:t>
+              <a:t>3/13/18</a:t>
             </a:fld>
             <a:endParaRPr lang="en-US"/>
           </a:p>
@@ -3056,7 +3056,7 @@
           <p:cNvPr id="2" name="Title 1">
             <a:extLst>
               <a:ext uri="{FF2B5EF4-FFF2-40B4-BE49-F238E27FC236}">
-                <a16:creationId xmlns:a16="http://schemas.microsoft.com/office/drawing/2014/main" id="{C1125D7B-F02A-445F-B8C7-34C547A14A7A}"/>
+                <a16:creationId xmlns:a16="http://schemas.microsoft.com/office/drawing/2014/main" xmlns="" id="{C1125D7B-F02A-445F-B8C7-34C547A14A7A}"/>
               </a:ext>
             </a:extLst>
           </p:cNvPr>
@@ -3085,7 +3085,7 @@
           <p:cNvPr id="4" name="Table 3">
             <a:extLst>
               <a:ext uri="{FF2B5EF4-FFF2-40B4-BE49-F238E27FC236}">
-                <a16:creationId xmlns:a16="http://schemas.microsoft.com/office/drawing/2014/main" id="{B971FF46-278A-4EFD-85A0-9E515C7A2BDC}"/>
+                <a16:creationId xmlns:a16="http://schemas.microsoft.com/office/drawing/2014/main" xmlns="" id="{B971FF46-278A-4EFD-85A0-9E515C7A2BDC}"/>
               </a:ext>
             </a:extLst>
           </p:cNvPr>
@@ -3114,14 +3114,14 @@
                 <a:gridCol w="3698301">
                   <a:extLst>
                     <a:ext uri="{9D8B030D-6E8A-4147-A177-3AD203B41FA5}">
-                      <a16:colId xmlns:a16="http://schemas.microsoft.com/office/drawing/2014/main" val="3828946005"/>
+                      <a16:colId xmlns:a16="http://schemas.microsoft.com/office/drawing/2014/main" xmlns="" val="3828946005"/>
                     </a:ext>
                   </a:extLst>
                 </a:gridCol>
                 <a:gridCol w="1338943">
                   <a:extLst>
                     <a:ext uri="{9D8B030D-6E8A-4147-A177-3AD203B41FA5}">
-                      <a16:colId xmlns:a16="http://schemas.microsoft.com/office/drawing/2014/main" val="3116620885"/>
+                      <a16:colId xmlns:a16="http://schemas.microsoft.com/office/drawing/2014/main" xmlns="" val="3116620885"/>
                     </a:ext>
                   </a:extLst>
                 </a:gridCol>
@@ -3169,7 +3169,7 @@
                 </a:tc>
                 <a:extLst>
                   <a:ext uri="{0D108BD9-81ED-4DB2-BD59-A6C34878D82A}">
-                    <a16:rowId xmlns:a16="http://schemas.microsoft.com/office/drawing/2014/main" val="2750690894"/>
+                    <a16:rowId xmlns:a16="http://schemas.microsoft.com/office/drawing/2014/main" xmlns="" val="2750690894"/>
                   </a:ext>
                 </a:extLst>
               </a:tr>
@@ -3222,7 +3222,7 @@
                 </a:tc>
                 <a:extLst>
                   <a:ext uri="{0D108BD9-81ED-4DB2-BD59-A6C34878D82A}">
-                    <a16:rowId xmlns:a16="http://schemas.microsoft.com/office/drawing/2014/main" val="621517536"/>
+                    <a16:rowId xmlns:a16="http://schemas.microsoft.com/office/drawing/2014/main" xmlns="" val="621517536"/>
                   </a:ext>
                 </a:extLst>
               </a:tr>
@@ -3296,7 +3296,7 @@
                 </a:tc>
                 <a:extLst>
                   <a:ext uri="{0D108BD9-81ED-4DB2-BD59-A6C34878D82A}">
-                    <a16:rowId xmlns:a16="http://schemas.microsoft.com/office/drawing/2014/main" val="196882050"/>
+                    <a16:rowId xmlns:a16="http://schemas.microsoft.com/office/drawing/2014/main" xmlns="" val="196882050"/>
                   </a:ext>
                 </a:extLst>
               </a:tr>
@@ -3370,7 +3370,7 @@
                 </a:tc>
                 <a:extLst>
                   <a:ext uri="{0D108BD9-81ED-4DB2-BD59-A6C34878D82A}">
-                    <a16:rowId xmlns:a16="http://schemas.microsoft.com/office/drawing/2014/main" val="1570215453"/>
+                    <a16:rowId xmlns:a16="http://schemas.microsoft.com/office/drawing/2014/main" xmlns="" val="1570215453"/>
                   </a:ext>
                 </a:extLst>
               </a:tr>
@@ -3444,7 +3444,7 @@
                 </a:tc>
                 <a:extLst>
                   <a:ext uri="{0D108BD9-81ED-4DB2-BD59-A6C34878D82A}">
-                    <a16:rowId xmlns:a16="http://schemas.microsoft.com/office/drawing/2014/main" val="2067295398"/>
+                    <a16:rowId xmlns:a16="http://schemas.microsoft.com/office/drawing/2014/main" xmlns="" val="2067295398"/>
                   </a:ext>
                 </a:extLst>
               </a:tr>
@@ -3518,7 +3518,7 @@
                 </a:tc>
                 <a:extLst>
                   <a:ext uri="{0D108BD9-81ED-4DB2-BD59-A6C34878D82A}">
-                    <a16:rowId xmlns:a16="http://schemas.microsoft.com/office/drawing/2014/main" val="498738980"/>
+                    <a16:rowId xmlns:a16="http://schemas.microsoft.com/office/drawing/2014/main" xmlns="" val="498738980"/>
                   </a:ext>
                 </a:extLst>
               </a:tr>
@@ -3585,7 +3585,7 @@
                 </a:tc>
                 <a:extLst>
                   <a:ext uri="{0D108BD9-81ED-4DB2-BD59-A6C34878D82A}">
-                    <a16:rowId xmlns:a16="http://schemas.microsoft.com/office/drawing/2014/main" val="2702805797"/>
+                    <a16:rowId xmlns:a16="http://schemas.microsoft.com/office/drawing/2014/main" xmlns="" val="2702805797"/>
                   </a:ext>
                 </a:extLst>
               </a:tr>
@@ -3652,7 +3652,7 @@
                 </a:tc>
                 <a:extLst>
                   <a:ext uri="{0D108BD9-81ED-4DB2-BD59-A6C34878D82A}">
-                    <a16:rowId xmlns:a16="http://schemas.microsoft.com/office/drawing/2014/main" val="1306237140"/>
+                    <a16:rowId xmlns:a16="http://schemas.microsoft.com/office/drawing/2014/main" xmlns="" val="1306237140"/>
                   </a:ext>
                 </a:extLst>
               </a:tr>
@@ -3726,7 +3726,7 @@
                 </a:tc>
                 <a:extLst>
                   <a:ext uri="{0D108BD9-81ED-4DB2-BD59-A6C34878D82A}">
-                    <a16:rowId xmlns:a16="http://schemas.microsoft.com/office/drawing/2014/main" val="77369290"/>
+                    <a16:rowId xmlns:a16="http://schemas.microsoft.com/office/drawing/2014/main" xmlns="" val="77369290"/>
                   </a:ext>
                 </a:extLst>
               </a:tr>
@@ -3793,7 +3793,7 @@
                 </a:tc>
                 <a:extLst>
                   <a:ext uri="{0D108BD9-81ED-4DB2-BD59-A6C34878D82A}">
-                    <a16:rowId xmlns:a16="http://schemas.microsoft.com/office/drawing/2014/main" val="3496620231"/>
+                    <a16:rowId xmlns:a16="http://schemas.microsoft.com/office/drawing/2014/main" xmlns="" val="3496620231"/>
                   </a:ext>
                 </a:extLst>
               </a:tr>
@@ -3867,7 +3867,7 @@
                 </a:tc>
                 <a:extLst>
                   <a:ext uri="{0D108BD9-81ED-4DB2-BD59-A6C34878D82A}">
-                    <a16:rowId xmlns:a16="http://schemas.microsoft.com/office/drawing/2014/main" val="1593761885"/>
+                    <a16:rowId xmlns:a16="http://schemas.microsoft.com/office/drawing/2014/main" xmlns="" val="1593761885"/>
                   </a:ext>
                 </a:extLst>
               </a:tr>
@@ -3941,7 +3941,7 @@
                 </a:tc>
                 <a:extLst>
                   <a:ext uri="{0D108BD9-81ED-4DB2-BD59-A6C34878D82A}">
-                    <a16:rowId xmlns:a16="http://schemas.microsoft.com/office/drawing/2014/main" val="3551024362"/>
+                    <a16:rowId xmlns:a16="http://schemas.microsoft.com/office/drawing/2014/main" xmlns="" val="3551024362"/>
                   </a:ext>
                 </a:extLst>
               </a:tr>
@@ -3954,7 +3954,7 @@
           <p:cNvPr id="6" name="Table 5">
             <a:extLst>
               <a:ext uri="{FF2B5EF4-FFF2-40B4-BE49-F238E27FC236}">
-                <a16:creationId xmlns:a16="http://schemas.microsoft.com/office/drawing/2014/main" id="{8ED281BD-3869-486F-B89B-6F378D7FF205}"/>
+                <a16:creationId xmlns:a16="http://schemas.microsoft.com/office/drawing/2014/main" xmlns="" id="{8ED281BD-3869-486F-B89B-6F378D7FF205}"/>
               </a:ext>
             </a:extLst>
           </p:cNvPr>
@@ -3983,14 +3983,14 @@
                 <a:gridCol w="3698301">
                   <a:extLst>
                     <a:ext uri="{9D8B030D-6E8A-4147-A177-3AD203B41FA5}">
-                      <a16:colId xmlns:a16="http://schemas.microsoft.com/office/drawing/2014/main" val="3828946005"/>
+                      <a16:colId xmlns:a16="http://schemas.microsoft.com/office/drawing/2014/main" xmlns="" val="3828946005"/>
                     </a:ext>
                   </a:extLst>
                 </a:gridCol>
                 <a:gridCol w="1338943">
                   <a:extLst>
                     <a:ext uri="{9D8B030D-6E8A-4147-A177-3AD203B41FA5}">
-                      <a16:colId xmlns:a16="http://schemas.microsoft.com/office/drawing/2014/main" val="3116620885"/>
+                      <a16:colId xmlns:a16="http://schemas.microsoft.com/office/drawing/2014/main" xmlns="" val="3116620885"/>
                     </a:ext>
                   </a:extLst>
                 </a:gridCol>
@@ -4035,7 +4035,7 @@
                 </a:tc>
                 <a:extLst>
                   <a:ext uri="{0D108BD9-81ED-4DB2-BD59-A6C34878D82A}">
-                    <a16:rowId xmlns:a16="http://schemas.microsoft.com/office/drawing/2014/main" val="2750690894"/>
+                    <a16:rowId xmlns:a16="http://schemas.microsoft.com/office/drawing/2014/main" xmlns="" val="2750690894"/>
                   </a:ext>
                 </a:extLst>
               </a:tr>
@@ -4088,7 +4088,7 @@
                 </a:tc>
                 <a:extLst>
                   <a:ext uri="{0D108BD9-81ED-4DB2-BD59-A6C34878D82A}">
-                    <a16:rowId xmlns:a16="http://schemas.microsoft.com/office/drawing/2014/main" val="621517536"/>
+                    <a16:rowId xmlns:a16="http://schemas.microsoft.com/office/drawing/2014/main" xmlns="" val="621517536"/>
                   </a:ext>
                 </a:extLst>
               </a:tr>
@@ -4155,7 +4155,7 @@
                 </a:tc>
                 <a:extLst>
                   <a:ext uri="{0D108BD9-81ED-4DB2-BD59-A6C34878D82A}">
-                    <a16:rowId xmlns:a16="http://schemas.microsoft.com/office/drawing/2014/main" val="196882050"/>
+                    <a16:rowId xmlns:a16="http://schemas.microsoft.com/office/drawing/2014/main" xmlns="" val="196882050"/>
                   </a:ext>
                 </a:extLst>
               </a:tr>
@@ -4222,7 +4222,7 @@
                 </a:tc>
                 <a:extLst>
                   <a:ext uri="{0D108BD9-81ED-4DB2-BD59-A6C34878D82A}">
-                    <a16:rowId xmlns:a16="http://schemas.microsoft.com/office/drawing/2014/main" val="1570215453"/>
+                    <a16:rowId xmlns:a16="http://schemas.microsoft.com/office/drawing/2014/main" xmlns="" val="1570215453"/>
                   </a:ext>
                 </a:extLst>
               </a:tr>
@@ -4296,7 +4296,7 @@
                 </a:tc>
                 <a:extLst>
                   <a:ext uri="{0D108BD9-81ED-4DB2-BD59-A6C34878D82A}">
-                    <a16:rowId xmlns:a16="http://schemas.microsoft.com/office/drawing/2014/main" val="2067295398"/>
+                    <a16:rowId xmlns:a16="http://schemas.microsoft.com/office/drawing/2014/main" xmlns="" val="2067295398"/>
                   </a:ext>
                 </a:extLst>
               </a:tr>
@@ -4370,7 +4370,7 @@
                 </a:tc>
                 <a:extLst>
                   <a:ext uri="{0D108BD9-81ED-4DB2-BD59-A6C34878D82A}">
-                    <a16:rowId xmlns:a16="http://schemas.microsoft.com/office/drawing/2014/main" val="498738980"/>
+                    <a16:rowId xmlns:a16="http://schemas.microsoft.com/office/drawing/2014/main" xmlns="" val="498738980"/>
                   </a:ext>
                 </a:extLst>
               </a:tr>
@@ -4444,7 +4444,7 @@
                 </a:tc>
                 <a:extLst>
                   <a:ext uri="{0D108BD9-81ED-4DB2-BD59-A6C34878D82A}">
-                    <a16:rowId xmlns:a16="http://schemas.microsoft.com/office/drawing/2014/main" val="2702805797"/>
+                    <a16:rowId xmlns:a16="http://schemas.microsoft.com/office/drawing/2014/main" xmlns="" val="2702805797"/>
                   </a:ext>
                 </a:extLst>
               </a:tr>
@@ -4518,7 +4518,7 @@
                 </a:tc>
                 <a:extLst>
                   <a:ext uri="{0D108BD9-81ED-4DB2-BD59-A6C34878D82A}">
-                    <a16:rowId xmlns:a16="http://schemas.microsoft.com/office/drawing/2014/main" val="1306237140"/>
+                    <a16:rowId xmlns:a16="http://schemas.microsoft.com/office/drawing/2014/main" xmlns="" val="1306237140"/>
                   </a:ext>
                 </a:extLst>
               </a:tr>
@@ -4592,7 +4592,7 @@
                 </a:tc>
                 <a:extLst>
                   <a:ext uri="{0D108BD9-81ED-4DB2-BD59-A6C34878D82A}">
-                    <a16:rowId xmlns:a16="http://schemas.microsoft.com/office/drawing/2014/main" val="77369290"/>
+                    <a16:rowId xmlns:a16="http://schemas.microsoft.com/office/drawing/2014/main" xmlns="" val="77369290"/>
                   </a:ext>
                 </a:extLst>
               </a:tr>
@@ -4666,7 +4666,7 @@
                 </a:tc>
                 <a:extLst>
                   <a:ext uri="{0D108BD9-81ED-4DB2-BD59-A6C34878D82A}">
-                    <a16:rowId xmlns:a16="http://schemas.microsoft.com/office/drawing/2014/main" val="3496620231"/>
+                    <a16:rowId xmlns:a16="http://schemas.microsoft.com/office/drawing/2014/main" xmlns="" val="3496620231"/>
                   </a:ext>
                 </a:extLst>
               </a:tr>
@@ -4740,7 +4740,7 @@
                 </a:tc>
                 <a:extLst>
                   <a:ext uri="{0D108BD9-81ED-4DB2-BD59-A6C34878D82A}">
-                    <a16:rowId xmlns:a16="http://schemas.microsoft.com/office/drawing/2014/main" val="1593761885"/>
+                    <a16:rowId xmlns:a16="http://schemas.microsoft.com/office/drawing/2014/main" xmlns="" val="1593761885"/>
                   </a:ext>
                 </a:extLst>
               </a:tr>
@@ -4807,7 +4807,7 @@
                 </a:tc>
                 <a:extLst>
                   <a:ext uri="{0D108BD9-81ED-4DB2-BD59-A6C34878D82A}">
-                    <a16:rowId xmlns:a16="http://schemas.microsoft.com/office/drawing/2014/main" val="3551024362"/>
+                    <a16:rowId xmlns:a16="http://schemas.microsoft.com/office/drawing/2014/main" xmlns="" val="3551024362"/>
                   </a:ext>
                 </a:extLst>
               </a:tr>
@@ -4850,7 +4850,7 @@
           <p:cNvPr id="2" name="Title 1">
             <a:extLst>
               <a:ext uri="{FF2B5EF4-FFF2-40B4-BE49-F238E27FC236}">
-                <a16:creationId xmlns:a16="http://schemas.microsoft.com/office/drawing/2014/main" id="{987F51D3-538B-4293-B504-421274B24C00}"/>
+                <a16:creationId xmlns:a16="http://schemas.microsoft.com/office/drawing/2014/main" xmlns="" id="{987F51D3-538B-4293-B504-421274B24C00}"/>
               </a:ext>
             </a:extLst>
           </p:cNvPr>
@@ -4879,7 +4879,7 @@
           <p:cNvPr id="9" name="TextBox 8">
             <a:extLst>
               <a:ext uri="{FF2B5EF4-FFF2-40B4-BE49-F238E27FC236}">
-                <a16:creationId xmlns:a16="http://schemas.microsoft.com/office/drawing/2014/main" id="{E17C9DD2-5731-48A3-ADE4-2D8C45483EC0}"/>
+                <a16:creationId xmlns:a16="http://schemas.microsoft.com/office/drawing/2014/main" xmlns="" id="{E17C9DD2-5731-48A3-ADE4-2D8C45483EC0}"/>
               </a:ext>
             </a:extLst>
           </p:cNvPr>
@@ -5015,7 +5015,7 @@
           <p:cNvPr id="2" name="Title 1">
             <a:extLst>
               <a:ext uri="{FF2B5EF4-FFF2-40B4-BE49-F238E27FC236}">
-                <a16:creationId xmlns:a16="http://schemas.microsoft.com/office/drawing/2014/main" id="{987F51D3-538B-4293-B504-421274B24C00}"/>
+                <a16:creationId xmlns:a16="http://schemas.microsoft.com/office/drawing/2014/main" xmlns="" id="{987F51D3-538B-4293-B504-421274B24C00}"/>
               </a:ext>
             </a:extLst>
           </p:cNvPr>
@@ -5052,7 +5052,7 @@
           <p:cNvPr id="9" name="TextBox 8">
             <a:extLst>
               <a:ext uri="{FF2B5EF4-FFF2-40B4-BE49-F238E27FC236}">
-                <a16:creationId xmlns:a16="http://schemas.microsoft.com/office/drawing/2014/main" id="{E17C9DD2-5731-48A3-ADE4-2D8C45483EC0}"/>
+                <a16:creationId xmlns:a16="http://schemas.microsoft.com/office/drawing/2014/main" xmlns="" id="{E17C9DD2-5731-48A3-ADE4-2D8C45483EC0}"/>
               </a:ext>
             </a:extLst>
           </p:cNvPr>
@@ -5252,7 +5252,7 @@
           <p:cNvPr id="2" name="Title 1">
             <a:extLst>
               <a:ext uri="{FF2B5EF4-FFF2-40B4-BE49-F238E27FC236}">
-                <a16:creationId xmlns:a16="http://schemas.microsoft.com/office/drawing/2014/main" id="{9065F088-31B2-4143-A23D-141139DB3894}"/>
+                <a16:creationId xmlns:a16="http://schemas.microsoft.com/office/drawing/2014/main" xmlns="" id="{9065F088-31B2-4143-A23D-141139DB3894}"/>
               </a:ext>
             </a:extLst>
           </p:cNvPr>
@@ -5281,7 +5281,7 @@
           <p:cNvPr id="8" name="TextBox 7">
             <a:extLst>
               <a:ext uri="{FF2B5EF4-FFF2-40B4-BE49-F238E27FC236}">
-                <a16:creationId xmlns:a16="http://schemas.microsoft.com/office/drawing/2014/main" id="{C938AFA7-DA26-4CF7-9C37-DD86FFCEE2D9}"/>
+                <a16:creationId xmlns:a16="http://schemas.microsoft.com/office/drawing/2014/main" xmlns="" id="{C938AFA7-DA26-4CF7-9C37-DD86FFCEE2D9}"/>
               </a:ext>
             </a:extLst>
           </p:cNvPr>
@@ -5347,7 +5347,7 @@
           <p:cNvPr id="5" name="Content Placeholder 4">
             <a:extLst>
               <a:ext uri="{FF2B5EF4-FFF2-40B4-BE49-F238E27FC236}">
-                <a16:creationId xmlns:a16="http://schemas.microsoft.com/office/drawing/2014/main" id="{73521416-4B4D-4742-BA86-1954AADB18EF}"/>
+                <a16:creationId xmlns:a16="http://schemas.microsoft.com/office/drawing/2014/main" xmlns="" id="{73521416-4B4D-4742-BA86-1954AADB18EF}"/>
               </a:ext>
             </a:extLst>
           </p:cNvPr>
@@ -5377,28 +5377,28 @@
                 <a:gridCol w="1555602">
                   <a:extLst>
                     <a:ext uri="{9D8B030D-6E8A-4147-A177-3AD203B41FA5}">
-                      <a16:colId xmlns:a16="http://schemas.microsoft.com/office/drawing/2014/main" val="3478917767"/>
+                      <a16:colId xmlns:a16="http://schemas.microsoft.com/office/drawing/2014/main" xmlns="" val="3478917767"/>
                     </a:ext>
                   </a:extLst>
                 </a:gridCol>
                 <a:gridCol w="1555602">
                   <a:extLst>
                     <a:ext uri="{9D8B030D-6E8A-4147-A177-3AD203B41FA5}">
-                      <a16:colId xmlns:a16="http://schemas.microsoft.com/office/drawing/2014/main" val="2939297383"/>
+                      <a16:colId xmlns:a16="http://schemas.microsoft.com/office/drawing/2014/main" xmlns="" val="2939297383"/>
                     </a:ext>
                   </a:extLst>
                 </a:gridCol>
                 <a:gridCol w="840605">
                   <a:extLst>
                     <a:ext uri="{9D8B030D-6E8A-4147-A177-3AD203B41FA5}">
-                      <a16:colId xmlns:a16="http://schemas.microsoft.com/office/drawing/2014/main" val="2486717004"/>
+                      <a16:colId xmlns:a16="http://schemas.microsoft.com/office/drawing/2014/main" xmlns="" val="2486717004"/>
                     </a:ext>
                   </a:extLst>
                 </a:gridCol>
                 <a:gridCol w="1033847">
                   <a:extLst>
                     <a:ext uri="{9D8B030D-6E8A-4147-A177-3AD203B41FA5}">
-                      <a16:colId xmlns:a16="http://schemas.microsoft.com/office/drawing/2014/main" val="706046472"/>
+                      <a16:colId xmlns:a16="http://schemas.microsoft.com/office/drawing/2014/main" xmlns="" val="706046472"/>
                     </a:ext>
                   </a:extLst>
                 </a:gridCol>
@@ -5481,7 +5481,7 @@
                 </a:tc>
                 <a:extLst>
                   <a:ext uri="{0D108BD9-81ED-4DB2-BD59-A6C34878D82A}">
-                    <a16:rowId xmlns:a16="http://schemas.microsoft.com/office/drawing/2014/main" val="1550085656"/>
+                    <a16:rowId xmlns:a16="http://schemas.microsoft.com/office/drawing/2014/main" xmlns="" val="1550085656"/>
                   </a:ext>
                 </a:extLst>
               </a:tr>
@@ -5563,7 +5563,7 @@
                 </a:tc>
                 <a:extLst>
                   <a:ext uri="{0D108BD9-81ED-4DB2-BD59-A6C34878D82A}">
-                    <a16:rowId xmlns:a16="http://schemas.microsoft.com/office/drawing/2014/main" val="3665824223"/>
+                    <a16:rowId xmlns:a16="http://schemas.microsoft.com/office/drawing/2014/main" xmlns="" val="3665824223"/>
                   </a:ext>
                 </a:extLst>
               </a:tr>
@@ -5674,7 +5674,7 @@
                 </a:tc>
                 <a:extLst>
                   <a:ext uri="{0D108BD9-81ED-4DB2-BD59-A6C34878D82A}">
-                    <a16:rowId xmlns:a16="http://schemas.microsoft.com/office/drawing/2014/main" val="4095835183"/>
+                    <a16:rowId xmlns:a16="http://schemas.microsoft.com/office/drawing/2014/main" xmlns="" val="4095835183"/>
                   </a:ext>
                 </a:extLst>
               </a:tr>
@@ -5771,7 +5771,7 @@
                 </a:tc>
                 <a:extLst>
                   <a:ext uri="{0D108BD9-81ED-4DB2-BD59-A6C34878D82A}">
-                    <a16:rowId xmlns:a16="http://schemas.microsoft.com/office/drawing/2014/main" val="2388995701"/>
+                    <a16:rowId xmlns:a16="http://schemas.microsoft.com/office/drawing/2014/main" xmlns="" val="2388995701"/>
                   </a:ext>
                 </a:extLst>
               </a:tr>
@@ -5868,7 +5868,7 @@
                 </a:tc>
                 <a:extLst>
                   <a:ext uri="{0D108BD9-81ED-4DB2-BD59-A6C34878D82A}">
-                    <a16:rowId xmlns:a16="http://schemas.microsoft.com/office/drawing/2014/main" val="1549553246"/>
+                    <a16:rowId xmlns:a16="http://schemas.microsoft.com/office/drawing/2014/main" xmlns="" val="1549553246"/>
                   </a:ext>
                 </a:extLst>
               </a:tr>
@@ -5975,7 +5975,7 @@
                 </a:tc>
                 <a:extLst>
                   <a:ext uri="{0D108BD9-81ED-4DB2-BD59-A6C34878D82A}">
-                    <a16:rowId xmlns:a16="http://schemas.microsoft.com/office/drawing/2014/main" val="2325486976"/>
+                    <a16:rowId xmlns:a16="http://schemas.microsoft.com/office/drawing/2014/main" xmlns="" val="2325486976"/>
                   </a:ext>
                 </a:extLst>
               </a:tr>
@@ -6088,7 +6088,7 @@
                 </a:tc>
                 <a:extLst>
                   <a:ext uri="{0D108BD9-81ED-4DB2-BD59-A6C34878D82A}">
-                    <a16:rowId xmlns:a16="http://schemas.microsoft.com/office/drawing/2014/main" val="108756169"/>
+                    <a16:rowId xmlns:a16="http://schemas.microsoft.com/office/drawing/2014/main" xmlns="" val="108756169"/>
                   </a:ext>
                 </a:extLst>
               </a:tr>
@@ -6225,7 +6225,7 @@
                 </a:tc>
                 <a:extLst>
                   <a:ext uri="{0D108BD9-81ED-4DB2-BD59-A6C34878D82A}">
-                    <a16:rowId xmlns:a16="http://schemas.microsoft.com/office/drawing/2014/main" val="868174123"/>
+                    <a16:rowId xmlns:a16="http://schemas.microsoft.com/office/drawing/2014/main" xmlns="" val="868174123"/>
                   </a:ext>
                 </a:extLst>
               </a:tr>
@@ -6322,7 +6322,7 @@
                 </a:tc>
                 <a:extLst>
                   <a:ext uri="{0D108BD9-81ED-4DB2-BD59-A6C34878D82A}">
-                    <a16:rowId xmlns:a16="http://schemas.microsoft.com/office/drawing/2014/main" val="1773180674"/>
+                    <a16:rowId xmlns:a16="http://schemas.microsoft.com/office/drawing/2014/main" xmlns="" val="1773180674"/>
                   </a:ext>
                 </a:extLst>
               </a:tr>
@@ -6419,7 +6419,7 @@
                 </a:tc>
                 <a:extLst>
                   <a:ext uri="{0D108BD9-81ED-4DB2-BD59-A6C34878D82A}">
-                    <a16:rowId xmlns:a16="http://schemas.microsoft.com/office/drawing/2014/main" val="324761190"/>
+                    <a16:rowId xmlns:a16="http://schemas.microsoft.com/office/drawing/2014/main" xmlns="" val="324761190"/>
                   </a:ext>
                 </a:extLst>
               </a:tr>
@@ -6526,7 +6526,7 @@
                 </a:tc>
                 <a:extLst>
                   <a:ext uri="{0D108BD9-81ED-4DB2-BD59-A6C34878D82A}">
-                    <a16:rowId xmlns:a16="http://schemas.microsoft.com/office/drawing/2014/main" val="1775108306"/>
+                    <a16:rowId xmlns:a16="http://schemas.microsoft.com/office/drawing/2014/main" xmlns="" val="1775108306"/>
                   </a:ext>
                 </a:extLst>
               </a:tr>
@@ -6639,7 +6639,7 @@
                 </a:tc>
                 <a:extLst>
                   <a:ext uri="{0D108BD9-81ED-4DB2-BD59-A6C34878D82A}">
-                    <a16:rowId xmlns:a16="http://schemas.microsoft.com/office/drawing/2014/main" val="2613320283"/>
+                    <a16:rowId xmlns:a16="http://schemas.microsoft.com/office/drawing/2014/main" xmlns="" val="2613320283"/>
                   </a:ext>
                 </a:extLst>
               </a:tr>
@@ -6682,7 +6682,7 @@
           <p:cNvPr id="2" name="Title 1">
             <a:extLst>
               <a:ext uri="{FF2B5EF4-FFF2-40B4-BE49-F238E27FC236}">
-                <a16:creationId xmlns:a16="http://schemas.microsoft.com/office/drawing/2014/main" id="{6DB497BC-6377-4BD4-A8A6-D232ABBA0506}"/>
+                <a16:creationId xmlns:a16="http://schemas.microsoft.com/office/drawing/2014/main" xmlns="" id="{6DB497BC-6377-4BD4-A8A6-D232ABBA0506}"/>
               </a:ext>
             </a:extLst>
           </p:cNvPr>
@@ -6711,7 +6711,7 @@
           <p:cNvPr id="5" name="Content Placeholder 6">
             <a:extLst>
               <a:ext uri="{FF2B5EF4-FFF2-40B4-BE49-F238E27FC236}">
-                <a16:creationId xmlns:a16="http://schemas.microsoft.com/office/drawing/2014/main" id="{DC4197B8-28FC-42A2-AD89-532EB3608797}"/>
+                <a16:creationId xmlns:a16="http://schemas.microsoft.com/office/drawing/2014/main" xmlns="" id="{DC4197B8-28FC-42A2-AD89-532EB3608797}"/>
               </a:ext>
             </a:extLst>
           </p:cNvPr>
@@ -6741,35 +6741,35 @@
                 <a:gridCol w="1878430">
                   <a:extLst>
                     <a:ext uri="{9D8B030D-6E8A-4147-A177-3AD203B41FA5}">
-                      <a16:colId xmlns:a16="http://schemas.microsoft.com/office/drawing/2014/main" val="20000"/>
+                      <a16:colId xmlns:a16="http://schemas.microsoft.com/office/drawing/2014/main" xmlns="" val="20000"/>
                     </a:ext>
                   </a:extLst>
                 </a:gridCol>
                 <a:gridCol w="4212205">
                   <a:extLst>
                     <a:ext uri="{9D8B030D-6E8A-4147-A177-3AD203B41FA5}">
-                      <a16:colId xmlns:a16="http://schemas.microsoft.com/office/drawing/2014/main" val="20001"/>
+                      <a16:colId xmlns:a16="http://schemas.microsoft.com/office/drawing/2014/main" xmlns="" val="20001"/>
                     </a:ext>
                   </a:extLst>
                 </a:gridCol>
                 <a:gridCol w="1165829">
                   <a:extLst>
                     <a:ext uri="{9D8B030D-6E8A-4147-A177-3AD203B41FA5}">
-                      <a16:colId xmlns:a16="http://schemas.microsoft.com/office/drawing/2014/main" val="20002"/>
+                      <a16:colId xmlns:a16="http://schemas.microsoft.com/office/drawing/2014/main" xmlns="" val="20002"/>
                     </a:ext>
                   </a:extLst>
                 </a:gridCol>
                 <a:gridCol w="1252326">
                   <a:extLst>
                     <a:ext uri="{9D8B030D-6E8A-4147-A177-3AD203B41FA5}">
-                      <a16:colId xmlns:a16="http://schemas.microsoft.com/office/drawing/2014/main" val="20003"/>
+                      <a16:colId xmlns:a16="http://schemas.microsoft.com/office/drawing/2014/main" xmlns="" val="20003"/>
                     </a:ext>
                   </a:extLst>
                 </a:gridCol>
                 <a:gridCol w="1252326">
                   <a:extLst>
                     <a:ext uri="{9D8B030D-6E8A-4147-A177-3AD203B41FA5}">
-                      <a16:colId xmlns:a16="http://schemas.microsoft.com/office/drawing/2014/main" val="20004"/>
+                      <a16:colId xmlns:a16="http://schemas.microsoft.com/office/drawing/2014/main" xmlns="" val="20004"/>
                     </a:ext>
                   </a:extLst>
                 </a:gridCol>
@@ -6886,7 +6886,7 @@
                 </a:tc>
                 <a:extLst>
                   <a:ext uri="{0D108BD9-81ED-4DB2-BD59-A6C34878D82A}">
-                    <a16:rowId xmlns:a16="http://schemas.microsoft.com/office/drawing/2014/main" val="10000"/>
+                    <a16:rowId xmlns:a16="http://schemas.microsoft.com/office/drawing/2014/main" xmlns="" val="10000"/>
                   </a:ext>
                 </a:extLst>
               </a:tr>
@@ -7006,7 +7006,7 @@
                 </a:tc>
                 <a:extLst>
                   <a:ext uri="{0D108BD9-81ED-4DB2-BD59-A6C34878D82A}">
-                    <a16:rowId xmlns:a16="http://schemas.microsoft.com/office/drawing/2014/main" val="10001"/>
+                    <a16:rowId xmlns:a16="http://schemas.microsoft.com/office/drawing/2014/main" xmlns="" val="10001"/>
                   </a:ext>
                 </a:extLst>
               </a:tr>
@@ -7113,7 +7113,7 @@
                 </a:tc>
                 <a:extLst>
                   <a:ext uri="{0D108BD9-81ED-4DB2-BD59-A6C34878D82A}">
-                    <a16:rowId xmlns:a16="http://schemas.microsoft.com/office/drawing/2014/main" val="10002"/>
+                    <a16:rowId xmlns:a16="http://schemas.microsoft.com/office/drawing/2014/main" xmlns="" val="10002"/>
                   </a:ext>
                 </a:extLst>
               </a:tr>
@@ -7210,7 +7210,7 @@
                 </a:tc>
                 <a:extLst>
                   <a:ext uri="{0D108BD9-81ED-4DB2-BD59-A6C34878D82A}">
-                    <a16:rowId xmlns:a16="http://schemas.microsoft.com/office/drawing/2014/main" val="10003"/>
+                    <a16:rowId xmlns:a16="http://schemas.microsoft.com/office/drawing/2014/main" xmlns="" val="10003"/>
                   </a:ext>
                 </a:extLst>
               </a:tr>
@@ -7307,7 +7307,7 @@
                 </a:tc>
                 <a:extLst>
                   <a:ext uri="{0D108BD9-81ED-4DB2-BD59-A6C34878D82A}">
-                    <a16:rowId xmlns:a16="http://schemas.microsoft.com/office/drawing/2014/main" val="10004"/>
+                    <a16:rowId xmlns:a16="http://schemas.microsoft.com/office/drawing/2014/main" xmlns="" val="10004"/>
                   </a:ext>
                 </a:extLst>
               </a:tr>
@@ -7404,7 +7404,7 @@
                 </a:tc>
                 <a:extLst>
                   <a:ext uri="{0D108BD9-81ED-4DB2-BD59-A6C34878D82A}">
-                    <a16:rowId xmlns:a16="http://schemas.microsoft.com/office/drawing/2014/main" val="10005"/>
+                    <a16:rowId xmlns:a16="http://schemas.microsoft.com/office/drawing/2014/main" xmlns="" val="10005"/>
                   </a:ext>
                 </a:extLst>
               </a:tr>
@@ -7514,7 +7514,7 @@
                 </a:tc>
                 <a:extLst>
                   <a:ext uri="{0D108BD9-81ED-4DB2-BD59-A6C34878D82A}">
-                    <a16:rowId xmlns:a16="http://schemas.microsoft.com/office/drawing/2014/main" val="10006"/>
+                    <a16:rowId xmlns:a16="http://schemas.microsoft.com/office/drawing/2014/main" xmlns="" val="10006"/>
                   </a:ext>
                 </a:extLst>
               </a:tr>
@@ -7628,7 +7628,7 @@
                 </a:tc>
                 <a:extLst>
                   <a:ext uri="{0D108BD9-81ED-4DB2-BD59-A6C34878D82A}">
-                    <a16:rowId xmlns:a16="http://schemas.microsoft.com/office/drawing/2014/main" val="10007"/>
+                    <a16:rowId xmlns:a16="http://schemas.microsoft.com/office/drawing/2014/main" xmlns="" val="10007"/>
                   </a:ext>
                 </a:extLst>
               </a:tr>
@@ -7742,7 +7742,7 @@
                 </a:tc>
                 <a:extLst>
                   <a:ext uri="{0D108BD9-81ED-4DB2-BD59-A6C34878D82A}">
-                    <a16:rowId xmlns:a16="http://schemas.microsoft.com/office/drawing/2014/main" val="10008"/>
+                    <a16:rowId xmlns:a16="http://schemas.microsoft.com/office/drawing/2014/main" xmlns="" val="10008"/>
                   </a:ext>
                 </a:extLst>
               </a:tr>
@@ -7856,7 +7856,7 @@
                 </a:tc>
                 <a:extLst>
                   <a:ext uri="{0D108BD9-81ED-4DB2-BD59-A6C34878D82A}">
-                    <a16:rowId xmlns:a16="http://schemas.microsoft.com/office/drawing/2014/main" val="10009"/>
+                    <a16:rowId xmlns:a16="http://schemas.microsoft.com/office/drawing/2014/main" xmlns="" val="10009"/>
                   </a:ext>
                 </a:extLst>
               </a:tr>
@@ -7970,7 +7970,7 @@
                 </a:tc>
                 <a:extLst>
                   <a:ext uri="{0D108BD9-81ED-4DB2-BD59-A6C34878D82A}">
-                    <a16:rowId xmlns:a16="http://schemas.microsoft.com/office/drawing/2014/main" val="10010"/>
+                    <a16:rowId xmlns:a16="http://schemas.microsoft.com/office/drawing/2014/main" xmlns="" val="10010"/>
                   </a:ext>
                 </a:extLst>
               </a:tr>
@@ -8013,7 +8013,7 @@
           <p:cNvPr id="2" name="Title 1">
             <a:extLst>
               <a:ext uri="{FF2B5EF4-FFF2-40B4-BE49-F238E27FC236}">
-                <a16:creationId xmlns:a16="http://schemas.microsoft.com/office/drawing/2014/main" id="{7703A585-CB34-4847-AABD-D8BF1C39D16B}"/>
+                <a16:creationId xmlns:a16="http://schemas.microsoft.com/office/drawing/2014/main" xmlns="" id="{7703A585-CB34-4847-AABD-D8BF1C39D16B}"/>
               </a:ext>
             </a:extLst>
           </p:cNvPr>
@@ -8042,7 +8042,7 @@
           <p:cNvPr id="3" name="Content Placeholder 2">
             <a:extLst>
               <a:ext uri="{FF2B5EF4-FFF2-40B4-BE49-F238E27FC236}">
-                <a16:creationId xmlns:a16="http://schemas.microsoft.com/office/drawing/2014/main" id="{65C12D36-4D81-4990-B646-20709CA0D106}"/>
+                <a16:creationId xmlns:a16="http://schemas.microsoft.com/office/drawing/2014/main" xmlns="" id="{65C12D36-4D81-4990-B646-20709CA0D106}"/>
               </a:ext>
             </a:extLst>
           </p:cNvPr>
@@ -8255,21 +8255,21 @@
                 <a:gridCol w="1307104">
                   <a:extLst>
                     <a:ext uri="{9D8B030D-6E8A-4147-A177-3AD203B41FA5}">
-                      <a16:colId xmlns:a16="http://schemas.microsoft.com/office/drawing/2014/main" val="20000"/>
+                      <a16:colId xmlns:a16="http://schemas.microsoft.com/office/drawing/2014/main" xmlns="" val="20000"/>
                     </a:ext>
                   </a:extLst>
                 </a:gridCol>
                 <a:gridCol w="1622611">
                   <a:extLst>
                     <a:ext uri="{9D8B030D-6E8A-4147-A177-3AD203B41FA5}">
-                      <a16:colId xmlns:a16="http://schemas.microsoft.com/office/drawing/2014/main" val="20001"/>
+                      <a16:colId xmlns:a16="http://schemas.microsoft.com/office/drawing/2014/main" xmlns="" val="20001"/>
                     </a:ext>
                   </a:extLst>
                 </a:gridCol>
                 <a:gridCol w="1667684">
                   <a:extLst>
                     <a:ext uri="{9D8B030D-6E8A-4147-A177-3AD203B41FA5}">
-                      <a16:colId xmlns:a16="http://schemas.microsoft.com/office/drawing/2014/main" val="20002"/>
+                      <a16:colId xmlns:a16="http://schemas.microsoft.com/office/drawing/2014/main" xmlns="" val="20002"/>
                     </a:ext>
                   </a:extLst>
                 </a:gridCol>
@@ -8340,7 +8340,7 @@
                 </a:tc>
                 <a:extLst>
                   <a:ext uri="{0D108BD9-81ED-4DB2-BD59-A6C34878D82A}">
-                    <a16:rowId xmlns:a16="http://schemas.microsoft.com/office/drawing/2014/main" val="10000"/>
+                    <a16:rowId xmlns:a16="http://schemas.microsoft.com/office/drawing/2014/main" xmlns="" val="10000"/>
                   </a:ext>
                 </a:extLst>
               </a:tr>
@@ -8416,7 +8416,7 @@
                 </a:tc>
                 <a:extLst>
                   <a:ext uri="{0D108BD9-81ED-4DB2-BD59-A6C34878D82A}">
-                    <a16:rowId xmlns:a16="http://schemas.microsoft.com/office/drawing/2014/main" val="10001"/>
+                    <a16:rowId xmlns:a16="http://schemas.microsoft.com/office/drawing/2014/main" xmlns="" val="10001"/>
                   </a:ext>
                 </a:extLst>
               </a:tr>
@@ -8492,7 +8492,7 @@
                 </a:tc>
                 <a:extLst>
                   <a:ext uri="{0D108BD9-81ED-4DB2-BD59-A6C34878D82A}">
-                    <a16:rowId xmlns:a16="http://schemas.microsoft.com/office/drawing/2014/main" val="10002"/>
+                    <a16:rowId xmlns:a16="http://schemas.microsoft.com/office/drawing/2014/main" xmlns="" val="10002"/>
                   </a:ext>
                 </a:extLst>
               </a:tr>
@@ -8568,7 +8568,7 @@
                 </a:tc>
                 <a:extLst>
                   <a:ext uri="{0D108BD9-81ED-4DB2-BD59-A6C34878D82A}">
-                    <a16:rowId xmlns:a16="http://schemas.microsoft.com/office/drawing/2014/main" val="10003"/>
+                    <a16:rowId xmlns:a16="http://schemas.microsoft.com/office/drawing/2014/main" xmlns="" val="10003"/>
                   </a:ext>
                 </a:extLst>
               </a:tr>
@@ -8645,8 +8645,13 @@
           <a:p>
             <a:r>
               <a:rPr lang="en-US" dirty="0"/>
-              <a:t>6-Year Graduation Rate</a:t>
-            </a:r>
+              <a:t>6-Year Graduation </a:t>
+            </a:r>
+            <a:r>
+              <a:rPr lang="en-US" dirty="0" smtClean="0"/>
+              <a:t>Rate for First-time Full-time Bachelor’s degree-seeking students</a:t>
+            </a:r>
+            <a:endParaRPr lang="en-US" dirty="0"/>
           </a:p>
           <a:p>
             <a:r>
@@ -8896,14 +8901,14 @@
                 <a:gridCol w="1676870">
                   <a:extLst>
                     <a:ext uri="{9D8B030D-6E8A-4147-A177-3AD203B41FA5}">
-                      <a16:colId xmlns:a16="http://schemas.microsoft.com/office/drawing/2014/main" val="20000"/>
+                      <a16:colId xmlns:a16="http://schemas.microsoft.com/office/drawing/2014/main" xmlns="" val="20000"/>
                     </a:ext>
                   </a:extLst>
                 </a:gridCol>
                 <a:gridCol w="3663480">
                   <a:extLst>
                     <a:ext uri="{9D8B030D-6E8A-4147-A177-3AD203B41FA5}">
-                      <a16:colId xmlns:a16="http://schemas.microsoft.com/office/drawing/2014/main" val="20001"/>
+                      <a16:colId xmlns:a16="http://schemas.microsoft.com/office/drawing/2014/main" xmlns="" val="20001"/>
                     </a:ext>
                   </a:extLst>
                 </a:gridCol>
@@ -8957,7 +8962,7 @@
                 </a:tc>
                 <a:extLst>
                   <a:ext uri="{0D108BD9-81ED-4DB2-BD59-A6C34878D82A}">
-                    <a16:rowId xmlns:a16="http://schemas.microsoft.com/office/drawing/2014/main" val="10000"/>
+                    <a16:rowId xmlns:a16="http://schemas.microsoft.com/office/drawing/2014/main" xmlns="" val="10000"/>
                   </a:ext>
                 </a:extLst>
               </a:tr>
@@ -8997,7 +9002,7 @@
                 </a:tc>
                 <a:extLst>
                   <a:ext uri="{0D108BD9-81ED-4DB2-BD59-A6C34878D82A}">
-                    <a16:rowId xmlns:a16="http://schemas.microsoft.com/office/drawing/2014/main" val="10001"/>
+                    <a16:rowId xmlns:a16="http://schemas.microsoft.com/office/drawing/2014/main" xmlns="" val="10001"/>
                   </a:ext>
                 </a:extLst>
               </a:tr>
@@ -9050,7 +9055,7 @@
                 </a:tc>
                 <a:extLst>
                   <a:ext uri="{0D108BD9-81ED-4DB2-BD59-A6C34878D82A}">
-                    <a16:rowId xmlns:a16="http://schemas.microsoft.com/office/drawing/2014/main" val="10002"/>
+                    <a16:rowId xmlns:a16="http://schemas.microsoft.com/office/drawing/2014/main" xmlns="" val="10002"/>
                   </a:ext>
                 </a:extLst>
               </a:tr>
@@ -9090,7 +9095,7 @@
                 </a:tc>
                 <a:extLst>
                   <a:ext uri="{0D108BD9-81ED-4DB2-BD59-A6C34878D82A}">
-                    <a16:rowId xmlns:a16="http://schemas.microsoft.com/office/drawing/2014/main" val="10003"/>
+                    <a16:rowId xmlns:a16="http://schemas.microsoft.com/office/drawing/2014/main" xmlns="" val="10003"/>
                   </a:ext>
                 </a:extLst>
               </a:tr>
@@ -9130,7 +9135,7 @@
                 </a:tc>
                 <a:extLst>
                   <a:ext uri="{0D108BD9-81ED-4DB2-BD59-A6C34878D82A}">
-                    <a16:rowId xmlns:a16="http://schemas.microsoft.com/office/drawing/2014/main" val="10004"/>
+                    <a16:rowId xmlns:a16="http://schemas.microsoft.com/office/drawing/2014/main" xmlns="" val="10004"/>
                   </a:ext>
                 </a:extLst>
               </a:tr>
@@ -9170,7 +9175,7 @@
                 </a:tc>
                 <a:extLst>
                   <a:ext uri="{0D108BD9-81ED-4DB2-BD59-A6C34878D82A}">
-                    <a16:rowId xmlns:a16="http://schemas.microsoft.com/office/drawing/2014/main" val="10005"/>
+                    <a16:rowId xmlns:a16="http://schemas.microsoft.com/office/drawing/2014/main" xmlns="" val="10005"/>
                   </a:ext>
                 </a:extLst>
               </a:tr>
@@ -9210,7 +9215,7 @@
                 </a:tc>
                 <a:extLst>
                   <a:ext uri="{0D108BD9-81ED-4DB2-BD59-A6C34878D82A}">
-                    <a16:rowId xmlns:a16="http://schemas.microsoft.com/office/drawing/2014/main" val="10006"/>
+                    <a16:rowId xmlns:a16="http://schemas.microsoft.com/office/drawing/2014/main" xmlns="" val="10006"/>
                   </a:ext>
                 </a:extLst>
               </a:tr>
@@ -9250,7 +9255,7 @@
                 </a:tc>
                 <a:extLst>
                   <a:ext uri="{0D108BD9-81ED-4DB2-BD59-A6C34878D82A}">
-                    <a16:rowId xmlns:a16="http://schemas.microsoft.com/office/drawing/2014/main" val="10007"/>
+                    <a16:rowId xmlns:a16="http://schemas.microsoft.com/office/drawing/2014/main" xmlns="" val="10007"/>
                   </a:ext>
                 </a:extLst>
               </a:tr>
@@ -9309,7 +9314,7 @@
                 </a:tc>
                 <a:extLst>
                   <a:ext uri="{0D108BD9-81ED-4DB2-BD59-A6C34878D82A}">
-                    <a16:rowId xmlns:a16="http://schemas.microsoft.com/office/drawing/2014/main" val="10008"/>
+                    <a16:rowId xmlns:a16="http://schemas.microsoft.com/office/drawing/2014/main" xmlns="" val="10008"/>
                   </a:ext>
                 </a:extLst>
               </a:tr>
@@ -9352,7 +9357,7 @@
                 </a:tc>
                 <a:extLst>
                   <a:ext uri="{0D108BD9-81ED-4DB2-BD59-A6C34878D82A}">
-                    <a16:rowId xmlns:a16="http://schemas.microsoft.com/office/drawing/2014/main" val="10009"/>
+                    <a16:rowId xmlns:a16="http://schemas.microsoft.com/office/drawing/2014/main" xmlns="" val="10009"/>
                   </a:ext>
                 </a:extLst>
               </a:tr>
@@ -9395,7 +9400,7 @@
                 </a:tc>
                 <a:extLst>
                   <a:ext uri="{0D108BD9-81ED-4DB2-BD59-A6C34878D82A}">
-                    <a16:rowId xmlns:a16="http://schemas.microsoft.com/office/drawing/2014/main" val="10010"/>
+                    <a16:rowId xmlns:a16="http://schemas.microsoft.com/office/drawing/2014/main" xmlns="" val="10010"/>
                   </a:ext>
                 </a:extLst>
               </a:tr>
@@ -9438,7 +9443,7 @@
                 </a:tc>
                 <a:extLst>
                   <a:ext uri="{0D108BD9-81ED-4DB2-BD59-A6C34878D82A}">
-                    <a16:rowId xmlns:a16="http://schemas.microsoft.com/office/drawing/2014/main" val="10011"/>
+                    <a16:rowId xmlns:a16="http://schemas.microsoft.com/office/drawing/2014/main" xmlns="" val="10011"/>
                   </a:ext>
                 </a:extLst>
               </a:tr>
@@ -9481,7 +9486,7 @@
                 </a:tc>
                 <a:extLst>
                   <a:ext uri="{0D108BD9-81ED-4DB2-BD59-A6C34878D82A}">
-                    <a16:rowId xmlns:a16="http://schemas.microsoft.com/office/drawing/2014/main" val="10012"/>
+                    <a16:rowId xmlns:a16="http://schemas.microsoft.com/office/drawing/2014/main" xmlns="" val="10012"/>
                   </a:ext>
                 </a:extLst>
               </a:tr>
@@ -9524,7 +9529,7 @@
                 </a:tc>
                 <a:extLst>
                   <a:ext uri="{0D108BD9-81ED-4DB2-BD59-A6C34878D82A}">
-                    <a16:rowId xmlns:a16="http://schemas.microsoft.com/office/drawing/2014/main" val="10013"/>
+                    <a16:rowId xmlns:a16="http://schemas.microsoft.com/office/drawing/2014/main" xmlns="" val="10013"/>
                   </a:ext>
                 </a:extLst>
               </a:tr>
@@ -9567,7 +9572,7 @@
                 </a:tc>
                 <a:extLst>
                   <a:ext uri="{0D108BD9-81ED-4DB2-BD59-A6C34878D82A}">
-                    <a16:rowId xmlns:a16="http://schemas.microsoft.com/office/drawing/2014/main" val="10014"/>
+                    <a16:rowId xmlns:a16="http://schemas.microsoft.com/office/drawing/2014/main" xmlns="" val="10014"/>
                   </a:ext>
                 </a:extLst>
               </a:tr>
@@ -9610,7 +9615,7 @@
                 </a:tc>
                 <a:extLst>
                   <a:ext uri="{0D108BD9-81ED-4DB2-BD59-A6C34878D82A}">
-                    <a16:rowId xmlns:a16="http://schemas.microsoft.com/office/drawing/2014/main" val="10015"/>
+                    <a16:rowId xmlns:a16="http://schemas.microsoft.com/office/drawing/2014/main" xmlns="" val="10015"/>
                   </a:ext>
                 </a:extLst>
               </a:tr>
@@ -9653,7 +9658,7 @@
                 </a:tc>
                 <a:extLst>
                   <a:ext uri="{0D108BD9-81ED-4DB2-BD59-A6C34878D82A}">
-                    <a16:rowId xmlns:a16="http://schemas.microsoft.com/office/drawing/2014/main" val="10016"/>
+                    <a16:rowId xmlns:a16="http://schemas.microsoft.com/office/drawing/2014/main" xmlns="" val="10016"/>
                   </a:ext>
                 </a:extLst>
               </a:tr>
@@ -9706,7 +9711,7 @@
                 </a:tc>
                 <a:extLst>
                   <a:ext uri="{0D108BD9-81ED-4DB2-BD59-A6C34878D82A}">
-                    <a16:rowId xmlns:a16="http://schemas.microsoft.com/office/drawing/2014/main" val="10017"/>
+                    <a16:rowId xmlns:a16="http://schemas.microsoft.com/office/drawing/2014/main" xmlns="" val="10017"/>
                   </a:ext>
                 </a:extLst>
               </a:tr>
@@ -9746,7 +9751,7 @@
                 </a:tc>
                 <a:extLst>
                   <a:ext uri="{0D108BD9-81ED-4DB2-BD59-A6C34878D82A}">
-                    <a16:rowId xmlns:a16="http://schemas.microsoft.com/office/drawing/2014/main" val="10018"/>
+                    <a16:rowId xmlns:a16="http://schemas.microsoft.com/office/drawing/2014/main" xmlns="" val="10018"/>
                   </a:ext>
                 </a:extLst>
               </a:tr>
@@ -9976,28 +9981,28 @@
                 <a:gridCol w="1697973">
                   <a:extLst>
                     <a:ext uri="{9D8B030D-6E8A-4147-A177-3AD203B41FA5}">
-                      <a16:colId xmlns:a16="http://schemas.microsoft.com/office/drawing/2014/main" val="20000"/>
+                      <a16:colId xmlns:a16="http://schemas.microsoft.com/office/drawing/2014/main" xmlns="" val="20000"/>
                     </a:ext>
                   </a:extLst>
                 </a:gridCol>
                 <a:gridCol w="1697973">
                   <a:extLst>
                     <a:ext uri="{9D8B030D-6E8A-4147-A177-3AD203B41FA5}">
-                      <a16:colId xmlns:a16="http://schemas.microsoft.com/office/drawing/2014/main" val="20001"/>
+                      <a16:colId xmlns:a16="http://schemas.microsoft.com/office/drawing/2014/main" xmlns="" val="20001"/>
                     </a:ext>
                   </a:extLst>
                 </a:gridCol>
                 <a:gridCol w="917538">
                   <a:extLst>
                     <a:ext uri="{9D8B030D-6E8A-4147-A177-3AD203B41FA5}">
-                      <a16:colId xmlns:a16="http://schemas.microsoft.com/office/drawing/2014/main" val="20002"/>
+                      <a16:colId xmlns:a16="http://schemas.microsoft.com/office/drawing/2014/main" xmlns="" val="20002"/>
                     </a:ext>
                   </a:extLst>
                 </a:gridCol>
                 <a:gridCol w="1128466">
                   <a:extLst>
                     <a:ext uri="{9D8B030D-6E8A-4147-A177-3AD203B41FA5}">
-                      <a16:colId xmlns:a16="http://schemas.microsoft.com/office/drawing/2014/main" val="20003"/>
+                      <a16:colId xmlns:a16="http://schemas.microsoft.com/office/drawing/2014/main" xmlns="" val="20003"/>
                     </a:ext>
                   </a:extLst>
                 </a:gridCol>
@@ -10078,7 +10083,7 @@
                 </a:tc>
                 <a:extLst>
                   <a:ext uri="{0D108BD9-81ED-4DB2-BD59-A6C34878D82A}">
-                    <a16:rowId xmlns:a16="http://schemas.microsoft.com/office/drawing/2014/main" val="10000"/>
+                    <a16:rowId xmlns:a16="http://schemas.microsoft.com/office/drawing/2014/main" xmlns="" val="10000"/>
                   </a:ext>
                 </a:extLst>
               </a:tr>
@@ -10158,7 +10163,7 @@
                 </a:tc>
                 <a:extLst>
                   <a:ext uri="{0D108BD9-81ED-4DB2-BD59-A6C34878D82A}">
-                    <a16:rowId xmlns:a16="http://schemas.microsoft.com/office/drawing/2014/main" val="10001"/>
+                    <a16:rowId xmlns:a16="http://schemas.microsoft.com/office/drawing/2014/main" xmlns="" val="10001"/>
                   </a:ext>
                 </a:extLst>
               </a:tr>
@@ -10251,7 +10256,7 @@
                 </a:tc>
                 <a:extLst>
                   <a:ext uri="{0D108BD9-81ED-4DB2-BD59-A6C34878D82A}">
-                    <a16:rowId xmlns:a16="http://schemas.microsoft.com/office/drawing/2014/main" val="10002"/>
+                    <a16:rowId xmlns:a16="http://schemas.microsoft.com/office/drawing/2014/main" xmlns="" val="10002"/>
                   </a:ext>
                 </a:extLst>
               </a:tr>
@@ -10331,7 +10336,7 @@
                 </a:tc>
                 <a:extLst>
                   <a:ext uri="{0D108BD9-81ED-4DB2-BD59-A6C34878D82A}">
-                    <a16:rowId xmlns:a16="http://schemas.microsoft.com/office/drawing/2014/main" val="10003"/>
+                    <a16:rowId xmlns:a16="http://schemas.microsoft.com/office/drawing/2014/main" xmlns="" val="10003"/>
                   </a:ext>
                 </a:extLst>
               </a:tr>
@@ -10411,7 +10416,7 @@
                 </a:tc>
                 <a:extLst>
                   <a:ext uri="{0D108BD9-81ED-4DB2-BD59-A6C34878D82A}">
-                    <a16:rowId xmlns:a16="http://schemas.microsoft.com/office/drawing/2014/main" val="10004"/>
+                    <a16:rowId xmlns:a16="http://schemas.microsoft.com/office/drawing/2014/main" xmlns="" val="10004"/>
                   </a:ext>
                 </a:extLst>
               </a:tr>
@@ -10491,7 +10496,7 @@
                 </a:tc>
                 <a:extLst>
                   <a:ext uri="{0D108BD9-81ED-4DB2-BD59-A6C34878D82A}">
-                    <a16:rowId xmlns:a16="http://schemas.microsoft.com/office/drawing/2014/main" val="10005"/>
+                    <a16:rowId xmlns:a16="http://schemas.microsoft.com/office/drawing/2014/main" xmlns="" val="10005"/>
                   </a:ext>
                 </a:extLst>
               </a:tr>
@@ -10571,7 +10576,7 @@
                 </a:tc>
                 <a:extLst>
                   <a:ext uri="{0D108BD9-81ED-4DB2-BD59-A6C34878D82A}">
-                    <a16:rowId xmlns:a16="http://schemas.microsoft.com/office/drawing/2014/main" val="10006"/>
+                    <a16:rowId xmlns:a16="http://schemas.microsoft.com/office/drawing/2014/main" xmlns="" val="10006"/>
                   </a:ext>
                 </a:extLst>
               </a:tr>
@@ -10651,7 +10656,7 @@
                 </a:tc>
                 <a:extLst>
                   <a:ext uri="{0D108BD9-81ED-4DB2-BD59-A6C34878D82A}">
-                    <a16:rowId xmlns:a16="http://schemas.microsoft.com/office/drawing/2014/main" val="10007"/>
+                    <a16:rowId xmlns:a16="http://schemas.microsoft.com/office/drawing/2014/main" xmlns="" val="10007"/>
                   </a:ext>
                 </a:extLst>
               </a:tr>
@@ -10734,7 +10739,7 @@
                 </a:tc>
                 <a:extLst>
                   <a:ext uri="{0D108BD9-81ED-4DB2-BD59-A6C34878D82A}">
-                    <a16:rowId xmlns:a16="http://schemas.microsoft.com/office/drawing/2014/main" val="10008"/>
+                    <a16:rowId xmlns:a16="http://schemas.microsoft.com/office/drawing/2014/main" xmlns="" val="10008"/>
                   </a:ext>
                 </a:extLst>
               </a:tr>
@@ -10827,7 +10832,7 @@
                 </a:tc>
                 <a:extLst>
                   <a:ext uri="{0D108BD9-81ED-4DB2-BD59-A6C34878D82A}">
-                    <a16:rowId xmlns:a16="http://schemas.microsoft.com/office/drawing/2014/main" val="10009"/>
+                    <a16:rowId xmlns:a16="http://schemas.microsoft.com/office/drawing/2014/main" xmlns="" val="10009"/>
                   </a:ext>
                 </a:extLst>
               </a:tr>
@@ -10907,7 +10912,7 @@
                 </a:tc>
                 <a:extLst>
                   <a:ext uri="{0D108BD9-81ED-4DB2-BD59-A6C34878D82A}">
-                    <a16:rowId xmlns:a16="http://schemas.microsoft.com/office/drawing/2014/main" val="10010"/>
+                    <a16:rowId xmlns:a16="http://schemas.microsoft.com/office/drawing/2014/main" xmlns="" val="10010"/>
                   </a:ext>
                 </a:extLst>
               </a:tr>
@@ -10987,7 +10992,7 @@
                 </a:tc>
                 <a:extLst>
                   <a:ext uri="{0D108BD9-81ED-4DB2-BD59-A6C34878D82A}">
-                    <a16:rowId xmlns:a16="http://schemas.microsoft.com/office/drawing/2014/main" val="10011"/>
+                    <a16:rowId xmlns:a16="http://schemas.microsoft.com/office/drawing/2014/main" xmlns="" val="10011"/>
                   </a:ext>
                 </a:extLst>
               </a:tr>
@@ -11067,7 +11072,7 @@
                 </a:tc>
                 <a:extLst>
                   <a:ext uri="{0D108BD9-81ED-4DB2-BD59-A6C34878D82A}">
-                    <a16:rowId xmlns:a16="http://schemas.microsoft.com/office/drawing/2014/main" val="10012"/>
+                    <a16:rowId xmlns:a16="http://schemas.microsoft.com/office/drawing/2014/main" xmlns="" val="10012"/>
                   </a:ext>
                 </a:extLst>
               </a:tr>
@@ -11147,7 +11152,7 @@
                 </a:tc>
                 <a:extLst>
                   <a:ext uri="{0D108BD9-81ED-4DB2-BD59-A6C34878D82A}">
-                    <a16:rowId xmlns:a16="http://schemas.microsoft.com/office/drawing/2014/main" val="10013"/>
+                    <a16:rowId xmlns:a16="http://schemas.microsoft.com/office/drawing/2014/main" xmlns="" val="10013"/>
                   </a:ext>
                 </a:extLst>
               </a:tr>
@@ -11227,7 +11232,7 @@
                 </a:tc>
                 <a:extLst>
                   <a:ext uri="{0D108BD9-81ED-4DB2-BD59-A6C34878D82A}">
-                    <a16:rowId xmlns:a16="http://schemas.microsoft.com/office/drawing/2014/main" val="10014"/>
+                    <a16:rowId xmlns:a16="http://schemas.microsoft.com/office/drawing/2014/main" xmlns="" val="10014"/>
                   </a:ext>
                 </a:extLst>
               </a:tr>
@@ -11310,7 +11315,7 @@
                 </a:tc>
                 <a:extLst>
                   <a:ext uri="{0D108BD9-81ED-4DB2-BD59-A6C34878D82A}">
-                    <a16:rowId xmlns:a16="http://schemas.microsoft.com/office/drawing/2014/main" val="10015"/>
+                    <a16:rowId xmlns:a16="http://schemas.microsoft.com/office/drawing/2014/main" xmlns="" val="10015"/>
                   </a:ext>
                 </a:extLst>
               </a:tr>
@@ -11382,7 +11387,7 @@
             <p:ph idx="1"/>
             <p:extLst>
               <p:ext uri="{D42A27DB-BD31-4B8C-83A1-F6EECF244321}">
-                <p14:modId xmlns:p14="http://schemas.microsoft.com/office/powerpoint/2010/main" val="745312010"/>
+                <p14:modId xmlns:p14="http://schemas.microsoft.com/office/powerpoint/2010/main" val="1780561501"/>
               </p:ext>
             </p:extLst>
           </p:nvPr>
@@ -11401,35 +11406,35 @@
                 <a:gridCol w="1884339">
                   <a:extLst>
                     <a:ext uri="{9D8B030D-6E8A-4147-A177-3AD203B41FA5}">
-                      <a16:colId xmlns:a16="http://schemas.microsoft.com/office/drawing/2014/main" val="20000"/>
+                      <a16:colId xmlns:a16="http://schemas.microsoft.com/office/drawing/2014/main" xmlns="" val="20000"/>
                     </a:ext>
                   </a:extLst>
                 </a:gridCol>
                 <a:gridCol w="4206296">
                   <a:extLst>
                     <a:ext uri="{9D8B030D-6E8A-4147-A177-3AD203B41FA5}">
-                      <a16:colId xmlns:a16="http://schemas.microsoft.com/office/drawing/2014/main" val="20001"/>
+                      <a16:colId xmlns:a16="http://schemas.microsoft.com/office/drawing/2014/main" xmlns="" val="20001"/>
                     </a:ext>
                   </a:extLst>
                 </a:gridCol>
                 <a:gridCol w="1165829">
                   <a:extLst>
                     <a:ext uri="{9D8B030D-6E8A-4147-A177-3AD203B41FA5}">
-                      <a16:colId xmlns:a16="http://schemas.microsoft.com/office/drawing/2014/main" val="20002"/>
+                      <a16:colId xmlns:a16="http://schemas.microsoft.com/office/drawing/2014/main" xmlns="" val="20002"/>
                     </a:ext>
                   </a:extLst>
                 </a:gridCol>
                 <a:gridCol w="1252326">
                   <a:extLst>
                     <a:ext uri="{9D8B030D-6E8A-4147-A177-3AD203B41FA5}">
-                      <a16:colId xmlns:a16="http://schemas.microsoft.com/office/drawing/2014/main" val="20003"/>
+                      <a16:colId xmlns:a16="http://schemas.microsoft.com/office/drawing/2014/main" xmlns="" val="20003"/>
                     </a:ext>
                   </a:extLst>
                 </a:gridCol>
                 <a:gridCol w="1252326">
                   <a:extLst>
                     <a:ext uri="{9D8B030D-6E8A-4147-A177-3AD203B41FA5}">
-                      <a16:colId xmlns:a16="http://schemas.microsoft.com/office/drawing/2014/main" val="20004"/>
+                      <a16:colId xmlns:a16="http://schemas.microsoft.com/office/drawing/2014/main" xmlns="" val="20004"/>
                     </a:ext>
                   </a:extLst>
                 </a:gridCol>
@@ -11546,7 +11551,7 @@
                 </a:tc>
                 <a:extLst>
                   <a:ext uri="{0D108BD9-81ED-4DB2-BD59-A6C34878D82A}">
-                    <a16:rowId xmlns:a16="http://schemas.microsoft.com/office/drawing/2014/main" val="10000"/>
+                    <a16:rowId xmlns:a16="http://schemas.microsoft.com/office/drawing/2014/main" xmlns="" val="10000"/>
                   </a:ext>
                 </a:extLst>
               </a:tr>
@@ -11668,7 +11673,7 @@
                 </a:tc>
                 <a:extLst>
                   <a:ext uri="{0D108BD9-81ED-4DB2-BD59-A6C34878D82A}">
-                    <a16:rowId xmlns:a16="http://schemas.microsoft.com/office/drawing/2014/main" val="10001"/>
+                    <a16:rowId xmlns:a16="http://schemas.microsoft.com/office/drawing/2014/main" xmlns="" val="10001"/>
                   </a:ext>
                 </a:extLst>
               </a:tr>
@@ -11777,7 +11782,7 @@
                 </a:tc>
                 <a:extLst>
                   <a:ext uri="{0D108BD9-81ED-4DB2-BD59-A6C34878D82A}">
-                    <a16:rowId xmlns:a16="http://schemas.microsoft.com/office/drawing/2014/main" val="10002"/>
+                    <a16:rowId xmlns:a16="http://schemas.microsoft.com/office/drawing/2014/main" xmlns="" val="10002"/>
                   </a:ext>
                 </a:extLst>
               </a:tr>
@@ -11898,7 +11903,7 @@
                 </a:tc>
                 <a:extLst>
                   <a:ext uri="{0D108BD9-81ED-4DB2-BD59-A6C34878D82A}">
-                    <a16:rowId xmlns:a16="http://schemas.microsoft.com/office/drawing/2014/main" val="10003"/>
+                    <a16:rowId xmlns:a16="http://schemas.microsoft.com/office/drawing/2014/main" xmlns="" val="10003"/>
                   </a:ext>
                 </a:extLst>
               </a:tr>
@@ -12007,7 +12012,7 @@
                 </a:tc>
                 <a:extLst>
                   <a:ext uri="{0D108BD9-81ED-4DB2-BD59-A6C34878D82A}">
-                    <a16:rowId xmlns:a16="http://schemas.microsoft.com/office/drawing/2014/main" val="10004"/>
+                    <a16:rowId xmlns:a16="http://schemas.microsoft.com/office/drawing/2014/main" xmlns="" val="10004"/>
                   </a:ext>
                 </a:extLst>
               </a:tr>
@@ -12144,7 +12149,7 @@
                 </a:tc>
                 <a:extLst>
                   <a:ext uri="{0D108BD9-81ED-4DB2-BD59-A6C34878D82A}">
-                    <a16:rowId xmlns:a16="http://schemas.microsoft.com/office/drawing/2014/main" val="10005"/>
+                    <a16:rowId xmlns:a16="http://schemas.microsoft.com/office/drawing/2014/main" xmlns="" val="10005"/>
                   </a:ext>
                 </a:extLst>
               </a:tr>
@@ -12266,7 +12271,7 @@
                 </a:tc>
                 <a:extLst>
                   <a:ext uri="{0D108BD9-81ED-4DB2-BD59-A6C34878D82A}">
-                    <a16:rowId xmlns:a16="http://schemas.microsoft.com/office/drawing/2014/main" val="10006"/>
+                    <a16:rowId xmlns:a16="http://schemas.microsoft.com/office/drawing/2014/main" xmlns="" val="10006"/>
                   </a:ext>
                 </a:extLst>
               </a:tr>
@@ -12403,7 +12408,7 @@
                 </a:tc>
                 <a:extLst>
                   <a:ext uri="{0D108BD9-81ED-4DB2-BD59-A6C34878D82A}">
-                    <a16:rowId xmlns:a16="http://schemas.microsoft.com/office/drawing/2014/main" val="10007"/>
+                    <a16:rowId xmlns:a16="http://schemas.microsoft.com/office/drawing/2014/main" xmlns="" val="10007"/>
                   </a:ext>
                 </a:extLst>
               </a:tr>
@@ -12452,6 +12457,9 @@
                       <a:pPr algn="r" fontAlgn="b"/>
                       <a:r>
                         <a:rPr lang="mr-IN" sz="1600" u="none" strike="noStrike" dirty="0">
+                          <a:solidFill>
+                            <a:srgbClr val="FF0000"/>
+                          </a:solidFill>
                           <a:effectLst/>
                         </a:rPr>
                         <a:t>-1.40E-06</a:t>
@@ -12475,6 +12483,9 @@
                       <a:pPr algn="r" fontAlgn="b"/>
                       <a:r>
                         <a:rPr lang="mr-IN" sz="1600" u="none" strike="noStrike" dirty="0">
+                          <a:solidFill>
+                            <a:srgbClr val="FF0000"/>
+                          </a:solidFill>
                           <a:effectLst/>
                         </a:rPr>
                         <a:t>6.00E-07</a:t>
@@ -12498,6 +12509,9 @@
                       <a:pPr algn="r" fontAlgn="b"/>
                       <a:r>
                         <a:rPr lang="is-IS" sz="1600" u="none" strike="noStrike" dirty="0">
+                          <a:solidFill>
+                            <a:srgbClr val="FF0000"/>
+                          </a:solidFill>
                           <a:effectLst/>
                         </a:rPr>
                         <a:t>0.0124906</a:t>
@@ -12515,7 +12529,7 @@
                 </a:tc>
                 <a:extLst>
                   <a:ext uri="{0D108BD9-81ED-4DB2-BD59-A6C34878D82A}">
-                    <a16:rowId xmlns:a16="http://schemas.microsoft.com/office/drawing/2014/main" val="10008"/>
+                    <a16:rowId xmlns:a16="http://schemas.microsoft.com/office/drawing/2014/main" xmlns="" val="10008"/>
                   </a:ext>
                 </a:extLst>
               </a:tr>
@@ -12624,7 +12638,7 @@
                 </a:tc>
                 <a:extLst>
                   <a:ext uri="{0D108BD9-81ED-4DB2-BD59-A6C34878D82A}">
-                    <a16:rowId xmlns:a16="http://schemas.microsoft.com/office/drawing/2014/main" val="10009"/>
+                    <a16:rowId xmlns:a16="http://schemas.microsoft.com/office/drawing/2014/main" xmlns="" val="10009"/>
                   </a:ext>
                 </a:extLst>
               </a:tr>
@@ -12733,7 +12747,7 @@
                 </a:tc>
                 <a:extLst>
                   <a:ext uri="{0D108BD9-81ED-4DB2-BD59-A6C34878D82A}">
-                    <a16:rowId xmlns:a16="http://schemas.microsoft.com/office/drawing/2014/main" val="10010"/>
+                    <a16:rowId xmlns:a16="http://schemas.microsoft.com/office/drawing/2014/main" xmlns="" val="10010"/>
                   </a:ext>
                 </a:extLst>
               </a:tr>
@@ -12842,7 +12856,7 @@
                 </a:tc>
                 <a:extLst>
                   <a:ext uri="{0D108BD9-81ED-4DB2-BD59-A6C34878D82A}">
-                    <a16:rowId xmlns:a16="http://schemas.microsoft.com/office/drawing/2014/main" val="10011"/>
+                    <a16:rowId xmlns:a16="http://schemas.microsoft.com/office/drawing/2014/main" xmlns="" val="10011"/>
                   </a:ext>
                 </a:extLst>
               </a:tr>
@@ -12944,12 +12958,12 @@
         <p:spPr>
           <a:xfrm>
             <a:off x="838199" y="1825624"/>
-            <a:ext cx="10679349" cy="1073219"/>
+            <a:ext cx="10813027" cy="3174079"/>
           </a:xfrm>
         </p:spPr>
         <p:txBody>
           <a:bodyPr>
-            <a:normAutofit fontScale="70000" lnSpcReduction="20000"/>
+            <a:normAutofit/>
           </a:bodyPr>
           <a:lstStyle/>
           <a:p>
@@ -12960,75 +12974,30 @@
           </a:p>
           <a:p>
             <a:r>
-              <a:rPr lang="en-US" dirty="0"/>
-              <a:t>Cluster bootstrapped by school for the distributions of the estimates</a:t>
-            </a:r>
+              <a:rPr lang="en-US" u="sng" dirty="0" smtClean="0"/>
+              <a:t>Graduation Rate FD</a:t>
+            </a:r>
+            <a:r>
+              <a:rPr lang="en-US" dirty="0" smtClean="0"/>
+              <a:t>: +0.00326 (0.326%) increase in the graduation rate (%)</a:t>
+            </a:r>
+          </a:p>
+          <a:p>
+            <a:r>
+              <a:rPr lang="en-US" u="sng" dirty="0" smtClean="0"/>
+              <a:t>Bachelor’s Degrees FD</a:t>
+            </a:r>
+            <a:r>
+              <a:rPr lang="en-US" dirty="0" smtClean="0"/>
+              <a:t>: +0.0006 increase in bachelor’s degrees per FTE</a:t>
+            </a:r>
+            <a:endParaRPr lang="en-US" dirty="0"/>
           </a:p>
           <a:p>
             <a:endParaRPr lang="en-US" dirty="0"/>
           </a:p>
         </p:txBody>
       </p:sp>
-      <p:pic>
-        <p:nvPicPr>
-          <p:cNvPr id="4" name="Picture 3"/>
-          <p:cNvPicPr>
-            <a:picLocks noChangeAspect="1"/>
-          </p:cNvPicPr>
-          <p:nvPr/>
-        </p:nvPicPr>
-        <p:blipFill>
-          <a:blip r:embed="rId2">
-            <a:extLst>
-              <a:ext uri="{28A0092B-C50C-407E-A947-70E740481C1C}">
-                <a14:useLocalDpi xmlns:a14="http://schemas.microsoft.com/office/drawing/2010/main" val="0"/>
-              </a:ext>
-            </a:extLst>
-          </a:blip>
-          <a:stretch>
-            <a:fillRect/>
-          </a:stretch>
-        </p:blipFill>
-        <p:spPr>
-          <a:xfrm>
-            <a:off x="1801238" y="2898843"/>
-            <a:ext cx="3730557" cy="3730557"/>
-          </a:xfrm>
-          <a:prstGeom prst="rect">
-            <a:avLst/>
-          </a:prstGeom>
-        </p:spPr>
-      </p:pic>
-      <p:pic>
-        <p:nvPicPr>
-          <p:cNvPr id="5" name="Picture 4"/>
-          <p:cNvPicPr>
-            <a:picLocks noChangeAspect="1"/>
-          </p:cNvPicPr>
-          <p:nvPr/>
-        </p:nvPicPr>
-        <p:blipFill>
-          <a:blip r:embed="rId3">
-            <a:extLst>
-              <a:ext uri="{28A0092B-C50C-407E-A947-70E740481C1C}">
-                <a14:useLocalDpi xmlns:a14="http://schemas.microsoft.com/office/drawing/2010/main" val="0"/>
-              </a:ext>
-            </a:extLst>
-          </a:blip>
-          <a:stretch>
-            <a:fillRect/>
-          </a:stretch>
-        </p:blipFill>
-        <p:spPr>
-          <a:xfrm>
-            <a:off x="6494834" y="2896411"/>
-            <a:ext cx="3657600" cy="3657600"/>
-          </a:xfrm>
-          <a:prstGeom prst="rect">
-            <a:avLst/>
-          </a:prstGeom>
-        </p:spPr>
-      </p:pic>
     </p:spTree>
     <p:extLst>
       <p:ext uri="{BB962C8B-B14F-4D97-AF65-F5344CB8AC3E}">
@@ -13064,7 +13033,7 @@
           <p:cNvPr id="2" name="Title 1">
             <a:extLst>
               <a:ext uri="{FF2B5EF4-FFF2-40B4-BE49-F238E27FC236}">
-                <a16:creationId xmlns:a16="http://schemas.microsoft.com/office/drawing/2014/main" id="{F2BA0188-53B3-4D0B-BFA2-D97322C19DC2}"/>
+                <a16:creationId xmlns:a16="http://schemas.microsoft.com/office/drawing/2014/main" xmlns="" id="{F2BA0188-53B3-4D0B-BFA2-D97322C19DC2}"/>
               </a:ext>
             </a:extLst>
           </p:cNvPr>
@@ -13093,7 +13062,7 @@
           <p:cNvPr id="3" name="Content Placeholder 2">
             <a:extLst>
               <a:ext uri="{FF2B5EF4-FFF2-40B4-BE49-F238E27FC236}">
-                <a16:creationId xmlns:a16="http://schemas.microsoft.com/office/drawing/2014/main" id="{262D00B4-C15B-447A-9CEE-B8D24F15D579}"/>
+                <a16:creationId xmlns:a16="http://schemas.microsoft.com/office/drawing/2014/main" xmlns="" id="{262D00B4-C15B-447A-9CEE-B8D24F15D579}"/>
               </a:ext>
             </a:extLst>
           </p:cNvPr>

--- a/reports/18_03_13 Presentation.pptx
+++ b/reports/18_03_13 Presentation.pptx
@@ -255,7 +255,7 @@
           <a:p>
             <a:fld id="{8B887784-E512-F943-98E0-5497CC7B1195}" type="datetimeFigureOut">
               <a:rPr lang="en-US" smtClean="0"/>
-              <a:t>3/13/18</a:t>
+              <a:t>3/21/18</a:t>
             </a:fld>
             <a:endParaRPr lang="en-US"/>
           </a:p>
@@ -423,7 +423,7 @@
           <a:p>
             <a:fld id="{8B887784-E512-F943-98E0-5497CC7B1195}" type="datetimeFigureOut">
               <a:rPr lang="en-US" smtClean="0"/>
-              <a:t>3/13/18</a:t>
+              <a:t>3/21/18</a:t>
             </a:fld>
             <a:endParaRPr lang="en-US"/>
           </a:p>
@@ -601,7 +601,7 @@
           <a:p>
             <a:fld id="{8B887784-E512-F943-98E0-5497CC7B1195}" type="datetimeFigureOut">
               <a:rPr lang="en-US" smtClean="0"/>
-              <a:t>3/13/18</a:t>
+              <a:t>3/21/18</a:t>
             </a:fld>
             <a:endParaRPr lang="en-US"/>
           </a:p>
@@ -769,7 +769,7 @@
           <a:p>
             <a:fld id="{8B887784-E512-F943-98E0-5497CC7B1195}" type="datetimeFigureOut">
               <a:rPr lang="en-US" smtClean="0"/>
-              <a:t>3/13/18</a:t>
+              <a:t>3/21/18</a:t>
             </a:fld>
             <a:endParaRPr lang="en-US"/>
           </a:p>
@@ -1014,7 +1014,7 @@
           <a:p>
             <a:fld id="{8B887784-E512-F943-98E0-5497CC7B1195}" type="datetimeFigureOut">
               <a:rPr lang="en-US" smtClean="0"/>
-              <a:t>3/13/18</a:t>
+              <a:t>3/21/18</a:t>
             </a:fld>
             <a:endParaRPr lang="en-US"/>
           </a:p>
@@ -1243,7 +1243,7 @@
           <a:p>
             <a:fld id="{8B887784-E512-F943-98E0-5497CC7B1195}" type="datetimeFigureOut">
               <a:rPr lang="en-US" smtClean="0"/>
-              <a:t>3/13/18</a:t>
+              <a:t>3/21/18</a:t>
             </a:fld>
             <a:endParaRPr lang="en-US"/>
           </a:p>
@@ -1607,7 +1607,7 @@
           <a:p>
             <a:fld id="{8B887784-E512-F943-98E0-5497CC7B1195}" type="datetimeFigureOut">
               <a:rPr lang="en-US" smtClean="0"/>
-              <a:t>3/13/18</a:t>
+              <a:t>3/21/18</a:t>
             </a:fld>
             <a:endParaRPr lang="en-US"/>
           </a:p>
@@ -1724,7 +1724,7 @@
           <a:p>
             <a:fld id="{8B887784-E512-F943-98E0-5497CC7B1195}" type="datetimeFigureOut">
               <a:rPr lang="en-US" smtClean="0"/>
-              <a:t>3/13/18</a:t>
+              <a:t>3/21/18</a:t>
             </a:fld>
             <a:endParaRPr lang="en-US"/>
           </a:p>
@@ -1819,7 +1819,7 @@
           <a:p>
             <a:fld id="{8B887784-E512-F943-98E0-5497CC7B1195}" type="datetimeFigureOut">
               <a:rPr lang="en-US" smtClean="0"/>
-              <a:t>3/13/18</a:t>
+              <a:t>3/21/18</a:t>
             </a:fld>
             <a:endParaRPr lang="en-US"/>
           </a:p>
@@ -2094,7 +2094,7 @@
           <a:p>
             <a:fld id="{8B887784-E512-F943-98E0-5497CC7B1195}" type="datetimeFigureOut">
               <a:rPr lang="en-US" smtClean="0"/>
-              <a:t>3/13/18</a:t>
+              <a:t>3/21/18</a:t>
             </a:fld>
             <a:endParaRPr lang="en-US"/>
           </a:p>
@@ -2346,7 +2346,7 @@
           <a:p>
             <a:fld id="{8B887784-E512-F943-98E0-5497CC7B1195}" type="datetimeFigureOut">
               <a:rPr lang="en-US" smtClean="0"/>
-              <a:t>3/13/18</a:t>
+              <a:t>3/21/18</a:t>
             </a:fld>
             <a:endParaRPr lang="en-US"/>
           </a:p>
@@ -2557,7 +2557,7 @@
           <a:p>
             <a:fld id="{8B887784-E512-F943-98E0-5497CC7B1195}" type="datetimeFigureOut">
               <a:rPr lang="en-US" smtClean="0"/>
-              <a:t>3/13/18</a:t>
+              <a:t>3/21/18</a:t>
             </a:fld>
             <a:endParaRPr lang="en-US"/>
           </a:p>
@@ -3056,7 +3056,7 @@
           <p:cNvPr id="2" name="Title 1">
             <a:extLst>
               <a:ext uri="{FF2B5EF4-FFF2-40B4-BE49-F238E27FC236}">
-                <a16:creationId xmlns:a16="http://schemas.microsoft.com/office/drawing/2014/main" xmlns="" id="{C1125D7B-F02A-445F-B8C7-34C547A14A7A}"/>
+                <a16:creationId xmlns="" xmlns:a16="http://schemas.microsoft.com/office/drawing/2014/main" id="{C1125D7B-F02A-445F-B8C7-34C547A14A7A}"/>
               </a:ext>
             </a:extLst>
           </p:cNvPr>
@@ -3085,7 +3085,7 @@
           <p:cNvPr id="4" name="Table 3">
             <a:extLst>
               <a:ext uri="{FF2B5EF4-FFF2-40B4-BE49-F238E27FC236}">
-                <a16:creationId xmlns:a16="http://schemas.microsoft.com/office/drawing/2014/main" xmlns="" id="{B971FF46-278A-4EFD-85A0-9E515C7A2BDC}"/>
+                <a16:creationId xmlns="" xmlns:a16="http://schemas.microsoft.com/office/drawing/2014/main" id="{B971FF46-278A-4EFD-85A0-9E515C7A2BDC}"/>
               </a:ext>
             </a:extLst>
           </p:cNvPr>
@@ -3114,14 +3114,14 @@
                 <a:gridCol w="3698301">
                   <a:extLst>
                     <a:ext uri="{9D8B030D-6E8A-4147-A177-3AD203B41FA5}">
-                      <a16:colId xmlns:a16="http://schemas.microsoft.com/office/drawing/2014/main" xmlns="" val="3828946005"/>
+                      <a16:colId xmlns="" xmlns:a16="http://schemas.microsoft.com/office/drawing/2014/main" val="3828946005"/>
                     </a:ext>
                   </a:extLst>
                 </a:gridCol>
                 <a:gridCol w="1338943">
                   <a:extLst>
                     <a:ext uri="{9D8B030D-6E8A-4147-A177-3AD203B41FA5}">
-                      <a16:colId xmlns:a16="http://schemas.microsoft.com/office/drawing/2014/main" xmlns="" val="3116620885"/>
+                      <a16:colId xmlns="" xmlns:a16="http://schemas.microsoft.com/office/drawing/2014/main" val="3116620885"/>
                     </a:ext>
                   </a:extLst>
                 </a:gridCol>
@@ -3169,7 +3169,7 @@
                 </a:tc>
                 <a:extLst>
                   <a:ext uri="{0D108BD9-81ED-4DB2-BD59-A6C34878D82A}">
-                    <a16:rowId xmlns:a16="http://schemas.microsoft.com/office/drawing/2014/main" xmlns="" val="2750690894"/>
+                    <a16:rowId xmlns="" xmlns:a16="http://schemas.microsoft.com/office/drawing/2014/main" val="2750690894"/>
                   </a:ext>
                 </a:extLst>
               </a:tr>
@@ -3222,7 +3222,7 @@
                 </a:tc>
                 <a:extLst>
                   <a:ext uri="{0D108BD9-81ED-4DB2-BD59-A6C34878D82A}">
-                    <a16:rowId xmlns:a16="http://schemas.microsoft.com/office/drawing/2014/main" xmlns="" val="621517536"/>
+                    <a16:rowId xmlns="" xmlns:a16="http://schemas.microsoft.com/office/drawing/2014/main" val="621517536"/>
                   </a:ext>
                 </a:extLst>
               </a:tr>
@@ -3296,7 +3296,7 @@
                 </a:tc>
                 <a:extLst>
                   <a:ext uri="{0D108BD9-81ED-4DB2-BD59-A6C34878D82A}">
-                    <a16:rowId xmlns:a16="http://schemas.microsoft.com/office/drawing/2014/main" xmlns="" val="196882050"/>
+                    <a16:rowId xmlns="" xmlns:a16="http://schemas.microsoft.com/office/drawing/2014/main" val="196882050"/>
                   </a:ext>
                 </a:extLst>
               </a:tr>
@@ -3370,7 +3370,7 @@
                 </a:tc>
                 <a:extLst>
                   <a:ext uri="{0D108BD9-81ED-4DB2-BD59-A6C34878D82A}">
-                    <a16:rowId xmlns:a16="http://schemas.microsoft.com/office/drawing/2014/main" xmlns="" val="1570215453"/>
+                    <a16:rowId xmlns="" xmlns:a16="http://schemas.microsoft.com/office/drawing/2014/main" val="1570215453"/>
                   </a:ext>
                 </a:extLst>
               </a:tr>
@@ -3444,7 +3444,7 @@
                 </a:tc>
                 <a:extLst>
                   <a:ext uri="{0D108BD9-81ED-4DB2-BD59-A6C34878D82A}">
-                    <a16:rowId xmlns:a16="http://schemas.microsoft.com/office/drawing/2014/main" xmlns="" val="2067295398"/>
+                    <a16:rowId xmlns="" xmlns:a16="http://schemas.microsoft.com/office/drawing/2014/main" val="2067295398"/>
                   </a:ext>
                 </a:extLst>
               </a:tr>
@@ -3518,7 +3518,7 @@
                 </a:tc>
                 <a:extLst>
                   <a:ext uri="{0D108BD9-81ED-4DB2-BD59-A6C34878D82A}">
-                    <a16:rowId xmlns:a16="http://schemas.microsoft.com/office/drawing/2014/main" xmlns="" val="498738980"/>
+                    <a16:rowId xmlns="" xmlns:a16="http://schemas.microsoft.com/office/drawing/2014/main" val="498738980"/>
                   </a:ext>
                 </a:extLst>
               </a:tr>
@@ -3585,7 +3585,7 @@
                 </a:tc>
                 <a:extLst>
                   <a:ext uri="{0D108BD9-81ED-4DB2-BD59-A6C34878D82A}">
-                    <a16:rowId xmlns:a16="http://schemas.microsoft.com/office/drawing/2014/main" xmlns="" val="2702805797"/>
+                    <a16:rowId xmlns="" xmlns:a16="http://schemas.microsoft.com/office/drawing/2014/main" val="2702805797"/>
                   </a:ext>
                 </a:extLst>
               </a:tr>
@@ -3652,7 +3652,7 @@
                 </a:tc>
                 <a:extLst>
                   <a:ext uri="{0D108BD9-81ED-4DB2-BD59-A6C34878D82A}">
-                    <a16:rowId xmlns:a16="http://schemas.microsoft.com/office/drawing/2014/main" xmlns="" val="1306237140"/>
+                    <a16:rowId xmlns="" xmlns:a16="http://schemas.microsoft.com/office/drawing/2014/main" val="1306237140"/>
                   </a:ext>
                 </a:extLst>
               </a:tr>
@@ -3726,7 +3726,7 @@
                 </a:tc>
                 <a:extLst>
                   <a:ext uri="{0D108BD9-81ED-4DB2-BD59-A6C34878D82A}">
-                    <a16:rowId xmlns:a16="http://schemas.microsoft.com/office/drawing/2014/main" xmlns="" val="77369290"/>
+                    <a16:rowId xmlns="" xmlns:a16="http://schemas.microsoft.com/office/drawing/2014/main" val="77369290"/>
                   </a:ext>
                 </a:extLst>
               </a:tr>
@@ -3793,7 +3793,7 @@
                 </a:tc>
                 <a:extLst>
                   <a:ext uri="{0D108BD9-81ED-4DB2-BD59-A6C34878D82A}">
-                    <a16:rowId xmlns:a16="http://schemas.microsoft.com/office/drawing/2014/main" xmlns="" val="3496620231"/>
+                    <a16:rowId xmlns="" xmlns:a16="http://schemas.microsoft.com/office/drawing/2014/main" val="3496620231"/>
                   </a:ext>
                 </a:extLst>
               </a:tr>
@@ -3867,7 +3867,7 @@
                 </a:tc>
                 <a:extLst>
                   <a:ext uri="{0D108BD9-81ED-4DB2-BD59-A6C34878D82A}">
-                    <a16:rowId xmlns:a16="http://schemas.microsoft.com/office/drawing/2014/main" xmlns="" val="1593761885"/>
+                    <a16:rowId xmlns="" xmlns:a16="http://schemas.microsoft.com/office/drawing/2014/main" val="1593761885"/>
                   </a:ext>
                 </a:extLst>
               </a:tr>
@@ -3941,7 +3941,7 @@
                 </a:tc>
                 <a:extLst>
                   <a:ext uri="{0D108BD9-81ED-4DB2-BD59-A6C34878D82A}">
-                    <a16:rowId xmlns:a16="http://schemas.microsoft.com/office/drawing/2014/main" xmlns="" val="3551024362"/>
+                    <a16:rowId xmlns="" xmlns:a16="http://schemas.microsoft.com/office/drawing/2014/main" val="3551024362"/>
                   </a:ext>
                 </a:extLst>
               </a:tr>
@@ -3954,7 +3954,7 @@
           <p:cNvPr id="6" name="Table 5">
             <a:extLst>
               <a:ext uri="{FF2B5EF4-FFF2-40B4-BE49-F238E27FC236}">
-                <a16:creationId xmlns:a16="http://schemas.microsoft.com/office/drawing/2014/main" xmlns="" id="{8ED281BD-3869-486F-B89B-6F378D7FF205}"/>
+                <a16:creationId xmlns="" xmlns:a16="http://schemas.microsoft.com/office/drawing/2014/main" id="{8ED281BD-3869-486F-B89B-6F378D7FF205}"/>
               </a:ext>
             </a:extLst>
           </p:cNvPr>
@@ -3983,14 +3983,14 @@
                 <a:gridCol w="3698301">
                   <a:extLst>
                     <a:ext uri="{9D8B030D-6E8A-4147-A177-3AD203B41FA5}">
-                      <a16:colId xmlns:a16="http://schemas.microsoft.com/office/drawing/2014/main" xmlns="" val="3828946005"/>
+                      <a16:colId xmlns="" xmlns:a16="http://schemas.microsoft.com/office/drawing/2014/main" val="3828946005"/>
                     </a:ext>
                   </a:extLst>
                 </a:gridCol>
                 <a:gridCol w="1338943">
                   <a:extLst>
                     <a:ext uri="{9D8B030D-6E8A-4147-A177-3AD203B41FA5}">
-                      <a16:colId xmlns:a16="http://schemas.microsoft.com/office/drawing/2014/main" xmlns="" val="3116620885"/>
+                      <a16:colId xmlns="" xmlns:a16="http://schemas.microsoft.com/office/drawing/2014/main" val="3116620885"/>
                     </a:ext>
                   </a:extLst>
                 </a:gridCol>
@@ -4035,7 +4035,7 @@
                 </a:tc>
                 <a:extLst>
                   <a:ext uri="{0D108BD9-81ED-4DB2-BD59-A6C34878D82A}">
-                    <a16:rowId xmlns:a16="http://schemas.microsoft.com/office/drawing/2014/main" xmlns="" val="2750690894"/>
+                    <a16:rowId xmlns="" xmlns:a16="http://schemas.microsoft.com/office/drawing/2014/main" val="2750690894"/>
                   </a:ext>
                 </a:extLst>
               </a:tr>
@@ -4088,7 +4088,7 @@
                 </a:tc>
                 <a:extLst>
                   <a:ext uri="{0D108BD9-81ED-4DB2-BD59-A6C34878D82A}">
-                    <a16:rowId xmlns:a16="http://schemas.microsoft.com/office/drawing/2014/main" xmlns="" val="621517536"/>
+                    <a16:rowId xmlns="" xmlns:a16="http://schemas.microsoft.com/office/drawing/2014/main" val="621517536"/>
                   </a:ext>
                 </a:extLst>
               </a:tr>
@@ -4155,7 +4155,7 @@
                 </a:tc>
                 <a:extLst>
                   <a:ext uri="{0D108BD9-81ED-4DB2-BD59-A6C34878D82A}">
-                    <a16:rowId xmlns:a16="http://schemas.microsoft.com/office/drawing/2014/main" xmlns="" val="196882050"/>
+                    <a16:rowId xmlns="" xmlns:a16="http://schemas.microsoft.com/office/drawing/2014/main" val="196882050"/>
                   </a:ext>
                 </a:extLst>
               </a:tr>
@@ -4222,7 +4222,7 @@
                 </a:tc>
                 <a:extLst>
                   <a:ext uri="{0D108BD9-81ED-4DB2-BD59-A6C34878D82A}">
-                    <a16:rowId xmlns:a16="http://schemas.microsoft.com/office/drawing/2014/main" xmlns="" val="1570215453"/>
+                    <a16:rowId xmlns="" xmlns:a16="http://schemas.microsoft.com/office/drawing/2014/main" val="1570215453"/>
                   </a:ext>
                 </a:extLst>
               </a:tr>
@@ -4296,7 +4296,7 @@
                 </a:tc>
                 <a:extLst>
                   <a:ext uri="{0D108BD9-81ED-4DB2-BD59-A6C34878D82A}">
-                    <a16:rowId xmlns:a16="http://schemas.microsoft.com/office/drawing/2014/main" xmlns="" val="2067295398"/>
+                    <a16:rowId xmlns="" xmlns:a16="http://schemas.microsoft.com/office/drawing/2014/main" val="2067295398"/>
                   </a:ext>
                 </a:extLst>
               </a:tr>
@@ -4370,7 +4370,7 @@
                 </a:tc>
                 <a:extLst>
                   <a:ext uri="{0D108BD9-81ED-4DB2-BD59-A6C34878D82A}">
-                    <a16:rowId xmlns:a16="http://schemas.microsoft.com/office/drawing/2014/main" xmlns="" val="498738980"/>
+                    <a16:rowId xmlns="" xmlns:a16="http://schemas.microsoft.com/office/drawing/2014/main" val="498738980"/>
                   </a:ext>
                 </a:extLst>
               </a:tr>
@@ -4444,7 +4444,7 @@
                 </a:tc>
                 <a:extLst>
                   <a:ext uri="{0D108BD9-81ED-4DB2-BD59-A6C34878D82A}">
-                    <a16:rowId xmlns:a16="http://schemas.microsoft.com/office/drawing/2014/main" xmlns="" val="2702805797"/>
+                    <a16:rowId xmlns="" xmlns:a16="http://schemas.microsoft.com/office/drawing/2014/main" val="2702805797"/>
                   </a:ext>
                 </a:extLst>
               </a:tr>
@@ -4518,7 +4518,7 @@
                 </a:tc>
                 <a:extLst>
                   <a:ext uri="{0D108BD9-81ED-4DB2-BD59-A6C34878D82A}">
-                    <a16:rowId xmlns:a16="http://schemas.microsoft.com/office/drawing/2014/main" xmlns="" val="1306237140"/>
+                    <a16:rowId xmlns="" xmlns:a16="http://schemas.microsoft.com/office/drawing/2014/main" val="1306237140"/>
                   </a:ext>
                 </a:extLst>
               </a:tr>
@@ -4592,7 +4592,7 @@
                 </a:tc>
                 <a:extLst>
                   <a:ext uri="{0D108BD9-81ED-4DB2-BD59-A6C34878D82A}">
-                    <a16:rowId xmlns:a16="http://schemas.microsoft.com/office/drawing/2014/main" xmlns="" val="77369290"/>
+                    <a16:rowId xmlns="" xmlns:a16="http://schemas.microsoft.com/office/drawing/2014/main" val="77369290"/>
                   </a:ext>
                 </a:extLst>
               </a:tr>
@@ -4666,7 +4666,7 @@
                 </a:tc>
                 <a:extLst>
                   <a:ext uri="{0D108BD9-81ED-4DB2-BD59-A6C34878D82A}">
-                    <a16:rowId xmlns:a16="http://schemas.microsoft.com/office/drawing/2014/main" xmlns="" val="3496620231"/>
+                    <a16:rowId xmlns="" xmlns:a16="http://schemas.microsoft.com/office/drawing/2014/main" val="3496620231"/>
                   </a:ext>
                 </a:extLst>
               </a:tr>
@@ -4740,7 +4740,7 @@
                 </a:tc>
                 <a:extLst>
                   <a:ext uri="{0D108BD9-81ED-4DB2-BD59-A6C34878D82A}">
-                    <a16:rowId xmlns:a16="http://schemas.microsoft.com/office/drawing/2014/main" xmlns="" val="1593761885"/>
+                    <a16:rowId xmlns="" xmlns:a16="http://schemas.microsoft.com/office/drawing/2014/main" val="1593761885"/>
                   </a:ext>
                 </a:extLst>
               </a:tr>
@@ -4807,7 +4807,7 @@
                 </a:tc>
                 <a:extLst>
                   <a:ext uri="{0D108BD9-81ED-4DB2-BD59-A6C34878D82A}">
-                    <a16:rowId xmlns:a16="http://schemas.microsoft.com/office/drawing/2014/main" xmlns="" val="3551024362"/>
+                    <a16:rowId xmlns="" xmlns:a16="http://schemas.microsoft.com/office/drawing/2014/main" val="3551024362"/>
                   </a:ext>
                 </a:extLst>
               </a:tr>
@@ -4850,7 +4850,7 @@
           <p:cNvPr id="2" name="Title 1">
             <a:extLst>
               <a:ext uri="{FF2B5EF4-FFF2-40B4-BE49-F238E27FC236}">
-                <a16:creationId xmlns:a16="http://schemas.microsoft.com/office/drawing/2014/main" xmlns="" id="{987F51D3-538B-4293-B504-421274B24C00}"/>
+                <a16:creationId xmlns="" xmlns:a16="http://schemas.microsoft.com/office/drawing/2014/main" id="{987F51D3-538B-4293-B504-421274B24C00}"/>
               </a:ext>
             </a:extLst>
           </p:cNvPr>
@@ -4879,7 +4879,7 @@
           <p:cNvPr id="9" name="TextBox 8">
             <a:extLst>
               <a:ext uri="{FF2B5EF4-FFF2-40B4-BE49-F238E27FC236}">
-                <a16:creationId xmlns:a16="http://schemas.microsoft.com/office/drawing/2014/main" xmlns="" id="{E17C9DD2-5731-48A3-ADE4-2D8C45483EC0}"/>
+                <a16:creationId xmlns="" xmlns:a16="http://schemas.microsoft.com/office/drawing/2014/main" id="{E17C9DD2-5731-48A3-ADE4-2D8C45483EC0}"/>
               </a:ext>
             </a:extLst>
           </p:cNvPr>
@@ -5015,7 +5015,7 @@
           <p:cNvPr id="2" name="Title 1">
             <a:extLst>
               <a:ext uri="{FF2B5EF4-FFF2-40B4-BE49-F238E27FC236}">
-                <a16:creationId xmlns:a16="http://schemas.microsoft.com/office/drawing/2014/main" xmlns="" id="{987F51D3-538B-4293-B504-421274B24C00}"/>
+                <a16:creationId xmlns="" xmlns:a16="http://schemas.microsoft.com/office/drawing/2014/main" id="{987F51D3-538B-4293-B504-421274B24C00}"/>
               </a:ext>
             </a:extLst>
           </p:cNvPr>
@@ -5052,7 +5052,7 @@
           <p:cNvPr id="9" name="TextBox 8">
             <a:extLst>
               <a:ext uri="{FF2B5EF4-FFF2-40B4-BE49-F238E27FC236}">
-                <a16:creationId xmlns:a16="http://schemas.microsoft.com/office/drawing/2014/main" xmlns="" id="{E17C9DD2-5731-48A3-ADE4-2D8C45483EC0}"/>
+                <a16:creationId xmlns="" xmlns:a16="http://schemas.microsoft.com/office/drawing/2014/main" id="{E17C9DD2-5731-48A3-ADE4-2D8C45483EC0}"/>
               </a:ext>
             </a:extLst>
           </p:cNvPr>
@@ -5252,7 +5252,7 @@
           <p:cNvPr id="2" name="Title 1">
             <a:extLst>
               <a:ext uri="{FF2B5EF4-FFF2-40B4-BE49-F238E27FC236}">
-                <a16:creationId xmlns:a16="http://schemas.microsoft.com/office/drawing/2014/main" xmlns="" id="{9065F088-31B2-4143-A23D-141139DB3894}"/>
+                <a16:creationId xmlns="" xmlns:a16="http://schemas.microsoft.com/office/drawing/2014/main" id="{9065F088-31B2-4143-A23D-141139DB3894}"/>
               </a:ext>
             </a:extLst>
           </p:cNvPr>
@@ -5281,7 +5281,7 @@
           <p:cNvPr id="8" name="TextBox 7">
             <a:extLst>
               <a:ext uri="{FF2B5EF4-FFF2-40B4-BE49-F238E27FC236}">
-                <a16:creationId xmlns:a16="http://schemas.microsoft.com/office/drawing/2014/main" xmlns="" id="{C938AFA7-DA26-4CF7-9C37-DD86FFCEE2D9}"/>
+                <a16:creationId xmlns="" xmlns:a16="http://schemas.microsoft.com/office/drawing/2014/main" id="{C938AFA7-DA26-4CF7-9C37-DD86FFCEE2D9}"/>
               </a:ext>
             </a:extLst>
           </p:cNvPr>
@@ -5347,7 +5347,7 @@
           <p:cNvPr id="5" name="Content Placeholder 4">
             <a:extLst>
               <a:ext uri="{FF2B5EF4-FFF2-40B4-BE49-F238E27FC236}">
-                <a16:creationId xmlns:a16="http://schemas.microsoft.com/office/drawing/2014/main" xmlns="" id="{73521416-4B4D-4742-BA86-1954AADB18EF}"/>
+                <a16:creationId xmlns="" xmlns:a16="http://schemas.microsoft.com/office/drawing/2014/main" id="{73521416-4B4D-4742-BA86-1954AADB18EF}"/>
               </a:ext>
             </a:extLst>
           </p:cNvPr>
@@ -5377,28 +5377,28 @@
                 <a:gridCol w="1555602">
                   <a:extLst>
                     <a:ext uri="{9D8B030D-6E8A-4147-A177-3AD203B41FA5}">
-                      <a16:colId xmlns:a16="http://schemas.microsoft.com/office/drawing/2014/main" xmlns="" val="3478917767"/>
+                      <a16:colId xmlns="" xmlns:a16="http://schemas.microsoft.com/office/drawing/2014/main" val="3478917767"/>
                     </a:ext>
                   </a:extLst>
                 </a:gridCol>
                 <a:gridCol w="1555602">
                   <a:extLst>
                     <a:ext uri="{9D8B030D-6E8A-4147-A177-3AD203B41FA5}">
-                      <a16:colId xmlns:a16="http://schemas.microsoft.com/office/drawing/2014/main" xmlns="" val="2939297383"/>
+                      <a16:colId xmlns="" xmlns:a16="http://schemas.microsoft.com/office/drawing/2014/main" val="2939297383"/>
                     </a:ext>
                   </a:extLst>
                 </a:gridCol>
                 <a:gridCol w="840605">
                   <a:extLst>
                     <a:ext uri="{9D8B030D-6E8A-4147-A177-3AD203B41FA5}">
-                      <a16:colId xmlns:a16="http://schemas.microsoft.com/office/drawing/2014/main" xmlns="" val="2486717004"/>
+                      <a16:colId xmlns="" xmlns:a16="http://schemas.microsoft.com/office/drawing/2014/main" val="2486717004"/>
                     </a:ext>
                   </a:extLst>
                 </a:gridCol>
                 <a:gridCol w="1033847">
                   <a:extLst>
                     <a:ext uri="{9D8B030D-6E8A-4147-A177-3AD203B41FA5}">
-                      <a16:colId xmlns:a16="http://schemas.microsoft.com/office/drawing/2014/main" xmlns="" val="706046472"/>
+                      <a16:colId xmlns="" xmlns:a16="http://schemas.microsoft.com/office/drawing/2014/main" val="706046472"/>
                     </a:ext>
                   </a:extLst>
                 </a:gridCol>
@@ -5481,7 +5481,7 @@
                 </a:tc>
                 <a:extLst>
                   <a:ext uri="{0D108BD9-81ED-4DB2-BD59-A6C34878D82A}">
-                    <a16:rowId xmlns:a16="http://schemas.microsoft.com/office/drawing/2014/main" xmlns="" val="1550085656"/>
+                    <a16:rowId xmlns="" xmlns:a16="http://schemas.microsoft.com/office/drawing/2014/main" val="1550085656"/>
                   </a:ext>
                 </a:extLst>
               </a:tr>
@@ -5563,7 +5563,7 @@
                 </a:tc>
                 <a:extLst>
                   <a:ext uri="{0D108BD9-81ED-4DB2-BD59-A6C34878D82A}">
-                    <a16:rowId xmlns:a16="http://schemas.microsoft.com/office/drawing/2014/main" xmlns="" val="3665824223"/>
+                    <a16:rowId xmlns="" xmlns:a16="http://schemas.microsoft.com/office/drawing/2014/main" val="3665824223"/>
                   </a:ext>
                 </a:extLst>
               </a:tr>
@@ -5674,7 +5674,7 @@
                 </a:tc>
                 <a:extLst>
                   <a:ext uri="{0D108BD9-81ED-4DB2-BD59-A6C34878D82A}">
-                    <a16:rowId xmlns:a16="http://schemas.microsoft.com/office/drawing/2014/main" xmlns="" val="4095835183"/>
+                    <a16:rowId xmlns="" xmlns:a16="http://schemas.microsoft.com/office/drawing/2014/main" val="4095835183"/>
                   </a:ext>
                 </a:extLst>
               </a:tr>
@@ -5771,7 +5771,7 @@
                 </a:tc>
                 <a:extLst>
                   <a:ext uri="{0D108BD9-81ED-4DB2-BD59-A6C34878D82A}">
-                    <a16:rowId xmlns:a16="http://schemas.microsoft.com/office/drawing/2014/main" xmlns="" val="2388995701"/>
+                    <a16:rowId xmlns="" xmlns:a16="http://schemas.microsoft.com/office/drawing/2014/main" val="2388995701"/>
                   </a:ext>
                 </a:extLst>
               </a:tr>
@@ -5868,7 +5868,7 @@
                 </a:tc>
                 <a:extLst>
                   <a:ext uri="{0D108BD9-81ED-4DB2-BD59-A6C34878D82A}">
-                    <a16:rowId xmlns:a16="http://schemas.microsoft.com/office/drawing/2014/main" xmlns="" val="1549553246"/>
+                    <a16:rowId xmlns="" xmlns:a16="http://schemas.microsoft.com/office/drawing/2014/main" val="1549553246"/>
                   </a:ext>
                 </a:extLst>
               </a:tr>
@@ -5975,7 +5975,7 @@
                 </a:tc>
                 <a:extLst>
                   <a:ext uri="{0D108BD9-81ED-4DB2-BD59-A6C34878D82A}">
-                    <a16:rowId xmlns:a16="http://schemas.microsoft.com/office/drawing/2014/main" xmlns="" val="2325486976"/>
+                    <a16:rowId xmlns="" xmlns:a16="http://schemas.microsoft.com/office/drawing/2014/main" val="2325486976"/>
                   </a:ext>
                 </a:extLst>
               </a:tr>
@@ -6088,7 +6088,7 @@
                 </a:tc>
                 <a:extLst>
                   <a:ext uri="{0D108BD9-81ED-4DB2-BD59-A6C34878D82A}">
-                    <a16:rowId xmlns:a16="http://schemas.microsoft.com/office/drawing/2014/main" xmlns="" val="108756169"/>
+                    <a16:rowId xmlns="" xmlns:a16="http://schemas.microsoft.com/office/drawing/2014/main" val="108756169"/>
                   </a:ext>
                 </a:extLst>
               </a:tr>
@@ -6225,7 +6225,7 @@
                 </a:tc>
                 <a:extLst>
                   <a:ext uri="{0D108BD9-81ED-4DB2-BD59-A6C34878D82A}">
-                    <a16:rowId xmlns:a16="http://schemas.microsoft.com/office/drawing/2014/main" xmlns="" val="868174123"/>
+                    <a16:rowId xmlns="" xmlns:a16="http://schemas.microsoft.com/office/drawing/2014/main" val="868174123"/>
                   </a:ext>
                 </a:extLst>
               </a:tr>
@@ -6322,7 +6322,7 @@
                 </a:tc>
                 <a:extLst>
                   <a:ext uri="{0D108BD9-81ED-4DB2-BD59-A6C34878D82A}">
-                    <a16:rowId xmlns:a16="http://schemas.microsoft.com/office/drawing/2014/main" xmlns="" val="1773180674"/>
+                    <a16:rowId xmlns="" xmlns:a16="http://schemas.microsoft.com/office/drawing/2014/main" val="1773180674"/>
                   </a:ext>
                 </a:extLst>
               </a:tr>
@@ -6419,7 +6419,7 @@
                 </a:tc>
                 <a:extLst>
                   <a:ext uri="{0D108BD9-81ED-4DB2-BD59-A6C34878D82A}">
-                    <a16:rowId xmlns:a16="http://schemas.microsoft.com/office/drawing/2014/main" xmlns="" val="324761190"/>
+                    <a16:rowId xmlns="" xmlns:a16="http://schemas.microsoft.com/office/drawing/2014/main" val="324761190"/>
                   </a:ext>
                 </a:extLst>
               </a:tr>
@@ -6526,7 +6526,7 @@
                 </a:tc>
                 <a:extLst>
                   <a:ext uri="{0D108BD9-81ED-4DB2-BD59-A6C34878D82A}">
-                    <a16:rowId xmlns:a16="http://schemas.microsoft.com/office/drawing/2014/main" xmlns="" val="1775108306"/>
+                    <a16:rowId xmlns="" xmlns:a16="http://schemas.microsoft.com/office/drawing/2014/main" val="1775108306"/>
                   </a:ext>
                 </a:extLst>
               </a:tr>
@@ -6639,7 +6639,7 @@
                 </a:tc>
                 <a:extLst>
                   <a:ext uri="{0D108BD9-81ED-4DB2-BD59-A6C34878D82A}">
-                    <a16:rowId xmlns:a16="http://schemas.microsoft.com/office/drawing/2014/main" xmlns="" val="2613320283"/>
+                    <a16:rowId xmlns="" xmlns:a16="http://schemas.microsoft.com/office/drawing/2014/main" val="2613320283"/>
                   </a:ext>
                 </a:extLst>
               </a:tr>
@@ -6682,7 +6682,7 @@
           <p:cNvPr id="2" name="Title 1">
             <a:extLst>
               <a:ext uri="{FF2B5EF4-FFF2-40B4-BE49-F238E27FC236}">
-                <a16:creationId xmlns:a16="http://schemas.microsoft.com/office/drawing/2014/main" xmlns="" id="{6DB497BC-6377-4BD4-A8A6-D232ABBA0506}"/>
+                <a16:creationId xmlns="" xmlns:a16="http://schemas.microsoft.com/office/drawing/2014/main" id="{6DB497BC-6377-4BD4-A8A6-D232ABBA0506}"/>
               </a:ext>
             </a:extLst>
           </p:cNvPr>
@@ -6711,7 +6711,7 @@
           <p:cNvPr id="5" name="Content Placeholder 6">
             <a:extLst>
               <a:ext uri="{FF2B5EF4-FFF2-40B4-BE49-F238E27FC236}">
-                <a16:creationId xmlns:a16="http://schemas.microsoft.com/office/drawing/2014/main" xmlns="" id="{DC4197B8-28FC-42A2-AD89-532EB3608797}"/>
+                <a16:creationId xmlns="" xmlns:a16="http://schemas.microsoft.com/office/drawing/2014/main" id="{DC4197B8-28FC-42A2-AD89-532EB3608797}"/>
               </a:ext>
             </a:extLst>
           </p:cNvPr>
@@ -6741,35 +6741,35 @@
                 <a:gridCol w="1878430">
                   <a:extLst>
                     <a:ext uri="{9D8B030D-6E8A-4147-A177-3AD203B41FA5}">
-                      <a16:colId xmlns:a16="http://schemas.microsoft.com/office/drawing/2014/main" xmlns="" val="20000"/>
+                      <a16:colId xmlns="" xmlns:a16="http://schemas.microsoft.com/office/drawing/2014/main" val="20000"/>
                     </a:ext>
                   </a:extLst>
                 </a:gridCol>
                 <a:gridCol w="4212205">
                   <a:extLst>
                     <a:ext uri="{9D8B030D-6E8A-4147-A177-3AD203B41FA5}">
-                      <a16:colId xmlns:a16="http://schemas.microsoft.com/office/drawing/2014/main" xmlns="" val="20001"/>
+                      <a16:colId xmlns="" xmlns:a16="http://schemas.microsoft.com/office/drawing/2014/main" val="20001"/>
                     </a:ext>
                   </a:extLst>
                 </a:gridCol>
                 <a:gridCol w="1165829">
                   <a:extLst>
                     <a:ext uri="{9D8B030D-6E8A-4147-A177-3AD203B41FA5}">
-                      <a16:colId xmlns:a16="http://schemas.microsoft.com/office/drawing/2014/main" xmlns="" val="20002"/>
+                      <a16:colId xmlns="" xmlns:a16="http://schemas.microsoft.com/office/drawing/2014/main" val="20002"/>
                     </a:ext>
                   </a:extLst>
                 </a:gridCol>
                 <a:gridCol w="1252326">
                   <a:extLst>
                     <a:ext uri="{9D8B030D-6E8A-4147-A177-3AD203B41FA5}">
-                      <a16:colId xmlns:a16="http://schemas.microsoft.com/office/drawing/2014/main" xmlns="" val="20003"/>
+                      <a16:colId xmlns="" xmlns:a16="http://schemas.microsoft.com/office/drawing/2014/main" val="20003"/>
                     </a:ext>
                   </a:extLst>
                 </a:gridCol>
                 <a:gridCol w="1252326">
                   <a:extLst>
                     <a:ext uri="{9D8B030D-6E8A-4147-A177-3AD203B41FA5}">
-                      <a16:colId xmlns:a16="http://schemas.microsoft.com/office/drawing/2014/main" xmlns="" val="20004"/>
+                      <a16:colId xmlns="" xmlns:a16="http://schemas.microsoft.com/office/drawing/2014/main" val="20004"/>
                     </a:ext>
                   </a:extLst>
                 </a:gridCol>
@@ -6886,7 +6886,7 @@
                 </a:tc>
                 <a:extLst>
                   <a:ext uri="{0D108BD9-81ED-4DB2-BD59-A6C34878D82A}">
-                    <a16:rowId xmlns:a16="http://schemas.microsoft.com/office/drawing/2014/main" xmlns="" val="10000"/>
+                    <a16:rowId xmlns="" xmlns:a16="http://schemas.microsoft.com/office/drawing/2014/main" val="10000"/>
                   </a:ext>
                 </a:extLst>
               </a:tr>
@@ -7006,7 +7006,7 @@
                 </a:tc>
                 <a:extLst>
                   <a:ext uri="{0D108BD9-81ED-4DB2-BD59-A6C34878D82A}">
-                    <a16:rowId xmlns:a16="http://schemas.microsoft.com/office/drawing/2014/main" xmlns="" val="10001"/>
+                    <a16:rowId xmlns="" xmlns:a16="http://schemas.microsoft.com/office/drawing/2014/main" val="10001"/>
                   </a:ext>
                 </a:extLst>
               </a:tr>
@@ -7113,7 +7113,7 @@
                 </a:tc>
                 <a:extLst>
                   <a:ext uri="{0D108BD9-81ED-4DB2-BD59-A6C34878D82A}">
-                    <a16:rowId xmlns:a16="http://schemas.microsoft.com/office/drawing/2014/main" xmlns="" val="10002"/>
+                    <a16:rowId xmlns="" xmlns:a16="http://schemas.microsoft.com/office/drawing/2014/main" val="10002"/>
                   </a:ext>
                 </a:extLst>
               </a:tr>
@@ -7210,7 +7210,7 @@
                 </a:tc>
                 <a:extLst>
                   <a:ext uri="{0D108BD9-81ED-4DB2-BD59-A6C34878D82A}">
-                    <a16:rowId xmlns:a16="http://schemas.microsoft.com/office/drawing/2014/main" xmlns="" val="10003"/>
+                    <a16:rowId xmlns="" xmlns:a16="http://schemas.microsoft.com/office/drawing/2014/main" val="10003"/>
                   </a:ext>
                 </a:extLst>
               </a:tr>
@@ -7307,7 +7307,7 @@
                 </a:tc>
                 <a:extLst>
                   <a:ext uri="{0D108BD9-81ED-4DB2-BD59-A6C34878D82A}">
-                    <a16:rowId xmlns:a16="http://schemas.microsoft.com/office/drawing/2014/main" xmlns="" val="10004"/>
+                    <a16:rowId xmlns="" xmlns:a16="http://schemas.microsoft.com/office/drawing/2014/main" val="10004"/>
                   </a:ext>
                 </a:extLst>
               </a:tr>
@@ -7404,7 +7404,7 @@
                 </a:tc>
                 <a:extLst>
                   <a:ext uri="{0D108BD9-81ED-4DB2-BD59-A6C34878D82A}">
-                    <a16:rowId xmlns:a16="http://schemas.microsoft.com/office/drawing/2014/main" xmlns="" val="10005"/>
+                    <a16:rowId xmlns="" xmlns:a16="http://schemas.microsoft.com/office/drawing/2014/main" val="10005"/>
                   </a:ext>
                 </a:extLst>
               </a:tr>
@@ -7514,7 +7514,7 @@
                 </a:tc>
                 <a:extLst>
                   <a:ext uri="{0D108BD9-81ED-4DB2-BD59-A6C34878D82A}">
-                    <a16:rowId xmlns:a16="http://schemas.microsoft.com/office/drawing/2014/main" xmlns="" val="10006"/>
+                    <a16:rowId xmlns="" xmlns:a16="http://schemas.microsoft.com/office/drawing/2014/main" val="10006"/>
                   </a:ext>
                 </a:extLst>
               </a:tr>
@@ -7628,7 +7628,7 @@
                 </a:tc>
                 <a:extLst>
                   <a:ext uri="{0D108BD9-81ED-4DB2-BD59-A6C34878D82A}">
-                    <a16:rowId xmlns:a16="http://schemas.microsoft.com/office/drawing/2014/main" xmlns="" val="10007"/>
+                    <a16:rowId xmlns="" xmlns:a16="http://schemas.microsoft.com/office/drawing/2014/main" val="10007"/>
                   </a:ext>
                 </a:extLst>
               </a:tr>
@@ -7742,7 +7742,7 @@
                 </a:tc>
                 <a:extLst>
                   <a:ext uri="{0D108BD9-81ED-4DB2-BD59-A6C34878D82A}">
-                    <a16:rowId xmlns:a16="http://schemas.microsoft.com/office/drawing/2014/main" xmlns="" val="10008"/>
+                    <a16:rowId xmlns="" xmlns:a16="http://schemas.microsoft.com/office/drawing/2014/main" val="10008"/>
                   </a:ext>
                 </a:extLst>
               </a:tr>
@@ -7856,7 +7856,7 @@
                 </a:tc>
                 <a:extLst>
                   <a:ext uri="{0D108BD9-81ED-4DB2-BD59-A6C34878D82A}">
-                    <a16:rowId xmlns:a16="http://schemas.microsoft.com/office/drawing/2014/main" xmlns="" val="10009"/>
+                    <a16:rowId xmlns="" xmlns:a16="http://schemas.microsoft.com/office/drawing/2014/main" val="10009"/>
                   </a:ext>
                 </a:extLst>
               </a:tr>
@@ -7970,7 +7970,7 @@
                 </a:tc>
                 <a:extLst>
                   <a:ext uri="{0D108BD9-81ED-4DB2-BD59-A6C34878D82A}">
-                    <a16:rowId xmlns:a16="http://schemas.microsoft.com/office/drawing/2014/main" xmlns="" val="10010"/>
+                    <a16:rowId xmlns="" xmlns:a16="http://schemas.microsoft.com/office/drawing/2014/main" val="10010"/>
                   </a:ext>
                 </a:extLst>
               </a:tr>
@@ -8013,7 +8013,7 @@
           <p:cNvPr id="2" name="Title 1">
             <a:extLst>
               <a:ext uri="{FF2B5EF4-FFF2-40B4-BE49-F238E27FC236}">
-                <a16:creationId xmlns:a16="http://schemas.microsoft.com/office/drawing/2014/main" xmlns="" id="{7703A585-CB34-4847-AABD-D8BF1C39D16B}"/>
+                <a16:creationId xmlns="" xmlns:a16="http://schemas.microsoft.com/office/drawing/2014/main" id="{7703A585-CB34-4847-AABD-D8BF1C39D16B}"/>
               </a:ext>
             </a:extLst>
           </p:cNvPr>
@@ -8042,7 +8042,7 @@
           <p:cNvPr id="3" name="Content Placeholder 2">
             <a:extLst>
               <a:ext uri="{FF2B5EF4-FFF2-40B4-BE49-F238E27FC236}">
-                <a16:creationId xmlns:a16="http://schemas.microsoft.com/office/drawing/2014/main" xmlns="" id="{65C12D36-4D81-4990-B646-20709CA0D106}"/>
+                <a16:creationId xmlns="" xmlns:a16="http://schemas.microsoft.com/office/drawing/2014/main" id="{65C12D36-4D81-4990-B646-20709CA0D106}"/>
               </a:ext>
             </a:extLst>
           </p:cNvPr>
@@ -8255,21 +8255,21 @@
                 <a:gridCol w="1307104">
                   <a:extLst>
                     <a:ext uri="{9D8B030D-6E8A-4147-A177-3AD203B41FA5}">
-                      <a16:colId xmlns:a16="http://schemas.microsoft.com/office/drawing/2014/main" xmlns="" val="20000"/>
+                      <a16:colId xmlns="" xmlns:a16="http://schemas.microsoft.com/office/drawing/2014/main" val="20000"/>
                     </a:ext>
                   </a:extLst>
                 </a:gridCol>
                 <a:gridCol w="1622611">
                   <a:extLst>
                     <a:ext uri="{9D8B030D-6E8A-4147-A177-3AD203B41FA5}">
-                      <a16:colId xmlns:a16="http://schemas.microsoft.com/office/drawing/2014/main" xmlns="" val="20001"/>
+                      <a16:colId xmlns="" xmlns:a16="http://schemas.microsoft.com/office/drawing/2014/main" val="20001"/>
                     </a:ext>
                   </a:extLst>
                 </a:gridCol>
                 <a:gridCol w="1667684">
                   <a:extLst>
                     <a:ext uri="{9D8B030D-6E8A-4147-A177-3AD203B41FA5}">
-                      <a16:colId xmlns:a16="http://schemas.microsoft.com/office/drawing/2014/main" xmlns="" val="20002"/>
+                      <a16:colId xmlns="" xmlns:a16="http://schemas.microsoft.com/office/drawing/2014/main" val="20002"/>
                     </a:ext>
                   </a:extLst>
                 </a:gridCol>
@@ -8340,7 +8340,7 @@
                 </a:tc>
                 <a:extLst>
                   <a:ext uri="{0D108BD9-81ED-4DB2-BD59-A6C34878D82A}">
-                    <a16:rowId xmlns:a16="http://schemas.microsoft.com/office/drawing/2014/main" xmlns="" val="10000"/>
+                    <a16:rowId xmlns="" xmlns:a16="http://schemas.microsoft.com/office/drawing/2014/main" val="10000"/>
                   </a:ext>
                 </a:extLst>
               </a:tr>
@@ -8416,7 +8416,7 @@
                 </a:tc>
                 <a:extLst>
                   <a:ext uri="{0D108BD9-81ED-4DB2-BD59-A6C34878D82A}">
-                    <a16:rowId xmlns:a16="http://schemas.microsoft.com/office/drawing/2014/main" xmlns="" val="10001"/>
+                    <a16:rowId xmlns="" xmlns:a16="http://schemas.microsoft.com/office/drawing/2014/main" val="10001"/>
                   </a:ext>
                 </a:extLst>
               </a:tr>
@@ -8492,7 +8492,7 @@
                 </a:tc>
                 <a:extLst>
                   <a:ext uri="{0D108BD9-81ED-4DB2-BD59-A6C34878D82A}">
-                    <a16:rowId xmlns:a16="http://schemas.microsoft.com/office/drawing/2014/main" xmlns="" val="10002"/>
+                    <a16:rowId xmlns="" xmlns:a16="http://schemas.microsoft.com/office/drawing/2014/main" val="10002"/>
                   </a:ext>
                 </a:extLst>
               </a:tr>
@@ -8568,7 +8568,7 @@
                 </a:tc>
                 <a:extLst>
                   <a:ext uri="{0D108BD9-81ED-4DB2-BD59-A6C34878D82A}">
-                    <a16:rowId xmlns:a16="http://schemas.microsoft.com/office/drawing/2014/main" xmlns="" val="10003"/>
+                    <a16:rowId xmlns="" xmlns:a16="http://schemas.microsoft.com/office/drawing/2014/main" val="10003"/>
                   </a:ext>
                 </a:extLst>
               </a:tr>
@@ -8901,14 +8901,14 @@
                 <a:gridCol w="1676870">
                   <a:extLst>
                     <a:ext uri="{9D8B030D-6E8A-4147-A177-3AD203B41FA5}">
-                      <a16:colId xmlns:a16="http://schemas.microsoft.com/office/drawing/2014/main" xmlns="" val="20000"/>
+                      <a16:colId xmlns="" xmlns:a16="http://schemas.microsoft.com/office/drawing/2014/main" val="20000"/>
                     </a:ext>
                   </a:extLst>
                 </a:gridCol>
                 <a:gridCol w="3663480">
                   <a:extLst>
                     <a:ext uri="{9D8B030D-6E8A-4147-A177-3AD203B41FA5}">
-                      <a16:colId xmlns:a16="http://schemas.microsoft.com/office/drawing/2014/main" xmlns="" val="20001"/>
+                      <a16:colId xmlns="" xmlns:a16="http://schemas.microsoft.com/office/drawing/2014/main" val="20001"/>
                     </a:ext>
                   </a:extLst>
                 </a:gridCol>
@@ -8962,7 +8962,7 @@
                 </a:tc>
                 <a:extLst>
                   <a:ext uri="{0D108BD9-81ED-4DB2-BD59-A6C34878D82A}">
-                    <a16:rowId xmlns:a16="http://schemas.microsoft.com/office/drawing/2014/main" xmlns="" val="10000"/>
+                    <a16:rowId xmlns="" xmlns:a16="http://schemas.microsoft.com/office/drawing/2014/main" val="10000"/>
                   </a:ext>
                 </a:extLst>
               </a:tr>
@@ -9002,7 +9002,7 @@
                 </a:tc>
                 <a:extLst>
                   <a:ext uri="{0D108BD9-81ED-4DB2-BD59-A6C34878D82A}">
-                    <a16:rowId xmlns:a16="http://schemas.microsoft.com/office/drawing/2014/main" xmlns="" val="10001"/>
+                    <a16:rowId xmlns="" xmlns:a16="http://schemas.microsoft.com/office/drawing/2014/main" val="10001"/>
                   </a:ext>
                 </a:extLst>
               </a:tr>
@@ -9055,7 +9055,7 @@
                 </a:tc>
                 <a:extLst>
                   <a:ext uri="{0D108BD9-81ED-4DB2-BD59-A6C34878D82A}">
-                    <a16:rowId xmlns:a16="http://schemas.microsoft.com/office/drawing/2014/main" xmlns="" val="10002"/>
+                    <a16:rowId xmlns="" xmlns:a16="http://schemas.microsoft.com/office/drawing/2014/main" val="10002"/>
                   </a:ext>
                 </a:extLst>
               </a:tr>
@@ -9095,7 +9095,7 @@
                 </a:tc>
                 <a:extLst>
                   <a:ext uri="{0D108BD9-81ED-4DB2-BD59-A6C34878D82A}">
-                    <a16:rowId xmlns:a16="http://schemas.microsoft.com/office/drawing/2014/main" xmlns="" val="10003"/>
+                    <a16:rowId xmlns="" xmlns:a16="http://schemas.microsoft.com/office/drawing/2014/main" val="10003"/>
                   </a:ext>
                 </a:extLst>
               </a:tr>
@@ -9135,7 +9135,7 @@
                 </a:tc>
                 <a:extLst>
                   <a:ext uri="{0D108BD9-81ED-4DB2-BD59-A6C34878D82A}">
-                    <a16:rowId xmlns:a16="http://schemas.microsoft.com/office/drawing/2014/main" xmlns="" val="10004"/>
+                    <a16:rowId xmlns="" xmlns:a16="http://schemas.microsoft.com/office/drawing/2014/main" val="10004"/>
                   </a:ext>
                 </a:extLst>
               </a:tr>
@@ -9175,7 +9175,7 @@
                 </a:tc>
                 <a:extLst>
                   <a:ext uri="{0D108BD9-81ED-4DB2-BD59-A6C34878D82A}">
-                    <a16:rowId xmlns:a16="http://schemas.microsoft.com/office/drawing/2014/main" xmlns="" val="10005"/>
+                    <a16:rowId xmlns="" xmlns:a16="http://schemas.microsoft.com/office/drawing/2014/main" val="10005"/>
                   </a:ext>
                 </a:extLst>
               </a:tr>
@@ -9215,7 +9215,7 @@
                 </a:tc>
                 <a:extLst>
                   <a:ext uri="{0D108BD9-81ED-4DB2-BD59-A6C34878D82A}">
-                    <a16:rowId xmlns:a16="http://schemas.microsoft.com/office/drawing/2014/main" xmlns="" val="10006"/>
+                    <a16:rowId xmlns="" xmlns:a16="http://schemas.microsoft.com/office/drawing/2014/main" val="10006"/>
                   </a:ext>
                 </a:extLst>
               </a:tr>
@@ -9255,7 +9255,7 @@
                 </a:tc>
                 <a:extLst>
                   <a:ext uri="{0D108BD9-81ED-4DB2-BD59-A6C34878D82A}">
-                    <a16:rowId xmlns:a16="http://schemas.microsoft.com/office/drawing/2014/main" xmlns="" val="10007"/>
+                    <a16:rowId xmlns="" xmlns:a16="http://schemas.microsoft.com/office/drawing/2014/main" val="10007"/>
                   </a:ext>
                 </a:extLst>
               </a:tr>
@@ -9314,7 +9314,7 @@
                 </a:tc>
                 <a:extLst>
                   <a:ext uri="{0D108BD9-81ED-4DB2-BD59-A6C34878D82A}">
-                    <a16:rowId xmlns:a16="http://schemas.microsoft.com/office/drawing/2014/main" xmlns="" val="10008"/>
+                    <a16:rowId xmlns="" xmlns:a16="http://schemas.microsoft.com/office/drawing/2014/main" val="10008"/>
                   </a:ext>
                 </a:extLst>
               </a:tr>
@@ -9357,7 +9357,7 @@
                 </a:tc>
                 <a:extLst>
                   <a:ext uri="{0D108BD9-81ED-4DB2-BD59-A6C34878D82A}">
-                    <a16:rowId xmlns:a16="http://schemas.microsoft.com/office/drawing/2014/main" xmlns="" val="10009"/>
+                    <a16:rowId xmlns="" xmlns:a16="http://schemas.microsoft.com/office/drawing/2014/main" val="10009"/>
                   </a:ext>
                 </a:extLst>
               </a:tr>
@@ -9400,7 +9400,7 @@
                 </a:tc>
                 <a:extLst>
                   <a:ext uri="{0D108BD9-81ED-4DB2-BD59-A6C34878D82A}">
-                    <a16:rowId xmlns:a16="http://schemas.microsoft.com/office/drawing/2014/main" xmlns="" val="10010"/>
+                    <a16:rowId xmlns="" xmlns:a16="http://schemas.microsoft.com/office/drawing/2014/main" val="10010"/>
                   </a:ext>
                 </a:extLst>
               </a:tr>
@@ -9443,7 +9443,7 @@
                 </a:tc>
                 <a:extLst>
                   <a:ext uri="{0D108BD9-81ED-4DB2-BD59-A6C34878D82A}">
-                    <a16:rowId xmlns:a16="http://schemas.microsoft.com/office/drawing/2014/main" xmlns="" val="10011"/>
+                    <a16:rowId xmlns="" xmlns:a16="http://schemas.microsoft.com/office/drawing/2014/main" val="10011"/>
                   </a:ext>
                 </a:extLst>
               </a:tr>
@@ -9486,7 +9486,7 @@
                 </a:tc>
                 <a:extLst>
                   <a:ext uri="{0D108BD9-81ED-4DB2-BD59-A6C34878D82A}">
-                    <a16:rowId xmlns:a16="http://schemas.microsoft.com/office/drawing/2014/main" xmlns="" val="10012"/>
+                    <a16:rowId xmlns="" xmlns:a16="http://schemas.microsoft.com/office/drawing/2014/main" val="10012"/>
                   </a:ext>
                 </a:extLst>
               </a:tr>
@@ -9529,7 +9529,7 @@
                 </a:tc>
                 <a:extLst>
                   <a:ext uri="{0D108BD9-81ED-4DB2-BD59-A6C34878D82A}">
-                    <a16:rowId xmlns:a16="http://schemas.microsoft.com/office/drawing/2014/main" xmlns="" val="10013"/>
+                    <a16:rowId xmlns="" xmlns:a16="http://schemas.microsoft.com/office/drawing/2014/main" val="10013"/>
                   </a:ext>
                 </a:extLst>
               </a:tr>
@@ -9572,7 +9572,7 @@
                 </a:tc>
                 <a:extLst>
                   <a:ext uri="{0D108BD9-81ED-4DB2-BD59-A6C34878D82A}">
-                    <a16:rowId xmlns:a16="http://schemas.microsoft.com/office/drawing/2014/main" xmlns="" val="10014"/>
+                    <a16:rowId xmlns="" xmlns:a16="http://schemas.microsoft.com/office/drawing/2014/main" val="10014"/>
                   </a:ext>
                 </a:extLst>
               </a:tr>
@@ -9615,7 +9615,7 @@
                 </a:tc>
                 <a:extLst>
                   <a:ext uri="{0D108BD9-81ED-4DB2-BD59-A6C34878D82A}">
-                    <a16:rowId xmlns:a16="http://schemas.microsoft.com/office/drawing/2014/main" xmlns="" val="10015"/>
+                    <a16:rowId xmlns="" xmlns:a16="http://schemas.microsoft.com/office/drawing/2014/main" val="10015"/>
                   </a:ext>
                 </a:extLst>
               </a:tr>
@@ -9658,7 +9658,7 @@
                 </a:tc>
                 <a:extLst>
                   <a:ext uri="{0D108BD9-81ED-4DB2-BD59-A6C34878D82A}">
-                    <a16:rowId xmlns:a16="http://schemas.microsoft.com/office/drawing/2014/main" xmlns="" val="10016"/>
+                    <a16:rowId xmlns="" xmlns:a16="http://schemas.microsoft.com/office/drawing/2014/main" val="10016"/>
                   </a:ext>
                 </a:extLst>
               </a:tr>
@@ -9711,7 +9711,7 @@
                 </a:tc>
                 <a:extLst>
                   <a:ext uri="{0D108BD9-81ED-4DB2-BD59-A6C34878D82A}">
-                    <a16:rowId xmlns:a16="http://schemas.microsoft.com/office/drawing/2014/main" xmlns="" val="10017"/>
+                    <a16:rowId xmlns="" xmlns:a16="http://schemas.microsoft.com/office/drawing/2014/main" val="10017"/>
                   </a:ext>
                 </a:extLst>
               </a:tr>
@@ -9751,7 +9751,7 @@
                 </a:tc>
                 <a:extLst>
                   <a:ext uri="{0D108BD9-81ED-4DB2-BD59-A6C34878D82A}">
-                    <a16:rowId xmlns:a16="http://schemas.microsoft.com/office/drawing/2014/main" xmlns="" val="10018"/>
+                    <a16:rowId xmlns="" xmlns:a16="http://schemas.microsoft.com/office/drawing/2014/main" val="10018"/>
                   </a:ext>
                 </a:extLst>
               </a:tr>
@@ -9981,28 +9981,28 @@
                 <a:gridCol w="1697973">
                   <a:extLst>
                     <a:ext uri="{9D8B030D-6E8A-4147-A177-3AD203B41FA5}">
-                      <a16:colId xmlns:a16="http://schemas.microsoft.com/office/drawing/2014/main" xmlns="" val="20000"/>
+                      <a16:colId xmlns="" xmlns:a16="http://schemas.microsoft.com/office/drawing/2014/main" val="20000"/>
                     </a:ext>
                   </a:extLst>
                 </a:gridCol>
                 <a:gridCol w="1697973">
                   <a:extLst>
                     <a:ext uri="{9D8B030D-6E8A-4147-A177-3AD203B41FA5}">
-                      <a16:colId xmlns:a16="http://schemas.microsoft.com/office/drawing/2014/main" xmlns="" val="20001"/>
+                      <a16:colId xmlns="" xmlns:a16="http://schemas.microsoft.com/office/drawing/2014/main" val="20001"/>
                     </a:ext>
                   </a:extLst>
                 </a:gridCol>
                 <a:gridCol w="917538">
                   <a:extLst>
                     <a:ext uri="{9D8B030D-6E8A-4147-A177-3AD203B41FA5}">
-                      <a16:colId xmlns:a16="http://schemas.microsoft.com/office/drawing/2014/main" xmlns="" val="20002"/>
+                      <a16:colId xmlns="" xmlns:a16="http://schemas.microsoft.com/office/drawing/2014/main" val="20002"/>
                     </a:ext>
                   </a:extLst>
                 </a:gridCol>
                 <a:gridCol w="1128466">
                   <a:extLst>
                     <a:ext uri="{9D8B030D-6E8A-4147-A177-3AD203B41FA5}">
-                      <a16:colId xmlns:a16="http://schemas.microsoft.com/office/drawing/2014/main" xmlns="" val="20003"/>
+                      <a16:colId xmlns="" xmlns:a16="http://schemas.microsoft.com/office/drawing/2014/main" val="20003"/>
                     </a:ext>
                   </a:extLst>
                 </a:gridCol>
@@ -10083,7 +10083,7 @@
                 </a:tc>
                 <a:extLst>
                   <a:ext uri="{0D108BD9-81ED-4DB2-BD59-A6C34878D82A}">
-                    <a16:rowId xmlns:a16="http://schemas.microsoft.com/office/drawing/2014/main" xmlns="" val="10000"/>
+                    <a16:rowId xmlns="" xmlns:a16="http://schemas.microsoft.com/office/drawing/2014/main" val="10000"/>
                   </a:ext>
                 </a:extLst>
               </a:tr>
@@ -10163,7 +10163,7 @@
                 </a:tc>
                 <a:extLst>
                   <a:ext uri="{0D108BD9-81ED-4DB2-BD59-A6C34878D82A}">
-                    <a16:rowId xmlns:a16="http://schemas.microsoft.com/office/drawing/2014/main" xmlns="" val="10001"/>
+                    <a16:rowId xmlns="" xmlns:a16="http://schemas.microsoft.com/office/drawing/2014/main" val="10001"/>
                   </a:ext>
                 </a:extLst>
               </a:tr>
@@ -10256,7 +10256,7 @@
                 </a:tc>
                 <a:extLst>
                   <a:ext uri="{0D108BD9-81ED-4DB2-BD59-A6C34878D82A}">
-                    <a16:rowId xmlns:a16="http://schemas.microsoft.com/office/drawing/2014/main" xmlns="" val="10002"/>
+                    <a16:rowId xmlns="" xmlns:a16="http://schemas.microsoft.com/office/drawing/2014/main" val="10002"/>
                   </a:ext>
                 </a:extLst>
               </a:tr>
@@ -10336,7 +10336,7 @@
                 </a:tc>
                 <a:extLst>
                   <a:ext uri="{0D108BD9-81ED-4DB2-BD59-A6C34878D82A}">
-                    <a16:rowId xmlns:a16="http://schemas.microsoft.com/office/drawing/2014/main" xmlns="" val="10003"/>
+                    <a16:rowId xmlns="" xmlns:a16="http://schemas.microsoft.com/office/drawing/2014/main" val="10003"/>
                   </a:ext>
                 </a:extLst>
               </a:tr>
@@ -10416,7 +10416,7 @@
                 </a:tc>
                 <a:extLst>
                   <a:ext uri="{0D108BD9-81ED-4DB2-BD59-A6C34878D82A}">
-                    <a16:rowId xmlns:a16="http://schemas.microsoft.com/office/drawing/2014/main" xmlns="" val="10004"/>
+                    <a16:rowId xmlns="" xmlns:a16="http://schemas.microsoft.com/office/drawing/2014/main" val="10004"/>
                   </a:ext>
                 </a:extLst>
               </a:tr>
@@ -10496,7 +10496,7 @@
                 </a:tc>
                 <a:extLst>
                   <a:ext uri="{0D108BD9-81ED-4DB2-BD59-A6C34878D82A}">
-                    <a16:rowId xmlns:a16="http://schemas.microsoft.com/office/drawing/2014/main" xmlns="" val="10005"/>
+                    <a16:rowId xmlns="" xmlns:a16="http://schemas.microsoft.com/office/drawing/2014/main" val="10005"/>
                   </a:ext>
                 </a:extLst>
               </a:tr>
@@ -10576,7 +10576,7 @@
                 </a:tc>
                 <a:extLst>
                   <a:ext uri="{0D108BD9-81ED-4DB2-BD59-A6C34878D82A}">
-                    <a16:rowId xmlns:a16="http://schemas.microsoft.com/office/drawing/2014/main" xmlns="" val="10006"/>
+                    <a16:rowId xmlns="" xmlns:a16="http://schemas.microsoft.com/office/drawing/2014/main" val="10006"/>
                   </a:ext>
                 </a:extLst>
               </a:tr>
@@ -10656,7 +10656,7 @@
                 </a:tc>
                 <a:extLst>
                   <a:ext uri="{0D108BD9-81ED-4DB2-BD59-A6C34878D82A}">
-                    <a16:rowId xmlns:a16="http://schemas.microsoft.com/office/drawing/2014/main" xmlns="" val="10007"/>
+                    <a16:rowId xmlns="" xmlns:a16="http://schemas.microsoft.com/office/drawing/2014/main" val="10007"/>
                   </a:ext>
                 </a:extLst>
               </a:tr>
@@ -10739,7 +10739,7 @@
                 </a:tc>
                 <a:extLst>
                   <a:ext uri="{0D108BD9-81ED-4DB2-BD59-A6C34878D82A}">
-                    <a16:rowId xmlns:a16="http://schemas.microsoft.com/office/drawing/2014/main" xmlns="" val="10008"/>
+                    <a16:rowId xmlns="" xmlns:a16="http://schemas.microsoft.com/office/drawing/2014/main" val="10008"/>
                   </a:ext>
                 </a:extLst>
               </a:tr>
@@ -10832,7 +10832,7 @@
                 </a:tc>
                 <a:extLst>
                   <a:ext uri="{0D108BD9-81ED-4DB2-BD59-A6C34878D82A}">
-                    <a16:rowId xmlns:a16="http://schemas.microsoft.com/office/drawing/2014/main" xmlns="" val="10009"/>
+                    <a16:rowId xmlns="" xmlns:a16="http://schemas.microsoft.com/office/drawing/2014/main" val="10009"/>
                   </a:ext>
                 </a:extLst>
               </a:tr>
@@ -10912,7 +10912,7 @@
                 </a:tc>
                 <a:extLst>
                   <a:ext uri="{0D108BD9-81ED-4DB2-BD59-A6C34878D82A}">
-                    <a16:rowId xmlns:a16="http://schemas.microsoft.com/office/drawing/2014/main" xmlns="" val="10010"/>
+                    <a16:rowId xmlns="" xmlns:a16="http://schemas.microsoft.com/office/drawing/2014/main" val="10010"/>
                   </a:ext>
                 </a:extLst>
               </a:tr>
@@ -10992,7 +10992,7 @@
                 </a:tc>
                 <a:extLst>
                   <a:ext uri="{0D108BD9-81ED-4DB2-BD59-A6C34878D82A}">
-                    <a16:rowId xmlns:a16="http://schemas.microsoft.com/office/drawing/2014/main" xmlns="" val="10011"/>
+                    <a16:rowId xmlns="" xmlns:a16="http://schemas.microsoft.com/office/drawing/2014/main" val="10011"/>
                   </a:ext>
                 </a:extLst>
               </a:tr>
@@ -11072,7 +11072,7 @@
                 </a:tc>
                 <a:extLst>
                   <a:ext uri="{0D108BD9-81ED-4DB2-BD59-A6C34878D82A}">
-                    <a16:rowId xmlns:a16="http://schemas.microsoft.com/office/drawing/2014/main" xmlns="" val="10012"/>
+                    <a16:rowId xmlns="" xmlns:a16="http://schemas.microsoft.com/office/drawing/2014/main" val="10012"/>
                   </a:ext>
                 </a:extLst>
               </a:tr>
@@ -11152,7 +11152,7 @@
                 </a:tc>
                 <a:extLst>
                   <a:ext uri="{0D108BD9-81ED-4DB2-BD59-A6C34878D82A}">
-                    <a16:rowId xmlns:a16="http://schemas.microsoft.com/office/drawing/2014/main" xmlns="" val="10013"/>
+                    <a16:rowId xmlns="" xmlns:a16="http://schemas.microsoft.com/office/drawing/2014/main" val="10013"/>
                   </a:ext>
                 </a:extLst>
               </a:tr>
@@ -11232,7 +11232,7 @@
                 </a:tc>
                 <a:extLst>
                   <a:ext uri="{0D108BD9-81ED-4DB2-BD59-A6C34878D82A}">
-                    <a16:rowId xmlns:a16="http://schemas.microsoft.com/office/drawing/2014/main" xmlns="" val="10014"/>
+                    <a16:rowId xmlns="" xmlns:a16="http://schemas.microsoft.com/office/drawing/2014/main" val="10014"/>
                   </a:ext>
                 </a:extLst>
               </a:tr>
@@ -11315,7 +11315,7 @@
                 </a:tc>
                 <a:extLst>
                   <a:ext uri="{0D108BD9-81ED-4DB2-BD59-A6C34878D82A}">
-                    <a16:rowId xmlns:a16="http://schemas.microsoft.com/office/drawing/2014/main" xmlns="" val="10015"/>
+                    <a16:rowId xmlns="" xmlns:a16="http://schemas.microsoft.com/office/drawing/2014/main" val="10015"/>
                   </a:ext>
                 </a:extLst>
               </a:tr>
@@ -11406,35 +11406,35 @@
                 <a:gridCol w="1884339">
                   <a:extLst>
                     <a:ext uri="{9D8B030D-6E8A-4147-A177-3AD203B41FA5}">
-                      <a16:colId xmlns:a16="http://schemas.microsoft.com/office/drawing/2014/main" xmlns="" val="20000"/>
+                      <a16:colId xmlns="" xmlns:a16="http://schemas.microsoft.com/office/drawing/2014/main" val="20000"/>
                     </a:ext>
                   </a:extLst>
                 </a:gridCol>
                 <a:gridCol w="4206296">
                   <a:extLst>
                     <a:ext uri="{9D8B030D-6E8A-4147-A177-3AD203B41FA5}">
-                      <a16:colId xmlns:a16="http://schemas.microsoft.com/office/drawing/2014/main" xmlns="" val="20001"/>
+                      <a16:colId xmlns="" xmlns:a16="http://schemas.microsoft.com/office/drawing/2014/main" val="20001"/>
                     </a:ext>
                   </a:extLst>
                 </a:gridCol>
                 <a:gridCol w="1165829">
                   <a:extLst>
                     <a:ext uri="{9D8B030D-6E8A-4147-A177-3AD203B41FA5}">
-                      <a16:colId xmlns:a16="http://schemas.microsoft.com/office/drawing/2014/main" xmlns="" val="20002"/>
+                      <a16:colId xmlns="" xmlns:a16="http://schemas.microsoft.com/office/drawing/2014/main" val="20002"/>
                     </a:ext>
                   </a:extLst>
                 </a:gridCol>
                 <a:gridCol w="1252326">
                   <a:extLst>
                     <a:ext uri="{9D8B030D-6E8A-4147-A177-3AD203B41FA5}">
-                      <a16:colId xmlns:a16="http://schemas.microsoft.com/office/drawing/2014/main" xmlns="" val="20003"/>
+                      <a16:colId xmlns="" xmlns:a16="http://schemas.microsoft.com/office/drawing/2014/main" val="20003"/>
                     </a:ext>
                   </a:extLst>
                 </a:gridCol>
                 <a:gridCol w="1252326">
                   <a:extLst>
                     <a:ext uri="{9D8B030D-6E8A-4147-A177-3AD203B41FA5}">
-                      <a16:colId xmlns:a16="http://schemas.microsoft.com/office/drawing/2014/main" xmlns="" val="20004"/>
+                      <a16:colId xmlns="" xmlns:a16="http://schemas.microsoft.com/office/drawing/2014/main" val="20004"/>
                     </a:ext>
                   </a:extLst>
                 </a:gridCol>
@@ -11551,7 +11551,7 @@
                 </a:tc>
                 <a:extLst>
                   <a:ext uri="{0D108BD9-81ED-4DB2-BD59-A6C34878D82A}">
-                    <a16:rowId xmlns:a16="http://schemas.microsoft.com/office/drawing/2014/main" xmlns="" val="10000"/>
+                    <a16:rowId xmlns="" xmlns:a16="http://schemas.microsoft.com/office/drawing/2014/main" val="10000"/>
                   </a:ext>
                 </a:extLst>
               </a:tr>
@@ -11673,7 +11673,7 @@
                 </a:tc>
                 <a:extLst>
                   <a:ext uri="{0D108BD9-81ED-4DB2-BD59-A6C34878D82A}">
-                    <a16:rowId xmlns:a16="http://schemas.microsoft.com/office/drawing/2014/main" xmlns="" val="10001"/>
+                    <a16:rowId xmlns="" xmlns:a16="http://schemas.microsoft.com/office/drawing/2014/main" val="10001"/>
                   </a:ext>
                 </a:extLst>
               </a:tr>
@@ -11782,7 +11782,7 @@
                 </a:tc>
                 <a:extLst>
                   <a:ext uri="{0D108BD9-81ED-4DB2-BD59-A6C34878D82A}">
-                    <a16:rowId xmlns:a16="http://schemas.microsoft.com/office/drawing/2014/main" xmlns="" val="10002"/>
+                    <a16:rowId xmlns="" xmlns:a16="http://schemas.microsoft.com/office/drawing/2014/main" val="10002"/>
                   </a:ext>
                 </a:extLst>
               </a:tr>
@@ -11903,7 +11903,7 @@
                 </a:tc>
                 <a:extLst>
                   <a:ext uri="{0D108BD9-81ED-4DB2-BD59-A6C34878D82A}">
-                    <a16:rowId xmlns:a16="http://schemas.microsoft.com/office/drawing/2014/main" xmlns="" val="10003"/>
+                    <a16:rowId xmlns="" xmlns:a16="http://schemas.microsoft.com/office/drawing/2014/main" val="10003"/>
                   </a:ext>
                 </a:extLst>
               </a:tr>
@@ -12012,7 +12012,7 @@
                 </a:tc>
                 <a:extLst>
                   <a:ext uri="{0D108BD9-81ED-4DB2-BD59-A6C34878D82A}">
-                    <a16:rowId xmlns:a16="http://schemas.microsoft.com/office/drawing/2014/main" xmlns="" val="10004"/>
+                    <a16:rowId xmlns="" xmlns:a16="http://schemas.microsoft.com/office/drawing/2014/main" val="10004"/>
                   </a:ext>
                 </a:extLst>
               </a:tr>
@@ -12149,7 +12149,7 @@
                 </a:tc>
                 <a:extLst>
                   <a:ext uri="{0D108BD9-81ED-4DB2-BD59-A6C34878D82A}">
-                    <a16:rowId xmlns:a16="http://schemas.microsoft.com/office/drawing/2014/main" xmlns="" val="10005"/>
+                    <a16:rowId xmlns="" xmlns:a16="http://schemas.microsoft.com/office/drawing/2014/main" val="10005"/>
                   </a:ext>
                 </a:extLst>
               </a:tr>
@@ -12271,7 +12271,7 @@
                 </a:tc>
                 <a:extLst>
                   <a:ext uri="{0D108BD9-81ED-4DB2-BD59-A6C34878D82A}">
-                    <a16:rowId xmlns:a16="http://schemas.microsoft.com/office/drawing/2014/main" xmlns="" val="10006"/>
+                    <a16:rowId xmlns="" xmlns:a16="http://schemas.microsoft.com/office/drawing/2014/main" val="10006"/>
                   </a:ext>
                 </a:extLst>
               </a:tr>
@@ -12408,7 +12408,7 @@
                 </a:tc>
                 <a:extLst>
                   <a:ext uri="{0D108BD9-81ED-4DB2-BD59-A6C34878D82A}">
-                    <a16:rowId xmlns:a16="http://schemas.microsoft.com/office/drawing/2014/main" xmlns="" val="10007"/>
+                    <a16:rowId xmlns="" xmlns:a16="http://schemas.microsoft.com/office/drawing/2014/main" val="10007"/>
                   </a:ext>
                 </a:extLst>
               </a:tr>
@@ -12529,7 +12529,7 @@
                 </a:tc>
                 <a:extLst>
                   <a:ext uri="{0D108BD9-81ED-4DB2-BD59-A6C34878D82A}">
-                    <a16:rowId xmlns:a16="http://schemas.microsoft.com/office/drawing/2014/main" xmlns="" val="10008"/>
+                    <a16:rowId xmlns="" xmlns:a16="http://schemas.microsoft.com/office/drawing/2014/main" val="10008"/>
                   </a:ext>
                 </a:extLst>
               </a:tr>
@@ -12638,7 +12638,7 @@
                 </a:tc>
                 <a:extLst>
                   <a:ext uri="{0D108BD9-81ED-4DB2-BD59-A6C34878D82A}">
-                    <a16:rowId xmlns:a16="http://schemas.microsoft.com/office/drawing/2014/main" xmlns="" val="10009"/>
+                    <a16:rowId xmlns="" xmlns:a16="http://schemas.microsoft.com/office/drawing/2014/main" val="10009"/>
                   </a:ext>
                 </a:extLst>
               </a:tr>
@@ -12747,7 +12747,7 @@
                 </a:tc>
                 <a:extLst>
                   <a:ext uri="{0D108BD9-81ED-4DB2-BD59-A6C34878D82A}">
-                    <a16:rowId xmlns:a16="http://schemas.microsoft.com/office/drawing/2014/main" xmlns="" val="10010"/>
+                    <a16:rowId xmlns="" xmlns:a16="http://schemas.microsoft.com/office/drawing/2014/main" val="10010"/>
                   </a:ext>
                 </a:extLst>
               </a:tr>
@@ -12856,7 +12856,7 @@
                 </a:tc>
                 <a:extLst>
                   <a:ext uri="{0D108BD9-81ED-4DB2-BD59-A6C34878D82A}">
-                    <a16:rowId xmlns:a16="http://schemas.microsoft.com/office/drawing/2014/main" xmlns="" val="10011"/>
+                    <a16:rowId xmlns="" xmlns:a16="http://schemas.microsoft.com/office/drawing/2014/main" val="10011"/>
                   </a:ext>
                 </a:extLst>
               </a:tr>
@@ -13033,7 +13033,7 @@
           <p:cNvPr id="2" name="Title 1">
             <a:extLst>
               <a:ext uri="{FF2B5EF4-FFF2-40B4-BE49-F238E27FC236}">
-                <a16:creationId xmlns:a16="http://schemas.microsoft.com/office/drawing/2014/main" xmlns="" id="{F2BA0188-53B3-4D0B-BFA2-D97322C19DC2}"/>
+                <a16:creationId xmlns="" xmlns:a16="http://schemas.microsoft.com/office/drawing/2014/main" id="{F2BA0188-53B3-4D0B-BFA2-D97322C19DC2}"/>
               </a:ext>
             </a:extLst>
           </p:cNvPr>
@@ -13062,7 +13062,7 @@
           <p:cNvPr id="3" name="Content Placeholder 2">
             <a:extLst>
               <a:ext uri="{FF2B5EF4-FFF2-40B4-BE49-F238E27FC236}">
-                <a16:creationId xmlns:a16="http://schemas.microsoft.com/office/drawing/2014/main" xmlns="" id="{262D00B4-C15B-447A-9CEE-B8D24F15D579}"/>
+                <a16:creationId xmlns="" xmlns:a16="http://schemas.microsoft.com/office/drawing/2014/main" id="{262D00B4-C15B-447A-9CEE-B8D24F15D579}"/>
               </a:ext>
             </a:extLst>
           </p:cNvPr>
